--- a/Discussione Laurea/Slides.pptx
+++ b/Discussione Laurea/Slides.pptx
@@ -4438,7 +4438,7 @@
         </p:nvSpPr>
         <p:spPr>
           <a:xfrm>
-            <a:off x="9061" y="1454686"/>
+            <a:off x="9061" y="1649996"/>
             <a:ext cx="9134939" cy="307777"/>
           </a:xfrm>
           <a:prstGeom prst="rect">
@@ -4665,7 +4665,7 @@
         </p:nvSpPr>
         <p:spPr>
           <a:xfrm>
-            <a:off x="5376004" y="1869423"/>
+            <a:off x="5376004" y="2064733"/>
             <a:ext cx="3412021" cy="523220"/>
           </a:xfrm>
           <a:prstGeom prst="rect">
@@ -4714,7 +4714,7 @@
         </p:blipFill>
         <p:spPr>
           <a:xfrm>
-            <a:off x="9061" y="1762463"/>
+            <a:off x="9061" y="1957773"/>
             <a:ext cx="5203627" cy="1250740"/>
           </a:xfrm>
           <a:prstGeom prst="rect">
@@ -4736,7 +4736,7 @@
         </p:nvSpPr>
         <p:spPr>
           <a:xfrm>
-            <a:off x="5376004" y="2329841"/>
+            <a:off x="5376004" y="2525151"/>
             <a:ext cx="3412021" cy="1169551"/>
           </a:xfrm>
           <a:prstGeom prst="rect">
@@ -4830,7 +4830,7 @@
         </p:nvSpPr>
         <p:spPr>
           <a:xfrm>
-            <a:off x="1790498" y="5392230"/>
+            <a:off x="1790498" y="5587540"/>
             <a:ext cx="2974019" cy="307777"/>
           </a:xfrm>
           <a:prstGeom prst="rect">
@@ -4868,7 +4868,7 @@
         </p:nvSpPr>
         <p:spPr>
           <a:xfrm>
-            <a:off x="4672111" y="5440673"/>
+            <a:off x="4672111" y="5635983"/>
             <a:ext cx="825624" cy="210890"/>
           </a:xfrm>
           <a:prstGeom prst="rightArrow">
@@ -4912,7 +4912,7 @@
         </p:nvSpPr>
         <p:spPr>
           <a:xfrm>
-            <a:off x="5615326" y="5386326"/>
+            <a:off x="5615326" y="5581636"/>
             <a:ext cx="1387860" cy="307777"/>
           </a:xfrm>
           <a:prstGeom prst="rect">
@@ -4950,7 +4950,7 @@
         </p:nvSpPr>
         <p:spPr>
           <a:xfrm>
-            <a:off x="368801" y="4465532"/>
+            <a:off x="-9061" y="4636273"/>
             <a:ext cx="9134939" cy="307777"/>
           </a:xfrm>
           <a:prstGeom prst="rect">
@@ -4964,6 +4964,7 @@
           </a:bodyPr>
           <a:lstStyle/>
           <a:p>
+            <a:pPr algn="ctr"/>
             <a:r>
               <a:rPr lang="it-IT" sz="1400" dirty="0">
                 <a:latin typeface="Arial" panose="020B0604020202020204" pitchFamily="34" charset="0"/>
@@ -5880,7 +5881,425 @@
                 <a:latin typeface="Arial" panose="020B0604020202020204" pitchFamily="34" charset="0"/>
                 <a:cs typeface="Arial" panose="020B0604020202020204" pitchFamily="34" charset="0"/>
               </a:rPr>
-              <a:t>È un diagramma che rappresenta le relazioni evolutive tra le varie entità biologiche (animali, piante, virus e così via).</a:t>
+              <a:t>È un diagramma che rappresenta le relazioni evolutive tra le varie entità biologiche, dove i nodi (o vertici) rappresentano tali entità, mentre gli archi mostrano loro relazioni tra di loro.</a:t>
+            </a:r>
+          </a:p>
+        </p:txBody>
+      </p:sp>
+      <p:sp>
+        <p:nvSpPr>
+          <p:cNvPr id="9" name="CasellaDiTesto 8">
+            <a:extLst>
+              <a:ext uri="{FF2B5EF4-FFF2-40B4-BE49-F238E27FC236}">
+                <a16:creationId xmlns:a16="http://schemas.microsoft.com/office/drawing/2014/main" id="{163F6BF4-0428-413E-A1B3-7C53EF9D3236}"/>
+              </a:ext>
+            </a:extLst>
+          </p:cNvPr>
+          <p:cNvSpPr txBox="1"/>
+          <p:nvPr/>
+        </p:nvSpPr>
+        <p:spPr>
+          <a:xfrm>
+            <a:off x="9061" y="1842229"/>
+            <a:ext cx="9125878" cy="307777"/>
+          </a:xfrm>
+          <a:prstGeom prst="rect">
+            <a:avLst/>
+          </a:prstGeom>
+          <a:noFill/>
+        </p:spPr>
+        <p:txBody>
+          <a:bodyPr wrap="square" rtlCol="0">
+            <a:spAutoFit/>
+          </a:bodyPr>
+          <a:lstStyle/>
+          <a:p>
+            <a:pPr algn="ctr"/>
+            <a:r>
+              <a:rPr lang="it-IT" sz="1400" dirty="0">
+                <a:latin typeface="Arial" panose="020B0604020202020204" pitchFamily="34" charset="0"/>
+                <a:cs typeface="Arial" panose="020B0604020202020204" pitchFamily="34" charset="0"/>
+              </a:rPr>
+              <a:t>Due tipi di albero</a:t>
+            </a:r>
+          </a:p>
+        </p:txBody>
+      </p:sp>
+      <p:pic>
+        <p:nvPicPr>
+          <p:cNvPr id="3" name="Immagine 2">
+            <a:extLst>
+              <a:ext uri="{FF2B5EF4-FFF2-40B4-BE49-F238E27FC236}">
+                <a16:creationId xmlns:a16="http://schemas.microsoft.com/office/drawing/2014/main" id="{7EAA9263-AF48-4E85-8354-5AF6EC99A324}"/>
+              </a:ext>
+            </a:extLst>
+          </p:cNvPr>
+          <p:cNvPicPr>
+            <a:picLocks noChangeAspect="1"/>
+          </p:cNvPicPr>
+          <p:nvPr/>
+        </p:nvPicPr>
+        <p:blipFill>
+          <a:blip r:embed="rId4"/>
+          <a:stretch>
+            <a:fillRect/>
+          </a:stretch>
+        </p:blipFill>
+        <p:spPr>
+          <a:xfrm>
+            <a:off x="59577" y="2731897"/>
+            <a:ext cx="4210763" cy="2032200"/>
+          </a:xfrm>
+          <a:prstGeom prst="rect">
+            <a:avLst/>
+          </a:prstGeom>
+        </p:spPr>
+      </p:pic>
+      <p:sp>
+        <p:nvSpPr>
+          <p:cNvPr id="4" name="Freccia a destra 3">
+            <a:extLst>
+              <a:ext uri="{FF2B5EF4-FFF2-40B4-BE49-F238E27FC236}">
+                <a16:creationId xmlns:a16="http://schemas.microsoft.com/office/drawing/2014/main" id="{B3D315B6-F320-487D-9E09-282E3DDD6A94}"/>
+              </a:ext>
+            </a:extLst>
+          </p:cNvPr>
+          <p:cNvSpPr/>
+          <p:nvPr/>
+        </p:nvSpPr>
+        <p:spPr>
+          <a:xfrm rot="8445387">
+            <a:off x="3388147" y="2206158"/>
+            <a:ext cx="559145" cy="175395"/>
+          </a:xfrm>
+          <a:prstGeom prst="rightArrow">
+            <a:avLst/>
+          </a:prstGeom>
+        </p:spPr>
+        <p:style>
+          <a:lnRef idx="1">
+            <a:schemeClr val="accent1"/>
+          </a:lnRef>
+          <a:fillRef idx="3">
+            <a:schemeClr val="accent1"/>
+          </a:fillRef>
+          <a:effectRef idx="2">
+            <a:schemeClr val="accent1"/>
+          </a:effectRef>
+          <a:fontRef idx="minor">
+            <a:schemeClr val="lt1"/>
+          </a:fontRef>
+        </p:style>
+        <p:txBody>
+          <a:bodyPr rtlCol="0" anchor="ctr"/>
+          <a:lstStyle/>
+          <a:p>
+            <a:pPr algn="ctr"/>
+            <a:endParaRPr lang="it-IT"/>
+          </a:p>
+        </p:txBody>
+      </p:sp>
+      <p:sp>
+        <p:nvSpPr>
+          <p:cNvPr id="13" name="CasellaDiTesto 12">
+            <a:extLst>
+              <a:ext uri="{FF2B5EF4-FFF2-40B4-BE49-F238E27FC236}">
+                <a16:creationId xmlns:a16="http://schemas.microsoft.com/office/drawing/2014/main" id="{2FB32206-4F7B-4BF3-A1CD-F66349CBD741}"/>
+              </a:ext>
+            </a:extLst>
+          </p:cNvPr>
+          <p:cNvSpPr txBox="1"/>
+          <p:nvPr/>
+        </p:nvSpPr>
+        <p:spPr>
+          <a:xfrm>
+            <a:off x="706840" y="2445538"/>
+            <a:ext cx="2960879" cy="307777"/>
+          </a:xfrm>
+          <a:prstGeom prst="rect">
+            <a:avLst/>
+          </a:prstGeom>
+          <a:noFill/>
+        </p:spPr>
+        <p:txBody>
+          <a:bodyPr wrap="square" rtlCol="0">
+            <a:spAutoFit/>
+          </a:bodyPr>
+          <a:lstStyle/>
+          <a:p>
+            <a:pPr algn="ctr"/>
+            <a:r>
+              <a:rPr lang="it-IT" sz="1400" i="1" dirty="0">
+                <a:latin typeface="Arial" panose="020B0604020202020204" pitchFamily="34" charset="0"/>
+                <a:cs typeface="Arial" panose="020B0604020202020204" pitchFamily="34" charset="0"/>
+              </a:rPr>
+              <a:t>Albero radicato (o con radice)</a:t>
+            </a:r>
+          </a:p>
+        </p:txBody>
+      </p:sp>
+      <p:pic>
+        <p:nvPicPr>
+          <p:cNvPr id="5" name="Immagine 4">
+            <a:extLst>
+              <a:ext uri="{FF2B5EF4-FFF2-40B4-BE49-F238E27FC236}">
+                <a16:creationId xmlns:a16="http://schemas.microsoft.com/office/drawing/2014/main" id="{CF934D1B-534B-4BD7-BACB-82BE35670754}"/>
+              </a:ext>
+            </a:extLst>
+          </p:cNvPr>
+          <p:cNvPicPr>
+            <a:picLocks noChangeAspect="1"/>
+          </p:cNvPicPr>
+          <p:nvPr/>
+        </p:nvPicPr>
+        <p:blipFill rotWithShape="1">
+          <a:blip r:embed="rId5"/>
+          <a:srcRect l="52842" r="6575" b="8228"/>
+          <a:stretch/>
+        </p:blipFill>
+        <p:spPr>
+          <a:xfrm>
+            <a:off x="5856339" y="2742606"/>
+            <a:ext cx="2573196" cy="2010782"/>
+          </a:xfrm>
+          <a:prstGeom prst="rect">
+            <a:avLst/>
+          </a:prstGeom>
+        </p:spPr>
+      </p:pic>
+      <p:sp>
+        <p:nvSpPr>
+          <p:cNvPr id="16" name="Freccia a destra 15">
+            <a:extLst>
+              <a:ext uri="{FF2B5EF4-FFF2-40B4-BE49-F238E27FC236}">
+                <a16:creationId xmlns:a16="http://schemas.microsoft.com/office/drawing/2014/main" id="{0213C04C-B1FC-4873-8386-922B94D62A55}"/>
+              </a:ext>
+            </a:extLst>
+          </p:cNvPr>
+          <p:cNvSpPr/>
+          <p:nvPr/>
+        </p:nvSpPr>
+        <p:spPr>
+          <a:xfrm rot="2406174">
+            <a:off x="5196710" y="2206158"/>
+            <a:ext cx="559145" cy="175395"/>
+          </a:xfrm>
+          <a:prstGeom prst="rightArrow">
+            <a:avLst/>
+          </a:prstGeom>
+        </p:spPr>
+        <p:style>
+          <a:lnRef idx="1">
+            <a:schemeClr val="accent1"/>
+          </a:lnRef>
+          <a:fillRef idx="3">
+            <a:schemeClr val="accent1"/>
+          </a:fillRef>
+          <a:effectRef idx="2">
+            <a:schemeClr val="accent1"/>
+          </a:effectRef>
+          <a:fontRef idx="minor">
+            <a:schemeClr val="lt1"/>
+          </a:fontRef>
+        </p:style>
+        <p:txBody>
+          <a:bodyPr rtlCol="0" anchor="ctr"/>
+          <a:lstStyle/>
+          <a:p>
+            <a:pPr algn="ctr"/>
+            <a:endParaRPr lang="it-IT"/>
+          </a:p>
+        </p:txBody>
+      </p:sp>
+      <p:sp>
+        <p:nvSpPr>
+          <p:cNvPr id="17" name="CasellaDiTesto 16">
+            <a:extLst>
+              <a:ext uri="{FF2B5EF4-FFF2-40B4-BE49-F238E27FC236}">
+                <a16:creationId xmlns:a16="http://schemas.microsoft.com/office/drawing/2014/main" id="{403D695C-2A85-4C44-BCE4-B5ADFC878D38}"/>
+              </a:ext>
+            </a:extLst>
+          </p:cNvPr>
+          <p:cNvSpPr txBox="1"/>
+          <p:nvPr/>
+        </p:nvSpPr>
+        <p:spPr>
+          <a:xfrm>
+            <a:off x="5592061" y="2445538"/>
+            <a:ext cx="3101752" cy="307777"/>
+          </a:xfrm>
+          <a:prstGeom prst="rect">
+            <a:avLst/>
+          </a:prstGeom>
+          <a:noFill/>
+        </p:spPr>
+        <p:txBody>
+          <a:bodyPr wrap="square" rtlCol="0">
+            <a:spAutoFit/>
+          </a:bodyPr>
+          <a:lstStyle/>
+          <a:p>
+            <a:pPr algn="ctr"/>
+            <a:r>
+              <a:rPr lang="it-IT" sz="1400" i="1" dirty="0">
+                <a:latin typeface="Arial" panose="020B0604020202020204" pitchFamily="34" charset="0"/>
+                <a:cs typeface="Arial" panose="020B0604020202020204" pitchFamily="34" charset="0"/>
+              </a:rPr>
+              <a:t>Albero non radicato (o senza radice)</a:t>
+            </a:r>
+          </a:p>
+        </p:txBody>
+      </p:sp>
+      <p:sp>
+        <p:nvSpPr>
+          <p:cNvPr id="18" name="CasellaDiTesto 17">
+            <a:extLst>
+              <a:ext uri="{FF2B5EF4-FFF2-40B4-BE49-F238E27FC236}">
+                <a16:creationId xmlns:a16="http://schemas.microsoft.com/office/drawing/2014/main" id="{B60E9484-6610-469C-876A-9B487BBFC61D}"/>
+              </a:ext>
+            </a:extLst>
+          </p:cNvPr>
+          <p:cNvSpPr txBox="1"/>
+          <p:nvPr/>
+        </p:nvSpPr>
+        <p:spPr>
+          <a:xfrm>
+            <a:off x="9061" y="4733897"/>
+            <a:ext cx="4210763" cy="1384995"/>
+          </a:xfrm>
+          <a:prstGeom prst="rect">
+            <a:avLst/>
+          </a:prstGeom>
+          <a:noFill/>
+        </p:spPr>
+        <p:txBody>
+          <a:bodyPr wrap="square" rtlCol="0">
+            <a:spAutoFit/>
+          </a:bodyPr>
+          <a:lstStyle/>
+          <a:p>
+            <a:pPr marL="285750" indent="-285750">
+              <a:buFont typeface="Arial" panose="020B0604020202020204" pitchFamily="34" charset="0"/>
+              <a:buChar char="•"/>
+            </a:pPr>
+            <a:r>
+              <a:rPr lang="it-IT" sz="1400" dirty="0">
+                <a:latin typeface="Arial" panose="020B0604020202020204" pitchFamily="34" charset="0"/>
+                <a:cs typeface="Arial" panose="020B0604020202020204" pitchFamily="34" charset="0"/>
+              </a:rPr>
+              <a:t>Nodo speciale, chiamato radice;</a:t>
+            </a:r>
+          </a:p>
+          <a:p>
+            <a:pPr marL="285750" indent="-285750">
+              <a:buFont typeface="Arial" panose="020B0604020202020204" pitchFamily="34" charset="0"/>
+              <a:buChar char="•"/>
+            </a:pPr>
+            <a:r>
+              <a:rPr lang="it-IT" sz="1400" dirty="0">
+                <a:latin typeface="Arial" panose="020B0604020202020204" pitchFamily="34" charset="0"/>
+                <a:cs typeface="Arial" panose="020B0604020202020204" pitchFamily="34" charset="0"/>
+              </a:rPr>
+              <a:t>Vertici (nodi interni) con grado maggiore di 1 sono gli antenati;</a:t>
+            </a:r>
+          </a:p>
+          <a:p>
+            <a:pPr marL="285750" indent="-285750">
+              <a:buFont typeface="Arial" panose="020B0604020202020204" pitchFamily="34" charset="0"/>
+              <a:buChar char="•"/>
+            </a:pPr>
+            <a:r>
+              <a:rPr lang="it-IT" sz="1400" dirty="0">
+                <a:latin typeface="Arial" panose="020B0604020202020204" pitchFamily="34" charset="0"/>
+                <a:cs typeface="Arial" panose="020B0604020202020204" pitchFamily="34" charset="0"/>
+              </a:rPr>
+              <a:t>Vertici (foglie) con grado 1 sono le specie attualmente esistenti;</a:t>
+            </a:r>
+          </a:p>
+          <a:p>
+            <a:r>
+              <a:rPr lang="it-IT" sz="1400" dirty="0">
+                <a:latin typeface="Arial" panose="020B0604020202020204" pitchFamily="34" charset="0"/>
+                <a:cs typeface="Arial" panose="020B0604020202020204" pitchFamily="34" charset="0"/>
+              </a:rPr>
+              <a:t>Quindi la radice è l’antenato comune a tutti i vertici.</a:t>
+            </a:r>
+          </a:p>
+        </p:txBody>
+      </p:sp>
+      <p:sp>
+        <p:nvSpPr>
+          <p:cNvPr id="19" name="CasellaDiTesto 18">
+            <a:extLst>
+              <a:ext uri="{FF2B5EF4-FFF2-40B4-BE49-F238E27FC236}">
+                <a16:creationId xmlns:a16="http://schemas.microsoft.com/office/drawing/2014/main" id="{81405EB9-6F38-4F75-8441-F0F3DBC799FA}"/>
+              </a:ext>
+            </a:extLst>
+          </p:cNvPr>
+          <p:cNvSpPr txBox="1"/>
+          <p:nvPr/>
+        </p:nvSpPr>
+        <p:spPr>
+          <a:xfrm>
+            <a:off x="4734255" y="4767671"/>
+            <a:ext cx="4409746" cy="1169551"/>
+          </a:xfrm>
+          <a:prstGeom prst="rect">
+            <a:avLst/>
+          </a:prstGeom>
+          <a:noFill/>
+        </p:spPr>
+        <p:txBody>
+          <a:bodyPr wrap="square" rtlCol="0">
+            <a:spAutoFit/>
+          </a:bodyPr>
+          <a:lstStyle/>
+          <a:p>
+            <a:pPr marL="285750" indent="-285750">
+              <a:buFont typeface="Arial" panose="020B0604020202020204" pitchFamily="34" charset="0"/>
+              <a:buChar char="•"/>
+            </a:pPr>
+            <a:r>
+              <a:rPr lang="it-IT" sz="1400" dirty="0">
+                <a:latin typeface="Arial" panose="020B0604020202020204" pitchFamily="34" charset="0"/>
+                <a:cs typeface="Arial" panose="020B0604020202020204" pitchFamily="34" charset="0"/>
+              </a:rPr>
+              <a:t>Alberi senza la radice;</a:t>
+            </a:r>
+          </a:p>
+          <a:p>
+            <a:pPr marL="285750" indent="-285750">
+              <a:buFont typeface="Arial" panose="020B0604020202020204" pitchFamily="34" charset="0"/>
+              <a:buChar char="•"/>
+            </a:pPr>
+            <a:r>
+              <a:rPr lang="it-IT" sz="1400" dirty="0">
+                <a:latin typeface="Arial" panose="020B0604020202020204" pitchFamily="34" charset="0"/>
+                <a:cs typeface="Arial" panose="020B0604020202020204" pitchFamily="34" charset="0"/>
+              </a:rPr>
+              <a:t>Vertici con grado maggiore di 1 sono i nodi interni;</a:t>
+            </a:r>
+          </a:p>
+          <a:p>
+            <a:pPr marL="285750" indent="-285750">
+              <a:buFont typeface="Arial" panose="020B0604020202020204" pitchFamily="34" charset="0"/>
+              <a:buChar char="•"/>
+            </a:pPr>
+            <a:r>
+              <a:rPr lang="it-IT" sz="1400" dirty="0">
+                <a:latin typeface="Arial" panose="020B0604020202020204" pitchFamily="34" charset="0"/>
+                <a:cs typeface="Arial" panose="020B0604020202020204" pitchFamily="34" charset="0"/>
+              </a:rPr>
+              <a:t>Vertici con grado 1 sono dette foglie;</a:t>
+            </a:r>
+          </a:p>
+          <a:p>
+            <a:r>
+              <a:rPr lang="it-IT" sz="1400" dirty="0">
+                <a:latin typeface="Arial" panose="020B0604020202020204" pitchFamily="34" charset="0"/>
+                <a:cs typeface="Arial" panose="020B0604020202020204" pitchFamily="34" charset="0"/>
+              </a:rPr>
+              <a:t>Usati per mostrare le relazioni tra le entità piuttosto che mostrare l’antenato comune a tutti.</a:t>
             </a:r>
           </a:p>
         </p:txBody>

--- a/Discussione Laurea/Slides.pptx
+++ b/Discussione Laurea/Slides.pptx
@@ -15,8 +15,8 @@
     <p:sldId id="257" r:id="rId3"/>
     <p:sldId id="262" r:id="rId4"/>
     <p:sldId id="263" r:id="rId5"/>
-    <p:sldId id="259" r:id="rId6"/>
-    <p:sldId id="260" r:id="rId7"/>
+    <p:sldId id="264" r:id="rId6"/>
+    <p:sldId id="265" r:id="rId7"/>
   </p:sldIdLst>
   <p:sldSz cx="9144000" cy="6858000" type="screen4x3"/>
   <p:notesSz cx="6858000" cy="9144000"/>
@@ -984,7 +984,7 @@
     </p:spTree>
     <p:extLst>
       <p:ext uri="{BB962C8B-B14F-4D97-AF65-F5344CB8AC3E}">
-        <p14:creationId xmlns:p14="http://schemas.microsoft.com/office/powerpoint/2010/main" val="3021660414"/>
+        <p14:creationId xmlns:p14="http://schemas.microsoft.com/office/powerpoint/2010/main" val="334786571"/>
       </p:ext>
     </p:extLst>
   </p:cSld>
@@ -1069,7 +1069,7 @@
     </p:spTree>
     <p:extLst>
       <p:ext uri="{BB962C8B-B14F-4D97-AF65-F5344CB8AC3E}">
-        <p14:creationId xmlns:p14="http://schemas.microsoft.com/office/powerpoint/2010/main" val="1384823024"/>
+        <p14:creationId xmlns:p14="http://schemas.microsoft.com/office/powerpoint/2010/main" val="1950492880"/>
       </p:ext>
     </p:extLst>
   </p:cSld>
@@ -4110,8 +4110,8 @@
         </p:blipFill>
         <p:spPr>
           <a:xfrm>
-            <a:off x="0" y="3369"/>
-            <a:ext cx="9144000" cy="6845300"/>
+            <a:off x="0" y="-14388"/>
+            <a:ext cx="9144000" cy="6872387"/>
           </a:xfrm>
           <a:prstGeom prst="rect">
             <a:avLst/>
@@ -4353,7 +4353,7 @@
         </p:blipFill>
         <p:spPr>
           <a:xfrm>
-            <a:off x="-9061" y="-14633"/>
+            <a:off x="-183" y="3123"/>
             <a:ext cx="9144000" cy="6872633"/>
           </a:xfrm>
           <a:prstGeom prst="rect">
@@ -4856,50 +4856,6 @@
       </p:sp>
       <p:sp>
         <p:nvSpPr>
-          <p:cNvPr id="5" name="Freccia a destra 4">
-            <a:extLst>
-              <a:ext uri="{FF2B5EF4-FFF2-40B4-BE49-F238E27FC236}">
-                <a16:creationId xmlns:a16="http://schemas.microsoft.com/office/drawing/2014/main" id="{CAA60BB1-A647-480E-A68D-04208F1BFCD1}"/>
-              </a:ext>
-            </a:extLst>
-          </p:cNvPr>
-          <p:cNvSpPr/>
-          <p:nvPr/>
-        </p:nvSpPr>
-        <p:spPr>
-          <a:xfrm>
-            <a:off x="4672111" y="5635983"/>
-            <a:ext cx="825624" cy="210890"/>
-          </a:xfrm>
-          <a:prstGeom prst="rightArrow">
-            <a:avLst/>
-          </a:prstGeom>
-        </p:spPr>
-        <p:style>
-          <a:lnRef idx="1">
-            <a:schemeClr val="accent1"/>
-          </a:lnRef>
-          <a:fillRef idx="3">
-            <a:schemeClr val="accent1"/>
-          </a:fillRef>
-          <a:effectRef idx="2">
-            <a:schemeClr val="accent1"/>
-          </a:effectRef>
-          <a:fontRef idx="minor">
-            <a:schemeClr val="lt1"/>
-          </a:fontRef>
-        </p:style>
-        <p:txBody>
-          <a:bodyPr rtlCol="0" anchor="ctr"/>
-          <a:lstStyle/>
-          <a:p>
-            <a:pPr algn="ctr"/>
-            <a:endParaRPr lang="it-IT"/>
-          </a:p>
-        </p:txBody>
-      </p:sp>
-      <p:sp>
-        <p:nvSpPr>
           <p:cNvPr id="24" name="CasellaDiTesto 23">
             <a:extLst>
               <a:ext uri="{FF2B5EF4-FFF2-40B4-BE49-F238E27FC236}">
@@ -4989,6 +4945,47 @@
           </a:p>
         </p:txBody>
       </p:sp>
+      <p:cxnSp>
+        <p:nvCxnSpPr>
+          <p:cNvPr id="4" name="Connettore 2 3">
+            <a:extLst>
+              <a:ext uri="{FF2B5EF4-FFF2-40B4-BE49-F238E27FC236}">
+                <a16:creationId xmlns:a16="http://schemas.microsoft.com/office/drawing/2014/main" id="{D5E82E6B-B26A-4DEB-8D40-07A73DBE6567}"/>
+              </a:ext>
+            </a:extLst>
+          </p:cNvPr>
+          <p:cNvCxnSpPr>
+            <a:cxnSpLocks/>
+          </p:cNvCxnSpPr>
+          <p:nvPr/>
+        </p:nvCxnSpPr>
+        <p:spPr>
+          <a:xfrm flipV="1">
+            <a:off x="4691362" y="5735525"/>
+            <a:ext cx="850809" cy="5904"/>
+          </a:xfrm>
+          <a:prstGeom prst="straightConnector1">
+            <a:avLst/>
+          </a:prstGeom>
+          <a:ln>
+            <a:tailEnd type="triangle"/>
+          </a:ln>
+        </p:spPr>
+        <p:style>
+          <a:lnRef idx="2">
+            <a:schemeClr val="accent1"/>
+          </a:lnRef>
+          <a:fillRef idx="0">
+            <a:schemeClr val="accent1"/>
+          </a:fillRef>
+          <a:effectRef idx="1">
+            <a:schemeClr val="accent1"/>
+          </a:effectRef>
+          <a:fontRef idx="minor">
+            <a:schemeClr val="tx1"/>
+          </a:fontRef>
+        </p:style>
+      </p:cxnSp>
     </p:spTree>
     <p:extLst>
       <p:ext uri="{BB962C8B-B14F-4D97-AF65-F5344CB8AC3E}">
@@ -5035,7 +5032,7 @@
         </p:blipFill>
         <p:spPr>
           <a:xfrm>
-            <a:off x="-9061" y="-14633"/>
+            <a:off x="-183" y="3123"/>
             <a:ext cx="9144000" cy="6872633"/>
           </a:xfrm>
           <a:prstGeom prst="rect">
@@ -5292,50 +5289,6 @@
       </p:sp>
       <p:sp>
         <p:nvSpPr>
-          <p:cNvPr id="18" name="Freccia a destra 17">
-            <a:extLst>
-              <a:ext uri="{FF2B5EF4-FFF2-40B4-BE49-F238E27FC236}">
-                <a16:creationId xmlns:a16="http://schemas.microsoft.com/office/drawing/2014/main" id="{775CA3B3-4390-4CC4-A3DA-C5810744D505}"/>
-              </a:ext>
-            </a:extLst>
-          </p:cNvPr>
-          <p:cNvSpPr/>
-          <p:nvPr/>
-        </p:nvSpPr>
-        <p:spPr>
-          <a:xfrm>
-            <a:off x="1447229" y="1940037"/>
-            <a:ext cx="825624" cy="139906"/>
-          </a:xfrm>
-          <a:prstGeom prst="rightArrow">
-            <a:avLst/>
-          </a:prstGeom>
-        </p:spPr>
-        <p:style>
-          <a:lnRef idx="1">
-            <a:schemeClr val="accent1"/>
-          </a:lnRef>
-          <a:fillRef idx="3">
-            <a:schemeClr val="accent1"/>
-          </a:fillRef>
-          <a:effectRef idx="2">
-            <a:schemeClr val="accent1"/>
-          </a:effectRef>
-          <a:fontRef idx="minor">
-            <a:schemeClr val="lt1"/>
-          </a:fontRef>
-        </p:style>
-        <p:txBody>
-          <a:bodyPr rtlCol="0" anchor="ctr"/>
-          <a:lstStyle/>
-          <a:p>
-            <a:pPr algn="ctr"/>
-            <a:endParaRPr lang="it-IT"/>
-          </a:p>
-        </p:txBody>
-      </p:sp>
-      <p:sp>
-        <p:nvSpPr>
           <p:cNvPr id="20" name="CasellaDiTesto 19">
             <a:extLst>
               <a:ext uri="{FF2B5EF4-FFF2-40B4-BE49-F238E27FC236}">
@@ -5488,50 +5441,6 @@
       </p:sp>
       <p:sp>
         <p:nvSpPr>
-          <p:cNvPr id="30" name="Freccia a destra 29">
-            <a:extLst>
-              <a:ext uri="{FF2B5EF4-FFF2-40B4-BE49-F238E27FC236}">
-                <a16:creationId xmlns:a16="http://schemas.microsoft.com/office/drawing/2014/main" id="{3D6B2CB3-3EFF-464B-AF91-7C2973B8DC32}"/>
-              </a:ext>
-            </a:extLst>
-          </p:cNvPr>
-          <p:cNvSpPr/>
-          <p:nvPr/>
-        </p:nvSpPr>
-        <p:spPr>
-          <a:xfrm>
-            <a:off x="1447229" y="5416132"/>
-            <a:ext cx="825624" cy="139906"/>
-          </a:xfrm>
-          <a:prstGeom prst="rightArrow">
-            <a:avLst/>
-          </a:prstGeom>
-        </p:spPr>
-        <p:style>
-          <a:lnRef idx="1">
-            <a:schemeClr val="accent1"/>
-          </a:lnRef>
-          <a:fillRef idx="3">
-            <a:schemeClr val="accent1"/>
-          </a:fillRef>
-          <a:effectRef idx="2">
-            <a:schemeClr val="accent1"/>
-          </a:effectRef>
-          <a:fontRef idx="minor">
-            <a:schemeClr val="lt1"/>
-          </a:fontRef>
-        </p:style>
-        <p:txBody>
-          <a:bodyPr rtlCol="0" anchor="ctr"/>
-          <a:lstStyle/>
-          <a:p>
-            <a:pPr algn="ctr"/>
-            <a:endParaRPr lang="it-IT"/>
-          </a:p>
-        </p:txBody>
-      </p:sp>
-      <p:sp>
-        <p:nvSpPr>
           <p:cNvPr id="31" name="CasellaDiTesto 30">
             <a:extLst>
               <a:ext uri="{FF2B5EF4-FFF2-40B4-BE49-F238E27FC236}">
@@ -5596,6 +5505,88 @@
           </a:p>
         </p:txBody>
       </p:sp>
+      <p:cxnSp>
+        <p:nvCxnSpPr>
+          <p:cNvPr id="4" name="Connettore 2 3">
+            <a:extLst>
+              <a:ext uri="{FF2B5EF4-FFF2-40B4-BE49-F238E27FC236}">
+                <a16:creationId xmlns:a16="http://schemas.microsoft.com/office/drawing/2014/main" id="{DE75F54D-BB5E-4DE1-BF07-8BB8F52732BF}"/>
+              </a:ext>
+            </a:extLst>
+          </p:cNvPr>
+          <p:cNvCxnSpPr>
+            <a:cxnSpLocks/>
+          </p:cNvCxnSpPr>
+          <p:nvPr/>
+        </p:nvCxnSpPr>
+        <p:spPr>
+          <a:xfrm>
+            <a:off x="1358283" y="2009990"/>
+            <a:ext cx="1046313" cy="0"/>
+          </a:xfrm>
+          <a:prstGeom prst="straightConnector1">
+            <a:avLst/>
+          </a:prstGeom>
+          <a:ln>
+            <a:tailEnd type="triangle"/>
+          </a:ln>
+        </p:spPr>
+        <p:style>
+          <a:lnRef idx="2">
+            <a:schemeClr val="accent1"/>
+          </a:lnRef>
+          <a:fillRef idx="0">
+            <a:schemeClr val="accent1"/>
+          </a:fillRef>
+          <a:effectRef idx="1">
+            <a:schemeClr val="accent1"/>
+          </a:effectRef>
+          <a:fontRef idx="minor">
+            <a:schemeClr val="tx1"/>
+          </a:fontRef>
+        </p:style>
+      </p:cxnSp>
+      <p:cxnSp>
+        <p:nvCxnSpPr>
+          <p:cNvPr id="22" name="Connettore 2 21">
+            <a:extLst>
+              <a:ext uri="{FF2B5EF4-FFF2-40B4-BE49-F238E27FC236}">
+                <a16:creationId xmlns:a16="http://schemas.microsoft.com/office/drawing/2014/main" id="{ED414C9C-7913-418E-B5DD-340886D2E0FD}"/>
+              </a:ext>
+            </a:extLst>
+          </p:cNvPr>
+          <p:cNvCxnSpPr>
+            <a:cxnSpLocks/>
+          </p:cNvCxnSpPr>
+          <p:nvPr/>
+        </p:nvCxnSpPr>
+        <p:spPr>
+          <a:xfrm>
+            <a:off x="1340527" y="5462620"/>
+            <a:ext cx="1046313" cy="0"/>
+          </a:xfrm>
+          <a:prstGeom prst="straightConnector1">
+            <a:avLst/>
+          </a:prstGeom>
+          <a:ln>
+            <a:tailEnd type="triangle"/>
+          </a:ln>
+        </p:spPr>
+        <p:style>
+          <a:lnRef idx="2">
+            <a:schemeClr val="accent1"/>
+          </a:lnRef>
+          <a:fillRef idx="0">
+            <a:schemeClr val="accent1"/>
+          </a:fillRef>
+          <a:effectRef idx="1">
+            <a:schemeClr val="accent1"/>
+          </a:effectRef>
+          <a:fontRef idx="minor">
+            <a:schemeClr val="tx1"/>
+          </a:fontRef>
+        </p:style>
+      </p:cxnSp>
     </p:spTree>
     <p:extLst>
       <p:ext uri="{BB962C8B-B14F-4D97-AF65-F5344CB8AC3E}">
@@ -5642,8 +5633,8 @@
         </p:blipFill>
         <p:spPr>
           <a:xfrm>
-            <a:off x="-9061" y="-14633"/>
-            <a:ext cx="9144000" cy="6872633"/>
+            <a:off x="-1" y="3123"/>
+            <a:ext cx="9143817" cy="6872495"/>
           </a:xfrm>
           <a:prstGeom prst="rect">
             <a:avLst/>
@@ -5900,8 +5891,8 @@
         </p:nvSpPr>
         <p:spPr>
           <a:xfrm>
-            <a:off x="9061" y="1842229"/>
-            <a:ext cx="9125878" cy="307777"/>
+            <a:off x="3511299" y="1762499"/>
+            <a:ext cx="1518081" cy="307777"/>
           </a:xfrm>
           <a:prstGeom prst="rect">
             <a:avLst/>
@@ -5957,50 +5948,6 @@
       </p:pic>
       <p:sp>
         <p:nvSpPr>
-          <p:cNvPr id="4" name="Freccia a destra 3">
-            <a:extLst>
-              <a:ext uri="{FF2B5EF4-FFF2-40B4-BE49-F238E27FC236}">
-                <a16:creationId xmlns:a16="http://schemas.microsoft.com/office/drawing/2014/main" id="{B3D315B6-F320-487D-9E09-282E3DDD6A94}"/>
-              </a:ext>
-            </a:extLst>
-          </p:cNvPr>
-          <p:cNvSpPr/>
-          <p:nvPr/>
-        </p:nvSpPr>
-        <p:spPr>
-          <a:xfrm rot="8445387">
-            <a:off x="3388147" y="2206158"/>
-            <a:ext cx="559145" cy="175395"/>
-          </a:xfrm>
-          <a:prstGeom prst="rightArrow">
-            <a:avLst/>
-          </a:prstGeom>
-        </p:spPr>
-        <p:style>
-          <a:lnRef idx="1">
-            <a:schemeClr val="accent1"/>
-          </a:lnRef>
-          <a:fillRef idx="3">
-            <a:schemeClr val="accent1"/>
-          </a:fillRef>
-          <a:effectRef idx="2">
-            <a:schemeClr val="accent1"/>
-          </a:effectRef>
-          <a:fontRef idx="minor">
-            <a:schemeClr val="lt1"/>
-          </a:fontRef>
-        </p:style>
-        <p:txBody>
-          <a:bodyPr rtlCol="0" anchor="ctr"/>
-          <a:lstStyle/>
-          <a:p>
-            <a:pPr algn="ctr"/>
-            <a:endParaRPr lang="it-IT"/>
-          </a:p>
-        </p:txBody>
-      </p:sp>
-      <p:sp>
-        <p:nvSpPr>
           <p:cNvPr id="13" name="CasellaDiTesto 12">
             <a:extLst>
               <a:ext uri="{FF2B5EF4-FFF2-40B4-BE49-F238E27FC236}">
@@ -6013,7 +5960,7 @@
         </p:nvSpPr>
         <p:spPr>
           <a:xfrm>
-            <a:off x="706840" y="2445538"/>
+            <a:off x="306721" y="2445538"/>
             <a:ext cx="2960879" cy="307777"/>
           </a:xfrm>
           <a:prstGeom prst="rect">
@@ -6059,7 +6006,7 @@
         </p:blipFill>
         <p:spPr>
           <a:xfrm>
-            <a:off x="5856339" y="2742606"/>
+            <a:off x="5574859" y="2742606"/>
             <a:ext cx="2573196" cy="2010782"/>
           </a:xfrm>
           <a:prstGeom prst="rect">
@@ -6067,50 +6014,6 @@
           </a:prstGeom>
         </p:spPr>
       </p:pic>
-      <p:sp>
-        <p:nvSpPr>
-          <p:cNvPr id="16" name="Freccia a destra 15">
-            <a:extLst>
-              <a:ext uri="{FF2B5EF4-FFF2-40B4-BE49-F238E27FC236}">
-                <a16:creationId xmlns:a16="http://schemas.microsoft.com/office/drawing/2014/main" id="{0213C04C-B1FC-4873-8386-922B94D62A55}"/>
-              </a:ext>
-            </a:extLst>
-          </p:cNvPr>
-          <p:cNvSpPr/>
-          <p:nvPr/>
-        </p:nvSpPr>
-        <p:spPr>
-          <a:xfrm rot="2406174">
-            <a:off x="5196710" y="2206158"/>
-            <a:ext cx="559145" cy="175395"/>
-          </a:xfrm>
-          <a:prstGeom prst="rightArrow">
-            <a:avLst/>
-          </a:prstGeom>
-        </p:spPr>
-        <p:style>
-          <a:lnRef idx="1">
-            <a:schemeClr val="accent1"/>
-          </a:lnRef>
-          <a:fillRef idx="3">
-            <a:schemeClr val="accent1"/>
-          </a:fillRef>
-          <a:effectRef idx="2">
-            <a:schemeClr val="accent1"/>
-          </a:effectRef>
-          <a:fontRef idx="minor">
-            <a:schemeClr val="lt1"/>
-          </a:fontRef>
-        </p:style>
-        <p:txBody>
-          <a:bodyPr rtlCol="0" anchor="ctr"/>
-          <a:lstStyle/>
-          <a:p>
-            <a:pPr algn="ctr"/>
-            <a:endParaRPr lang="it-IT"/>
-          </a:p>
-        </p:txBody>
-      </p:sp>
       <p:sp>
         <p:nvSpPr>
           <p:cNvPr id="17" name="CasellaDiTesto 16">
@@ -6125,7 +6028,7 @@
         </p:nvSpPr>
         <p:spPr>
           <a:xfrm>
-            <a:off x="5592061" y="2445538"/>
+            <a:off x="4996357" y="2442076"/>
             <a:ext cx="3101752" cy="307777"/>
           </a:xfrm>
           <a:prstGeom prst="rect">
@@ -6304,6 +6207,90 @@
           </a:p>
         </p:txBody>
       </p:sp>
+      <p:cxnSp>
+        <p:nvCxnSpPr>
+          <p:cNvPr id="31" name="Connettore a gomito 30">
+            <a:extLst>
+              <a:ext uri="{FF2B5EF4-FFF2-40B4-BE49-F238E27FC236}">
+                <a16:creationId xmlns:a16="http://schemas.microsoft.com/office/drawing/2014/main" id="{E942FD1F-4570-4A5A-BD30-934EECF45FA4}"/>
+              </a:ext>
+            </a:extLst>
+          </p:cNvPr>
+          <p:cNvCxnSpPr>
+            <a:cxnSpLocks/>
+            <a:endCxn id="13" idx="0"/>
+          </p:cNvCxnSpPr>
+          <p:nvPr/>
+        </p:nvCxnSpPr>
+        <p:spPr>
+          <a:xfrm rot="10800000" flipV="1">
+            <a:off x="1787161" y="1916388"/>
+            <a:ext cx="1660612" cy="529150"/>
+          </a:xfrm>
+          <a:prstGeom prst="bentConnector2">
+            <a:avLst/>
+          </a:prstGeom>
+          <a:ln>
+            <a:tailEnd type="triangle"/>
+          </a:ln>
+        </p:spPr>
+        <p:style>
+          <a:lnRef idx="2">
+            <a:schemeClr val="accent1"/>
+          </a:lnRef>
+          <a:fillRef idx="0">
+            <a:schemeClr val="accent1"/>
+          </a:fillRef>
+          <a:effectRef idx="1">
+            <a:schemeClr val="accent1"/>
+          </a:effectRef>
+          <a:fontRef idx="minor">
+            <a:schemeClr val="tx1"/>
+          </a:fontRef>
+        </p:style>
+      </p:cxnSp>
+      <p:cxnSp>
+        <p:nvCxnSpPr>
+          <p:cNvPr id="33" name="Connettore a gomito 32">
+            <a:extLst>
+              <a:ext uri="{FF2B5EF4-FFF2-40B4-BE49-F238E27FC236}">
+                <a16:creationId xmlns:a16="http://schemas.microsoft.com/office/drawing/2014/main" id="{3BDF959A-62A3-4032-9D64-E31BDD2FFBDE}"/>
+              </a:ext>
+            </a:extLst>
+          </p:cNvPr>
+          <p:cNvCxnSpPr>
+            <a:stCxn id="9" idx="3"/>
+            <a:endCxn id="17" idx="0"/>
+          </p:cNvCxnSpPr>
+          <p:nvPr/>
+        </p:nvCxnSpPr>
+        <p:spPr>
+          <a:xfrm>
+            <a:off x="5029380" y="1916388"/>
+            <a:ext cx="1517853" cy="525688"/>
+          </a:xfrm>
+          <a:prstGeom prst="bentConnector2">
+            <a:avLst/>
+          </a:prstGeom>
+          <a:ln>
+            <a:tailEnd type="triangle"/>
+          </a:ln>
+        </p:spPr>
+        <p:style>
+          <a:lnRef idx="2">
+            <a:schemeClr val="accent1"/>
+          </a:lnRef>
+          <a:fillRef idx="0">
+            <a:schemeClr val="accent1"/>
+          </a:fillRef>
+          <a:effectRef idx="1">
+            <a:schemeClr val="accent1"/>
+          </a:effectRef>
+          <a:fontRef idx="minor">
+            <a:schemeClr val="tx1"/>
+          </a:fontRef>
+        </p:style>
+      </p:cxnSp>
     </p:spTree>
     <p:extLst>
       <p:ext uri="{BB962C8B-B14F-4D97-AF65-F5344CB8AC3E}">
@@ -6343,15 +6330,15 @@
           <p:nvPr/>
         </p:nvPicPr>
         <p:blipFill>
-          <a:blip r:embed="rId3"/>
+          <a:blip r:embed="rId7"/>
           <a:stretch>
             <a:fillRect/>
           </a:stretch>
         </p:blipFill>
         <p:spPr>
           <a:xfrm>
-            <a:off x="0" y="1707"/>
-            <a:ext cx="9180512" cy="6872633"/>
+            <a:off x="-1" y="3123"/>
+            <a:ext cx="9143817" cy="6872495"/>
           </a:xfrm>
           <a:prstGeom prst="rect">
             <a:avLst/>
@@ -6366,8 +6353,8 @@
         </p:nvSpPr>
         <p:spPr>
           <a:xfrm>
-            <a:off x="648253" y="1305402"/>
-            <a:ext cx="4663050" cy="461665"/>
+            <a:off x="9061" y="649703"/>
+            <a:ext cx="6737968" cy="461665"/>
           </a:xfrm>
           <a:prstGeom prst="rect">
             <a:avLst/>
@@ -6390,280 +6377,7 @@
                 <a:latin typeface="Arial"/>
                 <a:cs typeface="Arial"/>
               </a:rPr>
-              <a:t>Titolo </a:t>
-            </a:r>
-            <a:r>
-              <a:rPr lang="it-IT" sz="2400" b="1" dirty="0" err="1">
-                <a:solidFill>
-                  <a:schemeClr val="accent1">
-                    <a:lumMod val="75000"/>
-                  </a:schemeClr>
-                </a:solidFill>
-                <a:latin typeface="Arial"/>
-                <a:cs typeface="Arial"/>
-              </a:rPr>
-              <a:t>arial</a:t>
-            </a:r>
-            <a:r>
-              <a:rPr lang="it-IT" sz="2400" b="1" dirty="0">
-                <a:solidFill>
-                  <a:schemeClr val="accent1">
-                    <a:lumMod val="75000"/>
-                  </a:schemeClr>
-                </a:solidFill>
-                <a:latin typeface="Arial"/>
-                <a:cs typeface="Arial"/>
-              </a:rPr>
-              <a:t> </a:t>
-            </a:r>
-            <a:r>
-              <a:rPr lang="it-IT" sz="2400" b="1" dirty="0" err="1">
-                <a:solidFill>
-                  <a:schemeClr val="accent1">
-                    <a:lumMod val="75000"/>
-                  </a:schemeClr>
-                </a:solidFill>
-                <a:latin typeface="Arial"/>
-                <a:cs typeface="Arial"/>
-              </a:rPr>
-              <a:t>bold</a:t>
-            </a:r>
-            <a:r>
-              <a:rPr lang="it-IT" sz="2400" b="1" dirty="0">
-                <a:solidFill>
-                  <a:schemeClr val="accent1">
-                    <a:lumMod val="75000"/>
-                  </a:schemeClr>
-                </a:solidFill>
-                <a:latin typeface="Arial"/>
-                <a:cs typeface="Arial"/>
-              </a:rPr>
-              <a:t> 24 </a:t>
-            </a:r>
-            <a:r>
-              <a:rPr lang="it-IT" sz="2400" b="1" dirty="0" err="1">
-                <a:solidFill>
-                  <a:schemeClr val="accent1">
-                    <a:lumMod val="75000"/>
-                  </a:schemeClr>
-                </a:solidFill>
-                <a:latin typeface="Arial"/>
-                <a:cs typeface="Arial"/>
-              </a:rPr>
-              <a:t>pt</a:t>
-            </a:r>
-            <a:endParaRPr lang="it-IT" sz="2400" b="1" dirty="0">
-              <a:solidFill>
-                <a:schemeClr val="accent1">
-                  <a:lumMod val="75000"/>
-                </a:schemeClr>
-              </a:solidFill>
-              <a:latin typeface="Arial"/>
-              <a:cs typeface="Arial"/>
-            </a:endParaRPr>
-          </a:p>
-        </p:txBody>
-      </p:sp>
-      <p:sp>
-        <p:nvSpPr>
-          <p:cNvPr id="8" name="CasellaDiTesto 7"/>
-          <p:cNvSpPr txBox="1"/>
-          <p:nvPr/>
-        </p:nvSpPr>
-        <p:spPr>
-          <a:xfrm>
-            <a:off x="648253" y="1705113"/>
-            <a:ext cx="3071762" cy="369332"/>
-          </a:xfrm>
-          <a:prstGeom prst="rect">
-            <a:avLst/>
-          </a:prstGeom>
-          <a:noFill/>
-        </p:spPr>
-        <p:txBody>
-          <a:bodyPr wrap="none" rtlCol="0">
-            <a:spAutoFit/>
-          </a:bodyPr>
-          <a:lstStyle/>
-          <a:p>
-            <a:r>
-              <a:rPr lang="it-IT" dirty="0">
-                <a:latin typeface="Arial"/>
-                <a:cs typeface="Arial"/>
-              </a:rPr>
-              <a:t>Sottotitolo </a:t>
-            </a:r>
-            <a:r>
-              <a:rPr lang="it-IT" dirty="0" err="1">
-                <a:latin typeface="Arial"/>
-                <a:cs typeface="Arial"/>
-              </a:rPr>
-              <a:t>arial</a:t>
-            </a:r>
-            <a:r>
-              <a:rPr lang="it-IT" dirty="0">
-                <a:latin typeface="Arial"/>
-                <a:cs typeface="Arial"/>
-              </a:rPr>
-              <a:t> regular 18 </a:t>
-            </a:r>
-            <a:r>
-              <a:rPr lang="it-IT" dirty="0" err="1">
-                <a:latin typeface="Arial"/>
-                <a:cs typeface="Arial"/>
-              </a:rPr>
-              <a:t>pt</a:t>
-            </a:r>
-            <a:endParaRPr lang="it-IT" dirty="0">
-              <a:latin typeface="Arial"/>
-              <a:cs typeface="Arial"/>
-            </a:endParaRPr>
-          </a:p>
-        </p:txBody>
-      </p:sp>
-      <p:sp>
-        <p:nvSpPr>
-          <p:cNvPr id="9" name="CasellaDiTesto 8"/>
-          <p:cNvSpPr txBox="1"/>
-          <p:nvPr/>
-        </p:nvSpPr>
-        <p:spPr>
-          <a:xfrm>
-            <a:off x="648253" y="2650078"/>
-            <a:ext cx="7819027" cy="1815882"/>
-          </a:xfrm>
-          <a:prstGeom prst="rect">
-            <a:avLst/>
-          </a:prstGeom>
-          <a:noFill/>
-        </p:spPr>
-        <p:txBody>
-          <a:bodyPr wrap="square" rtlCol="0">
-            <a:spAutoFit/>
-          </a:bodyPr>
-          <a:lstStyle/>
-          <a:p>
-            <a:pPr algn="just"/>
-            <a:r>
-              <a:rPr lang="it-IT" sz="1400" dirty="0"/>
-              <a:t>Esempio di slide solo testo </a:t>
-            </a:r>
-            <a:r>
-              <a:rPr lang="it-IT" sz="1400" dirty="0" err="1"/>
-              <a:t>arial</a:t>
-            </a:r>
-            <a:r>
-              <a:rPr lang="it-IT" sz="1400" dirty="0"/>
-              <a:t> regular 14 </a:t>
-            </a:r>
-            <a:r>
-              <a:rPr lang="it-IT" sz="1400" dirty="0" err="1"/>
-              <a:t>pt</a:t>
-            </a:r>
-            <a:r>
-              <a:rPr lang="it-IT" sz="1400" dirty="0"/>
-              <a:t> allineamento a sinistra o giustificato Esempio di slide solo testo </a:t>
-            </a:r>
-            <a:r>
-              <a:rPr lang="it-IT" sz="1400" dirty="0" err="1"/>
-              <a:t>arial</a:t>
-            </a:r>
-            <a:r>
-              <a:rPr lang="it-IT" sz="1400" dirty="0"/>
-              <a:t> regular 14 </a:t>
-            </a:r>
-            <a:r>
-              <a:rPr lang="it-IT" sz="1400" dirty="0" err="1"/>
-              <a:t>pt</a:t>
-            </a:r>
-            <a:r>
-              <a:rPr lang="it-IT" sz="1400" dirty="0"/>
-              <a:t> allineamento a sinistra o giustificato Esempio di slide solo testo </a:t>
-            </a:r>
-            <a:r>
-              <a:rPr lang="it-IT" sz="1400" dirty="0" err="1"/>
-              <a:t>arial</a:t>
-            </a:r>
-            <a:r>
-              <a:rPr lang="it-IT" sz="1400" dirty="0"/>
-              <a:t> regular 14 </a:t>
-            </a:r>
-            <a:r>
-              <a:rPr lang="it-IT" sz="1400" dirty="0" err="1"/>
-              <a:t>pt</a:t>
-            </a:r>
-            <a:r>
-              <a:rPr lang="it-IT" sz="1400" dirty="0"/>
-              <a:t> allineamento a sinistra o giustificato Esempio di slide solo testo </a:t>
-            </a:r>
-            <a:r>
-              <a:rPr lang="it-IT" sz="1400" dirty="0" err="1"/>
-              <a:t>arial</a:t>
-            </a:r>
-            <a:r>
-              <a:rPr lang="it-IT" sz="1400" dirty="0"/>
-              <a:t> regular 14 </a:t>
-            </a:r>
-            <a:r>
-              <a:rPr lang="it-IT" sz="1400" dirty="0" err="1"/>
-              <a:t>pt</a:t>
-            </a:r>
-            <a:r>
-              <a:rPr lang="it-IT" sz="1400" dirty="0"/>
-              <a:t> allineamento a sinistra o giustificato Esempio di slide solo testo </a:t>
-            </a:r>
-            <a:r>
-              <a:rPr lang="it-IT" sz="1400" dirty="0" err="1"/>
-              <a:t>arial</a:t>
-            </a:r>
-            <a:r>
-              <a:rPr lang="it-IT" sz="1400" dirty="0"/>
-              <a:t> regular 14 </a:t>
-            </a:r>
-            <a:r>
-              <a:rPr lang="it-IT" sz="1400" dirty="0" err="1"/>
-              <a:t>pt</a:t>
-            </a:r>
-            <a:r>
-              <a:rPr lang="it-IT" sz="1400" dirty="0"/>
-              <a:t> allineamento a sinistra o giustificato Esempio di slide solo testo </a:t>
-            </a:r>
-            <a:r>
-              <a:rPr lang="it-IT" sz="1400" dirty="0" err="1"/>
-              <a:t>arial</a:t>
-            </a:r>
-            <a:r>
-              <a:rPr lang="it-IT" sz="1400" dirty="0"/>
-              <a:t> regular 14 </a:t>
-            </a:r>
-            <a:r>
-              <a:rPr lang="it-IT" sz="1400" dirty="0" err="1"/>
-              <a:t>pt</a:t>
-            </a:r>
-            <a:r>
-              <a:rPr lang="it-IT" sz="1400" dirty="0"/>
-              <a:t> allineamento a sinistra o giustificato           </a:t>
-            </a:r>
-          </a:p>
-          <a:p>
-            <a:pPr algn="just"/>
-            <a:r>
-              <a:rPr lang="it-IT" sz="1400" dirty="0"/>
-              <a:t>           </a:t>
-            </a:r>
-          </a:p>
-          <a:p>
-            <a:pPr algn="just"/>
-            <a:r>
-              <a:rPr lang="it-IT" sz="1400" dirty="0"/>
-              <a:t>           </a:t>
-            </a:r>
-          </a:p>
-          <a:p>
-            <a:pPr algn="just"/>
-            <a:r>
-              <a:rPr lang="it-IT" sz="1400" dirty="0"/>
-              <a:t>           </a:t>
+              <a:t>Problema degli alberi basati sulla distanza</a:t>
             </a:r>
           </a:p>
         </p:txBody>
@@ -6762,8 +6476,8 @@
         </p:nvSpPr>
         <p:spPr>
           <a:xfrm>
-            <a:off x="7508873" y="51433"/>
-            <a:ext cx="1184940" cy="338554"/>
+            <a:off x="5735951" y="51433"/>
+            <a:ext cx="2957862" cy="215444"/>
           </a:xfrm>
           <a:prstGeom prst="rect">
             <a:avLst/>
@@ -6785,68 +6499,8 @@
                 <a:latin typeface="Arial"/>
                 <a:cs typeface="Arial"/>
               </a:rPr>
-              <a:t>Titolo presentazione </a:t>
-            </a:r>
-          </a:p>
-          <a:p>
-            <a:pPr algn="r"/>
-            <a:r>
-              <a:rPr lang="it-IT" sz="800" b="1" dirty="0" err="1">
-                <a:solidFill>
-                  <a:schemeClr val="bg1"/>
-                </a:solidFill>
-                <a:latin typeface="Arial"/>
-                <a:cs typeface="Arial"/>
-              </a:rPr>
-              <a:t>arial</a:t>
-            </a:r>
-            <a:r>
-              <a:rPr lang="it-IT" sz="800" b="1" dirty="0">
-                <a:solidFill>
-                  <a:schemeClr val="bg1"/>
-                </a:solidFill>
-                <a:latin typeface="Arial"/>
-                <a:cs typeface="Arial"/>
-              </a:rPr>
-              <a:t> </a:t>
-            </a:r>
-            <a:r>
-              <a:rPr lang="it-IT" sz="800" b="1" dirty="0" err="1">
-                <a:solidFill>
-                  <a:schemeClr val="bg1"/>
-                </a:solidFill>
-                <a:latin typeface="Arial"/>
-                <a:cs typeface="Arial"/>
-              </a:rPr>
-              <a:t>bold</a:t>
-            </a:r>
-            <a:r>
-              <a:rPr lang="it-IT" sz="800" b="1" dirty="0">
-                <a:solidFill>
-                  <a:schemeClr val="bg1"/>
-                </a:solidFill>
-                <a:latin typeface="Arial"/>
-                <a:cs typeface="Arial"/>
-              </a:rPr>
-              <a:t> 8 </a:t>
-            </a:r>
-            <a:r>
-              <a:rPr lang="it-IT" sz="800" b="1" dirty="0" err="1">
-                <a:solidFill>
-                  <a:schemeClr val="bg1"/>
-                </a:solidFill>
-                <a:latin typeface="Arial"/>
-                <a:cs typeface="Arial"/>
-              </a:rPr>
-              <a:t>pt</a:t>
-            </a:r>
-            <a:endParaRPr lang="it-IT" sz="800" b="1" dirty="0">
-              <a:solidFill>
-                <a:schemeClr val="bg1"/>
-              </a:solidFill>
-              <a:latin typeface="Arial"/>
-              <a:cs typeface="Arial"/>
-            </a:endParaRPr>
+              <a:t>Applicazioni dell’algoritmica alla biologia: alberi evolutivi</a:t>
+            </a:r>
           </a:p>
         </p:txBody>
       </p:sp>
@@ -6881,55 +6535,724 @@
                 <a:latin typeface="Arial"/>
                 <a:cs typeface="Arial"/>
               </a:rPr>
-              <a:t>Luogo e data </a:t>
-            </a:r>
-            <a:r>
-              <a:rPr lang="it-IT" sz="800" dirty="0" err="1">
-                <a:solidFill>
-                  <a:schemeClr val="bg1"/>
-                </a:solidFill>
-                <a:latin typeface="Arial"/>
-                <a:cs typeface="Arial"/>
+              <a:t>Firenze, 12 luglio 2019</a:t>
+            </a:r>
+          </a:p>
+          <a:p>
+            <a:endParaRPr lang="it-IT" dirty="0"/>
+          </a:p>
+        </p:txBody>
+      </p:sp>
+      <p:sp>
+        <p:nvSpPr>
+          <p:cNvPr id="20" name="CasellaDiTesto 19">
+            <a:extLst>
+              <a:ext uri="{FF2B5EF4-FFF2-40B4-BE49-F238E27FC236}">
+                <a16:creationId xmlns:a16="http://schemas.microsoft.com/office/drawing/2014/main" id="{6D402DA8-573C-45EA-B7E1-EE986DF5362A}"/>
+              </a:ext>
+            </a:extLst>
+          </p:cNvPr>
+          <p:cNvSpPr txBox="1"/>
+          <p:nvPr/>
+        </p:nvSpPr>
+        <p:spPr>
+          <a:xfrm>
+            <a:off x="-8326" y="1155171"/>
+            <a:ext cx="9152326" cy="523220"/>
+          </a:xfrm>
+          <a:prstGeom prst="rect">
+            <a:avLst/>
+          </a:prstGeom>
+          <a:noFill/>
+        </p:spPr>
+        <p:txBody>
+          <a:bodyPr wrap="square" rtlCol="0">
+            <a:spAutoFit/>
+          </a:bodyPr>
+          <a:lstStyle/>
+          <a:p>
+            <a:r>
+              <a:rPr lang="it-IT" sz="1400" dirty="0">
+                <a:latin typeface="Arial" panose="020B0604020202020204" pitchFamily="34" charset="0"/>
+                <a:cs typeface="Arial" panose="020B0604020202020204" pitchFamily="34" charset="0"/>
               </a:rPr>
-              <a:t>arial</a:t>
-            </a:r>
-            <a:r>
-              <a:rPr lang="it-IT" sz="800" dirty="0">
-                <a:solidFill>
-                  <a:schemeClr val="bg1"/>
-                </a:solidFill>
-                <a:latin typeface="Arial"/>
-                <a:cs typeface="Arial"/>
+              <a:t>Gli algoritmi utilizzati per la costruzione degli alberi evolutivi prendono il nome di </a:t>
+            </a:r>
+            <a:r>
+              <a:rPr lang="it-IT" sz="1400" i="1" dirty="0">
+                <a:latin typeface="Arial" panose="020B0604020202020204" pitchFamily="34" charset="0"/>
+                <a:cs typeface="Arial" panose="020B0604020202020204" pitchFamily="34" charset="0"/>
               </a:rPr>
-              <a:t> regular 8 </a:t>
-            </a:r>
-            <a:r>
-              <a:rPr lang="it-IT" sz="800" dirty="0" err="1">
-                <a:solidFill>
-                  <a:schemeClr val="bg1"/>
-                </a:solidFill>
-                <a:latin typeface="Arial"/>
-                <a:cs typeface="Arial"/>
+              <a:t>algoritmi basati sulla distanza</a:t>
+            </a:r>
+            <a:r>
+              <a:rPr lang="it-IT" sz="1400" dirty="0">
+                <a:latin typeface="Arial" panose="020B0604020202020204" pitchFamily="34" charset="0"/>
+                <a:cs typeface="Arial" panose="020B0604020202020204" pitchFamily="34" charset="0"/>
               </a:rPr>
-              <a:t>pt</a:t>
-            </a:r>
-            <a:endParaRPr lang="it-IT" sz="800" dirty="0">
-              <a:solidFill>
-                <a:schemeClr val="bg1"/>
-              </a:solidFill>
-              <a:latin typeface="Arial"/>
-              <a:cs typeface="Arial"/>
-            </a:endParaRPr>
-          </a:p>
-          <a:p>
-            <a:endParaRPr lang="it-IT" dirty="0"/>
-          </a:p>
-        </p:txBody>
-      </p:sp>
+              <a:t>, in quanto prendono in input una </a:t>
+            </a:r>
+            <a:r>
+              <a:rPr lang="it-IT" sz="1400" i="1" dirty="0">
+                <a:latin typeface="Arial" panose="020B0604020202020204" pitchFamily="34" charset="0"/>
+                <a:cs typeface="Arial" panose="020B0604020202020204" pitchFamily="34" charset="0"/>
+              </a:rPr>
+              <a:t>matrice delle distanze</a:t>
+            </a:r>
+            <a:r>
+              <a:rPr lang="it-IT" sz="1400" dirty="0">
+                <a:latin typeface="Arial" panose="020B0604020202020204" pitchFamily="34" charset="0"/>
+                <a:cs typeface="Arial" panose="020B0604020202020204" pitchFamily="34" charset="0"/>
+              </a:rPr>
+              <a:t>.</a:t>
+            </a:r>
+          </a:p>
+        </p:txBody>
+      </p:sp>
+      <mc:AlternateContent xmlns:mc="http://schemas.openxmlformats.org/markup-compatibility/2006">
+        <mc:Choice xmlns:a14="http://schemas.microsoft.com/office/drawing/2010/main" Requires="a14">
+          <p:sp>
+            <p:nvSpPr>
+              <p:cNvPr id="22" name="CasellaDiTesto 21">
+                <a:extLst>
+                  <a:ext uri="{FF2B5EF4-FFF2-40B4-BE49-F238E27FC236}">
+                    <a16:creationId xmlns:a16="http://schemas.microsoft.com/office/drawing/2014/main" id="{CC9F376A-C5F9-4B28-A4C0-7A903A0F3147}"/>
+                  </a:ext>
+                </a:extLst>
+              </p:cNvPr>
+              <p:cNvSpPr txBox="1"/>
+              <p:nvPr/>
+            </p:nvSpPr>
+            <p:spPr>
+              <a:xfrm>
+                <a:off x="9061" y="2676550"/>
+                <a:ext cx="3009347" cy="307777"/>
+              </a:xfrm>
+              <a:prstGeom prst="rect">
+                <a:avLst/>
+              </a:prstGeom>
+              <a:noFill/>
+            </p:spPr>
+            <p:txBody>
+              <a:bodyPr wrap="square" rtlCol="0">
+                <a:spAutoFit/>
+              </a:bodyPr>
+              <a:lstStyle/>
+              <a:p>
+                <a:r>
+                  <a:rPr lang="it-IT" sz="1400" dirty="0">
+                    <a:latin typeface="Arial" panose="020B0604020202020204" pitchFamily="34" charset="0"/>
+                    <a:cs typeface="Arial" panose="020B0604020202020204" pitchFamily="34" charset="0"/>
+                  </a:rPr>
+                  <a:t>Distanza: funzione </a:t>
+                </a:r>
+                <a14:m>
+                  <m:oMath xmlns:m="http://schemas.openxmlformats.org/officeDocument/2006/math">
+                    <m:r>
+                      <a:rPr lang="it-IT" sz="1400" b="0" i="1" smtClean="0">
+                        <a:latin typeface="Cambria Math" panose="02040503050406030204" pitchFamily="18" charset="0"/>
+                        <a:cs typeface="Arial" panose="020B0604020202020204" pitchFamily="34" charset="0"/>
+                      </a:rPr>
+                      <m:t>𝑑</m:t>
+                    </m:r>
+                    <m:r>
+                      <a:rPr lang="it-IT" sz="1400" b="0" i="1" smtClean="0">
+                        <a:latin typeface="Cambria Math" panose="02040503050406030204" pitchFamily="18" charset="0"/>
+                        <a:cs typeface="Arial" panose="020B0604020202020204" pitchFamily="34" charset="0"/>
+                      </a:rPr>
+                      <m:t>(</m:t>
+                    </m:r>
+                    <m:r>
+                      <a:rPr lang="it-IT" sz="1400" b="0" i="1" smtClean="0">
+                        <a:latin typeface="Cambria Math" panose="02040503050406030204" pitchFamily="18" charset="0"/>
+                        <a:cs typeface="Arial" panose="020B0604020202020204" pitchFamily="34" charset="0"/>
+                      </a:rPr>
+                      <m:t>𝑥</m:t>
+                    </m:r>
+                    <m:r>
+                      <a:rPr lang="it-IT" sz="1400" b="0" i="1" smtClean="0">
+                        <a:latin typeface="Cambria Math" panose="02040503050406030204" pitchFamily="18" charset="0"/>
+                        <a:cs typeface="Arial" panose="020B0604020202020204" pitchFamily="34" charset="0"/>
+                      </a:rPr>
+                      <m:t>, </m:t>
+                    </m:r>
+                    <m:r>
+                      <a:rPr lang="it-IT" sz="1400" b="0" i="1" smtClean="0">
+                        <a:latin typeface="Cambria Math" panose="02040503050406030204" pitchFamily="18" charset="0"/>
+                        <a:cs typeface="Arial" panose="020B0604020202020204" pitchFamily="34" charset="0"/>
+                      </a:rPr>
+                      <m:t>𝑦</m:t>
+                    </m:r>
+                    <m:r>
+                      <a:rPr lang="it-IT" sz="1400" b="0" i="1" smtClean="0">
+                        <a:latin typeface="Cambria Math" panose="02040503050406030204" pitchFamily="18" charset="0"/>
+                        <a:cs typeface="Arial" panose="020B0604020202020204" pitchFamily="34" charset="0"/>
+                      </a:rPr>
+                      <m:t>)</m:t>
+                    </m:r>
+                  </m:oMath>
+                </a14:m>
+                <a:r>
+                  <a:rPr lang="it-IT" sz="1400" dirty="0">
+                    <a:latin typeface="Arial" panose="020B0604020202020204" pitchFamily="34" charset="0"/>
+                    <a:cs typeface="Arial" panose="020B0604020202020204" pitchFamily="34" charset="0"/>
+                  </a:rPr>
+                  <a:t> tale che:</a:t>
+                </a:r>
+              </a:p>
+            </p:txBody>
+          </p:sp>
+        </mc:Choice>
+        <mc:Fallback>
+          <p:sp>
+            <p:nvSpPr>
+              <p:cNvPr id="22" name="CasellaDiTesto 21">
+                <a:extLst>
+                  <a:ext uri="{FF2B5EF4-FFF2-40B4-BE49-F238E27FC236}">
+                    <a16:creationId xmlns:a16="http://schemas.microsoft.com/office/drawing/2014/main" id="{CC9F376A-C5F9-4B28-A4C0-7A903A0F3147}"/>
+                  </a:ext>
+                </a:extLst>
+              </p:cNvPr>
+              <p:cNvSpPr txBox="1">
+                <a:spLocks noRot="1" noChangeAspect="1" noMove="1" noResize="1" noEditPoints="1" noAdjustHandles="1" noChangeArrowheads="1" noChangeShapeType="1" noTextEdit="1"/>
+              </p:cNvSpPr>
+              <p:nvPr/>
+            </p:nvSpPr>
+            <p:spPr>
+              <a:xfrm>
+                <a:off x="9061" y="2676550"/>
+                <a:ext cx="3009347" cy="307777"/>
+              </a:xfrm>
+              <a:prstGeom prst="rect">
+                <a:avLst/>
+              </a:prstGeom>
+              <a:blipFill>
+                <a:blip r:embed="rId8"/>
+                <a:stretch>
+                  <a:fillRect l="-607" t="-3922" b="-19608"/>
+                </a:stretch>
+              </a:blipFill>
+            </p:spPr>
+            <p:txBody>
+              <a:bodyPr/>
+              <a:lstStyle/>
+              <a:p>
+                <a:r>
+                  <a:rPr lang="it-IT">
+                    <a:noFill/>
+                  </a:rPr>
+                  <a:t> </a:t>
+                </a:r>
+              </a:p>
+            </p:txBody>
+          </p:sp>
+        </mc:Fallback>
+      </mc:AlternateContent>
+      <p:cxnSp>
+        <p:nvCxnSpPr>
+          <p:cNvPr id="27" name="Connettore a gomito 26">
+            <a:extLst>
+              <a:ext uri="{FF2B5EF4-FFF2-40B4-BE49-F238E27FC236}">
+                <a16:creationId xmlns:a16="http://schemas.microsoft.com/office/drawing/2014/main" id="{32D09BF5-6CDD-45E4-9335-23715D74B470}"/>
+              </a:ext>
+            </a:extLst>
+          </p:cNvPr>
+          <p:cNvCxnSpPr>
+            <a:cxnSpLocks/>
+            <a:stCxn id="20" idx="2"/>
+            <a:endCxn id="22" idx="0"/>
+          </p:cNvCxnSpPr>
+          <p:nvPr/>
+        </p:nvCxnSpPr>
+        <p:spPr>
+          <a:xfrm rot="5400000">
+            <a:off x="2541707" y="650419"/>
+            <a:ext cx="998159" cy="3054102"/>
+          </a:xfrm>
+          <a:prstGeom prst="bentConnector3">
+            <a:avLst>
+              <a:gd name="adj1" fmla="val 14424"/>
+            </a:avLst>
+          </a:prstGeom>
+          <a:ln>
+            <a:tailEnd type="triangle"/>
+          </a:ln>
+        </p:spPr>
+        <p:style>
+          <a:lnRef idx="2">
+            <a:schemeClr val="accent1"/>
+          </a:lnRef>
+          <a:fillRef idx="0">
+            <a:schemeClr val="accent1"/>
+          </a:fillRef>
+          <a:effectRef idx="1">
+            <a:schemeClr val="accent1"/>
+          </a:effectRef>
+          <a:fontRef idx="minor">
+            <a:schemeClr val="tx1"/>
+          </a:fontRef>
+        </p:style>
+      </p:cxnSp>
+      <p:pic>
+        <p:nvPicPr>
+          <p:cNvPr id="39" name="Immagine 38">
+            <a:extLst>
+              <a:ext uri="{FF2B5EF4-FFF2-40B4-BE49-F238E27FC236}">
+                <a16:creationId xmlns:a16="http://schemas.microsoft.com/office/drawing/2014/main" id="{A952079A-2A5D-4E78-B5D6-A8886F9145EC}"/>
+              </a:ext>
+            </a:extLst>
+          </p:cNvPr>
+          <p:cNvPicPr>
+            <a:picLocks noChangeAspect="1"/>
+          </p:cNvPicPr>
+          <p:nvPr>
+            <p:custDataLst>
+              <p:tags r:id="rId1"/>
+            </p:custDataLst>
+          </p:nvPr>
+        </p:nvPicPr>
+        <p:blipFill>
+          <a:blip r:embed="rId9"/>
+          <a:stretch>
+            <a:fillRect/>
+          </a:stretch>
+        </p:blipFill>
+        <p:spPr>
+          <a:xfrm>
+            <a:off x="5925952" y="2178799"/>
+            <a:ext cx="1944401" cy="221813"/>
+          </a:xfrm>
+          <a:prstGeom prst="rect">
+            <a:avLst/>
+          </a:prstGeom>
+        </p:spPr>
+      </p:pic>
+      <p:sp>
+        <p:nvSpPr>
+          <p:cNvPr id="33" name="CasellaDiTesto 32">
+            <a:extLst>
+              <a:ext uri="{FF2B5EF4-FFF2-40B4-BE49-F238E27FC236}">
+                <a16:creationId xmlns:a16="http://schemas.microsoft.com/office/drawing/2014/main" id="{86C2B4FE-7BA0-43FE-83F1-79EE02BD4D9C}"/>
+              </a:ext>
+            </a:extLst>
+          </p:cNvPr>
+          <p:cNvSpPr txBox="1"/>
+          <p:nvPr/>
+        </p:nvSpPr>
+        <p:spPr>
+          <a:xfrm>
+            <a:off x="4565390" y="2145039"/>
+            <a:ext cx="1455938" cy="307777"/>
+          </a:xfrm>
+          <a:prstGeom prst="rect">
+            <a:avLst/>
+          </a:prstGeom>
+          <a:noFill/>
+        </p:spPr>
+        <p:txBody>
+          <a:bodyPr wrap="square" rtlCol="0">
+            <a:spAutoFit/>
+          </a:bodyPr>
+          <a:lstStyle/>
+          <a:p>
+            <a:r>
+              <a:rPr lang="it-IT" sz="1400" dirty="0">
+                <a:latin typeface="Arial" panose="020B0604020202020204" pitchFamily="34" charset="0"/>
+                <a:cs typeface="Arial" panose="020B0604020202020204" pitchFamily="34" charset="0"/>
+              </a:rPr>
+              <a:t>Non negatività</a:t>
+            </a:r>
+          </a:p>
+        </p:txBody>
+      </p:sp>
+      <p:pic>
+        <p:nvPicPr>
+          <p:cNvPr id="54" name="Immagine 53">
+            <a:extLst>
+              <a:ext uri="{FF2B5EF4-FFF2-40B4-BE49-F238E27FC236}">
+                <a16:creationId xmlns:a16="http://schemas.microsoft.com/office/drawing/2014/main" id="{266C092B-59B0-4389-9F91-F3AF5A2D7958}"/>
+              </a:ext>
+            </a:extLst>
+          </p:cNvPr>
+          <p:cNvPicPr>
+            <a:picLocks noChangeAspect="1"/>
+          </p:cNvPicPr>
+          <p:nvPr>
+            <p:custDataLst>
+              <p:tags r:id="rId2"/>
+            </p:custDataLst>
+          </p:nvPr>
+        </p:nvPicPr>
+        <p:blipFill>
+          <a:blip r:embed="rId10"/>
+          <a:stretch>
+            <a:fillRect/>
+          </a:stretch>
+        </p:blipFill>
+        <p:spPr>
+          <a:xfrm>
+            <a:off x="5927432" y="2526514"/>
+            <a:ext cx="1719832" cy="194256"/>
+          </a:xfrm>
+          <a:prstGeom prst="rect">
+            <a:avLst/>
+          </a:prstGeom>
+        </p:spPr>
+      </p:pic>
+      <p:sp>
+        <p:nvSpPr>
+          <p:cNvPr id="48" name="CasellaDiTesto 47">
+            <a:extLst>
+              <a:ext uri="{FF2B5EF4-FFF2-40B4-BE49-F238E27FC236}">
+                <a16:creationId xmlns:a16="http://schemas.microsoft.com/office/drawing/2014/main" id="{E6E0B7A2-0684-43D6-85B0-9EC5999AE65D}"/>
+              </a:ext>
+            </a:extLst>
+          </p:cNvPr>
+          <p:cNvSpPr txBox="1"/>
+          <p:nvPr/>
+        </p:nvSpPr>
+        <p:spPr>
+          <a:xfrm>
+            <a:off x="4566870" y="2474998"/>
+            <a:ext cx="1455938" cy="307777"/>
+          </a:xfrm>
+          <a:prstGeom prst="rect">
+            <a:avLst/>
+          </a:prstGeom>
+          <a:noFill/>
+        </p:spPr>
+        <p:txBody>
+          <a:bodyPr wrap="square" rtlCol="0">
+            <a:spAutoFit/>
+          </a:bodyPr>
+          <a:lstStyle/>
+          <a:p>
+            <a:r>
+              <a:rPr lang="it-IT" sz="1400" dirty="0">
+                <a:latin typeface="Arial" panose="020B0604020202020204" pitchFamily="34" charset="0"/>
+                <a:cs typeface="Arial" panose="020B0604020202020204" pitchFamily="34" charset="0"/>
+              </a:rPr>
+              <a:t>Identità</a:t>
+            </a:r>
+          </a:p>
+        </p:txBody>
+      </p:sp>
+      <p:pic>
+        <p:nvPicPr>
+          <p:cNvPr id="60" name="Immagine 59">
+            <a:extLst>
+              <a:ext uri="{FF2B5EF4-FFF2-40B4-BE49-F238E27FC236}">
+                <a16:creationId xmlns:a16="http://schemas.microsoft.com/office/drawing/2014/main" id="{C87E4718-CE52-4837-A076-95771DE82F16}"/>
+              </a:ext>
+            </a:extLst>
+          </p:cNvPr>
+          <p:cNvPicPr>
+            <a:picLocks noChangeAspect="1"/>
+          </p:cNvPicPr>
+          <p:nvPr>
+            <p:custDataLst>
+              <p:tags r:id="rId3"/>
+            </p:custDataLst>
+          </p:nvPr>
+        </p:nvPicPr>
+        <p:blipFill>
+          <a:blip r:embed="rId11"/>
+          <a:stretch>
+            <a:fillRect/>
+          </a:stretch>
+        </p:blipFill>
+        <p:spPr>
+          <a:xfrm>
+            <a:off x="5927430" y="2854978"/>
+            <a:ext cx="2251528" cy="226414"/>
+          </a:xfrm>
+          <a:prstGeom prst="rect">
+            <a:avLst/>
+          </a:prstGeom>
+        </p:spPr>
+      </p:pic>
+      <p:sp>
+        <p:nvSpPr>
+          <p:cNvPr id="50" name="CasellaDiTesto 49">
+            <a:extLst>
+              <a:ext uri="{FF2B5EF4-FFF2-40B4-BE49-F238E27FC236}">
+                <a16:creationId xmlns:a16="http://schemas.microsoft.com/office/drawing/2014/main" id="{DAC351BB-2825-4208-90DC-6CC7998DDF79}"/>
+              </a:ext>
+            </a:extLst>
+          </p:cNvPr>
+          <p:cNvSpPr txBox="1"/>
+          <p:nvPr/>
+        </p:nvSpPr>
+        <p:spPr>
+          <a:xfrm>
+            <a:off x="4566868" y="2821218"/>
+            <a:ext cx="1455938" cy="307777"/>
+          </a:xfrm>
+          <a:prstGeom prst="rect">
+            <a:avLst/>
+          </a:prstGeom>
+          <a:noFill/>
+        </p:spPr>
+        <p:txBody>
+          <a:bodyPr wrap="square" rtlCol="0">
+            <a:spAutoFit/>
+          </a:bodyPr>
+          <a:lstStyle/>
+          <a:p>
+            <a:r>
+              <a:rPr lang="it-IT" sz="1400" dirty="0">
+                <a:latin typeface="Arial" panose="020B0604020202020204" pitchFamily="34" charset="0"/>
+                <a:cs typeface="Arial" panose="020B0604020202020204" pitchFamily="34" charset="0"/>
+              </a:rPr>
+              <a:t>Simmetria</a:t>
+            </a:r>
+          </a:p>
+        </p:txBody>
+      </p:sp>
+      <p:pic>
+        <p:nvPicPr>
+          <p:cNvPr id="65" name="Immagine 64">
+            <a:extLst>
+              <a:ext uri="{FF2B5EF4-FFF2-40B4-BE49-F238E27FC236}">
+                <a16:creationId xmlns:a16="http://schemas.microsoft.com/office/drawing/2014/main" id="{D1336C6E-FB36-4796-9E16-E63629E8274C}"/>
+              </a:ext>
+            </a:extLst>
+          </p:cNvPr>
+          <p:cNvPicPr>
+            <a:picLocks noChangeAspect="1"/>
+          </p:cNvPicPr>
+          <p:nvPr>
+            <p:custDataLst>
+              <p:tags r:id="rId4"/>
+            </p:custDataLst>
+          </p:nvPr>
+        </p:nvPicPr>
+        <p:blipFill>
+          <a:blip r:embed="rId12"/>
+          <a:stretch>
+            <a:fillRect/>
+          </a:stretch>
+        </p:blipFill>
+        <p:spPr>
+          <a:xfrm>
+            <a:off x="5928910" y="3300353"/>
+            <a:ext cx="3179267" cy="224870"/>
+          </a:xfrm>
+          <a:prstGeom prst="rect">
+            <a:avLst/>
+          </a:prstGeom>
+        </p:spPr>
+      </p:pic>
+      <p:sp>
+        <p:nvSpPr>
+          <p:cNvPr id="52" name="CasellaDiTesto 51">
+            <a:extLst>
+              <a:ext uri="{FF2B5EF4-FFF2-40B4-BE49-F238E27FC236}">
+                <a16:creationId xmlns:a16="http://schemas.microsoft.com/office/drawing/2014/main" id="{4F68C9AC-2BAC-49D9-B68E-CB247D55D584}"/>
+              </a:ext>
+            </a:extLst>
+          </p:cNvPr>
+          <p:cNvSpPr txBox="1"/>
+          <p:nvPr/>
+        </p:nvSpPr>
+        <p:spPr>
+          <a:xfrm>
+            <a:off x="4568348" y="3151178"/>
+            <a:ext cx="1455938" cy="523220"/>
+          </a:xfrm>
+          <a:prstGeom prst="rect">
+            <a:avLst/>
+          </a:prstGeom>
+          <a:noFill/>
+        </p:spPr>
+        <p:txBody>
+          <a:bodyPr wrap="square" rtlCol="0">
+            <a:spAutoFit/>
+          </a:bodyPr>
+          <a:lstStyle/>
+          <a:p>
+            <a:r>
+              <a:rPr lang="it-IT" sz="1400" dirty="0">
+                <a:latin typeface="Arial" panose="020B0604020202020204" pitchFamily="34" charset="0"/>
+                <a:cs typeface="Arial" panose="020B0604020202020204" pitchFamily="34" charset="0"/>
+              </a:rPr>
+              <a:t>Disuguaglianza triangolare</a:t>
+            </a:r>
+          </a:p>
+        </p:txBody>
+      </p:sp>
+      <p:cxnSp>
+        <p:nvCxnSpPr>
+          <p:cNvPr id="70" name="Connettore a gomito 69">
+            <a:extLst>
+              <a:ext uri="{FF2B5EF4-FFF2-40B4-BE49-F238E27FC236}">
+                <a16:creationId xmlns:a16="http://schemas.microsoft.com/office/drawing/2014/main" id="{B4A0C156-9FA4-49C6-BD66-F66D48A02D3C}"/>
+              </a:ext>
+            </a:extLst>
+          </p:cNvPr>
+          <p:cNvCxnSpPr>
+            <a:endCxn id="33" idx="1"/>
+          </p:cNvCxnSpPr>
+          <p:nvPr/>
+        </p:nvCxnSpPr>
+        <p:spPr>
+          <a:xfrm flipV="1">
+            <a:off x="3018408" y="2298928"/>
+            <a:ext cx="1546982" cy="522290"/>
+          </a:xfrm>
+          <a:prstGeom prst="bentConnector3">
+            <a:avLst/>
+          </a:prstGeom>
+          <a:ln>
+            <a:tailEnd type="triangle"/>
+          </a:ln>
+        </p:spPr>
+        <p:style>
+          <a:lnRef idx="2">
+            <a:schemeClr val="accent1"/>
+          </a:lnRef>
+          <a:fillRef idx="0">
+            <a:schemeClr val="accent1"/>
+          </a:fillRef>
+          <a:effectRef idx="1">
+            <a:schemeClr val="accent1"/>
+          </a:effectRef>
+          <a:fontRef idx="minor">
+            <a:schemeClr val="tx1"/>
+          </a:fontRef>
+        </p:style>
+      </p:cxnSp>
+      <p:cxnSp>
+        <p:nvCxnSpPr>
+          <p:cNvPr id="72" name="Connettore a gomito 71">
+            <a:extLst>
+              <a:ext uri="{FF2B5EF4-FFF2-40B4-BE49-F238E27FC236}">
+                <a16:creationId xmlns:a16="http://schemas.microsoft.com/office/drawing/2014/main" id="{832CB24E-8A90-42C3-BBED-193B2E981CD3}"/>
+              </a:ext>
+            </a:extLst>
+          </p:cNvPr>
+          <p:cNvCxnSpPr>
+            <a:cxnSpLocks/>
+          </p:cNvCxnSpPr>
+          <p:nvPr/>
+        </p:nvCxnSpPr>
+        <p:spPr>
+          <a:xfrm flipV="1">
+            <a:off x="3027791" y="2638888"/>
+            <a:ext cx="1548462" cy="201552"/>
+          </a:xfrm>
+          <a:prstGeom prst="bentConnector3">
+            <a:avLst>
+              <a:gd name="adj1" fmla="val 49427"/>
+            </a:avLst>
+          </a:prstGeom>
+          <a:ln>
+            <a:tailEnd type="triangle"/>
+          </a:ln>
+        </p:spPr>
+        <p:style>
+          <a:lnRef idx="2">
+            <a:schemeClr val="accent1"/>
+          </a:lnRef>
+          <a:fillRef idx="0">
+            <a:schemeClr val="accent1"/>
+          </a:fillRef>
+          <a:effectRef idx="1">
+            <a:schemeClr val="accent1"/>
+          </a:effectRef>
+          <a:fontRef idx="minor">
+            <a:schemeClr val="tx1"/>
+          </a:fontRef>
+        </p:style>
+      </p:cxnSp>
+      <p:cxnSp>
+        <p:nvCxnSpPr>
+          <p:cNvPr id="74" name="Connettore a gomito 73">
+            <a:extLst>
+              <a:ext uri="{FF2B5EF4-FFF2-40B4-BE49-F238E27FC236}">
+                <a16:creationId xmlns:a16="http://schemas.microsoft.com/office/drawing/2014/main" id="{29907025-AC18-4B65-A93E-E9F268CC0D4D}"/>
+              </a:ext>
+            </a:extLst>
+          </p:cNvPr>
+          <p:cNvCxnSpPr>
+            <a:cxnSpLocks/>
+          </p:cNvCxnSpPr>
+          <p:nvPr/>
+        </p:nvCxnSpPr>
+        <p:spPr>
+          <a:xfrm>
+            <a:off x="3026733" y="2828198"/>
+            <a:ext cx="1540135" cy="153889"/>
+          </a:xfrm>
+          <a:prstGeom prst="bentConnector3">
+            <a:avLst/>
+          </a:prstGeom>
+          <a:ln>
+            <a:tailEnd type="triangle"/>
+          </a:ln>
+        </p:spPr>
+        <p:style>
+          <a:lnRef idx="2">
+            <a:schemeClr val="accent1"/>
+          </a:lnRef>
+          <a:fillRef idx="0">
+            <a:schemeClr val="accent1"/>
+          </a:fillRef>
+          <a:effectRef idx="1">
+            <a:schemeClr val="accent1"/>
+          </a:effectRef>
+          <a:fontRef idx="minor">
+            <a:schemeClr val="tx1"/>
+          </a:fontRef>
+        </p:style>
+      </p:cxnSp>
+      <p:cxnSp>
+        <p:nvCxnSpPr>
+          <p:cNvPr id="76" name="Connettore a gomito 75">
+            <a:extLst>
+              <a:ext uri="{FF2B5EF4-FFF2-40B4-BE49-F238E27FC236}">
+                <a16:creationId xmlns:a16="http://schemas.microsoft.com/office/drawing/2014/main" id="{242FF6A7-004E-4B9E-A547-979BC9EA3C9C}"/>
+              </a:ext>
+            </a:extLst>
+          </p:cNvPr>
+          <p:cNvCxnSpPr>
+            <a:cxnSpLocks/>
+          </p:cNvCxnSpPr>
+          <p:nvPr/>
+        </p:nvCxnSpPr>
+        <p:spPr>
+          <a:xfrm>
+            <a:off x="3015870" y="2821218"/>
+            <a:ext cx="1527562" cy="553127"/>
+          </a:xfrm>
+          <a:prstGeom prst="bentConnector3">
+            <a:avLst>
+              <a:gd name="adj1" fmla="val 51163"/>
+            </a:avLst>
+          </a:prstGeom>
+          <a:ln>
+            <a:tailEnd type="triangle"/>
+          </a:ln>
+        </p:spPr>
+        <p:style>
+          <a:lnRef idx="2">
+            <a:schemeClr val="accent1"/>
+          </a:lnRef>
+          <a:fillRef idx="0">
+            <a:schemeClr val="accent1"/>
+          </a:fillRef>
+          <a:effectRef idx="1">
+            <a:schemeClr val="accent1"/>
+          </a:effectRef>
+          <a:fontRef idx="minor">
+            <a:schemeClr val="tx1"/>
+          </a:fontRef>
+        </p:style>
+      </p:cxnSp>
     </p:spTree>
     <p:extLst>
       <p:ext uri="{BB962C8B-B14F-4D97-AF65-F5344CB8AC3E}">
-        <p14:creationId xmlns:p14="http://schemas.microsoft.com/office/powerpoint/2010/main" val="1317185678"/>
+        <p14:creationId xmlns:p14="http://schemas.microsoft.com/office/powerpoint/2010/main" val="1386645615"/>
       </p:ext>
     </p:extLst>
   </p:cSld>
@@ -6958,7 +7281,7 @@
       </p:grpSpPr>
       <p:pic>
         <p:nvPicPr>
-          <p:cNvPr id="13" name="Immagine 12"/>
+          <p:cNvPr id="2" name="Immagine 1"/>
           <p:cNvPicPr>
             <a:picLocks noChangeAspect="1"/>
           </p:cNvPicPr>
@@ -6972,54 +7295,24 @@
         </p:blipFill>
         <p:spPr>
           <a:xfrm>
-            <a:off x="0" y="-21160"/>
-            <a:ext cx="9180512" cy="6872633"/>
+            <a:off x="-1" y="3123"/>
+            <a:ext cx="9143817" cy="6872495"/>
           </a:xfrm>
           <a:prstGeom prst="rect">
             <a:avLst/>
           </a:prstGeom>
         </p:spPr>
       </p:pic>
-      <p:pic>
-        <p:nvPicPr>
-          <p:cNvPr id="2" name="Immagine 1" descr="Rettorato_firenze,_scale_02.JPG"/>
-          <p:cNvPicPr>
-            <a:picLocks noChangeAspect="1"/>
-          </p:cNvPicPr>
-          <p:nvPr/>
-        </p:nvPicPr>
-        <p:blipFill>
-          <a:blip r:embed="rId4">
-            <a:extLst>
-              <a:ext uri="{28A0092B-C50C-407E-A947-70E740481C1C}">
-                <a14:useLocalDpi xmlns:a14="http://schemas.microsoft.com/office/drawing/2010/main" val="0"/>
-              </a:ext>
-            </a:extLst>
-          </a:blip>
-          <a:stretch>
-            <a:fillRect/>
-          </a:stretch>
-        </p:blipFill>
-        <p:spPr>
-          <a:xfrm>
-            <a:off x="723901" y="1475408"/>
-            <a:ext cx="7892796" cy="3358614"/>
-          </a:xfrm>
-          <a:prstGeom prst="rect">
-            <a:avLst/>
-          </a:prstGeom>
-        </p:spPr>
-      </p:pic>
-      <p:sp>
-        <p:nvSpPr>
-          <p:cNvPr id="9" name="CasellaDiTesto 8"/>
+      <p:sp>
+        <p:nvSpPr>
+          <p:cNvPr id="7" name="CasellaDiTesto 6"/>
           <p:cNvSpPr txBox="1"/>
           <p:nvPr/>
         </p:nvSpPr>
         <p:spPr>
           <a:xfrm>
-            <a:off x="670207" y="4834022"/>
-            <a:ext cx="7983516" cy="899234"/>
+            <a:off x="9061" y="649703"/>
+            <a:ext cx="6737968" cy="461665"/>
           </a:xfrm>
           <a:prstGeom prst="rect">
             <a:avLst/>
@@ -7032,111 +7325,17 @@
           </a:bodyPr>
           <a:lstStyle/>
           <a:p>
-            <a:pPr algn="just"/>
-            <a:r>
-              <a:rPr lang="it-IT" sz="1200" dirty="0">
+            <a:r>
+              <a:rPr lang="it-IT" sz="2400" b="1" dirty="0">
+                <a:solidFill>
+                  <a:schemeClr val="accent1">
+                    <a:lumMod val="75000"/>
+                  </a:schemeClr>
+                </a:solidFill>
                 <a:latin typeface="Arial"/>
                 <a:cs typeface="Arial"/>
               </a:rPr>
-              <a:t>didascalia </a:t>
-            </a:r>
-            <a:r>
-              <a:rPr lang="it-IT" sz="1200" dirty="0" err="1">
-                <a:latin typeface="Arial"/>
-                <a:cs typeface="Arial"/>
-              </a:rPr>
-              <a:t>arial</a:t>
-            </a:r>
-            <a:r>
-              <a:rPr lang="it-IT" sz="1200" dirty="0">
-                <a:latin typeface="Arial"/>
-                <a:cs typeface="Arial"/>
-              </a:rPr>
-              <a:t> regular 12 </a:t>
-            </a:r>
-            <a:r>
-              <a:rPr lang="it-IT" sz="1200" dirty="0" err="1">
-                <a:latin typeface="Arial"/>
-                <a:cs typeface="Arial"/>
-              </a:rPr>
-              <a:t>pt</a:t>
-            </a:r>
-            <a:r>
-              <a:rPr lang="it-IT" sz="1200" dirty="0">
-                <a:latin typeface="Arial"/>
-                <a:cs typeface="Arial"/>
-              </a:rPr>
-              <a:t> allineamento a sinistra o giustificato didascalia </a:t>
-            </a:r>
-            <a:r>
-              <a:rPr lang="it-IT" sz="1200" dirty="0" err="1">
-                <a:latin typeface="Arial"/>
-                <a:cs typeface="Arial"/>
-              </a:rPr>
-              <a:t>arial</a:t>
-            </a:r>
-            <a:r>
-              <a:rPr lang="it-IT" sz="1200" dirty="0">
-                <a:latin typeface="Arial"/>
-                <a:cs typeface="Arial"/>
-              </a:rPr>
-              <a:t> regular 12 </a:t>
-            </a:r>
-            <a:r>
-              <a:rPr lang="it-IT" sz="1200" dirty="0" err="1">
-                <a:latin typeface="Arial"/>
-                <a:cs typeface="Arial"/>
-              </a:rPr>
-              <a:t>pt</a:t>
-            </a:r>
-            <a:r>
-              <a:rPr lang="it-IT" sz="1200" dirty="0">
-                <a:latin typeface="Arial"/>
-                <a:cs typeface="Arial"/>
-              </a:rPr>
-              <a:t> allineamento a sinistra o giustificato didascalia </a:t>
-            </a:r>
-            <a:r>
-              <a:rPr lang="it-IT" sz="1200" dirty="0" err="1">
-                <a:latin typeface="Arial"/>
-                <a:cs typeface="Arial"/>
-              </a:rPr>
-              <a:t>arial</a:t>
-            </a:r>
-            <a:r>
-              <a:rPr lang="it-IT" sz="1200" dirty="0">
-                <a:latin typeface="Arial"/>
-                <a:cs typeface="Arial"/>
-              </a:rPr>
-              <a:t> regular 12 </a:t>
-            </a:r>
-            <a:r>
-              <a:rPr lang="it-IT" sz="1200" dirty="0" err="1">
-                <a:latin typeface="Arial"/>
-                <a:cs typeface="Arial"/>
-              </a:rPr>
-              <a:t>pt</a:t>
-            </a:r>
-            <a:r>
-              <a:rPr lang="it-IT" sz="1200" dirty="0">
-                <a:latin typeface="Arial"/>
-                <a:cs typeface="Arial"/>
-              </a:rPr>
-              <a:t> allineamento a sinistra o giustificato</a:t>
-            </a:r>
-          </a:p>
-          <a:p>
-            <a:pPr algn="just"/>
-            <a:r>
-              <a:rPr lang="it-IT" sz="1400" dirty="0"/>
-              <a:t>           </a:t>
-            </a:r>
-          </a:p>
-          <a:p>
-            <a:pPr algn="just"/>
-            <a:r>
-              <a:rPr lang="it-IT" sz="1400" dirty="0"/>
-              <a:t>           </a:t>
+              <a:t>Problema degli alberi basati sulla distanza</a:t>
             </a:r>
           </a:p>
         </p:txBody>
@@ -7235,8 +7434,8 @@
         </p:nvSpPr>
         <p:spPr>
           <a:xfrm>
-            <a:off x="7508873" y="51433"/>
-            <a:ext cx="1184940" cy="338554"/>
+            <a:off x="5735951" y="51433"/>
+            <a:ext cx="2957862" cy="215444"/>
           </a:xfrm>
           <a:prstGeom prst="rect">
             <a:avLst/>
@@ -7258,68 +7457,8 @@
                 <a:latin typeface="Arial"/>
                 <a:cs typeface="Arial"/>
               </a:rPr>
-              <a:t>Titolo presentazione </a:t>
-            </a:r>
-          </a:p>
-          <a:p>
-            <a:pPr algn="r"/>
-            <a:r>
-              <a:rPr lang="it-IT" sz="800" b="1" dirty="0" err="1">
-                <a:solidFill>
-                  <a:schemeClr val="bg1"/>
-                </a:solidFill>
-                <a:latin typeface="Arial"/>
-                <a:cs typeface="Arial"/>
-              </a:rPr>
-              <a:t>arial</a:t>
-            </a:r>
-            <a:r>
-              <a:rPr lang="it-IT" sz="800" b="1" dirty="0">
-                <a:solidFill>
-                  <a:schemeClr val="bg1"/>
-                </a:solidFill>
-                <a:latin typeface="Arial"/>
-                <a:cs typeface="Arial"/>
-              </a:rPr>
-              <a:t> </a:t>
-            </a:r>
-            <a:r>
-              <a:rPr lang="it-IT" sz="800" b="1" dirty="0" err="1">
-                <a:solidFill>
-                  <a:schemeClr val="bg1"/>
-                </a:solidFill>
-                <a:latin typeface="Arial"/>
-                <a:cs typeface="Arial"/>
-              </a:rPr>
-              <a:t>bold</a:t>
-            </a:r>
-            <a:r>
-              <a:rPr lang="it-IT" sz="800" b="1" dirty="0">
-                <a:solidFill>
-                  <a:schemeClr val="bg1"/>
-                </a:solidFill>
-                <a:latin typeface="Arial"/>
-                <a:cs typeface="Arial"/>
-              </a:rPr>
-              <a:t> 8 </a:t>
-            </a:r>
-            <a:r>
-              <a:rPr lang="it-IT" sz="800" b="1" dirty="0" err="1">
-                <a:solidFill>
-                  <a:schemeClr val="bg1"/>
-                </a:solidFill>
-                <a:latin typeface="Arial"/>
-                <a:cs typeface="Arial"/>
-              </a:rPr>
-              <a:t>pt</a:t>
-            </a:r>
-            <a:endParaRPr lang="it-IT" sz="800" b="1" dirty="0">
-              <a:solidFill>
-                <a:schemeClr val="bg1"/>
-              </a:solidFill>
-              <a:latin typeface="Arial"/>
-              <a:cs typeface="Arial"/>
-            </a:endParaRPr>
+              <a:t>Applicazioni dell’algoritmica alla biologia: alberi evolutivi</a:t>
+            </a:r>
           </a:p>
         </p:txBody>
       </p:sp>
@@ -7354,55 +7493,97 @@
                 <a:latin typeface="Arial"/>
                 <a:cs typeface="Arial"/>
               </a:rPr>
-              <a:t>Luogo e data </a:t>
-            </a:r>
-            <a:r>
-              <a:rPr lang="it-IT" sz="800" dirty="0" err="1">
-                <a:solidFill>
-                  <a:schemeClr val="bg1"/>
-                </a:solidFill>
-                <a:latin typeface="Arial"/>
-                <a:cs typeface="Arial"/>
+              <a:t>Firenze, 12 luglio 2019</a:t>
+            </a:r>
+          </a:p>
+          <a:p>
+            <a:endParaRPr lang="it-IT" dirty="0"/>
+          </a:p>
+        </p:txBody>
+      </p:sp>
+      <p:sp>
+        <p:nvSpPr>
+          <p:cNvPr id="20" name="CasellaDiTesto 19">
+            <a:extLst>
+              <a:ext uri="{FF2B5EF4-FFF2-40B4-BE49-F238E27FC236}">
+                <a16:creationId xmlns:a16="http://schemas.microsoft.com/office/drawing/2014/main" id="{6D402DA8-573C-45EA-B7E1-EE986DF5362A}"/>
+              </a:ext>
+            </a:extLst>
+          </p:cNvPr>
+          <p:cNvSpPr txBox="1"/>
+          <p:nvPr/>
+        </p:nvSpPr>
+        <p:spPr>
+          <a:xfrm>
+            <a:off x="-8326" y="1155171"/>
+            <a:ext cx="9152326" cy="738664"/>
+          </a:xfrm>
+          <a:prstGeom prst="rect">
+            <a:avLst/>
+          </a:prstGeom>
+          <a:noFill/>
+        </p:spPr>
+        <p:txBody>
+          <a:bodyPr wrap="square" rtlCol="0">
+            <a:spAutoFit/>
+          </a:bodyPr>
+          <a:lstStyle/>
+          <a:p>
+            <a:r>
+              <a:rPr lang="it-IT" sz="1400" dirty="0">
+                <a:latin typeface="Arial" panose="020B0604020202020204" pitchFamily="34" charset="0"/>
+                <a:cs typeface="Arial" panose="020B0604020202020204" pitchFamily="34" charset="0"/>
               </a:rPr>
-              <a:t>arial</a:t>
-            </a:r>
-            <a:r>
-              <a:rPr lang="it-IT" sz="800" dirty="0">
-                <a:solidFill>
-                  <a:schemeClr val="bg1"/>
-                </a:solidFill>
-                <a:latin typeface="Arial"/>
-                <a:cs typeface="Arial"/>
+              <a:t>Gli algoritmi utilizzati per la costruzione degli alberi evolutivi prendono il nome di </a:t>
+            </a:r>
+            <a:r>
+              <a:rPr lang="it-IT" sz="1400" i="1" dirty="0">
+                <a:latin typeface="Arial" panose="020B0604020202020204" pitchFamily="34" charset="0"/>
+                <a:cs typeface="Arial" panose="020B0604020202020204" pitchFamily="34" charset="0"/>
               </a:rPr>
-              <a:t> regular 8 </a:t>
-            </a:r>
-            <a:r>
-              <a:rPr lang="it-IT" sz="800" dirty="0" err="1">
-                <a:solidFill>
-                  <a:schemeClr val="bg1"/>
-                </a:solidFill>
-                <a:latin typeface="Arial"/>
-                <a:cs typeface="Arial"/>
+              <a:t>algoritmi basati sulla distanza</a:t>
+            </a:r>
+            <a:r>
+              <a:rPr lang="it-IT" sz="1400" dirty="0">
+                <a:latin typeface="Arial" panose="020B0604020202020204" pitchFamily="34" charset="0"/>
+                <a:cs typeface="Arial" panose="020B0604020202020204" pitchFamily="34" charset="0"/>
               </a:rPr>
-              <a:t>pt</a:t>
-            </a:r>
-            <a:endParaRPr lang="it-IT" sz="800" dirty="0">
-              <a:solidFill>
-                <a:schemeClr val="bg1"/>
-              </a:solidFill>
-              <a:latin typeface="Arial"/>
-              <a:cs typeface="Arial"/>
-            </a:endParaRPr>
-          </a:p>
-          <a:p>
-            <a:endParaRPr lang="it-IT" dirty="0"/>
+              <a:t>, in quanto prendono in input una </a:t>
+            </a:r>
+            <a:r>
+              <a:rPr lang="it-IT" sz="1400" i="1" dirty="0">
+                <a:latin typeface="Arial" panose="020B0604020202020204" pitchFamily="34" charset="0"/>
+                <a:cs typeface="Arial" panose="020B0604020202020204" pitchFamily="34" charset="0"/>
+              </a:rPr>
+              <a:t>matrice delle distanze</a:t>
+            </a:r>
+            <a:r>
+              <a:rPr lang="it-IT" sz="1400" dirty="0">
+                <a:latin typeface="Arial" panose="020B0604020202020204" pitchFamily="34" charset="0"/>
+                <a:cs typeface="Arial" panose="020B0604020202020204" pitchFamily="34" charset="0"/>
+              </a:rPr>
+              <a:t>.</a:t>
+            </a:r>
+            <a:br>
+              <a:rPr lang="it-IT" sz="1400" dirty="0">
+                <a:latin typeface="Arial" panose="020B0604020202020204" pitchFamily="34" charset="0"/>
+                <a:cs typeface="Arial" panose="020B0604020202020204" pitchFamily="34" charset="0"/>
+              </a:rPr>
+            </a:br>
+            <a:r>
+              <a:rPr lang="it-IT" sz="1400" dirty="0">
+                <a:latin typeface="Arial" panose="020B0604020202020204" pitchFamily="34" charset="0"/>
+                <a:cs typeface="Arial" panose="020B0604020202020204" pitchFamily="34" charset="0"/>
+              </a:rPr>
+              <a:t>TODO COSTRUIRE MATRICE DELLE DISTANZE</a:t>
+            </a:r>
           </a:p>
         </p:txBody>
       </p:sp>
     </p:spTree>
     <p:extLst>
       <p:ext uri="{BB962C8B-B14F-4D97-AF65-F5344CB8AC3E}">
-        <p14:creationId xmlns:p14="http://schemas.microsoft.com/office/powerpoint/2010/main" val="4108044385"/>
+        <p14:creationId xmlns:p14="http://schemas.microsoft.com/office/powerpoint/2010/main" val="2968998216"/>
       </p:ext>
     </p:extLst>
   </p:cSld>
@@ -7410,6 +7591,82 @@
     <a:masterClrMapping/>
   </p:clrMapOvr>
 </p:sld>
+</file>
+
+<file path=ppt/tags/tag1.xml><?xml version="1.0" encoding="utf-8"?>
+<p:tagLst xmlns:a="http://schemas.openxmlformats.org/drawingml/2006/main" xmlns:r="http://schemas.openxmlformats.org/officeDocument/2006/relationships" xmlns:p="http://schemas.openxmlformats.org/presentationml/2006/main">
+  <p:tag name="OUTPUTDPI" val="1200"/>
+  <p:tag name="ORIGINALHEIGHT" val="143,982"/>
+  <p:tag name="ORIGINALWIDTH" val="1287,589"/>
+  <p:tag name="LATEXADDIN" val="\documentclass{article}&#10;\usepackage{amsmath}&#10;\pagestyle{empty}&#10;\begin{document}&#10;&#10; \[d(x,y)\geq 0\hspace{1em} \forall \: x,y\in R^k\]&#10;&#10;&#10;\end{document}"/>
+  <p:tag name="IGUANATEXSIZE" val="20"/>
+  <p:tag name="IGUANATEXCURSOR" val="105"/>
+  <p:tag name="TRANSPARENCY" val="Vero"/>
+  <p:tag name="FILENAME" val=""/>
+  <p:tag name="LATEXENGINEID" val="0"/>
+  <p:tag name="TEMPFOLDER" val="c:\temp\"/>
+  <p:tag name="LATEXFORMHEIGHT" val="312"/>
+  <p:tag name="LATEXFORMWIDTH" val="384"/>
+  <p:tag name="LATEXFORMWRAP" val="Vero"/>
+  <p:tag name="BITMAPVECTOR" val="0"/>
+</p:tagLst>
+</file>
+
+<file path=ppt/tags/tag2.xml><?xml version="1.0" encoding="utf-8"?>
+<p:tagLst xmlns:a="http://schemas.openxmlformats.org/drawingml/2006/main" xmlns:r="http://schemas.openxmlformats.org/officeDocument/2006/relationships" xmlns:p="http://schemas.openxmlformats.org/presentationml/2006/main">
+  <p:tag name="OUTPUTDPI" val="1200"/>
+  <p:tag name="ORIGINALHEIGHT" val="125,2343"/>
+  <p:tag name="ORIGINALWIDTH" val="1138,358"/>
+  <p:tag name="LATEXADDIN" val="\documentclass{article}&#10;\usepackage{amsmath}&#10;\pagestyle{empty}&#10;\begin{document}&#10;&#10;\[d(x,y)=0 \; \leftrightarrow \; x=y\]&#10;&#10;\end{document}"/>
+  <p:tag name="IGUANATEXSIZE" val="20"/>
+  <p:tag name="IGUANATEXCURSOR" val="119"/>
+  <p:tag name="TRANSPARENCY" val="Vero"/>
+  <p:tag name="FILENAME" val=""/>
+  <p:tag name="LATEXENGINEID" val="0"/>
+  <p:tag name="TEMPFOLDER" val="c:\temp\"/>
+  <p:tag name="LATEXFORMHEIGHT" val="312"/>
+  <p:tag name="LATEXFORMWIDTH" val="384"/>
+  <p:tag name="LATEXFORMWRAP" val="Vero"/>
+  <p:tag name="BITMAPVECTOR" val="0"/>
+</p:tagLst>
+</file>
+
+<file path=ppt/tags/tag3.xml><?xml version="1.0" encoding="utf-8"?>
+<p:tagLst xmlns:a="http://schemas.openxmlformats.org/drawingml/2006/main" xmlns:r="http://schemas.openxmlformats.org/officeDocument/2006/relationships" xmlns:p="http://schemas.openxmlformats.org/presentationml/2006/main">
+  <p:tag name="OUTPUTDPI" val="1200"/>
+  <p:tag name="ORIGINALHEIGHT" val="143,982"/>
+  <p:tag name="ORIGINALWIDTH" val="1489,314"/>
+  <p:tag name="LATEXADDIN" val="\documentclass{article}&#10;\usepackage{amsmath}&#10;\pagestyle{empty}&#10;\begin{document}&#10;&#10; \[d(x,y)=d(y,x)\; \forall \: x,y\in R^k\]&#10;&#10;&#10;\end{document}"/>
+  <p:tag name="IGUANATEXSIZE" val="20"/>
+  <p:tag name="IGUANATEXCURSOR" val="99"/>
+  <p:tag name="TRANSPARENCY" val="Vero"/>
+  <p:tag name="FILENAME" val=""/>
+  <p:tag name="LATEXENGINEID" val="0"/>
+  <p:tag name="TEMPFOLDER" val="c:\temp\"/>
+  <p:tag name="LATEXFORMHEIGHT" val="312"/>
+  <p:tag name="LATEXFORMWIDTH" val="384"/>
+  <p:tag name="LATEXFORMWRAP" val="Vero"/>
+  <p:tag name="BITMAPVECTOR" val="0"/>
+</p:tagLst>
+</file>
+
+<file path=ppt/tags/tag4.xml><?xml version="1.0" encoding="utf-8"?>
+<p:tagLst xmlns:a="http://schemas.openxmlformats.org/drawingml/2006/main" xmlns:r="http://schemas.openxmlformats.org/officeDocument/2006/relationships" xmlns:p="http://schemas.openxmlformats.org/presentationml/2006/main">
+  <p:tag name="OUTPUTDPI" val="1200"/>
+  <p:tag name="ORIGINALHEIGHT" val="143,982"/>
+  <p:tag name="ORIGINALWIDTH" val="2103,487"/>
+  <p:tag name="LATEXADDIN" val="\documentclass{article}&#10;\usepackage{amsmath}&#10;\pagestyle{empty}&#10;\begin{document}&#10;&#10; \[d(x,y)\leq d(x,z)+d(y,z)\; \forall \: x,y,z\in R^k\]&#10;&#10;&#10;\end{document}"/>
+  <p:tag name="IGUANATEXSIZE" val="20"/>
+  <p:tag name="IGUANATEXCURSOR" val="110"/>
+  <p:tag name="TRANSPARENCY" val="Vero"/>
+  <p:tag name="FILENAME" val=""/>
+  <p:tag name="LATEXENGINEID" val="0"/>
+  <p:tag name="TEMPFOLDER" val="c:\temp\"/>
+  <p:tag name="LATEXFORMHEIGHT" val="312"/>
+  <p:tag name="LATEXFORMWIDTH" val="384"/>
+  <p:tag name="LATEXFORMWRAP" val="Vero"/>
+  <p:tag name="BITMAPVECTOR" val="0"/>
+</p:tagLst>
 </file>
 
 <file path=ppt/theme/theme1.xml><?xml version="1.0" encoding="utf-8"?>

--- a/Discussione Laurea/Slides.pptx
+++ b/Discussione Laurea/Slides.pptx
@@ -217,7 +217,7 @@
             <a:fld id="{45BF3CCC-77DD-F84F-A249-CA3C5045A043}" type="datetime1">
               <a:rPr lang="it-IT" smtClean="0"/>
               <a:pPr/>
-              <a:t>26/06/2019</a:t>
+              <a:t>27/06/2019</a:t>
             </a:fld>
             <a:endParaRPr lang="it-IT"/>
           </a:p>
@@ -385,7 +385,7 @@
             <a:fld id="{FE692227-D6DC-FD45-9507-DB2BAD58473C}" type="datetime1">
               <a:rPr lang="it-IT" smtClean="0"/>
               <a:pPr/>
-              <a:t>26/06/2019</a:t>
+              <a:t>27/06/2019</a:t>
             </a:fld>
             <a:endParaRPr lang="it-IT"/>
           </a:p>
@@ -1259,7 +1259,7 @@
             <a:fld id="{AD8BF249-6BAC-CD40-AAE9-334F110649E5}" type="datetimeFigureOut">
               <a:rPr lang="it-IT" smtClean="0"/>
               <a:pPr/>
-              <a:t>26/06/2019</a:t>
+              <a:t>27/06/2019</a:t>
             </a:fld>
             <a:endParaRPr lang="it-IT"/>
           </a:p>
@@ -1429,7 +1429,7 @@
             <a:fld id="{AD8BF249-6BAC-CD40-AAE9-334F110649E5}" type="datetimeFigureOut">
               <a:rPr lang="it-IT" smtClean="0"/>
               <a:pPr/>
-              <a:t>26/06/2019</a:t>
+              <a:t>27/06/2019</a:t>
             </a:fld>
             <a:endParaRPr lang="it-IT"/>
           </a:p>
@@ -1609,7 +1609,7 @@
             <a:fld id="{AD8BF249-6BAC-CD40-AAE9-334F110649E5}" type="datetimeFigureOut">
               <a:rPr lang="it-IT" smtClean="0"/>
               <a:pPr/>
-              <a:t>26/06/2019</a:t>
+              <a:t>27/06/2019</a:t>
             </a:fld>
             <a:endParaRPr lang="it-IT"/>
           </a:p>
@@ -1779,7 +1779,7 @@
             <a:fld id="{AD8BF249-6BAC-CD40-AAE9-334F110649E5}" type="datetimeFigureOut">
               <a:rPr lang="it-IT" smtClean="0"/>
               <a:pPr/>
-              <a:t>26/06/2019</a:t>
+              <a:t>27/06/2019</a:t>
             </a:fld>
             <a:endParaRPr lang="it-IT"/>
           </a:p>
@@ -2026,7 +2026,7 @@
             <a:fld id="{AD8BF249-6BAC-CD40-AAE9-334F110649E5}" type="datetimeFigureOut">
               <a:rPr lang="it-IT" smtClean="0"/>
               <a:pPr/>
-              <a:t>26/06/2019</a:t>
+              <a:t>27/06/2019</a:t>
             </a:fld>
             <a:endParaRPr lang="it-IT"/>
           </a:p>
@@ -2313,7 +2313,7 @@
             <a:fld id="{AD8BF249-6BAC-CD40-AAE9-334F110649E5}" type="datetimeFigureOut">
               <a:rPr lang="it-IT" smtClean="0"/>
               <a:pPr/>
-              <a:t>26/06/2019</a:t>
+              <a:t>27/06/2019</a:t>
             </a:fld>
             <a:endParaRPr lang="it-IT"/>
           </a:p>
@@ -2734,7 +2734,7 @@
             <a:fld id="{AD8BF249-6BAC-CD40-AAE9-334F110649E5}" type="datetimeFigureOut">
               <a:rPr lang="it-IT" smtClean="0"/>
               <a:pPr/>
-              <a:t>26/06/2019</a:t>
+              <a:t>27/06/2019</a:t>
             </a:fld>
             <a:endParaRPr lang="it-IT"/>
           </a:p>
@@ -2853,7 +2853,7 @@
             <a:fld id="{AD8BF249-6BAC-CD40-AAE9-334F110649E5}" type="datetimeFigureOut">
               <a:rPr lang="it-IT" smtClean="0"/>
               <a:pPr/>
-              <a:t>26/06/2019</a:t>
+              <a:t>27/06/2019</a:t>
             </a:fld>
             <a:endParaRPr lang="it-IT"/>
           </a:p>
@@ -2950,7 +2950,7 @@
             <a:fld id="{AD8BF249-6BAC-CD40-AAE9-334F110649E5}" type="datetimeFigureOut">
               <a:rPr lang="it-IT" smtClean="0"/>
               <a:pPr/>
-              <a:t>26/06/2019</a:t>
+              <a:t>27/06/2019</a:t>
             </a:fld>
             <a:endParaRPr lang="it-IT"/>
           </a:p>
@@ -3227,7 +3227,7 @@
             <a:fld id="{AD8BF249-6BAC-CD40-AAE9-334F110649E5}" type="datetimeFigureOut">
               <a:rPr lang="it-IT" smtClean="0"/>
               <a:pPr/>
-              <a:t>26/06/2019</a:t>
+              <a:t>27/06/2019</a:t>
             </a:fld>
             <a:endParaRPr lang="it-IT"/>
           </a:p>
@@ -3481,7 +3481,7 @@
             <a:fld id="{AD8BF249-6BAC-CD40-AAE9-334F110649E5}" type="datetimeFigureOut">
               <a:rPr lang="it-IT" smtClean="0"/>
               <a:pPr/>
-              <a:t>26/06/2019</a:t>
+              <a:t>27/06/2019</a:t>
             </a:fld>
             <a:endParaRPr lang="it-IT"/>
           </a:p>
@@ -3694,7 +3694,7 @@
             <a:fld id="{AD8BF249-6BAC-CD40-AAE9-334F110649E5}" type="datetimeFigureOut">
               <a:rPr lang="it-IT" smtClean="0"/>
               <a:pPr/>
-              <a:t>26/06/2019</a:t>
+              <a:t>27/06/2019</a:t>
             </a:fld>
             <a:endParaRPr lang="it-IT"/>
           </a:p>
@@ -6609,8 +6609,8 @@
           </a:p>
         </p:txBody>
       </p:sp>
-      <mc:AlternateContent xmlns:mc="http://schemas.openxmlformats.org/markup-compatibility/2006">
-        <mc:Choice xmlns:a14="http://schemas.microsoft.com/office/drawing/2010/main" Requires="a14">
+      <mc:AlternateContent xmlns:mc="http://schemas.openxmlformats.org/markup-compatibility/2006" xmlns:a14="http://schemas.microsoft.com/office/drawing/2010/main">
+        <mc:Choice Requires="a14">
           <p:sp>
             <p:nvSpPr>
               <p:cNvPr id="22" name="CasellaDiTesto 21">
@@ -6703,7 +6703,7 @@
             </p:txBody>
           </p:sp>
         </mc:Choice>
-        <mc:Fallback>
+        <mc:Fallback xmlns="">
           <p:sp>
             <p:nvSpPr>
               <p:cNvPr id="22" name="CasellaDiTesto 21">
@@ -7229,6 +7229,267 @@
             <a:avLst>
               <a:gd name="adj1" fmla="val 51163"/>
             </a:avLst>
+          </a:prstGeom>
+          <a:ln>
+            <a:tailEnd type="triangle"/>
+          </a:ln>
+        </p:spPr>
+        <p:style>
+          <a:lnRef idx="2">
+            <a:schemeClr val="accent1"/>
+          </a:lnRef>
+          <a:fillRef idx="0">
+            <a:schemeClr val="accent1"/>
+          </a:fillRef>
+          <a:effectRef idx="1">
+            <a:schemeClr val="accent1"/>
+          </a:effectRef>
+          <a:fontRef idx="minor">
+            <a:schemeClr val="tx1"/>
+          </a:fontRef>
+        </p:style>
+      </p:cxnSp>
+      <mc:AlternateContent xmlns:mc="http://schemas.openxmlformats.org/markup-compatibility/2006">
+        <mc:Choice xmlns:a14="http://schemas.microsoft.com/office/drawing/2010/main" Requires="a14">
+          <p:sp>
+            <p:nvSpPr>
+              <p:cNvPr id="23" name="CasellaDiTesto 22">
+                <a:extLst>
+                  <a:ext uri="{FF2B5EF4-FFF2-40B4-BE49-F238E27FC236}">
+                    <a16:creationId xmlns:a16="http://schemas.microsoft.com/office/drawing/2014/main" id="{7F4518CA-D4CB-4CF5-AF8A-3DCEEBE548F2}"/>
+                  </a:ext>
+                </a:extLst>
+              </p:cNvPr>
+              <p:cNvSpPr txBox="1"/>
+              <p:nvPr/>
+            </p:nvSpPr>
+            <p:spPr>
+              <a:xfrm>
+                <a:off x="280081" y="3873674"/>
+                <a:ext cx="8526702" cy="307777"/>
+              </a:xfrm>
+              <a:prstGeom prst="rect">
+                <a:avLst/>
+              </a:prstGeom>
+              <a:noFill/>
+            </p:spPr>
+            <p:txBody>
+              <a:bodyPr wrap="square" rtlCol="0">
+                <a:spAutoFit/>
+              </a:bodyPr>
+              <a:lstStyle/>
+              <a:p>
+                <a:r>
+                  <a:rPr lang="it-IT" sz="1400" dirty="0">
+                    <a:latin typeface="Arial" panose="020B0604020202020204" pitchFamily="34" charset="0"/>
+                    <a:cs typeface="Arial" panose="020B0604020202020204" pitchFamily="34" charset="0"/>
+                  </a:rPr>
+                  <a:t>Date </a:t>
+                </a:r>
+                <a14:m>
+                  <m:oMath xmlns:m="http://schemas.openxmlformats.org/officeDocument/2006/math">
+                    <m:r>
+                      <a:rPr lang="it-IT" sz="1400" i="1" dirty="0" smtClean="0">
+                        <a:latin typeface="Cambria Math" panose="02040503050406030204" pitchFamily="18" charset="0"/>
+                        <a:cs typeface="Arial" panose="020B0604020202020204" pitchFamily="34" charset="0"/>
+                      </a:rPr>
+                      <m:t>𝑛</m:t>
+                    </m:r>
+                  </m:oMath>
+                </a14:m>
+                <a:r>
+                  <a:rPr lang="it-IT" sz="1400" dirty="0">
+                    <a:latin typeface="Arial" panose="020B0604020202020204" pitchFamily="34" charset="0"/>
+                    <a:cs typeface="Arial" panose="020B0604020202020204" pitchFamily="34" charset="0"/>
+                  </a:rPr>
+                  <a:t> unità, calcolando la distanza per ogni coppia di elementi si ottiene una </a:t>
+                </a:r>
+                <a:r>
+                  <a:rPr lang="it-IT" sz="1400" i="1" dirty="0">
+                    <a:latin typeface="Arial" panose="020B0604020202020204" pitchFamily="34" charset="0"/>
+                    <a:cs typeface="Arial" panose="020B0604020202020204" pitchFamily="34" charset="0"/>
+                  </a:rPr>
+                  <a:t>matrice delle distanze </a:t>
+                </a:r>
+                <a14:m>
+                  <m:oMath xmlns:m="http://schemas.openxmlformats.org/officeDocument/2006/math">
+                    <m:r>
+                      <a:rPr lang="it-IT" sz="1400" b="0" i="1" smtClean="0">
+                        <a:latin typeface="Cambria Math" panose="02040503050406030204" pitchFamily="18" charset="0"/>
+                        <a:cs typeface="Arial" panose="020B0604020202020204" pitchFamily="34" charset="0"/>
+                      </a:rPr>
+                      <m:t>𝑛</m:t>
+                    </m:r>
+                    <m:r>
+                      <a:rPr lang="it-IT" sz="1400" b="0" i="1" smtClean="0">
+                        <a:latin typeface="Cambria Math" panose="02040503050406030204" pitchFamily="18" charset="0"/>
+                        <a:ea typeface="Cambria Math" panose="02040503050406030204" pitchFamily="18" charset="0"/>
+                        <a:cs typeface="Arial" panose="020B0604020202020204" pitchFamily="34" charset="0"/>
+                      </a:rPr>
+                      <m:t>×</m:t>
+                    </m:r>
+                    <m:r>
+                      <a:rPr lang="it-IT" sz="1400" b="0" i="1" smtClean="0">
+                        <a:latin typeface="Cambria Math" panose="02040503050406030204" pitchFamily="18" charset="0"/>
+                        <a:ea typeface="Cambria Math" panose="02040503050406030204" pitchFamily="18" charset="0"/>
+                        <a:cs typeface="Arial" panose="020B0604020202020204" pitchFamily="34" charset="0"/>
+                      </a:rPr>
+                      <m:t>𝑛</m:t>
+                    </m:r>
+                    <m:r>
+                      <a:rPr lang="it-IT" sz="1400" b="0" i="1" smtClean="0">
+                        <a:latin typeface="Cambria Math" panose="02040503050406030204" pitchFamily="18" charset="0"/>
+                        <a:ea typeface="Cambria Math" panose="02040503050406030204" pitchFamily="18" charset="0"/>
+                        <a:cs typeface="Arial" panose="020B0604020202020204" pitchFamily="34" charset="0"/>
+                      </a:rPr>
+                      <m:t>.</m:t>
+                    </m:r>
+                  </m:oMath>
+                </a14:m>
+                <a:endParaRPr lang="it-IT" sz="1400" dirty="0">
+                  <a:latin typeface="Arial" panose="020B0604020202020204" pitchFamily="34" charset="0"/>
+                  <a:cs typeface="Arial" panose="020B0604020202020204" pitchFamily="34" charset="0"/>
+                </a:endParaRPr>
+              </a:p>
+            </p:txBody>
+          </p:sp>
+        </mc:Choice>
+        <mc:Fallback>
+          <p:sp>
+            <p:nvSpPr>
+              <p:cNvPr id="23" name="CasellaDiTesto 22">
+                <a:extLst>
+                  <a:ext uri="{FF2B5EF4-FFF2-40B4-BE49-F238E27FC236}">
+                    <a16:creationId xmlns:a16="http://schemas.microsoft.com/office/drawing/2014/main" id="{7F4518CA-D4CB-4CF5-AF8A-3DCEEBE548F2}"/>
+                  </a:ext>
+                </a:extLst>
+              </p:cNvPr>
+              <p:cNvSpPr txBox="1">
+                <a:spLocks noRot="1" noChangeAspect="1" noMove="1" noResize="1" noEditPoints="1" noAdjustHandles="1" noChangeArrowheads="1" noChangeShapeType="1" noTextEdit="1"/>
+              </p:cNvSpPr>
+              <p:nvPr/>
+            </p:nvSpPr>
+            <p:spPr>
+              <a:xfrm>
+                <a:off x="280081" y="3873674"/>
+                <a:ext cx="8526702" cy="307777"/>
+              </a:xfrm>
+              <a:prstGeom prst="rect">
+                <a:avLst/>
+              </a:prstGeom>
+              <a:blipFill>
+                <a:blip r:embed="rId13"/>
+                <a:stretch>
+                  <a:fillRect l="-214" t="-1961" b="-19608"/>
+                </a:stretch>
+              </a:blipFill>
+            </p:spPr>
+            <p:txBody>
+              <a:bodyPr/>
+              <a:lstStyle/>
+              <a:p>
+                <a:r>
+                  <a:rPr lang="it-IT">
+                    <a:noFill/>
+                  </a:rPr>
+                  <a:t> </a:t>
+                </a:r>
+              </a:p>
+            </p:txBody>
+          </p:sp>
+        </mc:Fallback>
+      </mc:AlternateContent>
+      <p:pic>
+        <p:nvPicPr>
+          <p:cNvPr id="3" name="Immagine 2">
+            <a:extLst>
+              <a:ext uri="{FF2B5EF4-FFF2-40B4-BE49-F238E27FC236}">
+                <a16:creationId xmlns:a16="http://schemas.microsoft.com/office/drawing/2014/main" id="{907B1148-3CBD-4F9E-96B8-03ABD3088701}"/>
+              </a:ext>
+            </a:extLst>
+          </p:cNvPr>
+          <p:cNvPicPr>
+            <a:picLocks noChangeAspect="1"/>
+          </p:cNvPicPr>
+          <p:nvPr/>
+        </p:nvPicPr>
+        <p:blipFill>
+          <a:blip r:embed="rId14"/>
+          <a:stretch>
+            <a:fillRect/>
+          </a:stretch>
+        </p:blipFill>
+        <p:spPr>
+          <a:xfrm>
+            <a:off x="1651248" y="4851449"/>
+            <a:ext cx="5681522" cy="1363902"/>
+          </a:xfrm>
+          <a:prstGeom prst="rect">
+            <a:avLst/>
+          </a:prstGeom>
+        </p:spPr>
+      </p:pic>
+      <p:sp>
+        <p:nvSpPr>
+          <p:cNvPr id="25" name="CasellaDiTesto 24">
+            <a:extLst>
+              <a:ext uri="{FF2B5EF4-FFF2-40B4-BE49-F238E27FC236}">
+                <a16:creationId xmlns:a16="http://schemas.microsoft.com/office/drawing/2014/main" id="{0D9623A5-83A3-4017-8977-103AD48508B2}"/>
+              </a:ext>
+            </a:extLst>
+          </p:cNvPr>
+          <p:cNvSpPr txBox="1"/>
+          <p:nvPr/>
+        </p:nvSpPr>
+        <p:spPr>
+          <a:xfrm>
+            <a:off x="4062958" y="4454070"/>
+            <a:ext cx="960950" cy="307777"/>
+          </a:xfrm>
+          <a:prstGeom prst="rect">
+            <a:avLst/>
+          </a:prstGeom>
+          <a:noFill/>
+        </p:spPr>
+        <p:txBody>
+          <a:bodyPr wrap="square" rtlCol="0">
+            <a:spAutoFit/>
+          </a:bodyPr>
+          <a:lstStyle/>
+          <a:p>
+            <a:pPr algn="ctr"/>
+            <a:r>
+              <a:rPr lang="it-IT" sz="1400" dirty="0">
+                <a:latin typeface="Arial" panose="020B0604020202020204" pitchFamily="34" charset="0"/>
+                <a:cs typeface="Arial" panose="020B0604020202020204" pitchFamily="34" charset="0"/>
+              </a:rPr>
+              <a:t>Esempio:</a:t>
+            </a:r>
+          </a:p>
+        </p:txBody>
+      </p:sp>
+      <p:cxnSp>
+        <p:nvCxnSpPr>
+          <p:cNvPr id="5" name="Connettore a gomito 4">
+            <a:extLst>
+              <a:ext uri="{FF2B5EF4-FFF2-40B4-BE49-F238E27FC236}">
+                <a16:creationId xmlns:a16="http://schemas.microsoft.com/office/drawing/2014/main" id="{86D063A2-1359-4CB5-963F-22CC8E380155}"/>
+              </a:ext>
+            </a:extLst>
+          </p:cNvPr>
+          <p:cNvCxnSpPr>
+            <a:stCxn id="23" idx="2"/>
+            <a:endCxn id="25" idx="0"/>
+          </p:cNvCxnSpPr>
+          <p:nvPr/>
+        </p:nvCxnSpPr>
+        <p:spPr>
+          <a:xfrm rot="16200000" flipH="1">
+            <a:off x="4407123" y="4317759"/>
+            <a:ext cx="272619" cy="1"/>
+          </a:xfrm>
+          <a:prstGeom prst="bentConnector3">
+            <a:avLst/>
           </a:prstGeom>
           <a:ln>
             <a:tailEnd type="triangle"/>

--- a/Discussione Laurea/Slides.pptx
+++ b/Discussione Laurea/Slides.pptx
@@ -4156,8 +4156,8 @@
         </p:nvSpPr>
         <p:spPr>
           <a:xfrm>
-            <a:off x="4796503" y="4590468"/>
-            <a:ext cx="3748014" cy="338554"/>
+            <a:off x="5020924" y="4590468"/>
+            <a:ext cx="3523593" cy="338554"/>
           </a:xfrm>
           <a:prstGeom prst="rect">
             <a:avLst/>
@@ -4172,7 +4172,7 @@
           <a:p>
             <a:pPr algn="r"/>
             <a:r>
-              <a:rPr lang="it-IT" sz="1600" b="1" dirty="0">
+              <a:rPr lang="it-IT" sz="1600" dirty="0">
                 <a:latin typeface=""/>
               </a:rPr>
               <a:t>Relatrice Prof.ssa Maria Cecilia Verri</a:t>
@@ -6291,6 +6291,44 @@
           </a:fontRef>
         </p:style>
       </p:cxnSp>
+      <p:sp>
+        <p:nvSpPr>
+          <p:cNvPr id="21" name="CasellaDiTesto 20">
+            <a:extLst>
+              <a:ext uri="{FF2B5EF4-FFF2-40B4-BE49-F238E27FC236}">
+                <a16:creationId xmlns:a16="http://schemas.microsoft.com/office/drawing/2014/main" id="{4181822D-53CA-4487-8406-D2566F498455}"/>
+              </a:ext>
+            </a:extLst>
+          </p:cNvPr>
+          <p:cNvSpPr txBox="1"/>
+          <p:nvPr/>
+        </p:nvSpPr>
+        <p:spPr>
+          <a:xfrm>
+            <a:off x="2670148" y="6209709"/>
+            <a:ext cx="3803517" cy="307777"/>
+          </a:xfrm>
+          <a:prstGeom prst="rect">
+            <a:avLst/>
+          </a:prstGeom>
+          <a:noFill/>
+        </p:spPr>
+        <p:txBody>
+          <a:bodyPr wrap="square" rtlCol="0">
+            <a:spAutoFit/>
+          </a:bodyPr>
+          <a:lstStyle/>
+          <a:p>
+            <a:r>
+              <a:rPr lang="it-IT" sz="1400" b="1" dirty="0">
+                <a:latin typeface="Arial" panose="020B0604020202020204" pitchFamily="34" charset="0"/>
+                <a:cs typeface="Arial" panose="020B0604020202020204" pitchFamily="34" charset="0"/>
+              </a:rPr>
+              <a:t>Come si costruiscono gli alberi evolutivi?</a:t>
+            </a:r>
+          </a:p>
+        </p:txBody>
+      </p:sp>
     </p:spTree>
     <p:extLst>
       <p:ext uri="{BB962C8B-B14F-4D97-AF65-F5344CB8AC3E}">
@@ -6354,7 +6392,7 @@
         <p:spPr>
           <a:xfrm>
             <a:off x="9061" y="649703"/>
-            <a:ext cx="6737968" cy="461665"/>
+            <a:ext cx="3373331" cy="461665"/>
           </a:xfrm>
           <a:prstGeom prst="rect">
             <a:avLst/>
@@ -6377,7 +6415,7 @@
                 <a:latin typeface="Arial"/>
                 <a:cs typeface="Arial"/>
               </a:rPr>
-              <a:t>Problema degli alberi basati sulla distanza</a:t>
+              <a:t>Matrice delle distanze</a:t>
             </a:r>
           </a:p>
         </p:txBody>
@@ -7265,8 +7303,8 @@
             </p:nvSpPr>
             <p:spPr>
               <a:xfrm>
-                <a:off x="280081" y="3873674"/>
-                <a:ext cx="8526702" cy="307777"/>
+                <a:off x="162205" y="3873674"/>
+                <a:ext cx="8828096" cy="307777"/>
               </a:xfrm>
               <a:prstGeom prst="rect">
                 <a:avLst/>
@@ -7309,7 +7347,25 @@
                     <a:latin typeface="Arial" panose="020B0604020202020204" pitchFamily="34" charset="0"/>
                     <a:cs typeface="Arial" panose="020B0604020202020204" pitchFamily="34" charset="0"/>
                   </a:rPr>
-                  <a:t>matrice delle distanze </a:t>
+                  <a:t>matrice </a:t>
+                </a:r>
+                <a14:m>
+                  <m:oMath xmlns:m="http://schemas.openxmlformats.org/officeDocument/2006/math">
+                    <m:r>
+                      <a:rPr lang="it-IT" sz="1400" i="1" dirty="0" smtClean="0">
+                        <a:latin typeface="Cambria Math" panose="02040503050406030204" pitchFamily="18" charset="0"/>
+                        <a:cs typeface="Arial" panose="020B0604020202020204" pitchFamily="34" charset="0"/>
+                      </a:rPr>
+                      <m:t>𝐷</m:t>
+                    </m:r>
+                  </m:oMath>
+                </a14:m>
+                <a:r>
+                  <a:rPr lang="it-IT" sz="1400" i="1" dirty="0">
+                    <a:latin typeface="Arial" panose="020B0604020202020204" pitchFamily="34" charset="0"/>
+                    <a:cs typeface="Arial" panose="020B0604020202020204" pitchFamily="34" charset="0"/>
+                  </a:rPr>
+                  <a:t> delle distanze </a:t>
                 </a:r>
                 <a14:m>
                   <m:oMath xmlns:m="http://schemas.openxmlformats.org/officeDocument/2006/math">
@@ -7371,8 +7427,8 @@
             </p:nvSpPr>
             <p:spPr>
               <a:xfrm>
-                <a:off x="280081" y="3873674"/>
-                <a:ext cx="8526702" cy="307777"/>
+                <a:off x="162205" y="3873674"/>
+                <a:ext cx="8828096" cy="307777"/>
               </a:xfrm>
               <a:prstGeom prst="rect">
                 <a:avLst/>
@@ -7380,7 +7436,7 @@
               <a:blipFill>
                 <a:blip r:embed="rId13"/>
                 <a:stretch>
-                  <a:fillRect l="-214" t="-1961" b="-19608"/>
+                  <a:fillRect l="-207" t="-1961" b="-19608"/>
                 </a:stretch>
               </a:blipFill>
             </p:spPr>
@@ -7478,15 +7534,16 @@
             </a:extLst>
           </p:cNvPr>
           <p:cNvCxnSpPr>
+            <a:cxnSpLocks/>
             <a:stCxn id="23" idx="2"/>
             <a:endCxn id="25" idx="0"/>
           </p:cNvCxnSpPr>
           <p:nvPr/>
         </p:nvCxnSpPr>
         <p:spPr>
-          <a:xfrm rot="16200000" flipH="1">
-            <a:off x="4407123" y="4317759"/>
-            <a:ext cx="272619" cy="1"/>
+          <a:xfrm rot="5400000">
+            <a:off x="4423534" y="4301350"/>
+            <a:ext cx="272619" cy="32820"/>
           </a:xfrm>
           <a:prstGeom prst="bentConnector3">
             <a:avLst/>
@@ -7549,7 +7606,7 @@
           <p:nvPr/>
         </p:nvPicPr>
         <p:blipFill>
-          <a:blip r:embed="rId3"/>
+          <a:blip r:embed="rId4"/>
           <a:stretch>
             <a:fillRect/>
           </a:stretch>
@@ -7762,12 +7819,654 @@
           </a:p>
         </p:txBody>
       </p:sp>
-      <p:sp>
-        <p:nvSpPr>
-          <p:cNvPr id="20" name="CasellaDiTesto 19">
+      <p:pic>
+        <p:nvPicPr>
+          <p:cNvPr id="3" name="Immagine 2">
             <a:extLst>
               <a:ext uri="{FF2B5EF4-FFF2-40B4-BE49-F238E27FC236}">
-                <a16:creationId xmlns:a16="http://schemas.microsoft.com/office/drawing/2014/main" id="{6D402DA8-573C-45EA-B7E1-EE986DF5362A}"/>
+                <a16:creationId xmlns:a16="http://schemas.microsoft.com/office/drawing/2014/main" id="{B73FB786-FDF9-4EA0-B536-B98D883F3AEC}"/>
+              </a:ext>
+            </a:extLst>
+          </p:cNvPr>
+          <p:cNvPicPr>
+            <a:picLocks noChangeAspect="1"/>
+          </p:cNvPicPr>
+          <p:nvPr/>
+        </p:nvPicPr>
+        <p:blipFill rotWithShape="1">
+          <a:blip r:embed="rId5"/>
+          <a:srcRect t="3148" r="2363" b="3121"/>
+          <a:stretch/>
+        </p:blipFill>
+        <p:spPr>
+          <a:xfrm>
+            <a:off x="4078663" y="1263488"/>
+            <a:ext cx="4803886" cy="2254928"/>
+          </a:xfrm>
+          <a:prstGeom prst="rect">
+            <a:avLst/>
+          </a:prstGeom>
+        </p:spPr>
+      </p:pic>
+      <mc:AlternateContent xmlns:mc="http://schemas.openxmlformats.org/markup-compatibility/2006">
+        <mc:Choice xmlns:a14="http://schemas.microsoft.com/office/drawing/2010/main" Requires="a14">
+          <p:sp>
+            <p:nvSpPr>
+              <p:cNvPr id="15" name="CasellaDiTesto 14">
+                <a:extLst>
+                  <a:ext uri="{FF2B5EF4-FFF2-40B4-BE49-F238E27FC236}">
+                    <a16:creationId xmlns:a16="http://schemas.microsoft.com/office/drawing/2014/main" id="{0E11C606-8F48-4422-8E2B-D90C38B91667}"/>
+                  </a:ext>
+                </a:extLst>
+              </p:cNvPr>
+              <p:cNvSpPr txBox="1"/>
+              <p:nvPr/>
+            </p:nvSpPr>
+            <p:spPr>
+              <a:xfrm>
+                <a:off x="-8326" y="1155171"/>
+                <a:ext cx="4086989" cy="2031325"/>
+              </a:xfrm>
+              <a:prstGeom prst="rect">
+                <a:avLst/>
+              </a:prstGeom>
+              <a:noFill/>
+            </p:spPr>
+            <p:txBody>
+              <a:bodyPr wrap="square" rtlCol="0">
+                <a:spAutoFit/>
+              </a:bodyPr>
+              <a:lstStyle/>
+              <a:p>
+                <a:r>
+                  <a:rPr lang="it-IT" sz="1400" dirty="0">
+                    <a:latin typeface="Arial" panose="020B0604020202020204" pitchFamily="34" charset="0"/>
+                    <a:cs typeface="Arial" panose="020B0604020202020204" pitchFamily="34" charset="0"/>
+                  </a:rPr>
+                  <a:t>Proprietà dell’albero:</a:t>
+                </a:r>
+              </a:p>
+              <a:p>
+                <a:pPr marL="285750" indent="-285750">
+                  <a:buFont typeface="Arial" panose="020B0604020202020204" pitchFamily="34" charset="0"/>
+                  <a:buChar char="•"/>
+                </a:pPr>
+                <a:r>
+                  <a:rPr lang="it-IT" sz="1400" dirty="0">
+                    <a:latin typeface="Arial" panose="020B0604020202020204" pitchFamily="34" charset="0"/>
+                    <a:cs typeface="Arial" panose="020B0604020202020204" pitchFamily="34" charset="0"/>
+                  </a:rPr>
+                  <a:t>Numero non negativo su ogni arco rappresenta la distanza tra le foglie;</a:t>
+                </a:r>
+              </a:p>
+              <a:p>
+                <a:pPr marL="285750" indent="-285750">
+                  <a:buFont typeface="Arial" panose="020B0604020202020204" pitchFamily="34" charset="0"/>
+                  <a:buChar char="•"/>
+                </a:pPr>
+                <a:r>
+                  <a:rPr lang="it-IT" sz="1400" i="1" dirty="0">
+                    <a:latin typeface="Arial" panose="020B0604020202020204" pitchFamily="34" charset="0"/>
+                    <a:cs typeface="Arial" panose="020B0604020202020204" pitchFamily="34" charset="0"/>
+                  </a:rPr>
+                  <a:t>Distanza evolutiva </a:t>
+                </a:r>
+                <a:r>
+                  <a:rPr lang="it-IT" sz="1400" dirty="0">
+                    <a:latin typeface="Arial" panose="020B0604020202020204" pitchFamily="34" charset="0"/>
+                    <a:cs typeface="Arial" panose="020B0604020202020204" pitchFamily="34" charset="0"/>
+                  </a:rPr>
+                  <a:t>tra due entità biologiche </a:t>
+                </a:r>
+                <a14:m>
+                  <m:oMath xmlns:m="http://schemas.openxmlformats.org/officeDocument/2006/math">
+                    <m:r>
+                      <a:rPr lang="it-IT" sz="1400" b="0" i="1" smtClean="0">
+                        <a:latin typeface="Cambria Math" panose="02040503050406030204" pitchFamily="18" charset="0"/>
+                        <a:cs typeface="Arial" panose="020B0604020202020204" pitchFamily="34" charset="0"/>
+                      </a:rPr>
+                      <m:t>𝑖</m:t>
+                    </m:r>
+                  </m:oMath>
+                </a14:m>
+                <a:r>
+                  <a:rPr lang="it-IT" sz="1400" dirty="0">
+                    <a:latin typeface="Arial" panose="020B0604020202020204" pitchFamily="34" charset="0"/>
+                    <a:cs typeface="Arial" panose="020B0604020202020204" pitchFamily="34" charset="0"/>
+                  </a:rPr>
+                  <a:t> e </a:t>
+                </a:r>
+                <a14:m>
+                  <m:oMath xmlns:m="http://schemas.openxmlformats.org/officeDocument/2006/math">
+                    <m:r>
+                      <a:rPr lang="it-IT" sz="1400" b="0" i="1" smtClean="0">
+                        <a:latin typeface="Cambria Math" panose="02040503050406030204" pitchFamily="18" charset="0"/>
+                        <a:cs typeface="Arial" panose="020B0604020202020204" pitchFamily="34" charset="0"/>
+                      </a:rPr>
+                      <m:t>𝑗</m:t>
+                    </m:r>
+                  </m:oMath>
+                </a14:m>
+                <a:r>
+                  <a:rPr lang="it-IT" sz="1400" dirty="0">
+                    <a:latin typeface="Arial" panose="020B0604020202020204" pitchFamily="34" charset="0"/>
+                    <a:cs typeface="Arial" panose="020B0604020202020204" pitchFamily="34" charset="0"/>
+                    <a:sym typeface="Wingdings" panose="05000000000000000000" pitchFamily="2" charset="2"/>
+                  </a:rPr>
+                  <a:t>  somma del peso degli archi che  collegano </a:t>
+                </a:r>
+                <a14:m>
+                  <m:oMath xmlns:m="http://schemas.openxmlformats.org/officeDocument/2006/math">
+                    <m:r>
+                      <a:rPr lang="it-IT" sz="1400" i="1">
+                        <a:latin typeface="Cambria Math" panose="02040503050406030204" pitchFamily="18" charset="0"/>
+                        <a:cs typeface="Arial" panose="020B0604020202020204" pitchFamily="34" charset="0"/>
+                      </a:rPr>
+                      <m:t>𝑖</m:t>
+                    </m:r>
+                  </m:oMath>
+                </a14:m>
+                <a:r>
+                  <a:rPr lang="it-IT" sz="1400" dirty="0">
+                    <a:latin typeface="Arial" panose="020B0604020202020204" pitchFamily="34" charset="0"/>
+                    <a:cs typeface="Arial" panose="020B0604020202020204" pitchFamily="34" charset="0"/>
+                    <a:sym typeface="Wingdings" panose="05000000000000000000" pitchFamily="2" charset="2"/>
+                  </a:rPr>
+                  <a:t> e </a:t>
+                </a:r>
+                <a14:m>
+                  <m:oMath xmlns:m="http://schemas.openxmlformats.org/officeDocument/2006/math">
+                    <m:r>
+                      <a:rPr lang="it-IT" sz="1400" b="0" i="1" smtClean="0">
+                        <a:latin typeface="Cambria Math" panose="02040503050406030204" pitchFamily="18" charset="0"/>
+                        <a:cs typeface="Arial" panose="020B0604020202020204" pitchFamily="34" charset="0"/>
+                      </a:rPr>
+                      <m:t>𝑗</m:t>
+                    </m:r>
+                  </m:oMath>
+                </a14:m>
+                <a:r>
+                  <a:rPr lang="it-IT" sz="1400" dirty="0">
+                    <a:latin typeface="Arial" panose="020B0604020202020204" pitchFamily="34" charset="0"/>
+                    <a:cs typeface="Arial" panose="020B0604020202020204" pitchFamily="34" charset="0"/>
+                    <a:sym typeface="Wingdings" panose="05000000000000000000" pitchFamily="2" charset="2"/>
+                  </a:rPr>
+                  <a:t>;</a:t>
+                </a:r>
+              </a:p>
+              <a:p>
+                <a:pPr marL="285750" indent="-285750">
+                  <a:buFont typeface="Arial" panose="020B0604020202020204" pitchFamily="34" charset="0"/>
+                  <a:buChar char="•"/>
+                </a:pPr>
+                <a:r>
+                  <a:rPr lang="it-IT" sz="1400" dirty="0">
+                    <a:latin typeface="Arial" panose="020B0604020202020204" pitchFamily="34" charset="0"/>
+                    <a:cs typeface="Arial" panose="020B0604020202020204" pitchFamily="34" charset="0"/>
+                    <a:sym typeface="Wingdings" panose="05000000000000000000" pitchFamily="2" charset="2"/>
+                  </a:rPr>
+                  <a:t>Tutti i vertici hanno grado diverso da 2  </a:t>
+                </a:r>
+                <a:r>
+                  <a:rPr lang="it-IT" sz="1400" i="1" dirty="0">
+                    <a:latin typeface="Arial" panose="020B0604020202020204" pitchFamily="34" charset="0"/>
+                    <a:cs typeface="Arial" panose="020B0604020202020204" pitchFamily="34" charset="0"/>
+                    <a:sym typeface="Wingdings" panose="05000000000000000000" pitchFamily="2" charset="2"/>
+                  </a:rPr>
+                  <a:t>Albero semplice</a:t>
+                </a:r>
+                <a:r>
+                  <a:rPr lang="it-IT" sz="1400" dirty="0">
+                    <a:latin typeface="Arial" panose="020B0604020202020204" pitchFamily="34" charset="0"/>
+                    <a:cs typeface="Arial" panose="020B0604020202020204" pitchFamily="34" charset="0"/>
+                    <a:sym typeface="Wingdings" panose="05000000000000000000" pitchFamily="2" charset="2"/>
+                  </a:rPr>
+                  <a:t>;</a:t>
+                </a:r>
+              </a:p>
+              <a:p>
+                <a:pPr marL="285750" indent="-285750">
+                  <a:buFont typeface="Arial" panose="020B0604020202020204" pitchFamily="34" charset="0"/>
+                  <a:buChar char="•"/>
+                </a:pPr>
+                <a:r>
+                  <a:rPr lang="it-IT" sz="1400" dirty="0">
+                    <a:latin typeface="Arial" panose="020B0604020202020204" pitchFamily="34" charset="0"/>
+                    <a:cs typeface="Arial" panose="020B0604020202020204" pitchFamily="34" charset="0"/>
+                  </a:rPr>
+                  <a:t>L’albero si </a:t>
+                </a:r>
+                <a:r>
+                  <a:rPr lang="it-IT" sz="1400" i="1" dirty="0">
+                    <a:latin typeface="Arial" panose="020B0604020202020204" pitchFamily="34" charset="0"/>
+                    <a:cs typeface="Arial" panose="020B0604020202020204" pitchFamily="34" charset="0"/>
+                  </a:rPr>
+                  <a:t>adatta</a:t>
+                </a:r>
+                <a:r>
+                  <a:rPr lang="it-IT" sz="1400" dirty="0">
+                    <a:latin typeface="Arial" panose="020B0604020202020204" pitchFamily="34" charset="0"/>
+                    <a:cs typeface="Arial" panose="020B0604020202020204" pitchFamily="34" charset="0"/>
+                  </a:rPr>
+                  <a:t> alla matrice D.</a:t>
+                </a:r>
+              </a:p>
+            </p:txBody>
+          </p:sp>
+        </mc:Choice>
+        <mc:Fallback>
+          <p:sp>
+            <p:nvSpPr>
+              <p:cNvPr id="15" name="CasellaDiTesto 14">
+                <a:extLst>
+                  <a:ext uri="{FF2B5EF4-FFF2-40B4-BE49-F238E27FC236}">
+                    <a16:creationId xmlns:a16="http://schemas.microsoft.com/office/drawing/2014/main" id="{0E11C606-8F48-4422-8E2B-D90C38B91667}"/>
+                  </a:ext>
+                </a:extLst>
+              </p:cNvPr>
+              <p:cNvSpPr txBox="1">
+                <a:spLocks noRot="1" noChangeAspect="1" noMove="1" noResize="1" noEditPoints="1" noAdjustHandles="1" noChangeArrowheads="1" noChangeShapeType="1" noTextEdit="1"/>
+              </p:cNvSpPr>
+              <p:nvPr/>
+            </p:nvSpPr>
+            <p:spPr>
+              <a:xfrm>
+                <a:off x="-8326" y="1155171"/>
+                <a:ext cx="4086989" cy="2031325"/>
+              </a:xfrm>
+              <a:prstGeom prst="rect">
+                <a:avLst/>
+              </a:prstGeom>
+              <a:blipFill>
+                <a:blip r:embed="rId6"/>
+                <a:stretch>
+                  <a:fillRect l="-448" t="-299" b="-2096"/>
+                </a:stretch>
+              </a:blipFill>
+            </p:spPr>
+            <p:txBody>
+              <a:bodyPr/>
+              <a:lstStyle/>
+              <a:p>
+                <a:r>
+                  <a:rPr lang="it-IT">
+                    <a:noFill/>
+                  </a:rPr>
+                  <a:t> </a:t>
+                </a:r>
+              </a:p>
+            </p:txBody>
+          </p:sp>
+        </mc:Fallback>
+      </mc:AlternateContent>
+      <mc:AlternateContent xmlns:mc="http://schemas.openxmlformats.org/markup-compatibility/2006">
+        <mc:Choice xmlns:a14="http://schemas.microsoft.com/office/drawing/2010/main" Requires="a14">
+          <p:sp>
+            <p:nvSpPr>
+              <p:cNvPr id="16" name="CasellaDiTesto 15">
+                <a:extLst>
+                  <a:ext uri="{FF2B5EF4-FFF2-40B4-BE49-F238E27FC236}">
+                    <a16:creationId xmlns:a16="http://schemas.microsoft.com/office/drawing/2014/main" id="{FF76A307-4A6F-4E91-B391-23862C1AEDD3}"/>
+                  </a:ext>
+                </a:extLst>
+              </p:cNvPr>
+              <p:cNvSpPr txBox="1"/>
+              <p:nvPr/>
+            </p:nvSpPr>
+            <p:spPr>
+              <a:xfrm>
+                <a:off x="144074" y="3558938"/>
+                <a:ext cx="4623235" cy="307777"/>
+              </a:xfrm>
+              <a:prstGeom prst="rect">
+                <a:avLst/>
+              </a:prstGeom>
+              <a:noFill/>
+            </p:spPr>
+            <p:txBody>
+              <a:bodyPr wrap="square" rtlCol="0">
+                <a:spAutoFit/>
+              </a:bodyPr>
+              <a:lstStyle/>
+              <a:p>
+                <a:r>
+                  <a:rPr lang="it-IT" sz="1400" b="0" dirty="0">
+                    <a:latin typeface="Arial" panose="020B0604020202020204" pitchFamily="34" charset="0"/>
+                    <a:cs typeface="Arial" panose="020B0604020202020204" pitchFamily="34" charset="0"/>
+                  </a:rPr>
+                  <a:t>Un albero </a:t>
+                </a:r>
+                <a14:m>
+                  <m:oMath xmlns:m="http://schemas.openxmlformats.org/officeDocument/2006/math">
+                    <m:r>
+                      <a:rPr lang="it-IT" sz="1400" i="1">
+                        <a:latin typeface="Cambria Math" panose="02040503050406030204" pitchFamily="18" charset="0"/>
+                        <a:cs typeface="Arial" panose="020B0604020202020204" pitchFamily="34" charset="0"/>
+                      </a:rPr>
+                      <m:t>𝑇</m:t>
+                    </m:r>
+                  </m:oMath>
+                </a14:m>
+                <a:r>
+                  <a:rPr lang="it-IT" sz="1400" dirty="0">
+                    <a:latin typeface="Arial" panose="020B0604020202020204" pitchFamily="34" charset="0"/>
+                    <a:cs typeface="Arial" panose="020B0604020202020204" pitchFamily="34" charset="0"/>
+                  </a:rPr>
+                  <a:t> si </a:t>
+                </a:r>
+                <a:r>
+                  <a:rPr lang="it-IT" sz="1400" i="1" dirty="0">
+                    <a:latin typeface="Arial" panose="020B0604020202020204" pitchFamily="34" charset="0"/>
+                    <a:cs typeface="Arial" panose="020B0604020202020204" pitchFamily="34" charset="0"/>
+                  </a:rPr>
+                  <a:t>adatta</a:t>
+                </a:r>
+                <a:r>
+                  <a:rPr lang="it-IT" sz="1400" dirty="0">
+                    <a:latin typeface="Arial" panose="020B0604020202020204" pitchFamily="34" charset="0"/>
+                    <a:cs typeface="Arial" panose="020B0604020202020204" pitchFamily="34" charset="0"/>
+                  </a:rPr>
+                  <a:t> ad una matrice delle distanze </a:t>
+                </a:r>
+                <a14:m>
+                  <m:oMath xmlns:m="http://schemas.openxmlformats.org/officeDocument/2006/math">
+                    <m:r>
+                      <a:rPr lang="it-IT" sz="1400" b="0" i="1" smtClean="0">
+                        <a:latin typeface="Cambria Math" panose="02040503050406030204" pitchFamily="18" charset="0"/>
+                        <a:cs typeface="Arial" panose="020B0604020202020204" pitchFamily="34" charset="0"/>
+                      </a:rPr>
+                      <m:t>𝐷</m:t>
+                    </m:r>
+                  </m:oMath>
+                </a14:m>
+                <a:r>
+                  <a:rPr lang="it-IT" sz="1400" dirty="0">
+                    <a:latin typeface="Arial" panose="020B0604020202020204" pitchFamily="34" charset="0"/>
+                    <a:cs typeface="Arial" panose="020B0604020202020204" pitchFamily="34" charset="0"/>
+                  </a:rPr>
+                  <a:t> se </a:t>
+                </a:r>
+              </a:p>
+            </p:txBody>
+          </p:sp>
+        </mc:Choice>
+        <mc:Fallback>
+          <p:sp>
+            <p:nvSpPr>
+              <p:cNvPr id="16" name="CasellaDiTesto 15">
+                <a:extLst>
+                  <a:ext uri="{FF2B5EF4-FFF2-40B4-BE49-F238E27FC236}">
+                    <a16:creationId xmlns:a16="http://schemas.microsoft.com/office/drawing/2014/main" id="{FF76A307-4A6F-4E91-B391-23862C1AEDD3}"/>
+                  </a:ext>
+                </a:extLst>
+              </p:cNvPr>
+              <p:cNvSpPr txBox="1">
+                <a:spLocks noRot="1" noChangeAspect="1" noMove="1" noResize="1" noEditPoints="1" noAdjustHandles="1" noChangeArrowheads="1" noChangeShapeType="1" noTextEdit="1"/>
+              </p:cNvSpPr>
+              <p:nvPr/>
+            </p:nvSpPr>
+            <p:spPr>
+              <a:xfrm>
+                <a:off x="144074" y="3558938"/>
+                <a:ext cx="4623235" cy="307777"/>
+              </a:xfrm>
+              <a:prstGeom prst="rect">
+                <a:avLst/>
+              </a:prstGeom>
+              <a:blipFill>
+                <a:blip r:embed="rId7"/>
+                <a:stretch>
+                  <a:fillRect l="-396" t="-4000" r="-923" b="-20000"/>
+                </a:stretch>
+              </a:blipFill>
+            </p:spPr>
+            <p:txBody>
+              <a:bodyPr/>
+              <a:lstStyle/>
+              <a:p>
+                <a:r>
+                  <a:rPr lang="it-IT">
+                    <a:noFill/>
+                  </a:rPr>
+                  <a:t> </a:t>
+                </a:r>
+              </a:p>
+            </p:txBody>
+          </p:sp>
+        </mc:Fallback>
+      </mc:AlternateContent>
+      <p:pic>
+        <p:nvPicPr>
+          <p:cNvPr id="8" name="Immagine 7">
+            <a:extLst>
+              <a:ext uri="{FF2B5EF4-FFF2-40B4-BE49-F238E27FC236}">
+                <a16:creationId xmlns:a16="http://schemas.microsoft.com/office/drawing/2014/main" id="{549817D7-5005-47AE-B9FB-AC85E56E5176}"/>
+              </a:ext>
+            </a:extLst>
+          </p:cNvPr>
+          <p:cNvPicPr>
+            <a:picLocks noChangeAspect="1"/>
+          </p:cNvPicPr>
+          <p:nvPr>
+            <p:custDataLst>
+              <p:tags r:id="rId1"/>
+            </p:custDataLst>
+          </p:nvPr>
+        </p:nvPicPr>
+        <p:blipFill>
+          <a:blip r:embed="rId8"/>
+          <a:stretch>
+            <a:fillRect/>
+          </a:stretch>
+        </p:blipFill>
+        <p:spPr>
+          <a:xfrm>
+            <a:off x="5257690" y="3601003"/>
+            <a:ext cx="2106197" cy="229623"/>
+          </a:xfrm>
+          <a:prstGeom prst="rect">
+            <a:avLst/>
+          </a:prstGeom>
+        </p:spPr>
+      </p:pic>
+      <p:cxnSp>
+        <p:nvCxnSpPr>
+          <p:cNvPr id="17" name="Connettore 2 16">
+            <a:extLst>
+              <a:ext uri="{FF2B5EF4-FFF2-40B4-BE49-F238E27FC236}">
+                <a16:creationId xmlns:a16="http://schemas.microsoft.com/office/drawing/2014/main" id="{F3FA35E4-BA94-4E6F-9AE3-C36899E2535D}"/>
+              </a:ext>
+            </a:extLst>
+          </p:cNvPr>
+          <p:cNvCxnSpPr>
+            <a:cxnSpLocks/>
+            <a:stCxn id="16" idx="3"/>
+          </p:cNvCxnSpPr>
+          <p:nvPr/>
+        </p:nvCxnSpPr>
+        <p:spPr>
+          <a:xfrm>
+            <a:off x="4767309" y="3712827"/>
+            <a:ext cx="417250" cy="0"/>
+          </a:xfrm>
+          <a:prstGeom prst="straightConnector1">
+            <a:avLst/>
+          </a:prstGeom>
+          <a:ln>
+            <a:tailEnd type="triangle"/>
+          </a:ln>
+        </p:spPr>
+        <p:style>
+          <a:lnRef idx="2">
+            <a:schemeClr val="accent1"/>
+          </a:lnRef>
+          <a:fillRef idx="0">
+            <a:schemeClr val="accent1"/>
+          </a:fillRef>
+          <a:effectRef idx="1">
+            <a:schemeClr val="accent1"/>
+          </a:effectRef>
+          <a:fontRef idx="minor">
+            <a:schemeClr val="tx1"/>
+          </a:fontRef>
+        </p:style>
+      </p:cxnSp>
+      <mc:AlternateContent xmlns:mc="http://schemas.openxmlformats.org/markup-compatibility/2006">
+        <mc:Choice xmlns:a14="http://schemas.microsoft.com/office/drawing/2010/main" Requires="a14">
+          <p:sp>
+            <p:nvSpPr>
+              <p:cNvPr id="21" name="CasellaDiTesto 20">
+                <a:extLst>
+                  <a:ext uri="{FF2B5EF4-FFF2-40B4-BE49-F238E27FC236}">
+                    <a16:creationId xmlns:a16="http://schemas.microsoft.com/office/drawing/2014/main" id="{0A1A6099-3212-4698-B7DB-16A2F15F788E}"/>
+                  </a:ext>
+                </a:extLst>
+              </p:cNvPr>
+              <p:cNvSpPr txBox="1"/>
+              <p:nvPr/>
+            </p:nvSpPr>
+            <p:spPr>
+              <a:xfrm>
+                <a:off x="1228804" y="4009079"/>
+                <a:ext cx="5699718" cy="307777"/>
+              </a:xfrm>
+              <a:prstGeom prst="rect">
+                <a:avLst/>
+              </a:prstGeom>
+              <a:noFill/>
+            </p:spPr>
+            <p:txBody>
+              <a:bodyPr wrap="square" rtlCol="0">
+                <a:spAutoFit/>
+              </a:bodyPr>
+              <a:lstStyle/>
+              <a:p>
+                <a:r>
+                  <a:rPr lang="it-IT" sz="1400" b="0" dirty="0">
+                    <a:latin typeface="Arial" panose="020B0604020202020204" pitchFamily="34" charset="0"/>
+                    <a:cs typeface="Arial" panose="020B0604020202020204" pitchFamily="34" charset="0"/>
+                  </a:rPr>
+                  <a:t>Sia </a:t>
+                </a:r>
+                <a14:m>
+                  <m:oMath xmlns:m="http://schemas.openxmlformats.org/officeDocument/2006/math">
+                    <m:r>
+                      <a:rPr lang="it-IT" sz="1400" i="1">
+                        <a:latin typeface="Cambria Math" panose="02040503050406030204" pitchFamily="18" charset="0"/>
+                        <a:cs typeface="Arial" panose="020B0604020202020204" pitchFamily="34" charset="0"/>
+                      </a:rPr>
+                      <m:t>𝑇</m:t>
+                    </m:r>
+                  </m:oMath>
+                </a14:m>
+                <a:r>
+                  <a:rPr lang="it-IT" sz="1400" dirty="0">
+                    <a:latin typeface="Arial" panose="020B0604020202020204" pitchFamily="34" charset="0"/>
+                    <a:cs typeface="Arial" panose="020B0604020202020204" pitchFamily="34" charset="0"/>
+                  </a:rPr>
+                  <a:t> che </a:t>
+                </a:r>
+                <a14:m>
+                  <m:oMath xmlns:m="http://schemas.openxmlformats.org/officeDocument/2006/math">
+                    <m:r>
+                      <a:rPr lang="it-IT" sz="1400" b="0" i="1" smtClean="0">
+                        <a:latin typeface="Cambria Math" panose="02040503050406030204" pitchFamily="18" charset="0"/>
+                        <a:cs typeface="Arial" panose="020B0604020202020204" pitchFamily="34" charset="0"/>
+                      </a:rPr>
+                      <m:t>𝐷</m:t>
+                    </m:r>
+                  </m:oMath>
+                </a14:m>
+                <a:r>
+                  <a:rPr lang="it-IT" sz="1400" dirty="0">
+                    <a:latin typeface="Arial" panose="020B0604020202020204" pitchFamily="34" charset="0"/>
+                    <a:cs typeface="Arial" panose="020B0604020202020204" pitchFamily="34" charset="0"/>
+                  </a:rPr>
+                  <a:t> si definiscono </a:t>
+                </a:r>
+                <a:r>
+                  <a:rPr lang="it-IT" sz="1400" i="1" dirty="0">
+                    <a:latin typeface="Arial" panose="020B0604020202020204" pitchFamily="34" charset="0"/>
+                    <a:cs typeface="Arial" panose="020B0604020202020204" pitchFamily="34" charset="0"/>
+                  </a:rPr>
+                  <a:t>additivi</a:t>
+                </a:r>
+                <a:r>
+                  <a:rPr lang="it-IT" sz="1400" dirty="0">
+                    <a:latin typeface="Arial" panose="020B0604020202020204" pitchFamily="34" charset="0"/>
+                    <a:cs typeface="Arial" panose="020B0604020202020204" pitchFamily="34" charset="0"/>
+                  </a:rPr>
+                  <a:t>, altrimenti si parla di </a:t>
+                </a:r>
+                <a:r>
+                  <a:rPr lang="it-IT" sz="1400" i="1" dirty="0">
+                    <a:latin typeface="Arial" panose="020B0604020202020204" pitchFamily="34" charset="0"/>
+                    <a:cs typeface="Arial" panose="020B0604020202020204" pitchFamily="34" charset="0"/>
+                  </a:rPr>
+                  <a:t>non additività</a:t>
+                </a:r>
+                <a:r>
+                  <a:rPr lang="it-IT" sz="1400" dirty="0">
+                    <a:latin typeface="Arial" panose="020B0604020202020204" pitchFamily="34" charset="0"/>
+                    <a:cs typeface="Arial" panose="020B0604020202020204" pitchFamily="34" charset="0"/>
+                  </a:rPr>
+                  <a:t>. </a:t>
+                </a:r>
+              </a:p>
+            </p:txBody>
+          </p:sp>
+        </mc:Choice>
+        <mc:Fallback>
+          <p:sp>
+            <p:nvSpPr>
+              <p:cNvPr id="21" name="CasellaDiTesto 20">
+                <a:extLst>
+                  <a:ext uri="{FF2B5EF4-FFF2-40B4-BE49-F238E27FC236}">
+                    <a16:creationId xmlns:a16="http://schemas.microsoft.com/office/drawing/2014/main" id="{0A1A6099-3212-4698-B7DB-16A2F15F788E}"/>
+                  </a:ext>
+                </a:extLst>
+              </p:cNvPr>
+              <p:cNvSpPr txBox="1">
+                <a:spLocks noRot="1" noChangeAspect="1" noMove="1" noResize="1" noEditPoints="1" noAdjustHandles="1" noChangeArrowheads="1" noChangeShapeType="1" noTextEdit="1"/>
+              </p:cNvSpPr>
+              <p:nvPr/>
+            </p:nvSpPr>
+            <p:spPr>
+              <a:xfrm>
+                <a:off x="1228804" y="4009079"/>
+                <a:ext cx="5699718" cy="307777"/>
+              </a:xfrm>
+              <a:prstGeom prst="rect">
+                <a:avLst/>
+              </a:prstGeom>
+              <a:blipFill>
+                <a:blip r:embed="rId9"/>
+                <a:stretch>
+                  <a:fillRect l="-321" t="-4000" b="-20000"/>
+                </a:stretch>
+              </a:blipFill>
+            </p:spPr>
+            <p:txBody>
+              <a:bodyPr/>
+              <a:lstStyle/>
+              <a:p>
+                <a:r>
+                  <a:rPr lang="it-IT">
+                    <a:noFill/>
+                  </a:rPr>
+                  <a:t> </a:t>
+                </a:r>
+              </a:p>
+            </p:txBody>
+          </p:sp>
+        </mc:Fallback>
+      </mc:AlternateContent>
+      <p:sp>
+        <p:nvSpPr>
+          <p:cNvPr id="22" name="CasellaDiTesto 21">
+            <a:extLst>
+              <a:ext uri="{FF2B5EF4-FFF2-40B4-BE49-F238E27FC236}">
+                <a16:creationId xmlns:a16="http://schemas.microsoft.com/office/drawing/2014/main" id="{0D76B533-3BF2-4167-8DD3-38BA2D7261DA}"/>
               </a:ext>
             </a:extLst>
           </p:cNvPr>
@@ -7776,8 +8475,8 @@
         </p:nvSpPr>
         <p:spPr>
           <a:xfrm>
-            <a:off x="-8326" y="1155171"/>
-            <a:ext cx="9152326" cy="738664"/>
+            <a:off x="144074" y="4631822"/>
+            <a:ext cx="5699718" cy="307777"/>
           </a:xfrm>
           <a:prstGeom prst="rect">
             <a:avLst/>
@@ -7791,56 +8490,176 @@
           <a:lstStyle/>
           <a:p>
             <a:r>
-              <a:rPr lang="it-IT" sz="1400" dirty="0">
+              <a:rPr lang="it-IT" sz="1400" b="1" dirty="0">
                 <a:latin typeface="Arial" panose="020B0604020202020204" pitchFamily="34" charset="0"/>
                 <a:cs typeface="Arial" panose="020B0604020202020204" pitchFamily="34" charset="0"/>
               </a:rPr>
-              <a:t>Gli algoritmi utilizzati per la costruzione degli alberi evolutivi prendono il nome di </a:t>
-            </a:r>
-            <a:r>
-              <a:rPr lang="it-IT" sz="1400" i="1" dirty="0">
-                <a:latin typeface="Arial" panose="020B0604020202020204" pitchFamily="34" charset="0"/>
-                <a:cs typeface="Arial" panose="020B0604020202020204" pitchFamily="34" charset="0"/>
-              </a:rPr>
-              <a:t>algoritmi basati sulla distanza</a:t>
-            </a:r>
-            <a:r>
-              <a:rPr lang="it-IT" sz="1400" dirty="0">
-                <a:latin typeface="Arial" panose="020B0604020202020204" pitchFamily="34" charset="0"/>
-                <a:cs typeface="Arial" panose="020B0604020202020204" pitchFamily="34" charset="0"/>
-              </a:rPr>
-              <a:t>, in quanto prendono in input una </a:t>
-            </a:r>
-            <a:r>
-              <a:rPr lang="it-IT" sz="1400" i="1" dirty="0">
-                <a:latin typeface="Arial" panose="020B0604020202020204" pitchFamily="34" charset="0"/>
-                <a:cs typeface="Arial" panose="020B0604020202020204" pitchFamily="34" charset="0"/>
-              </a:rPr>
-              <a:t>matrice delle distanze</a:t>
-            </a:r>
-            <a:r>
-              <a:rPr lang="it-IT" sz="1400" dirty="0">
-                <a:latin typeface="Arial" panose="020B0604020202020204" pitchFamily="34" charset="0"/>
-                <a:cs typeface="Arial" panose="020B0604020202020204" pitchFamily="34" charset="0"/>
-              </a:rPr>
-              <a:t>.</a:t>
-            </a:r>
-            <a:br>
-              <a:rPr lang="it-IT" sz="1400" dirty="0">
-                <a:latin typeface="Arial" panose="020B0604020202020204" pitchFamily="34" charset="0"/>
-                <a:cs typeface="Arial" panose="020B0604020202020204" pitchFamily="34" charset="0"/>
-              </a:rPr>
-            </a:br>
-            <a:r>
-              <a:rPr lang="it-IT" sz="1400" dirty="0">
-                <a:latin typeface="Arial" panose="020B0604020202020204" pitchFamily="34" charset="0"/>
-                <a:cs typeface="Arial" panose="020B0604020202020204" pitchFamily="34" charset="0"/>
-              </a:rPr>
-              <a:t>TODO COSTRUIRE MATRICE DELLE DISTANZE</a:t>
-            </a:r>
-          </a:p>
-        </p:txBody>
-      </p:sp>
+              <a:t>Problema degli alberi basati sulla distanza:</a:t>
+            </a:r>
+          </a:p>
+        </p:txBody>
+      </p:sp>
+      <p:sp>
+        <p:nvSpPr>
+          <p:cNvPr id="23" name="CasellaDiTesto 22">
+            <a:extLst>
+              <a:ext uri="{FF2B5EF4-FFF2-40B4-BE49-F238E27FC236}">
+                <a16:creationId xmlns:a16="http://schemas.microsoft.com/office/drawing/2014/main" id="{DE101B46-F7FB-4E5F-9EF6-11355486EE87}"/>
+              </a:ext>
+            </a:extLst>
+          </p:cNvPr>
+          <p:cNvSpPr txBox="1"/>
+          <p:nvPr/>
+        </p:nvSpPr>
+        <p:spPr>
+          <a:xfrm>
+            <a:off x="144074" y="4992207"/>
+            <a:ext cx="7264201" cy="307777"/>
+          </a:xfrm>
+          <a:prstGeom prst="rect">
+            <a:avLst/>
+          </a:prstGeom>
+          <a:noFill/>
+        </p:spPr>
+        <p:txBody>
+          <a:bodyPr wrap="square" rtlCol="0">
+            <a:spAutoFit/>
+          </a:bodyPr>
+          <a:lstStyle/>
+          <a:p>
+            <a:r>
+              <a:rPr lang="it-IT" sz="1400" i="1" dirty="0"/>
+              <a:t>Data in </a:t>
+            </a:r>
+            <a:r>
+              <a:rPr lang="it-IT" sz="1400" b="1" i="1" dirty="0"/>
+              <a:t>input</a:t>
+            </a:r>
+            <a:r>
+              <a:rPr lang="it-IT" sz="1400" i="1" dirty="0"/>
+              <a:t> una matrice delle distanze additiva restituire in </a:t>
+            </a:r>
+            <a:r>
+              <a:rPr lang="it-IT" sz="1400" b="1" i="1" dirty="0"/>
+              <a:t>output</a:t>
+            </a:r>
+            <a:r>
+              <a:rPr lang="it-IT" sz="1400" i="1" dirty="0"/>
+              <a:t> un albero evolutivo semplice.</a:t>
+            </a:r>
+            <a:endParaRPr lang="it-IT" sz="1400" dirty="0"/>
+          </a:p>
+        </p:txBody>
+      </p:sp>
+      <p:sp>
+        <p:nvSpPr>
+          <p:cNvPr id="24" name="CasellaDiTesto 23">
+            <a:extLst>
+              <a:ext uri="{FF2B5EF4-FFF2-40B4-BE49-F238E27FC236}">
+                <a16:creationId xmlns:a16="http://schemas.microsoft.com/office/drawing/2014/main" id="{B07339FC-3734-4F7D-B1AD-9755149806CA}"/>
+              </a:ext>
+            </a:extLst>
+          </p:cNvPr>
+          <p:cNvSpPr txBox="1"/>
+          <p:nvPr/>
+        </p:nvSpPr>
+        <p:spPr>
+          <a:xfrm>
+            <a:off x="261451" y="5720981"/>
+            <a:ext cx="3467170" cy="307777"/>
+          </a:xfrm>
+          <a:prstGeom prst="rect">
+            <a:avLst/>
+          </a:prstGeom>
+          <a:noFill/>
+        </p:spPr>
+        <p:txBody>
+          <a:bodyPr wrap="square" rtlCol="0">
+            <a:spAutoFit/>
+          </a:bodyPr>
+          <a:lstStyle/>
+          <a:p>
+            <a:r>
+              <a:rPr lang="it-IT" sz="1400" dirty="0"/>
+              <a:t>Obiettivo degli algoritmi basati sulla distanza</a:t>
+            </a:r>
+          </a:p>
+        </p:txBody>
+      </p:sp>
+      <p:sp>
+        <p:nvSpPr>
+          <p:cNvPr id="25" name="CasellaDiTesto 24">
+            <a:extLst>
+              <a:ext uri="{FF2B5EF4-FFF2-40B4-BE49-F238E27FC236}">
+                <a16:creationId xmlns:a16="http://schemas.microsoft.com/office/drawing/2014/main" id="{B5830A77-FBA3-415E-9424-BC44548BE865}"/>
+              </a:ext>
+            </a:extLst>
+          </p:cNvPr>
+          <p:cNvSpPr txBox="1"/>
+          <p:nvPr/>
+        </p:nvSpPr>
+        <p:spPr>
+          <a:xfrm>
+            <a:off x="4838331" y="5722587"/>
+            <a:ext cx="4044218" cy="307777"/>
+          </a:xfrm>
+          <a:prstGeom prst="rect">
+            <a:avLst/>
+          </a:prstGeom>
+          <a:noFill/>
+        </p:spPr>
+        <p:txBody>
+          <a:bodyPr wrap="square" rtlCol="0">
+            <a:spAutoFit/>
+          </a:bodyPr>
+          <a:lstStyle/>
+          <a:p>
+            <a:r>
+              <a:rPr lang="it-IT" sz="1400" dirty="0"/>
+              <a:t>Risolvere il problema degli alberi basati sulla distanza</a:t>
+            </a:r>
+          </a:p>
+        </p:txBody>
+      </p:sp>
+      <p:cxnSp>
+        <p:nvCxnSpPr>
+          <p:cNvPr id="26" name="Connettore 2 25">
+            <a:extLst>
+              <a:ext uri="{FF2B5EF4-FFF2-40B4-BE49-F238E27FC236}">
+                <a16:creationId xmlns:a16="http://schemas.microsoft.com/office/drawing/2014/main" id="{2A43E591-7FF9-4F44-848E-B0D24B008D56}"/>
+              </a:ext>
+            </a:extLst>
+          </p:cNvPr>
+          <p:cNvCxnSpPr/>
+          <p:nvPr/>
+        </p:nvCxnSpPr>
+        <p:spPr>
+          <a:xfrm>
+            <a:off x="3736946" y="5877017"/>
+            <a:ext cx="1030363" cy="0"/>
+          </a:xfrm>
+          <a:prstGeom prst="straightConnector1">
+            <a:avLst/>
+          </a:prstGeom>
+          <a:ln>
+            <a:tailEnd type="triangle"/>
+          </a:ln>
+        </p:spPr>
+        <p:style>
+          <a:lnRef idx="2">
+            <a:schemeClr val="accent1"/>
+          </a:lnRef>
+          <a:fillRef idx="0">
+            <a:schemeClr val="accent1"/>
+          </a:fillRef>
+          <a:effectRef idx="1">
+            <a:schemeClr val="accent1"/>
+          </a:effectRef>
+          <a:fontRef idx="minor">
+            <a:schemeClr val="tx1"/>
+          </a:fontRef>
+        </p:style>
+      </p:cxnSp>
     </p:spTree>
     <p:extLst>
       <p:ext uri="{BB962C8B-B14F-4D97-AF65-F5344CB8AC3E}">
@@ -7919,6 +8738,25 @@
   <p:tag name="LATEXADDIN" val="\documentclass{article}&#10;\usepackage{amsmath}&#10;\pagestyle{empty}&#10;\begin{document}&#10;&#10; \[d(x,y)\leq d(x,z)+d(y,z)\; \forall \: x,y,z\in R^k\]&#10;&#10;&#10;\end{document}"/>
   <p:tag name="IGUANATEXSIZE" val="20"/>
   <p:tag name="IGUANATEXCURSOR" val="110"/>
+  <p:tag name="TRANSPARENCY" val="Vero"/>
+  <p:tag name="FILENAME" val=""/>
+  <p:tag name="LATEXENGINEID" val="0"/>
+  <p:tag name="TEMPFOLDER" val="c:\temp\"/>
+  <p:tag name="LATEXFORMHEIGHT" val="312"/>
+  <p:tag name="LATEXFORMWIDTH" val="384"/>
+  <p:tag name="LATEXFORMWRAP" val="Vero"/>
+  <p:tag name="BITMAPVECTOR" val="0"/>
+</p:tagLst>
+</file>
+
+<file path=ppt/tags/tag5.xml><?xml version="1.0" encoding="utf-8"?>
+<p:tagLst xmlns:a="http://schemas.openxmlformats.org/drawingml/2006/main" xmlns:r="http://schemas.openxmlformats.org/officeDocument/2006/relationships" xmlns:p="http://schemas.openxmlformats.org/presentationml/2006/main">
+  <p:tag name="OUTPUTDPI" val="1200"/>
+  <p:tag name="ORIGINALHEIGHT" val="130,4837"/>
+  <p:tag name="ORIGINALWIDTH" val="1196,85"/>
+  <p:tag name="LATEXADDIN" val="\documentclass{article}&#10;\usepackage{amsmath}&#10;\pagestyle{empty}&#10;\begin{document}&#10;&#10;&#10;$ \forall i,j\in V,D_{ij}=d_{ij}(T)$&#10;&#10;\end{document}"/>
+  <p:tag name="IGUANATEXSIZE" val="14"/>
+  <p:tag name="IGUANATEXCURSOR" val="118"/>
   <p:tag name="TRANSPARENCY" val="Vero"/>
   <p:tag name="FILENAME" val=""/>
   <p:tag name="LATEXENGINEID" val="0"/>

--- a/Discussione Laurea/Slides.pptx
+++ b/Discussione Laurea/Slides.pptx
@@ -5,10 +5,10 @@
     <p:sldMasterId id="2147483648" r:id="rId1"/>
   </p:sldMasterIdLst>
   <p:notesMasterIdLst>
-    <p:notesMasterId r:id="rId8"/>
+    <p:notesMasterId r:id="rId9"/>
   </p:notesMasterIdLst>
   <p:handoutMasterIdLst>
-    <p:handoutMasterId r:id="rId9"/>
+    <p:handoutMasterId r:id="rId10"/>
   </p:handoutMasterIdLst>
   <p:sldIdLst>
     <p:sldId id="256" r:id="rId2"/>
@@ -17,6 +17,7 @@
     <p:sldId id="263" r:id="rId5"/>
     <p:sldId id="264" r:id="rId6"/>
     <p:sldId id="265" r:id="rId7"/>
+    <p:sldId id="266" r:id="rId8"/>
   </p:sldIdLst>
   <p:sldSz cx="9144000" cy="6858000" type="screen4x3"/>
   <p:notesSz cx="6858000" cy="9144000"/>
@@ -1070,6 +1071,91 @@
     <p:extLst>
       <p:ext uri="{BB962C8B-B14F-4D97-AF65-F5344CB8AC3E}">
         <p14:creationId xmlns:p14="http://schemas.microsoft.com/office/powerpoint/2010/main" val="1950492880"/>
+      </p:ext>
+    </p:extLst>
+  </p:cSld>
+  <p:clrMapOvr>
+    <a:masterClrMapping/>
+  </p:clrMapOvr>
+</p:notes>
+</file>
+
+<file path=ppt/notesSlides/notesSlide6.xml><?xml version="1.0" encoding="utf-8"?>
+<p:notes xmlns:a="http://schemas.openxmlformats.org/drawingml/2006/main" xmlns:r="http://schemas.openxmlformats.org/officeDocument/2006/relationships" xmlns:p="http://schemas.openxmlformats.org/presentationml/2006/main">
+  <p:cSld>
+    <p:spTree>
+      <p:nvGrpSpPr>
+        <p:cNvPr id="1" name=""/>
+        <p:cNvGrpSpPr/>
+        <p:nvPr/>
+      </p:nvGrpSpPr>
+      <p:grpSpPr>
+        <a:xfrm>
+          <a:off x="0" y="0"/>
+          <a:ext cx="0" cy="0"/>
+          <a:chOff x="0" y="0"/>
+          <a:chExt cx="0" cy="0"/>
+        </a:xfrm>
+      </p:grpSpPr>
+      <p:sp>
+        <p:nvSpPr>
+          <p:cNvPr id="2" name="Segnaposto immagine diapositiva 1"/>
+          <p:cNvSpPr>
+            <a:spLocks noGrp="1" noRot="1" noChangeAspect="1"/>
+          </p:cNvSpPr>
+          <p:nvPr>
+            <p:ph type="sldImg"/>
+          </p:nvPr>
+        </p:nvSpPr>
+        <p:spPr/>
+      </p:sp>
+      <p:sp>
+        <p:nvSpPr>
+          <p:cNvPr id="3" name="Segnaposto note 2"/>
+          <p:cNvSpPr>
+            <a:spLocks noGrp="1"/>
+          </p:cNvSpPr>
+          <p:nvPr>
+            <p:ph type="body" idx="1"/>
+          </p:nvPr>
+        </p:nvSpPr>
+        <p:spPr/>
+        <p:txBody>
+          <a:bodyPr/>
+          <a:lstStyle/>
+          <a:p>
+            <a:endParaRPr lang="it-IT"/>
+          </a:p>
+        </p:txBody>
+      </p:sp>
+      <p:sp>
+        <p:nvSpPr>
+          <p:cNvPr id="4" name="Segnaposto numero diapositiva 3"/>
+          <p:cNvSpPr>
+            <a:spLocks noGrp="1"/>
+          </p:cNvSpPr>
+          <p:nvPr>
+            <p:ph type="sldNum" sz="quarter" idx="10"/>
+          </p:nvPr>
+        </p:nvSpPr>
+        <p:spPr/>
+        <p:txBody>
+          <a:bodyPr/>
+          <a:lstStyle/>
+          <a:p>
+            <a:fld id="{96986711-015B-0142-88C4-65D50E44FA77}" type="slidenum">
+              <a:rPr lang="it-IT" smtClean="0"/>
+              <a:pPr/>
+              <a:t>7</a:t>
+            </a:fld>
+            <a:endParaRPr lang="it-IT"/>
+          </a:p>
+        </p:txBody>
+      </p:sp>
+    </p:spTree>
+    <p:extLst>
+      <p:ext uri="{BB962C8B-B14F-4D97-AF65-F5344CB8AC3E}">
+        <p14:creationId xmlns:p14="http://schemas.microsoft.com/office/powerpoint/2010/main" val="3698645982"/>
       </p:ext>
     </p:extLst>
   </p:cSld>
@@ -7287,8 +7373,8 @@
           </a:fontRef>
         </p:style>
       </p:cxnSp>
-      <mc:AlternateContent xmlns:mc="http://schemas.openxmlformats.org/markup-compatibility/2006">
-        <mc:Choice xmlns:a14="http://schemas.microsoft.com/office/drawing/2010/main" Requires="a14">
+      <mc:AlternateContent xmlns:mc="http://schemas.openxmlformats.org/markup-compatibility/2006" xmlns:a14="http://schemas.microsoft.com/office/drawing/2010/main">
+        <mc:Choice Requires="a14">
           <p:sp>
             <p:nvSpPr>
               <p:cNvPr id="23" name="CasellaDiTesto 22">
@@ -7410,7 +7496,7 @@
             </p:txBody>
           </p:sp>
         </mc:Choice>
-        <mc:Fallback>
+        <mc:Fallback xmlns="">
           <p:sp>
             <p:nvSpPr>
               <p:cNvPr id="23" name="CasellaDiTesto 22">
@@ -7848,8 +7934,8 @@
           </a:prstGeom>
         </p:spPr>
       </p:pic>
-      <mc:AlternateContent xmlns:mc="http://schemas.openxmlformats.org/markup-compatibility/2006">
-        <mc:Choice xmlns:a14="http://schemas.microsoft.com/office/drawing/2010/main" Requires="a14">
+      <mc:AlternateContent xmlns:mc="http://schemas.openxmlformats.org/markup-compatibility/2006" xmlns:a14="http://schemas.microsoft.com/office/drawing/2010/main">
+        <mc:Choice Requires="a14">
           <p:sp>
             <p:nvSpPr>
               <p:cNvPr id="15" name="CasellaDiTesto 14">
@@ -8054,7 +8140,7 @@
             </p:txBody>
           </p:sp>
         </mc:Choice>
-        <mc:Fallback>
+        <mc:Fallback xmlns="">
           <p:sp>
             <p:nvSpPr>
               <p:cNvPr id="15" name="CasellaDiTesto 14">
@@ -8099,8 +8185,8 @@
           </p:sp>
         </mc:Fallback>
       </mc:AlternateContent>
-      <mc:AlternateContent xmlns:mc="http://schemas.openxmlformats.org/markup-compatibility/2006">
-        <mc:Choice xmlns:a14="http://schemas.microsoft.com/office/drawing/2010/main" Requires="a14">
+      <mc:AlternateContent xmlns:mc="http://schemas.openxmlformats.org/markup-compatibility/2006" xmlns:a14="http://schemas.microsoft.com/office/drawing/2010/main">
+        <mc:Choice Requires="a14">
           <p:sp>
             <p:nvSpPr>
               <p:cNvPr id="16" name="CasellaDiTesto 15">
@@ -8190,7 +8276,7 @@
             </p:txBody>
           </p:sp>
         </mc:Choice>
-        <mc:Fallback>
+        <mc:Fallback xmlns="">
           <p:sp>
             <p:nvSpPr>
               <p:cNvPr id="16" name="CasellaDiTesto 15">
@@ -8311,8 +8397,8 @@
           </a:fontRef>
         </p:style>
       </p:cxnSp>
-      <mc:AlternateContent xmlns:mc="http://schemas.openxmlformats.org/markup-compatibility/2006">
-        <mc:Choice xmlns:a14="http://schemas.microsoft.com/office/drawing/2010/main" Requires="a14">
+      <mc:AlternateContent xmlns:mc="http://schemas.openxmlformats.org/markup-compatibility/2006" xmlns:a14="http://schemas.microsoft.com/office/drawing/2010/main">
+        <mc:Choice Requires="a14">
           <p:sp>
             <p:nvSpPr>
               <p:cNvPr id="21" name="CasellaDiTesto 20">
@@ -8416,7 +8502,7 @@
             </p:txBody>
           </p:sp>
         </mc:Choice>
-        <mc:Fallback>
+        <mc:Fallback xmlns="">
           <p:sp>
             <p:nvSpPr>
               <p:cNvPr id="21" name="CasellaDiTesto 20">
@@ -8664,6 +8750,1390 @@
     <p:extLst>
       <p:ext uri="{BB962C8B-B14F-4D97-AF65-F5344CB8AC3E}">
         <p14:creationId xmlns:p14="http://schemas.microsoft.com/office/powerpoint/2010/main" val="2968998216"/>
+      </p:ext>
+    </p:extLst>
+  </p:cSld>
+  <p:clrMapOvr>
+    <a:masterClrMapping/>
+  </p:clrMapOvr>
+</p:sld>
+</file>
+
+<file path=ppt/slides/slide7.xml><?xml version="1.0" encoding="utf-8"?>
+<p:sld xmlns:a="http://schemas.openxmlformats.org/drawingml/2006/main" xmlns:r="http://schemas.openxmlformats.org/officeDocument/2006/relationships" xmlns:p="http://schemas.openxmlformats.org/presentationml/2006/main">
+  <p:cSld>
+    <p:spTree>
+      <p:nvGrpSpPr>
+        <p:cNvPr id="1" name=""/>
+        <p:cNvGrpSpPr/>
+        <p:nvPr/>
+      </p:nvGrpSpPr>
+      <p:grpSpPr>
+        <a:xfrm>
+          <a:off x="0" y="0"/>
+          <a:ext cx="0" cy="0"/>
+          <a:chOff x="0" y="0"/>
+          <a:chExt cx="0" cy="0"/>
+        </a:xfrm>
+      </p:grpSpPr>
+      <p:pic>
+        <p:nvPicPr>
+          <p:cNvPr id="2" name="Immagine 1"/>
+          <p:cNvPicPr>
+            <a:picLocks noChangeAspect="1"/>
+          </p:cNvPicPr>
+          <p:nvPr/>
+        </p:nvPicPr>
+        <p:blipFill>
+          <a:blip r:embed="rId7"/>
+          <a:stretch>
+            <a:fillRect/>
+          </a:stretch>
+        </p:blipFill>
+        <p:spPr>
+          <a:xfrm>
+            <a:off x="-1" y="3123"/>
+            <a:ext cx="9143817" cy="6872495"/>
+          </a:xfrm>
+          <a:prstGeom prst="rect">
+            <a:avLst/>
+          </a:prstGeom>
+        </p:spPr>
+      </p:pic>
+      <p:sp>
+        <p:nvSpPr>
+          <p:cNvPr id="7" name="CasellaDiTesto 6"/>
+          <p:cNvSpPr txBox="1"/>
+          <p:nvPr/>
+        </p:nvSpPr>
+        <p:spPr>
+          <a:xfrm>
+            <a:off x="9061" y="649703"/>
+            <a:ext cx="9143080" cy="461665"/>
+          </a:xfrm>
+          <a:prstGeom prst="rect">
+            <a:avLst/>
+          </a:prstGeom>
+          <a:noFill/>
+        </p:spPr>
+        <p:txBody>
+          <a:bodyPr wrap="square" rtlCol="0">
+            <a:spAutoFit/>
+          </a:bodyPr>
+          <a:lstStyle/>
+          <a:p>
+            <a:r>
+              <a:rPr lang="it-IT" sz="2400" b="1" dirty="0">
+                <a:solidFill>
+                  <a:schemeClr val="accent1">
+                    <a:lumMod val="75000"/>
+                  </a:schemeClr>
+                </a:solidFill>
+                <a:latin typeface="Arial"/>
+                <a:cs typeface="Arial"/>
+              </a:rPr>
+              <a:t>Algoritmo per il problema degli alberi basati sulla distanza</a:t>
+            </a:r>
+          </a:p>
+        </p:txBody>
+      </p:sp>
+      <p:sp>
+        <p:nvSpPr>
+          <p:cNvPr id="12" name="Rettangolo 11"/>
+          <p:cNvSpPr/>
+          <p:nvPr/>
+        </p:nvSpPr>
+        <p:spPr>
+          <a:xfrm>
+            <a:off x="8255000" y="6366466"/>
+            <a:ext cx="280763" cy="501650"/>
+          </a:xfrm>
+          <a:prstGeom prst="rect">
+            <a:avLst/>
+          </a:prstGeom>
+          <a:solidFill>
+            <a:srgbClr val="003053"/>
+          </a:solidFill>
+        </p:spPr>
+        <p:style>
+          <a:lnRef idx="1">
+            <a:schemeClr val="accent1"/>
+          </a:lnRef>
+          <a:fillRef idx="3">
+            <a:schemeClr val="accent1"/>
+          </a:fillRef>
+          <a:effectRef idx="2">
+            <a:schemeClr val="accent1"/>
+          </a:effectRef>
+          <a:fontRef idx="minor">
+            <a:schemeClr val="lt1"/>
+          </a:fontRef>
+        </p:style>
+        <p:txBody>
+          <a:bodyPr rtlCol="0" anchor="ctr"/>
+          <a:lstStyle/>
+          <a:p>
+            <a:pPr algn="ctr"/>
+            <a:endParaRPr lang="it-IT">
+              <a:solidFill>
+                <a:srgbClr val="003257"/>
+              </a:solidFill>
+            </a:endParaRPr>
+          </a:p>
+        </p:txBody>
+      </p:sp>
+      <p:sp>
+        <p:nvSpPr>
+          <p:cNvPr id="11" name="Segnaposto numero diapositiva 10"/>
+          <p:cNvSpPr>
+            <a:spLocks noGrp="1"/>
+          </p:cNvSpPr>
+          <p:nvPr>
+            <p:ph type="sldNum" sz="quarter" idx="12"/>
+          </p:nvPr>
+        </p:nvSpPr>
+        <p:spPr>
+          <a:xfrm>
+            <a:off x="6402163" y="6356350"/>
+            <a:ext cx="2133600" cy="365125"/>
+          </a:xfrm>
+        </p:spPr>
+        <p:txBody>
+          <a:bodyPr/>
+          <a:lstStyle/>
+          <a:p>
+            <a:fld id="{8EB8520A-26EA-DE4B-B141-4532FC98FF0E}" type="slidenum">
+              <a:rPr lang="it-IT" b="1" smtClean="0">
+                <a:solidFill>
+                  <a:schemeClr val="bg1"/>
+                </a:solidFill>
+                <a:latin typeface="Arial"/>
+                <a:cs typeface="Arial"/>
+              </a:rPr>
+              <a:pPr/>
+              <a:t>7</a:t>
+            </a:fld>
+            <a:endParaRPr lang="it-IT" b="1" dirty="0">
+              <a:solidFill>
+                <a:schemeClr val="bg1"/>
+              </a:solidFill>
+              <a:latin typeface="Arial"/>
+              <a:cs typeface="Arial"/>
+            </a:endParaRPr>
+          </a:p>
+        </p:txBody>
+      </p:sp>
+      <p:sp>
+        <p:nvSpPr>
+          <p:cNvPr id="10" name="CasellaDiTesto 9"/>
+          <p:cNvSpPr txBox="1"/>
+          <p:nvPr/>
+        </p:nvSpPr>
+        <p:spPr>
+          <a:xfrm>
+            <a:off x="5735951" y="51433"/>
+            <a:ext cx="2957862" cy="215444"/>
+          </a:xfrm>
+          <a:prstGeom prst="rect">
+            <a:avLst/>
+          </a:prstGeom>
+          <a:noFill/>
+        </p:spPr>
+        <p:txBody>
+          <a:bodyPr wrap="none" rtlCol="0">
+            <a:spAutoFit/>
+          </a:bodyPr>
+          <a:lstStyle/>
+          <a:p>
+            <a:pPr algn="r"/>
+            <a:r>
+              <a:rPr lang="it-IT" sz="800" b="1" dirty="0">
+                <a:solidFill>
+                  <a:schemeClr val="bg1"/>
+                </a:solidFill>
+                <a:latin typeface="Arial"/>
+                <a:cs typeface="Arial"/>
+              </a:rPr>
+              <a:t>Applicazioni dell’algoritmica alla biologia: alberi evolutivi</a:t>
+            </a:r>
+          </a:p>
+        </p:txBody>
+      </p:sp>
+      <p:sp>
+        <p:nvSpPr>
+          <p:cNvPr id="14" name="CasellaDiTesto 13"/>
+          <p:cNvSpPr txBox="1"/>
+          <p:nvPr/>
+        </p:nvSpPr>
+        <p:spPr>
+          <a:xfrm>
+            <a:off x="7082015" y="403482"/>
+            <a:ext cx="1621846" cy="492443"/>
+          </a:xfrm>
+          <a:prstGeom prst="rect">
+            <a:avLst/>
+          </a:prstGeom>
+          <a:noFill/>
+        </p:spPr>
+        <p:txBody>
+          <a:bodyPr wrap="none" rtlCol="0">
+            <a:spAutoFit/>
+          </a:bodyPr>
+          <a:lstStyle/>
+          <a:p>
+            <a:pPr algn="r"/>
+            <a:r>
+              <a:rPr lang="it-IT" sz="800" dirty="0">
+                <a:solidFill>
+                  <a:schemeClr val="bg1"/>
+                </a:solidFill>
+                <a:latin typeface="Arial"/>
+                <a:cs typeface="Arial"/>
+              </a:rPr>
+              <a:t>Firenze, 12 luglio 2019</a:t>
+            </a:r>
+          </a:p>
+          <a:p>
+            <a:endParaRPr lang="it-IT" dirty="0"/>
+          </a:p>
+        </p:txBody>
+      </p:sp>
+      <p:sp>
+        <p:nvSpPr>
+          <p:cNvPr id="16" name="CasellaDiTesto 15">
+            <a:extLst>
+              <a:ext uri="{FF2B5EF4-FFF2-40B4-BE49-F238E27FC236}">
+                <a16:creationId xmlns:a16="http://schemas.microsoft.com/office/drawing/2014/main" id="{FF76A307-4A6F-4E91-B391-23862C1AEDD3}"/>
+              </a:ext>
+            </a:extLst>
+          </p:cNvPr>
+          <p:cNvSpPr txBox="1"/>
+          <p:nvPr/>
+        </p:nvSpPr>
+        <p:spPr>
+          <a:xfrm>
+            <a:off x="9061" y="1997106"/>
+            <a:ext cx="1391763" cy="307777"/>
+          </a:xfrm>
+          <a:prstGeom prst="rect">
+            <a:avLst/>
+          </a:prstGeom>
+          <a:noFill/>
+        </p:spPr>
+        <p:txBody>
+          <a:bodyPr wrap="square" rtlCol="0">
+            <a:spAutoFit/>
+          </a:bodyPr>
+          <a:lstStyle/>
+          <a:p>
+            <a:r>
+              <a:rPr lang="it-IT" sz="1400" b="0" dirty="0">
+                <a:latin typeface="Arial" panose="020B0604020202020204" pitchFamily="34" charset="0"/>
+                <a:cs typeface="Arial" panose="020B0604020202020204" pitchFamily="34" charset="0"/>
+              </a:rPr>
+              <a:t>Matrice in input</a:t>
+            </a:r>
+            <a:endParaRPr lang="it-IT" sz="1400" dirty="0">
+              <a:latin typeface="Arial" panose="020B0604020202020204" pitchFamily="34" charset="0"/>
+              <a:cs typeface="Arial" panose="020B0604020202020204" pitchFamily="34" charset="0"/>
+            </a:endParaRPr>
+          </a:p>
+        </p:txBody>
+      </p:sp>
+      <p:cxnSp>
+        <p:nvCxnSpPr>
+          <p:cNvPr id="17" name="Connettore 2 16">
+            <a:extLst>
+              <a:ext uri="{FF2B5EF4-FFF2-40B4-BE49-F238E27FC236}">
+                <a16:creationId xmlns:a16="http://schemas.microsoft.com/office/drawing/2014/main" id="{F3FA35E4-BA94-4E6F-9AE3-C36899E2535D}"/>
+              </a:ext>
+            </a:extLst>
+          </p:cNvPr>
+          <p:cNvCxnSpPr>
+            <a:cxnSpLocks/>
+            <a:stCxn id="16" idx="3"/>
+          </p:cNvCxnSpPr>
+          <p:nvPr/>
+        </p:nvCxnSpPr>
+        <p:spPr>
+          <a:xfrm>
+            <a:off x="1400824" y="2150995"/>
+            <a:ext cx="454609" cy="0"/>
+          </a:xfrm>
+          <a:prstGeom prst="straightConnector1">
+            <a:avLst/>
+          </a:prstGeom>
+          <a:ln>
+            <a:tailEnd type="triangle"/>
+          </a:ln>
+        </p:spPr>
+        <p:style>
+          <a:lnRef idx="2">
+            <a:schemeClr val="accent1"/>
+          </a:lnRef>
+          <a:fillRef idx="0">
+            <a:schemeClr val="accent1"/>
+          </a:fillRef>
+          <a:effectRef idx="1">
+            <a:schemeClr val="accent1"/>
+          </a:effectRef>
+          <a:fontRef idx="minor">
+            <a:schemeClr val="tx1"/>
+          </a:fontRef>
+        </p:style>
+      </p:cxnSp>
+      <p:pic>
+        <p:nvPicPr>
+          <p:cNvPr id="4" name="Immagine 3">
+            <a:extLst>
+              <a:ext uri="{FF2B5EF4-FFF2-40B4-BE49-F238E27FC236}">
+                <a16:creationId xmlns:a16="http://schemas.microsoft.com/office/drawing/2014/main" id="{B6E30B22-D803-43C2-B5FB-E8341E47D02A}"/>
+              </a:ext>
+            </a:extLst>
+          </p:cNvPr>
+          <p:cNvPicPr>
+            <a:picLocks noChangeAspect="1"/>
+          </p:cNvPicPr>
+          <p:nvPr/>
+        </p:nvPicPr>
+        <p:blipFill>
+          <a:blip r:embed="rId8"/>
+          <a:stretch>
+            <a:fillRect/>
+          </a:stretch>
+        </p:blipFill>
+        <p:spPr>
+          <a:xfrm>
+            <a:off x="1855433" y="1289821"/>
+            <a:ext cx="2768698" cy="1471156"/>
+          </a:xfrm>
+          <a:prstGeom prst="rect">
+            <a:avLst/>
+          </a:prstGeom>
+        </p:spPr>
+      </p:pic>
+      <p:pic>
+        <p:nvPicPr>
+          <p:cNvPr id="19" name="Immagine 18">
+            <a:extLst>
+              <a:ext uri="{FF2B5EF4-FFF2-40B4-BE49-F238E27FC236}">
+                <a16:creationId xmlns:a16="http://schemas.microsoft.com/office/drawing/2014/main" id="{A27702F0-3179-4874-9563-9C371EBC500E}"/>
+              </a:ext>
+            </a:extLst>
+          </p:cNvPr>
+          <p:cNvPicPr>
+            <a:picLocks noChangeAspect="1"/>
+          </p:cNvPicPr>
+          <p:nvPr>
+            <p:custDataLst>
+              <p:tags r:id="rId1"/>
+            </p:custDataLst>
+          </p:nvPr>
+        </p:nvPicPr>
+        <p:blipFill>
+          <a:blip r:embed="rId9"/>
+          <a:stretch>
+            <a:fillRect/>
+          </a:stretch>
+        </p:blipFill>
+        <p:spPr>
+          <a:xfrm>
+            <a:off x="4897922" y="2037743"/>
+            <a:ext cx="1581643" cy="226504"/>
+          </a:xfrm>
+          <a:prstGeom prst="rect">
+            <a:avLst/>
+          </a:prstGeom>
+        </p:spPr>
+      </p:pic>
+      <p:pic>
+        <p:nvPicPr>
+          <p:cNvPr id="20" name="Immagine 19">
+            <a:extLst>
+              <a:ext uri="{FF2B5EF4-FFF2-40B4-BE49-F238E27FC236}">
+                <a16:creationId xmlns:a16="http://schemas.microsoft.com/office/drawing/2014/main" id="{E97A8F71-A206-4CAB-9810-AFCFA06065EE}"/>
+              </a:ext>
+            </a:extLst>
+          </p:cNvPr>
+          <p:cNvPicPr>
+            <a:picLocks noChangeAspect="1"/>
+          </p:cNvPicPr>
+          <p:nvPr/>
+        </p:nvPicPr>
+        <p:blipFill rotWithShape="1">
+          <a:blip r:embed="rId10"/>
+          <a:srcRect t="73" r="3004" b="-1"/>
+          <a:stretch/>
+        </p:blipFill>
+        <p:spPr>
+          <a:xfrm>
+            <a:off x="6402163" y="3449011"/>
+            <a:ext cx="2579825" cy="2094999"/>
+          </a:xfrm>
+          <a:prstGeom prst="rect">
+            <a:avLst/>
+          </a:prstGeom>
+        </p:spPr>
+      </p:pic>
+      <mc:AlternateContent xmlns:mc="http://schemas.openxmlformats.org/markup-compatibility/2006">
+        <mc:Choice xmlns:a14="http://schemas.microsoft.com/office/drawing/2010/main" Requires="a14">
+          <p:sp>
+            <p:nvSpPr>
+              <p:cNvPr id="27" name="CasellaDiTesto 26">
+                <a:extLst>
+                  <a:ext uri="{FF2B5EF4-FFF2-40B4-BE49-F238E27FC236}">
+                    <a16:creationId xmlns:a16="http://schemas.microsoft.com/office/drawing/2014/main" id="{020322F8-E385-4137-8AED-9E92C099FF36}"/>
+                  </a:ext>
+                </a:extLst>
+              </p:cNvPr>
+              <p:cNvSpPr txBox="1"/>
+              <p:nvPr/>
+            </p:nvSpPr>
+            <p:spPr>
+              <a:xfrm>
+                <a:off x="6985121" y="1665316"/>
+                <a:ext cx="2149818" cy="971356"/>
+              </a:xfrm>
+              <a:prstGeom prst="rect">
+                <a:avLst/>
+              </a:prstGeom>
+              <a:noFill/>
+            </p:spPr>
+            <p:txBody>
+              <a:bodyPr wrap="square" rtlCol="0">
+                <a:spAutoFit/>
+              </a:bodyPr>
+              <a:lstStyle/>
+              <a:p>
+                <a:r>
+                  <a:rPr lang="it-IT" sz="1400" b="0" dirty="0">
+                    <a:latin typeface="Arial" panose="020B0604020202020204" pitchFamily="34" charset="0"/>
+                    <a:cs typeface="Arial" panose="020B0604020202020204" pitchFamily="34" charset="0"/>
+                  </a:rPr>
+                  <a:t>Come trovare </a:t>
+                </a:r>
+                <a14:m>
+                  <m:oMath xmlns:m="http://schemas.openxmlformats.org/officeDocument/2006/math">
+                    <m:sSub>
+                      <m:sSubPr>
+                        <m:ctrlPr>
+                          <a:rPr lang="it-IT" sz="1400" b="0" i="1" smtClean="0">
+                            <a:latin typeface="Cambria Math" panose="02040503050406030204" pitchFamily="18" charset="0"/>
+                            <a:cs typeface="Arial" panose="020B0604020202020204" pitchFamily="34" charset="0"/>
+                          </a:rPr>
+                        </m:ctrlPr>
+                      </m:sSubPr>
+                      <m:e>
+                        <m:r>
+                          <a:rPr lang="it-IT" sz="1400" b="0" i="1" smtClean="0">
+                            <a:latin typeface="Cambria Math" panose="02040503050406030204" pitchFamily="18" charset="0"/>
+                            <a:cs typeface="Arial" panose="020B0604020202020204" pitchFamily="34" charset="0"/>
+                          </a:rPr>
+                          <m:t>𝑑</m:t>
+                        </m:r>
+                      </m:e>
+                      <m:sub>
+                        <m:r>
+                          <a:rPr lang="it-IT" sz="1400" b="0" i="1" smtClean="0">
+                            <a:latin typeface="Cambria Math" panose="02040503050406030204" pitchFamily="18" charset="0"/>
+                            <a:cs typeface="Arial" panose="020B0604020202020204" pitchFamily="34" charset="0"/>
+                          </a:rPr>
+                          <m:t>𝑓𝑝</m:t>
+                        </m:r>
+                      </m:sub>
+                    </m:sSub>
+                  </m:oMath>
+                </a14:m>
+                <a:r>
+                  <a:rPr lang="it-IT" sz="1400" dirty="0">
+                    <a:latin typeface="Arial" panose="020B0604020202020204" pitchFamily="34" charset="0"/>
+                    <a:cs typeface="Arial" panose="020B0604020202020204" pitchFamily="34" charset="0"/>
+                  </a:rPr>
+                  <a:t> e </a:t>
+                </a:r>
+                <a14:m>
+                  <m:oMath xmlns:m="http://schemas.openxmlformats.org/officeDocument/2006/math">
+                    <m:sSub>
+                      <m:sSubPr>
+                        <m:ctrlPr>
+                          <a:rPr lang="it-IT" sz="1400" i="1">
+                            <a:latin typeface="Cambria Math" panose="02040503050406030204" pitchFamily="18" charset="0"/>
+                            <a:cs typeface="Arial" panose="020B0604020202020204" pitchFamily="34" charset="0"/>
+                          </a:rPr>
+                        </m:ctrlPr>
+                      </m:sSubPr>
+                      <m:e>
+                        <m:r>
+                          <a:rPr lang="it-IT" sz="1400" i="1">
+                            <a:latin typeface="Cambria Math" panose="02040503050406030204" pitchFamily="18" charset="0"/>
+                            <a:cs typeface="Arial" panose="020B0604020202020204" pitchFamily="34" charset="0"/>
+                          </a:rPr>
+                          <m:t>𝑑</m:t>
+                        </m:r>
+                      </m:e>
+                      <m:sub>
+                        <m:r>
+                          <a:rPr lang="it-IT" sz="1400" b="0" i="1" smtClean="0">
+                            <a:latin typeface="Cambria Math" panose="02040503050406030204" pitchFamily="18" charset="0"/>
+                            <a:cs typeface="Arial" panose="020B0604020202020204" pitchFamily="34" charset="0"/>
+                          </a:rPr>
+                          <m:t>𝑏</m:t>
+                        </m:r>
+                        <m:r>
+                          <a:rPr lang="it-IT" sz="1400" i="1">
+                            <a:latin typeface="Cambria Math" panose="02040503050406030204" pitchFamily="18" charset="0"/>
+                            <a:cs typeface="Arial" panose="020B0604020202020204" pitchFamily="34" charset="0"/>
+                          </a:rPr>
+                          <m:t>𝑝</m:t>
+                        </m:r>
+                      </m:sub>
+                    </m:sSub>
+                  </m:oMath>
+                </a14:m>
+                <a:r>
+                  <a:rPr lang="it-IT" sz="1400" dirty="0">
+                    <a:latin typeface="Arial" panose="020B0604020202020204" pitchFamily="34" charset="0"/>
+                    <a:cs typeface="Arial" panose="020B0604020202020204" pitchFamily="34" charset="0"/>
+                  </a:rPr>
+                  <a:t>?</a:t>
+                </a:r>
+              </a:p>
+              <a:p>
+                <a:r>
+                  <a:rPr lang="it-IT" sz="1400" dirty="0">
+                    <a:latin typeface="Arial" panose="020B0604020202020204" pitchFamily="34" charset="0"/>
+                    <a:cs typeface="Arial" panose="020B0604020202020204" pitchFamily="34" charset="0"/>
+                  </a:rPr>
+                  <a:t>Si aggiunge </a:t>
+                </a:r>
+                <a14:m>
+                  <m:oMath xmlns:m="http://schemas.openxmlformats.org/officeDocument/2006/math">
+                    <m:r>
+                      <a:rPr lang="it-IT" sz="1400" b="0" i="1" smtClean="0">
+                        <a:latin typeface="Cambria Math" panose="02040503050406030204" pitchFamily="18" charset="0"/>
+                        <a:cs typeface="Arial" panose="020B0604020202020204" pitchFamily="34" charset="0"/>
+                      </a:rPr>
+                      <m:t>𝑢</m:t>
+                    </m:r>
+                  </m:oMath>
+                </a14:m>
+                <a:r>
+                  <a:rPr lang="it-IT" sz="1400" dirty="0">
+                    <a:latin typeface="Arial" panose="020B0604020202020204" pitchFamily="34" charset="0"/>
+                    <a:cs typeface="Arial" panose="020B0604020202020204" pitchFamily="34" charset="0"/>
+                  </a:rPr>
+                  <a:t> ed </a:t>
+                </a:r>
+                <a14:m>
+                  <m:oMath xmlns:m="http://schemas.openxmlformats.org/officeDocument/2006/math">
+                    <m:r>
+                      <a:rPr lang="it-IT" sz="1400" b="0" i="1" smtClean="0">
+                        <a:latin typeface="Cambria Math" panose="02040503050406030204" pitchFamily="18" charset="0"/>
+                        <a:cs typeface="Arial" panose="020B0604020202020204" pitchFamily="34" charset="0"/>
+                      </a:rPr>
+                      <m:t>𝑠</m:t>
+                    </m:r>
+                  </m:oMath>
+                </a14:m>
+                <a:r>
+                  <a:rPr lang="it-IT" sz="1400" dirty="0">
+                    <a:latin typeface="Arial" panose="020B0604020202020204" pitchFamily="34" charset="0"/>
+                    <a:cs typeface="Arial" panose="020B0604020202020204" pitchFamily="34" charset="0"/>
+                  </a:rPr>
+                  <a:t> a </a:t>
+                </a:r>
+                <a14:m>
+                  <m:oMath xmlns:m="http://schemas.openxmlformats.org/officeDocument/2006/math">
+                    <m:r>
+                      <a:rPr lang="it-IT" sz="1400" b="0" i="1" smtClean="0">
+                        <a:latin typeface="Cambria Math" panose="02040503050406030204" pitchFamily="18" charset="0"/>
+                        <a:cs typeface="Arial" panose="020B0604020202020204" pitchFamily="34" charset="0"/>
+                      </a:rPr>
+                      <m:t>𝑇</m:t>
+                    </m:r>
+                  </m:oMath>
+                </a14:m>
+                <a:r>
+                  <a:rPr lang="it-IT" sz="1400" dirty="0">
+                    <a:latin typeface="Arial" panose="020B0604020202020204" pitchFamily="34" charset="0"/>
+                    <a:cs typeface="Arial" panose="020B0604020202020204" pitchFamily="34" charset="0"/>
+                  </a:rPr>
+                  <a:t> e si riscrivono le distanze in funzione di </a:t>
+                </a:r>
+                <a14:m>
+                  <m:oMath xmlns:m="http://schemas.openxmlformats.org/officeDocument/2006/math">
+                    <m:r>
+                      <a:rPr lang="it-IT" sz="1400" b="0" i="1" smtClean="0">
+                        <a:latin typeface="Cambria Math" panose="02040503050406030204" pitchFamily="18" charset="0"/>
+                        <a:cs typeface="Arial" panose="020B0604020202020204" pitchFamily="34" charset="0"/>
+                      </a:rPr>
+                      <m:t>𝑝</m:t>
+                    </m:r>
+                    <m:r>
+                      <a:rPr lang="it-IT" sz="1400" b="0" i="1" smtClean="0">
+                        <a:latin typeface="Cambria Math" panose="02040503050406030204" pitchFamily="18" charset="0"/>
+                        <a:cs typeface="Arial" panose="020B0604020202020204" pitchFamily="34" charset="0"/>
+                      </a:rPr>
+                      <m:t>.</m:t>
+                    </m:r>
+                  </m:oMath>
+                </a14:m>
+                <a:endParaRPr lang="it-IT" sz="1400" dirty="0">
+                  <a:latin typeface="Arial" panose="020B0604020202020204" pitchFamily="34" charset="0"/>
+                  <a:cs typeface="Arial" panose="020B0604020202020204" pitchFamily="34" charset="0"/>
+                </a:endParaRPr>
+              </a:p>
+            </p:txBody>
+          </p:sp>
+        </mc:Choice>
+        <mc:Fallback>
+          <p:sp>
+            <p:nvSpPr>
+              <p:cNvPr id="27" name="CasellaDiTesto 26">
+                <a:extLst>
+                  <a:ext uri="{FF2B5EF4-FFF2-40B4-BE49-F238E27FC236}">
+                    <a16:creationId xmlns:a16="http://schemas.microsoft.com/office/drawing/2014/main" id="{020322F8-E385-4137-8AED-9E92C099FF36}"/>
+                  </a:ext>
+                </a:extLst>
+              </p:cNvPr>
+              <p:cNvSpPr txBox="1">
+                <a:spLocks noRot="1" noChangeAspect="1" noMove="1" noResize="1" noEditPoints="1" noAdjustHandles="1" noChangeArrowheads="1" noChangeShapeType="1" noTextEdit="1"/>
+              </p:cNvSpPr>
+              <p:nvPr/>
+            </p:nvSpPr>
+            <p:spPr>
+              <a:xfrm>
+                <a:off x="6985121" y="1665316"/>
+                <a:ext cx="2149818" cy="971356"/>
+              </a:xfrm>
+              <a:prstGeom prst="rect">
+                <a:avLst/>
+              </a:prstGeom>
+              <a:blipFill>
+                <a:blip r:embed="rId11"/>
+                <a:stretch>
+                  <a:fillRect l="-850" t="-1250" r="-1133" b="-5625"/>
+                </a:stretch>
+              </a:blipFill>
+            </p:spPr>
+            <p:txBody>
+              <a:bodyPr/>
+              <a:lstStyle/>
+              <a:p>
+                <a:r>
+                  <a:rPr lang="it-IT">
+                    <a:noFill/>
+                  </a:rPr>
+                  <a:t> </a:t>
+                </a:r>
+              </a:p>
+            </p:txBody>
+          </p:sp>
+        </mc:Fallback>
+      </mc:AlternateContent>
+      <p:cxnSp>
+        <p:nvCxnSpPr>
+          <p:cNvPr id="34" name="Connettore a gomito 33">
+            <a:extLst>
+              <a:ext uri="{FF2B5EF4-FFF2-40B4-BE49-F238E27FC236}">
+                <a16:creationId xmlns:a16="http://schemas.microsoft.com/office/drawing/2014/main" id="{DCE55FC0-FE6D-4C8E-9C4A-B40CAFA67A7A}"/>
+              </a:ext>
+            </a:extLst>
+          </p:cNvPr>
+          <p:cNvCxnSpPr>
+            <a:stCxn id="27" idx="2"/>
+            <a:endCxn id="20" idx="0"/>
+          </p:cNvCxnSpPr>
+          <p:nvPr/>
+        </p:nvCxnSpPr>
+        <p:spPr>
+          <a:xfrm rot="5400000">
+            <a:off x="7469884" y="2858864"/>
+            <a:ext cx="812339" cy="367954"/>
+          </a:xfrm>
+          <a:prstGeom prst="bentConnector3">
+            <a:avLst/>
+          </a:prstGeom>
+          <a:ln>
+            <a:tailEnd type="triangle"/>
+          </a:ln>
+        </p:spPr>
+        <p:style>
+          <a:lnRef idx="2">
+            <a:schemeClr val="accent1"/>
+          </a:lnRef>
+          <a:fillRef idx="0">
+            <a:schemeClr val="accent1"/>
+          </a:fillRef>
+          <a:effectRef idx="1">
+            <a:schemeClr val="accent1"/>
+          </a:effectRef>
+          <a:fontRef idx="minor">
+            <a:schemeClr val="tx1"/>
+          </a:fontRef>
+        </p:style>
+      </p:cxnSp>
+      <p:pic>
+        <p:nvPicPr>
+          <p:cNvPr id="38" name="Immagine 37">
+            <a:extLst>
+              <a:ext uri="{FF2B5EF4-FFF2-40B4-BE49-F238E27FC236}">
+                <a16:creationId xmlns:a16="http://schemas.microsoft.com/office/drawing/2014/main" id="{A5717F8D-9309-455F-8BEC-305E6195B82A}"/>
+              </a:ext>
+            </a:extLst>
+          </p:cNvPr>
+          <p:cNvPicPr>
+            <a:picLocks noChangeAspect="1"/>
+          </p:cNvPicPr>
+          <p:nvPr>
+            <p:custDataLst>
+              <p:tags r:id="rId2"/>
+            </p:custDataLst>
+          </p:nvPr>
+        </p:nvPicPr>
+        <p:blipFill>
+          <a:blip r:embed="rId12"/>
+          <a:stretch>
+            <a:fillRect/>
+          </a:stretch>
+        </p:blipFill>
+        <p:spPr>
+          <a:xfrm>
+            <a:off x="4177594" y="3615610"/>
+            <a:ext cx="1735910" cy="251922"/>
+          </a:xfrm>
+          <a:prstGeom prst="rect">
+            <a:avLst/>
+          </a:prstGeom>
+        </p:spPr>
+      </p:pic>
+      <p:pic>
+        <p:nvPicPr>
+          <p:cNvPr id="40" name="Immagine 39">
+            <a:extLst>
+              <a:ext uri="{FF2B5EF4-FFF2-40B4-BE49-F238E27FC236}">
+                <a16:creationId xmlns:a16="http://schemas.microsoft.com/office/drawing/2014/main" id="{B2D5797C-14F6-4502-9EE8-BF21AE76CB5B}"/>
+              </a:ext>
+            </a:extLst>
+          </p:cNvPr>
+          <p:cNvPicPr>
+            <a:picLocks noChangeAspect="1"/>
+          </p:cNvPicPr>
+          <p:nvPr>
+            <p:custDataLst>
+              <p:tags r:id="rId3"/>
+            </p:custDataLst>
+          </p:nvPr>
+        </p:nvPicPr>
+        <p:blipFill>
+          <a:blip r:embed="rId13"/>
+          <a:stretch>
+            <a:fillRect/>
+          </a:stretch>
+        </p:blipFill>
+        <p:spPr>
+          <a:xfrm>
+            <a:off x="4210680" y="5123193"/>
+            <a:ext cx="1676190" cy="248381"/>
+          </a:xfrm>
+          <a:prstGeom prst="rect">
+            <a:avLst/>
+          </a:prstGeom>
+        </p:spPr>
+      </p:pic>
+      <p:pic>
+        <p:nvPicPr>
+          <p:cNvPr id="42" name="Immagine 41">
+            <a:extLst>
+              <a:ext uri="{FF2B5EF4-FFF2-40B4-BE49-F238E27FC236}">
+                <a16:creationId xmlns:a16="http://schemas.microsoft.com/office/drawing/2014/main" id="{90C8C20A-4C3A-4039-8B10-7686F67703AB}"/>
+              </a:ext>
+            </a:extLst>
+          </p:cNvPr>
+          <p:cNvPicPr>
+            <a:picLocks noChangeAspect="1"/>
+          </p:cNvPicPr>
+          <p:nvPr>
+            <p:custDataLst>
+              <p:tags r:id="rId4"/>
+            </p:custDataLst>
+          </p:nvPr>
+        </p:nvPicPr>
+        <p:blipFill>
+          <a:blip r:embed="rId14"/>
+          <a:stretch>
+            <a:fillRect/>
+          </a:stretch>
+        </p:blipFill>
+        <p:spPr>
+          <a:xfrm>
+            <a:off x="1801667" y="4308582"/>
+            <a:ext cx="1971809" cy="339810"/>
+          </a:xfrm>
+          <a:prstGeom prst="rect">
+            <a:avLst/>
+          </a:prstGeom>
+        </p:spPr>
+      </p:pic>
+      <mc:AlternateContent xmlns:mc="http://schemas.openxmlformats.org/markup-compatibility/2006">
+        <mc:Choice xmlns:a14="http://schemas.microsoft.com/office/drawing/2010/main" Requires="a14">
+          <p:sp>
+            <p:nvSpPr>
+              <p:cNvPr id="43" name="CasellaDiTesto 42">
+                <a:extLst>
+                  <a:ext uri="{FF2B5EF4-FFF2-40B4-BE49-F238E27FC236}">
+                    <a16:creationId xmlns:a16="http://schemas.microsoft.com/office/drawing/2014/main" id="{B2A2D0D4-D6C0-4393-9F09-250A1D3D003A}"/>
+                  </a:ext>
+                </a:extLst>
+              </p:cNvPr>
+              <p:cNvSpPr txBox="1"/>
+              <p:nvPr/>
+            </p:nvSpPr>
+            <p:spPr>
+              <a:xfrm>
+                <a:off x="4207454" y="4324684"/>
+                <a:ext cx="1676190" cy="325025"/>
+              </a:xfrm>
+              <a:prstGeom prst="rect">
+                <a:avLst/>
+              </a:prstGeom>
+              <a:noFill/>
+            </p:spPr>
+            <p:txBody>
+              <a:bodyPr wrap="square" rtlCol="0">
+                <a:spAutoFit/>
+              </a:bodyPr>
+              <a:lstStyle/>
+              <a:p>
+                <a:r>
+                  <a:rPr lang="it-IT" sz="1400" b="0" dirty="0">
+                    <a:latin typeface="Arial" panose="020B0604020202020204" pitchFamily="34" charset="0"/>
+                    <a:cs typeface="Arial" panose="020B0604020202020204" pitchFamily="34" charset="0"/>
+                  </a:rPr>
+                  <a:t>Come trovare </a:t>
+                </a:r>
+                <a14:m>
+                  <m:oMath xmlns:m="http://schemas.openxmlformats.org/officeDocument/2006/math">
+                    <m:sSub>
+                      <m:sSubPr>
+                        <m:ctrlPr>
+                          <a:rPr lang="it-IT" sz="1400" b="0" i="1" smtClean="0">
+                            <a:latin typeface="Cambria Math" panose="02040503050406030204" pitchFamily="18" charset="0"/>
+                            <a:cs typeface="Arial" panose="020B0604020202020204" pitchFamily="34" charset="0"/>
+                          </a:rPr>
+                        </m:ctrlPr>
+                      </m:sSubPr>
+                      <m:e>
+                        <m:r>
+                          <a:rPr lang="it-IT" sz="1400" b="0" i="1" smtClean="0">
+                            <a:latin typeface="Cambria Math" panose="02040503050406030204" pitchFamily="18" charset="0"/>
+                            <a:cs typeface="Arial" panose="020B0604020202020204" pitchFamily="34" charset="0"/>
+                          </a:rPr>
+                          <m:t>𝑑</m:t>
+                        </m:r>
+                      </m:e>
+                      <m:sub>
+                        <m:r>
+                          <a:rPr lang="it-IT" sz="1400" b="0" i="1" smtClean="0">
+                            <a:latin typeface="Cambria Math" panose="02040503050406030204" pitchFamily="18" charset="0"/>
+                            <a:cs typeface="Arial" panose="020B0604020202020204" pitchFamily="34" charset="0"/>
+                          </a:rPr>
+                          <m:t>𝑢𝑝</m:t>
+                        </m:r>
+                      </m:sub>
+                    </m:sSub>
+                    <m:r>
+                      <a:rPr lang="it-IT" sz="1400" b="0" i="0" smtClean="0">
+                        <a:latin typeface="Cambria Math" panose="02040503050406030204" pitchFamily="18" charset="0"/>
+                        <a:cs typeface="Arial" panose="020B0604020202020204" pitchFamily="34" charset="0"/>
+                      </a:rPr>
+                      <m:t>?</m:t>
+                    </m:r>
+                  </m:oMath>
+                </a14:m>
+                <a:endParaRPr lang="it-IT" sz="1400" dirty="0">
+                  <a:latin typeface="Arial" panose="020B0604020202020204" pitchFamily="34" charset="0"/>
+                  <a:cs typeface="Arial" panose="020B0604020202020204" pitchFamily="34" charset="0"/>
+                </a:endParaRPr>
+              </a:p>
+            </p:txBody>
+          </p:sp>
+        </mc:Choice>
+        <mc:Fallback>
+          <p:sp>
+            <p:nvSpPr>
+              <p:cNvPr id="43" name="CasellaDiTesto 42">
+                <a:extLst>
+                  <a:ext uri="{FF2B5EF4-FFF2-40B4-BE49-F238E27FC236}">
+                    <a16:creationId xmlns:a16="http://schemas.microsoft.com/office/drawing/2014/main" id="{B2A2D0D4-D6C0-4393-9F09-250A1D3D003A}"/>
+                  </a:ext>
+                </a:extLst>
+              </p:cNvPr>
+              <p:cNvSpPr txBox="1">
+                <a:spLocks noRot="1" noChangeAspect="1" noMove="1" noResize="1" noEditPoints="1" noAdjustHandles="1" noChangeArrowheads="1" noChangeShapeType="1" noTextEdit="1"/>
+              </p:cNvSpPr>
+              <p:nvPr/>
+            </p:nvSpPr>
+            <p:spPr>
+              <a:xfrm>
+                <a:off x="4207454" y="4324684"/>
+                <a:ext cx="1676190" cy="325025"/>
+              </a:xfrm>
+              <a:prstGeom prst="rect">
+                <a:avLst/>
+              </a:prstGeom>
+              <a:blipFill>
+                <a:blip r:embed="rId15"/>
+                <a:stretch>
+                  <a:fillRect l="-1091" t="-1852" b="-12963"/>
+                </a:stretch>
+              </a:blipFill>
+            </p:spPr>
+            <p:txBody>
+              <a:bodyPr/>
+              <a:lstStyle/>
+              <a:p>
+                <a:r>
+                  <a:rPr lang="it-IT">
+                    <a:noFill/>
+                  </a:rPr>
+                  <a:t> </a:t>
+                </a:r>
+              </a:p>
+            </p:txBody>
+          </p:sp>
+        </mc:Fallback>
+      </mc:AlternateContent>
+      <p:cxnSp>
+        <p:nvCxnSpPr>
+          <p:cNvPr id="47" name="Connettore 2 46">
+            <a:extLst>
+              <a:ext uri="{FF2B5EF4-FFF2-40B4-BE49-F238E27FC236}">
+                <a16:creationId xmlns:a16="http://schemas.microsoft.com/office/drawing/2014/main" id="{4577F59B-D14A-4F65-9936-5653BC580E34}"/>
+              </a:ext>
+            </a:extLst>
+          </p:cNvPr>
+          <p:cNvCxnSpPr>
+            <a:stCxn id="38" idx="2"/>
+            <a:endCxn id="43" idx="0"/>
+          </p:cNvCxnSpPr>
+          <p:nvPr/>
+        </p:nvCxnSpPr>
+        <p:spPr>
+          <a:xfrm>
+            <a:off x="5045549" y="3867532"/>
+            <a:ext cx="0" cy="457152"/>
+          </a:xfrm>
+          <a:prstGeom prst="straightConnector1">
+            <a:avLst/>
+          </a:prstGeom>
+          <a:ln>
+            <a:tailEnd type="triangle"/>
+          </a:ln>
+        </p:spPr>
+        <p:style>
+          <a:lnRef idx="2">
+            <a:schemeClr val="accent1"/>
+          </a:lnRef>
+          <a:fillRef idx="0">
+            <a:schemeClr val="accent1"/>
+          </a:fillRef>
+          <a:effectRef idx="1">
+            <a:schemeClr val="accent1"/>
+          </a:effectRef>
+          <a:fontRef idx="minor">
+            <a:schemeClr val="tx1"/>
+          </a:fontRef>
+        </p:style>
+      </p:cxnSp>
+      <p:cxnSp>
+        <p:nvCxnSpPr>
+          <p:cNvPr id="49" name="Connettore 2 48">
+            <a:extLst>
+              <a:ext uri="{FF2B5EF4-FFF2-40B4-BE49-F238E27FC236}">
+                <a16:creationId xmlns:a16="http://schemas.microsoft.com/office/drawing/2014/main" id="{A13BAAB6-EA1A-4A27-A81D-C9116B203822}"/>
+              </a:ext>
+            </a:extLst>
+          </p:cNvPr>
+          <p:cNvCxnSpPr>
+            <a:stCxn id="40" idx="0"/>
+            <a:endCxn id="43" idx="2"/>
+          </p:cNvCxnSpPr>
+          <p:nvPr/>
+        </p:nvCxnSpPr>
+        <p:spPr>
+          <a:xfrm flipH="1" flipV="1">
+            <a:off x="5045549" y="4649709"/>
+            <a:ext cx="3226" cy="473484"/>
+          </a:xfrm>
+          <a:prstGeom prst="straightConnector1">
+            <a:avLst/>
+          </a:prstGeom>
+          <a:ln>
+            <a:tailEnd type="triangle"/>
+          </a:ln>
+        </p:spPr>
+        <p:style>
+          <a:lnRef idx="2">
+            <a:schemeClr val="accent1"/>
+          </a:lnRef>
+          <a:fillRef idx="0">
+            <a:schemeClr val="accent1"/>
+          </a:fillRef>
+          <a:effectRef idx="1">
+            <a:schemeClr val="accent1"/>
+          </a:effectRef>
+          <a:fontRef idx="minor">
+            <a:schemeClr val="tx1"/>
+          </a:fontRef>
+        </p:style>
+      </p:cxnSp>
+      <p:cxnSp>
+        <p:nvCxnSpPr>
+          <p:cNvPr id="51" name="Connettore 2 50">
+            <a:extLst>
+              <a:ext uri="{FF2B5EF4-FFF2-40B4-BE49-F238E27FC236}">
+                <a16:creationId xmlns:a16="http://schemas.microsoft.com/office/drawing/2014/main" id="{3767EA2D-621B-4D46-8787-FF6E01E39FA1}"/>
+              </a:ext>
+            </a:extLst>
+          </p:cNvPr>
+          <p:cNvCxnSpPr>
+            <a:cxnSpLocks/>
+            <a:stCxn id="43" idx="1"/>
+          </p:cNvCxnSpPr>
+          <p:nvPr/>
+        </p:nvCxnSpPr>
+        <p:spPr>
+          <a:xfrm flipH="1">
+            <a:off x="3800385" y="4487197"/>
+            <a:ext cx="407069" cy="9313"/>
+          </a:xfrm>
+          <a:prstGeom prst="straightConnector1">
+            <a:avLst/>
+          </a:prstGeom>
+          <a:ln>
+            <a:tailEnd type="triangle"/>
+          </a:ln>
+        </p:spPr>
+        <p:style>
+          <a:lnRef idx="2">
+            <a:schemeClr val="accent1"/>
+          </a:lnRef>
+          <a:fillRef idx="0">
+            <a:schemeClr val="accent1"/>
+          </a:fillRef>
+          <a:effectRef idx="1">
+            <a:schemeClr val="accent1"/>
+          </a:effectRef>
+          <a:fontRef idx="minor">
+            <a:schemeClr val="tx1"/>
+          </a:fontRef>
+        </p:style>
+      </p:cxnSp>
+      <p:sp>
+        <p:nvSpPr>
+          <p:cNvPr id="53" name="CasellaDiTesto 52">
+            <a:extLst>
+              <a:ext uri="{FF2B5EF4-FFF2-40B4-BE49-F238E27FC236}">
+                <a16:creationId xmlns:a16="http://schemas.microsoft.com/office/drawing/2014/main" id="{C4172192-17B0-4035-AFD1-CBC8BDE7E4CD}"/>
+              </a:ext>
+            </a:extLst>
+          </p:cNvPr>
+          <p:cNvSpPr txBox="1"/>
+          <p:nvPr/>
+        </p:nvSpPr>
+        <p:spPr>
+          <a:xfrm>
+            <a:off x="9062" y="1077183"/>
+            <a:ext cx="1082892" cy="369332"/>
+          </a:xfrm>
+          <a:prstGeom prst="rect">
+            <a:avLst/>
+          </a:prstGeom>
+          <a:noFill/>
+        </p:spPr>
+        <p:txBody>
+          <a:bodyPr wrap="square" rtlCol="0">
+            <a:spAutoFit/>
+          </a:bodyPr>
+          <a:lstStyle/>
+          <a:p>
+            <a:r>
+              <a:rPr lang="it-IT" i="1" dirty="0">
+                <a:latin typeface="Arial"/>
+                <a:cs typeface="Arial"/>
+              </a:rPr>
+              <a:t>Parte 1</a:t>
+            </a:r>
+          </a:p>
+        </p:txBody>
+      </p:sp>
+      <mc:AlternateContent xmlns:mc="http://schemas.openxmlformats.org/markup-compatibility/2006">
+        <mc:Choice xmlns:a14="http://schemas.microsoft.com/office/drawing/2010/main" Requires="a14">
+          <p:sp>
+            <p:nvSpPr>
+              <p:cNvPr id="54" name="CasellaDiTesto 53">
+                <a:extLst>
+                  <a:ext uri="{FF2B5EF4-FFF2-40B4-BE49-F238E27FC236}">
+                    <a16:creationId xmlns:a16="http://schemas.microsoft.com/office/drawing/2014/main" id="{C41062FB-AA2C-44D0-9967-6B88E03FF892}"/>
+                  </a:ext>
+                </a:extLst>
+              </p:cNvPr>
+              <p:cNvSpPr txBox="1"/>
+              <p:nvPr/>
+            </p:nvSpPr>
+            <p:spPr>
+              <a:xfrm>
+                <a:off x="9061" y="3865563"/>
+                <a:ext cx="1471375" cy="1225848"/>
+              </a:xfrm>
+              <a:prstGeom prst="rect">
+                <a:avLst/>
+              </a:prstGeom>
+              <a:noFill/>
+            </p:spPr>
+            <p:txBody>
+              <a:bodyPr wrap="square" rtlCol="0">
+                <a:spAutoFit/>
+              </a:bodyPr>
+              <a:lstStyle/>
+              <a:p>
+                <a:r>
+                  <a:rPr lang="it-IT" sz="1400" b="0" dirty="0">
+                    <a:latin typeface="Arial" panose="020B0604020202020204" pitchFamily="34" charset="0"/>
+                    <a:cs typeface="Arial" panose="020B0604020202020204" pitchFamily="34" charset="0"/>
+                  </a:rPr>
+                  <a:t>Sostituendo </a:t>
+                </a:r>
+                <a14:m>
+                  <m:oMath xmlns:m="http://schemas.openxmlformats.org/officeDocument/2006/math">
+                    <m:sSub>
+                      <m:sSubPr>
+                        <m:ctrlPr>
+                          <a:rPr lang="it-IT" sz="1400" i="1">
+                            <a:latin typeface="Cambria Math" panose="02040503050406030204" pitchFamily="18" charset="0"/>
+                            <a:cs typeface="Arial" panose="020B0604020202020204" pitchFamily="34" charset="0"/>
+                          </a:rPr>
+                        </m:ctrlPr>
+                      </m:sSubPr>
+                      <m:e>
+                        <m:r>
+                          <a:rPr lang="it-IT" sz="1400" i="1">
+                            <a:latin typeface="Cambria Math" panose="02040503050406030204" pitchFamily="18" charset="0"/>
+                            <a:cs typeface="Arial" panose="020B0604020202020204" pitchFamily="34" charset="0"/>
+                          </a:rPr>
+                          <m:t>𝑑</m:t>
+                        </m:r>
+                      </m:e>
+                      <m:sub>
+                        <m:r>
+                          <a:rPr lang="it-IT" sz="1400" b="0" i="1" smtClean="0">
+                            <a:latin typeface="Cambria Math" panose="02040503050406030204" pitchFamily="18" charset="0"/>
+                            <a:cs typeface="Arial" panose="020B0604020202020204" pitchFamily="34" charset="0"/>
+                          </a:rPr>
+                          <m:t>𝑢</m:t>
+                        </m:r>
+                        <m:r>
+                          <a:rPr lang="it-IT" sz="1400" i="1">
+                            <a:latin typeface="Cambria Math" panose="02040503050406030204" pitchFamily="18" charset="0"/>
+                            <a:cs typeface="Arial" panose="020B0604020202020204" pitchFamily="34" charset="0"/>
+                          </a:rPr>
+                          <m:t>𝑝</m:t>
+                        </m:r>
+                      </m:sub>
+                    </m:sSub>
+                  </m:oMath>
+                </a14:m>
+                <a:r>
+                  <a:rPr lang="it-IT" sz="1400" dirty="0">
+                    <a:latin typeface="Arial" panose="020B0604020202020204" pitchFamily="34" charset="0"/>
+                    <a:cs typeface="Arial" panose="020B0604020202020204" pitchFamily="34" charset="0"/>
+                  </a:rPr>
+                  <a:t> alle due formule si ottiene che </a:t>
+                </a:r>
+                <a14:m>
+                  <m:oMath xmlns:m="http://schemas.openxmlformats.org/officeDocument/2006/math">
+                    <m:sSub>
+                      <m:sSubPr>
+                        <m:ctrlPr>
+                          <a:rPr lang="it-IT" sz="1400" i="1"/>
+                        </m:ctrlPr>
+                      </m:sSubPr>
+                      <m:e>
+                        <m:r>
+                          <a:rPr lang="it-IT" sz="1400" i="1"/>
+                          <m:t>𝐷</m:t>
+                        </m:r>
+                      </m:e>
+                      <m:sub>
+                        <m:r>
+                          <a:rPr lang="it-IT" sz="1400" i="1"/>
+                          <m:t>𝑓</m:t>
+                        </m:r>
+                        <m:r>
+                          <a:rPr lang="it-IT" sz="1400" i="1"/>
+                          <m:t>,</m:t>
+                        </m:r>
+                        <m:r>
+                          <a:rPr lang="it-IT" sz="1400" i="1"/>
+                          <m:t>𝑝</m:t>
+                        </m:r>
+                      </m:sub>
+                    </m:sSub>
+                    <m:r>
+                      <a:rPr lang="it-IT" sz="1400" i="1"/>
+                      <m:t>=</m:t>
+                    </m:r>
+                    <m:r>
+                      <a:rPr lang="it-IT" sz="1400" b="0" i="1" smtClean="0">
+                        <a:latin typeface="Cambria Math" panose="02040503050406030204" pitchFamily="18" charset="0"/>
+                      </a:rPr>
+                      <m:t>2</m:t>
+                    </m:r>
+                  </m:oMath>
+                </a14:m>
+                <a:r>
+                  <a:rPr lang="it-IT" sz="1400" dirty="0">
+                    <a:latin typeface="Arial" panose="020B0604020202020204" pitchFamily="34" charset="0"/>
+                    <a:cs typeface="Arial" panose="020B0604020202020204" pitchFamily="34" charset="0"/>
+                  </a:rPr>
+                  <a:t>  e </a:t>
+                </a:r>
+                <a14:m>
+                  <m:oMath xmlns:m="http://schemas.openxmlformats.org/officeDocument/2006/math">
+                    <m:sSub>
+                      <m:sSubPr>
+                        <m:ctrlPr>
+                          <a:rPr lang="it-IT" sz="1400" i="1"/>
+                        </m:ctrlPr>
+                      </m:sSubPr>
+                      <m:e>
+                        <m:r>
+                          <a:rPr lang="it-IT" sz="1400" i="1"/>
+                          <m:t>𝐷</m:t>
+                        </m:r>
+                      </m:e>
+                      <m:sub>
+                        <m:r>
+                          <a:rPr lang="it-IT" sz="1400" i="1"/>
+                          <m:t>𝑏</m:t>
+                        </m:r>
+                        <m:r>
+                          <a:rPr lang="it-IT" sz="1400" i="1"/>
+                          <m:t>,</m:t>
+                        </m:r>
+                        <m:r>
+                          <a:rPr lang="it-IT" sz="1400" i="1"/>
+                          <m:t>𝑝</m:t>
+                        </m:r>
+                      </m:sub>
+                    </m:sSub>
+                    <m:r>
+                      <a:rPr lang="it-IT" sz="1400" i="1"/>
+                      <m:t>=0</m:t>
+                    </m:r>
+                  </m:oMath>
+                </a14:m>
+                <a:endParaRPr lang="it-IT" sz="1400" dirty="0">
+                  <a:latin typeface="Arial" panose="020B0604020202020204" pitchFamily="34" charset="0"/>
+                  <a:cs typeface="Arial" panose="020B0604020202020204" pitchFamily="34" charset="0"/>
+                </a:endParaRPr>
+              </a:p>
+            </p:txBody>
+          </p:sp>
+        </mc:Choice>
+        <mc:Fallback>
+          <p:sp>
+            <p:nvSpPr>
+              <p:cNvPr id="54" name="CasellaDiTesto 53">
+                <a:extLst>
+                  <a:ext uri="{FF2B5EF4-FFF2-40B4-BE49-F238E27FC236}">
+                    <a16:creationId xmlns:a16="http://schemas.microsoft.com/office/drawing/2014/main" id="{C41062FB-AA2C-44D0-9967-6B88E03FF892}"/>
+                  </a:ext>
+                </a:extLst>
+              </p:cNvPr>
+              <p:cNvSpPr txBox="1">
+                <a:spLocks noRot="1" noChangeAspect="1" noMove="1" noResize="1" noEditPoints="1" noAdjustHandles="1" noChangeArrowheads="1" noChangeShapeType="1" noTextEdit="1"/>
+              </p:cNvSpPr>
+              <p:nvPr/>
+            </p:nvSpPr>
+            <p:spPr>
+              <a:xfrm>
+                <a:off x="9061" y="3865563"/>
+                <a:ext cx="1471375" cy="1225848"/>
+              </a:xfrm>
+              <a:prstGeom prst="rect">
+                <a:avLst/>
+              </a:prstGeom>
+              <a:blipFill>
+                <a:blip r:embed="rId16"/>
+                <a:stretch>
+                  <a:fillRect l="-1240" t="-995" r="-2479"/>
+                </a:stretch>
+              </a:blipFill>
+            </p:spPr>
+            <p:txBody>
+              <a:bodyPr/>
+              <a:lstStyle/>
+              <a:p>
+                <a:r>
+                  <a:rPr lang="it-IT">
+                    <a:noFill/>
+                  </a:rPr>
+                  <a:t> </a:t>
+                </a:r>
+              </a:p>
+            </p:txBody>
+          </p:sp>
+        </mc:Fallback>
+      </mc:AlternateContent>
+      <p:cxnSp>
+        <p:nvCxnSpPr>
+          <p:cNvPr id="56" name="Connettore 2 55">
+            <a:extLst>
+              <a:ext uri="{FF2B5EF4-FFF2-40B4-BE49-F238E27FC236}">
+                <a16:creationId xmlns:a16="http://schemas.microsoft.com/office/drawing/2014/main" id="{D7969D80-158E-46C1-A9B3-3C5EED014A3D}"/>
+              </a:ext>
+            </a:extLst>
+          </p:cNvPr>
+          <p:cNvCxnSpPr>
+            <a:cxnSpLocks/>
+            <a:stCxn id="42" idx="1"/>
+            <a:endCxn id="54" idx="3"/>
+          </p:cNvCxnSpPr>
+          <p:nvPr/>
+        </p:nvCxnSpPr>
+        <p:spPr>
+          <a:xfrm flipH="1">
+            <a:off x="1480436" y="4478487"/>
+            <a:ext cx="321231" cy="0"/>
+          </a:xfrm>
+          <a:prstGeom prst="straightConnector1">
+            <a:avLst/>
+          </a:prstGeom>
+          <a:ln>
+            <a:tailEnd type="triangle"/>
+          </a:ln>
+        </p:spPr>
+        <p:style>
+          <a:lnRef idx="2">
+            <a:schemeClr val="accent1"/>
+          </a:lnRef>
+          <a:fillRef idx="0">
+            <a:schemeClr val="accent1"/>
+          </a:fillRef>
+          <a:effectRef idx="1">
+            <a:schemeClr val="accent1"/>
+          </a:effectRef>
+          <a:fontRef idx="minor">
+            <a:schemeClr val="tx1"/>
+          </a:fontRef>
+        </p:style>
+      </p:cxnSp>
+    </p:spTree>
+    <p:extLst>
+      <p:ext uri="{BB962C8B-B14F-4D97-AF65-F5344CB8AC3E}">
+        <p14:creationId xmlns:p14="http://schemas.microsoft.com/office/powerpoint/2010/main" val="4142670184"/>
       </p:ext>
     </p:extLst>
   </p:cSld>
@@ -8757,6 +10227,82 @@
   <p:tag name="LATEXADDIN" val="\documentclass{article}&#10;\usepackage{amsmath}&#10;\pagestyle{empty}&#10;\begin{document}&#10;&#10;&#10;$ \forall i,j\in V,D_{ij}=d_{ij}(T)$&#10;&#10;\end{document}"/>
   <p:tag name="IGUANATEXSIZE" val="14"/>
   <p:tag name="IGUANATEXCURSOR" val="118"/>
+  <p:tag name="TRANSPARENCY" val="Vero"/>
+  <p:tag name="FILENAME" val=""/>
+  <p:tag name="LATEXENGINEID" val="0"/>
+  <p:tag name="TEMPFOLDER" val="c:\temp\"/>
+  <p:tag name="LATEXFORMHEIGHT" val="312"/>
+  <p:tag name="LATEXFORMWIDTH" val="384"/>
+  <p:tag name="LATEXFORMWRAP" val="Vero"/>
+  <p:tag name="BITMAPVECTOR" val="0"/>
+</p:tagLst>
+</file>
+
+<file path=ppt/tags/tag6.xml><?xml version="1.0" encoding="utf-8"?>
+<p:tagLst xmlns:a="http://schemas.openxmlformats.org/drawingml/2006/main" xmlns:r="http://schemas.openxmlformats.org/officeDocument/2006/relationships" xmlns:p="http://schemas.openxmlformats.org/presentationml/2006/main">
+  <p:tag name="OUTPUTDPI" val="1200"/>
+  <p:tag name="ORIGINALHEIGHT" val="121,4848"/>
+  <p:tag name="ORIGINALWIDTH" val="851,1436"/>
+  <p:tag name="LATEXADDIN" val="\documentclass{article}&#10;\usepackage{amsmath}&#10;\pagestyle{empty}&#10;\begin{document}&#10;&#10;$min \rightarrow D_{fb}=2$&#10;&#10;&#10;\end{document}"/>
+  <p:tag name="IGUANATEXSIZE" val="20"/>
+  <p:tag name="IGUANATEXCURSOR" val="104"/>
+  <p:tag name="TRANSPARENCY" val="Vero"/>
+  <p:tag name="FILENAME" val=""/>
+  <p:tag name="LATEXENGINEID" val="0"/>
+  <p:tag name="TEMPFOLDER" val="c:\temp\"/>
+  <p:tag name="LATEXFORMHEIGHT" val="312"/>
+  <p:tag name="LATEXFORMWIDTH" val="384"/>
+  <p:tag name="LATEXFORMWRAP" val="Vero"/>
+  <p:tag name="BITMAPVECTOR" val="0"/>
+</p:tagLst>
+</file>
+
+<file path=ppt/tags/tag7.xml><?xml version="1.0" encoding="utf-8"?>
+<p:tagLst xmlns:a="http://schemas.openxmlformats.org/drawingml/2006/main" xmlns:r="http://schemas.openxmlformats.org/officeDocument/2006/relationships" xmlns:p="http://schemas.openxmlformats.org/presentationml/2006/main">
+  <p:tag name="OUTPUTDPI" val="1200"/>
+  <p:tag name="ORIGINALHEIGHT" val="122,9846"/>
+  <p:tag name="ORIGINALWIDTH" val="854,1432"/>
+  <p:tag name="LATEXADDIN" val="\documentclass{article}&#10;\usepackage{amsmath}&#10;\pagestyle{empty}&#10;\begin{document}&#10;&#10;\[d_{fp}=d_{fu}-d_{up}\]&#10;&#10;&#10;\end{document}"/>
+  <p:tag name="IGUANATEXSIZE" val="20"/>
+  <p:tag name="IGUANATEXCURSOR" val="83"/>
+  <p:tag name="TRANSPARENCY" val="Vero"/>
+  <p:tag name="FILENAME" val=""/>
+  <p:tag name="LATEXENGINEID" val="0"/>
+  <p:tag name="TEMPFOLDER" val="c:\temp\"/>
+  <p:tag name="LATEXFORMHEIGHT" val="312"/>
+  <p:tag name="LATEXFORMWIDTH" val="384"/>
+  <p:tag name="LATEXFORMWRAP" val="Vero"/>
+  <p:tag name="BITMAPVECTOR" val="0"/>
+</p:tagLst>
+</file>
+
+<file path=ppt/tags/tag8.xml><?xml version="1.0" encoding="utf-8"?>
+<p:tagLst xmlns:a="http://schemas.openxmlformats.org/drawingml/2006/main" xmlns:r="http://schemas.openxmlformats.org/officeDocument/2006/relationships" xmlns:p="http://schemas.openxmlformats.org/presentationml/2006/main">
+  <p:tag name="OUTPUTDPI" val="1200"/>
+  <p:tag name="ORIGINALHEIGHT" val="122,2347"/>
+  <p:tag name="ORIGINALWIDTH" val="824,8969"/>
+  <p:tag name="LATEXADDIN" val="\documentclass{article}&#10;\usepackage{amsmath}&#10;\pagestyle{empty}&#10;\begin{document}&#10;&#10;&#10;\[d_{bp}=d_{bu}-d_{up}\]&#10;&#10;\end{document}"/>
+  <p:tag name="IGUANATEXSIZE" val="20"/>
+  <p:tag name="IGUANATEXCURSOR" val="104"/>
+  <p:tag name="TRANSPARENCY" val="Vero"/>
+  <p:tag name="FILENAME" val=""/>
+  <p:tag name="LATEXENGINEID" val="0"/>
+  <p:tag name="TEMPFOLDER" val="c:\temp\"/>
+  <p:tag name="LATEXFORMHEIGHT" val="312"/>
+  <p:tag name="LATEXFORMWIDTH" val="384"/>
+  <p:tag name="LATEXFORMWRAP" val="Vero"/>
+  <p:tag name="BITMAPVECTOR" val="0"/>
+</p:tagLst>
+</file>
+
+<file path=ppt/tags/tag9.xml><?xml version="1.0" encoding="utf-8"?>
+<p:tagLst xmlns:a="http://schemas.openxmlformats.org/drawingml/2006/main" xmlns:r="http://schemas.openxmlformats.org/officeDocument/2006/relationships" xmlns:p="http://schemas.openxmlformats.org/presentationml/2006/main">
+  <p:tag name="OUTPUTDPI" val="1200"/>
+  <p:tag name="ORIGINALHEIGHT" val="167,2291"/>
+  <p:tag name="ORIGINALWIDTH" val="970,3787"/>
+  <p:tag name="LATEXADDIN" val="\documentclass{article}&#10;\usepackage{amsmath}&#10;\pagestyle{empty}&#10;\begin{document}&#10;&#10;&#10;$d_{up}=\frac{d_{fu}+d_{bu}-d_{fb}}2$&#10;&#10;\end{document}"/>
+  <p:tag name="IGUANATEXSIZE" val="20"/>
+  <p:tag name="IGUANATEXCURSOR" val="119"/>
   <p:tag name="TRANSPARENCY" val="Vero"/>
   <p:tag name="FILENAME" val=""/>
   <p:tag name="LATEXENGINEID" val="0"/>

--- a/Discussione Laurea/Slides.pptx
+++ b/Discussione Laurea/Slides.pptx
@@ -5,10 +5,10 @@
     <p:sldMasterId id="2147483648" r:id="rId1"/>
   </p:sldMasterIdLst>
   <p:notesMasterIdLst>
-    <p:notesMasterId r:id="rId9"/>
+    <p:notesMasterId r:id="rId11"/>
   </p:notesMasterIdLst>
   <p:handoutMasterIdLst>
-    <p:handoutMasterId r:id="rId10"/>
+    <p:handoutMasterId r:id="rId12"/>
   </p:handoutMasterIdLst>
   <p:sldIdLst>
     <p:sldId id="256" r:id="rId2"/>
@@ -18,6 +18,8 @@
     <p:sldId id="264" r:id="rId6"/>
     <p:sldId id="265" r:id="rId7"/>
     <p:sldId id="266" r:id="rId8"/>
+    <p:sldId id="267" r:id="rId9"/>
+    <p:sldId id="268" r:id="rId10"/>
   </p:sldIdLst>
   <p:sldSz cx="9144000" cy="6858000" type="screen4x3"/>
   <p:notesSz cx="6858000" cy="9144000"/>
@@ -1156,6 +1158,176 @@
     <p:extLst>
       <p:ext uri="{BB962C8B-B14F-4D97-AF65-F5344CB8AC3E}">
         <p14:creationId xmlns:p14="http://schemas.microsoft.com/office/powerpoint/2010/main" val="3698645982"/>
+      </p:ext>
+    </p:extLst>
+  </p:cSld>
+  <p:clrMapOvr>
+    <a:masterClrMapping/>
+  </p:clrMapOvr>
+</p:notes>
+</file>
+
+<file path=ppt/notesSlides/notesSlide7.xml><?xml version="1.0" encoding="utf-8"?>
+<p:notes xmlns:a="http://schemas.openxmlformats.org/drawingml/2006/main" xmlns:r="http://schemas.openxmlformats.org/officeDocument/2006/relationships" xmlns:p="http://schemas.openxmlformats.org/presentationml/2006/main">
+  <p:cSld>
+    <p:spTree>
+      <p:nvGrpSpPr>
+        <p:cNvPr id="1" name=""/>
+        <p:cNvGrpSpPr/>
+        <p:nvPr/>
+      </p:nvGrpSpPr>
+      <p:grpSpPr>
+        <a:xfrm>
+          <a:off x="0" y="0"/>
+          <a:ext cx="0" cy="0"/>
+          <a:chOff x="0" y="0"/>
+          <a:chExt cx="0" cy="0"/>
+        </a:xfrm>
+      </p:grpSpPr>
+      <p:sp>
+        <p:nvSpPr>
+          <p:cNvPr id="2" name="Segnaposto immagine diapositiva 1"/>
+          <p:cNvSpPr>
+            <a:spLocks noGrp="1" noRot="1" noChangeAspect="1"/>
+          </p:cNvSpPr>
+          <p:nvPr>
+            <p:ph type="sldImg"/>
+          </p:nvPr>
+        </p:nvSpPr>
+        <p:spPr/>
+      </p:sp>
+      <p:sp>
+        <p:nvSpPr>
+          <p:cNvPr id="3" name="Segnaposto note 2"/>
+          <p:cNvSpPr>
+            <a:spLocks noGrp="1"/>
+          </p:cNvSpPr>
+          <p:nvPr>
+            <p:ph type="body" idx="1"/>
+          </p:nvPr>
+        </p:nvSpPr>
+        <p:spPr/>
+        <p:txBody>
+          <a:bodyPr/>
+          <a:lstStyle/>
+          <a:p>
+            <a:endParaRPr lang="it-IT"/>
+          </a:p>
+        </p:txBody>
+      </p:sp>
+      <p:sp>
+        <p:nvSpPr>
+          <p:cNvPr id="4" name="Segnaposto numero diapositiva 3"/>
+          <p:cNvSpPr>
+            <a:spLocks noGrp="1"/>
+          </p:cNvSpPr>
+          <p:nvPr>
+            <p:ph type="sldNum" sz="quarter" idx="10"/>
+          </p:nvPr>
+        </p:nvSpPr>
+        <p:spPr/>
+        <p:txBody>
+          <a:bodyPr/>
+          <a:lstStyle/>
+          <a:p>
+            <a:fld id="{96986711-015B-0142-88C4-65D50E44FA77}" type="slidenum">
+              <a:rPr lang="it-IT" smtClean="0"/>
+              <a:pPr/>
+              <a:t>8</a:t>
+            </a:fld>
+            <a:endParaRPr lang="it-IT"/>
+          </a:p>
+        </p:txBody>
+      </p:sp>
+    </p:spTree>
+    <p:extLst>
+      <p:ext uri="{BB962C8B-B14F-4D97-AF65-F5344CB8AC3E}">
+        <p14:creationId xmlns:p14="http://schemas.microsoft.com/office/powerpoint/2010/main" val="2193244144"/>
+      </p:ext>
+    </p:extLst>
+  </p:cSld>
+  <p:clrMapOvr>
+    <a:masterClrMapping/>
+  </p:clrMapOvr>
+</p:notes>
+</file>
+
+<file path=ppt/notesSlides/notesSlide8.xml><?xml version="1.0" encoding="utf-8"?>
+<p:notes xmlns:a="http://schemas.openxmlformats.org/drawingml/2006/main" xmlns:r="http://schemas.openxmlformats.org/officeDocument/2006/relationships" xmlns:p="http://schemas.openxmlformats.org/presentationml/2006/main">
+  <p:cSld>
+    <p:spTree>
+      <p:nvGrpSpPr>
+        <p:cNvPr id="1" name=""/>
+        <p:cNvGrpSpPr/>
+        <p:nvPr/>
+      </p:nvGrpSpPr>
+      <p:grpSpPr>
+        <a:xfrm>
+          <a:off x="0" y="0"/>
+          <a:ext cx="0" cy="0"/>
+          <a:chOff x="0" y="0"/>
+          <a:chExt cx="0" cy="0"/>
+        </a:xfrm>
+      </p:grpSpPr>
+      <p:sp>
+        <p:nvSpPr>
+          <p:cNvPr id="2" name="Segnaposto immagine diapositiva 1"/>
+          <p:cNvSpPr>
+            <a:spLocks noGrp="1" noRot="1" noChangeAspect="1"/>
+          </p:cNvSpPr>
+          <p:nvPr>
+            <p:ph type="sldImg"/>
+          </p:nvPr>
+        </p:nvSpPr>
+        <p:spPr/>
+      </p:sp>
+      <p:sp>
+        <p:nvSpPr>
+          <p:cNvPr id="3" name="Segnaposto note 2"/>
+          <p:cNvSpPr>
+            <a:spLocks noGrp="1"/>
+          </p:cNvSpPr>
+          <p:nvPr>
+            <p:ph type="body" idx="1"/>
+          </p:nvPr>
+        </p:nvSpPr>
+        <p:spPr/>
+        <p:txBody>
+          <a:bodyPr/>
+          <a:lstStyle/>
+          <a:p>
+            <a:endParaRPr lang="it-IT"/>
+          </a:p>
+        </p:txBody>
+      </p:sp>
+      <p:sp>
+        <p:nvSpPr>
+          <p:cNvPr id="4" name="Segnaposto numero diapositiva 3"/>
+          <p:cNvSpPr>
+            <a:spLocks noGrp="1"/>
+          </p:cNvSpPr>
+          <p:nvPr>
+            <p:ph type="sldNum" sz="quarter" idx="10"/>
+          </p:nvPr>
+        </p:nvSpPr>
+        <p:spPr/>
+        <p:txBody>
+          <a:bodyPr/>
+          <a:lstStyle/>
+          <a:p>
+            <a:fld id="{96986711-015B-0142-88C4-65D50E44FA77}" type="slidenum">
+              <a:rPr lang="it-IT" smtClean="0"/>
+              <a:pPr/>
+              <a:t>9</a:t>
+            </a:fld>
+            <a:endParaRPr lang="it-IT"/>
+          </a:p>
+        </p:txBody>
+      </p:sp>
+    </p:spTree>
+    <p:extLst>
+      <p:ext uri="{BB962C8B-B14F-4D97-AF65-F5344CB8AC3E}">
+        <p14:creationId xmlns:p14="http://schemas.microsoft.com/office/powerpoint/2010/main" val="1679731111"/>
       </p:ext>
     </p:extLst>
   </p:cSld>
@@ -7585,7 +7757,7 @@
         </p:nvSpPr>
         <p:spPr>
           <a:xfrm>
-            <a:off x="4062958" y="4454070"/>
+            <a:off x="4098470" y="4454070"/>
             <a:ext cx="960950" cy="307777"/>
           </a:xfrm>
           <a:prstGeom prst="rect">
@@ -7612,26 +7784,25 @@
       </p:sp>
       <p:cxnSp>
         <p:nvCxnSpPr>
-          <p:cNvPr id="5" name="Connettore a gomito 4">
+          <p:cNvPr id="6" name="Connettore 2 5">
             <a:extLst>
               <a:ext uri="{FF2B5EF4-FFF2-40B4-BE49-F238E27FC236}">
-                <a16:creationId xmlns:a16="http://schemas.microsoft.com/office/drawing/2014/main" id="{86D063A2-1359-4CB5-963F-22CC8E380155}"/>
+                <a16:creationId xmlns:a16="http://schemas.microsoft.com/office/drawing/2014/main" id="{FAC831A9-7A2F-44CA-813C-BE929082F9CF}"/>
               </a:ext>
             </a:extLst>
           </p:cNvPr>
           <p:cNvCxnSpPr>
-            <a:cxnSpLocks/>
             <a:stCxn id="23" idx="2"/>
             <a:endCxn id="25" idx="0"/>
           </p:cNvCxnSpPr>
           <p:nvPr/>
         </p:nvCxnSpPr>
         <p:spPr>
-          <a:xfrm rot="5400000">
-            <a:off x="4423534" y="4301350"/>
-            <a:ext cx="272619" cy="32820"/>
-          </a:xfrm>
-          <a:prstGeom prst="bentConnector3">
+          <a:xfrm>
+            <a:off x="4576253" y="4181451"/>
+            <a:ext cx="2692" cy="272619"/>
+          </a:xfrm>
+          <a:prstGeom prst="straightConnector1">
             <a:avLst/>
           </a:prstGeom>
           <a:ln>
@@ -9175,8 +9346,8 @@
           </a:prstGeom>
         </p:spPr>
       </p:pic>
-      <mc:AlternateContent xmlns:mc="http://schemas.openxmlformats.org/markup-compatibility/2006">
-        <mc:Choice xmlns:a14="http://schemas.microsoft.com/office/drawing/2010/main" Requires="a14">
+      <mc:AlternateContent xmlns:mc="http://schemas.openxmlformats.org/markup-compatibility/2006" xmlns:a14="http://schemas.microsoft.com/office/drawing/2010/main">
+        <mc:Choice Requires="a14">
           <p:sp>
             <p:nvSpPr>
               <p:cNvPr id="27" name="CasellaDiTesto 26">
@@ -9386,7 +9557,7 @@
             </p:txBody>
           </p:sp>
         </mc:Choice>
-        <mc:Fallback>
+        <mc:Fallback xmlns="">
           <p:sp>
             <p:nvSpPr>
               <p:cNvPr id="27" name="CasellaDiTesto 26">
@@ -9575,8 +9746,8 @@
           </a:prstGeom>
         </p:spPr>
       </p:pic>
-      <mc:AlternateContent xmlns:mc="http://schemas.openxmlformats.org/markup-compatibility/2006">
-        <mc:Choice xmlns:a14="http://schemas.microsoft.com/office/drawing/2010/main" Requires="a14">
+      <mc:AlternateContent xmlns:mc="http://schemas.openxmlformats.org/markup-compatibility/2006" xmlns:a14="http://schemas.microsoft.com/office/drawing/2010/main">
+        <mc:Choice Requires="a14">
           <p:sp>
             <p:nvSpPr>
               <p:cNvPr id="43" name="CasellaDiTesto 42">
@@ -9659,7 +9830,7 @@
             </p:txBody>
           </p:sp>
         </mc:Choice>
-        <mc:Fallback>
+        <mc:Fallback xmlns="">
           <p:sp>
             <p:nvSpPr>
               <p:cNvPr id="43" name="CasellaDiTesto 42">
@@ -9868,8 +10039,8 @@
           </a:p>
         </p:txBody>
       </p:sp>
-      <mc:AlternateContent xmlns:mc="http://schemas.openxmlformats.org/markup-compatibility/2006">
-        <mc:Choice xmlns:a14="http://schemas.microsoft.com/office/drawing/2010/main" Requires="a14">
+      <mc:AlternateContent xmlns:mc="http://schemas.openxmlformats.org/markup-compatibility/2006" xmlns:a14="http://schemas.microsoft.com/office/drawing/2010/main">
+        <mc:Choice Requires="a14">
           <p:sp>
             <p:nvSpPr>
               <p:cNvPr id="54" name="CasellaDiTesto 53">
@@ -9956,32 +10127,32 @@
                     <m:sSub>
                       <m:sSubPr>
                         <m:ctrlPr>
-                          <a:rPr lang="it-IT" sz="1400" i="1"/>
+                          <a:rPr lang="it-IT" sz="1400" i="1">
+                            <a:latin typeface="Cambria Math" panose="02040503050406030204" pitchFamily="18" charset="0"/>
+                          </a:rPr>
                         </m:ctrlPr>
                       </m:sSubPr>
                       <m:e>
                         <m:r>
-                          <a:rPr lang="it-IT" sz="1400" i="1"/>
+                          <a:rPr lang="it-IT" sz="1400" i="1">
+                            <a:latin typeface="Cambria Math" panose="02040503050406030204" pitchFamily="18" charset="0"/>
+                          </a:rPr>
                           <m:t>𝐷</m:t>
                         </m:r>
                       </m:e>
                       <m:sub>
                         <m:r>
-                          <a:rPr lang="it-IT" sz="1400" i="1"/>
-                          <m:t>𝑓</m:t>
-                        </m:r>
-                        <m:r>
-                          <a:rPr lang="it-IT" sz="1400" i="1"/>
-                          <m:t>,</m:t>
-                        </m:r>
-                        <m:r>
-                          <a:rPr lang="it-IT" sz="1400" i="1"/>
-                          <m:t>𝑝</m:t>
+                          <a:rPr lang="it-IT" sz="1400" i="1">
+                            <a:latin typeface="Cambria Math" panose="02040503050406030204" pitchFamily="18" charset="0"/>
+                          </a:rPr>
+                          <m:t>𝑓𝑝</m:t>
                         </m:r>
                       </m:sub>
                     </m:sSub>
                     <m:r>
-                      <a:rPr lang="it-IT" sz="1400" i="1"/>
+                      <a:rPr lang="it-IT" sz="1400" i="1">
+                        <a:latin typeface="Cambria Math" panose="02040503050406030204" pitchFamily="18" charset="0"/>
+                      </a:rPr>
                       <m:t>=</m:t>
                     </m:r>
                     <m:r>
@@ -10004,32 +10175,32 @@
                     <m:sSub>
                       <m:sSubPr>
                         <m:ctrlPr>
-                          <a:rPr lang="it-IT" sz="1400" i="1"/>
+                          <a:rPr lang="it-IT" sz="1400" i="1">
+                            <a:latin typeface="Cambria Math" panose="02040503050406030204" pitchFamily="18" charset="0"/>
+                          </a:rPr>
                         </m:ctrlPr>
                       </m:sSubPr>
                       <m:e>
                         <m:r>
-                          <a:rPr lang="it-IT" sz="1400" i="1"/>
+                          <a:rPr lang="it-IT" sz="1400" i="1">
+                            <a:latin typeface="Cambria Math" panose="02040503050406030204" pitchFamily="18" charset="0"/>
+                          </a:rPr>
                           <m:t>𝐷</m:t>
                         </m:r>
                       </m:e>
                       <m:sub>
                         <m:r>
-                          <a:rPr lang="it-IT" sz="1400" i="1"/>
-                          <m:t>𝑏</m:t>
-                        </m:r>
-                        <m:r>
-                          <a:rPr lang="it-IT" sz="1400" i="1"/>
-                          <m:t>,</m:t>
-                        </m:r>
-                        <m:r>
-                          <a:rPr lang="it-IT" sz="1400" i="1"/>
-                          <m:t>𝑝</m:t>
+                          <a:rPr lang="it-IT" sz="1400" i="1">
+                            <a:latin typeface="Cambria Math" panose="02040503050406030204" pitchFamily="18" charset="0"/>
+                          </a:rPr>
+                          <m:t>𝑏𝑝</m:t>
                         </m:r>
                       </m:sub>
                     </m:sSub>
                     <m:r>
-                      <a:rPr lang="it-IT" sz="1400" i="1"/>
+                      <a:rPr lang="it-IT" sz="1400" i="1">
+                        <a:latin typeface="Cambria Math" panose="02040503050406030204" pitchFamily="18" charset="0"/>
+                      </a:rPr>
                       <m:t>=0</m:t>
                     </m:r>
                   </m:oMath>
@@ -10042,7 +10213,7 @@
             </p:txBody>
           </p:sp>
         </mc:Choice>
-        <mc:Fallback>
+        <mc:Fallback xmlns="">
           <p:sp>
             <p:nvSpPr>
               <p:cNvPr id="54" name="CasellaDiTesto 53">
@@ -10143,6 +10314,2146 @@
 </p:sld>
 </file>
 
+<file path=ppt/slides/slide8.xml><?xml version="1.0" encoding="utf-8"?>
+<p:sld xmlns:a="http://schemas.openxmlformats.org/drawingml/2006/main" xmlns:r="http://schemas.openxmlformats.org/officeDocument/2006/relationships" xmlns:p="http://schemas.openxmlformats.org/presentationml/2006/main">
+  <p:cSld>
+    <p:spTree>
+      <p:nvGrpSpPr>
+        <p:cNvPr id="1" name=""/>
+        <p:cNvGrpSpPr/>
+        <p:nvPr/>
+      </p:nvGrpSpPr>
+      <p:grpSpPr>
+        <a:xfrm>
+          <a:off x="0" y="0"/>
+          <a:ext cx="0" cy="0"/>
+          <a:chOff x="0" y="0"/>
+          <a:chExt cx="0" cy="0"/>
+        </a:xfrm>
+      </p:grpSpPr>
+      <p:pic>
+        <p:nvPicPr>
+          <p:cNvPr id="2" name="Immagine 1"/>
+          <p:cNvPicPr>
+            <a:picLocks noChangeAspect="1"/>
+          </p:cNvPicPr>
+          <p:nvPr/>
+        </p:nvPicPr>
+        <p:blipFill>
+          <a:blip r:embed="rId5"/>
+          <a:stretch>
+            <a:fillRect/>
+          </a:stretch>
+        </p:blipFill>
+        <p:spPr>
+          <a:xfrm>
+            <a:off x="-1" y="3123"/>
+            <a:ext cx="9143817" cy="6872495"/>
+          </a:xfrm>
+          <a:prstGeom prst="rect">
+            <a:avLst/>
+          </a:prstGeom>
+        </p:spPr>
+      </p:pic>
+      <p:sp>
+        <p:nvSpPr>
+          <p:cNvPr id="7" name="CasellaDiTesto 6"/>
+          <p:cNvSpPr txBox="1"/>
+          <p:nvPr/>
+        </p:nvSpPr>
+        <p:spPr>
+          <a:xfrm>
+            <a:off x="9061" y="649703"/>
+            <a:ext cx="9143080" cy="461665"/>
+          </a:xfrm>
+          <a:prstGeom prst="rect">
+            <a:avLst/>
+          </a:prstGeom>
+          <a:noFill/>
+        </p:spPr>
+        <p:txBody>
+          <a:bodyPr wrap="square" rtlCol="0">
+            <a:spAutoFit/>
+          </a:bodyPr>
+          <a:lstStyle/>
+          <a:p>
+            <a:r>
+              <a:rPr lang="it-IT" sz="2400" b="1" dirty="0">
+                <a:solidFill>
+                  <a:schemeClr val="accent1">
+                    <a:lumMod val="75000"/>
+                  </a:schemeClr>
+                </a:solidFill>
+                <a:latin typeface="Arial"/>
+                <a:cs typeface="Arial"/>
+              </a:rPr>
+              <a:t>Algoritmo per il problema degli alberi basati sulla distanza</a:t>
+            </a:r>
+          </a:p>
+        </p:txBody>
+      </p:sp>
+      <p:sp>
+        <p:nvSpPr>
+          <p:cNvPr id="12" name="Rettangolo 11"/>
+          <p:cNvSpPr/>
+          <p:nvPr/>
+        </p:nvSpPr>
+        <p:spPr>
+          <a:xfrm>
+            <a:off x="8255000" y="6366466"/>
+            <a:ext cx="280763" cy="501650"/>
+          </a:xfrm>
+          <a:prstGeom prst="rect">
+            <a:avLst/>
+          </a:prstGeom>
+          <a:solidFill>
+            <a:srgbClr val="003053"/>
+          </a:solidFill>
+        </p:spPr>
+        <p:style>
+          <a:lnRef idx="1">
+            <a:schemeClr val="accent1"/>
+          </a:lnRef>
+          <a:fillRef idx="3">
+            <a:schemeClr val="accent1"/>
+          </a:fillRef>
+          <a:effectRef idx="2">
+            <a:schemeClr val="accent1"/>
+          </a:effectRef>
+          <a:fontRef idx="minor">
+            <a:schemeClr val="lt1"/>
+          </a:fontRef>
+        </p:style>
+        <p:txBody>
+          <a:bodyPr rtlCol="0" anchor="ctr"/>
+          <a:lstStyle/>
+          <a:p>
+            <a:pPr algn="ctr"/>
+            <a:endParaRPr lang="it-IT">
+              <a:solidFill>
+                <a:srgbClr val="003257"/>
+              </a:solidFill>
+            </a:endParaRPr>
+          </a:p>
+        </p:txBody>
+      </p:sp>
+      <p:sp>
+        <p:nvSpPr>
+          <p:cNvPr id="11" name="Segnaposto numero diapositiva 10"/>
+          <p:cNvSpPr>
+            <a:spLocks noGrp="1"/>
+          </p:cNvSpPr>
+          <p:nvPr>
+            <p:ph type="sldNum" sz="quarter" idx="12"/>
+          </p:nvPr>
+        </p:nvSpPr>
+        <p:spPr>
+          <a:xfrm>
+            <a:off x="6402163" y="6356350"/>
+            <a:ext cx="2133600" cy="365125"/>
+          </a:xfrm>
+        </p:spPr>
+        <p:txBody>
+          <a:bodyPr/>
+          <a:lstStyle/>
+          <a:p>
+            <a:fld id="{8EB8520A-26EA-DE4B-B141-4532FC98FF0E}" type="slidenum">
+              <a:rPr lang="it-IT" b="1" smtClean="0">
+                <a:solidFill>
+                  <a:schemeClr val="bg1"/>
+                </a:solidFill>
+                <a:latin typeface="Arial"/>
+                <a:cs typeface="Arial"/>
+              </a:rPr>
+              <a:pPr/>
+              <a:t>8</a:t>
+            </a:fld>
+            <a:endParaRPr lang="it-IT" b="1" dirty="0">
+              <a:solidFill>
+                <a:schemeClr val="bg1"/>
+              </a:solidFill>
+              <a:latin typeface="Arial"/>
+              <a:cs typeface="Arial"/>
+            </a:endParaRPr>
+          </a:p>
+        </p:txBody>
+      </p:sp>
+      <p:sp>
+        <p:nvSpPr>
+          <p:cNvPr id="10" name="CasellaDiTesto 9"/>
+          <p:cNvSpPr txBox="1"/>
+          <p:nvPr/>
+        </p:nvSpPr>
+        <p:spPr>
+          <a:xfrm>
+            <a:off x="5735951" y="51433"/>
+            <a:ext cx="2957862" cy="215444"/>
+          </a:xfrm>
+          <a:prstGeom prst="rect">
+            <a:avLst/>
+          </a:prstGeom>
+          <a:noFill/>
+        </p:spPr>
+        <p:txBody>
+          <a:bodyPr wrap="none" rtlCol="0">
+            <a:spAutoFit/>
+          </a:bodyPr>
+          <a:lstStyle/>
+          <a:p>
+            <a:pPr algn="r"/>
+            <a:r>
+              <a:rPr lang="it-IT" sz="800" b="1" dirty="0">
+                <a:solidFill>
+                  <a:schemeClr val="bg1"/>
+                </a:solidFill>
+                <a:latin typeface="Arial"/>
+                <a:cs typeface="Arial"/>
+              </a:rPr>
+              <a:t>Applicazioni dell’algoritmica alla biologia: alberi evolutivi</a:t>
+            </a:r>
+          </a:p>
+        </p:txBody>
+      </p:sp>
+      <p:sp>
+        <p:nvSpPr>
+          <p:cNvPr id="14" name="CasellaDiTesto 13"/>
+          <p:cNvSpPr txBox="1"/>
+          <p:nvPr/>
+        </p:nvSpPr>
+        <p:spPr>
+          <a:xfrm>
+            <a:off x="7082015" y="403482"/>
+            <a:ext cx="1621846" cy="492443"/>
+          </a:xfrm>
+          <a:prstGeom prst="rect">
+            <a:avLst/>
+          </a:prstGeom>
+          <a:noFill/>
+        </p:spPr>
+        <p:txBody>
+          <a:bodyPr wrap="none" rtlCol="0">
+            <a:spAutoFit/>
+          </a:bodyPr>
+          <a:lstStyle/>
+          <a:p>
+            <a:pPr algn="r"/>
+            <a:r>
+              <a:rPr lang="it-IT" sz="800" dirty="0">
+                <a:solidFill>
+                  <a:schemeClr val="bg1"/>
+                </a:solidFill>
+                <a:latin typeface="Arial"/>
+                <a:cs typeface="Arial"/>
+              </a:rPr>
+              <a:t>Firenze, 12 luglio 2019</a:t>
+            </a:r>
+          </a:p>
+          <a:p>
+            <a:endParaRPr lang="it-IT" dirty="0"/>
+          </a:p>
+        </p:txBody>
+      </p:sp>
+      <p:sp>
+        <p:nvSpPr>
+          <p:cNvPr id="53" name="CasellaDiTesto 52">
+            <a:extLst>
+              <a:ext uri="{FF2B5EF4-FFF2-40B4-BE49-F238E27FC236}">
+                <a16:creationId xmlns:a16="http://schemas.microsoft.com/office/drawing/2014/main" id="{C4172192-17B0-4035-AFD1-CBC8BDE7E4CD}"/>
+              </a:ext>
+            </a:extLst>
+          </p:cNvPr>
+          <p:cNvSpPr txBox="1"/>
+          <p:nvPr/>
+        </p:nvSpPr>
+        <p:spPr>
+          <a:xfrm>
+            <a:off x="9062" y="1077183"/>
+            <a:ext cx="1082892" cy="369332"/>
+          </a:xfrm>
+          <a:prstGeom prst="rect">
+            <a:avLst/>
+          </a:prstGeom>
+          <a:noFill/>
+        </p:spPr>
+        <p:txBody>
+          <a:bodyPr wrap="square" rtlCol="0">
+            <a:spAutoFit/>
+          </a:bodyPr>
+          <a:lstStyle/>
+          <a:p>
+            <a:r>
+              <a:rPr lang="it-IT" i="1" dirty="0">
+                <a:latin typeface="Arial"/>
+                <a:cs typeface="Arial"/>
+              </a:rPr>
+              <a:t>Parte 2</a:t>
+            </a:r>
+          </a:p>
+        </p:txBody>
+      </p:sp>
+      <p:pic>
+        <p:nvPicPr>
+          <p:cNvPr id="5" name="Immagine 4">
+            <a:extLst>
+              <a:ext uri="{FF2B5EF4-FFF2-40B4-BE49-F238E27FC236}">
+                <a16:creationId xmlns:a16="http://schemas.microsoft.com/office/drawing/2014/main" id="{D89E122D-89D4-4694-ABB4-927AAD839CC1}"/>
+              </a:ext>
+            </a:extLst>
+          </p:cNvPr>
+          <p:cNvPicPr>
+            <a:picLocks noChangeAspect="1"/>
+          </p:cNvPicPr>
+          <p:nvPr>
+            <p:custDataLst>
+              <p:tags r:id="rId1"/>
+            </p:custDataLst>
+          </p:nvPr>
+        </p:nvPicPr>
+        <p:blipFill>
+          <a:blip r:embed="rId6"/>
+          <a:stretch>
+            <a:fillRect/>
+          </a:stretch>
+        </p:blipFill>
+        <p:spPr>
+          <a:xfrm>
+            <a:off x="31251" y="1932191"/>
+            <a:ext cx="1762033" cy="180696"/>
+          </a:xfrm>
+          <a:prstGeom prst="rect">
+            <a:avLst/>
+          </a:prstGeom>
+        </p:spPr>
+      </p:pic>
+      <p:pic>
+        <p:nvPicPr>
+          <p:cNvPr id="8" name="Immagine 7">
+            <a:extLst>
+              <a:ext uri="{FF2B5EF4-FFF2-40B4-BE49-F238E27FC236}">
+                <a16:creationId xmlns:a16="http://schemas.microsoft.com/office/drawing/2014/main" id="{37EB7A15-BD67-4EB6-A082-990A54B8FE2A}"/>
+              </a:ext>
+            </a:extLst>
+          </p:cNvPr>
+          <p:cNvPicPr>
+            <a:picLocks noChangeAspect="1"/>
+          </p:cNvPicPr>
+          <p:nvPr>
+            <p:custDataLst>
+              <p:tags r:id="rId2"/>
+            </p:custDataLst>
+          </p:nvPr>
+        </p:nvPicPr>
+        <p:blipFill>
+          <a:blip r:embed="rId7"/>
+          <a:stretch>
+            <a:fillRect/>
+          </a:stretch>
+        </p:blipFill>
+        <p:spPr>
+          <a:xfrm>
+            <a:off x="31250" y="2300254"/>
+            <a:ext cx="1762033" cy="180696"/>
+          </a:xfrm>
+          <a:prstGeom prst="rect">
+            <a:avLst/>
+          </a:prstGeom>
+        </p:spPr>
+      </p:pic>
+      <p:pic>
+        <p:nvPicPr>
+          <p:cNvPr id="9" name="Immagine 8">
+            <a:extLst>
+              <a:ext uri="{FF2B5EF4-FFF2-40B4-BE49-F238E27FC236}">
+                <a16:creationId xmlns:a16="http://schemas.microsoft.com/office/drawing/2014/main" id="{E33E2BF3-9AF7-4FAE-8D38-E36F2FC8DC30}"/>
+              </a:ext>
+            </a:extLst>
+          </p:cNvPr>
+          <p:cNvPicPr>
+            <a:picLocks noChangeAspect="1"/>
+          </p:cNvPicPr>
+          <p:nvPr/>
+        </p:nvPicPr>
+        <p:blipFill rotWithShape="1">
+          <a:blip r:embed="rId8"/>
+          <a:srcRect l="2139" t="2399" r="1914"/>
+          <a:stretch/>
+        </p:blipFill>
+        <p:spPr>
+          <a:xfrm>
+            <a:off x="2668323" y="1288923"/>
+            <a:ext cx="2347461" cy="1944210"/>
+          </a:xfrm>
+          <a:prstGeom prst="rect">
+            <a:avLst/>
+          </a:prstGeom>
+        </p:spPr>
+      </p:pic>
+      <p:sp>
+        <p:nvSpPr>
+          <p:cNvPr id="13" name="Freccia a destra 12">
+            <a:extLst>
+              <a:ext uri="{FF2B5EF4-FFF2-40B4-BE49-F238E27FC236}">
+                <a16:creationId xmlns:a16="http://schemas.microsoft.com/office/drawing/2014/main" id="{66FE646E-E901-45FC-875E-80976316D199}"/>
+              </a:ext>
+            </a:extLst>
+          </p:cNvPr>
+          <p:cNvSpPr/>
+          <p:nvPr/>
+        </p:nvSpPr>
+        <p:spPr>
+          <a:xfrm>
+            <a:off x="1957704" y="2067371"/>
+            <a:ext cx="607938" cy="180696"/>
+          </a:xfrm>
+          <a:prstGeom prst="rightArrow">
+            <a:avLst/>
+          </a:prstGeom>
+        </p:spPr>
+        <p:style>
+          <a:lnRef idx="1">
+            <a:schemeClr val="accent1"/>
+          </a:lnRef>
+          <a:fillRef idx="3">
+            <a:schemeClr val="accent1"/>
+          </a:fillRef>
+          <a:effectRef idx="2">
+            <a:schemeClr val="accent1"/>
+          </a:effectRef>
+          <a:fontRef idx="minor">
+            <a:schemeClr val="lt1"/>
+          </a:fontRef>
+        </p:style>
+        <p:txBody>
+          <a:bodyPr rtlCol="0" anchor="ctr"/>
+          <a:lstStyle/>
+          <a:p>
+            <a:pPr algn="ctr"/>
+            <a:endParaRPr lang="it-IT"/>
+          </a:p>
+        </p:txBody>
+      </p:sp>
+      <mc:AlternateContent xmlns:mc="http://schemas.openxmlformats.org/markup-compatibility/2006">
+        <mc:Choice xmlns:a14="http://schemas.microsoft.com/office/drawing/2010/main" Requires="a14">
+          <p:sp>
+            <p:nvSpPr>
+              <p:cNvPr id="33" name="CasellaDiTesto 32">
+                <a:extLst>
+                  <a:ext uri="{FF2B5EF4-FFF2-40B4-BE49-F238E27FC236}">
+                    <a16:creationId xmlns:a16="http://schemas.microsoft.com/office/drawing/2014/main" id="{CECB0DEF-8312-4D52-8544-7AC2C7912E3D}"/>
+                  </a:ext>
+                </a:extLst>
+              </p:cNvPr>
+              <p:cNvSpPr txBox="1"/>
+              <p:nvPr/>
+            </p:nvSpPr>
+            <p:spPr>
+              <a:xfrm>
+                <a:off x="6592153" y="1174564"/>
+                <a:ext cx="2347460" cy="738664"/>
+              </a:xfrm>
+              <a:prstGeom prst="rect">
+                <a:avLst/>
+              </a:prstGeom>
+              <a:noFill/>
+            </p:spPr>
+            <p:txBody>
+              <a:bodyPr wrap="square" rtlCol="0">
+                <a:spAutoFit/>
+              </a:bodyPr>
+              <a:lstStyle/>
+              <a:p>
+                <a:pPr algn="ctr"/>
+                <a:r>
+                  <a:rPr lang="it-IT" sz="1400" dirty="0">
+                    <a:latin typeface="Arial" panose="020B0604020202020204" pitchFamily="34" charset="0"/>
+                    <a:cs typeface="Arial" panose="020B0604020202020204" pitchFamily="34" charset="0"/>
+                  </a:rPr>
+                  <a:t>Aggiorniamo </a:t>
+                </a:r>
+                <a14:m>
+                  <m:oMath xmlns:m="http://schemas.openxmlformats.org/officeDocument/2006/math">
+                    <m:r>
+                      <a:rPr lang="it-IT" sz="1400" b="0" i="1" smtClean="0">
+                        <a:latin typeface="Cambria Math" panose="02040503050406030204" pitchFamily="18" charset="0"/>
+                        <a:cs typeface="Arial" panose="020B0604020202020204" pitchFamily="34" charset="0"/>
+                      </a:rPr>
+                      <m:t>𝐷</m:t>
+                    </m:r>
+                  </m:oMath>
+                </a14:m>
+                <a:r>
+                  <a:rPr lang="it-IT" sz="1400" dirty="0">
+                    <a:latin typeface="Arial" panose="020B0604020202020204" pitchFamily="34" charset="0"/>
+                    <a:cs typeface="Arial" panose="020B0604020202020204" pitchFamily="34" charset="0"/>
+                  </a:rPr>
+                  <a:t>: si elimina </a:t>
+                </a:r>
+                <a14:m>
+                  <m:oMath xmlns:m="http://schemas.openxmlformats.org/officeDocument/2006/math">
+                    <m:r>
+                      <a:rPr lang="it-IT" sz="1400" b="0" i="1" smtClean="0">
+                        <a:latin typeface="Cambria Math" panose="02040503050406030204" pitchFamily="18" charset="0"/>
+                        <a:cs typeface="Arial" panose="020B0604020202020204" pitchFamily="34" charset="0"/>
+                      </a:rPr>
+                      <m:t>𝑓</m:t>
+                    </m:r>
+                  </m:oMath>
+                </a14:m>
+                <a:r>
+                  <a:rPr lang="it-IT" sz="1400" dirty="0">
+                    <a:latin typeface="Arial" panose="020B0604020202020204" pitchFamily="34" charset="0"/>
+                    <a:cs typeface="Arial" panose="020B0604020202020204" pitchFamily="34" charset="0"/>
+                  </a:rPr>
+                  <a:t> e </a:t>
+                </a:r>
+                <a14:m>
+                  <m:oMath xmlns:m="http://schemas.openxmlformats.org/officeDocument/2006/math">
+                    <m:r>
+                      <a:rPr lang="it-IT" sz="1400" b="0" i="1" smtClean="0">
+                        <a:latin typeface="Cambria Math" panose="02040503050406030204" pitchFamily="18" charset="0"/>
+                        <a:cs typeface="Arial" panose="020B0604020202020204" pitchFamily="34" charset="0"/>
+                      </a:rPr>
+                      <m:t>𝑏</m:t>
+                    </m:r>
+                  </m:oMath>
+                </a14:m>
+                <a:r>
+                  <a:rPr lang="it-IT" sz="1400" dirty="0">
+                    <a:latin typeface="Arial" panose="020B0604020202020204" pitchFamily="34" charset="0"/>
+                    <a:cs typeface="Arial" panose="020B0604020202020204" pitchFamily="34" charset="0"/>
+                  </a:rPr>
+                  <a:t> ed al loro posto si inserisce</a:t>
+                </a:r>
+                <a:r>
+                  <a:rPr lang="it-IT" sz="1400" i="1" dirty="0">
+                    <a:latin typeface="Arial" panose="020B0604020202020204" pitchFamily="34" charset="0"/>
+                    <a:cs typeface="Arial" panose="020B0604020202020204" pitchFamily="34" charset="0"/>
+                  </a:rPr>
+                  <a:t> </a:t>
+                </a:r>
+                <a14:m>
+                  <m:oMath xmlns:m="http://schemas.openxmlformats.org/officeDocument/2006/math">
+                    <m:r>
+                      <a:rPr lang="it-IT" sz="1400" b="0" i="1" smtClean="0">
+                        <a:latin typeface="Cambria Math" panose="02040503050406030204" pitchFamily="18" charset="0"/>
+                        <a:cs typeface="Arial" panose="020B0604020202020204" pitchFamily="34" charset="0"/>
+                      </a:rPr>
+                      <m:t>𝑝</m:t>
+                    </m:r>
+                    <m:r>
+                      <a:rPr lang="it-IT" sz="1400" b="0" i="0" smtClean="0">
+                        <a:latin typeface="Cambria Math" panose="02040503050406030204" pitchFamily="18" charset="0"/>
+                        <a:cs typeface="Arial" panose="020B0604020202020204" pitchFamily="34" charset="0"/>
+                      </a:rPr>
+                      <m:t>.</m:t>
+                    </m:r>
+                  </m:oMath>
+                </a14:m>
+                <a:endParaRPr lang="it-IT" sz="1400" dirty="0">
+                  <a:latin typeface="Arial" panose="020B0604020202020204" pitchFamily="34" charset="0"/>
+                  <a:cs typeface="Arial" panose="020B0604020202020204" pitchFamily="34" charset="0"/>
+                </a:endParaRPr>
+              </a:p>
+            </p:txBody>
+          </p:sp>
+        </mc:Choice>
+        <mc:Fallback>
+          <p:sp>
+            <p:nvSpPr>
+              <p:cNvPr id="33" name="CasellaDiTesto 32">
+                <a:extLst>
+                  <a:ext uri="{FF2B5EF4-FFF2-40B4-BE49-F238E27FC236}">
+                    <a16:creationId xmlns:a16="http://schemas.microsoft.com/office/drawing/2014/main" id="{CECB0DEF-8312-4D52-8544-7AC2C7912E3D}"/>
+                  </a:ext>
+                </a:extLst>
+              </p:cNvPr>
+              <p:cNvSpPr txBox="1">
+                <a:spLocks noRot="1" noChangeAspect="1" noMove="1" noResize="1" noEditPoints="1" noAdjustHandles="1" noChangeArrowheads="1" noChangeShapeType="1" noTextEdit="1"/>
+              </p:cNvSpPr>
+              <p:nvPr/>
+            </p:nvSpPr>
+            <p:spPr>
+              <a:xfrm>
+                <a:off x="6592153" y="1174564"/>
+                <a:ext cx="2347460" cy="738664"/>
+              </a:xfrm>
+              <a:prstGeom prst="rect">
+                <a:avLst/>
+              </a:prstGeom>
+              <a:blipFill>
+                <a:blip r:embed="rId9"/>
+                <a:stretch>
+                  <a:fillRect t="-1653" b="-7438"/>
+                </a:stretch>
+              </a:blipFill>
+            </p:spPr>
+            <p:txBody>
+              <a:bodyPr/>
+              <a:lstStyle/>
+              <a:p>
+                <a:r>
+                  <a:rPr lang="it-IT">
+                    <a:noFill/>
+                  </a:rPr>
+                  <a:t> </a:t>
+                </a:r>
+              </a:p>
+            </p:txBody>
+          </p:sp>
+        </mc:Fallback>
+      </mc:AlternateContent>
+      <p:pic>
+        <p:nvPicPr>
+          <p:cNvPr id="15" name="Immagine 14">
+            <a:extLst>
+              <a:ext uri="{FF2B5EF4-FFF2-40B4-BE49-F238E27FC236}">
+                <a16:creationId xmlns:a16="http://schemas.microsoft.com/office/drawing/2014/main" id="{050A282F-7FC5-4178-962D-2EA66E99AEF5}"/>
+              </a:ext>
+            </a:extLst>
+          </p:cNvPr>
+          <p:cNvPicPr>
+            <a:picLocks noChangeAspect="1"/>
+          </p:cNvPicPr>
+          <p:nvPr/>
+        </p:nvPicPr>
+        <p:blipFill>
+          <a:blip r:embed="rId10"/>
+          <a:stretch>
+            <a:fillRect/>
+          </a:stretch>
+        </p:blipFill>
+        <p:spPr>
+          <a:xfrm>
+            <a:off x="6317968" y="2067371"/>
+            <a:ext cx="2479003" cy="1153236"/>
+          </a:xfrm>
+          <a:prstGeom prst="rect">
+            <a:avLst/>
+          </a:prstGeom>
+        </p:spPr>
+      </p:pic>
+      <p:cxnSp>
+        <p:nvCxnSpPr>
+          <p:cNvPr id="21" name="Connettore a gomito 20">
+            <a:extLst>
+              <a:ext uri="{FF2B5EF4-FFF2-40B4-BE49-F238E27FC236}">
+                <a16:creationId xmlns:a16="http://schemas.microsoft.com/office/drawing/2014/main" id="{E2D06914-DA81-4F97-9F25-85FD3700F126}"/>
+              </a:ext>
+            </a:extLst>
+          </p:cNvPr>
+          <p:cNvCxnSpPr>
+            <a:cxnSpLocks/>
+            <a:stCxn id="9" idx="3"/>
+            <a:endCxn id="33" idx="1"/>
+          </p:cNvCxnSpPr>
+          <p:nvPr/>
+        </p:nvCxnSpPr>
+        <p:spPr>
+          <a:xfrm flipV="1">
+            <a:off x="5015784" y="1543896"/>
+            <a:ext cx="1576369" cy="717132"/>
+          </a:xfrm>
+          <a:prstGeom prst="bentConnector3">
+            <a:avLst>
+              <a:gd name="adj1" fmla="val 50000"/>
+            </a:avLst>
+          </a:prstGeom>
+          <a:ln>
+            <a:tailEnd type="triangle"/>
+          </a:ln>
+        </p:spPr>
+        <p:style>
+          <a:lnRef idx="2">
+            <a:schemeClr val="accent1"/>
+          </a:lnRef>
+          <a:fillRef idx="0">
+            <a:schemeClr val="accent1"/>
+          </a:fillRef>
+          <a:effectRef idx="1">
+            <a:schemeClr val="accent1"/>
+          </a:effectRef>
+          <a:fontRef idx="minor">
+            <a:schemeClr val="tx1"/>
+          </a:fontRef>
+        </p:style>
+      </p:cxnSp>
+      <p:cxnSp>
+        <p:nvCxnSpPr>
+          <p:cNvPr id="29" name="Connettore 2 28">
+            <a:extLst>
+              <a:ext uri="{FF2B5EF4-FFF2-40B4-BE49-F238E27FC236}">
+                <a16:creationId xmlns:a16="http://schemas.microsoft.com/office/drawing/2014/main" id="{F184F795-A184-4800-A9F3-A9FE340FCA10}"/>
+              </a:ext>
+            </a:extLst>
+          </p:cNvPr>
+          <p:cNvCxnSpPr>
+            <a:cxnSpLocks/>
+          </p:cNvCxnSpPr>
+          <p:nvPr/>
+        </p:nvCxnSpPr>
+        <p:spPr>
+          <a:xfrm>
+            <a:off x="7765883" y="1895472"/>
+            <a:ext cx="0" cy="181236"/>
+          </a:xfrm>
+          <a:prstGeom prst="straightConnector1">
+            <a:avLst/>
+          </a:prstGeom>
+          <a:ln>
+            <a:tailEnd type="triangle"/>
+          </a:ln>
+        </p:spPr>
+        <p:style>
+          <a:lnRef idx="2">
+            <a:schemeClr val="accent1"/>
+          </a:lnRef>
+          <a:fillRef idx="0">
+            <a:schemeClr val="accent1"/>
+          </a:fillRef>
+          <a:effectRef idx="1">
+            <a:schemeClr val="accent1"/>
+          </a:effectRef>
+          <a:fontRef idx="minor">
+            <a:schemeClr val="tx1"/>
+          </a:fontRef>
+        </p:style>
+      </p:cxnSp>
+      <mc:AlternateContent xmlns:mc="http://schemas.openxmlformats.org/markup-compatibility/2006">
+        <mc:Choice xmlns:a14="http://schemas.microsoft.com/office/drawing/2010/main" Requires="a14">
+          <p:sp>
+            <p:nvSpPr>
+              <p:cNvPr id="17" name="CasellaDiTesto 16">
+                <a:extLst>
+                  <a:ext uri="{FF2B5EF4-FFF2-40B4-BE49-F238E27FC236}">
+                    <a16:creationId xmlns:a16="http://schemas.microsoft.com/office/drawing/2014/main" id="{F781D90B-D53C-4926-A116-6CA1C8023A6A}"/>
+                  </a:ext>
+                </a:extLst>
+              </p:cNvPr>
+              <p:cNvSpPr txBox="1"/>
+              <p:nvPr/>
+            </p:nvSpPr>
+            <p:spPr>
+              <a:xfrm>
+                <a:off x="6107837" y="4419146"/>
+                <a:ext cx="2958831" cy="954107"/>
+              </a:xfrm>
+              <a:prstGeom prst="rect">
+                <a:avLst/>
+              </a:prstGeom>
+              <a:noFill/>
+            </p:spPr>
+            <p:txBody>
+              <a:bodyPr wrap="square" rtlCol="0">
+                <a:spAutoFit/>
+              </a:bodyPr>
+              <a:lstStyle/>
+              <a:p>
+                <a:pPr algn="ctr"/>
+                <a:r>
+                  <a:rPr lang="it-IT" sz="1400" dirty="0">
+                    <a:latin typeface="Arial" panose="020B0604020202020204" pitchFamily="34" charset="0"/>
+                    <a:cs typeface="Arial" panose="020B0604020202020204" pitchFamily="34" charset="0"/>
+                  </a:rPr>
+                  <a:t>Il genitore di </a:t>
+                </a:r>
+                <a14:m>
+                  <m:oMath xmlns:m="http://schemas.openxmlformats.org/officeDocument/2006/math">
+                    <m:r>
+                      <a:rPr lang="it-IT" sz="1400" b="0" i="1" smtClean="0">
+                        <a:latin typeface="Cambria Math" panose="02040503050406030204" pitchFamily="18" charset="0"/>
+                        <a:cs typeface="Arial" panose="020B0604020202020204" pitchFamily="34" charset="0"/>
+                      </a:rPr>
+                      <m:t>𝑢</m:t>
+                    </m:r>
+                  </m:oMath>
+                </a14:m>
+                <a:r>
+                  <a:rPr lang="it-IT" sz="1400" dirty="0">
+                    <a:latin typeface="Arial" panose="020B0604020202020204" pitchFamily="34" charset="0"/>
+                    <a:cs typeface="Arial" panose="020B0604020202020204" pitchFamily="34" charset="0"/>
+                  </a:rPr>
+                  <a:t> e </a:t>
+                </a:r>
+                <a14:m>
+                  <m:oMath xmlns:m="http://schemas.openxmlformats.org/officeDocument/2006/math">
+                    <m:r>
+                      <a:rPr lang="it-IT" sz="1400" b="0" i="1" smtClean="0">
+                        <a:latin typeface="Cambria Math" panose="02040503050406030204" pitchFamily="18" charset="0"/>
+                        <a:cs typeface="Arial" panose="020B0604020202020204" pitchFamily="34" charset="0"/>
+                      </a:rPr>
+                      <m:t>𝑠</m:t>
+                    </m:r>
+                  </m:oMath>
+                </a14:m>
+                <a:r>
+                  <a:rPr lang="it-IT" sz="1400" dirty="0">
+                    <a:latin typeface="Arial" panose="020B0604020202020204" pitchFamily="34" charset="0"/>
+                    <a:cs typeface="Arial" panose="020B0604020202020204" pitchFamily="34" charset="0"/>
+                  </a:rPr>
+                  <a:t>? Si sceglie un generico nodo interno </a:t>
+                </a:r>
+                <a14:m>
+                  <m:oMath xmlns:m="http://schemas.openxmlformats.org/officeDocument/2006/math">
+                    <m:r>
+                      <a:rPr lang="it-IT" sz="1400" b="0" i="1" smtClean="0">
+                        <a:latin typeface="Cambria Math" panose="02040503050406030204" pitchFamily="18" charset="0"/>
+                        <a:cs typeface="Arial" panose="020B0604020202020204" pitchFamily="34" charset="0"/>
+                      </a:rPr>
+                      <m:t>𝑘</m:t>
+                    </m:r>
+                  </m:oMath>
+                </a14:m>
+                <a:r>
+                  <a:rPr lang="it-IT" sz="1400" dirty="0">
+                    <a:latin typeface="Arial" panose="020B0604020202020204" pitchFamily="34" charset="0"/>
+                    <a:cs typeface="Arial" panose="020B0604020202020204" pitchFamily="34" charset="0"/>
+                  </a:rPr>
+                  <a:t> e si applicano ricorsivamente gli step precedenti</a:t>
+                </a:r>
+              </a:p>
+            </p:txBody>
+          </p:sp>
+        </mc:Choice>
+        <mc:Fallback>
+          <p:sp>
+            <p:nvSpPr>
+              <p:cNvPr id="17" name="CasellaDiTesto 16">
+                <a:extLst>
+                  <a:ext uri="{FF2B5EF4-FFF2-40B4-BE49-F238E27FC236}">
+                    <a16:creationId xmlns:a16="http://schemas.microsoft.com/office/drawing/2014/main" id="{F781D90B-D53C-4926-A116-6CA1C8023A6A}"/>
+                  </a:ext>
+                </a:extLst>
+              </p:cNvPr>
+              <p:cNvSpPr txBox="1">
+                <a:spLocks noRot="1" noChangeAspect="1" noMove="1" noResize="1" noEditPoints="1" noAdjustHandles="1" noChangeArrowheads="1" noChangeShapeType="1" noTextEdit="1"/>
+              </p:cNvSpPr>
+              <p:nvPr/>
+            </p:nvSpPr>
+            <p:spPr>
+              <a:xfrm>
+                <a:off x="6107837" y="4419146"/>
+                <a:ext cx="2958831" cy="954107"/>
+              </a:xfrm>
+              <a:prstGeom prst="rect">
+                <a:avLst/>
+              </a:prstGeom>
+              <a:blipFill>
+                <a:blip r:embed="rId11"/>
+                <a:stretch>
+                  <a:fillRect t="-1282" b="-5769"/>
+                </a:stretch>
+              </a:blipFill>
+            </p:spPr>
+            <p:txBody>
+              <a:bodyPr/>
+              <a:lstStyle/>
+              <a:p>
+                <a:r>
+                  <a:rPr lang="it-IT">
+                    <a:noFill/>
+                  </a:rPr>
+                  <a:t> </a:t>
+                </a:r>
+              </a:p>
+            </p:txBody>
+          </p:sp>
+        </mc:Fallback>
+      </mc:AlternateContent>
+      <p:cxnSp>
+        <p:nvCxnSpPr>
+          <p:cNvPr id="4" name="Connettore 2 3">
+            <a:extLst>
+              <a:ext uri="{FF2B5EF4-FFF2-40B4-BE49-F238E27FC236}">
+                <a16:creationId xmlns:a16="http://schemas.microsoft.com/office/drawing/2014/main" id="{EEDD66CC-C988-4A89-8B61-2125BC170A31}"/>
+              </a:ext>
+            </a:extLst>
+          </p:cNvPr>
+          <p:cNvCxnSpPr>
+            <a:cxnSpLocks/>
+            <a:stCxn id="15" idx="2"/>
+            <a:endCxn id="17" idx="0"/>
+          </p:cNvCxnSpPr>
+          <p:nvPr/>
+        </p:nvCxnSpPr>
+        <p:spPr>
+          <a:xfrm>
+            <a:off x="7557470" y="3220607"/>
+            <a:ext cx="29783" cy="1198539"/>
+          </a:xfrm>
+          <a:prstGeom prst="straightConnector1">
+            <a:avLst/>
+          </a:prstGeom>
+          <a:ln>
+            <a:tailEnd type="triangle"/>
+          </a:ln>
+        </p:spPr>
+        <p:style>
+          <a:lnRef idx="2">
+            <a:schemeClr val="accent1"/>
+          </a:lnRef>
+          <a:fillRef idx="0">
+            <a:schemeClr val="accent1"/>
+          </a:fillRef>
+          <a:effectRef idx="1">
+            <a:schemeClr val="accent1"/>
+          </a:effectRef>
+          <a:fontRef idx="minor">
+            <a:schemeClr val="tx1"/>
+          </a:fontRef>
+        </p:style>
+      </p:cxnSp>
+      <p:pic>
+        <p:nvPicPr>
+          <p:cNvPr id="16" name="Immagine 15">
+            <a:extLst>
+              <a:ext uri="{FF2B5EF4-FFF2-40B4-BE49-F238E27FC236}">
+                <a16:creationId xmlns:a16="http://schemas.microsoft.com/office/drawing/2014/main" id="{5C8F5DD0-6C39-474A-8395-389B7B47C2AB}"/>
+              </a:ext>
+            </a:extLst>
+          </p:cNvPr>
+          <p:cNvPicPr>
+            <a:picLocks noChangeAspect="1"/>
+          </p:cNvPicPr>
+          <p:nvPr/>
+        </p:nvPicPr>
+        <p:blipFill rotWithShape="1">
+          <a:blip r:embed="rId12"/>
+          <a:srcRect l="958" t="277" r="958" b="1203"/>
+          <a:stretch/>
+        </p:blipFill>
+        <p:spPr>
+          <a:xfrm>
+            <a:off x="1990393" y="3924093"/>
+            <a:ext cx="3576683" cy="1944211"/>
+          </a:xfrm>
+          <a:prstGeom prst="rect">
+            <a:avLst/>
+          </a:prstGeom>
+        </p:spPr>
+      </p:pic>
+      <p:cxnSp>
+        <p:nvCxnSpPr>
+          <p:cNvPr id="19" name="Connettore 2 18">
+            <a:extLst>
+              <a:ext uri="{FF2B5EF4-FFF2-40B4-BE49-F238E27FC236}">
+                <a16:creationId xmlns:a16="http://schemas.microsoft.com/office/drawing/2014/main" id="{7B8F3390-4BBE-4141-B3FC-D1A3872166D4}"/>
+              </a:ext>
+            </a:extLst>
+          </p:cNvPr>
+          <p:cNvCxnSpPr>
+            <a:stCxn id="17" idx="1"/>
+            <a:endCxn id="16" idx="3"/>
+          </p:cNvCxnSpPr>
+          <p:nvPr/>
+        </p:nvCxnSpPr>
+        <p:spPr>
+          <a:xfrm flipH="1" flipV="1">
+            <a:off x="5567076" y="4896199"/>
+            <a:ext cx="540761" cy="1"/>
+          </a:xfrm>
+          <a:prstGeom prst="straightConnector1">
+            <a:avLst/>
+          </a:prstGeom>
+          <a:ln>
+            <a:tailEnd type="triangle"/>
+          </a:ln>
+        </p:spPr>
+        <p:style>
+          <a:lnRef idx="2">
+            <a:schemeClr val="accent1"/>
+          </a:lnRef>
+          <a:fillRef idx="0">
+            <a:schemeClr val="accent1"/>
+          </a:fillRef>
+          <a:effectRef idx="1">
+            <a:schemeClr val="accent1"/>
+          </a:effectRef>
+          <a:fontRef idx="minor">
+            <a:schemeClr val="tx1"/>
+          </a:fontRef>
+        </p:style>
+      </p:cxnSp>
+    </p:spTree>
+    <p:extLst>
+      <p:ext uri="{BB962C8B-B14F-4D97-AF65-F5344CB8AC3E}">
+        <p14:creationId xmlns:p14="http://schemas.microsoft.com/office/powerpoint/2010/main" val="945072358"/>
+      </p:ext>
+    </p:extLst>
+  </p:cSld>
+  <p:clrMapOvr>
+    <a:masterClrMapping/>
+  </p:clrMapOvr>
+</p:sld>
+</file>
+
+<file path=ppt/slides/slide9.xml><?xml version="1.0" encoding="utf-8"?>
+<p:sld xmlns:a="http://schemas.openxmlformats.org/drawingml/2006/main" xmlns:r="http://schemas.openxmlformats.org/officeDocument/2006/relationships" xmlns:p="http://schemas.openxmlformats.org/presentationml/2006/main">
+  <p:cSld>
+    <p:spTree>
+      <p:nvGrpSpPr>
+        <p:cNvPr id="1" name=""/>
+        <p:cNvGrpSpPr/>
+        <p:nvPr/>
+      </p:nvGrpSpPr>
+      <p:grpSpPr>
+        <a:xfrm>
+          <a:off x="0" y="0"/>
+          <a:ext cx="0" cy="0"/>
+          <a:chOff x="0" y="0"/>
+          <a:chExt cx="0" cy="0"/>
+        </a:xfrm>
+      </p:grpSpPr>
+      <p:pic>
+        <p:nvPicPr>
+          <p:cNvPr id="2" name="Immagine 1"/>
+          <p:cNvPicPr>
+            <a:picLocks noChangeAspect="1"/>
+          </p:cNvPicPr>
+          <p:nvPr/>
+        </p:nvPicPr>
+        <p:blipFill>
+          <a:blip r:embed="rId8"/>
+          <a:stretch>
+            <a:fillRect/>
+          </a:stretch>
+        </p:blipFill>
+        <p:spPr>
+          <a:xfrm>
+            <a:off x="-1" y="3123"/>
+            <a:ext cx="9143817" cy="6872495"/>
+          </a:xfrm>
+          <a:prstGeom prst="rect">
+            <a:avLst/>
+          </a:prstGeom>
+        </p:spPr>
+      </p:pic>
+      <p:sp>
+        <p:nvSpPr>
+          <p:cNvPr id="7" name="CasellaDiTesto 6"/>
+          <p:cNvSpPr txBox="1"/>
+          <p:nvPr/>
+        </p:nvSpPr>
+        <p:spPr>
+          <a:xfrm>
+            <a:off x="9061" y="649703"/>
+            <a:ext cx="9143080" cy="461665"/>
+          </a:xfrm>
+          <a:prstGeom prst="rect">
+            <a:avLst/>
+          </a:prstGeom>
+          <a:noFill/>
+        </p:spPr>
+        <p:txBody>
+          <a:bodyPr wrap="square" rtlCol="0">
+            <a:spAutoFit/>
+          </a:bodyPr>
+          <a:lstStyle/>
+          <a:p>
+            <a:r>
+              <a:rPr lang="it-IT" sz="2400" b="1" dirty="0">
+                <a:solidFill>
+                  <a:schemeClr val="accent1">
+                    <a:lumMod val="75000"/>
+                  </a:schemeClr>
+                </a:solidFill>
+                <a:latin typeface="Arial"/>
+                <a:cs typeface="Arial"/>
+              </a:rPr>
+              <a:t>Algoritmo per il problema degli alberi basati sulla distanza</a:t>
+            </a:r>
+          </a:p>
+        </p:txBody>
+      </p:sp>
+      <p:sp>
+        <p:nvSpPr>
+          <p:cNvPr id="12" name="Rettangolo 11"/>
+          <p:cNvSpPr/>
+          <p:nvPr/>
+        </p:nvSpPr>
+        <p:spPr>
+          <a:xfrm>
+            <a:off x="8255000" y="6366466"/>
+            <a:ext cx="280763" cy="501650"/>
+          </a:xfrm>
+          <a:prstGeom prst="rect">
+            <a:avLst/>
+          </a:prstGeom>
+          <a:solidFill>
+            <a:srgbClr val="003053"/>
+          </a:solidFill>
+        </p:spPr>
+        <p:style>
+          <a:lnRef idx="1">
+            <a:schemeClr val="accent1"/>
+          </a:lnRef>
+          <a:fillRef idx="3">
+            <a:schemeClr val="accent1"/>
+          </a:fillRef>
+          <a:effectRef idx="2">
+            <a:schemeClr val="accent1"/>
+          </a:effectRef>
+          <a:fontRef idx="minor">
+            <a:schemeClr val="lt1"/>
+          </a:fontRef>
+        </p:style>
+        <p:txBody>
+          <a:bodyPr rtlCol="0" anchor="ctr"/>
+          <a:lstStyle/>
+          <a:p>
+            <a:pPr algn="ctr"/>
+            <a:endParaRPr lang="it-IT">
+              <a:solidFill>
+                <a:srgbClr val="003257"/>
+              </a:solidFill>
+            </a:endParaRPr>
+          </a:p>
+        </p:txBody>
+      </p:sp>
+      <p:sp>
+        <p:nvSpPr>
+          <p:cNvPr id="11" name="Segnaposto numero diapositiva 10"/>
+          <p:cNvSpPr>
+            <a:spLocks noGrp="1"/>
+          </p:cNvSpPr>
+          <p:nvPr>
+            <p:ph type="sldNum" sz="quarter" idx="12"/>
+          </p:nvPr>
+        </p:nvSpPr>
+        <p:spPr>
+          <a:xfrm>
+            <a:off x="6402163" y="6356350"/>
+            <a:ext cx="2133600" cy="365125"/>
+          </a:xfrm>
+        </p:spPr>
+        <p:txBody>
+          <a:bodyPr/>
+          <a:lstStyle/>
+          <a:p>
+            <a:fld id="{8EB8520A-26EA-DE4B-B141-4532FC98FF0E}" type="slidenum">
+              <a:rPr lang="it-IT" b="1" smtClean="0">
+                <a:solidFill>
+                  <a:schemeClr val="bg1"/>
+                </a:solidFill>
+                <a:latin typeface="Arial"/>
+                <a:cs typeface="Arial"/>
+              </a:rPr>
+              <a:pPr/>
+              <a:t>9</a:t>
+            </a:fld>
+            <a:endParaRPr lang="it-IT" b="1" dirty="0">
+              <a:solidFill>
+                <a:schemeClr val="bg1"/>
+              </a:solidFill>
+              <a:latin typeface="Arial"/>
+              <a:cs typeface="Arial"/>
+            </a:endParaRPr>
+          </a:p>
+        </p:txBody>
+      </p:sp>
+      <p:sp>
+        <p:nvSpPr>
+          <p:cNvPr id="10" name="CasellaDiTesto 9"/>
+          <p:cNvSpPr txBox="1"/>
+          <p:nvPr/>
+        </p:nvSpPr>
+        <p:spPr>
+          <a:xfrm>
+            <a:off x="5735951" y="51433"/>
+            <a:ext cx="2957862" cy="215444"/>
+          </a:xfrm>
+          <a:prstGeom prst="rect">
+            <a:avLst/>
+          </a:prstGeom>
+          <a:noFill/>
+        </p:spPr>
+        <p:txBody>
+          <a:bodyPr wrap="none" rtlCol="0">
+            <a:spAutoFit/>
+          </a:bodyPr>
+          <a:lstStyle/>
+          <a:p>
+            <a:pPr algn="r"/>
+            <a:r>
+              <a:rPr lang="it-IT" sz="800" b="1" dirty="0">
+                <a:solidFill>
+                  <a:schemeClr val="bg1"/>
+                </a:solidFill>
+                <a:latin typeface="Arial"/>
+                <a:cs typeface="Arial"/>
+              </a:rPr>
+              <a:t>Applicazioni dell’algoritmica alla biologia: alberi evolutivi</a:t>
+            </a:r>
+          </a:p>
+        </p:txBody>
+      </p:sp>
+      <p:sp>
+        <p:nvSpPr>
+          <p:cNvPr id="14" name="CasellaDiTesto 13"/>
+          <p:cNvSpPr txBox="1"/>
+          <p:nvPr/>
+        </p:nvSpPr>
+        <p:spPr>
+          <a:xfrm>
+            <a:off x="7082015" y="403482"/>
+            <a:ext cx="1621846" cy="492443"/>
+          </a:xfrm>
+          <a:prstGeom prst="rect">
+            <a:avLst/>
+          </a:prstGeom>
+          <a:noFill/>
+        </p:spPr>
+        <p:txBody>
+          <a:bodyPr wrap="none" rtlCol="0">
+            <a:spAutoFit/>
+          </a:bodyPr>
+          <a:lstStyle/>
+          <a:p>
+            <a:pPr algn="r"/>
+            <a:r>
+              <a:rPr lang="it-IT" sz="800" dirty="0">
+                <a:solidFill>
+                  <a:schemeClr val="bg1"/>
+                </a:solidFill>
+                <a:latin typeface="Arial"/>
+                <a:cs typeface="Arial"/>
+              </a:rPr>
+              <a:t>Firenze, 12 luglio 2019</a:t>
+            </a:r>
+          </a:p>
+          <a:p>
+            <a:endParaRPr lang="it-IT" dirty="0"/>
+          </a:p>
+        </p:txBody>
+      </p:sp>
+      <p:sp>
+        <p:nvSpPr>
+          <p:cNvPr id="53" name="CasellaDiTesto 52">
+            <a:extLst>
+              <a:ext uri="{FF2B5EF4-FFF2-40B4-BE49-F238E27FC236}">
+                <a16:creationId xmlns:a16="http://schemas.microsoft.com/office/drawing/2014/main" id="{C4172192-17B0-4035-AFD1-CBC8BDE7E4CD}"/>
+              </a:ext>
+            </a:extLst>
+          </p:cNvPr>
+          <p:cNvSpPr txBox="1"/>
+          <p:nvPr/>
+        </p:nvSpPr>
+        <p:spPr>
+          <a:xfrm>
+            <a:off x="9062" y="1077183"/>
+            <a:ext cx="1082892" cy="369332"/>
+          </a:xfrm>
+          <a:prstGeom prst="rect">
+            <a:avLst/>
+          </a:prstGeom>
+          <a:noFill/>
+        </p:spPr>
+        <p:txBody>
+          <a:bodyPr wrap="square" rtlCol="0">
+            <a:spAutoFit/>
+          </a:bodyPr>
+          <a:lstStyle/>
+          <a:p>
+            <a:r>
+              <a:rPr lang="it-IT" i="1" dirty="0">
+                <a:latin typeface="Arial"/>
+                <a:cs typeface="Arial"/>
+              </a:rPr>
+              <a:t>Parte 3</a:t>
+            </a:r>
+          </a:p>
+        </p:txBody>
+      </p:sp>
+      <p:pic>
+        <p:nvPicPr>
+          <p:cNvPr id="20" name="Immagine 19">
+            <a:extLst>
+              <a:ext uri="{FF2B5EF4-FFF2-40B4-BE49-F238E27FC236}">
+                <a16:creationId xmlns:a16="http://schemas.microsoft.com/office/drawing/2014/main" id="{003C2189-CDF9-466D-8337-1D355E1664B4}"/>
+              </a:ext>
+            </a:extLst>
+          </p:cNvPr>
+          <p:cNvPicPr>
+            <a:picLocks noChangeAspect="1"/>
+          </p:cNvPicPr>
+          <p:nvPr>
+            <p:custDataLst>
+              <p:tags r:id="rId1"/>
+            </p:custDataLst>
+          </p:nvPr>
+        </p:nvPicPr>
+        <p:blipFill>
+          <a:blip r:embed="rId9"/>
+          <a:stretch>
+            <a:fillRect/>
+          </a:stretch>
+        </p:blipFill>
+        <p:spPr>
+          <a:xfrm>
+            <a:off x="1722268" y="1647609"/>
+            <a:ext cx="2743202" cy="220677"/>
+          </a:xfrm>
+          <a:prstGeom prst="rect">
+            <a:avLst/>
+          </a:prstGeom>
+        </p:spPr>
+      </p:pic>
+      <p:pic>
+        <p:nvPicPr>
+          <p:cNvPr id="22" name="Immagine 21">
+            <a:extLst>
+              <a:ext uri="{FF2B5EF4-FFF2-40B4-BE49-F238E27FC236}">
+                <a16:creationId xmlns:a16="http://schemas.microsoft.com/office/drawing/2014/main" id="{B73AB6CC-4039-450D-B50C-2FAFC2E1A312}"/>
+              </a:ext>
+            </a:extLst>
+          </p:cNvPr>
+          <p:cNvPicPr>
+            <a:picLocks noChangeAspect="1"/>
+          </p:cNvPicPr>
+          <p:nvPr/>
+        </p:nvPicPr>
+        <p:blipFill rotWithShape="1">
+          <a:blip r:embed="rId10"/>
+          <a:srcRect l="903" t="570" r="1103"/>
+          <a:stretch/>
+        </p:blipFill>
+        <p:spPr>
+          <a:xfrm>
+            <a:off x="186195" y="3295783"/>
+            <a:ext cx="3888658" cy="2150249"/>
+          </a:xfrm>
+          <a:prstGeom prst="rect">
+            <a:avLst/>
+          </a:prstGeom>
+        </p:spPr>
+      </p:pic>
+      <mc:AlternateContent xmlns:mc="http://schemas.openxmlformats.org/markup-compatibility/2006">
+        <mc:Choice xmlns:a14="http://schemas.microsoft.com/office/drawing/2010/main" Requires="a14">
+          <p:sp>
+            <p:nvSpPr>
+              <p:cNvPr id="26" name="CasellaDiTesto 25">
+                <a:extLst>
+                  <a:ext uri="{FF2B5EF4-FFF2-40B4-BE49-F238E27FC236}">
+                    <a16:creationId xmlns:a16="http://schemas.microsoft.com/office/drawing/2014/main" id="{B431A250-978E-46E5-B933-19E6232E36AE}"/>
+                  </a:ext>
+                </a:extLst>
+              </p:cNvPr>
+              <p:cNvSpPr txBox="1"/>
+              <p:nvPr/>
+            </p:nvSpPr>
+            <p:spPr>
+              <a:xfrm>
+                <a:off x="9062" y="1604059"/>
+                <a:ext cx="1917387" cy="324384"/>
+              </a:xfrm>
+              <a:prstGeom prst="rect">
+                <a:avLst/>
+              </a:prstGeom>
+              <a:noFill/>
+            </p:spPr>
+            <p:txBody>
+              <a:bodyPr wrap="square" rtlCol="0">
+                <a:spAutoFit/>
+              </a:bodyPr>
+              <a:lstStyle/>
+              <a:p>
+                <a:r>
+                  <a:rPr lang="it-IT" sz="1400" dirty="0">
+                    <a:latin typeface="Arial" panose="020B0604020202020204" pitchFamily="34" charset="0"/>
+                    <a:cs typeface="Arial" panose="020B0604020202020204" pitchFamily="34" charset="0"/>
+                  </a:rPr>
+                  <a:t>Infine si calcola </a:t>
+                </a:r>
+                <a14:m>
+                  <m:oMath xmlns:m="http://schemas.openxmlformats.org/officeDocument/2006/math">
+                    <m:sSub>
+                      <m:sSubPr>
+                        <m:ctrlPr>
+                          <a:rPr lang="it-IT" sz="1400" b="0" i="1" smtClean="0">
+                            <a:latin typeface="Cambria Math" panose="02040503050406030204" pitchFamily="18" charset="0"/>
+                            <a:cs typeface="Arial" panose="020B0604020202020204" pitchFamily="34" charset="0"/>
+                          </a:rPr>
+                        </m:ctrlPr>
+                      </m:sSubPr>
+                      <m:e>
+                        <m:r>
+                          <a:rPr lang="it-IT" sz="1400" b="0" i="1" smtClean="0">
+                            <a:latin typeface="Cambria Math" panose="02040503050406030204" pitchFamily="18" charset="0"/>
+                            <a:cs typeface="Arial" panose="020B0604020202020204" pitchFamily="34" charset="0"/>
+                          </a:rPr>
+                          <m:t>𝑑</m:t>
+                        </m:r>
+                      </m:e>
+                      <m:sub>
+                        <m:r>
+                          <a:rPr lang="it-IT" sz="1400" b="0" i="1" smtClean="0">
+                            <a:latin typeface="Cambria Math" panose="02040503050406030204" pitchFamily="18" charset="0"/>
+                            <a:cs typeface="Arial" panose="020B0604020202020204" pitchFamily="34" charset="0"/>
+                          </a:rPr>
+                          <m:t>𝑘𝑝</m:t>
+                        </m:r>
+                      </m:sub>
+                    </m:sSub>
+                  </m:oMath>
+                </a14:m>
+                <a:r>
+                  <a:rPr lang="it-IT" sz="1400" dirty="0">
+                    <a:latin typeface="Arial" panose="020B0604020202020204" pitchFamily="34" charset="0"/>
+                    <a:cs typeface="Arial" panose="020B0604020202020204" pitchFamily="34" charset="0"/>
+                  </a:rPr>
+                  <a:t>:</a:t>
+                </a:r>
+              </a:p>
+            </p:txBody>
+          </p:sp>
+        </mc:Choice>
+        <mc:Fallback>
+          <p:sp>
+            <p:nvSpPr>
+              <p:cNvPr id="26" name="CasellaDiTesto 25">
+                <a:extLst>
+                  <a:ext uri="{FF2B5EF4-FFF2-40B4-BE49-F238E27FC236}">
+                    <a16:creationId xmlns:a16="http://schemas.microsoft.com/office/drawing/2014/main" id="{B431A250-978E-46E5-B933-19E6232E36AE}"/>
+                  </a:ext>
+                </a:extLst>
+              </p:cNvPr>
+              <p:cNvSpPr txBox="1">
+                <a:spLocks noRot="1" noChangeAspect="1" noMove="1" noResize="1" noEditPoints="1" noAdjustHandles="1" noChangeArrowheads="1" noChangeShapeType="1" noTextEdit="1"/>
+              </p:cNvSpPr>
+              <p:nvPr/>
+            </p:nvSpPr>
+            <p:spPr>
+              <a:xfrm>
+                <a:off x="9062" y="1604059"/>
+                <a:ext cx="1917387" cy="324384"/>
+              </a:xfrm>
+              <a:prstGeom prst="rect">
+                <a:avLst/>
+              </a:prstGeom>
+              <a:blipFill>
+                <a:blip r:embed="rId11"/>
+                <a:stretch>
+                  <a:fillRect l="-952" t="-3774" b="-15094"/>
+                </a:stretch>
+              </a:blipFill>
+            </p:spPr>
+            <p:txBody>
+              <a:bodyPr/>
+              <a:lstStyle/>
+              <a:p>
+                <a:r>
+                  <a:rPr lang="it-IT">
+                    <a:noFill/>
+                  </a:rPr>
+                  <a:t> </a:t>
+                </a:r>
+              </a:p>
+            </p:txBody>
+          </p:sp>
+        </mc:Fallback>
+      </mc:AlternateContent>
+      <p:sp>
+        <p:nvSpPr>
+          <p:cNvPr id="30" name="CasellaDiTesto 29">
+            <a:extLst>
+              <a:ext uri="{FF2B5EF4-FFF2-40B4-BE49-F238E27FC236}">
+                <a16:creationId xmlns:a16="http://schemas.microsoft.com/office/drawing/2014/main" id="{AFDEECD0-C443-4E95-AC1A-1380DB5D43B2}"/>
+              </a:ext>
+            </a:extLst>
+          </p:cNvPr>
+          <p:cNvSpPr txBox="1"/>
+          <p:nvPr/>
+        </p:nvSpPr>
+        <p:spPr>
+          <a:xfrm>
+            <a:off x="1517904" y="2400351"/>
+            <a:ext cx="1171971" cy="307777"/>
+          </a:xfrm>
+          <a:prstGeom prst="rect">
+            <a:avLst/>
+          </a:prstGeom>
+          <a:noFill/>
+        </p:spPr>
+        <p:txBody>
+          <a:bodyPr wrap="square" rtlCol="0">
+            <a:spAutoFit/>
+          </a:bodyPr>
+          <a:lstStyle/>
+          <a:p>
+            <a:r>
+              <a:rPr lang="it-IT" sz="1400" dirty="0">
+                <a:latin typeface="Arial" panose="020B0604020202020204" pitchFamily="34" charset="0"/>
+                <a:cs typeface="Arial" panose="020B0604020202020204" pitchFamily="34" charset="0"/>
+              </a:rPr>
+              <a:t>Albero finale</a:t>
+            </a:r>
+          </a:p>
+        </p:txBody>
+      </p:sp>
+      <p:cxnSp>
+        <p:nvCxnSpPr>
+          <p:cNvPr id="31" name="Connettore 2 30">
+            <a:extLst>
+              <a:ext uri="{FF2B5EF4-FFF2-40B4-BE49-F238E27FC236}">
+                <a16:creationId xmlns:a16="http://schemas.microsoft.com/office/drawing/2014/main" id="{8DF2DD30-6CD8-4BEA-993A-95CFDE042D57}"/>
+              </a:ext>
+            </a:extLst>
+          </p:cNvPr>
+          <p:cNvCxnSpPr>
+            <a:cxnSpLocks/>
+            <a:endCxn id="30" idx="0"/>
+          </p:cNvCxnSpPr>
+          <p:nvPr/>
+        </p:nvCxnSpPr>
+        <p:spPr>
+          <a:xfrm>
+            <a:off x="2103889" y="1907660"/>
+            <a:ext cx="1" cy="492691"/>
+          </a:xfrm>
+          <a:prstGeom prst="straightConnector1">
+            <a:avLst/>
+          </a:prstGeom>
+          <a:ln>
+            <a:tailEnd type="triangle"/>
+          </a:ln>
+        </p:spPr>
+        <p:style>
+          <a:lnRef idx="2">
+            <a:schemeClr val="accent1"/>
+          </a:lnRef>
+          <a:fillRef idx="0">
+            <a:schemeClr val="accent1"/>
+          </a:fillRef>
+          <a:effectRef idx="1">
+            <a:schemeClr val="accent1"/>
+          </a:effectRef>
+          <a:fontRef idx="minor">
+            <a:schemeClr val="tx1"/>
+          </a:fontRef>
+        </p:style>
+      </p:cxnSp>
+      <p:cxnSp>
+        <p:nvCxnSpPr>
+          <p:cNvPr id="34" name="Connettore 2 33">
+            <a:extLst>
+              <a:ext uri="{FF2B5EF4-FFF2-40B4-BE49-F238E27FC236}">
+                <a16:creationId xmlns:a16="http://schemas.microsoft.com/office/drawing/2014/main" id="{6CAE33B5-8DD6-44E9-9D13-39C63D0F6B24}"/>
+              </a:ext>
+            </a:extLst>
+          </p:cNvPr>
+          <p:cNvCxnSpPr>
+            <a:cxnSpLocks/>
+          </p:cNvCxnSpPr>
+          <p:nvPr/>
+        </p:nvCxnSpPr>
+        <p:spPr>
+          <a:xfrm>
+            <a:off x="2103890" y="2708128"/>
+            <a:ext cx="0" cy="534153"/>
+          </a:xfrm>
+          <a:prstGeom prst="straightConnector1">
+            <a:avLst/>
+          </a:prstGeom>
+          <a:ln>
+            <a:tailEnd type="triangle"/>
+          </a:ln>
+        </p:spPr>
+        <p:style>
+          <a:lnRef idx="2">
+            <a:schemeClr val="accent1"/>
+          </a:lnRef>
+          <a:fillRef idx="0">
+            <a:schemeClr val="accent1"/>
+          </a:fillRef>
+          <a:effectRef idx="1">
+            <a:schemeClr val="accent1"/>
+          </a:effectRef>
+          <a:fontRef idx="minor">
+            <a:schemeClr val="tx1"/>
+          </a:fontRef>
+        </p:style>
+      </p:cxnSp>
+      <p:sp>
+        <p:nvSpPr>
+          <p:cNvPr id="38" name="CasellaDiTesto 37">
+            <a:extLst>
+              <a:ext uri="{FF2B5EF4-FFF2-40B4-BE49-F238E27FC236}">
+                <a16:creationId xmlns:a16="http://schemas.microsoft.com/office/drawing/2014/main" id="{39905958-8A7E-43B8-A062-72EB40A5770D}"/>
+              </a:ext>
+            </a:extLst>
+          </p:cNvPr>
+          <p:cNvSpPr txBox="1"/>
+          <p:nvPr/>
+        </p:nvSpPr>
+        <p:spPr>
+          <a:xfrm>
+            <a:off x="3450316" y="6099373"/>
+            <a:ext cx="2243182" cy="307777"/>
+          </a:xfrm>
+          <a:prstGeom prst="rect">
+            <a:avLst/>
+          </a:prstGeom>
+          <a:noFill/>
+        </p:spPr>
+        <p:txBody>
+          <a:bodyPr wrap="square" rtlCol="0">
+            <a:spAutoFit/>
+          </a:bodyPr>
+          <a:lstStyle/>
+          <a:p>
+            <a:pPr algn="ctr"/>
+            <a:r>
+              <a:rPr lang="it-IT" sz="1400" b="1" dirty="0">
+                <a:latin typeface="Arial" panose="020B0604020202020204" pitchFamily="34" charset="0"/>
+                <a:cs typeface="Arial" panose="020B0604020202020204" pitchFamily="34" charset="0"/>
+              </a:rPr>
+              <a:t>L’algoritmo è terminato!</a:t>
+            </a:r>
+          </a:p>
+        </p:txBody>
+      </p:sp>
+      <p:sp>
+        <p:nvSpPr>
+          <p:cNvPr id="39" name="CasellaDiTesto 38">
+            <a:extLst>
+              <a:ext uri="{FF2B5EF4-FFF2-40B4-BE49-F238E27FC236}">
+                <a16:creationId xmlns:a16="http://schemas.microsoft.com/office/drawing/2014/main" id="{79441CC4-CE2A-47E5-BFBA-BE18AD1D4AEC}"/>
+              </a:ext>
+            </a:extLst>
+          </p:cNvPr>
+          <p:cNvSpPr txBox="1"/>
+          <p:nvPr/>
+        </p:nvSpPr>
+        <p:spPr>
+          <a:xfrm>
+            <a:off x="5126657" y="1445400"/>
+            <a:ext cx="3567156" cy="461665"/>
+          </a:xfrm>
+          <a:prstGeom prst="rect">
+            <a:avLst/>
+          </a:prstGeom>
+          <a:noFill/>
+        </p:spPr>
+        <p:txBody>
+          <a:bodyPr wrap="square" rtlCol="0">
+            <a:spAutoFit/>
+          </a:bodyPr>
+          <a:lstStyle/>
+          <a:p>
+            <a:r>
+              <a:rPr lang="it-IT" sz="2400" b="1" dirty="0">
+                <a:solidFill>
+                  <a:schemeClr val="accent1">
+                    <a:lumMod val="75000"/>
+                  </a:schemeClr>
+                </a:solidFill>
+                <a:latin typeface="Arial"/>
+                <a:cs typeface="Arial"/>
+              </a:rPr>
+              <a:t>Complessità temporale</a:t>
+            </a:r>
+          </a:p>
+        </p:txBody>
+      </p:sp>
+      <mc:AlternateContent xmlns:mc="http://schemas.openxmlformats.org/markup-compatibility/2006">
+        <mc:Choice xmlns:a14="http://schemas.microsoft.com/office/drawing/2010/main" Requires="a14">
+          <p:sp>
+            <p:nvSpPr>
+              <p:cNvPr id="40" name="CasellaDiTesto 39">
+                <a:extLst>
+                  <a:ext uri="{FF2B5EF4-FFF2-40B4-BE49-F238E27FC236}">
+                    <a16:creationId xmlns:a16="http://schemas.microsoft.com/office/drawing/2014/main" id="{414A4554-C4CF-47D2-BF3A-9C5BE54DDFC0}"/>
+                  </a:ext>
+                </a:extLst>
+              </p:cNvPr>
+              <p:cNvSpPr txBox="1"/>
+              <p:nvPr/>
+            </p:nvSpPr>
+            <p:spPr>
+              <a:xfrm>
+                <a:off x="5126657" y="2014280"/>
+                <a:ext cx="4017159" cy="738664"/>
+              </a:xfrm>
+              <a:prstGeom prst="rect">
+                <a:avLst/>
+              </a:prstGeom>
+              <a:noFill/>
+            </p:spPr>
+            <p:txBody>
+              <a:bodyPr wrap="square" rtlCol="0">
+                <a:spAutoFit/>
+              </a:bodyPr>
+              <a:lstStyle/>
+              <a:p>
+                <a:r>
+                  <a:rPr lang="it-IT" sz="1400" dirty="0">
+                    <a:latin typeface="Arial" panose="020B0604020202020204" pitchFamily="34" charset="0"/>
+                    <a:cs typeface="Arial" panose="020B0604020202020204" pitchFamily="34" charset="0"/>
+                  </a:rPr>
+                  <a:t>3 Step:</a:t>
+                </a:r>
+              </a:p>
+              <a:p>
+                <a:pPr marL="285750" indent="-285750">
+                  <a:buFont typeface="Arial" panose="020B0604020202020204" pitchFamily="34" charset="0"/>
+                  <a:buChar char="•"/>
+                </a:pPr>
+                <a:r>
+                  <a:rPr lang="it-IT" sz="1400" dirty="0">
+                    <a:latin typeface="Arial" panose="020B0604020202020204" pitchFamily="34" charset="0"/>
+                    <a:cs typeface="Arial" panose="020B0604020202020204" pitchFamily="34" charset="0"/>
+                  </a:rPr>
+                  <a:t>Trovare il minimo in </a:t>
+                </a:r>
+                <a14:m>
+                  <m:oMath xmlns:m="http://schemas.openxmlformats.org/officeDocument/2006/math">
+                    <m:r>
+                      <a:rPr lang="it-IT" sz="1400" b="0" i="1" smtClean="0">
+                        <a:latin typeface="Cambria Math" panose="02040503050406030204" pitchFamily="18" charset="0"/>
+                        <a:cs typeface="Arial" panose="020B0604020202020204" pitchFamily="34" charset="0"/>
+                      </a:rPr>
+                      <m:t>𝐷</m:t>
+                    </m:r>
+                  </m:oMath>
+                </a14:m>
+                <a:r>
+                  <a:rPr lang="it-IT" sz="1400" dirty="0">
+                    <a:latin typeface="Arial" panose="020B0604020202020204" pitchFamily="34" charset="0"/>
+                    <a:cs typeface="Arial" panose="020B0604020202020204" pitchFamily="34" charset="0"/>
+                  </a:rPr>
+                  <a:t> di dimensione </a:t>
+                </a:r>
+                <a14:m>
+                  <m:oMath xmlns:m="http://schemas.openxmlformats.org/officeDocument/2006/math">
+                    <m:r>
+                      <a:rPr lang="it-IT" sz="1400" b="0" i="1" smtClean="0">
+                        <a:latin typeface="Cambria Math" panose="02040503050406030204" pitchFamily="18" charset="0"/>
+                        <a:cs typeface="Arial" panose="020B0604020202020204" pitchFamily="34" charset="0"/>
+                      </a:rPr>
+                      <m:t>𝑛</m:t>
+                    </m:r>
+                    <m:r>
+                      <a:rPr lang="it-IT" sz="1400" b="0" i="1" smtClean="0">
+                        <a:latin typeface="Cambria Math" panose="02040503050406030204" pitchFamily="18" charset="0"/>
+                        <a:ea typeface="Cambria Math" panose="02040503050406030204" pitchFamily="18" charset="0"/>
+                        <a:cs typeface="Arial" panose="020B0604020202020204" pitchFamily="34" charset="0"/>
+                      </a:rPr>
+                      <m:t>×</m:t>
+                    </m:r>
+                    <m:r>
+                      <a:rPr lang="it-IT" sz="1400" b="0" i="1" smtClean="0">
+                        <a:latin typeface="Cambria Math" panose="02040503050406030204" pitchFamily="18" charset="0"/>
+                        <a:ea typeface="Cambria Math" panose="02040503050406030204" pitchFamily="18" charset="0"/>
+                        <a:cs typeface="Arial" panose="020B0604020202020204" pitchFamily="34" charset="0"/>
+                      </a:rPr>
+                      <m:t>𝑛</m:t>
+                    </m:r>
+                    <m:r>
+                      <a:rPr lang="it-IT" sz="1400" b="0" i="1" smtClean="0">
+                        <a:latin typeface="Cambria Math" panose="02040503050406030204" pitchFamily="18" charset="0"/>
+                        <a:ea typeface="Cambria Math" panose="02040503050406030204" pitchFamily="18" charset="0"/>
+                        <a:cs typeface="Arial" panose="020B0604020202020204" pitchFamily="34" charset="0"/>
+                      </a:rPr>
+                      <m:t>:</m:t>
+                    </m:r>
+                  </m:oMath>
+                </a14:m>
+                <a:endParaRPr lang="it-IT" sz="1400" b="0" dirty="0">
+                  <a:latin typeface="Arial" panose="020B0604020202020204" pitchFamily="34" charset="0"/>
+                  <a:ea typeface="Cambria Math" panose="02040503050406030204" pitchFamily="18" charset="0"/>
+                  <a:cs typeface="Arial" panose="020B0604020202020204" pitchFamily="34" charset="0"/>
+                </a:endParaRPr>
+              </a:p>
+              <a:p>
+                <a:endParaRPr lang="it-IT" sz="1400" dirty="0">
+                  <a:latin typeface="Arial" panose="020B0604020202020204" pitchFamily="34" charset="0"/>
+                  <a:cs typeface="Arial" panose="020B0604020202020204" pitchFamily="34" charset="0"/>
+                </a:endParaRPr>
+              </a:p>
+            </p:txBody>
+          </p:sp>
+        </mc:Choice>
+        <mc:Fallback>
+          <p:sp>
+            <p:nvSpPr>
+              <p:cNvPr id="40" name="CasellaDiTesto 39">
+                <a:extLst>
+                  <a:ext uri="{FF2B5EF4-FFF2-40B4-BE49-F238E27FC236}">
+                    <a16:creationId xmlns:a16="http://schemas.microsoft.com/office/drawing/2014/main" id="{414A4554-C4CF-47D2-BF3A-9C5BE54DDFC0}"/>
+                  </a:ext>
+                </a:extLst>
+              </p:cNvPr>
+              <p:cNvSpPr txBox="1">
+                <a:spLocks noRot="1" noChangeAspect="1" noMove="1" noResize="1" noEditPoints="1" noAdjustHandles="1" noChangeArrowheads="1" noChangeShapeType="1" noTextEdit="1"/>
+              </p:cNvSpPr>
+              <p:nvPr/>
+            </p:nvSpPr>
+            <p:spPr>
+              <a:xfrm>
+                <a:off x="5126657" y="2014280"/>
+                <a:ext cx="4017159" cy="738664"/>
+              </a:xfrm>
+              <a:prstGeom prst="rect">
+                <a:avLst/>
+              </a:prstGeom>
+              <a:blipFill>
+                <a:blip r:embed="rId12"/>
+                <a:stretch>
+                  <a:fillRect l="-455" t="-820"/>
+                </a:stretch>
+              </a:blipFill>
+            </p:spPr>
+            <p:txBody>
+              <a:bodyPr/>
+              <a:lstStyle/>
+              <a:p>
+                <a:r>
+                  <a:rPr lang="it-IT">
+                    <a:noFill/>
+                  </a:rPr>
+                  <a:t> </a:t>
+                </a:r>
+              </a:p>
+            </p:txBody>
+          </p:sp>
+        </mc:Fallback>
+      </mc:AlternateContent>
+      <p:pic>
+        <p:nvPicPr>
+          <p:cNvPr id="41" name="Immagine 40">
+            <a:extLst>
+              <a:ext uri="{FF2B5EF4-FFF2-40B4-BE49-F238E27FC236}">
+                <a16:creationId xmlns:a16="http://schemas.microsoft.com/office/drawing/2014/main" id="{CF414978-8B26-4CBA-A5C6-D1CE39B4DCD7}"/>
+              </a:ext>
+            </a:extLst>
+          </p:cNvPr>
+          <p:cNvPicPr>
+            <a:picLocks noChangeAspect="1"/>
+          </p:cNvPicPr>
+          <p:nvPr>
+            <p:custDataLst>
+              <p:tags r:id="rId2"/>
+            </p:custDataLst>
+          </p:nvPr>
+        </p:nvPicPr>
+        <p:blipFill>
+          <a:blip r:embed="rId13"/>
+          <a:stretch>
+            <a:fillRect/>
+          </a:stretch>
+        </p:blipFill>
+        <p:spPr>
+          <a:xfrm>
+            <a:off x="5964030" y="2562527"/>
+            <a:ext cx="2571733" cy="200533"/>
+          </a:xfrm>
+          <a:prstGeom prst="rect">
+            <a:avLst/>
+          </a:prstGeom>
+        </p:spPr>
+      </p:pic>
+      <mc:AlternateContent xmlns:mc="http://schemas.openxmlformats.org/markup-compatibility/2006">
+        <mc:Choice xmlns:a14="http://schemas.microsoft.com/office/drawing/2010/main" Requires="a14">
+          <p:sp>
+            <p:nvSpPr>
+              <p:cNvPr id="47" name="CasellaDiTesto 46">
+                <a:extLst>
+                  <a:ext uri="{FF2B5EF4-FFF2-40B4-BE49-F238E27FC236}">
+                    <a16:creationId xmlns:a16="http://schemas.microsoft.com/office/drawing/2014/main" id="{E12B5A93-DEC9-4958-9188-F913DDBC305F}"/>
+                  </a:ext>
+                </a:extLst>
+              </p:cNvPr>
+              <p:cNvSpPr txBox="1"/>
+              <p:nvPr/>
+            </p:nvSpPr>
+            <p:spPr>
+              <a:xfrm>
+                <a:off x="5119261" y="2771265"/>
+                <a:ext cx="4017159" cy="738664"/>
+              </a:xfrm>
+              <a:prstGeom prst="rect">
+                <a:avLst/>
+              </a:prstGeom>
+              <a:noFill/>
+            </p:spPr>
+            <p:txBody>
+              <a:bodyPr wrap="square" rtlCol="0">
+                <a:spAutoFit/>
+              </a:bodyPr>
+              <a:lstStyle/>
+              <a:p>
+                <a:pPr marL="285750" indent="-285750">
+                  <a:buFont typeface="Arial" panose="020B0604020202020204" pitchFamily="34" charset="0"/>
+                  <a:buChar char="•"/>
+                </a:pPr>
+                <a:r>
+                  <a:rPr lang="it-IT" sz="1400" dirty="0">
+                    <a:latin typeface="Arial" panose="020B0604020202020204" pitchFamily="34" charset="0"/>
+                    <a:cs typeface="Arial" panose="020B0604020202020204" pitchFamily="34" charset="0"/>
+                  </a:rPr>
+                  <a:t>Trovare il genitore per ogni coppia di foglie e calcolare la distanza di tutte le </a:t>
+                </a:r>
+                <a14:m>
+                  <m:oMath xmlns:m="http://schemas.openxmlformats.org/officeDocument/2006/math">
+                    <m:r>
+                      <a:rPr lang="it-IT" sz="1400" i="1" dirty="0" smtClean="0">
+                        <a:latin typeface="Cambria Math" panose="02040503050406030204" pitchFamily="18" charset="0"/>
+                        <a:cs typeface="Arial" panose="020B0604020202020204" pitchFamily="34" charset="0"/>
+                      </a:rPr>
+                      <m:t>𝑛</m:t>
+                    </m:r>
+                  </m:oMath>
+                </a14:m>
+                <a:r>
+                  <a:rPr lang="it-IT" sz="1400" dirty="0">
+                    <a:latin typeface="Arial" panose="020B0604020202020204" pitchFamily="34" charset="0"/>
+                    <a:cs typeface="Arial" panose="020B0604020202020204" pitchFamily="34" charset="0"/>
+                  </a:rPr>
+                  <a:t> foglie rispetto al genitore stesso</a:t>
+                </a:r>
+              </a:p>
+            </p:txBody>
+          </p:sp>
+        </mc:Choice>
+        <mc:Fallback>
+          <p:sp>
+            <p:nvSpPr>
+              <p:cNvPr id="47" name="CasellaDiTesto 46">
+                <a:extLst>
+                  <a:ext uri="{FF2B5EF4-FFF2-40B4-BE49-F238E27FC236}">
+                    <a16:creationId xmlns:a16="http://schemas.microsoft.com/office/drawing/2014/main" id="{E12B5A93-DEC9-4958-9188-F913DDBC305F}"/>
+                  </a:ext>
+                </a:extLst>
+              </p:cNvPr>
+              <p:cNvSpPr txBox="1">
+                <a:spLocks noRot="1" noChangeAspect="1" noMove="1" noResize="1" noEditPoints="1" noAdjustHandles="1" noChangeArrowheads="1" noChangeShapeType="1" noTextEdit="1"/>
+              </p:cNvSpPr>
+              <p:nvPr/>
+            </p:nvSpPr>
+            <p:spPr>
+              <a:xfrm>
+                <a:off x="5119261" y="2771265"/>
+                <a:ext cx="4017159" cy="738664"/>
+              </a:xfrm>
+              <a:prstGeom prst="rect">
+                <a:avLst/>
+              </a:prstGeom>
+              <a:blipFill>
+                <a:blip r:embed="rId14"/>
+                <a:stretch>
+                  <a:fillRect l="-303" t="-1653" r="-152" b="-7438"/>
+                </a:stretch>
+              </a:blipFill>
+            </p:spPr>
+            <p:txBody>
+              <a:bodyPr/>
+              <a:lstStyle/>
+              <a:p>
+                <a:r>
+                  <a:rPr lang="it-IT">
+                    <a:noFill/>
+                  </a:rPr>
+                  <a:t> </a:t>
+                </a:r>
+              </a:p>
+            </p:txBody>
+          </p:sp>
+        </mc:Fallback>
+      </mc:AlternateContent>
+      <p:pic>
+        <p:nvPicPr>
+          <p:cNvPr id="49" name="Immagine 48">
+            <a:extLst>
+              <a:ext uri="{FF2B5EF4-FFF2-40B4-BE49-F238E27FC236}">
+                <a16:creationId xmlns:a16="http://schemas.microsoft.com/office/drawing/2014/main" id="{9F940E34-E853-4F26-AE59-57FE617C10CA}"/>
+              </a:ext>
+            </a:extLst>
+          </p:cNvPr>
+          <p:cNvPicPr>
+            <a:picLocks noChangeAspect="1"/>
+          </p:cNvPicPr>
+          <p:nvPr>
+            <p:custDataLst>
+              <p:tags r:id="rId3"/>
+            </p:custDataLst>
+          </p:nvPr>
+        </p:nvPicPr>
+        <p:blipFill>
+          <a:blip r:embed="rId15"/>
+          <a:stretch>
+            <a:fillRect/>
+          </a:stretch>
+        </p:blipFill>
+        <p:spPr>
+          <a:xfrm>
+            <a:off x="5956634" y="3584946"/>
+            <a:ext cx="2475766" cy="179383"/>
+          </a:xfrm>
+          <a:prstGeom prst="rect">
+            <a:avLst/>
+          </a:prstGeom>
+        </p:spPr>
+      </p:pic>
+      <p:sp>
+        <p:nvSpPr>
+          <p:cNvPr id="51" name="CasellaDiTesto 50">
+            <a:extLst>
+              <a:ext uri="{FF2B5EF4-FFF2-40B4-BE49-F238E27FC236}">
+                <a16:creationId xmlns:a16="http://schemas.microsoft.com/office/drawing/2014/main" id="{ACF07961-80C8-4C63-9B53-3E8A5BAA36AC}"/>
+              </a:ext>
+            </a:extLst>
+          </p:cNvPr>
+          <p:cNvSpPr txBox="1"/>
+          <p:nvPr/>
+        </p:nvSpPr>
+        <p:spPr>
+          <a:xfrm>
+            <a:off x="5073435" y="3839346"/>
+            <a:ext cx="4017159" cy="523220"/>
+          </a:xfrm>
+          <a:prstGeom prst="rect">
+            <a:avLst/>
+          </a:prstGeom>
+          <a:noFill/>
+        </p:spPr>
+        <p:txBody>
+          <a:bodyPr wrap="square" rtlCol="0">
+            <a:spAutoFit/>
+          </a:bodyPr>
+          <a:lstStyle/>
+          <a:p>
+            <a:pPr marL="285750" indent="-285750">
+              <a:buFont typeface="Arial" panose="020B0604020202020204" pitchFamily="34" charset="0"/>
+              <a:buChar char="•"/>
+            </a:pPr>
+            <a:r>
+              <a:rPr lang="it-IT" sz="1400" dirty="0">
+                <a:latin typeface="Arial" panose="020B0604020202020204" pitchFamily="34" charset="0"/>
+                <a:cs typeface="Arial" panose="020B0604020202020204" pitchFamily="34" charset="0"/>
+              </a:rPr>
+              <a:t>Calcolare la distanza tra le foglie interne (genitori)</a:t>
+            </a:r>
+          </a:p>
+        </p:txBody>
+      </p:sp>
+      <p:pic>
+        <p:nvPicPr>
+          <p:cNvPr id="54" name="Immagine 53">
+            <a:extLst>
+              <a:ext uri="{FF2B5EF4-FFF2-40B4-BE49-F238E27FC236}">
+                <a16:creationId xmlns:a16="http://schemas.microsoft.com/office/drawing/2014/main" id="{ED2E1232-4512-4FA4-9977-6A66C80C8281}"/>
+              </a:ext>
+            </a:extLst>
+          </p:cNvPr>
+          <p:cNvPicPr>
+            <a:picLocks noChangeAspect="1"/>
+          </p:cNvPicPr>
+          <p:nvPr>
+            <p:custDataLst>
+              <p:tags r:id="rId4"/>
+            </p:custDataLst>
+          </p:nvPr>
+        </p:nvPicPr>
+        <p:blipFill>
+          <a:blip r:embed="rId16"/>
+          <a:stretch>
+            <a:fillRect/>
+          </a:stretch>
+        </p:blipFill>
+        <p:spPr>
+          <a:xfrm>
+            <a:off x="5910808" y="4573126"/>
+            <a:ext cx="1450063" cy="179719"/>
+          </a:xfrm>
+          <a:prstGeom prst="rect">
+            <a:avLst/>
+          </a:prstGeom>
+        </p:spPr>
+      </p:pic>
+      <p:pic>
+        <p:nvPicPr>
+          <p:cNvPr id="57" name="Immagine 56">
+            <a:extLst>
+              <a:ext uri="{FF2B5EF4-FFF2-40B4-BE49-F238E27FC236}">
+                <a16:creationId xmlns:a16="http://schemas.microsoft.com/office/drawing/2014/main" id="{9B727038-6828-4A63-ACB2-90318637F942}"/>
+              </a:ext>
+            </a:extLst>
+          </p:cNvPr>
+          <p:cNvPicPr>
+            <a:picLocks noChangeAspect="1"/>
+          </p:cNvPicPr>
+          <p:nvPr>
+            <p:custDataLst>
+              <p:tags r:id="rId5"/>
+            </p:custDataLst>
+          </p:nvPr>
+        </p:nvPicPr>
+        <p:blipFill>
+          <a:blip r:embed="rId17"/>
+          <a:stretch>
+            <a:fillRect/>
+          </a:stretch>
+        </p:blipFill>
+        <p:spPr>
+          <a:xfrm>
+            <a:off x="4977657" y="5165136"/>
+            <a:ext cx="4079660" cy="202698"/>
+          </a:xfrm>
+          <a:prstGeom prst="rect">
+            <a:avLst/>
+          </a:prstGeom>
+        </p:spPr>
+      </p:pic>
+      <p:cxnSp>
+        <p:nvCxnSpPr>
+          <p:cNvPr id="59" name="Connettore diritto 58">
+            <a:extLst>
+              <a:ext uri="{FF2B5EF4-FFF2-40B4-BE49-F238E27FC236}">
+                <a16:creationId xmlns:a16="http://schemas.microsoft.com/office/drawing/2014/main" id="{99F7F7F2-B938-4F65-8337-9ACA24A59030}"/>
+              </a:ext>
+            </a:extLst>
+          </p:cNvPr>
+          <p:cNvCxnSpPr>
+            <a:cxnSpLocks/>
+          </p:cNvCxnSpPr>
+          <p:nvPr/>
+        </p:nvCxnSpPr>
+        <p:spPr>
+          <a:xfrm>
+            <a:off x="4847208" y="1446515"/>
+            <a:ext cx="0" cy="4279582"/>
+          </a:xfrm>
+          <a:prstGeom prst="line">
+            <a:avLst/>
+          </a:prstGeom>
+        </p:spPr>
+        <p:style>
+          <a:lnRef idx="2">
+            <a:schemeClr val="accent1"/>
+          </a:lnRef>
+          <a:fillRef idx="0">
+            <a:schemeClr val="accent1"/>
+          </a:fillRef>
+          <a:effectRef idx="1">
+            <a:schemeClr val="accent1"/>
+          </a:effectRef>
+          <a:fontRef idx="minor">
+            <a:schemeClr val="tx1"/>
+          </a:fontRef>
+        </p:style>
+      </p:cxnSp>
+    </p:spTree>
+    <p:extLst>
+      <p:ext uri="{BB962C8B-B14F-4D97-AF65-F5344CB8AC3E}">
+        <p14:creationId xmlns:p14="http://schemas.microsoft.com/office/powerpoint/2010/main" val="671762527"/>
+      </p:ext>
+    </p:extLst>
+  </p:cSld>
+  <p:clrMapOvr>
+    <a:masterClrMapping/>
+  </p:clrMapOvr>
+</p:sld>
+</file>
+
 <file path=ppt/tags/tag1.xml><?xml version="1.0" encoding="utf-8"?>
 <p:tagLst xmlns:a="http://schemas.openxmlformats.org/drawingml/2006/main" xmlns:r="http://schemas.openxmlformats.org/officeDocument/2006/relationships" xmlns:p="http://schemas.openxmlformats.org/presentationml/2006/main">
   <p:tag name="OUTPUTDPI" val="1200"/>
@@ -10151,6 +12462,139 @@
   <p:tag name="LATEXADDIN" val="\documentclass{article}&#10;\usepackage{amsmath}&#10;\pagestyle{empty}&#10;\begin{document}&#10;&#10; \[d(x,y)\geq 0\hspace{1em} \forall \: x,y\in R^k\]&#10;&#10;&#10;\end{document}"/>
   <p:tag name="IGUANATEXSIZE" val="20"/>
   <p:tag name="IGUANATEXCURSOR" val="105"/>
+  <p:tag name="TRANSPARENCY" val="Vero"/>
+  <p:tag name="FILENAME" val=""/>
+  <p:tag name="LATEXENGINEID" val="0"/>
+  <p:tag name="TEMPFOLDER" val="c:\temp\"/>
+  <p:tag name="LATEXFORMHEIGHT" val="312"/>
+  <p:tag name="LATEXFORMWIDTH" val="384"/>
+  <p:tag name="LATEXFORMWRAP" val="Vero"/>
+  <p:tag name="BITMAPVECTOR" val="0"/>
+</p:tagLst>
+</file>
+
+<file path=ppt/tags/tag10.xml><?xml version="1.0" encoding="utf-8"?>
+<p:tagLst xmlns:a="http://schemas.openxmlformats.org/drawingml/2006/main" xmlns:r="http://schemas.openxmlformats.org/officeDocument/2006/relationships" xmlns:p="http://schemas.openxmlformats.org/presentationml/2006/main">
+  <p:tag name="OUTPUTDPI" val="1200"/>
+  <p:tag name="ORIGINALHEIGHT" val="122,9846"/>
+  <p:tag name="ORIGINALWIDTH" val="1085,864"/>
+  <p:tag name="LATEXADDIN" val="\documentclass{article}&#10;\usepackage{amsmath}&#10;\pagestyle{empty}&#10;\begin{document}&#10;&#10;$d_{up}=d_{fu}-d_{fp}=5$&#10;&#10;&#10;\end{document}"/>
+  <p:tag name="IGUANATEXSIZE" val="20"/>
+  <p:tag name="IGUANATEXCURSOR" val="89"/>
+  <p:tag name="TRANSPARENCY" val="Vero"/>
+  <p:tag name="FILENAME" val=""/>
+  <p:tag name="LATEXENGINEID" val="0"/>
+  <p:tag name="TEMPFOLDER" val="c:\temp\"/>
+  <p:tag name="LATEXFORMHEIGHT" val="312"/>
+  <p:tag name="LATEXFORMWIDTH" val="384"/>
+  <p:tag name="LATEXFORMWRAP" val="Vero"/>
+  <p:tag name="BITMAPVECTOR" val="0"/>
+</p:tagLst>
+</file>
+
+<file path=ppt/tags/tag11.xml><?xml version="1.0" encoding="utf-8"?>
+<p:tagLst xmlns:a="http://schemas.openxmlformats.org/drawingml/2006/main" xmlns:r="http://schemas.openxmlformats.org/officeDocument/2006/relationships" xmlns:p="http://schemas.openxmlformats.org/presentationml/2006/main">
+  <p:tag name="OUTPUTDPI" val="1200"/>
+  <p:tag name="ORIGINALHEIGHT" val="122,2347"/>
+  <p:tag name="ORIGINALWIDTH" val="1036,37"/>
+  <p:tag name="LATEXADDIN" val="\documentclass{article}&#10;\usepackage{amsmath}&#10;\pagestyle{empty}&#10;\begin{document}&#10;&#10;$d_{sp}=d_{bs}-d_{bp}=4$&#10;&#10;&#10;\end{document}"/>
+  <p:tag name="IGUANATEXSIZE" val="20"/>
+  <p:tag name="IGUANATEXCURSOR" val="104"/>
+  <p:tag name="TRANSPARENCY" val="Vero"/>
+  <p:tag name="FILENAME" val=""/>
+  <p:tag name="LATEXENGINEID" val="0"/>
+  <p:tag name="TEMPFOLDER" val="c:\temp\"/>
+  <p:tag name="LATEXFORMHEIGHT" val="312"/>
+  <p:tag name="LATEXFORMWIDTH" val="384"/>
+  <p:tag name="LATEXFORMWRAP" val="Vero"/>
+  <p:tag name="BITMAPVECTOR" val="0"/>
+</p:tagLst>
+</file>
+
+<file path=ppt/tags/tag12.xml><?xml version="1.0" encoding="utf-8"?>
+<p:tagLst xmlns:a="http://schemas.openxmlformats.org/drawingml/2006/main" xmlns:r="http://schemas.openxmlformats.org/officeDocument/2006/relationships" xmlns:p="http://schemas.openxmlformats.org/presentationml/2006/main">
+  <p:tag name="OUTPUTDPI" val="1200"/>
+  <p:tag name="ORIGINALHEIGHT" val="122,2347"/>
+  <p:tag name="ORIGINALWIDTH" val="1522,31"/>
+  <p:tag name="LATEXADDIN" val="\documentclass{article}&#10;\usepackage{amsmath}&#10;\pagestyle{empty}&#10;\begin{document}&#10;&#10;\[d_{kp}=d_{up}-d_{uk}=5-2=3\]&#10;&#10;&#10;\end{document}"/>
+  <p:tag name="IGUANATEXSIZE" val="20"/>
+  <p:tag name="IGUANATEXCURSOR" val="90"/>
+  <p:tag name="TRANSPARENCY" val="Vero"/>
+  <p:tag name="FILENAME" val=""/>
+  <p:tag name="LATEXENGINEID" val="0"/>
+  <p:tag name="TEMPFOLDER" val="c:\temp\"/>
+  <p:tag name="LATEXFORMHEIGHT" val="312"/>
+  <p:tag name="LATEXFORMWIDTH" val="384"/>
+  <p:tag name="LATEXFORMWRAP" val="Vero"/>
+  <p:tag name="BITMAPVECTOR" val="0"/>
+</p:tagLst>
+</file>
+
+<file path=ppt/tags/tag13.xml><?xml version="1.0" encoding="utf-8"?>
+<p:tagLst xmlns:a="http://schemas.openxmlformats.org/drawingml/2006/main" xmlns:r="http://schemas.openxmlformats.org/officeDocument/2006/relationships" xmlns:p="http://schemas.openxmlformats.org/presentationml/2006/main">
+  <p:tag name="OUTPUTDPI" val="1200"/>
+  <p:tag name="ORIGINALHEIGHT" val="140,9824"/>
+  <p:tag name="ORIGINALWIDTH" val="1808,024"/>
+  <p:tag name="LATEXADDIN" val="\documentclass{article}&#10;\usepackage{amsmath}&#10;\pagestyle{empty}&#10;\begin{document}&#10;&#10;\[T(step 1)=O(n) \times O(n) = O(n^2)\]&#10;&#10;&#10;\end{document}"/>
+  <p:tag name="IGUANATEXSIZE" val="14"/>
+  <p:tag name="IGUANATEXCURSOR" val="120"/>
+  <p:tag name="TRANSPARENCY" val="Vero"/>
+  <p:tag name="FILENAME" val=""/>
+  <p:tag name="LATEXENGINEID" val="0"/>
+  <p:tag name="TEMPFOLDER" val="c:\temp\"/>
+  <p:tag name="LATEXFORMHEIGHT" val="312"/>
+  <p:tag name="LATEXFORMWIDTH" val="384"/>
+  <p:tag name="LATEXFORMWRAP" val="Vero"/>
+  <p:tag name="BITMAPVECTOR" val="0"/>
+</p:tagLst>
+</file>
+
+<file path=ppt/tags/tag14.xml><?xml version="1.0" encoding="utf-8"?>
+<p:tagLst xmlns:a="http://schemas.openxmlformats.org/drawingml/2006/main" xmlns:r="http://schemas.openxmlformats.org/officeDocument/2006/relationships" xmlns:p="http://schemas.openxmlformats.org/presentationml/2006/main">
+  <p:tag name="OUTPUTDPI" val="1200"/>
+  <p:tag name="ORIGINALHEIGHT" val="125,2343"/>
+  <p:tag name="ORIGINALWIDTH" val="1740,532"/>
+  <p:tag name="LATEXADDIN" val="\documentclass{article}&#10;\usepackage{amsmath}&#10;\pagestyle{empty}&#10;\begin{document}&#10;&#10;\[T(step 2)=O(n)+O(1) \simeq O(n)\]&#10;&#10;&#10;\end{document}"/>
+  <p:tag name="IGUANATEXSIZE" val="14"/>
+  <p:tag name="IGUANATEXCURSOR" val="116"/>
+  <p:tag name="TRANSPARENCY" val="Vero"/>
+  <p:tag name="FILENAME" val=""/>
+  <p:tag name="LATEXENGINEID" val="0"/>
+  <p:tag name="TEMPFOLDER" val="c:\temp\"/>
+  <p:tag name="LATEXFORMHEIGHT" val="312"/>
+  <p:tag name="LATEXFORMWIDTH" val="384"/>
+  <p:tag name="LATEXFORMWRAP" val="Vero"/>
+  <p:tag name="BITMAPVECTOR" val="0"/>
+</p:tagLst>
+</file>
+
+<file path=ppt/tags/tag15.xml><?xml version="1.0" encoding="utf-8"?>
+<p:tagLst xmlns:a="http://schemas.openxmlformats.org/drawingml/2006/main" xmlns:r="http://schemas.openxmlformats.org/officeDocument/2006/relationships" xmlns:p="http://schemas.openxmlformats.org/presentationml/2006/main">
+  <p:tag name="OUTPUTDPI" val="1200"/>
+  <p:tag name="ORIGINALHEIGHT" val="125,2343"/>
+  <p:tag name="ORIGINALWIDTH" val="1019,123"/>
+  <p:tag name="LATEXADDIN" val="\documentclass{article}&#10;\usepackage{amsmath}&#10;\pagestyle{empty}&#10;\begin{document}&#10;&#10; \[T(step 3)=O(n/2)\]&#10;&#10;&#10;\end{document}"/>
+  <p:tag name="IGUANATEXSIZE" val="14"/>
+  <p:tag name="IGUANATEXCURSOR" val="102"/>
+  <p:tag name="TRANSPARENCY" val="Vero"/>
+  <p:tag name="FILENAME" val=""/>
+  <p:tag name="LATEXENGINEID" val="0"/>
+  <p:tag name="TEMPFOLDER" val="c:\temp\"/>
+  <p:tag name="LATEXFORMHEIGHT" val="312"/>
+  <p:tag name="LATEXFORMWIDTH" val="384"/>
+  <p:tag name="LATEXFORMWRAP" val="Vero"/>
+  <p:tag name="BITMAPVECTOR" val="0"/>
+</p:tagLst>
+</file>
+
+<file path=ppt/tags/tag16.xml><?xml version="1.0" encoding="utf-8"?>
+<p:tagLst xmlns:a="http://schemas.openxmlformats.org/drawingml/2006/main" xmlns:r="http://schemas.openxmlformats.org/officeDocument/2006/relationships" xmlns:p="http://schemas.openxmlformats.org/presentationml/2006/main">
+  <p:tag name="OUTPUTDPI" val="1200"/>
+  <p:tag name="ORIGINALHEIGHT" val="140,9824"/>
+  <p:tag name="ORIGINALWIDTH" val="2866,892"/>
+  <p:tag name="LATEXADDIN" val="\documentclass{article}&#10;\usepackage{amsmath}&#10;\pagestyle{empty}&#10;\begin{document}&#10;&#10;\[T(totale)=T(step 1)+T(step 2)+T(step 3) \simeq O(n^2)\]&#10;&#10;&#10;\end{document}"/>
+  <p:tag name="IGUANATEXSIZE" val="14"/>
+  <p:tag name="IGUANATEXCURSOR" val="136"/>
   <p:tag name="TRANSPARENCY" val="Vero"/>
   <p:tag name="FILENAME" val=""/>
   <p:tag name="LATEXENGINEID" val="0"/>

--- a/Discussione Laurea/Slides.pptx
+++ b/Discussione Laurea/Slides.pptx
@@ -5,10 +5,10 @@
     <p:sldMasterId id="2147483648" r:id="rId1"/>
   </p:sldMasterIdLst>
   <p:notesMasterIdLst>
-    <p:notesMasterId r:id="rId11"/>
+    <p:notesMasterId r:id="rId12"/>
   </p:notesMasterIdLst>
   <p:handoutMasterIdLst>
-    <p:handoutMasterId r:id="rId12"/>
+    <p:handoutMasterId r:id="rId13"/>
   </p:handoutMasterIdLst>
   <p:sldIdLst>
     <p:sldId id="256" r:id="rId2"/>
@@ -20,6 +20,7 @@
     <p:sldId id="266" r:id="rId8"/>
     <p:sldId id="267" r:id="rId9"/>
     <p:sldId id="268" r:id="rId10"/>
+    <p:sldId id="269" r:id="rId11"/>
   </p:sldIdLst>
   <p:sldSz cx="9144000" cy="6858000" type="screen4x3"/>
   <p:notesSz cx="6858000" cy="9144000"/>
@@ -220,7 +221,7 @@
             <a:fld id="{45BF3CCC-77DD-F84F-A249-CA3C5045A043}" type="datetime1">
               <a:rPr lang="it-IT" smtClean="0"/>
               <a:pPr/>
-              <a:t>27/06/2019</a:t>
+              <a:t>28/06/2019</a:t>
             </a:fld>
             <a:endParaRPr lang="it-IT"/>
           </a:p>
@@ -388,7 +389,7 @@
             <a:fld id="{FE692227-D6DC-FD45-9507-DB2BAD58473C}" type="datetime1">
               <a:rPr lang="it-IT" smtClean="0"/>
               <a:pPr/>
-              <a:t>27/06/2019</a:t>
+              <a:t>28/06/2019</a:t>
             </a:fld>
             <a:endParaRPr lang="it-IT"/>
           </a:p>
@@ -1337,6 +1338,91 @@
 </p:notes>
 </file>
 
+<file path=ppt/notesSlides/notesSlide9.xml><?xml version="1.0" encoding="utf-8"?>
+<p:notes xmlns:a="http://schemas.openxmlformats.org/drawingml/2006/main" xmlns:r="http://schemas.openxmlformats.org/officeDocument/2006/relationships" xmlns:p="http://schemas.openxmlformats.org/presentationml/2006/main">
+  <p:cSld>
+    <p:spTree>
+      <p:nvGrpSpPr>
+        <p:cNvPr id="1" name=""/>
+        <p:cNvGrpSpPr/>
+        <p:nvPr/>
+      </p:nvGrpSpPr>
+      <p:grpSpPr>
+        <a:xfrm>
+          <a:off x="0" y="0"/>
+          <a:ext cx="0" cy="0"/>
+          <a:chOff x="0" y="0"/>
+          <a:chExt cx="0" cy="0"/>
+        </a:xfrm>
+      </p:grpSpPr>
+      <p:sp>
+        <p:nvSpPr>
+          <p:cNvPr id="2" name="Segnaposto immagine diapositiva 1"/>
+          <p:cNvSpPr>
+            <a:spLocks noGrp="1" noRot="1" noChangeAspect="1"/>
+          </p:cNvSpPr>
+          <p:nvPr>
+            <p:ph type="sldImg"/>
+          </p:nvPr>
+        </p:nvSpPr>
+        <p:spPr/>
+      </p:sp>
+      <p:sp>
+        <p:nvSpPr>
+          <p:cNvPr id="3" name="Segnaposto note 2"/>
+          <p:cNvSpPr>
+            <a:spLocks noGrp="1"/>
+          </p:cNvSpPr>
+          <p:nvPr>
+            <p:ph type="body" idx="1"/>
+          </p:nvPr>
+        </p:nvSpPr>
+        <p:spPr/>
+        <p:txBody>
+          <a:bodyPr/>
+          <a:lstStyle/>
+          <a:p>
+            <a:endParaRPr lang="it-IT"/>
+          </a:p>
+        </p:txBody>
+      </p:sp>
+      <p:sp>
+        <p:nvSpPr>
+          <p:cNvPr id="4" name="Segnaposto numero diapositiva 3"/>
+          <p:cNvSpPr>
+            <a:spLocks noGrp="1"/>
+          </p:cNvSpPr>
+          <p:nvPr>
+            <p:ph type="sldNum" sz="quarter" idx="10"/>
+          </p:nvPr>
+        </p:nvSpPr>
+        <p:spPr/>
+        <p:txBody>
+          <a:bodyPr/>
+          <a:lstStyle/>
+          <a:p>
+            <a:fld id="{96986711-015B-0142-88C4-65D50E44FA77}" type="slidenum">
+              <a:rPr lang="it-IT" smtClean="0"/>
+              <a:pPr/>
+              <a:t>10</a:t>
+            </a:fld>
+            <a:endParaRPr lang="it-IT"/>
+          </a:p>
+        </p:txBody>
+      </p:sp>
+    </p:spTree>
+    <p:extLst>
+      <p:ext uri="{BB962C8B-B14F-4D97-AF65-F5344CB8AC3E}">
+        <p14:creationId xmlns:p14="http://schemas.microsoft.com/office/powerpoint/2010/main" val="516373802"/>
+      </p:ext>
+    </p:extLst>
+  </p:cSld>
+  <p:clrMapOvr>
+    <a:masterClrMapping/>
+  </p:clrMapOvr>
+</p:notes>
+</file>
+
 <file path=ppt/slideLayouts/slideLayout1.xml><?xml version="1.0" encoding="utf-8"?>
 <p:sldLayout xmlns:a="http://schemas.openxmlformats.org/drawingml/2006/main" xmlns:r="http://schemas.openxmlformats.org/officeDocument/2006/relationships" xmlns:p="http://schemas.openxmlformats.org/presentationml/2006/main" type="title" preserve="1">
   <p:cSld name="Diapositiva titolo">
@@ -1517,7 +1603,7 @@
             <a:fld id="{AD8BF249-6BAC-CD40-AAE9-334F110649E5}" type="datetimeFigureOut">
               <a:rPr lang="it-IT" smtClean="0"/>
               <a:pPr/>
-              <a:t>27/06/2019</a:t>
+              <a:t>28/06/2019</a:t>
             </a:fld>
             <a:endParaRPr lang="it-IT"/>
           </a:p>
@@ -1687,7 +1773,7 @@
             <a:fld id="{AD8BF249-6BAC-CD40-AAE9-334F110649E5}" type="datetimeFigureOut">
               <a:rPr lang="it-IT" smtClean="0"/>
               <a:pPr/>
-              <a:t>27/06/2019</a:t>
+              <a:t>28/06/2019</a:t>
             </a:fld>
             <a:endParaRPr lang="it-IT"/>
           </a:p>
@@ -1867,7 +1953,7 @@
             <a:fld id="{AD8BF249-6BAC-CD40-AAE9-334F110649E5}" type="datetimeFigureOut">
               <a:rPr lang="it-IT" smtClean="0"/>
               <a:pPr/>
-              <a:t>27/06/2019</a:t>
+              <a:t>28/06/2019</a:t>
             </a:fld>
             <a:endParaRPr lang="it-IT"/>
           </a:p>
@@ -2037,7 +2123,7 @@
             <a:fld id="{AD8BF249-6BAC-CD40-AAE9-334F110649E5}" type="datetimeFigureOut">
               <a:rPr lang="it-IT" smtClean="0"/>
               <a:pPr/>
-              <a:t>27/06/2019</a:t>
+              <a:t>28/06/2019</a:t>
             </a:fld>
             <a:endParaRPr lang="it-IT"/>
           </a:p>
@@ -2284,7 +2370,7 @@
             <a:fld id="{AD8BF249-6BAC-CD40-AAE9-334F110649E5}" type="datetimeFigureOut">
               <a:rPr lang="it-IT" smtClean="0"/>
               <a:pPr/>
-              <a:t>27/06/2019</a:t>
+              <a:t>28/06/2019</a:t>
             </a:fld>
             <a:endParaRPr lang="it-IT"/>
           </a:p>
@@ -2571,7 +2657,7 @@
             <a:fld id="{AD8BF249-6BAC-CD40-AAE9-334F110649E5}" type="datetimeFigureOut">
               <a:rPr lang="it-IT" smtClean="0"/>
               <a:pPr/>
-              <a:t>27/06/2019</a:t>
+              <a:t>28/06/2019</a:t>
             </a:fld>
             <a:endParaRPr lang="it-IT"/>
           </a:p>
@@ -2992,7 +3078,7 @@
             <a:fld id="{AD8BF249-6BAC-CD40-AAE9-334F110649E5}" type="datetimeFigureOut">
               <a:rPr lang="it-IT" smtClean="0"/>
               <a:pPr/>
-              <a:t>27/06/2019</a:t>
+              <a:t>28/06/2019</a:t>
             </a:fld>
             <a:endParaRPr lang="it-IT"/>
           </a:p>
@@ -3111,7 +3197,7 @@
             <a:fld id="{AD8BF249-6BAC-CD40-AAE9-334F110649E5}" type="datetimeFigureOut">
               <a:rPr lang="it-IT" smtClean="0"/>
               <a:pPr/>
-              <a:t>27/06/2019</a:t>
+              <a:t>28/06/2019</a:t>
             </a:fld>
             <a:endParaRPr lang="it-IT"/>
           </a:p>
@@ -3208,7 +3294,7 @@
             <a:fld id="{AD8BF249-6BAC-CD40-AAE9-334F110649E5}" type="datetimeFigureOut">
               <a:rPr lang="it-IT" smtClean="0"/>
               <a:pPr/>
-              <a:t>27/06/2019</a:t>
+              <a:t>28/06/2019</a:t>
             </a:fld>
             <a:endParaRPr lang="it-IT"/>
           </a:p>
@@ -3485,7 +3571,7 @@
             <a:fld id="{AD8BF249-6BAC-CD40-AAE9-334F110649E5}" type="datetimeFigureOut">
               <a:rPr lang="it-IT" smtClean="0"/>
               <a:pPr/>
-              <a:t>27/06/2019</a:t>
+              <a:t>28/06/2019</a:t>
             </a:fld>
             <a:endParaRPr lang="it-IT"/>
           </a:p>
@@ -3739,7 +3825,7 @@
             <a:fld id="{AD8BF249-6BAC-CD40-AAE9-334F110649E5}" type="datetimeFigureOut">
               <a:rPr lang="it-IT" smtClean="0"/>
               <a:pPr/>
-              <a:t>27/06/2019</a:t>
+              <a:t>28/06/2019</a:t>
             </a:fld>
             <a:endParaRPr lang="it-IT"/>
           </a:p>
@@ -3952,7 +4038,7 @@
             <a:fld id="{AD8BF249-6BAC-CD40-AAE9-334F110649E5}" type="datetimeFigureOut">
               <a:rPr lang="it-IT" smtClean="0"/>
               <a:pPr/>
-              <a:t>27/06/2019</a:t>
+              <a:t>28/06/2019</a:t>
             </a:fld>
             <a:endParaRPr lang="it-IT"/>
           </a:p>
@@ -4569,6 +4655,1217 @@
     <p:extLst>
       <p:ext uri="{BB962C8B-B14F-4D97-AF65-F5344CB8AC3E}">
         <p14:creationId xmlns:p14="http://schemas.microsoft.com/office/powerpoint/2010/main" val="3311714463"/>
+      </p:ext>
+    </p:extLst>
+  </p:cSld>
+  <p:clrMapOvr>
+    <a:masterClrMapping/>
+  </p:clrMapOvr>
+</p:sld>
+</file>
+
+<file path=ppt/slides/slide10.xml><?xml version="1.0" encoding="utf-8"?>
+<p:sld xmlns:a="http://schemas.openxmlformats.org/drawingml/2006/main" xmlns:r="http://schemas.openxmlformats.org/officeDocument/2006/relationships" xmlns:p="http://schemas.openxmlformats.org/presentationml/2006/main">
+  <p:cSld>
+    <p:spTree>
+      <p:nvGrpSpPr>
+        <p:cNvPr id="1" name=""/>
+        <p:cNvGrpSpPr/>
+        <p:nvPr/>
+      </p:nvGrpSpPr>
+      <p:grpSpPr>
+        <a:xfrm>
+          <a:off x="0" y="0"/>
+          <a:ext cx="0" cy="0"/>
+          <a:chOff x="0" y="0"/>
+          <a:chExt cx="0" cy="0"/>
+        </a:xfrm>
+      </p:grpSpPr>
+      <p:pic>
+        <p:nvPicPr>
+          <p:cNvPr id="2" name="Immagine 1"/>
+          <p:cNvPicPr>
+            <a:picLocks noChangeAspect="1"/>
+          </p:cNvPicPr>
+          <p:nvPr/>
+        </p:nvPicPr>
+        <p:blipFill>
+          <a:blip r:embed="rId4"/>
+          <a:stretch>
+            <a:fillRect/>
+          </a:stretch>
+        </p:blipFill>
+        <p:spPr>
+          <a:xfrm>
+            <a:off x="-1" y="3123"/>
+            <a:ext cx="9143817" cy="6872495"/>
+          </a:xfrm>
+          <a:prstGeom prst="rect">
+            <a:avLst/>
+          </a:prstGeom>
+        </p:spPr>
+      </p:pic>
+      <p:sp>
+        <p:nvSpPr>
+          <p:cNvPr id="7" name="CasellaDiTesto 6"/>
+          <p:cNvSpPr txBox="1"/>
+          <p:nvPr/>
+        </p:nvSpPr>
+        <p:spPr>
+          <a:xfrm>
+            <a:off x="9061" y="649703"/>
+            <a:ext cx="2490299" cy="461665"/>
+          </a:xfrm>
+          <a:prstGeom prst="rect">
+            <a:avLst/>
+          </a:prstGeom>
+          <a:noFill/>
+        </p:spPr>
+        <p:txBody>
+          <a:bodyPr wrap="square" rtlCol="0">
+            <a:spAutoFit/>
+          </a:bodyPr>
+          <a:lstStyle/>
+          <a:p>
+            <a:r>
+              <a:rPr lang="it-IT" sz="2400" b="1" dirty="0">
+                <a:solidFill>
+                  <a:schemeClr val="accent1">
+                    <a:lumMod val="75000"/>
+                  </a:schemeClr>
+                </a:solidFill>
+                <a:latin typeface="Arial"/>
+                <a:cs typeface="Arial"/>
+              </a:rPr>
+              <a:t>Albero Additivo</a:t>
+            </a:r>
+          </a:p>
+        </p:txBody>
+      </p:sp>
+      <p:sp>
+        <p:nvSpPr>
+          <p:cNvPr id="12" name="Rettangolo 11"/>
+          <p:cNvSpPr/>
+          <p:nvPr/>
+        </p:nvSpPr>
+        <p:spPr>
+          <a:xfrm>
+            <a:off x="8255000" y="6366466"/>
+            <a:ext cx="280763" cy="501650"/>
+          </a:xfrm>
+          <a:prstGeom prst="rect">
+            <a:avLst/>
+          </a:prstGeom>
+          <a:solidFill>
+            <a:srgbClr val="003053"/>
+          </a:solidFill>
+        </p:spPr>
+        <p:style>
+          <a:lnRef idx="1">
+            <a:schemeClr val="accent1"/>
+          </a:lnRef>
+          <a:fillRef idx="3">
+            <a:schemeClr val="accent1"/>
+          </a:fillRef>
+          <a:effectRef idx="2">
+            <a:schemeClr val="accent1"/>
+          </a:effectRef>
+          <a:fontRef idx="minor">
+            <a:schemeClr val="lt1"/>
+          </a:fontRef>
+        </p:style>
+        <p:txBody>
+          <a:bodyPr rtlCol="0" anchor="ctr"/>
+          <a:lstStyle/>
+          <a:p>
+            <a:pPr algn="ctr"/>
+            <a:endParaRPr lang="it-IT">
+              <a:solidFill>
+                <a:srgbClr val="003257"/>
+              </a:solidFill>
+            </a:endParaRPr>
+          </a:p>
+        </p:txBody>
+      </p:sp>
+      <p:sp>
+        <p:nvSpPr>
+          <p:cNvPr id="11" name="Segnaposto numero diapositiva 10"/>
+          <p:cNvSpPr>
+            <a:spLocks noGrp="1"/>
+          </p:cNvSpPr>
+          <p:nvPr>
+            <p:ph type="sldNum" sz="quarter" idx="12"/>
+          </p:nvPr>
+        </p:nvSpPr>
+        <p:spPr>
+          <a:xfrm>
+            <a:off x="6402163" y="6356350"/>
+            <a:ext cx="2133600" cy="365125"/>
+          </a:xfrm>
+        </p:spPr>
+        <p:txBody>
+          <a:bodyPr/>
+          <a:lstStyle/>
+          <a:p>
+            <a:fld id="{8EB8520A-26EA-DE4B-B141-4532FC98FF0E}" type="slidenum">
+              <a:rPr lang="it-IT" b="1" smtClean="0">
+                <a:solidFill>
+                  <a:schemeClr val="bg1"/>
+                </a:solidFill>
+                <a:latin typeface="Arial"/>
+                <a:cs typeface="Arial"/>
+              </a:rPr>
+              <a:pPr/>
+              <a:t>10</a:t>
+            </a:fld>
+            <a:endParaRPr lang="it-IT" b="1" dirty="0">
+              <a:solidFill>
+                <a:schemeClr val="bg1"/>
+              </a:solidFill>
+              <a:latin typeface="Arial"/>
+              <a:cs typeface="Arial"/>
+            </a:endParaRPr>
+          </a:p>
+        </p:txBody>
+      </p:sp>
+      <p:sp>
+        <p:nvSpPr>
+          <p:cNvPr id="10" name="CasellaDiTesto 9"/>
+          <p:cNvSpPr txBox="1"/>
+          <p:nvPr/>
+        </p:nvSpPr>
+        <p:spPr>
+          <a:xfrm>
+            <a:off x="5735951" y="51433"/>
+            <a:ext cx="2957862" cy="215444"/>
+          </a:xfrm>
+          <a:prstGeom prst="rect">
+            <a:avLst/>
+          </a:prstGeom>
+          <a:noFill/>
+        </p:spPr>
+        <p:txBody>
+          <a:bodyPr wrap="none" rtlCol="0">
+            <a:spAutoFit/>
+          </a:bodyPr>
+          <a:lstStyle/>
+          <a:p>
+            <a:pPr algn="r"/>
+            <a:r>
+              <a:rPr lang="it-IT" sz="800" b="1" dirty="0">
+                <a:solidFill>
+                  <a:schemeClr val="bg1"/>
+                </a:solidFill>
+                <a:latin typeface="Arial"/>
+                <a:cs typeface="Arial"/>
+              </a:rPr>
+              <a:t>Applicazioni dell’algoritmica alla biologia: alberi evolutivi</a:t>
+            </a:r>
+          </a:p>
+        </p:txBody>
+      </p:sp>
+      <p:sp>
+        <p:nvSpPr>
+          <p:cNvPr id="14" name="CasellaDiTesto 13"/>
+          <p:cNvSpPr txBox="1"/>
+          <p:nvPr/>
+        </p:nvSpPr>
+        <p:spPr>
+          <a:xfrm>
+            <a:off x="7082015" y="403482"/>
+            <a:ext cx="1621846" cy="492443"/>
+          </a:xfrm>
+          <a:prstGeom prst="rect">
+            <a:avLst/>
+          </a:prstGeom>
+          <a:noFill/>
+        </p:spPr>
+        <p:txBody>
+          <a:bodyPr wrap="none" rtlCol="0">
+            <a:spAutoFit/>
+          </a:bodyPr>
+          <a:lstStyle/>
+          <a:p>
+            <a:pPr algn="r"/>
+            <a:r>
+              <a:rPr lang="it-IT" sz="800" dirty="0">
+                <a:solidFill>
+                  <a:schemeClr val="bg1"/>
+                </a:solidFill>
+                <a:latin typeface="Arial"/>
+                <a:cs typeface="Arial"/>
+              </a:rPr>
+              <a:t>Firenze, 12 luglio 2019</a:t>
+            </a:r>
+          </a:p>
+          <a:p>
+            <a:endParaRPr lang="it-IT" dirty="0"/>
+          </a:p>
+        </p:txBody>
+      </p:sp>
+      <p:sp>
+        <p:nvSpPr>
+          <p:cNvPr id="53" name="CasellaDiTesto 52">
+            <a:extLst>
+              <a:ext uri="{FF2B5EF4-FFF2-40B4-BE49-F238E27FC236}">
+                <a16:creationId xmlns:a16="http://schemas.microsoft.com/office/drawing/2014/main" id="{C4172192-17B0-4035-AFD1-CBC8BDE7E4CD}"/>
+              </a:ext>
+            </a:extLst>
+          </p:cNvPr>
+          <p:cNvSpPr txBox="1"/>
+          <p:nvPr/>
+        </p:nvSpPr>
+        <p:spPr>
+          <a:xfrm>
+            <a:off x="9062" y="1077183"/>
+            <a:ext cx="1082892" cy="369332"/>
+          </a:xfrm>
+          <a:prstGeom prst="rect">
+            <a:avLst/>
+          </a:prstGeom>
+          <a:noFill/>
+        </p:spPr>
+        <p:txBody>
+          <a:bodyPr wrap="square" rtlCol="0">
+            <a:spAutoFit/>
+          </a:bodyPr>
+          <a:lstStyle/>
+          <a:p>
+            <a:r>
+              <a:rPr lang="it-IT" i="1" dirty="0">
+                <a:latin typeface="Arial"/>
+                <a:cs typeface="Arial"/>
+              </a:rPr>
+              <a:t>Parte 1</a:t>
+            </a:r>
+          </a:p>
+        </p:txBody>
+      </p:sp>
+      <mc:AlternateContent xmlns:mc="http://schemas.openxmlformats.org/markup-compatibility/2006">
+        <mc:Choice xmlns:a14="http://schemas.microsoft.com/office/drawing/2010/main" Requires="a14">
+          <p:sp>
+            <p:nvSpPr>
+              <p:cNvPr id="26" name="CasellaDiTesto 25">
+                <a:extLst>
+                  <a:ext uri="{FF2B5EF4-FFF2-40B4-BE49-F238E27FC236}">
+                    <a16:creationId xmlns:a16="http://schemas.microsoft.com/office/drawing/2014/main" id="{B431A250-978E-46E5-B933-19E6232E36AE}"/>
+                  </a:ext>
+                </a:extLst>
+              </p:cNvPr>
+              <p:cNvSpPr txBox="1"/>
+              <p:nvPr/>
+            </p:nvSpPr>
+            <p:spPr>
+              <a:xfrm>
+                <a:off x="9062" y="1488049"/>
+                <a:ext cx="9134754" cy="307777"/>
+              </a:xfrm>
+              <a:prstGeom prst="rect">
+                <a:avLst/>
+              </a:prstGeom>
+              <a:noFill/>
+            </p:spPr>
+            <p:txBody>
+              <a:bodyPr wrap="square" rtlCol="0">
+                <a:spAutoFit/>
+              </a:bodyPr>
+              <a:lstStyle/>
+              <a:p>
+                <a:pPr algn="ctr"/>
+                <a:r>
+                  <a:rPr lang="it-IT" sz="1400" dirty="0">
+                    <a:latin typeface="Arial" panose="020B0604020202020204" pitchFamily="34" charset="0"/>
+                    <a:cs typeface="Arial" panose="020B0604020202020204" pitchFamily="34" charset="0"/>
+                  </a:rPr>
+                  <a:t>Criticità </a:t>
+                </a:r>
+                <a:r>
+                  <a:rPr lang="it-IT" sz="1400" dirty="0">
+                    <a:latin typeface="Arial" panose="020B0604020202020204" pitchFamily="34" charset="0"/>
+                    <a:cs typeface="Arial" panose="020B0604020202020204" pitchFamily="34" charset="0"/>
+                    <a:sym typeface="Wingdings" panose="05000000000000000000" pitchFamily="2" charset="2"/>
+                  </a:rPr>
+                  <a:t> l’elemento più piccolo della matrice </a:t>
+                </a:r>
+                <a14:m>
+                  <m:oMath xmlns:m="http://schemas.openxmlformats.org/officeDocument/2006/math">
+                    <m:r>
+                      <a:rPr lang="it-IT" sz="1400" i="1" dirty="0" smtClean="0">
+                        <a:latin typeface="Cambria Math" panose="02040503050406030204" pitchFamily="18" charset="0"/>
+                        <a:cs typeface="Arial" panose="020B0604020202020204" pitchFamily="34" charset="0"/>
+                        <a:sym typeface="Wingdings" panose="05000000000000000000" pitchFamily="2" charset="2"/>
+                      </a:rPr>
+                      <m:t>𝐷</m:t>
+                    </m:r>
+                  </m:oMath>
+                </a14:m>
+                <a:r>
+                  <a:rPr lang="it-IT" sz="1400" dirty="0">
+                    <a:latin typeface="Arial" panose="020B0604020202020204" pitchFamily="34" charset="0"/>
+                    <a:cs typeface="Arial" panose="020B0604020202020204" pitchFamily="34" charset="0"/>
+                    <a:sym typeface="Wingdings" panose="05000000000000000000" pitchFamily="2" charset="2"/>
+                  </a:rPr>
+                  <a:t> deve corrispondere a due foglie vicine nell’albero </a:t>
+                </a:r>
+                <a14:m>
+                  <m:oMath xmlns:m="http://schemas.openxmlformats.org/officeDocument/2006/math">
+                    <m:r>
+                      <a:rPr lang="it-IT" sz="1400" i="1" dirty="0" smtClean="0">
+                        <a:latin typeface="Cambria Math" panose="02040503050406030204" pitchFamily="18" charset="0"/>
+                        <a:cs typeface="Arial" panose="020B0604020202020204" pitchFamily="34" charset="0"/>
+                        <a:sym typeface="Wingdings" panose="05000000000000000000" pitchFamily="2" charset="2"/>
+                      </a:rPr>
+                      <m:t>𝑇</m:t>
+                    </m:r>
+                  </m:oMath>
+                </a14:m>
+                <a:r>
+                  <a:rPr lang="it-IT" sz="1400" dirty="0">
+                    <a:latin typeface="Arial" panose="020B0604020202020204" pitchFamily="34" charset="0"/>
+                    <a:cs typeface="Arial" panose="020B0604020202020204" pitchFamily="34" charset="0"/>
+                    <a:sym typeface="Wingdings" panose="05000000000000000000" pitchFamily="2" charset="2"/>
+                  </a:rPr>
+                  <a:t>.</a:t>
+                </a:r>
+                <a:endParaRPr lang="it-IT" sz="1400" dirty="0">
+                  <a:latin typeface="Arial" panose="020B0604020202020204" pitchFamily="34" charset="0"/>
+                  <a:cs typeface="Arial" panose="020B0604020202020204" pitchFamily="34" charset="0"/>
+                </a:endParaRPr>
+              </a:p>
+            </p:txBody>
+          </p:sp>
+        </mc:Choice>
+        <mc:Fallback>
+          <p:sp>
+            <p:nvSpPr>
+              <p:cNvPr id="26" name="CasellaDiTesto 25">
+                <a:extLst>
+                  <a:ext uri="{FF2B5EF4-FFF2-40B4-BE49-F238E27FC236}">
+                    <a16:creationId xmlns:a16="http://schemas.microsoft.com/office/drawing/2014/main" id="{B431A250-978E-46E5-B933-19E6232E36AE}"/>
+                  </a:ext>
+                </a:extLst>
+              </p:cNvPr>
+              <p:cNvSpPr txBox="1">
+                <a:spLocks noRot="1" noChangeAspect="1" noMove="1" noResize="1" noEditPoints="1" noAdjustHandles="1" noChangeArrowheads="1" noChangeShapeType="1" noTextEdit="1"/>
+              </p:cNvSpPr>
+              <p:nvPr/>
+            </p:nvSpPr>
+            <p:spPr>
+              <a:xfrm>
+                <a:off x="9062" y="1488049"/>
+                <a:ext cx="9134754" cy="307777"/>
+              </a:xfrm>
+              <a:prstGeom prst="rect">
+                <a:avLst/>
+              </a:prstGeom>
+              <a:blipFill>
+                <a:blip r:embed="rId5"/>
+                <a:stretch>
+                  <a:fillRect t="-3922" b="-19608"/>
+                </a:stretch>
+              </a:blipFill>
+            </p:spPr>
+            <p:txBody>
+              <a:bodyPr/>
+              <a:lstStyle/>
+              <a:p>
+                <a:r>
+                  <a:rPr lang="it-IT">
+                    <a:noFill/>
+                  </a:rPr>
+                  <a:t> </a:t>
+                </a:r>
+              </a:p>
+            </p:txBody>
+          </p:sp>
+        </mc:Fallback>
+      </mc:AlternateContent>
+      <mc:AlternateContent xmlns:mc="http://schemas.openxmlformats.org/markup-compatibility/2006">
+        <mc:Choice xmlns:a14="http://schemas.microsoft.com/office/drawing/2010/main" Requires="a14">
+          <p:sp>
+            <p:nvSpPr>
+              <p:cNvPr id="27" name="CasellaDiTesto 26">
+                <a:extLst>
+                  <a:ext uri="{FF2B5EF4-FFF2-40B4-BE49-F238E27FC236}">
+                    <a16:creationId xmlns:a16="http://schemas.microsoft.com/office/drawing/2014/main" id="{E4A427C9-49C9-4F01-B579-DB27D679860D}"/>
+                  </a:ext>
+                </a:extLst>
+              </p:cNvPr>
+              <p:cNvSpPr txBox="1"/>
+              <p:nvPr/>
+            </p:nvSpPr>
+            <p:spPr>
+              <a:xfrm>
+                <a:off x="-1" y="2024763"/>
+                <a:ext cx="9134754" cy="307777"/>
+              </a:xfrm>
+              <a:prstGeom prst="rect">
+                <a:avLst/>
+              </a:prstGeom>
+              <a:noFill/>
+            </p:spPr>
+            <p:txBody>
+              <a:bodyPr wrap="square" rtlCol="0">
+                <a:spAutoFit/>
+              </a:bodyPr>
+              <a:lstStyle/>
+              <a:p>
+                <a:pPr algn="ctr"/>
+                <a:r>
+                  <a:rPr lang="it-IT" sz="1400" dirty="0">
+                    <a:latin typeface="Arial" panose="020B0604020202020204" pitchFamily="34" charset="0"/>
+                    <a:cs typeface="Arial" panose="020B0604020202020204" pitchFamily="34" charset="0"/>
+                  </a:rPr>
+                  <a:t>Possibile soluzione </a:t>
+                </a:r>
+                <a:r>
+                  <a:rPr lang="it-IT" sz="1400" dirty="0">
+                    <a:latin typeface="Arial" panose="020B0604020202020204" pitchFamily="34" charset="0"/>
+                    <a:cs typeface="Arial" panose="020B0604020202020204" pitchFamily="34" charset="0"/>
+                    <a:sym typeface="Wingdings" panose="05000000000000000000" pitchFamily="2" charset="2"/>
+                  </a:rPr>
+                  <a:t> Invece di cercare le foglie vicine in </a:t>
+                </a:r>
+                <a14:m>
+                  <m:oMath xmlns:m="http://schemas.openxmlformats.org/officeDocument/2006/math">
+                    <m:r>
+                      <a:rPr lang="it-IT" sz="1400" b="0" i="1" smtClean="0">
+                        <a:latin typeface="Cambria Math" panose="02040503050406030204" pitchFamily="18" charset="0"/>
+                        <a:cs typeface="Arial" panose="020B0604020202020204" pitchFamily="34" charset="0"/>
+                        <a:sym typeface="Wingdings" panose="05000000000000000000" pitchFamily="2" charset="2"/>
+                      </a:rPr>
+                      <m:t>𝑇</m:t>
+                    </m:r>
+                  </m:oMath>
+                </a14:m>
+                <a:r>
+                  <a:rPr lang="it-IT" sz="1400" dirty="0">
+                    <a:latin typeface="Arial" panose="020B0604020202020204" pitchFamily="34" charset="0"/>
+                    <a:cs typeface="Arial" panose="020B0604020202020204" pitchFamily="34" charset="0"/>
+                  </a:rPr>
+                  <a:t>, aggiungerle all’albero una alla volta.</a:t>
+                </a:r>
+              </a:p>
+            </p:txBody>
+          </p:sp>
+        </mc:Choice>
+        <mc:Fallback>
+          <p:sp>
+            <p:nvSpPr>
+              <p:cNvPr id="27" name="CasellaDiTesto 26">
+                <a:extLst>
+                  <a:ext uri="{FF2B5EF4-FFF2-40B4-BE49-F238E27FC236}">
+                    <a16:creationId xmlns:a16="http://schemas.microsoft.com/office/drawing/2014/main" id="{E4A427C9-49C9-4F01-B579-DB27D679860D}"/>
+                  </a:ext>
+                </a:extLst>
+              </p:cNvPr>
+              <p:cNvSpPr txBox="1">
+                <a:spLocks noRot="1" noChangeAspect="1" noMove="1" noResize="1" noEditPoints="1" noAdjustHandles="1" noChangeArrowheads="1" noChangeShapeType="1" noTextEdit="1"/>
+              </p:cNvSpPr>
+              <p:nvPr/>
+            </p:nvSpPr>
+            <p:spPr>
+              <a:xfrm>
+                <a:off x="-1" y="2024763"/>
+                <a:ext cx="9134754" cy="307777"/>
+              </a:xfrm>
+              <a:prstGeom prst="rect">
+                <a:avLst/>
+              </a:prstGeom>
+              <a:blipFill>
+                <a:blip r:embed="rId6"/>
+                <a:stretch>
+                  <a:fillRect t="-3922" b="-19608"/>
+                </a:stretch>
+              </a:blipFill>
+            </p:spPr>
+            <p:txBody>
+              <a:bodyPr/>
+              <a:lstStyle/>
+              <a:p>
+                <a:r>
+                  <a:rPr lang="it-IT">
+                    <a:noFill/>
+                  </a:rPr>
+                  <a:t> </a:t>
+                </a:r>
+              </a:p>
+            </p:txBody>
+          </p:sp>
+        </mc:Fallback>
+      </mc:AlternateContent>
+      <p:cxnSp>
+        <p:nvCxnSpPr>
+          <p:cNvPr id="4" name="Connettore 2 3">
+            <a:extLst>
+              <a:ext uri="{FF2B5EF4-FFF2-40B4-BE49-F238E27FC236}">
+                <a16:creationId xmlns:a16="http://schemas.microsoft.com/office/drawing/2014/main" id="{2B5F6E44-8C16-4EFA-A1CA-072372EDC3C8}"/>
+              </a:ext>
+            </a:extLst>
+          </p:cNvPr>
+          <p:cNvCxnSpPr/>
+          <p:nvPr/>
+        </p:nvCxnSpPr>
+        <p:spPr>
+          <a:xfrm>
+            <a:off x="4571907" y="1795826"/>
+            <a:ext cx="0" cy="228937"/>
+          </a:xfrm>
+          <a:prstGeom prst="straightConnector1">
+            <a:avLst/>
+          </a:prstGeom>
+          <a:ln>
+            <a:tailEnd type="triangle"/>
+          </a:ln>
+        </p:spPr>
+        <p:style>
+          <a:lnRef idx="2">
+            <a:schemeClr val="accent1"/>
+          </a:lnRef>
+          <a:fillRef idx="0">
+            <a:schemeClr val="accent1"/>
+          </a:fillRef>
+          <a:effectRef idx="1">
+            <a:schemeClr val="accent1"/>
+          </a:effectRef>
+          <a:fontRef idx="minor">
+            <a:schemeClr val="tx1"/>
+          </a:fontRef>
+        </p:style>
+      </p:cxnSp>
+      <p:sp>
+        <p:nvSpPr>
+          <p:cNvPr id="29" name="CasellaDiTesto 28">
+            <a:extLst>
+              <a:ext uri="{FF2B5EF4-FFF2-40B4-BE49-F238E27FC236}">
+                <a16:creationId xmlns:a16="http://schemas.microsoft.com/office/drawing/2014/main" id="{2DF37E88-5AF1-4FBD-B36B-6E837A119FB5}"/>
+              </a:ext>
+            </a:extLst>
+          </p:cNvPr>
+          <p:cNvSpPr txBox="1"/>
+          <p:nvPr/>
+        </p:nvSpPr>
+        <p:spPr>
+          <a:xfrm>
+            <a:off x="-1" y="2559744"/>
+            <a:ext cx="9134754" cy="307777"/>
+          </a:xfrm>
+          <a:prstGeom prst="rect">
+            <a:avLst/>
+          </a:prstGeom>
+          <a:noFill/>
+        </p:spPr>
+        <p:txBody>
+          <a:bodyPr wrap="square" rtlCol="0">
+            <a:spAutoFit/>
+          </a:bodyPr>
+          <a:lstStyle/>
+          <a:p>
+            <a:pPr algn="ctr"/>
+            <a:r>
+              <a:rPr lang="it-IT" sz="1400" dirty="0">
+                <a:latin typeface="Arial" panose="020B0604020202020204" pitchFamily="34" charset="0"/>
+                <a:cs typeface="Arial" panose="020B0604020202020204" pitchFamily="34" charset="0"/>
+              </a:rPr>
+              <a:t>Nuovo problema </a:t>
+            </a:r>
+            <a:r>
+              <a:rPr lang="it-IT" sz="1400" dirty="0">
+                <a:latin typeface="Arial" panose="020B0604020202020204" pitchFamily="34" charset="0"/>
+                <a:cs typeface="Arial" panose="020B0604020202020204" pitchFamily="34" charset="0"/>
+                <a:sym typeface="Wingdings" panose="05000000000000000000" pitchFamily="2" charset="2"/>
+              </a:rPr>
+              <a:t> Calcolare il peso degli archi che collegano le foglie con i rispettivi genitori (</a:t>
+            </a:r>
+            <a:r>
+              <a:rPr lang="it-IT" sz="1400" i="1" dirty="0">
+                <a:latin typeface="Arial" panose="020B0604020202020204" pitchFamily="34" charset="0"/>
+                <a:cs typeface="Arial" panose="020B0604020202020204" pitchFamily="34" charset="0"/>
+                <a:sym typeface="Wingdings" panose="05000000000000000000" pitchFamily="2" charset="2"/>
+              </a:rPr>
+              <a:t>arti</a:t>
+            </a:r>
+            <a:r>
+              <a:rPr lang="it-IT" sz="1400" dirty="0">
+                <a:latin typeface="Arial" panose="020B0604020202020204" pitchFamily="34" charset="0"/>
+                <a:cs typeface="Arial" panose="020B0604020202020204" pitchFamily="34" charset="0"/>
+                <a:sym typeface="Wingdings" panose="05000000000000000000" pitchFamily="2" charset="2"/>
+              </a:rPr>
+              <a:t>).</a:t>
+            </a:r>
+            <a:endParaRPr lang="it-IT" sz="1400" dirty="0">
+              <a:latin typeface="Arial" panose="020B0604020202020204" pitchFamily="34" charset="0"/>
+              <a:cs typeface="Arial" panose="020B0604020202020204" pitchFamily="34" charset="0"/>
+            </a:endParaRPr>
+          </a:p>
+        </p:txBody>
+      </p:sp>
+      <p:cxnSp>
+        <p:nvCxnSpPr>
+          <p:cNvPr id="6" name="Connettore 2 5">
+            <a:extLst>
+              <a:ext uri="{FF2B5EF4-FFF2-40B4-BE49-F238E27FC236}">
+                <a16:creationId xmlns:a16="http://schemas.microsoft.com/office/drawing/2014/main" id="{9AF063F1-D1D3-4A2C-977D-499394212AE3}"/>
+              </a:ext>
+            </a:extLst>
+          </p:cNvPr>
+          <p:cNvCxnSpPr>
+            <a:cxnSpLocks/>
+            <a:stCxn id="27" idx="2"/>
+          </p:cNvCxnSpPr>
+          <p:nvPr/>
+        </p:nvCxnSpPr>
+        <p:spPr>
+          <a:xfrm>
+            <a:off x="4567376" y="2332540"/>
+            <a:ext cx="0" cy="227204"/>
+          </a:xfrm>
+          <a:prstGeom prst="straightConnector1">
+            <a:avLst/>
+          </a:prstGeom>
+          <a:ln>
+            <a:tailEnd type="triangle"/>
+          </a:ln>
+        </p:spPr>
+        <p:style>
+          <a:lnRef idx="2">
+            <a:schemeClr val="accent1"/>
+          </a:lnRef>
+          <a:fillRef idx="0">
+            <a:schemeClr val="accent1"/>
+          </a:fillRef>
+          <a:effectRef idx="1">
+            <a:schemeClr val="accent1"/>
+          </a:effectRef>
+          <a:fontRef idx="minor">
+            <a:schemeClr val="tx1"/>
+          </a:fontRef>
+        </p:style>
+      </p:cxnSp>
+      <p:sp>
+        <p:nvSpPr>
+          <p:cNvPr id="33" name="CasellaDiTesto 32">
+            <a:extLst>
+              <a:ext uri="{FF2B5EF4-FFF2-40B4-BE49-F238E27FC236}">
+                <a16:creationId xmlns:a16="http://schemas.microsoft.com/office/drawing/2014/main" id="{02EDAB93-891C-4E81-9C8A-6F0DA421FC6B}"/>
+              </a:ext>
+            </a:extLst>
+          </p:cNvPr>
+          <p:cNvSpPr txBox="1"/>
+          <p:nvPr/>
+        </p:nvSpPr>
+        <p:spPr>
+          <a:xfrm>
+            <a:off x="-1" y="3254503"/>
+            <a:ext cx="2959101" cy="338554"/>
+          </a:xfrm>
+          <a:prstGeom prst="rect">
+            <a:avLst/>
+          </a:prstGeom>
+          <a:noFill/>
+        </p:spPr>
+        <p:txBody>
+          <a:bodyPr wrap="square" rtlCol="0">
+            <a:spAutoFit/>
+          </a:bodyPr>
+          <a:lstStyle/>
+          <a:p>
+            <a:r>
+              <a:rPr lang="it-IT" sz="1600" b="1" dirty="0">
+                <a:solidFill>
+                  <a:schemeClr val="accent1">
+                    <a:lumMod val="75000"/>
+                  </a:schemeClr>
+                </a:solidFill>
+                <a:latin typeface="Arial"/>
+                <a:cs typeface="Arial"/>
+              </a:rPr>
+              <a:t>Teorema del peso degli arti:</a:t>
+            </a:r>
+          </a:p>
+        </p:txBody>
+      </p:sp>
+      <mc:AlternateContent xmlns:mc="http://schemas.openxmlformats.org/markup-compatibility/2006">
+        <mc:Choice xmlns:a14="http://schemas.microsoft.com/office/drawing/2010/main" Requires="a14">
+          <p:sp>
+            <p:nvSpPr>
+              <p:cNvPr id="35" name="CasellaDiTesto 34">
+                <a:extLst>
+                  <a:ext uri="{FF2B5EF4-FFF2-40B4-BE49-F238E27FC236}">
+                    <a16:creationId xmlns:a16="http://schemas.microsoft.com/office/drawing/2014/main" id="{C84EA05A-773C-46E3-BCEB-002221CFB655}"/>
+                  </a:ext>
+                </a:extLst>
+              </p:cNvPr>
+              <p:cNvSpPr txBox="1"/>
+              <p:nvPr/>
+            </p:nvSpPr>
+            <p:spPr>
+              <a:xfrm>
+                <a:off x="9246" y="3575326"/>
+                <a:ext cx="9134754" cy="523220"/>
+              </a:xfrm>
+              <a:prstGeom prst="rect">
+                <a:avLst/>
+              </a:prstGeom>
+              <a:noFill/>
+            </p:spPr>
+            <p:txBody>
+              <a:bodyPr wrap="square" rtlCol="0">
+                <a:spAutoFit/>
+              </a:bodyPr>
+              <a:lstStyle/>
+              <a:p>
+                <a:r>
+                  <a:rPr lang="it-IT" sz="1400" dirty="0">
+                    <a:latin typeface="Arial" panose="020B0604020202020204" pitchFamily="34" charset="0"/>
+                    <a:cs typeface="Arial" panose="020B0604020202020204" pitchFamily="34" charset="0"/>
+                  </a:rPr>
+                  <a:t>Sia </a:t>
+                </a:r>
+                <a14:m>
+                  <m:oMath xmlns:m="http://schemas.openxmlformats.org/officeDocument/2006/math">
+                    <m:r>
+                      <a:rPr lang="it-IT" sz="1400" b="0" i="1" smtClean="0">
+                        <a:latin typeface="Cambria Math" panose="02040503050406030204" pitchFamily="18" charset="0"/>
+                        <a:cs typeface="Arial" panose="020B0604020202020204" pitchFamily="34" charset="0"/>
+                      </a:rPr>
+                      <m:t>𝑙𝑖𝑚𝑏𝑤𝑒𝑖𝑔h𝑡</m:t>
+                    </m:r>
+                    <m:r>
+                      <a:rPr lang="it-IT" sz="1400" b="0" i="1" smtClean="0">
+                        <a:latin typeface="Cambria Math" panose="02040503050406030204" pitchFamily="18" charset="0"/>
+                        <a:cs typeface="Arial" panose="020B0604020202020204" pitchFamily="34" charset="0"/>
+                      </a:rPr>
+                      <m:t>(</m:t>
+                    </m:r>
+                    <m:r>
+                      <a:rPr lang="it-IT" sz="1400" b="0" i="1" smtClean="0">
+                        <a:latin typeface="Cambria Math" panose="02040503050406030204" pitchFamily="18" charset="0"/>
+                        <a:cs typeface="Arial" panose="020B0604020202020204" pitchFamily="34" charset="0"/>
+                      </a:rPr>
+                      <m:t>𝑗</m:t>
+                    </m:r>
+                    <m:r>
+                      <a:rPr lang="it-IT" sz="1400" b="0" i="1" smtClean="0">
+                        <a:latin typeface="Cambria Math" panose="02040503050406030204" pitchFamily="18" charset="0"/>
+                        <a:cs typeface="Arial" panose="020B0604020202020204" pitchFamily="34" charset="0"/>
+                      </a:rPr>
+                      <m:t>)</m:t>
+                    </m:r>
+                  </m:oMath>
+                </a14:m>
+                <a:r>
+                  <a:rPr lang="it-IT" sz="1400" dirty="0">
+                    <a:latin typeface="Arial" panose="020B0604020202020204" pitchFamily="34" charset="0"/>
+                    <a:cs typeface="Arial" panose="020B0604020202020204" pitchFamily="34" charset="0"/>
+                  </a:rPr>
+                  <a:t> il peso dell’arto di </a:t>
+                </a:r>
+                <a14:m>
+                  <m:oMath xmlns:m="http://schemas.openxmlformats.org/officeDocument/2006/math">
+                    <m:r>
+                      <a:rPr lang="it-IT" sz="1400" b="0" i="1" smtClean="0">
+                        <a:latin typeface="Cambria Math" panose="02040503050406030204" pitchFamily="18" charset="0"/>
+                        <a:cs typeface="Arial" panose="020B0604020202020204" pitchFamily="34" charset="0"/>
+                      </a:rPr>
+                      <m:t>𝑗</m:t>
+                    </m:r>
+                  </m:oMath>
+                </a14:m>
+                <a:r>
+                  <a:rPr lang="it-IT" sz="1400" dirty="0">
+                    <a:latin typeface="Arial" panose="020B0604020202020204" pitchFamily="34" charset="0"/>
+                    <a:cs typeface="Arial" panose="020B0604020202020204" pitchFamily="34" charset="0"/>
+                  </a:rPr>
+                  <a:t>. Data una matrice delle distanze additiva </a:t>
+                </a:r>
+                <a14:m>
+                  <m:oMath xmlns:m="http://schemas.openxmlformats.org/officeDocument/2006/math">
+                    <m:r>
+                      <a:rPr lang="it-IT" sz="1400" b="0" i="1" smtClean="0">
+                        <a:latin typeface="Cambria Math" panose="02040503050406030204" pitchFamily="18" charset="0"/>
+                        <a:cs typeface="Arial" panose="020B0604020202020204" pitchFamily="34" charset="0"/>
+                      </a:rPr>
+                      <m:t>𝐷</m:t>
+                    </m:r>
+                  </m:oMath>
+                </a14:m>
+                <a:r>
+                  <a:rPr lang="it-IT" sz="1400" dirty="0">
+                    <a:latin typeface="Arial" panose="020B0604020202020204" pitchFamily="34" charset="0"/>
+                    <a:cs typeface="Arial" panose="020B0604020202020204" pitchFamily="34" charset="0"/>
+                  </a:rPr>
+                  <a:t> ed una foglia </a:t>
+                </a:r>
+                <a14:m>
+                  <m:oMath xmlns:m="http://schemas.openxmlformats.org/officeDocument/2006/math">
+                    <m:r>
+                      <a:rPr lang="it-IT" sz="1400" i="1">
+                        <a:latin typeface="Cambria Math" panose="02040503050406030204" pitchFamily="18" charset="0"/>
+                        <a:cs typeface="Arial" panose="020B0604020202020204" pitchFamily="34" charset="0"/>
+                      </a:rPr>
+                      <m:t>𝑗</m:t>
+                    </m:r>
+                  </m:oMath>
+                </a14:m>
+                <a:r>
+                  <a:rPr lang="it-IT" sz="1400" dirty="0">
+                    <a:latin typeface="Arial" panose="020B0604020202020204" pitchFamily="34" charset="0"/>
+                    <a:cs typeface="Arial" panose="020B0604020202020204" pitchFamily="34" charset="0"/>
+                  </a:rPr>
+                  <a:t>, </a:t>
+                </a:r>
+                <a14:m>
+                  <m:oMath xmlns:m="http://schemas.openxmlformats.org/officeDocument/2006/math">
+                    <m:r>
+                      <a:rPr lang="it-IT" sz="1400" i="1">
+                        <a:latin typeface="Cambria Math" panose="02040503050406030204" pitchFamily="18" charset="0"/>
+                        <a:cs typeface="Arial" panose="020B0604020202020204" pitchFamily="34" charset="0"/>
+                      </a:rPr>
+                      <m:t>𝑙𝑖𝑚𝑏𝑤𝑒𝑖𝑔h𝑡</m:t>
+                    </m:r>
+                    <m:r>
+                      <a:rPr lang="it-IT" sz="1400" i="1">
+                        <a:latin typeface="Cambria Math" panose="02040503050406030204" pitchFamily="18" charset="0"/>
+                        <a:cs typeface="Arial" panose="020B0604020202020204" pitchFamily="34" charset="0"/>
+                      </a:rPr>
+                      <m:t>(</m:t>
+                    </m:r>
+                    <m:r>
+                      <a:rPr lang="it-IT" sz="1400" i="1">
+                        <a:latin typeface="Cambria Math" panose="02040503050406030204" pitchFamily="18" charset="0"/>
+                        <a:cs typeface="Arial" panose="020B0604020202020204" pitchFamily="34" charset="0"/>
+                      </a:rPr>
+                      <m:t>𝑗</m:t>
+                    </m:r>
+                    <m:r>
+                      <a:rPr lang="it-IT" sz="1400" i="1">
+                        <a:latin typeface="Cambria Math" panose="02040503050406030204" pitchFamily="18" charset="0"/>
+                        <a:cs typeface="Arial" panose="020B0604020202020204" pitchFamily="34" charset="0"/>
+                      </a:rPr>
+                      <m:t>)</m:t>
+                    </m:r>
+                  </m:oMath>
+                </a14:m>
+                <a:r>
+                  <a:rPr lang="it-IT" sz="1400" dirty="0">
+                    <a:latin typeface="Arial" panose="020B0604020202020204" pitchFamily="34" charset="0"/>
+                    <a:cs typeface="Arial" panose="020B0604020202020204" pitchFamily="34" charset="0"/>
+                  </a:rPr>
+                  <a:t> è uguale al valore minimo di			      tra tutte le foglie </a:t>
+                </a:r>
+                <a14:m>
+                  <m:oMath xmlns:m="http://schemas.openxmlformats.org/officeDocument/2006/math">
+                    <m:r>
+                      <a:rPr lang="it-IT" sz="1400" b="0" i="1" smtClean="0">
+                        <a:latin typeface="Cambria Math" panose="02040503050406030204" pitchFamily="18" charset="0"/>
+                        <a:cs typeface="Arial" panose="020B0604020202020204" pitchFamily="34" charset="0"/>
+                      </a:rPr>
+                      <m:t>𝑖</m:t>
+                    </m:r>
+                  </m:oMath>
+                </a14:m>
+                <a:r>
+                  <a:rPr lang="it-IT" sz="1400" dirty="0">
+                    <a:latin typeface="Arial" panose="020B0604020202020204" pitchFamily="34" charset="0"/>
+                    <a:cs typeface="Arial" panose="020B0604020202020204" pitchFamily="34" charset="0"/>
+                  </a:rPr>
+                  <a:t> e </a:t>
+                </a:r>
+                <a14:m>
+                  <m:oMath xmlns:m="http://schemas.openxmlformats.org/officeDocument/2006/math">
+                    <m:r>
+                      <a:rPr lang="it-IT" sz="1400" b="0" i="1" smtClean="0">
+                        <a:latin typeface="Cambria Math" panose="02040503050406030204" pitchFamily="18" charset="0"/>
+                        <a:cs typeface="Arial" panose="020B0604020202020204" pitchFamily="34" charset="0"/>
+                      </a:rPr>
+                      <m:t>𝑘</m:t>
+                    </m:r>
+                  </m:oMath>
+                </a14:m>
+                <a:r>
+                  <a:rPr lang="it-IT" sz="1400" dirty="0">
+                    <a:latin typeface="Arial" panose="020B0604020202020204" pitchFamily="34" charset="0"/>
+                    <a:cs typeface="Arial" panose="020B0604020202020204" pitchFamily="34" charset="0"/>
+                  </a:rPr>
+                  <a:t>.</a:t>
+                </a:r>
+              </a:p>
+            </p:txBody>
+          </p:sp>
+        </mc:Choice>
+        <mc:Fallback>
+          <p:sp>
+            <p:nvSpPr>
+              <p:cNvPr id="35" name="CasellaDiTesto 34">
+                <a:extLst>
+                  <a:ext uri="{FF2B5EF4-FFF2-40B4-BE49-F238E27FC236}">
+                    <a16:creationId xmlns:a16="http://schemas.microsoft.com/office/drawing/2014/main" id="{C84EA05A-773C-46E3-BCEB-002221CFB655}"/>
+                  </a:ext>
+                </a:extLst>
+              </p:cNvPr>
+              <p:cNvSpPr txBox="1">
+                <a:spLocks noRot="1" noChangeAspect="1" noMove="1" noResize="1" noEditPoints="1" noAdjustHandles="1" noChangeArrowheads="1" noChangeShapeType="1" noTextEdit="1"/>
+              </p:cNvSpPr>
+              <p:nvPr/>
+            </p:nvSpPr>
+            <p:spPr>
+              <a:xfrm>
+                <a:off x="9246" y="3575326"/>
+                <a:ext cx="9134754" cy="523220"/>
+              </a:xfrm>
+              <a:prstGeom prst="rect">
+                <a:avLst/>
+              </a:prstGeom>
+              <a:blipFill>
+                <a:blip r:embed="rId7"/>
+                <a:stretch>
+                  <a:fillRect l="-200" t="-2353" r="-668" b="-11765"/>
+                </a:stretch>
+              </a:blipFill>
+            </p:spPr>
+            <p:txBody>
+              <a:bodyPr/>
+              <a:lstStyle/>
+              <a:p>
+                <a:r>
+                  <a:rPr lang="it-IT">
+                    <a:noFill/>
+                  </a:rPr>
+                  <a:t> </a:t>
+                </a:r>
+              </a:p>
+            </p:txBody>
+          </p:sp>
+        </mc:Fallback>
+      </mc:AlternateContent>
+      <p:pic>
+        <p:nvPicPr>
+          <p:cNvPr id="16" name="Immagine 15">
+            <a:extLst>
+              <a:ext uri="{FF2B5EF4-FFF2-40B4-BE49-F238E27FC236}">
+                <a16:creationId xmlns:a16="http://schemas.microsoft.com/office/drawing/2014/main" id="{5FA29C9E-E156-4A77-BD62-06B38441F900}"/>
+              </a:ext>
+            </a:extLst>
+          </p:cNvPr>
+          <p:cNvPicPr>
+            <a:picLocks noChangeAspect="1"/>
+          </p:cNvPicPr>
+          <p:nvPr>
+            <p:custDataLst>
+              <p:tags r:id="rId1"/>
+            </p:custDataLst>
+          </p:nvPr>
+        </p:nvPicPr>
+        <p:blipFill>
+          <a:blip r:embed="rId8"/>
+          <a:stretch>
+            <a:fillRect/>
+          </a:stretch>
+        </p:blipFill>
+        <p:spPr>
+          <a:xfrm>
+            <a:off x="2228850" y="3846680"/>
+            <a:ext cx="1312462" cy="294770"/>
+          </a:xfrm>
+          <a:prstGeom prst="rect">
+            <a:avLst/>
+          </a:prstGeom>
+        </p:spPr>
+      </p:pic>
+      <p:pic>
+        <p:nvPicPr>
+          <p:cNvPr id="17" name="Immagine 16">
+            <a:extLst>
+              <a:ext uri="{FF2B5EF4-FFF2-40B4-BE49-F238E27FC236}">
+                <a16:creationId xmlns:a16="http://schemas.microsoft.com/office/drawing/2014/main" id="{0F49FD56-3C32-4A32-B301-841F3A9B6CED}"/>
+              </a:ext>
+            </a:extLst>
+          </p:cNvPr>
+          <p:cNvPicPr>
+            <a:picLocks noChangeAspect="1"/>
+          </p:cNvPicPr>
+          <p:nvPr/>
+        </p:nvPicPr>
+        <p:blipFill>
+          <a:blip r:embed="rId9"/>
+          <a:stretch>
+            <a:fillRect/>
+          </a:stretch>
+        </p:blipFill>
+        <p:spPr>
+          <a:xfrm>
+            <a:off x="2885081" y="5030439"/>
+            <a:ext cx="3294750" cy="1484759"/>
+          </a:xfrm>
+          <a:prstGeom prst="rect">
+            <a:avLst/>
+          </a:prstGeom>
+        </p:spPr>
+      </p:pic>
+      <p:cxnSp>
+        <p:nvCxnSpPr>
+          <p:cNvPr id="42" name="Connettore 2 41">
+            <a:extLst>
+              <a:ext uri="{FF2B5EF4-FFF2-40B4-BE49-F238E27FC236}">
+                <a16:creationId xmlns:a16="http://schemas.microsoft.com/office/drawing/2014/main" id="{BFE0464B-922D-4792-B745-8246266338F9}"/>
+              </a:ext>
+            </a:extLst>
+          </p:cNvPr>
+          <p:cNvCxnSpPr>
+            <a:cxnSpLocks/>
+          </p:cNvCxnSpPr>
+          <p:nvPr/>
+        </p:nvCxnSpPr>
+        <p:spPr>
+          <a:xfrm>
+            <a:off x="4561026" y="2853240"/>
+            <a:ext cx="0" cy="455110"/>
+          </a:xfrm>
+          <a:prstGeom prst="straightConnector1">
+            <a:avLst/>
+          </a:prstGeom>
+          <a:ln>
+            <a:tailEnd type="triangle"/>
+          </a:ln>
+        </p:spPr>
+        <p:style>
+          <a:lnRef idx="2">
+            <a:schemeClr val="accent1"/>
+          </a:lnRef>
+          <a:fillRef idx="0">
+            <a:schemeClr val="accent1"/>
+          </a:fillRef>
+          <a:effectRef idx="1">
+            <a:schemeClr val="accent1"/>
+          </a:effectRef>
+          <a:fontRef idx="minor">
+            <a:schemeClr val="tx1"/>
+          </a:fontRef>
+        </p:style>
+      </p:cxnSp>
+      <p:sp>
+        <p:nvSpPr>
+          <p:cNvPr id="44" name="CasellaDiTesto 43">
+            <a:extLst>
+              <a:ext uri="{FF2B5EF4-FFF2-40B4-BE49-F238E27FC236}">
+                <a16:creationId xmlns:a16="http://schemas.microsoft.com/office/drawing/2014/main" id="{AF833B61-5666-402F-BC99-3BBAAE47915F}"/>
+              </a:ext>
+            </a:extLst>
+          </p:cNvPr>
+          <p:cNvSpPr txBox="1"/>
+          <p:nvPr/>
+        </p:nvSpPr>
+        <p:spPr>
+          <a:xfrm>
+            <a:off x="2913651" y="4433186"/>
+            <a:ext cx="3294750" cy="369332"/>
+          </a:xfrm>
+          <a:prstGeom prst="rect">
+            <a:avLst/>
+          </a:prstGeom>
+          <a:noFill/>
+        </p:spPr>
+        <p:txBody>
+          <a:bodyPr wrap="square" rtlCol="0">
+            <a:spAutoFit/>
+          </a:bodyPr>
+          <a:lstStyle/>
+          <a:p>
+            <a:r>
+              <a:rPr lang="it-IT" i="1" dirty="0">
+                <a:latin typeface="Arial"/>
+                <a:cs typeface="Arial"/>
+              </a:rPr>
+              <a:t>Algoritmo «albero additivo»</a:t>
+            </a:r>
+          </a:p>
+        </p:txBody>
+      </p:sp>
+      <p:sp>
+        <p:nvSpPr>
+          <p:cNvPr id="46" name="CasellaDiTesto 45">
+            <a:extLst>
+              <a:ext uri="{FF2B5EF4-FFF2-40B4-BE49-F238E27FC236}">
+                <a16:creationId xmlns:a16="http://schemas.microsoft.com/office/drawing/2014/main" id="{D516BF88-7C2B-43FB-A714-F6C4BC0E399F}"/>
+              </a:ext>
+            </a:extLst>
+          </p:cNvPr>
+          <p:cNvSpPr txBox="1"/>
+          <p:nvPr/>
+        </p:nvSpPr>
+        <p:spPr>
+          <a:xfrm>
+            <a:off x="550508" y="5750854"/>
+            <a:ext cx="1583431" cy="307777"/>
+          </a:xfrm>
+          <a:prstGeom prst="rect">
+            <a:avLst/>
+          </a:prstGeom>
+          <a:noFill/>
+        </p:spPr>
+        <p:txBody>
+          <a:bodyPr wrap="square" rtlCol="0">
+            <a:spAutoFit/>
+          </a:bodyPr>
+          <a:lstStyle/>
+          <a:p>
+            <a:pPr algn="ctr"/>
+            <a:r>
+              <a:rPr lang="it-IT" sz="1400" dirty="0">
+                <a:latin typeface="Arial" panose="020B0604020202020204" pitchFamily="34" charset="0"/>
+                <a:cs typeface="Arial" panose="020B0604020202020204" pitchFamily="34" charset="0"/>
+              </a:rPr>
+              <a:t>Matrice in input</a:t>
+            </a:r>
+          </a:p>
+        </p:txBody>
+      </p:sp>
+      <p:cxnSp>
+        <p:nvCxnSpPr>
+          <p:cNvPr id="23" name="Connettore 2 22">
+            <a:extLst>
+              <a:ext uri="{FF2B5EF4-FFF2-40B4-BE49-F238E27FC236}">
+                <a16:creationId xmlns:a16="http://schemas.microsoft.com/office/drawing/2014/main" id="{2166782C-E65B-4897-A2C6-3DA4F7EE81AF}"/>
+              </a:ext>
+            </a:extLst>
+          </p:cNvPr>
+          <p:cNvCxnSpPr>
+            <a:cxnSpLocks/>
+          </p:cNvCxnSpPr>
+          <p:nvPr/>
+        </p:nvCxnSpPr>
+        <p:spPr>
+          <a:xfrm>
+            <a:off x="2133939" y="5878046"/>
+            <a:ext cx="550509" cy="0"/>
+          </a:xfrm>
+          <a:prstGeom prst="straightConnector1">
+            <a:avLst/>
+          </a:prstGeom>
+          <a:ln>
+            <a:tailEnd type="triangle"/>
+          </a:ln>
+        </p:spPr>
+        <p:style>
+          <a:lnRef idx="2">
+            <a:schemeClr val="accent1"/>
+          </a:lnRef>
+          <a:fillRef idx="0">
+            <a:schemeClr val="accent1"/>
+          </a:fillRef>
+          <a:effectRef idx="1">
+            <a:schemeClr val="accent1"/>
+          </a:effectRef>
+          <a:fontRef idx="minor">
+            <a:schemeClr val="tx1"/>
+          </a:fontRef>
+        </p:style>
+      </p:cxnSp>
+    </p:spTree>
+    <p:extLst>
+      <p:ext uri="{BB962C8B-B14F-4D97-AF65-F5344CB8AC3E}">
+        <p14:creationId xmlns:p14="http://schemas.microsoft.com/office/powerpoint/2010/main" val="4237850848"/>
       </p:ext>
     </p:extLst>
   </p:cSld>
@@ -10732,8 +12029,8 @@
           </a:p>
         </p:txBody>
       </p:sp>
-      <mc:AlternateContent xmlns:mc="http://schemas.openxmlformats.org/markup-compatibility/2006">
-        <mc:Choice xmlns:a14="http://schemas.microsoft.com/office/drawing/2010/main" Requires="a14">
+      <mc:AlternateContent xmlns:mc="http://schemas.openxmlformats.org/markup-compatibility/2006" xmlns:a14="http://schemas.microsoft.com/office/drawing/2010/main">
+        <mc:Choice Requires="a14">
           <p:sp>
             <p:nvSpPr>
               <p:cNvPr id="33" name="CasellaDiTesto 32">
@@ -10857,7 +12154,7 @@
             </p:txBody>
           </p:sp>
         </mc:Choice>
-        <mc:Fallback>
+        <mc:Fallback xmlns="">
           <p:sp>
             <p:nvSpPr>
               <p:cNvPr id="33" name="CasellaDiTesto 32">
@@ -11018,8 +12315,8 @@
           </a:fontRef>
         </p:style>
       </p:cxnSp>
-      <mc:AlternateContent xmlns:mc="http://schemas.openxmlformats.org/markup-compatibility/2006">
-        <mc:Choice xmlns:a14="http://schemas.microsoft.com/office/drawing/2010/main" Requires="a14">
+      <mc:AlternateContent xmlns:mc="http://schemas.openxmlformats.org/markup-compatibility/2006" xmlns:a14="http://schemas.microsoft.com/office/drawing/2010/main">
+        <mc:Choice Requires="a14">
           <p:sp>
             <p:nvSpPr>
               <p:cNvPr id="17" name="CasellaDiTesto 16">
@@ -11114,7 +12411,7 @@
             </p:txBody>
           </p:sp>
         </mc:Choice>
-        <mc:Fallback>
+        <mc:Fallback xmlns="">
           <p:sp>
             <p:nvSpPr>
               <p:cNvPr id="17" name="CasellaDiTesto 16">
@@ -11626,8 +12923,8 @@
           </a:prstGeom>
         </p:spPr>
       </p:pic>
-      <mc:AlternateContent xmlns:mc="http://schemas.openxmlformats.org/markup-compatibility/2006">
-        <mc:Choice xmlns:a14="http://schemas.microsoft.com/office/drawing/2010/main" Requires="a14">
+      <mc:AlternateContent xmlns:mc="http://schemas.openxmlformats.org/markup-compatibility/2006" xmlns:a14="http://schemas.microsoft.com/office/drawing/2010/main">
+        <mc:Choice Requires="a14">
           <p:sp>
             <p:nvSpPr>
               <p:cNvPr id="26" name="CasellaDiTesto 25">
@@ -11706,7 +13003,7 @@
             </p:txBody>
           </p:sp>
         </mc:Choice>
-        <mc:Fallback>
+        <mc:Fallback xmlns="">
           <p:sp>
             <p:nvSpPr>
               <p:cNvPr id="26" name="CasellaDiTesto 25">
@@ -11954,8 +13251,8 @@
           </a:p>
         </p:txBody>
       </p:sp>
-      <mc:AlternateContent xmlns:mc="http://schemas.openxmlformats.org/markup-compatibility/2006">
-        <mc:Choice xmlns:a14="http://schemas.microsoft.com/office/drawing/2010/main" Requires="a14">
+      <mc:AlternateContent xmlns:mc="http://schemas.openxmlformats.org/markup-compatibility/2006" xmlns:a14="http://schemas.microsoft.com/office/drawing/2010/main">
+        <mc:Choice Requires="a14">
           <p:sp>
             <p:nvSpPr>
               <p:cNvPr id="40" name="CasellaDiTesto 39">
@@ -12072,7 +13369,7 @@
             </p:txBody>
           </p:sp>
         </mc:Choice>
-        <mc:Fallback>
+        <mc:Fallback xmlns="">
           <p:sp>
             <p:nvSpPr>
               <p:cNvPr id="40" name="CasellaDiTesto 39">
@@ -12151,8 +13448,8 @@
           </a:prstGeom>
         </p:spPr>
       </p:pic>
-      <mc:AlternateContent xmlns:mc="http://schemas.openxmlformats.org/markup-compatibility/2006">
-        <mc:Choice xmlns:a14="http://schemas.microsoft.com/office/drawing/2010/main" Requires="a14">
+      <mc:AlternateContent xmlns:mc="http://schemas.openxmlformats.org/markup-compatibility/2006" xmlns:a14="http://schemas.microsoft.com/office/drawing/2010/main">
+        <mc:Choice Requires="a14">
           <p:sp>
             <p:nvSpPr>
               <p:cNvPr id="47" name="CasellaDiTesto 46">
@@ -12214,7 +13511,7 @@
             </p:txBody>
           </p:sp>
         </mc:Choice>
-        <mc:Fallback>
+        <mc:Fallback xmlns="">
           <p:sp>
             <p:nvSpPr>
               <p:cNvPr id="47" name="CasellaDiTesto 46">
@@ -12595,6 +13892,25 @@
   <p:tag name="LATEXADDIN" val="\documentclass{article}&#10;\usepackage{amsmath}&#10;\pagestyle{empty}&#10;\begin{document}&#10;&#10;\[T(totale)=T(step 1)+T(step 2)+T(step 3) \simeq O(n^2)\]&#10;&#10;&#10;\end{document}"/>
   <p:tag name="IGUANATEXSIZE" val="14"/>
   <p:tag name="IGUANATEXCURSOR" val="136"/>
+  <p:tag name="TRANSPARENCY" val="Vero"/>
+  <p:tag name="FILENAME" val=""/>
+  <p:tag name="LATEXENGINEID" val="0"/>
+  <p:tag name="TEMPFOLDER" val="c:\temp\"/>
+  <p:tag name="LATEXFORMHEIGHT" val="312"/>
+  <p:tag name="LATEXFORMWIDTH" val="384"/>
+  <p:tag name="LATEXFORMWRAP" val="Vero"/>
+  <p:tag name="BITMAPVECTOR" val="0"/>
+</p:tagLst>
+</file>
+
+<file path=ppt/tags/tag17.xml><?xml version="1.0" encoding="utf-8"?>
+<p:tagLst xmlns:a="http://schemas.openxmlformats.org/drawingml/2006/main" xmlns:r="http://schemas.openxmlformats.org/officeDocument/2006/relationships" xmlns:p="http://schemas.openxmlformats.org/presentationml/2006/main">
+  <p:tag name="OUTPUTDPI" val="1200"/>
+  <p:tag name="ORIGINALHEIGHT" val="165,7293"/>
+  <p:tag name="ORIGINALWIDTH" val="737,9077"/>
+  <p:tag name="LATEXADDIN" val="\documentclass{article}&#10;\usepackage{amsmath}&#10;\pagestyle{empty}&#10;\begin{document}&#10;&#10;&#10;$\frac{D_{j,i}+D_{j,k}-D_{i,k}}{2}$&#10;&#10;\end{document}"/>
+  <p:tag name="IGUANATEXSIZE" val="14"/>
+  <p:tag name="IGUANATEXCURSOR" val="117"/>
   <p:tag name="TRANSPARENCY" val="Vero"/>
   <p:tag name="FILENAME" val=""/>
   <p:tag name="LATEXENGINEID" val="0"/>

--- a/Discussione Laurea/Slides.pptx
+++ b/Discussione Laurea/Slides.pptx
@@ -5,10 +5,10 @@
     <p:sldMasterId id="2147483648" r:id="rId1"/>
   </p:sldMasterIdLst>
   <p:notesMasterIdLst>
-    <p:notesMasterId r:id="rId12"/>
+    <p:notesMasterId r:id="rId15"/>
   </p:notesMasterIdLst>
   <p:handoutMasterIdLst>
-    <p:handoutMasterId r:id="rId13"/>
+    <p:handoutMasterId r:id="rId16"/>
   </p:handoutMasterIdLst>
   <p:sldIdLst>
     <p:sldId id="256" r:id="rId2"/>
@@ -21,6 +21,9 @@
     <p:sldId id="267" r:id="rId9"/>
     <p:sldId id="268" r:id="rId10"/>
     <p:sldId id="269" r:id="rId11"/>
+    <p:sldId id="270" r:id="rId12"/>
+    <p:sldId id="271" r:id="rId13"/>
+    <p:sldId id="272" r:id="rId14"/>
   </p:sldIdLst>
   <p:sldSz cx="9144000" cy="6858000" type="screen4x3"/>
   <p:notesSz cx="6858000" cy="9144000"/>
@@ -221,7 +224,7 @@
             <a:fld id="{45BF3CCC-77DD-F84F-A249-CA3C5045A043}" type="datetime1">
               <a:rPr lang="it-IT" smtClean="0"/>
               <a:pPr/>
-              <a:t>28/06/2019</a:t>
+              <a:t>29/06/2019</a:t>
             </a:fld>
             <a:endParaRPr lang="it-IT"/>
           </a:p>
@@ -389,7 +392,7 @@
             <a:fld id="{FE692227-D6DC-FD45-9507-DB2BAD58473C}" type="datetime1">
               <a:rPr lang="it-IT" smtClean="0"/>
               <a:pPr/>
-              <a:t>28/06/2019</a:t>
+              <a:t>29/06/2019</a:t>
             </a:fld>
             <a:endParaRPr lang="it-IT"/>
           </a:p>
@@ -743,6 +746,261 @@
 </p:notes>
 </file>
 
+<file path=ppt/notesSlides/notesSlide10.xml><?xml version="1.0" encoding="utf-8"?>
+<p:notes xmlns:a="http://schemas.openxmlformats.org/drawingml/2006/main" xmlns:r="http://schemas.openxmlformats.org/officeDocument/2006/relationships" xmlns:p="http://schemas.openxmlformats.org/presentationml/2006/main">
+  <p:cSld>
+    <p:spTree>
+      <p:nvGrpSpPr>
+        <p:cNvPr id="1" name=""/>
+        <p:cNvGrpSpPr/>
+        <p:nvPr/>
+      </p:nvGrpSpPr>
+      <p:grpSpPr>
+        <a:xfrm>
+          <a:off x="0" y="0"/>
+          <a:ext cx="0" cy="0"/>
+          <a:chOff x="0" y="0"/>
+          <a:chExt cx="0" cy="0"/>
+        </a:xfrm>
+      </p:grpSpPr>
+      <p:sp>
+        <p:nvSpPr>
+          <p:cNvPr id="2" name="Segnaposto immagine diapositiva 1"/>
+          <p:cNvSpPr>
+            <a:spLocks noGrp="1" noRot="1" noChangeAspect="1"/>
+          </p:cNvSpPr>
+          <p:nvPr>
+            <p:ph type="sldImg"/>
+          </p:nvPr>
+        </p:nvSpPr>
+        <p:spPr/>
+      </p:sp>
+      <p:sp>
+        <p:nvSpPr>
+          <p:cNvPr id="3" name="Segnaposto note 2"/>
+          <p:cNvSpPr>
+            <a:spLocks noGrp="1"/>
+          </p:cNvSpPr>
+          <p:nvPr>
+            <p:ph type="body" idx="1"/>
+          </p:nvPr>
+        </p:nvSpPr>
+        <p:spPr/>
+        <p:txBody>
+          <a:bodyPr/>
+          <a:lstStyle/>
+          <a:p>
+            <a:endParaRPr lang="it-IT"/>
+          </a:p>
+        </p:txBody>
+      </p:sp>
+      <p:sp>
+        <p:nvSpPr>
+          <p:cNvPr id="4" name="Segnaposto numero diapositiva 3"/>
+          <p:cNvSpPr>
+            <a:spLocks noGrp="1"/>
+          </p:cNvSpPr>
+          <p:nvPr>
+            <p:ph type="sldNum" sz="quarter" idx="10"/>
+          </p:nvPr>
+        </p:nvSpPr>
+        <p:spPr/>
+        <p:txBody>
+          <a:bodyPr/>
+          <a:lstStyle/>
+          <a:p>
+            <a:fld id="{96986711-015B-0142-88C4-65D50E44FA77}" type="slidenum">
+              <a:rPr lang="it-IT" smtClean="0"/>
+              <a:pPr/>
+              <a:t>11</a:t>
+            </a:fld>
+            <a:endParaRPr lang="it-IT"/>
+          </a:p>
+        </p:txBody>
+      </p:sp>
+    </p:spTree>
+    <p:extLst>
+      <p:ext uri="{BB962C8B-B14F-4D97-AF65-F5344CB8AC3E}">
+        <p14:creationId xmlns:p14="http://schemas.microsoft.com/office/powerpoint/2010/main" val="2962159069"/>
+      </p:ext>
+    </p:extLst>
+  </p:cSld>
+  <p:clrMapOvr>
+    <a:masterClrMapping/>
+  </p:clrMapOvr>
+</p:notes>
+</file>
+
+<file path=ppt/notesSlides/notesSlide11.xml><?xml version="1.0" encoding="utf-8"?>
+<p:notes xmlns:a="http://schemas.openxmlformats.org/drawingml/2006/main" xmlns:r="http://schemas.openxmlformats.org/officeDocument/2006/relationships" xmlns:p="http://schemas.openxmlformats.org/presentationml/2006/main">
+  <p:cSld>
+    <p:spTree>
+      <p:nvGrpSpPr>
+        <p:cNvPr id="1" name=""/>
+        <p:cNvGrpSpPr/>
+        <p:nvPr/>
+      </p:nvGrpSpPr>
+      <p:grpSpPr>
+        <a:xfrm>
+          <a:off x="0" y="0"/>
+          <a:ext cx="0" cy="0"/>
+          <a:chOff x="0" y="0"/>
+          <a:chExt cx="0" cy="0"/>
+        </a:xfrm>
+      </p:grpSpPr>
+      <p:sp>
+        <p:nvSpPr>
+          <p:cNvPr id="2" name="Segnaposto immagine diapositiva 1"/>
+          <p:cNvSpPr>
+            <a:spLocks noGrp="1" noRot="1" noChangeAspect="1"/>
+          </p:cNvSpPr>
+          <p:nvPr>
+            <p:ph type="sldImg"/>
+          </p:nvPr>
+        </p:nvSpPr>
+        <p:spPr/>
+      </p:sp>
+      <p:sp>
+        <p:nvSpPr>
+          <p:cNvPr id="3" name="Segnaposto note 2"/>
+          <p:cNvSpPr>
+            <a:spLocks noGrp="1"/>
+          </p:cNvSpPr>
+          <p:nvPr>
+            <p:ph type="body" idx="1"/>
+          </p:nvPr>
+        </p:nvSpPr>
+        <p:spPr/>
+        <p:txBody>
+          <a:bodyPr/>
+          <a:lstStyle/>
+          <a:p>
+            <a:endParaRPr lang="it-IT"/>
+          </a:p>
+        </p:txBody>
+      </p:sp>
+      <p:sp>
+        <p:nvSpPr>
+          <p:cNvPr id="4" name="Segnaposto numero diapositiva 3"/>
+          <p:cNvSpPr>
+            <a:spLocks noGrp="1"/>
+          </p:cNvSpPr>
+          <p:nvPr>
+            <p:ph type="sldNum" sz="quarter" idx="10"/>
+          </p:nvPr>
+        </p:nvSpPr>
+        <p:spPr/>
+        <p:txBody>
+          <a:bodyPr/>
+          <a:lstStyle/>
+          <a:p>
+            <a:fld id="{96986711-015B-0142-88C4-65D50E44FA77}" type="slidenum">
+              <a:rPr lang="it-IT" smtClean="0"/>
+              <a:pPr/>
+              <a:t>12</a:t>
+            </a:fld>
+            <a:endParaRPr lang="it-IT"/>
+          </a:p>
+        </p:txBody>
+      </p:sp>
+    </p:spTree>
+    <p:extLst>
+      <p:ext uri="{BB962C8B-B14F-4D97-AF65-F5344CB8AC3E}">
+        <p14:creationId xmlns:p14="http://schemas.microsoft.com/office/powerpoint/2010/main" val="2601088733"/>
+      </p:ext>
+    </p:extLst>
+  </p:cSld>
+  <p:clrMapOvr>
+    <a:masterClrMapping/>
+  </p:clrMapOvr>
+</p:notes>
+</file>
+
+<file path=ppt/notesSlides/notesSlide12.xml><?xml version="1.0" encoding="utf-8"?>
+<p:notes xmlns:a="http://schemas.openxmlformats.org/drawingml/2006/main" xmlns:r="http://schemas.openxmlformats.org/officeDocument/2006/relationships" xmlns:p="http://schemas.openxmlformats.org/presentationml/2006/main">
+  <p:cSld>
+    <p:spTree>
+      <p:nvGrpSpPr>
+        <p:cNvPr id="1" name=""/>
+        <p:cNvGrpSpPr/>
+        <p:nvPr/>
+      </p:nvGrpSpPr>
+      <p:grpSpPr>
+        <a:xfrm>
+          <a:off x="0" y="0"/>
+          <a:ext cx="0" cy="0"/>
+          <a:chOff x="0" y="0"/>
+          <a:chExt cx="0" cy="0"/>
+        </a:xfrm>
+      </p:grpSpPr>
+      <p:sp>
+        <p:nvSpPr>
+          <p:cNvPr id="2" name="Segnaposto immagine diapositiva 1"/>
+          <p:cNvSpPr>
+            <a:spLocks noGrp="1" noRot="1" noChangeAspect="1"/>
+          </p:cNvSpPr>
+          <p:nvPr>
+            <p:ph type="sldImg"/>
+          </p:nvPr>
+        </p:nvSpPr>
+        <p:spPr/>
+      </p:sp>
+      <p:sp>
+        <p:nvSpPr>
+          <p:cNvPr id="3" name="Segnaposto note 2"/>
+          <p:cNvSpPr>
+            <a:spLocks noGrp="1"/>
+          </p:cNvSpPr>
+          <p:nvPr>
+            <p:ph type="body" idx="1"/>
+          </p:nvPr>
+        </p:nvSpPr>
+        <p:spPr/>
+        <p:txBody>
+          <a:bodyPr/>
+          <a:lstStyle/>
+          <a:p>
+            <a:endParaRPr lang="it-IT"/>
+          </a:p>
+        </p:txBody>
+      </p:sp>
+      <p:sp>
+        <p:nvSpPr>
+          <p:cNvPr id="4" name="Segnaposto numero diapositiva 3"/>
+          <p:cNvSpPr>
+            <a:spLocks noGrp="1"/>
+          </p:cNvSpPr>
+          <p:nvPr>
+            <p:ph type="sldNum" sz="quarter" idx="10"/>
+          </p:nvPr>
+        </p:nvSpPr>
+        <p:spPr/>
+        <p:txBody>
+          <a:bodyPr/>
+          <a:lstStyle/>
+          <a:p>
+            <a:fld id="{96986711-015B-0142-88C4-65D50E44FA77}" type="slidenum">
+              <a:rPr lang="it-IT" smtClean="0"/>
+              <a:pPr/>
+              <a:t>13</a:t>
+            </a:fld>
+            <a:endParaRPr lang="it-IT"/>
+          </a:p>
+        </p:txBody>
+      </p:sp>
+    </p:spTree>
+    <p:extLst>
+      <p:ext uri="{BB962C8B-B14F-4D97-AF65-F5344CB8AC3E}">
+        <p14:creationId xmlns:p14="http://schemas.microsoft.com/office/powerpoint/2010/main" val="3959567019"/>
+      </p:ext>
+    </p:extLst>
+  </p:cSld>
+  <p:clrMapOvr>
+    <a:masterClrMapping/>
+  </p:clrMapOvr>
+</p:notes>
+</file>
+
 <file path=ppt/notesSlides/notesSlide2.xml><?xml version="1.0" encoding="utf-8"?>
 <p:notes xmlns:a="http://schemas.openxmlformats.org/drawingml/2006/main" xmlns:r="http://schemas.openxmlformats.org/officeDocument/2006/relationships" xmlns:p="http://schemas.openxmlformats.org/presentationml/2006/main">
   <p:cSld>
@@ -1603,7 +1861,7 @@
             <a:fld id="{AD8BF249-6BAC-CD40-AAE9-334F110649E5}" type="datetimeFigureOut">
               <a:rPr lang="it-IT" smtClean="0"/>
               <a:pPr/>
-              <a:t>28/06/2019</a:t>
+              <a:t>29/06/2019</a:t>
             </a:fld>
             <a:endParaRPr lang="it-IT"/>
           </a:p>
@@ -1773,7 +2031,7 @@
             <a:fld id="{AD8BF249-6BAC-CD40-AAE9-334F110649E5}" type="datetimeFigureOut">
               <a:rPr lang="it-IT" smtClean="0"/>
               <a:pPr/>
-              <a:t>28/06/2019</a:t>
+              <a:t>29/06/2019</a:t>
             </a:fld>
             <a:endParaRPr lang="it-IT"/>
           </a:p>
@@ -1953,7 +2211,7 @@
             <a:fld id="{AD8BF249-6BAC-CD40-AAE9-334F110649E5}" type="datetimeFigureOut">
               <a:rPr lang="it-IT" smtClean="0"/>
               <a:pPr/>
-              <a:t>28/06/2019</a:t>
+              <a:t>29/06/2019</a:t>
             </a:fld>
             <a:endParaRPr lang="it-IT"/>
           </a:p>
@@ -2123,7 +2381,7 @@
             <a:fld id="{AD8BF249-6BAC-CD40-AAE9-334F110649E5}" type="datetimeFigureOut">
               <a:rPr lang="it-IT" smtClean="0"/>
               <a:pPr/>
-              <a:t>28/06/2019</a:t>
+              <a:t>29/06/2019</a:t>
             </a:fld>
             <a:endParaRPr lang="it-IT"/>
           </a:p>
@@ -2370,7 +2628,7 @@
             <a:fld id="{AD8BF249-6BAC-CD40-AAE9-334F110649E5}" type="datetimeFigureOut">
               <a:rPr lang="it-IT" smtClean="0"/>
               <a:pPr/>
-              <a:t>28/06/2019</a:t>
+              <a:t>29/06/2019</a:t>
             </a:fld>
             <a:endParaRPr lang="it-IT"/>
           </a:p>
@@ -2657,7 +2915,7 @@
             <a:fld id="{AD8BF249-6BAC-CD40-AAE9-334F110649E5}" type="datetimeFigureOut">
               <a:rPr lang="it-IT" smtClean="0"/>
               <a:pPr/>
-              <a:t>28/06/2019</a:t>
+              <a:t>29/06/2019</a:t>
             </a:fld>
             <a:endParaRPr lang="it-IT"/>
           </a:p>
@@ -3078,7 +3336,7 @@
             <a:fld id="{AD8BF249-6BAC-CD40-AAE9-334F110649E5}" type="datetimeFigureOut">
               <a:rPr lang="it-IT" smtClean="0"/>
               <a:pPr/>
-              <a:t>28/06/2019</a:t>
+              <a:t>29/06/2019</a:t>
             </a:fld>
             <a:endParaRPr lang="it-IT"/>
           </a:p>
@@ -3197,7 +3455,7 @@
             <a:fld id="{AD8BF249-6BAC-CD40-AAE9-334F110649E5}" type="datetimeFigureOut">
               <a:rPr lang="it-IT" smtClean="0"/>
               <a:pPr/>
-              <a:t>28/06/2019</a:t>
+              <a:t>29/06/2019</a:t>
             </a:fld>
             <a:endParaRPr lang="it-IT"/>
           </a:p>
@@ -3294,7 +3552,7 @@
             <a:fld id="{AD8BF249-6BAC-CD40-AAE9-334F110649E5}" type="datetimeFigureOut">
               <a:rPr lang="it-IT" smtClean="0"/>
               <a:pPr/>
-              <a:t>28/06/2019</a:t>
+              <a:t>29/06/2019</a:t>
             </a:fld>
             <a:endParaRPr lang="it-IT"/>
           </a:p>
@@ -3571,7 +3829,7 @@
             <a:fld id="{AD8BF249-6BAC-CD40-AAE9-334F110649E5}" type="datetimeFigureOut">
               <a:rPr lang="it-IT" smtClean="0"/>
               <a:pPr/>
-              <a:t>28/06/2019</a:t>
+              <a:t>29/06/2019</a:t>
             </a:fld>
             <a:endParaRPr lang="it-IT"/>
           </a:p>
@@ -3825,7 +4083,7 @@
             <a:fld id="{AD8BF249-6BAC-CD40-AAE9-334F110649E5}" type="datetimeFigureOut">
               <a:rPr lang="it-IT" smtClean="0"/>
               <a:pPr/>
-              <a:t>28/06/2019</a:t>
+              <a:t>29/06/2019</a:t>
             </a:fld>
             <a:endParaRPr lang="it-IT"/>
           </a:p>
@@ -4038,7 +4296,7 @@
             <a:fld id="{AD8BF249-6BAC-CD40-AAE9-334F110649E5}" type="datetimeFigureOut">
               <a:rPr lang="it-IT" smtClean="0"/>
               <a:pPr/>
-              <a:t>28/06/2019</a:t>
+              <a:t>29/06/2019</a:t>
             </a:fld>
             <a:endParaRPr lang="it-IT"/>
           </a:p>
@@ -4941,8 +5199,8 @@
           </a:p>
         </p:txBody>
       </p:sp>
-      <mc:AlternateContent xmlns:mc="http://schemas.openxmlformats.org/markup-compatibility/2006">
-        <mc:Choice xmlns:a14="http://schemas.microsoft.com/office/drawing/2010/main" Requires="a14">
+      <mc:AlternateContent xmlns:mc="http://schemas.openxmlformats.org/markup-compatibility/2006" xmlns:a14="http://schemas.microsoft.com/office/drawing/2010/main">
+        <mc:Choice Requires="a14">
           <p:sp>
             <p:nvSpPr>
               <p:cNvPr id="26" name="CasellaDiTesto 25">
@@ -5035,7 +5293,7 @@
             </p:txBody>
           </p:sp>
         </mc:Choice>
-        <mc:Fallback>
+        <mc:Fallback xmlns="">
           <p:sp>
             <p:nvSpPr>
               <p:cNvPr id="26" name="CasellaDiTesto 25">
@@ -5080,8 +5338,8 @@
           </p:sp>
         </mc:Fallback>
       </mc:AlternateContent>
-      <mc:AlternateContent xmlns:mc="http://schemas.openxmlformats.org/markup-compatibility/2006">
-        <mc:Choice xmlns:a14="http://schemas.microsoft.com/office/drawing/2010/main" Requires="a14">
+      <mc:AlternateContent xmlns:mc="http://schemas.openxmlformats.org/markup-compatibility/2006" xmlns:a14="http://schemas.microsoft.com/office/drawing/2010/main">
+        <mc:Choice Requires="a14">
           <p:sp>
             <p:nvSpPr>
               <p:cNvPr id="27" name="CasellaDiTesto 26">
@@ -5149,7 +5407,7 @@
             </p:txBody>
           </p:sp>
         </mc:Choice>
-        <mc:Fallback>
+        <mc:Fallback xmlns="">
           <p:sp>
             <p:nvSpPr>
               <p:cNvPr id="27" name="CasellaDiTesto 26">
@@ -5385,8 +5643,8 @@
           </a:p>
         </p:txBody>
       </p:sp>
-      <mc:AlternateContent xmlns:mc="http://schemas.openxmlformats.org/markup-compatibility/2006">
-        <mc:Choice xmlns:a14="http://schemas.microsoft.com/office/drawing/2010/main" Requires="a14">
+      <mc:AlternateContent xmlns:mc="http://schemas.openxmlformats.org/markup-compatibility/2006" xmlns:a14="http://schemas.microsoft.com/office/drawing/2010/main">
+        <mc:Choice Requires="a14">
           <p:sp>
             <p:nvSpPr>
               <p:cNvPr id="35" name="CasellaDiTesto 34">
@@ -5594,7 +5852,7 @@
             </p:txBody>
           </p:sp>
         </mc:Choice>
-        <mc:Fallback>
+        <mc:Fallback xmlns="">
           <p:sp>
             <p:nvSpPr>
               <p:cNvPr id="35" name="CasellaDiTesto 34">
@@ -5758,8 +6016,8 @@
         </p:nvSpPr>
         <p:spPr>
           <a:xfrm>
-            <a:off x="2913651" y="4433186"/>
-            <a:ext cx="3294750" cy="369332"/>
+            <a:off x="3042881" y="4352169"/>
+            <a:ext cx="2979149" cy="369332"/>
           </a:xfrm>
           <a:prstGeom prst="rect">
             <a:avLst/>
@@ -5866,6 +6124,3802 @@
     <p:extLst>
       <p:ext uri="{BB962C8B-B14F-4D97-AF65-F5344CB8AC3E}">
         <p14:creationId xmlns:p14="http://schemas.microsoft.com/office/powerpoint/2010/main" val="4237850848"/>
+      </p:ext>
+    </p:extLst>
+  </p:cSld>
+  <p:clrMapOvr>
+    <a:masterClrMapping/>
+  </p:clrMapOvr>
+</p:sld>
+</file>
+
+<file path=ppt/slides/slide11.xml><?xml version="1.0" encoding="utf-8"?>
+<p:sld xmlns:a="http://schemas.openxmlformats.org/drawingml/2006/main" xmlns:r="http://schemas.openxmlformats.org/officeDocument/2006/relationships" xmlns:p="http://schemas.openxmlformats.org/presentationml/2006/main">
+  <p:cSld>
+    <p:spTree>
+      <p:nvGrpSpPr>
+        <p:cNvPr id="1" name=""/>
+        <p:cNvGrpSpPr/>
+        <p:nvPr/>
+      </p:nvGrpSpPr>
+      <p:grpSpPr>
+        <a:xfrm>
+          <a:off x="0" y="0"/>
+          <a:ext cx="0" cy="0"/>
+          <a:chOff x="0" y="0"/>
+          <a:chExt cx="0" cy="0"/>
+        </a:xfrm>
+      </p:grpSpPr>
+      <p:pic>
+        <p:nvPicPr>
+          <p:cNvPr id="2" name="Immagine 1"/>
+          <p:cNvPicPr>
+            <a:picLocks noChangeAspect="1"/>
+          </p:cNvPicPr>
+          <p:nvPr/>
+        </p:nvPicPr>
+        <p:blipFill>
+          <a:blip r:embed="rId7"/>
+          <a:stretch>
+            <a:fillRect/>
+          </a:stretch>
+        </p:blipFill>
+        <p:spPr>
+          <a:xfrm>
+            <a:off x="-1" y="3123"/>
+            <a:ext cx="9143817" cy="6872495"/>
+          </a:xfrm>
+          <a:prstGeom prst="rect">
+            <a:avLst/>
+          </a:prstGeom>
+        </p:spPr>
+      </p:pic>
+      <p:sp>
+        <p:nvSpPr>
+          <p:cNvPr id="7" name="CasellaDiTesto 6"/>
+          <p:cNvSpPr txBox="1"/>
+          <p:nvPr/>
+        </p:nvSpPr>
+        <p:spPr>
+          <a:xfrm>
+            <a:off x="9061" y="649703"/>
+            <a:ext cx="2490299" cy="461665"/>
+          </a:xfrm>
+          <a:prstGeom prst="rect">
+            <a:avLst/>
+          </a:prstGeom>
+          <a:noFill/>
+        </p:spPr>
+        <p:txBody>
+          <a:bodyPr wrap="square" rtlCol="0">
+            <a:spAutoFit/>
+          </a:bodyPr>
+          <a:lstStyle/>
+          <a:p>
+            <a:r>
+              <a:rPr lang="it-IT" sz="2400" b="1" dirty="0">
+                <a:solidFill>
+                  <a:schemeClr val="accent1">
+                    <a:lumMod val="75000"/>
+                  </a:schemeClr>
+                </a:solidFill>
+                <a:latin typeface="Arial"/>
+                <a:cs typeface="Arial"/>
+              </a:rPr>
+              <a:t>Albero Additivo</a:t>
+            </a:r>
+          </a:p>
+        </p:txBody>
+      </p:sp>
+      <p:sp>
+        <p:nvSpPr>
+          <p:cNvPr id="12" name="Rettangolo 11"/>
+          <p:cNvSpPr/>
+          <p:nvPr/>
+        </p:nvSpPr>
+        <p:spPr>
+          <a:xfrm>
+            <a:off x="8255000" y="6366466"/>
+            <a:ext cx="280763" cy="501650"/>
+          </a:xfrm>
+          <a:prstGeom prst="rect">
+            <a:avLst/>
+          </a:prstGeom>
+          <a:solidFill>
+            <a:srgbClr val="003053"/>
+          </a:solidFill>
+        </p:spPr>
+        <p:style>
+          <a:lnRef idx="1">
+            <a:schemeClr val="accent1"/>
+          </a:lnRef>
+          <a:fillRef idx="3">
+            <a:schemeClr val="accent1"/>
+          </a:fillRef>
+          <a:effectRef idx="2">
+            <a:schemeClr val="accent1"/>
+          </a:effectRef>
+          <a:fontRef idx="minor">
+            <a:schemeClr val="lt1"/>
+          </a:fontRef>
+        </p:style>
+        <p:txBody>
+          <a:bodyPr rtlCol="0" anchor="ctr"/>
+          <a:lstStyle/>
+          <a:p>
+            <a:pPr algn="ctr"/>
+            <a:endParaRPr lang="it-IT">
+              <a:solidFill>
+                <a:srgbClr val="003257"/>
+              </a:solidFill>
+            </a:endParaRPr>
+          </a:p>
+        </p:txBody>
+      </p:sp>
+      <p:sp>
+        <p:nvSpPr>
+          <p:cNvPr id="11" name="Segnaposto numero diapositiva 10"/>
+          <p:cNvSpPr>
+            <a:spLocks noGrp="1"/>
+          </p:cNvSpPr>
+          <p:nvPr>
+            <p:ph type="sldNum" sz="quarter" idx="12"/>
+          </p:nvPr>
+        </p:nvSpPr>
+        <p:spPr>
+          <a:xfrm>
+            <a:off x="6402163" y="6356350"/>
+            <a:ext cx="2133600" cy="365125"/>
+          </a:xfrm>
+        </p:spPr>
+        <p:txBody>
+          <a:bodyPr/>
+          <a:lstStyle/>
+          <a:p>
+            <a:fld id="{8EB8520A-26EA-DE4B-B141-4532FC98FF0E}" type="slidenum">
+              <a:rPr lang="it-IT" b="1" smtClean="0">
+                <a:solidFill>
+                  <a:schemeClr val="bg1"/>
+                </a:solidFill>
+                <a:latin typeface="Arial"/>
+                <a:cs typeface="Arial"/>
+              </a:rPr>
+              <a:pPr/>
+              <a:t>11</a:t>
+            </a:fld>
+            <a:endParaRPr lang="it-IT" b="1" dirty="0">
+              <a:solidFill>
+                <a:schemeClr val="bg1"/>
+              </a:solidFill>
+              <a:latin typeface="Arial"/>
+              <a:cs typeface="Arial"/>
+            </a:endParaRPr>
+          </a:p>
+        </p:txBody>
+      </p:sp>
+      <p:sp>
+        <p:nvSpPr>
+          <p:cNvPr id="10" name="CasellaDiTesto 9"/>
+          <p:cNvSpPr txBox="1"/>
+          <p:nvPr/>
+        </p:nvSpPr>
+        <p:spPr>
+          <a:xfrm>
+            <a:off x="5735951" y="51433"/>
+            <a:ext cx="2957862" cy="215444"/>
+          </a:xfrm>
+          <a:prstGeom prst="rect">
+            <a:avLst/>
+          </a:prstGeom>
+          <a:noFill/>
+        </p:spPr>
+        <p:txBody>
+          <a:bodyPr wrap="none" rtlCol="0">
+            <a:spAutoFit/>
+          </a:bodyPr>
+          <a:lstStyle/>
+          <a:p>
+            <a:pPr algn="r"/>
+            <a:r>
+              <a:rPr lang="it-IT" sz="800" b="1" dirty="0">
+                <a:solidFill>
+                  <a:schemeClr val="bg1"/>
+                </a:solidFill>
+                <a:latin typeface="Arial"/>
+                <a:cs typeface="Arial"/>
+              </a:rPr>
+              <a:t>Applicazioni dell’algoritmica alla biologia: alberi evolutivi</a:t>
+            </a:r>
+          </a:p>
+        </p:txBody>
+      </p:sp>
+      <p:sp>
+        <p:nvSpPr>
+          <p:cNvPr id="14" name="CasellaDiTesto 13"/>
+          <p:cNvSpPr txBox="1"/>
+          <p:nvPr/>
+        </p:nvSpPr>
+        <p:spPr>
+          <a:xfrm>
+            <a:off x="7082015" y="403482"/>
+            <a:ext cx="1621846" cy="492443"/>
+          </a:xfrm>
+          <a:prstGeom prst="rect">
+            <a:avLst/>
+          </a:prstGeom>
+          <a:noFill/>
+        </p:spPr>
+        <p:txBody>
+          <a:bodyPr wrap="none" rtlCol="0">
+            <a:spAutoFit/>
+          </a:bodyPr>
+          <a:lstStyle/>
+          <a:p>
+            <a:pPr algn="r"/>
+            <a:r>
+              <a:rPr lang="it-IT" sz="800" dirty="0">
+                <a:solidFill>
+                  <a:schemeClr val="bg1"/>
+                </a:solidFill>
+                <a:latin typeface="Arial"/>
+                <a:cs typeface="Arial"/>
+              </a:rPr>
+              <a:t>Firenze, 12 luglio 2019</a:t>
+            </a:r>
+          </a:p>
+          <a:p>
+            <a:endParaRPr lang="it-IT" dirty="0"/>
+          </a:p>
+        </p:txBody>
+      </p:sp>
+      <p:sp>
+        <p:nvSpPr>
+          <p:cNvPr id="53" name="CasellaDiTesto 52">
+            <a:extLst>
+              <a:ext uri="{FF2B5EF4-FFF2-40B4-BE49-F238E27FC236}">
+                <a16:creationId xmlns:a16="http://schemas.microsoft.com/office/drawing/2014/main" id="{C4172192-17B0-4035-AFD1-CBC8BDE7E4CD}"/>
+              </a:ext>
+            </a:extLst>
+          </p:cNvPr>
+          <p:cNvSpPr txBox="1"/>
+          <p:nvPr/>
+        </p:nvSpPr>
+        <p:spPr>
+          <a:xfrm>
+            <a:off x="9062" y="1077183"/>
+            <a:ext cx="1082892" cy="369332"/>
+          </a:xfrm>
+          <a:prstGeom prst="rect">
+            <a:avLst/>
+          </a:prstGeom>
+          <a:noFill/>
+        </p:spPr>
+        <p:txBody>
+          <a:bodyPr wrap="square" rtlCol="0">
+            <a:spAutoFit/>
+          </a:bodyPr>
+          <a:lstStyle/>
+          <a:p>
+            <a:r>
+              <a:rPr lang="it-IT" i="1" dirty="0">
+                <a:latin typeface="Arial"/>
+                <a:cs typeface="Arial"/>
+              </a:rPr>
+              <a:t>Parte 2</a:t>
+            </a:r>
+          </a:p>
+        </p:txBody>
+      </p:sp>
+      <mc:AlternateContent xmlns:mc="http://schemas.openxmlformats.org/markup-compatibility/2006" xmlns:a14="http://schemas.microsoft.com/office/drawing/2010/main">
+        <mc:Choice Requires="a14">
+          <p:sp>
+            <p:nvSpPr>
+              <p:cNvPr id="9" name="CasellaDiTesto 8">
+                <a:extLst>
+                  <a:ext uri="{FF2B5EF4-FFF2-40B4-BE49-F238E27FC236}">
+                    <a16:creationId xmlns:a16="http://schemas.microsoft.com/office/drawing/2014/main" id="{0FE0B87E-F336-4CE9-8C15-97BB1056FE04}"/>
+                  </a:ext>
+                </a:extLst>
+              </p:cNvPr>
+              <p:cNvSpPr txBox="1"/>
+              <p:nvPr/>
+            </p:nvSpPr>
+            <p:spPr>
+              <a:xfrm>
+                <a:off x="9061" y="1658679"/>
+                <a:ext cx="9134939" cy="523220"/>
+              </a:xfrm>
+              <a:prstGeom prst="rect">
+                <a:avLst/>
+              </a:prstGeom>
+              <a:noFill/>
+            </p:spPr>
+            <p:txBody>
+              <a:bodyPr wrap="square" rtlCol="0">
+                <a:spAutoFit/>
+              </a:bodyPr>
+              <a:lstStyle/>
+              <a:p>
+                <a:r>
+                  <a:rPr lang="it-IT" sz="1400" b="1" dirty="0">
+                    <a:latin typeface="Arial" panose="020B0604020202020204" pitchFamily="34" charset="0"/>
+                    <a:cs typeface="Arial" panose="020B0604020202020204" pitchFamily="34" charset="0"/>
+                  </a:rPr>
+                  <a:t>Step 1</a:t>
+                </a:r>
+                <a:r>
+                  <a:rPr lang="it-IT" sz="1400" dirty="0">
+                    <a:latin typeface="Arial" panose="020B0604020202020204" pitchFamily="34" charset="0"/>
+                    <a:cs typeface="Arial" panose="020B0604020202020204" pitchFamily="34" charset="0"/>
+                  </a:rPr>
+                  <a:t> </a:t>
+                </a:r>
+                <a:r>
+                  <a:rPr lang="it-IT" sz="1400" dirty="0">
+                    <a:latin typeface="Arial" panose="020B0604020202020204" pitchFamily="34" charset="0"/>
+                    <a:cs typeface="Arial" panose="020B0604020202020204" pitchFamily="34" charset="0"/>
+                    <a:sym typeface="Wingdings" panose="05000000000000000000" pitchFamily="2" charset="2"/>
+                  </a:rPr>
+                  <a:t> Se </a:t>
+                </a:r>
+                <a14:m>
+                  <m:oMath xmlns:m="http://schemas.openxmlformats.org/officeDocument/2006/math">
+                    <m:r>
+                      <a:rPr lang="it-IT" sz="1400" b="0" i="1" smtClean="0">
+                        <a:latin typeface="Cambria Math" panose="02040503050406030204" pitchFamily="18" charset="0"/>
+                        <a:cs typeface="Arial" panose="020B0604020202020204" pitchFamily="34" charset="0"/>
+                        <a:sym typeface="Wingdings" panose="05000000000000000000" pitchFamily="2" charset="2"/>
+                      </a:rPr>
+                      <m:t>𝐷</m:t>
+                    </m:r>
+                  </m:oMath>
+                </a14:m>
+                <a:r>
+                  <a:rPr lang="it-IT" sz="1400" b="0" dirty="0">
+                    <a:latin typeface="Arial" panose="020B0604020202020204" pitchFamily="34" charset="0"/>
+                    <a:cs typeface="Arial" panose="020B0604020202020204" pitchFamily="34" charset="0"/>
+                    <a:sym typeface="Wingdings" panose="05000000000000000000" pitchFamily="2" charset="2"/>
+                  </a:rPr>
+                  <a:t> contiene due elementi</a:t>
+                </a:r>
+                <a:r>
+                  <a:rPr lang="it-IT" sz="1400" dirty="0">
+                    <a:latin typeface="Arial" panose="020B0604020202020204" pitchFamily="34" charset="0"/>
+                    <a:cs typeface="Arial" panose="020B0604020202020204" pitchFamily="34" charset="0"/>
+                    <a:sym typeface="Wingdings" panose="05000000000000000000" pitchFamily="2" charset="2"/>
+                  </a:rPr>
+                  <a:t>, restituisci l’albero costituito da un arco che collega le due foglie. Altrimenti step 2;</a:t>
+                </a:r>
+                <a:endParaRPr lang="it-IT" sz="1400" b="0" dirty="0">
+                  <a:latin typeface="Arial" panose="020B0604020202020204" pitchFamily="34" charset="0"/>
+                  <a:cs typeface="Arial" panose="020B0604020202020204" pitchFamily="34" charset="0"/>
+                  <a:sym typeface="Wingdings" panose="05000000000000000000" pitchFamily="2" charset="2"/>
+                </a:endParaRPr>
+              </a:p>
+            </p:txBody>
+          </p:sp>
+        </mc:Choice>
+        <mc:Fallback xmlns="">
+          <p:sp>
+            <p:nvSpPr>
+              <p:cNvPr id="9" name="CasellaDiTesto 8">
+                <a:extLst>
+                  <a:ext uri="{FF2B5EF4-FFF2-40B4-BE49-F238E27FC236}">
+                    <a16:creationId xmlns:a16="http://schemas.microsoft.com/office/drawing/2014/main" id="{0FE0B87E-F336-4CE9-8C15-97BB1056FE04}"/>
+                  </a:ext>
+                </a:extLst>
+              </p:cNvPr>
+              <p:cNvSpPr txBox="1">
+                <a:spLocks noRot="1" noChangeAspect="1" noMove="1" noResize="1" noEditPoints="1" noAdjustHandles="1" noChangeArrowheads="1" noChangeShapeType="1" noTextEdit="1"/>
+              </p:cNvSpPr>
+              <p:nvPr/>
+            </p:nvSpPr>
+            <p:spPr>
+              <a:xfrm>
+                <a:off x="9061" y="1658679"/>
+                <a:ext cx="9134939" cy="523220"/>
+              </a:xfrm>
+              <a:prstGeom prst="rect">
+                <a:avLst/>
+              </a:prstGeom>
+              <a:blipFill>
+                <a:blip r:embed="rId8"/>
+                <a:stretch>
+                  <a:fillRect l="-200" t="-2326" b="-11628"/>
+                </a:stretch>
+              </a:blipFill>
+            </p:spPr>
+            <p:txBody>
+              <a:bodyPr/>
+              <a:lstStyle/>
+              <a:p>
+                <a:r>
+                  <a:rPr lang="it-IT">
+                    <a:noFill/>
+                  </a:rPr>
+                  <a:t> </a:t>
+                </a:r>
+              </a:p>
+            </p:txBody>
+          </p:sp>
+        </mc:Fallback>
+      </mc:AlternateContent>
+      <mc:AlternateContent xmlns:mc="http://schemas.openxmlformats.org/markup-compatibility/2006" xmlns:a14="http://schemas.microsoft.com/office/drawing/2010/main">
+        <mc:Choice Requires="a14">
+          <p:sp>
+            <p:nvSpPr>
+              <p:cNvPr id="13" name="CasellaDiTesto 12">
+                <a:extLst>
+                  <a:ext uri="{FF2B5EF4-FFF2-40B4-BE49-F238E27FC236}">
+                    <a16:creationId xmlns:a16="http://schemas.microsoft.com/office/drawing/2014/main" id="{4BB688B7-9B54-4FB7-B814-0186D5D0A096}"/>
+                  </a:ext>
+                </a:extLst>
+              </p:cNvPr>
+              <p:cNvSpPr txBox="1"/>
+              <p:nvPr/>
+            </p:nvSpPr>
+            <p:spPr>
+              <a:xfrm>
+                <a:off x="-185" y="2459413"/>
+                <a:ext cx="6544138" cy="307777"/>
+              </a:xfrm>
+              <a:prstGeom prst="rect">
+                <a:avLst/>
+              </a:prstGeom>
+              <a:noFill/>
+            </p:spPr>
+            <p:txBody>
+              <a:bodyPr wrap="square" rtlCol="0">
+                <a:spAutoFit/>
+              </a:bodyPr>
+              <a:lstStyle/>
+              <a:p>
+                <a:r>
+                  <a:rPr lang="it-IT" sz="1400" b="1" dirty="0">
+                    <a:latin typeface="Arial" panose="020B0604020202020204" pitchFamily="34" charset="0"/>
+                    <a:cs typeface="Arial" panose="020B0604020202020204" pitchFamily="34" charset="0"/>
+                  </a:rPr>
+                  <a:t>Step 2</a:t>
+                </a:r>
+                <a:r>
+                  <a:rPr lang="it-IT" sz="1400" dirty="0">
+                    <a:latin typeface="Arial" panose="020B0604020202020204" pitchFamily="34" charset="0"/>
+                    <a:cs typeface="Arial" panose="020B0604020202020204" pitchFamily="34" charset="0"/>
+                  </a:rPr>
+                  <a:t> </a:t>
+                </a:r>
+                <a:r>
+                  <a:rPr lang="it-IT" sz="1400" dirty="0">
+                    <a:latin typeface="Arial" panose="020B0604020202020204" pitchFamily="34" charset="0"/>
+                    <a:cs typeface="Arial" panose="020B0604020202020204" pitchFamily="34" charset="0"/>
+                    <a:sym typeface="Wingdings" panose="05000000000000000000" pitchFamily="2" charset="2"/>
+                  </a:rPr>
+                  <a:t> Scegli </a:t>
+                </a:r>
+                <a14:m>
+                  <m:oMath xmlns:m="http://schemas.openxmlformats.org/officeDocument/2006/math">
+                    <m:r>
+                      <a:rPr lang="it-IT" sz="1400" b="0" i="1" smtClean="0">
+                        <a:latin typeface="Cambria Math" panose="02040503050406030204" pitchFamily="18" charset="0"/>
+                        <a:cs typeface="Arial" panose="020B0604020202020204" pitchFamily="34" charset="0"/>
+                        <a:sym typeface="Wingdings" panose="05000000000000000000" pitchFamily="2" charset="2"/>
+                      </a:rPr>
+                      <m:t>𝑏</m:t>
+                    </m:r>
+                  </m:oMath>
+                </a14:m>
+                <a:r>
+                  <a:rPr lang="it-IT" sz="1400" dirty="0">
+                    <a:latin typeface="Arial" panose="020B0604020202020204" pitchFamily="34" charset="0"/>
+                    <a:cs typeface="Arial" panose="020B0604020202020204" pitchFamily="34" charset="0"/>
+                    <a:sym typeface="Wingdings" panose="05000000000000000000" pitchFamily="2" charset="2"/>
+                  </a:rPr>
+                  <a:t> e calcola </a:t>
+                </a:r>
+                <a14:m>
+                  <m:oMath xmlns:m="http://schemas.openxmlformats.org/officeDocument/2006/math">
+                    <m:r>
+                      <a:rPr lang="it-IT" sz="1400" b="0" i="1" smtClean="0">
+                        <a:latin typeface="Cambria Math" panose="02040503050406030204" pitchFamily="18" charset="0"/>
+                        <a:cs typeface="Arial" panose="020B0604020202020204" pitchFamily="34" charset="0"/>
+                        <a:sym typeface="Wingdings" panose="05000000000000000000" pitchFamily="2" charset="2"/>
+                      </a:rPr>
+                      <m:t>𝑙𝑖𝑚𝑏𝑤𝑒𝑖𝑔h𝑡</m:t>
+                    </m:r>
+                    <m:d>
+                      <m:dPr>
+                        <m:ctrlPr>
+                          <a:rPr lang="it-IT" sz="1400" b="0" i="1" smtClean="0">
+                            <a:latin typeface="Cambria Math" panose="02040503050406030204" pitchFamily="18" charset="0"/>
+                            <a:cs typeface="Arial" panose="020B0604020202020204" pitchFamily="34" charset="0"/>
+                            <a:sym typeface="Wingdings" panose="05000000000000000000" pitchFamily="2" charset="2"/>
+                          </a:rPr>
+                        </m:ctrlPr>
+                      </m:dPr>
+                      <m:e>
+                        <m:r>
+                          <a:rPr lang="it-IT" sz="1400" b="0" i="1" smtClean="0">
+                            <a:latin typeface="Cambria Math" panose="02040503050406030204" pitchFamily="18" charset="0"/>
+                            <a:cs typeface="Arial" panose="020B0604020202020204" pitchFamily="34" charset="0"/>
+                            <a:sym typeface="Wingdings" panose="05000000000000000000" pitchFamily="2" charset="2"/>
+                          </a:rPr>
+                          <m:t>𝑏</m:t>
+                        </m:r>
+                      </m:e>
+                    </m:d>
+                  </m:oMath>
+                </a14:m>
+                <a:r>
+                  <a:rPr lang="it-IT" sz="1400" dirty="0">
+                    <a:latin typeface="Arial" panose="020B0604020202020204" pitchFamily="34" charset="0"/>
+                    <a:cs typeface="Arial" panose="020B0604020202020204" pitchFamily="34" charset="0"/>
+                    <a:sym typeface="Wingdings" panose="05000000000000000000" pitchFamily="2" charset="2"/>
+                  </a:rPr>
+                  <a:t> usando il teorema del peso degli arti:</a:t>
+                </a:r>
+                <a:endParaRPr lang="it-IT" sz="1400" b="0" dirty="0">
+                  <a:latin typeface="Arial" panose="020B0604020202020204" pitchFamily="34" charset="0"/>
+                  <a:cs typeface="Arial" panose="020B0604020202020204" pitchFamily="34" charset="0"/>
+                  <a:sym typeface="Wingdings" panose="05000000000000000000" pitchFamily="2" charset="2"/>
+                </a:endParaRPr>
+              </a:p>
+            </p:txBody>
+          </p:sp>
+        </mc:Choice>
+        <mc:Fallback xmlns="">
+          <p:sp>
+            <p:nvSpPr>
+              <p:cNvPr id="13" name="CasellaDiTesto 12">
+                <a:extLst>
+                  <a:ext uri="{FF2B5EF4-FFF2-40B4-BE49-F238E27FC236}">
+                    <a16:creationId xmlns:a16="http://schemas.microsoft.com/office/drawing/2014/main" id="{4BB688B7-9B54-4FB7-B814-0186D5D0A096}"/>
+                  </a:ext>
+                </a:extLst>
+              </p:cNvPr>
+              <p:cNvSpPr txBox="1">
+                <a:spLocks noRot="1" noChangeAspect="1" noMove="1" noResize="1" noEditPoints="1" noAdjustHandles="1" noChangeArrowheads="1" noChangeShapeType="1" noTextEdit="1"/>
+              </p:cNvSpPr>
+              <p:nvPr/>
+            </p:nvSpPr>
+            <p:spPr>
+              <a:xfrm>
+                <a:off x="-185" y="2459413"/>
+                <a:ext cx="6544138" cy="307777"/>
+              </a:xfrm>
+              <a:prstGeom prst="rect">
+                <a:avLst/>
+              </a:prstGeom>
+              <a:blipFill>
+                <a:blip r:embed="rId9"/>
+                <a:stretch>
+                  <a:fillRect l="-280" t="-1961" b="-19608"/>
+                </a:stretch>
+              </a:blipFill>
+            </p:spPr>
+            <p:txBody>
+              <a:bodyPr/>
+              <a:lstStyle/>
+              <a:p>
+                <a:r>
+                  <a:rPr lang="it-IT">
+                    <a:noFill/>
+                  </a:rPr>
+                  <a:t> </a:t>
+                </a:r>
+              </a:p>
+            </p:txBody>
+          </p:sp>
+        </mc:Fallback>
+      </mc:AlternateContent>
+      <p:pic>
+        <p:nvPicPr>
+          <p:cNvPr id="6" name="Immagine 5">
+            <a:extLst>
+              <a:ext uri="{FF2B5EF4-FFF2-40B4-BE49-F238E27FC236}">
+                <a16:creationId xmlns:a16="http://schemas.microsoft.com/office/drawing/2014/main" id="{5B63084B-856F-4A60-A3D3-53E17E510D9F}"/>
+              </a:ext>
+            </a:extLst>
+          </p:cNvPr>
+          <p:cNvPicPr>
+            <a:picLocks noChangeAspect="1"/>
+          </p:cNvPicPr>
+          <p:nvPr>
+            <p:custDataLst>
+              <p:tags r:id="rId1"/>
+            </p:custDataLst>
+          </p:nvPr>
+        </p:nvPicPr>
+        <p:blipFill>
+          <a:blip r:embed="rId10"/>
+          <a:stretch>
+            <a:fillRect/>
+          </a:stretch>
+        </p:blipFill>
+        <p:spPr>
+          <a:xfrm>
+            <a:off x="7082015" y="2491917"/>
+            <a:ext cx="2004225" cy="254953"/>
+          </a:xfrm>
+          <a:prstGeom prst="rect">
+            <a:avLst/>
+          </a:prstGeom>
+        </p:spPr>
+      </p:pic>
+      <p:cxnSp>
+        <p:nvCxnSpPr>
+          <p:cNvPr id="15" name="Connettore 2 14">
+            <a:extLst>
+              <a:ext uri="{FF2B5EF4-FFF2-40B4-BE49-F238E27FC236}">
+                <a16:creationId xmlns:a16="http://schemas.microsoft.com/office/drawing/2014/main" id="{C759EE69-B43B-479F-88D4-D77F655A158D}"/>
+              </a:ext>
+            </a:extLst>
+          </p:cNvPr>
+          <p:cNvCxnSpPr/>
+          <p:nvPr/>
+        </p:nvCxnSpPr>
+        <p:spPr>
+          <a:xfrm>
+            <a:off x="6553201" y="2619393"/>
+            <a:ext cx="406399" cy="0"/>
+          </a:xfrm>
+          <a:prstGeom prst="straightConnector1">
+            <a:avLst/>
+          </a:prstGeom>
+          <a:ln>
+            <a:tailEnd type="triangle"/>
+          </a:ln>
+        </p:spPr>
+        <p:style>
+          <a:lnRef idx="2">
+            <a:schemeClr val="accent1"/>
+          </a:lnRef>
+          <a:fillRef idx="0">
+            <a:schemeClr val="accent1"/>
+          </a:fillRef>
+          <a:effectRef idx="1">
+            <a:schemeClr val="accent1"/>
+          </a:effectRef>
+          <a:fontRef idx="minor">
+            <a:schemeClr val="tx1"/>
+          </a:fontRef>
+        </p:style>
+      </p:cxnSp>
+      <mc:AlternateContent xmlns:mc="http://schemas.openxmlformats.org/markup-compatibility/2006" xmlns:a14="http://schemas.microsoft.com/office/drawing/2010/main">
+        <mc:Choice Requires="a14">
+          <p:sp>
+            <p:nvSpPr>
+              <p:cNvPr id="17" name="CasellaDiTesto 16">
+                <a:extLst>
+                  <a:ext uri="{FF2B5EF4-FFF2-40B4-BE49-F238E27FC236}">
+                    <a16:creationId xmlns:a16="http://schemas.microsoft.com/office/drawing/2014/main" id="{CAA0A21A-7828-4C81-AEDD-7BB4428F0A1B}"/>
+                  </a:ext>
+                </a:extLst>
+              </p:cNvPr>
+              <p:cNvSpPr txBox="1"/>
+              <p:nvPr/>
+            </p:nvSpPr>
+            <p:spPr>
+              <a:xfrm>
+                <a:off x="-32311" y="3712893"/>
+                <a:ext cx="4604218" cy="523220"/>
+              </a:xfrm>
+              <a:prstGeom prst="rect">
+                <a:avLst/>
+              </a:prstGeom>
+              <a:noFill/>
+            </p:spPr>
+            <p:txBody>
+              <a:bodyPr wrap="square" rtlCol="0">
+                <a:spAutoFit/>
+              </a:bodyPr>
+              <a:lstStyle/>
+              <a:p>
+                <a:r>
+                  <a:rPr lang="it-IT" sz="1400" b="1" dirty="0">
+                    <a:latin typeface="Arial" panose="020B0604020202020204" pitchFamily="34" charset="0"/>
+                    <a:cs typeface="Arial" panose="020B0604020202020204" pitchFamily="34" charset="0"/>
+                  </a:rPr>
+                  <a:t>Step 3</a:t>
+                </a:r>
+                <a:r>
+                  <a:rPr lang="it-IT" sz="1400" dirty="0">
+                    <a:latin typeface="Arial" panose="020B0604020202020204" pitchFamily="34" charset="0"/>
+                    <a:cs typeface="Arial" panose="020B0604020202020204" pitchFamily="34" charset="0"/>
+                  </a:rPr>
+                  <a:t> </a:t>
+                </a:r>
+                <a:r>
+                  <a:rPr lang="it-IT" sz="1400" dirty="0">
+                    <a:latin typeface="Arial" panose="020B0604020202020204" pitchFamily="34" charset="0"/>
+                    <a:cs typeface="Arial" panose="020B0604020202020204" pitchFamily="34" charset="0"/>
+                    <a:sym typeface="Wingdings" panose="05000000000000000000" pitchFamily="2" charset="2"/>
+                  </a:rPr>
+                  <a:t> Sottrai </a:t>
+                </a:r>
+                <a14:m>
+                  <m:oMath xmlns:m="http://schemas.openxmlformats.org/officeDocument/2006/math">
+                    <m:r>
+                      <a:rPr lang="it-IT" sz="1400" b="0" i="1" smtClean="0">
+                        <a:latin typeface="Cambria Math" panose="02040503050406030204" pitchFamily="18" charset="0"/>
+                        <a:cs typeface="Arial" panose="020B0604020202020204" pitchFamily="34" charset="0"/>
+                        <a:sym typeface="Wingdings" panose="05000000000000000000" pitchFamily="2" charset="2"/>
+                      </a:rPr>
+                      <m:t>𝑙𝑖𝑚𝑏𝑤𝑒𝑖𝑔h𝑡</m:t>
+                    </m:r>
+                    <m:d>
+                      <m:dPr>
+                        <m:ctrlPr>
+                          <a:rPr lang="it-IT" sz="1400" b="0" i="1" smtClean="0">
+                            <a:latin typeface="Cambria Math" panose="02040503050406030204" pitchFamily="18" charset="0"/>
+                            <a:cs typeface="Arial" panose="020B0604020202020204" pitchFamily="34" charset="0"/>
+                            <a:sym typeface="Wingdings" panose="05000000000000000000" pitchFamily="2" charset="2"/>
+                          </a:rPr>
+                        </m:ctrlPr>
+                      </m:dPr>
+                      <m:e>
+                        <m:r>
+                          <a:rPr lang="it-IT" sz="1400" b="0" i="1" smtClean="0">
+                            <a:latin typeface="Cambria Math" panose="02040503050406030204" pitchFamily="18" charset="0"/>
+                            <a:cs typeface="Arial" panose="020B0604020202020204" pitchFamily="34" charset="0"/>
+                            <a:sym typeface="Wingdings" panose="05000000000000000000" pitchFamily="2" charset="2"/>
+                          </a:rPr>
+                          <m:t>𝑏</m:t>
+                        </m:r>
+                      </m:e>
+                    </m:d>
+                  </m:oMath>
+                </a14:m>
+                <a:r>
+                  <a:rPr lang="it-IT" sz="1400" dirty="0">
+                    <a:latin typeface="Arial" panose="020B0604020202020204" pitchFamily="34" charset="0"/>
+                    <a:cs typeface="Arial" panose="020B0604020202020204" pitchFamily="34" charset="0"/>
+                    <a:sym typeface="Wingdings" panose="05000000000000000000" pitchFamily="2" charset="2"/>
+                  </a:rPr>
+                  <a:t> nella riga e colonna </a:t>
+                </a:r>
+                <a14:m>
+                  <m:oMath xmlns:m="http://schemas.openxmlformats.org/officeDocument/2006/math">
+                    <m:r>
+                      <a:rPr lang="it-IT" sz="1400" b="0" i="1" smtClean="0">
+                        <a:latin typeface="Cambria Math" panose="02040503050406030204" pitchFamily="18" charset="0"/>
+                        <a:cs typeface="Arial" panose="020B0604020202020204" pitchFamily="34" charset="0"/>
+                        <a:sym typeface="Wingdings" panose="05000000000000000000" pitchFamily="2" charset="2"/>
+                      </a:rPr>
+                      <m:t>𝑏</m:t>
+                    </m:r>
+                  </m:oMath>
+                </a14:m>
+                <a:r>
+                  <a:rPr lang="it-IT" sz="1400" dirty="0">
+                    <a:latin typeface="Arial" panose="020B0604020202020204" pitchFamily="34" charset="0"/>
+                    <a:cs typeface="Arial" panose="020B0604020202020204" pitchFamily="34" charset="0"/>
+                    <a:sym typeface="Wingdings" panose="05000000000000000000" pitchFamily="2" charset="2"/>
+                  </a:rPr>
+                  <a:t> (esclusa la diagonale):</a:t>
+                </a:r>
+                <a:endParaRPr lang="it-IT" sz="1400" b="0" dirty="0">
+                  <a:latin typeface="Arial" panose="020B0604020202020204" pitchFamily="34" charset="0"/>
+                  <a:cs typeface="Arial" panose="020B0604020202020204" pitchFamily="34" charset="0"/>
+                  <a:sym typeface="Wingdings" panose="05000000000000000000" pitchFamily="2" charset="2"/>
+                </a:endParaRPr>
+              </a:p>
+            </p:txBody>
+          </p:sp>
+        </mc:Choice>
+        <mc:Fallback xmlns="">
+          <p:sp>
+            <p:nvSpPr>
+              <p:cNvPr id="17" name="CasellaDiTesto 16">
+                <a:extLst>
+                  <a:ext uri="{FF2B5EF4-FFF2-40B4-BE49-F238E27FC236}">
+                    <a16:creationId xmlns:a16="http://schemas.microsoft.com/office/drawing/2014/main" id="{CAA0A21A-7828-4C81-AEDD-7BB4428F0A1B}"/>
+                  </a:ext>
+                </a:extLst>
+              </p:cNvPr>
+              <p:cNvSpPr txBox="1">
+                <a:spLocks noRot="1" noChangeAspect="1" noMove="1" noResize="1" noEditPoints="1" noAdjustHandles="1" noChangeArrowheads="1" noChangeShapeType="1" noTextEdit="1"/>
+              </p:cNvSpPr>
+              <p:nvPr/>
+            </p:nvSpPr>
+            <p:spPr>
+              <a:xfrm>
+                <a:off x="-32311" y="3712893"/>
+                <a:ext cx="4604218" cy="523220"/>
+              </a:xfrm>
+              <a:prstGeom prst="rect">
+                <a:avLst/>
+              </a:prstGeom>
+              <a:blipFill>
+                <a:blip r:embed="rId11"/>
+                <a:stretch>
+                  <a:fillRect l="-397" t="-2326" b="-11628"/>
+                </a:stretch>
+              </a:blipFill>
+            </p:spPr>
+            <p:txBody>
+              <a:bodyPr/>
+              <a:lstStyle/>
+              <a:p>
+                <a:r>
+                  <a:rPr lang="it-IT">
+                    <a:noFill/>
+                  </a:rPr>
+                  <a:t> </a:t>
+                </a:r>
+              </a:p>
+            </p:txBody>
+          </p:sp>
+        </mc:Fallback>
+      </mc:AlternateContent>
+      <p:pic>
+        <p:nvPicPr>
+          <p:cNvPr id="16" name="Immagine 15">
+            <a:extLst>
+              <a:ext uri="{FF2B5EF4-FFF2-40B4-BE49-F238E27FC236}">
+                <a16:creationId xmlns:a16="http://schemas.microsoft.com/office/drawing/2014/main" id="{D7CF82A1-7176-4F47-9B31-206F33B2C2BC}"/>
+              </a:ext>
+            </a:extLst>
+          </p:cNvPr>
+          <p:cNvPicPr>
+            <a:picLocks noChangeAspect="1"/>
+          </p:cNvPicPr>
+          <p:nvPr/>
+        </p:nvPicPr>
+        <p:blipFill>
+          <a:blip r:embed="rId12"/>
+          <a:stretch>
+            <a:fillRect/>
+          </a:stretch>
+        </p:blipFill>
+        <p:spPr>
+          <a:xfrm>
+            <a:off x="5556726" y="3020650"/>
+            <a:ext cx="3587274" cy="1615018"/>
+          </a:xfrm>
+          <a:prstGeom prst="rect">
+            <a:avLst/>
+          </a:prstGeom>
+        </p:spPr>
+      </p:pic>
+      <p:cxnSp>
+        <p:nvCxnSpPr>
+          <p:cNvPr id="20" name="Connettore 2 19">
+            <a:extLst>
+              <a:ext uri="{FF2B5EF4-FFF2-40B4-BE49-F238E27FC236}">
+                <a16:creationId xmlns:a16="http://schemas.microsoft.com/office/drawing/2014/main" id="{4DEB66D1-DDCF-4004-A3C9-247BE710F380}"/>
+              </a:ext>
+            </a:extLst>
+          </p:cNvPr>
+          <p:cNvCxnSpPr>
+            <a:cxnSpLocks/>
+            <a:stCxn id="17" idx="3"/>
+          </p:cNvCxnSpPr>
+          <p:nvPr/>
+        </p:nvCxnSpPr>
+        <p:spPr>
+          <a:xfrm>
+            <a:off x="4571907" y="3974503"/>
+            <a:ext cx="884013" cy="0"/>
+          </a:xfrm>
+          <a:prstGeom prst="straightConnector1">
+            <a:avLst/>
+          </a:prstGeom>
+          <a:ln>
+            <a:tailEnd type="triangle"/>
+          </a:ln>
+        </p:spPr>
+        <p:style>
+          <a:lnRef idx="2">
+            <a:schemeClr val="accent1"/>
+          </a:lnRef>
+          <a:fillRef idx="0">
+            <a:schemeClr val="accent1"/>
+          </a:fillRef>
+          <a:effectRef idx="1">
+            <a:schemeClr val="accent1"/>
+          </a:effectRef>
+          <a:fontRef idx="minor">
+            <a:schemeClr val="tx1"/>
+          </a:fontRef>
+        </p:style>
+      </p:cxnSp>
+      <mc:AlternateContent xmlns:mc="http://schemas.openxmlformats.org/markup-compatibility/2006" xmlns:a14="http://schemas.microsoft.com/office/drawing/2010/main">
+        <mc:Choice Requires="a14">
+          <p:sp>
+            <p:nvSpPr>
+              <p:cNvPr id="23" name="CasellaDiTesto 22">
+                <a:extLst>
+                  <a:ext uri="{FF2B5EF4-FFF2-40B4-BE49-F238E27FC236}">
+                    <a16:creationId xmlns:a16="http://schemas.microsoft.com/office/drawing/2014/main" id="{395BFC77-03FC-417F-8022-45CE833711FF}"/>
+                  </a:ext>
+                </a:extLst>
+              </p:cNvPr>
+              <p:cNvSpPr txBox="1"/>
+              <p:nvPr/>
+            </p:nvSpPr>
+            <p:spPr>
+              <a:xfrm>
+                <a:off x="-185" y="4821138"/>
+                <a:ext cx="9143817" cy="307777"/>
+              </a:xfrm>
+              <a:prstGeom prst="rect">
+                <a:avLst/>
+              </a:prstGeom>
+              <a:noFill/>
+            </p:spPr>
+            <p:txBody>
+              <a:bodyPr wrap="square" rtlCol="0">
+                <a:spAutoFit/>
+              </a:bodyPr>
+              <a:lstStyle/>
+              <a:p>
+                <a:r>
+                  <a:rPr lang="it-IT" sz="1400" b="1" dirty="0">
+                    <a:latin typeface="Arial" panose="020B0604020202020204" pitchFamily="34" charset="0"/>
+                    <a:cs typeface="Arial" panose="020B0604020202020204" pitchFamily="34" charset="0"/>
+                  </a:rPr>
+                  <a:t>Step 4</a:t>
+                </a:r>
+                <a:r>
+                  <a:rPr lang="it-IT" sz="1400" dirty="0">
+                    <a:latin typeface="Arial" panose="020B0604020202020204" pitchFamily="34" charset="0"/>
+                    <a:cs typeface="Arial" panose="020B0604020202020204" pitchFamily="34" charset="0"/>
+                  </a:rPr>
+                  <a:t> </a:t>
+                </a:r>
+                <a:r>
+                  <a:rPr lang="it-IT" sz="1400" dirty="0">
+                    <a:latin typeface="Arial" panose="020B0604020202020204" pitchFamily="34" charset="0"/>
+                    <a:cs typeface="Arial" panose="020B0604020202020204" pitchFamily="34" charset="0"/>
+                    <a:sym typeface="Wingdings" panose="05000000000000000000" pitchFamily="2" charset="2"/>
+                  </a:rPr>
+                  <a:t> Applica nuovamente il teorema del peso degli arti, con </a:t>
+                </a:r>
+                <a14:m>
+                  <m:oMath xmlns:m="http://schemas.openxmlformats.org/officeDocument/2006/math">
+                    <m:r>
+                      <a:rPr lang="it-IT" sz="1400" b="0" i="1" smtClean="0">
+                        <a:latin typeface="Cambria Math" panose="02040503050406030204" pitchFamily="18" charset="0"/>
+                        <a:cs typeface="Arial" panose="020B0604020202020204" pitchFamily="34" charset="0"/>
+                        <a:sym typeface="Wingdings" panose="05000000000000000000" pitchFamily="2" charset="2"/>
+                      </a:rPr>
+                      <m:t>𝑙𝑖𝑚𝑏𝑤𝑒𝑖𝑔h𝑡</m:t>
+                    </m:r>
+                    <m:d>
+                      <m:dPr>
+                        <m:ctrlPr>
+                          <a:rPr lang="it-IT" sz="1400" b="0" i="1" smtClean="0">
+                            <a:latin typeface="Cambria Math" panose="02040503050406030204" pitchFamily="18" charset="0"/>
+                            <a:cs typeface="Arial" panose="020B0604020202020204" pitchFamily="34" charset="0"/>
+                            <a:sym typeface="Wingdings" panose="05000000000000000000" pitchFamily="2" charset="2"/>
+                          </a:rPr>
+                        </m:ctrlPr>
+                      </m:dPr>
+                      <m:e>
+                        <m:r>
+                          <a:rPr lang="it-IT" sz="1400" b="0" i="1" smtClean="0">
+                            <a:latin typeface="Cambria Math" panose="02040503050406030204" pitchFamily="18" charset="0"/>
+                            <a:cs typeface="Arial" panose="020B0604020202020204" pitchFamily="34" charset="0"/>
+                            <a:sym typeface="Wingdings" panose="05000000000000000000" pitchFamily="2" charset="2"/>
+                          </a:rPr>
+                          <m:t>𝑏</m:t>
+                        </m:r>
+                      </m:e>
+                    </m:d>
+                    <m:r>
+                      <a:rPr lang="it-IT" sz="1400" b="0" i="1" smtClean="0">
+                        <a:latin typeface="Cambria Math" panose="02040503050406030204" pitchFamily="18" charset="0"/>
+                        <a:cs typeface="Arial" panose="020B0604020202020204" pitchFamily="34" charset="0"/>
+                        <a:sym typeface="Wingdings" panose="05000000000000000000" pitchFamily="2" charset="2"/>
+                      </a:rPr>
+                      <m:t>=0</m:t>
+                    </m:r>
+                  </m:oMath>
+                </a14:m>
+                <a:r>
+                  <a:rPr lang="it-IT" sz="1400" b="0" dirty="0">
+                    <a:latin typeface="Arial" panose="020B0604020202020204" pitchFamily="34" charset="0"/>
+                    <a:cs typeface="Arial" panose="020B0604020202020204" pitchFamily="34" charset="0"/>
+                    <a:sym typeface="Wingdings" panose="05000000000000000000" pitchFamily="2" charset="2"/>
+                  </a:rPr>
+                  <a:t>.  </a:t>
+                </a:r>
+              </a:p>
+            </p:txBody>
+          </p:sp>
+        </mc:Choice>
+        <mc:Fallback xmlns="">
+          <p:sp>
+            <p:nvSpPr>
+              <p:cNvPr id="23" name="CasellaDiTesto 22">
+                <a:extLst>
+                  <a:ext uri="{FF2B5EF4-FFF2-40B4-BE49-F238E27FC236}">
+                    <a16:creationId xmlns:a16="http://schemas.microsoft.com/office/drawing/2014/main" id="{395BFC77-03FC-417F-8022-45CE833711FF}"/>
+                  </a:ext>
+                </a:extLst>
+              </p:cNvPr>
+              <p:cNvSpPr txBox="1">
+                <a:spLocks noRot="1" noChangeAspect="1" noMove="1" noResize="1" noEditPoints="1" noAdjustHandles="1" noChangeArrowheads="1" noChangeShapeType="1" noTextEdit="1"/>
+              </p:cNvSpPr>
+              <p:nvPr/>
+            </p:nvSpPr>
+            <p:spPr>
+              <a:xfrm>
+                <a:off x="-185" y="4821138"/>
+                <a:ext cx="9143817" cy="307777"/>
+              </a:xfrm>
+              <a:prstGeom prst="rect">
+                <a:avLst/>
+              </a:prstGeom>
+              <a:blipFill>
+                <a:blip r:embed="rId13"/>
+                <a:stretch>
+                  <a:fillRect l="-200" t="-4000" b="-20000"/>
+                </a:stretch>
+              </a:blipFill>
+            </p:spPr>
+            <p:txBody>
+              <a:bodyPr/>
+              <a:lstStyle/>
+              <a:p>
+                <a:r>
+                  <a:rPr lang="it-IT">
+                    <a:noFill/>
+                  </a:rPr>
+                  <a:t> </a:t>
+                </a:r>
+              </a:p>
+            </p:txBody>
+          </p:sp>
+        </mc:Fallback>
+      </mc:AlternateContent>
+      <p:pic>
+        <p:nvPicPr>
+          <p:cNvPr id="28" name="Immagine 27">
+            <a:extLst>
+              <a:ext uri="{FF2B5EF4-FFF2-40B4-BE49-F238E27FC236}">
+                <a16:creationId xmlns:a16="http://schemas.microsoft.com/office/drawing/2014/main" id="{7C9E9640-F024-4F1A-BE38-FB55EA44055C}"/>
+              </a:ext>
+            </a:extLst>
+          </p:cNvPr>
+          <p:cNvPicPr>
+            <a:picLocks noChangeAspect="1"/>
+          </p:cNvPicPr>
+          <p:nvPr>
+            <p:custDataLst>
+              <p:tags r:id="rId2"/>
+            </p:custDataLst>
+          </p:nvPr>
+        </p:nvPicPr>
+        <p:blipFill>
+          <a:blip r:embed="rId14"/>
+          <a:stretch>
+            <a:fillRect/>
+          </a:stretch>
+        </p:blipFill>
+        <p:spPr>
+          <a:xfrm>
+            <a:off x="82200" y="5368779"/>
+            <a:ext cx="6319964" cy="345161"/>
+          </a:xfrm>
+          <a:prstGeom prst="rect">
+            <a:avLst/>
+          </a:prstGeom>
+        </p:spPr>
+      </p:pic>
+      <p:pic>
+        <p:nvPicPr>
+          <p:cNvPr id="33" name="Immagine 32">
+            <a:extLst>
+              <a:ext uri="{FF2B5EF4-FFF2-40B4-BE49-F238E27FC236}">
+                <a16:creationId xmlns:a16="http://schemas.microsoft.com/office/drawing/2014/main" id="{965304D6-894B-4333-BF5F-7EB150B5FA9E}"/>
+              </a:ext>
+            </a:extLst>
+          </p:cNvPr>
+          <p:cNvPicPr>
+            <a:picLocks noChangeAspect="1"/>
+          </p:cNvPicPr>
+          <p:nvPr>
+            <p:custDataLst>
+              <p:tags r:id="rId3"/>
+            </p:custDataLst>
+          </p:nvPr>
+        </p:nvPicPr>
+        <p:blipFill>
+          <a:blip r:embed="rId15"/>
+          <a:stretch>
+            <a:fillRect/>
+          </a:stretch>
+        </p:blipFill>
+        <p:spPr>
+          <a:xfrm>
+            <a:off x="6484365" y="5347835"/>
+            <a:ext cx="2127816" cy="348219"/>
+          </a:xfrm>
+          <a:prstGeom prst="rect">
+            <a:avLst/>
+          </a:prstGeom>
+        </p:spPr>
+      </p:pic>
+      <p:pic>
+        <p:nvPicPr>
+          <p:cNvPr id="36" name="Immagine 35">
+            <a:extLst>
+              <a:ext uri="{FF2B5EF4-FFF2-40B4-BE49-F238E27FC236}">
+                <a16:creationId xmlns:a16="http://schemas.microsoft.com/office/drawing/2014/main" id="{ECF23CA1-6269-40DC-A680-BF291C2DBDD7}"/>
+              </a:ext>
+            </a:extLst>
+          </p:cNvPr>
+          <p:cNvPicPr>
+            <a:picLocks noChangeAspect="1"/>
+          </p:cNvPicPr>
+          <p:nvPr>
+            <p:custDataLst>
+              <p:tags r:id="rId4"/>
+            </p:custDataLst>
+          </p:nvPr>
+        </p:nvPicPr>
+        <p:blipFill>
+          <a:blip r:embed="rId16"/>
+          <a:stretch>
+            <a:fillRect/>
+          </a:stretch>
+        </p:blipFill>
+        <p:spPr>
+          <a:xfrm>
+            <a:off x="72041" y="6001947"/>
+            <a:ext cx="1851723" cy="256384"/>
+          </a:xfrm>
+          <a:prstGeom prst="rect">
+            <a:avLst/>
+          </a:prstGeom>
+        </p:spPr>
+      </p:pic>
+      <mc:AlternateContent xmlns:mc="http://schemas.openxmlformats.org/markup-compatibility/2006" xmlns:a14="http://schemas.microsoft.com/office/drawing/2010/main">
+        <mc:Choice Requires="a14">
+          <p:sp>
+            <p:nvSpPr>
+              <p:cNvPr id="39" name="CasellaDiTesto 38">
+                <a:extLst>
+                  <a:ext uri="{FF2B5EF4-FFF2-40B4-BE49-F238E27FC236}">
+                    <a16:creationId xmlns:a16="http://schemas.microsoft.com/office/drawing/2014/main" id="{183372F0-4B5E-4337-B922-5F5999E94642}"/>
+                  </a:ext>
+                </a:extLst>
+              </p:cNvPr>
+              <p:cNvSpPr txBox="1"/>
+              <p:nvPr/>
+            </p:nvSpPr>
+            <p:spPr>
+              <a:xfrm>
+                <a:off x="3143840" y="5967536"/>
+                <a:ext cx="3740145" cy="307777"/>
+              </a:xfrm>
+              <a:prstGeom prst="rect">
+                <a:avLst/>
+              </a:prstGeom>
+              <a:noFill/>
+            </p:spPr>
+            <p:txBody>
+              <a:bodyPr wrap="square" rtlCol="0">
+                <a:spAutoFit/>
+              </a:bodyPr>
+              <a:lstStyle/>
+              <a:p>
+                <a:r>
+                  <a:rPr lang="it-IT" sz="1400" b="0" dirty="0">
+                    <a:cs typeface="Arial" panose="020B0604020202020204" pitchFamily="34" charset="0"/>
+                    <a:sym typeface="Wingdings" panose="05000000000000000000" pitchFamily="2" charset="2"/>
+                  </a:rPr>
+                  <a:t>La foglia </a:t>
+                </a:r>
+                <a14:m>
+                  <m:oMath xmlns:m="http://schemas.openxmlformats.org/officeDocument/2006/math">
+                    <m:r>
+                      <a:rPr lang="it-IT" sz="1400" b="0" i="1" smtClean="0">
+                        <a:latin typeface="Cambria Math" panose="02040503050406030204" pitchFamily="18" charset="0"/>
+                        <a:cs typeface="Arial" panose="020B0604020202020204" pitchFamily="34" charset="0"/>
+                        <a:sym typeface="Wingdings" panose="05000000000000000000" pitchFamily="2" charset="2"/>
+                      </a:rPr>
+                      <m:t>𝑏</m:t>
+                    </m:r>
+                  </m:oMath>
+                </a14:m>
+                <a:r>
+                  <a:rPr lang="it-IT" sz="1400" dirty="0">
+                    <a:latin typeface="Arial" panose="020B0604020202020204" pitchFamily="34" charset="0"/>
+                    <a:cs typeface="Arial" panose="020B0604020202020204" pitchFamily="34" charset="0"/>
+                    <a:sym typeface="Wingdings" panose="05000000000000000000" pitchFamily="2" charset="2"/>
+                  </a:rPr>
+                  <a:t> è lungo l’arco che collega </a:t>
+                </a:r>
+                <a14:m>
+                  <m:oMath xmlns:m="http://schemas.openxmlformats.org/officeDocument/2006/math">
+                    <m:r>
+                      <a:rPr lang="it-IT" sz="1400" b="0" i="1" smtClean="0">
+                        <a:latin typeface="Cambria Math" panose="02040503050406030204" pitchFamily="18" charset="0"/>
+                        <a:cs typeface="Arial" panose="020B0604020202020204" pitchFamily="34" charset="0"/>
+                        <a:sym typeface="Wingdings" panose="05000000000000000000" pitchFamily="2" charset="2"/>
+                      </a:rPr>
+                      <m:t>𝑓</m:t>
+                    </m:r>
+                  </m:oMath>
+                </a14:m>
+                <a:r>
+                  <a:rPr lang="it-IT" sz="1400" dirty="0">
+                    <a:latin typeface="Arial" panose="020B0604020202020204" pitchFamily="34" charset="0"/>
+                    <a:cs typeface="Arial" panose="020B0604020202020204" pitchFamily="34" charset="0"/>
+                    <a:sym typeface="Wingdings" panose="05000000000000000000" pitchFamily="2" charset="2"/>
+                  </a:rPr>
+                  <a:t> con </a:t>
+                </a:r>
+                <a14:m>
+                  <m:oMath xmlns:m="http://schemas.openxmlformats.org/officeDocument/2006/math">
+                    <m:r>
+                      <a:rPr lang="it-IT" sz="1400" b="0" i="1" smtClean="0">
+                        <a:latin typeface="Cambria Math" panose="02040503050406030204" pitchFamily="18" charset="0"/>
+                        <a:cs typeface="Arial" panose="020B0604020202020204" pitchFamily="34" charset="0"/>
+                        <a:sym typeface="Wingdings" panose="05000000000000000000" pitchFamily="2" charset="2"/>
+                      </a:rPr>
+                      <m:t>𝑢</m:t>
+                    </m:r>
+                  </m:oMath>
+                </a14:m>
+                <a:r>
+                  <a:rPr lang="it-IT" sz="1400" dirty="0">
+                    <a:latin typeface="Arial" panose="020B0604020202020204" pitchFamily="34" charset="0"/>
+                    <a:cs typeface="Arial" panose="020B0604020202020204" pitchFamily="34" charset="0"/>
+                    <a:sym typeface="Wingdings" panose="05000000000000000000" pitchFamily="2" charset="2"/>
+                  </a:rPr>
+                  <a:t>.</a:t>
+                </a:r>
+              </a:p>
+            </p:txBody>
+          </p:sp>
+        </mc:Choice>
+        <mc:Fallback xmlns="">
+          <p:sp>
+            <p:nvSpPr>
+              <p:cNvPr id="39" name="CasellaDiTesto 38">
+                <a:extLst>
+                  <a:ext uri="{FF2B5EF4-FFF2-40B4-BE49-F238E27FC236}">
+                    <a16:creationId xmlns:a16="http://schemas.microsoft.com/office/drawing/2014/main" id="{183372F0-4B5E-4337-B922-5F5999E94642}"/>
+                  </a:ext>
+                </a:extLst>
+              </p:cNvPr>
+              <p:cNvSpPr txBox="1">
+                <a:spLocks noRot="1" noChangeAspect="1" noMove="1" noResize="1" noEditPoints="1" noAdjustHandles="1" noChangeArrowheads="1" noChangeShapeType="1" noTextEdit="1"/>
+              </p:cNvSpPr>
+              <p:nvPr/>
+            </p:nvSpPr>
+            <p:spPr>
+              <a:xfrm>
+                <a:off x="3143840" y="5967536"/>
+                <a:ext cx="3740145" cy="307777"/>
+              </a:xfrm>
+              <a:prstGeom prst="rect">
+                <a:avLst/>
+              </a:prstGeom>
+              <a:blipFill>
+                <a:blip r:embed="rId17"/>
+                <a:stretch>
+                  <a:fillRect l="-489" t="-4000" b="-22000"/>
+                </a:stretch>
+              </a:blipFill>
+            </p:spPr>
+            <p:txBody>
+              <a:bodyPr/>
+              <a:lstStyle/>
+              <a:p>
+                <a:r>
+                  <a:rPr lang="it-IT">
+                    <a:noFill/>
+                  </a:rPr>
+                  <a:t> </a:t>
+                </a:r>
+              </a:p>
+            </p:txBody>
+          </p:sp>
+        </mc:Fallback>
+      </mc:AlternateContent>
+      <p:cxnSp>
+        <p:nvCxnSpPr>
+          <p:cNvPr id="42" name="Connettore 2 41">
+            <a:extLst>
+              <a:ext uri="{FF2B5EF4-FFF2-40B4-BE49-F238E27FC236}">
+                <a16:creationId xmlns:a16="http://schemas.microsoft.com/office/drawing/2014/main" id="{55149745-2017-4AE4-AA09-89EDD19D3AF7}"/>
+              </a:ext>
+            </a:extLst>
+          </p:cNvPr>
+          <p:cNvCxnSpPr>
+            <a:cxnSpLocks/>
+          </p:cNvCxnSpPr>
+          <p:nvPr/>
+        </p:nvCxnSpPr>
+        <p:spPr>
+          <a:xfrm flipV="1">
+            <a:off x="2082800" y="6121425"/>
+            <a:ext cx="1061040" cy="8714"/>
+          </a:xfrm>
+          <a:prstGeom prst="straightConnector1">
+            <a:avLst/>
+          </a:prstGeom>
+          <a:ln>
+            <a:tailEnd type="triangle"/>
+          </a:ln>
+        </p:spPr>
+        <p:style>
+          <a:lnRef idx="2">
+            <a:schemeClr val="accent1"/>
+          </a:lnRef>
+          <a:fillRef idx="0">
+            <a:schemeClr val="accent1"/>
+          </a:fillRef>
+          <a:effectRef idx="1">
+            <a:schemeClr val="accent1"/>
+          </a:effectRef>
+          <a:fontRef idx="minor">
+            <a:schemeClr val="tx1"/>
+          </a:fontRef>
+        </p:style>
+      </p:cxnSp>
+    </p:spTree>
+    <p:extLst>
+      <p:ext uri="{BB962C8B-B14F-4D97-AF65-F5344CB8AC3E}">
+        <p14:creationId xmlns:p14="http://schemas.microsoft.com/office/powerpoint/2010/main" val="1354716641"/>
+      </p:ext>
+    </p:extLst>
+  </p:cSld>
+  <p:clrMapOvr>
+    <a:masterClrMapping/>
+  </p:clrMapOvr>
+</p:sld>
+</file>
+
+<file path=ppt/slides/slide12.xml><?xml version="1.0" encoding="utf-8"?>
+<p:sld xmlns:a="http://schemas.openxmlformats.org/drawingml/2006/main" xmlns:r="http://schemas.openxmlformats.org/officeDocument/2006/relationships" xmlns:p="http://schemas.openxmlformats.org/presentationml/2006/main">
+  <p:cSld>
+    <p:spTree>
+      <p:nvGrpSpPr>
+        <p:cNvPr id="1" name=""/>
+        <p:cNvGrpSpPr/>
+        <p:nvPr/>
+      </p:nvGrpSpPr>
+      <p:grpSpPr>
+        <a:xfrm>
+          <a:off x="0" y="0"/>
+          <a:ext cx="0" cy="0"/>
+          <a:chOff x="0" y="0"/>
+          <a:chExt cx="0" cy="0"/>
+        </a:xfrm>
+      </p:grpSpPr>
+      <p:pic>
+        <p:nvPicPr>
+          <p:cNvPr id="2" name="Immagine 1"/>
+          <p:cNvPicPr>
+            <a:picLocks noChangeAspect="1"/>
+          </p:cNvPicPr>
+          <p:nvPr/>
+        </p:nvPicPr>
+        <p:blipFill>
+          <a:blip r:embed="rId3"/>
+          <a:stretch>
+            <a:fillRect/>
+          </a:stretch>
+        </p:blipFill>
+        <p:spPr>
+          <a:xfrm>
+            <a:off x="-1" y="3123"/>
+            <a:ext cx="9143817" cy="6872495"/>
+          </a:xfrm>
+          <a:prstGeom prst="rect">
+            <a:avLst/>
+          </a:prstGeom>
+        </p:spPr>
+      </p:pic>
+      <p:sp>
+        <p:nvSpPr>
+          <p:cNvPr id="7" name="CasellaDiTesto 6"/>
+          <p:cNvSpPr txBox="1"/>
+          <p:nvPr/>
+        </p:nvSpPr>
+        <p:spPr>
+          <a:xfrm>
+            <a:off x="9061" y="649703"/>
+            <a:ext cx="2490299" cy="461665"/>
+          </a:xfrm>
+          <a:prstGeom prst="rect">
+            <a:avLst/>
+          </a:prstGeom>
+          <a:noFill/>
+        </p:spPr>
+        <p:txBody>
+          <a:bodyPr wrap="square" rtlCol="0">
+            <a:spAutoFit/>
+          </a:bodyPr>
+          <a:lstStyle/>
+          <a:p>
+            <a:r>
+              <a:rPr lang="it-IT" sz="2400" b="1" dirty="0">
+                <a:solidFill>
+                  <a:schemeClr val="accent1">
+                    <a:lumMod val="75000"/>
+                  </a:schemeClr>
+                </a:solidFill>
+                <a:latin typeface="Arial"/>
+                <a:cs typeface="Arial"/>
+              </a:rPr>
+              <a:t>Albero Additivo</a:t>
+            </a:r>
+          </a:p>
+        </p:txBody>
+      </p:sp>
+      <p:sp>
+        <p:nvSpPr>
+          <p:cNvPr id="12" name="Rettangolo 11"/>
+          <p:cNvSpPr/>
+          <p:nvPr/>
+        </p:nvSpPr>
+        <p:spPr>
+          <a:xfrm>
+            <a:off x="8255000" y="6366466"/>
+            <a:ext cx="280763" cy="501650"/>
+          </a:xfrm>
+          <a:prstGeom prst="rect">
+            <a:avLst/>
+          </a:prstGeom>
+          <a:solidFill>
+            <a:srgbClr val="003053"/>
+          </a:solidFill>
+        </p:spPr>
+        <p:style>
+          <a:lnRef idx="1">
+            <a:schemeClr val="accent1"/>
+          </a:lnRef>
+          <a:fillRef idx="3">
+            <a:schemeClr val="accent1"/>
+          </a:fillRef>
+          <a:effectRef idx="2">
+            <a:schemeClr val="accent1"/>
+          </a:effectRef>
+          <a:fontRef idx="minor">
+            <a:schemeClr val="lt1"/>
+          </a:fontRef>
+        </p:style>
+        <p:txBody>
+          <a:bodyPr rtlCol="0" anchor="ctr"/>
+          <a:lstStyle/>
+          <a:p>
+            <a:pPr algn="ctr"/>
+            <a:endParaRPr lang="it-IT">
+              <a:solidFill>
+                <a:srgbClr val="003257"/>
+              </a:solidFill>
+            </a:endParaRPr>
+          </a:p>
+        </p:txBody>
+      </p:sp>
+      <p:sp>
+        <p:nvSpPr>
+          <p:cNvPr id="11" name="Segnaposto numero diapositiva 10"/>
+          <p:cNvSpPr>
+            <a:spLocks noGrp="1"/>
+          </p:cNvSpPr>
+          <p:nvPr>
+            <p:ph type="sldNum" sz="quarter" idx="12"/>
+          </p:nvPr>
+        </p:nvSpPr>
+        <p:spPr>
+          <a:xfrm>
+            <a:off x="6402163" y="6356350"/>
+            <a:ext cx="2133600" cy="365125"/>
+          </a:xfrm>
+        </p:spPr>
+        <p:txBody>
+          <a:bodyPr/>
+          <a:lstStyle/>
+          <a:p>
+            <a:fld id="{8EB8520A-26EA-DE4B-B141-4532FC98FF0E}" type="slidenum">
+              <a:rPr lang="it-IT" b="1" smtClean="0">
+                <a:solidFill>
+                  <a:schemeClr val="bg1"/>
+                </a:solidFill>
+                <a:latin typeface="Arial"/>
+                <a:cs typeface="Arial"/>
+              </a:rPr>
+              <a:pPr/>
+              <a:t>12</a:t>
+            </a:fld>
+            <a:endParaRPr lang="it-IT" b="1" dirty="0">
+              <a:solidFill>
+                <a:schemeClr val="bg1"/>
+              </a:solidFill>
+              <a:latin typeface="Arial"/>
+              <a:cs typeface="Arial"/>
+            </a:endParaRPr>
+          </a:p>
+        </p:txBody>
+      </p:sp>
+      <p:sp>
+        <p:nvSpPr>
+          <p:cNvPr id="10" name="CasellaDiTesto 9"/>
+          <p:cNvSpPr txBox="1"/>
+          <p:nvPr/>
+        </p:nvSpPr>
+        <p:spPr>
+          <a:xfrm>
+            <a:off x="5735951" y="51433"/>
+            <a:ext cx="2957862" cy="215444"/>
+          </a:xfrm>
+          <a:prstGeom prst="rect">
+            <a:avLst/>
+          </a:prstGeom>
+          <a:noFill/>
+        </p:spPr>
+        <p:txBody>
+          <a:bodyPr wrap="none" rtlCol="0">
+            <a:spAutoFit/>
+          </a:bodyPr>
+          <a:lstStyle/>
+          <a:p>
+            <a:pPr algn="r"/>
+            <a:r>
+              <a:rPr lang="it-IT" sz="800" b="1" dirty="0">
+                <a:solidFill>
+                  <a:schemeClr val="bg1"/>
+                </a:solidFill>
+                <a:latin typeface="Arial"/>
+                <a:cs typeface="Arial"/>
+              </a:rPr>
+              <a:t>Applicazioni dell’algoritmica alla biologia: alberi evolutivi</a:t>
+            </a:r>
+          </a:p>
+        </p:txBody>
+      </p:sp>
+      <p:sp>
+        <p:nvSpPr>
+          <p:cNvPr id="14" name="CasellaDiTesto 13"/>
+          <p:cNvSpPr txBox="1"/>
+          <p:nvPr/>
+        </p:nvSpPr>
+        <p:spPr>
+          <a:xfrm>
+            <a:off x="7082015" y="403482"/>
+            <a:ext cx="1621846" cy="492443"/>
+          </a:xfrm>
+          <a:prstGeom prst="rect">
+            <a:avLst/>
+          </a:prstGeom>
+          <a:noFill/>
+        </p:spPr>
+        <p:txBody>
+          <a:bodyPr wrap="none" rtlCol="0">
+            <a:spAutoFit/>
+          </a:bodyPr>
+          <a:lstStyle/>
+          <a:p>
+            <a:pPr algn="r"/>
+            <a:r>
+              <a:rPr lang="it-IT" sz="800" dirty="0">
+                <a:solidFill>
+                  <a:schemeClr val="bg1"/>
+                </a:solidFill>
+                <a:latin typeface="Arial"/>
+                <a:cs typeface="Arial"/>
+              </a:rPr>
+              <a:t>Firenze, 12 luglio 2019</a:t>
+            </a:r>
+          </a:p>
+          <a:p>
+            <a:endParaRPr lang="it-IT" dirty="0"/>
+          </a:p>
+        </p:txBody>
+      </p:sp>
+      <p:sp>
+        <p:nvSpPr>
+          <p:cNvPr id="53" name="CasellaDiTesto 52">
+            <a:extLst>
+              <a:ext uri="{FF2B5EF4-FFF2-40B4-BE49-F238E27FC236}">
+                <a16:creationId xmlns:a16="http://schemas.microsoft.com/office/drawing/2014/main" id="{C4172192-17B0-4035-AFD1-CBC8BDE7E4CD}"/>
+              </a:ext>
+            </a:extLst>
+          </p:cNvPr>
+          <p:cNvSpPr txBox="1"/>
+          <p:nvPr/>
+        </p:nvSpPr>
+        <p:spPr>
+          <a:xfrm>
+            <a:off x="9062" y="1077183"/>
+            <a:ext cx="1082892" cy="369332"/>
+          </a:xfrm>
+          <a:prstGeom prst="rect">
+            <a:avLst/>
+          </a:prstGeom>
+          <a:noFill/>
+        </p:spPr>
+        <p:txBody>
+          <a:bodyPr wrap="square" rtlCol="0">
+            <a:spAutoFit/>
+          </a:bodyPr>
+          <a:lstStyle/>
+          <a:p>
+            <a:r>
+              <a:rPr lang="it-IT" i="1" dirty="0">
+                <a:latin typeface="Arial"/>
+                <a:cs typeface="Arial"/>
+              </a:rPr>
+              <a:t>Parte 3</a:t>
+            </a:r>
+          </a:p>
+        </p:txBody>
+      </p:sp>
+      <mc:AlternateContent xmlns:mc="http://schemas.openxmlformats.org/markup-compatibility/2006" xmlns:a14="http://schemas.microsoft.com/office/drawing/2010/main">
+        <mc:Choice Requires="a14">
+          <p:sp>
+            <p:nvSpPr>
+              <p:cNvPr id="9" name="CasellaDiTesto 8">
+                <a:extLst>
+                  <a:ext uri="{FF2B5EF4-FFF2-40B4-BE49-F238E27FC236}">
+                    <a16:creationId xmlns:a16="http://schemas.microsoft.com/office/drawing/2014/main" id="{0FE0B87E-F336-4CE9-8C15-97BB1056FE04}"/>
+                  </a:ext>
+                </a:extLst>
+              </p:cNvPr>
+              <p:cNvSpPr txBox="1"/>
+              <p:nvPr/>
+            </p:nvSpPr>
+            <p:spPr>
+              <a:xfrm>
+                <a:off x="9061" y="1655899"/>
+                <a:ext cx="7428059" cy="307777"/>
+              </a:xfrm>
+              <a:prstGeom prst="rect">
+                <a:avLst/>
+              </a:prstGeom>
+              <a:noFill/>
+            </p:spPr>
+            <p:txBody>
+              <a:bodyPr wrap="square" rtlCol="0">
+                <a:spAutoFit/>
+              </a:bodyPr>
+              <a:lstStyle/>
+              <a:p>
+                <a:r>
+                  <a:rPr lang="it-IT" sz="1400" b="1" dirty="0">
+                    <a:latin typeface="Arial" panose="020B0604020202020204" pitchFamily="34" charset="0"/>
+                    <a:cs typeface="Arial" panose="020B0604020202020204" pitchFamily="34" charset="0"/>
+                  </a:rPr>
+                  <a:t>Step 5</a:t>
+                </a:r>
+                <a:r>
+                  <a:rPr lang="it-IT" sz="1400" dirty="0">
+                    <a:latin typeface="Arial" panose="020B0604020202020204" pitchFamily="34" charset="0"/>
+                    <a:cs typeface="Arial" panose="020B0604020202020204" pitchFamily="34" charset="0"/>
+                  </a:rPr>
+                  <a:t> </a:t>
+                </a:r>
+                <a:r>
+                  <a:rPr lang="it-IT" sz="1400" dirty="0">
+                    <a:latin typeface="Arial" panose="020B0604020202020204" pitchFamily="34" charset="0"/>
+                    <a:cs typeface="Arial" panose="020B0604020202020204" pitchFamily="34" charset="0"/>
+                    <a:sym typeface="Wingdings" panose="05000000000000000000" pitchFamily="2" charset="2"/>
+                  </a:rPr>
+                  <a:t> Rimuovi </a:t>
+                </a:r>
+                <a14:m>
+                  <m:oMath xmlns:m="http://schemas.openxmlformats.org/officeDocument/2006/math">
+                    <m:r>
+                      <a:rPr lang="it-IT" sz="1400" b="0" i="1" smtClean="0">
+                        <a:latin typeface="Cambria Math" panose="02040503050406030204" pitchFamily="18" charset="0"/>
+                        <a:cs typeface="Arial" panose="020B0604020202020204" pitchFamily="34" charset="0"/>
+                        <a:sym typeface="Wingdings" panose="05000000000000000000" pitchFamily="2" charset="2"/>
+                      </a:rPr>
+                      <m:t>𝑏</m:t>
+                    </m:r>
+                  </m:oMath>
+                </a14:m>
+                <a:r>
+                  <a:rPr lang="it-IT" sz="1400" b="0" dirty="0">
+                    <a:latin typeface="Arial" panose="020B0604020202020204" pitchFamily="34" charset="0"/>
+                    <a:cs typeface="Arial" panose="020B0604020202020204" pitchFamily="34" charset="0"/>
+                    <a:sym typeface="Wingdings" panose="05000000000000000000" pitchFamily="2" charset="2"/>
+                  </a:rPr>
+                  <a:t> da </a:t>
+                </a:r>
+                <a14:m>
+                  <m:oMath xmlns:m="http://schemas.openxmlformats.org/officeDocument/2006/math">
+                    <m:r>
+                      <a:rPr lang="it-IT" sz="1400" b="0" i="1" smtClean="0">
+                        <a:latin typeface="Cambria Math" panose="02040503050406030204" pitchFamily="18" charset="0"/>
+                        <a:cs typeface="Arial" panose="020B0604020202020204" pitchFamily="34" charset="0"/>
+                        <a:sym typeface="Wingdings" panose="05000000000000000000" pitchFamily="2" charset="2"/>
+                      </a:rPr>
+                      <m:t>𝐷</m:t>
+                    </m:r>
+                  </m:oMath>
+                </a14:m>
+                <a:r>
+                  <a:rPr lang="it-IT" sz="1400" b="0" dirty="0">
+                    <a:latin typeface="Arial" panose="020B0604020202020204" pitchFamily="34" charset="0"/>
+                    <a:cs typeface="Arial" panose="020B0604020202020204" pitchFamily="34" charset="0"/>
+                    <a:sym typeface="Wingdings" panose="05000000000000000000" pitchFamily="2" charset="2"/>
+                  </a:rPr>
+                  <a:t> e </a:t>
+                </a:r>
+                <a:r>
+                  <a:rPr lang="it-IT" sz="1400" b="0" i="1" dirty="0">
+                    <a:latin typeface="Arial" panose="020B0604020202020204" pitchFamily="34" charset="0"/>
+                    <a:cs typeface="Arial" panose="020B0604020202020204" pitchFamily="34" charset="0"/>
+                    <a:sym typeface="Wingdings" panose="05000000000000000000" pitchFamily="2" charset="2"/>
+                  </a:rPr>
+                  <a:t>riesegui tutti gli step </a:t>
+                </a:r>
+                <a:r>
+                  <a:rPr lang="it-IT" sz="1400" b="0" dirty="0">
+                    <a:latin typeface="Arial" panose="020B0604020202020204" pitchFamily="34" charset="0"/>
+                    <a:cs typeface="Arial" panose="020B0604020202020204" pitchFamily="34" charset="0"/>
+                    <a:sym typeface="Wingdings" panose="05000000000000000000" pitchFamily="2" charset="2"/>
+                  </a:rPr>
+                  <a:t>fino a che non si ottiene  una matrice </a:t>
+                </a:r>
+                <a14:m>
+                  <m:oMath xmlns:m="http://schemas.openxmlformats.org/officeDocument/2006/math">
+                    <m:r>
+                      <a:rPr lang="it-IT" sz="1400" b="0" i="1" smtClean="0">
+                        <a:latin typeface="Cambria Math" panose="02040503050406030204" pitchFamily="18" charset="0"/>
+                        <a:cs typeface="Arial" panose="020B0604020202020204" pitchFamily="34" charset="0"/>
+                        <a:sym typeface="Wingdings" panose="05000000000000000000" pitchFamily="2" charset="2"/>
+                      </a:rPr>
+                      <m:t>2</m:t>
+                    </m:r>
+                    <m:r>
+                      <a:rPr lang="it-IT" sz="1400" b="0" i="1" smtClean="0">
+                        <a:latin typeface="Cambria Math" panose="02040503050406030204" pitchFamily="18" charset="0"/>
+                        <a:ea typeface="Cambria Math" panose="02040503050406030204" pitchFamily="18" charset="0"/>
+                        <a:cs typeface="Arial" panose="020B0604020202020204" pitchFamily="34" charset="0"/>
+                        <a:sym typeface="Wingdings" panose="05000000000000000000" pitchFamily="2" charset="2"/>
+                      </a:rPr>
+                      <m:t>×2</m:t>
+                    </m:r>
+                  </m:oMath>
+                </a14:m>
+                <a:r>
+                  <a:rPr lang="it-IT" sz="1400" b="0" dirty="0">
+                    <a:latin typeface="Arial" panose="020B0604020202020204" pitchFamily="34" charset="0"/>
+                    <a:cs typeface="Arial" panose="020B0604020202020204" pitchFamily="34" charset="0"/>
+                    <a:sym typeface="Wingdings" panose="05000000000000000000" pitchFamily="2" charset="2"/>
+                  </a:rPr>
+                  <a:t>;</a:t>
+                </a:r>
+              </a:p>
+            </p:txBody>
+          </p:sp>
+        </mc:Choice>
+        <mc:Fallback xmlns="">
+          <p:sp>
+            <p:nvSpPr>
+              <p:cNvPr id="9" name="CasellaDiTesto 8">
+                <a:extLst>
+                  <a:ext uri="{FF2B5EF4-FFF2-40B4-BE49-F238E27FC236}">
+                    <a16:creationId xmlns:a16="http://schemas.microsoft.com/office/drawing/2014/main" id="{0FE0B87E-F336-4CE9-8C15-97BB1056FE04}"/>
+                  </a:ext>
+                </a:extLst>
+              </p:cNvPr>
+              <p:cNvSpPr txBox="1">
+                <a:spLocks noRot="1" noChangeAspect="1" noMove="1" noResize="1" noEditPoints="1" noAdjustHandles="1" noChangeArrowheads="1" noChangeShapeType="1" noTextEdit="1"/>
+              </p:cNvSpPr>
+              <p:nvPr/>
+            </p:nvSpPr>
+            <p:spPr>
+              <a:xfrm>
+                <a:off x="9061" y="1655899"/>
+                <a:ext cx="7428059" cy="307777"/>
+              </a:xfrm>
+              <a:prstGeom prst="rect">
+                <a:avLst/>
+              </a:prstGeom>
+              <a:blipFill>
+                <a:blip r:embed="rId4"/>
+                <a:stretch>
+                  <a:fillRect l="-246" t="-4000" b="-20000"/>
+                </a:stretch>
+              </a:blipFill>
+            </p:spPr>
+            <p:txBody>
+              <a:bodyPr/>
+              <a:lstStyle/>
+              <a:p>
+                <a:r>
+                  <a:rPr lang="it-IT">
+                    <a:noFill/>
+                  </a:rPr>
+                  <a:t> </a:t>
+                </a:r>
+              </a:p>
+            </p:txBody>
+          </p:sp>
+        </mc:Fallback>
+      </mc:AlternateContent>
+      <mc:AlternateContent xmlns:mc="http://schemas.openxmlformats.org/markup-compatibility/2006" xmlns:a14="http://schemas.microsoft.com/office/drawing/2010/main">
+        <mc:Choice Requires="a14">
+          <p:sp>
+            <p:nvSpPr>
+              <p:cNvPr id="13" name="CasellaDiTesto 12">
+                <a:extLst>
+                  <a:ext uri="{FF2B5EF4-FFF2-40B4-BE49-F238E27FC236}">
+                    <a16:creationId xmlns:a16="http://schemas.microsoft.com/office/drawing/2014/main" id="{4BB688B7-9B54-4FB7-B814-0186D5D0A096}"/>
+                  </a:ext>
+                </a:extLst>
+              </p:cNvPr>
+              <p:cNvSpPr txBox="1"/>
+              <p:nvPr/>
+            </p:nvSpPr>
+            <p:spPr>
+              <a:xfrm>
+                <a:off x="-185" y="2173393"/>
+                <a:ext cx="4755065" cy="307777"/>
+              </a:xfrm>
+              <a:prstGeom prst="rect">
+                <a:avLst/>
+              </a:prstGeom>
+              <a:noFill/>
+            </p:spPr>
+            <p:txBody>
+              <a:bodyPr wrap="square" rtlCol="0">
+                <a:spAutoFit/>
+              </a:bodyPr>
+              <a:lstStyle/>
+              <a:p>
+                <a:r>
+                  <a:rPr lang="it-IT" sz="1400" b="1" dirty="0">
+                    <a:latin typeface="Arial" panose="020B0604020202020204" pitchFamily="34" charset="0"/>
+                    <a:cs typeface="Arial" panose="020B0604020202020204" pitchFamily="34" charset="0"/>
+                  </a:rPr>
+                  <a:t>Step 6</a:t>
+                </a:r>
+                <a:r>
+                  <a:rPr lang="it-IT" sz="1400" dirty="0">
+                    <a:latin typeface="Arial" panose="020B0604020202020204" pitchFamily="34" charset="0"/>
+                    <a:cs typeface="Arial" panose="020B0604020202020204" pitchFamily="34" charset="0"/>
+                  </a:rPr>
+                  <a:t> </a:t>
+                </a:r>
+                <a:r>
+                  <a:rPr lang="it-IT" sz="1400" dirty="0">
+                    <a:latin typeface="Arial" panose="020B0604020202020204" pitchFamily="34" charset="0"/>
+                    <a:cs typeface="Arial" panose="020B0604020202020204" pitchFamily="34" charset="0"/>
+                    <a:sym typeface="Wingdings" panose="05000000000000000000" pitchFamily="2" charset="2"/>
+                  </a:rPr>
+                  <a:t> Costruisci </a:t>
+                </a:r>
+                <a14:m>
+                  <m:oMath xmlns:m="http://schemas.openxmlformats.org/officeDocument/2006/math">
+                    <m:r>
+                      <a:rPr lang="it-IT" sz="1400" b="0" i="1" smtClean="0">
+                        <a:latin typeface="Cambria Math" panose="02040503050406030204" pitchFamily="18" charset="0"/>
+                        <a:cs typeface="Arial" panose="020B0604020202020204" pitchFamily="34" charset="0"/>
+                        <a:sym typeface="Wingdings" panose="05000000000000000000" pitchFamily="2" charset="2"/>
+                      </a:rPr>
+                      <m:t>𝑇</m:t>
+                    </m:r>
+                  </m:oMath>
+                </a14:m>
+                <a:r>
+                  <a:rPr lang="it-IT" sz="1400" b="0" dirty="0">
+                    <a:latin typeface="Arial" panose="020B0604020202020204" pitchFamily="34" charset="0"/>
+                    <a:cs typeface="Arial" panose="020B0604020202020204" pitchFamily="34" charset="0"/>
+                    <a:sym typeface="Wingdings" panose="05000000000000000000" pitchFamily="2" charset="2"/>
+                  </a:rPr>
+                  <a:t> a partire da </a:t>
+                </a:r>
+                <a14:m>
+                  <m:oMath xmlns:m="http://schemas.openxmlformats.org/officeDocument/2006/math">
+                    <m:r>
+                      <a:rPr lang="it-IT" sz="1400" b="0" i="1" smtClean="0">
+                        <a:latin typeface="Cambria Math" panose="02040503050406030204" pitchFamily="18" charset="0"/>
+                        <a:cs typeface="Arial" panose="020B0604020202020204" pitchFamily="34" charset="0"/>
+                        <a:sym typeface="Wingdings" panose="05000000000000000000" pitchFamily="2" charset="2"/>
+                      </a:rPr>
+                      <m:t>𝐷</m:t>
+                    </m:r>
+                  </m:oMath>
+                </a14:m>
+                <a:r>
+                  <a:rPr lang="it-IT" sz="1400" b="0" dirty="0">
+                    <a:latin typeface="Arial" panose="020B0604020202020204" pitchFamily="34" charset="0"/>
+                    <a:cs typeface="Arial" panose="020B0604020202020204" pitchFamily="34" charset="0"/>
+                    <a:sym typeface="Wingdings" panose="05000000000000000000" pitchFamily="2" charset="2"/>
+                  </a:rPr>
+                  <a:t> di dimensione </a:t>
+                </a:r>
+                <a14:m>
+                  <m:oMath xmlns:m="http://schemas.openxmlformats.org/officeDocument/2006/math">
+                    <m:r>
+                      <a:rPr lang="it-IT" sz="1400" b="0" i="1" smtClean="0">
+                        <a:latin typeface="Cambria Math" panose="02040503050406030204" pitchFamily="18" charset="0"/>
+                        <a:cs typeface="Arial" panose="020B0604020202020204" pitchFamily="34" charset="0"/>
+                        <a:sym typeface="Wingdings" panose="05000000000000000000" pitchFamily="2" charset="2"/>
+                      </a:rPr>
+                      <m:t>2</m:t>
+                    </m:r>
+                    <m:r>
+                      <a:rPr lang="it-IT" sz="1400" b="0" i="1" smtClean="0">
+                        <a:latin typeface="Cambria Math" panose="02040503050406030204" pitchFamily="18" charset="0"/>
+                        <a:ea typeface="Cambria Math" panose="02040503050406030204" pitchFamily="18" charset="0"/>
+                        <a:cs typeface="Arial" panose="020B0604020202020204" pitchFamily="34" charset="0"/>
+                        <a:sym typeface="Wingdings" panose="05000000000000000000" pitchFamily="2" charset="2"/>
+                      </a:rPr>
+                      <m:t>×2</m:t>
+                    </m:r>
+                  </m:oMath>
+                </a14:m>
+                <a:endParaRPr lang="it-IT" sz="1400" b="0" dirty="0">
+                  <a:latin typeface="Arial" panose="020B0604020202020204" pitchFamily="34" charset="0"/>
+                  <a:cs typeface="Arial" panose="020B0604020202020204" pitchFamily="34" charset="0"/>
+                  <a:sym typeface="Wingdings" panose="05000000000000000000" pitchFamily="2" charset="2"/>
+                </a:endParaRPr>
+              </a:p>
+            </p:txBody>
+          </p:sp>
+        </mc:Choice>
+        <mc:Fallback xmlns="">
+          <p:sp>
+            <p:nvSpPr>
+              <p:cNvPr id="13" name="CasellaDiTesto 12">
+                <a:extLst>
+                  <a:ext uri="{FF2B5EF4-FFF2-40B4-BE49-F238E27FC236}">
+                    <a16:creationId xmlns:a16="http://schemas.microsoft.com/office/drawing/2014/main" id="{4BB688B7-9B54-4FB7-B814-0186D5D0A096}"/>
+                  </a:ext>
+                </a:extLst>
+              </p:cNvPr>
+              <p:cNvSpPr txBox="1">
+                <a:spLocks noRot="1" noChangeAspect="1" noMove="1" noResize="1" noEditPoints="1" noAdjustHandles="1" noChangeArrowheads="1" noChangeShapeType="1" noTextEdit="1"/>
+              </p:cNvSpPr>
+              <p:nvPr/>
+            </p:nvSpPr>
+            <p:spPr>
+              <a:xfrm>
+                <a:off x="-185" y="2173393"/>
+                <a:ext cx="4755065" cy="307777"/>
+              </a:xfrm>
+              <a:prstGeom prst="rect">
+                <a:avLst/>
+              </a:prstGeom>
+              <a:blipFill>
+                <a:blip r:embed="rId5"/>
+                <a:stretch>
+                  <a:fillRect l="-385" t="-4000" b="-20000"/>
+                </a:stretch>
+              </a:blipFill>
+            </p:spPr>
+            <p:txBody>
+              <a:bodyPr/>
+              <a:lstStyle/>
+              <a:p>
+                <a:r>
+                  <a:rPr lang="it-IT">
+                    <a:noFill/>
+                  </a:rPr>
+                  <a:t> </a:t>
+                </a:r>
+              </a:p>
+            </p:txBody>
+          </p:sp>
+        </mc:Fallback>
+      </mc:AlternateContent>
+      <mc:AlternateContent xmlns:mc="http://schemas.openxmlformats.org/markup-compatibility/2006" xmlns:a14="http://schemas.microsoft.com/office/drawing/2010/main">
+        <mc:Choice Requires="a14">
+          <p:sp>
+            <p:nvSpPr>
+              <p:cNvPr id="17" name="CasellaDiTesto 16">
+                <a:extLst>
+                  <a:ext uri="{FF2B5EF4-FFF2-40B4-BE49-F238E27FC236}">
+                    <a16:creationId xmlns:a16="http://schemas.microsoft.com/office/drawing/2014/main" id="{CAA0A21A-7828-4C81-AEDD-7BB4428F0A1B}"/>
+                  </a:ext>
+                </a:extLst>
+              </p:cNvPr>
+              <p:cNvSpPr txBox="1"/>
+              <p:nvPr/>
+            </p:nvSpPr>
+            <p:spPr>
+              <a:xfrm>
+                <a:off x="-11991" y="2706639"/>
+                <a:ext cx="9143816" cy="523220"/>
+              </a:xfrm>
+              <a:prstGeom prst="rect">
+                <a:avLst/>
+              </a:prstGeom>
+              <a:noFill/>
+            </p:spPr>
+            <p:txBody>
+              <a:bodyPr wrap="square" rtlCol="0">
+                <a:spAutoFit/>
+              </a:bodyPr>
+              <a:lstStyle/>
+              <a:p>
+                <a:r>
+                  <a:rPr lang="it-IT" sz="1400" b="1" dirty="0">
+                    <a:latin typeface="Arial" panose="020B0604020202020204" pitchFamily="34" charset="0"/>
+                    <a:cs typeface="Arial" panose="020B0604020202020204" pitchFamily="34" charset="0"/>
+                  </a:rPr>
+                  <a:t>Step 7</a:t>
+                </a:r>
+                <a:r>
+                  <a:rPr lang="it-IT" sz="1400" dirty="0">
+                    <a:latin typeface="Arial" panose="020B0604020202020204" pitchFamily="34" charset="0"/>
+                    <a:cs typeface="Arial" panose="020B0604020202020204" pitchFamily="34" charset="0"/>
+                  </a:rPr>
+                  <a:t> </a:t>
+                </a:r>
+                <a:r>
+                  <a:rPr lang="it-IT" sz="1400" dirty="0">
+                    <a:latin typeface="Arial" panose="020B0604020202020204" pitchFamily="34" charset="0"/>
+                    <a:cs typeface="Arial" panose="020B0604020202020204" pitchFamily="34" charset="0"/>
+                    <a:sym typeface="Wingdings" panose="05000000000000000000" pitchFamily="2" charset="2"/>
+                  </a:rPr>
+                  <a:t> Inserisci di volta in volta le foglie in </a:t>
+                </a:r>
+                <a14:m>
+                  <m:oMath xmlns:m="http://schemas.openxmlformats.org/officeDocument/2006/math">
+                    <m:r>
+                      <a:rPr lang="it-IT" sz="1400" b="0" i="1" smtClean="0">
+                        <a:latin typeface="Cambria Math" panose="02040503050406030204" pitchFamily="18" charset="0"/>
+                        <a:cs typeface="Arial" panose="020B0604020202020204" pitchFamily="34" charset="0"/>
+                        <a:sym typeface="Wingdings" panose="05000000000000000000" pitchFamily="2" charset="2"/>
+                      </a:rPr>
+                      <m:t>𝑇</m:t>
+                    </m:r>
+                  </m:oMath>
+                </a14:m>
+                <a:r>
+                  <a:rPr lang="it-IT" sz="1400" b="0" dirty="0">
+                    <a:latin typeface="Arial" panose="020B0604020202020204" pitchFamily="34" charset="0"/>
+                    <a:cs typeface="Arial" panose="020B0604020202020204" pitchFamily="34" charset="0"/>
+                    <a:sym typeface="Wingdings" panose="05000000000000000000" pitchFamily="2" charset="2"/>
+                  </a:rPr>
+                  <a:t>, dove il peso del loro arto è  </a:t>
+                </a:r>
+                <a14:m>
+                  <m:oMath xmlns:m="http://schemas.openxmlformats.org/officeDocument/2006/math">
+                    <m:r>
+                      <a:rPr lang="it-IT" sz="1400" b="0" i="1" smtClean="0">
+                        <a:latin typeface="Cambria Math" panose="02040503050406030204" pitchFamily="18" charset="0"/>
+                        <a:cs typeface="Arial" panose="020B0604020202020204" pitchFamily="34" charset="0"/>
+                        <a:sym typeface="Wingdings" panose="05000000000000000000" pitchFamily="2" charset="2"/>
+                      </a:rPr>
+                      <m:t>𝑙𝑖𝑚𝑏𝑤𝑒𝑖𝑔h𝑡</m:t>
+                    </m:r>
+                  </m:oMath>
+                </a14:m>
+                <a:r>
+                  <a:rPr lang="it-IT" sz="1400" b="0" dirty="0">
+                    <a:latin typeface="Arial" panose="020B0604020202020204" pitchFamily="34" charset="0"/>
+                    <a:cs typeface="Arial" panose="020B0604020202020204" pitchFamily="34" charset="0"/>
+                    <a:sym typeface="Wingdings" panose="05000000000000000000" pitchFamily="2" charset="2"/>
+                  </a:rPr>
+                  <a:t>. Il risultato di questa operazione sarà l’albero evolutivo completo.</a:t>
+                </a:r>
+              </a:p>
+            </p:txBody>
+          </p:sp>
+        </mc:Choice>
+        <mc:Fallback xmlns="">
+          <p:sp>
+            <p:nvSpPr>
+              <p:cNvPr id="17" name="CasellaDiTesto 16">
+                <a:extLst>
+                  <a:ext uri="{FF2B5EF4-FFF2-40B4-BE49-F238E27FC236}">
+                    <a16:creationId xmlns:a16="http://schemas.microsoft.com/office/drawing/2014/main" id="{CAA0A21A-7828-4C81-AEDD-7BB4428F0A1B}"/>
+                  </a:ext>
+                </a:extLst>
+              </p:cNvPr>
+              <p:cNvSpPr txBox="1">
+                <a:spLocks noRot="1" noChangeAspect="1" noMove="1" noResize="1" noEditPoints="1" noAdjustHandles="1" noChangeArrowheads="1" noChangeShapeType="1" noTextEdit="1"/>
+              </p:cNvSpPr>
+              <p:nvPr/>
+            </p:nvSpPr>
+            <p:spPr>
+              <a:xfrm>
+                <a:off x="-11991" y="2706639"/>
+                <a:ext cx="9143816" cy="523220"/>
+              </a:xfrm>
+              <a:prstGeom prst="rect">
+                <a:avLst/>
+              </a:prstGeom>
+              <a:blipFill>
+                <a:blip r:embed="rId6"/>
+                <a:stretch>
+                  <a:fillRect l="-200" t="-2326" b="-11628"/>
+                </a:stretch>
+              </a:blipFill>
+            </p:spPr>
+            <p:txBody>
+              <a:bodyPr/>
+              <a:lstStyle/>
+              <a:p>
+                <a:r>
+                  <a:rPr lang="it-IT">
+                    <a:noFill/>
+                  </a:rPr>
+                  <a:t> </a:t>
+                </a:r>
+              </a:p>
+            </p:txBody>
+          </p:sp>
+        </mc:Fallback>
+      </mc:AlternateContent>
+      <p:pic>
+        <p:nvPicPr>
+          <p:cNvPr id="3" name="Immagine 2">
+            <a:extLst>
+              <a:ext uri="{FF2B5EF4-FFF2-40B4-BE49-F238E27FC236}">
+                <a16:creationId xmlns:a16="http://schemas.microsoft.com/office/drawing/2014/main" id="{5A31B4E3-EAA1-47E1-B42B-538552284F53}"/>
+              </a:ext>
+            </a:extLst>
+          </p:cNvPr>
+          <p:cNvPicPr>
+            <a:picLocks noChangeAspect="1"/>
+          </p:cNvPicPr>
+          <p:nvPr/>
+        </p:nvPicPr>
+        <p:blipFill>
+          <a:blip r:embed="rId7"/>
+          <a:stretch>
+            <a:fillRect/>
+          </a:stretch>
+        </p:blipFill>
+        <p:spPr>
+          <a:xfrm>
+            <a:off x="5889263" y="2065838"/>
+            <a:ext cx="3095714" cy="522450"/>
+          </a:xfrm>
+          <a:prstGeom prst="rect">
+            <a:avLst/>
+          </a:prstGeom>
+        </p:spPr>
+      </p:pic>
+      <p:cxnSp>
+        <p:nvCxnSpPr>
+          <p:cNvPr id="5" name="Connettore 2 4">
+            <a:extLst>
+              <a:ext uri="{FF2B5EF4-FFF2-40B4-BE49-F238E27FC236}">
+                <a16:creationId xmlns:a16="http://schemas.microsoft.com/office/drawing/2014/main" id="{B71CFF27-78EF-4F24-A7EB-482544DCBC2C}"/>
+              </a:ext>
+            </a:extLst>
+          </p:cNvPr>
+          <p:cNvCxnSpPr>
+            <a:stCxn id="13" idx="3"/>
+          </p:cNvCxnSpPr>
+          <p:nvPr/>
+        </p:nvCxnSpPr>
+        <p:spPr>
+          <a:xfrm flipV="1">
+            <a:off x="4754880" y="2322713"/>
+            <a:ext cx="1056640" cy="4569"/>
+          </a:xfrm>
+          <a:prstGeom prst="straightConnector1">
+            <a:avLst/>
+          </a:prstGeom>
+          <a:ln>
+            <a:tailEnd type="triangle"/>
+          </a:ln>
+        </p:spPr>
+        <p:style>
+          <a:lnRef idx="2">
+            <a:schemeClr val="accent1"/>
+          </a:lnRef>
+          <a:fillRef idx="0">
+            <a:schemeClr val="accent1"/>
+          </a:fillRef>
+          <a:effectRef idx="1">
+            <a:schemeClr val="accent1"/>
+          </a:effectRef>
+          <a:fontRef idx="minor">
+            <a:schemeClr val="tx1"/>
+          </a:fontRef>
+        </p:style>
+      </p:cxnSp>
+      <p:pic>
+        <p:nvPicPr>
+          <p:cNvPr id="8" name="Immagine 7">
+            <a:extLst>
+              <a:ext uri="{FF2B5EF4-FFF2-40B4-BE49-F238E27FC236}">
+                <a16:creationId xmlns:a16="http://schemas.microsoft.com/office/drawing/2014/main" id="{6B1F3F17-F665-49BE-AD9B-0C5929714105}"/>
+              </a:ext>
+            </a:extLst>
+          </p:cNvPr>
+          <p:cNvPicPr>
+            <a:picLocks noChangeAspect="1"/>
+          </p:cNvPicPr>
+          <p:nvPr/>
+        </p:nvPicPr>
+        <p:blipFill rotWithShape="1">
+          <a:blip r:embed="rId8"/>
+          <a:srcRect l="426" r="1191"/>
+          <a:stretch/>
+        </p:blipFill>
+        <p:spPr>
+          <a:xfrm>
+            <a:off x="2550067" y="3758201"/>
+            <a:ext cx="4043680" cy="2224482"/>
+          </a:xfrm>
+          <a:prstGeom prst="rect">
+            <a:avLst/>
+          </a:prstGeom>
+        </p:spPr>
+      </p:pic>
+      <p:cxnSp>
+        <p:nvCxnSpPr>
+          <p:cNvPr id="19" name="Connettore 2 18">
+            <a:extLst>
+              <a:ext uri="{FF2B5EF4-FFF2-40B4-BE49-F238E27FC236}">
+                <a16:creationId xmlns:a16="http://schemas.microsoft.com/office/drawing/2014/main" id="{EBE1BCA0-343E-4C01-9978-8354F7BB2E53}"/>
+              </a:ext>
+            </a:extLst>
+          </p:cNvPr>
+          <p:cNvCxnSpPr>
+            <a:stCxn id="17" idx="2"/>
+          </p:cNvCxnSpPr>
+          <p:nvPr/>
+        </p:nvCxnSpPr>
+        <p:spPr>
+          <a:xfrm>
+            <a:off x="4559917" y="3229859"/>
+            <a:ext cx="0" cy="451004"/>
+          </a:xfrm>
+          <a:prstGeom prst="straightConnector1">
+            <a:avLst/>
+          </a:prstGeom>
+          <a:ln>
+            <a:tailEnd type="triangle"/>
+          </a:ln>
+        </p:spPr>
+        <p:style>
+          <a:lnRef idx="2">
+            <a:schemeClr val="accent1"/>
+          </a:lnRef>
+          <a:fillRef idx="0">
+            <a:schemeClr val="accent1"/>
+          </a:fillRef>
+          <a:effectRef idx="1">
+            <a:schemeClr val="accent1"/>
+          </a:effectRef>
+          <a:fontRef idx="minor">
+            <a:schemeClr val="tx1"/>
+          </a:fontRef>
+        </p:style>
+      </p:cxnSp>
+      <p:sp>
+        <p:nvSpPr>
+          <p:cNvPr id="29" name="CasellaDiTesto 28">
+            <a:extLst>
+              <a:ext uri="{FF2B5EF4-FFF2-40B4-BE49-F238E27FC236}">
+                <a16:creationId xmlns:a16="http://schemas.microsoft.com/office/drawing/2014/main" id="{32FBB61A-414B-4249-A59F-C329DACA1D7F}"/>
+              </a:ext>
+            </a:extLst>
+          </p:cNvPr>
+          <p:cNvSpPr txBox="1"/>
+          <p:nvPr/>
+        </p:nvSpPr>
+        <p:spPr>
+          <a:xfrm>
+            <a:off x="3450316" y="6099373"/>
+            <a:ext cx="2243182" cy="307777"/>
+          </a:xfrm>
+          <a:prstGeom prst="rect">
+            <a:avLst/>
+          </a:prstGeom>
+          <a:noFill/>
+        </p:spPr>
+        <p:txBody>
+          <a:bodyPr wrap="square" rtlCol="0">
+            <a:spAutoFit/>
+          </a:bodyPr>
+          <a:lstStyle/>
+          <a:p>
+            <a:pPr algn="ctr"/>
+            <a:r>
+              <a:rPr lang="it-IT" sz="1400" b="1" dirty="0">
+                <a:latin typeface="Arial" panose="020B0604020202020204" pitchFamily="34" charset="0"/>
+                <a:cs typeface="Arial" panose="020B0604020202020204" pitchFamily="34" charset="0"/>
+              </a:rPr>
+              <a:t>L’algoritmo è terminato!</a:t>
+            </a:r>
+          </a:p>
+        </p:txBody>
+      </p:sp>
+    </p:spTree>
+    <p:extLst>
+      <p:ext uri="{BB962C8B-B14F-4D97-AF65-F5344CB8AC3E}">
+        <p14:creationId xmlns:p14="http://schemas.microsoft.com/office/powerpoint/2010/main" val="3766617104"/>
+      </p:ext>
+    </p:extLst>
+  </p:cSld>
+  <p:clrMapOvr>
+    <a:masterClrMapping/>
+  </p:clrMapOvr>
+</p:sld>
+</file>
+
+<file path=ppt/slides/slide13.xml><?xml version="1.0" encoding="utf-8"?>
+<p:sld xmlns:a="http://schemas.openxmlformats.org/drawingml/2006/main" xmlns:r="http://schemas.openxmlformats.org/officeDocument/2006/relationships" xmlns:p="http://schemas.openxmlformats.org/presentationml/2006/main">
+  <p:cSld>
+    <p:spTree>
+      <p:nvGrpSpPr>
+        <p:cNvPr id="1" name=""/>
+        <p:cNvGrpSpPr/>
+        <p:nvPr/>
+      </p:nvGrpSpPr>
+      <p:grpSpPr>
+        <a:xfrm>
+          <a:off x="0" y="0"/>
+          <a:ext cx="0" cy="0"/>
+          <a:chOff x="0" y="0"/>
+          <a:chExt cx="0" cy="0"/>
+        </a:xfrm>
+      </p:grpSpPr>
+      <p:pic>
+        <p:nvPicPr>
+          <p:cNvPr id="2" name="Immagine 1"/>
+          <p:cNvPicPr>
+            <a:picLocks noChangeAspect="1"/>
+          </p:cNvPicPr>
+          <p:nvPr/>
+        </p:nvPicPr>
+        <p:blipFill>
+          <a:blip r:embed="rId3"/>
+          <a:stretch>
+            <a:fillRect/>
+          </a:stretch>
+        </p:blipFill>
+        <p:spPr>
+          <a:xfrm>
+            <a:off x="-1" y="3123"/>
+            <a:ext cx="9143817" cy="6872495"/>
+          </a:xfrm>
+          <a:prstGeom prst="rect">
+            <a:avLst/>
+          </a:prstGeom>
+        </p:spPr>
+      </p:pic>
+      <p:sp>
+        <p:nvSpPr>
+          <p:cNvPr id="7" name="CasellaDiTesto 6"/>
+          <p:cNvSpPr txBox="1"/>
+          <p:nvPr/>
+        </p:nvSpPr>
+        <p:spPr>
+          <a:xfrm>
+            <a:off x="9061" y="649703"/>
+            <a:ext cx="2490299" cy="461665"/>
+          </a:xfrm>
+          <a:prstGeom prst="rect">
+            <a:avLst/>
+          </a:prstGeom>
+          <a:noFill/>
+        </p:spPr>
+        <p:txBody>
+          <a:bodyPr wrap="square" rtlCol="0">
+            <a:spAutoFit/>
+          </a:bodyPr>
+          <a:lstStyle/>
+          <a:p>
+            <a:r>
+              <a:rPr lang="it-IT" sz="2400" b="1" dirty="0">
+                <a:solidFill>
+                  <a:schemeClr val="accent1">
+                    <a:lumMod val="75000"/>
+                  </a:schemeClr>
+                </a:solidFill>
+                <a:latin typeface="Arial"/>
+                <a:cs typeface="Arial"/>
+              </a:rPr>
+              <a:t>Albero Additivo</a:t>
+            </a:r>
+          </a:p>
+        </p:txBody>
+      </p:sp>
+      <p:sp>
+        <p:nvSpPr>
+          <p:cNvPr id="12" name="Rettangolo 11"/>
+          <p:cNvSpPr/>
+          <p:nvPr/>
+        </p:nvSpPr>
+        <p:spPr>
+          <a:xfrm>
+            <a:off x="8255000" y="6366466"/>
+            <a:ext cx="280763" cy="501650"/>
+          </a:xfrm>
+          <a:prstGeom prst="rect">
+            <a:avLst/>
+          </a:prstGeom>
+          <a:solidFill>
+            <a:srgbClr val="003053"/>
+          </a:solidFill>
+        </p:spPr>
+        <p:style>
+          <a:lnRef idx="1">
+            <a:schemeClr val="accent1"/>
+          </a:lnRef>
+          <a:fillRef idx="3">
+            <a:schemeClr val="accent1"/>
+          </a:fillRef>
+          <a:effectRef idx="2">
+            <a:schemeClr val="accent1"/>
+          </a:effectRef>
+          <a:fontRef idx="minor">
+            <a:schemeClr val="lt1"/>
+          </a:fontRef>
+        </p:style>
+        <p:txBody>
+          <a:bodyPr rtlCol="0" anchor="ctr"/>
+          <a:lstStyle/>
+          <a:p>
+            <a:pPr algn="ctr"/>
+            <a:endParaRPr lang="it-IT">
+              <a:solidFill>
+                <a:srgbClr val="003257"/>
+              </a:solidFill>
+            </a:endParaRPr>
+          </a:p>
+        </p:txBody>
+      </p:sp>
+      <p:sp>
+        <p:nvSpPr>
+          <p:cNvPr id="11" name="Segnaposto numero diapositiva 10"/>
+          <p:cNvSpPr>
+            <a:spLocks noGrp="1"/>
+          </p:cNvSpPr>
+          <p:nvPr>
+            <p:ph type="sldNum" sz="quarter" idx="12"/>
+          </p:nvPr>
+        </p:nvSpPr>
+        <p:spPr>
+          <a:xfrm>
+            <a:off x="6402163" y="6356350"/>
+            <a:ext cx="2133600" cy="365125"/>
+          </a:xfrm>
+        </p:spPr>
+        <p:txBody>
+          <a:bodyPr/>
+          <a:lstStyle/>
+          <a:p>
+            <a:fld id="{8EB8520A-26EA-DE4B-B141-4532FC98FF0E}" type="slidenum">
+              <a:rPr lang="it-IT" b="1" smtClean="0">
+                <a:solidFill>
+                  <a:schemeClr val="bg1"/>
+                </a:solidFill>
+                <a:latin typeface="Arial"/>
+                <a:cs typeface="Arial"/>
+              </a:rPr>
+              <a:pPr/>
+              <a:t>13</a:t>
+            </a:fld>
+            <a:endParaRPr lang="it-IT" b="1" dirty="0">
+              <a:solidFill>
+                <a:schemeClr val="bg1"/>
+              </a:solidFill>
+              <a:latin typeface="Arial"/>
+              <a:cs typeface="Arial"/>
+            </a:endParaRPr>
+          </a:p>
+        </p:txBody>
+      </p:sp>
+      <p:sp>
+        <p:nvSpPr>
+          <p:cNvPr id="10" name="CasellaDiTesto 9"/>
+          <p:cNvSpPr txBox="1"/>
+          <p:nvPr/>
+        </p:nvSpPr>
+        <p:spPr>
+          <a:xfrm>
+            <a:off x="5735951" y="51433"/>
+            <a:ext cx="2957862" cy="215444"/>
+          </a:xfrm>
+          <a:prstGeom prst="rect">
+            <a:avLst/>
+          </a:prstGeom>
+          <a:noFill/>
+        </p:spPr>
+        <p:txBody>
+          <a:bodyPr wrap="none" rtlCol="0">
+            <a:spAutoFit/>
+          </a:bodyPr>
+          <a:lstStyle/>
+          <a:p>
+            <a:pPr algn="r"/>
+            <a:r>
+              <a:rPr lang="it-IT" sz="800" b="1" dirty="0">
+                <a:solidFill>
+                  <a:schemeClr val="bg1"/>
+                </a:solidFill>
+                <a:latin typeface="Arial"/>
+                <a:cs typeface="Arial"/>
+              </a:rPr>
+              <a:t>Applicazioni dell’algoritmica alla biologia: alberi evolutivi</a:t>
+            </a:r>
+          </a:p>
+        </p:txBody>
+      </p:sp>
+      <p:sp>
+        <p:nvSpPr>
+          <p:cNvPr id="14" name="CasellaDiTesto 13"/>
+          <p:cNvSpPr txBox="1"/>
+          <p:nvPr/>
+        </p:nvSpPr>
+        <p:spPr>
+          <a:xfrm>
+            <a:off x="7082015" y="403482"/>
+            <a:ext cx="1621846" cy="492443"/>
+          </a:xfrm>
+          <a:prstGeom prst="rect">
+            <a:avLst/>
+          </a:prstGeom>
+          <a:noFill/>
+        </p:spPr>
+        <p:txBody>
+          <a:bodyPr wrap="none" rtlCol="0">
+            <a:spAutoFit/>
+          </a:bodyPr>
+          <a:lstStyle/>
+          <a:p>
+            <a:pPr algn="r"/>
+            <a:r>
+              <a:rPr lang="it-IT" sz="800" dirty="0">
+                <a:solidFill>
+                  <a:schemeClr val="bg1"/>
+                </a:solidFill>
+                <a:latin typeface="Arial"/>
+                <a:cs typeface="Arial"/>
+              </a:rPr>
+              <a:t>Firenze, 12 luglio 2019</a:t>
+            </a:r>
+          </a:p>
+          <a:p>
+            <a:endParaRPr lang="it-IT" dirty="0"/>
+          </a:p>
+        </p:txBody>
+      </p:sp>
+      <p:sp>
+        <p:nvSpPr>
+          <p:cNvPr id="53" name="CasellaDiTesto 52">
+            <a:extLst>
+              <a:ext uri="{FF2B5EF4-FFF2-40B4-BE49-F238E27FC236}">
+                <a16:creationId xmlns:a16="http://schemas.microsoft.com/office/drawing/2014/main" id="{C4172192-17B0-4035-AFD1-CBC8BDE7E4CD}"/>
+              </a:ext>
+            </a:extLst>
+          </p:cNvPr>
+          <p:cNvSpPr txBox="1"/>
+          <p:nvPr/>
+        </p:nvSpPr>
+        <p:spPr>
+          <a:xfrm>
+            <a:off x="9062" y="1077183"/>
+            <a:ext cx="3872058" cy="369332"/>
+          </a:xfrm>
+          <a:prstGeom prst="rect">
+            <a:avLst/>
+          </a:prstGeom>
+          <a:noFill/>
+        </p:spPr>
+        <p:txBody>
+          <a:bodyPr wrap="square" rtlCol="0">
+            <a:spAutoFit/>
+          </a:bodyPr>
+          <a:lstStyle/>
+          <a:p>
+            <a:r>
+              <a:rPr lang="it-IT" i="1" dirty="0">
+                <a:latin typeface="Arial"/>
+                <a:cs typeface="Arial"/>
+              </a:rPr>
+              <a:t>Parte 4 – Complessità temporale</a:t>
+            </a:r>
+          </a:p>
+        </p:txBody>
+      </p:sp>
+      <mc:AlternateContent xmlns:mc="http://schemas.openxmlformats.org/markup-compatibility/2006" xmlns:a14="http://schemas.microsoft.com/office/drawing/2010/main">
+        <mc:Choice Requires="a14">
+          <p:sp>
+            <p:nvSpPr>
+              <p:cNvPr id="20" name="CasellaDiTesto 19">
+                <a:extLst>
+                  <a:ext uri="{FF2B5EF4-FFF2-40B4-BE49-F238E27FC236}">
+                    <a16:creationId xmlns:a16="http://schemas.microsoft.com/office/drawing/2014/main" id="{2ADDC409-2037-4C63-98EB-84943F468B73}"/>
+                  </a:ext>
+                </a:extLst>
+              </p:cNvPr>
+              <p:cNvSpPr txBox="1"/>
+              <p:nvPr/>
+            </p:nvSpPr>
+            <p:spPr>
+              <a:xfrm>
+                <a:off x="9062" y="1631995"/>
+                <a:ext cx="4095578" cy="1169551"/>
+              </a:xfrm>
+              <a:prstGeom prst="rect">
+                <a:avLst/>
+              </a:prstGeom>
+              <a:noFill/>
+            </p:spPr>
+            <p:txBody>
+              <a:bodyPr wrap="square" rtlCol="0">
+                <a:spAutoFit/>
+              </a:bodyPr>
+              <a:lstStyle/>
+              <a:p>
+                <a:r>
+                  <a:rPr lang="it-IT" sz="1400" dirty="0">
+                    <a:latin typeface="Arial" panose="020B0604020202020204" pitchFamily="34" charset="0"/>
+                    <a:cs typeface="Arial" panose="020B0604020202020204" pitchFamily="34" charset="0"/>
+                  </a:rPr>
+                  <a:t>3 Step:</a:t>
+                </a:r>
+              </a:p>
+              <a:p>
+                <a:pPr marL="285750" indent="-285750">
+                  <a:buFont typeface="Arial" panose="020B0604020202020204" pitchFamily="34" charset="0"/>
+                  <a:buChar char="•"/>
+                </a:pPr>
+                <a:r>
+                  <a:rPr lang="it-IT" sz="1400" dirty="0">
+                    <a:latin typeface="Arial" panose="020B0604020202020204" pitchFamily="34" charset="0"/>
+                    <a:ea typeface="Cambria Math" panose="02040503050406030204" pitchFamily="18" charset="0"/>
+                    <a:cs typeface="Arial" panose="020B0604020202020204" pitchFamily="34" charset="0"/>
+                  </a:rPr>
+                  <a:t>calcola il peso dell’arto dell’</a:t>
+                </a:r>
+                <a14:m>
+                  <m:oMath xmlns:m="http://schemas.openxmlformats.org/officeDocument/2006/math">
+                    <m:r>
+                      <a:rPr lang="it-IT" sz="1400" i="1" dirty="0" smtClean="0">
+                        <a:latin typeface="Cambria Math" panose="02040503050406030204" pitchFamily="18" charset="0"/>
+                        <a:ea typeface="Cambria Math" panose="02040503050406030204" pitchFamily="18" charset="0"/>
+                        <a:cs typeface="Arial" panose="020B0604020202020204" pitchFamily="34" charset="0"/>
+                      </a:rPr>
+                      <m:t>𝑛</m:t>
+                    </m:r>
+                    <m:r>
+                      <a:rPr lang="it-IT" sz="1400" i="1" dirty="0" smtClean="0">
+                        <a:latin typeface="Cambria Math" panose="02040503050406030204" pitchFamily="18" charset="0"/>
+                        <a:ea typeface="Cambria Math" panose="02040503050406030204" pitchFamily="18" charset="0"/>
+                        <a:cs typeface="Arial" panose="020B0604020202020204" pitchFamily="34" charset="0"/>
+                      </a:rPr>
+                      <m:t>−</m:t>
+                    </m:r>
+                    <m:r>
+                      <a:rPr lang="it-IT" sz="1400" i="1" dirty="0" smtClean="0">
+                        <a:latin typeface="Cambria Math" panose="02040503050406030204" pitchFamily="18" charset="0"/>
+                        <a:ea typeface="Cambria Math" panose="02040503050406030204" pitchFamily="18" charset="0"/>
+                        <a:cs typeface="Arial" panose="020B0604020202020204" pitchFamily="34" charset="0"/>
+                      </a:rPr>
+                      <m:t>𝑒𝑠𝑖𝑚𝑎</m:t>
+                    </m:r>
+                  </m:oMath>
+                </a14:m>
+                <a:r>
+                  <a:rPr lang="it-IT" sz="1400" dirty="0">
+                    <a:latin typeface="Arial" panose="020B0604020202020204" pitchFamily="34" charset="0"/>
+                    <a:ea typeface="Cambria Math" panose="02040503050406030204" pitchFamily="18" charset="0"/>
+                    <a:cs typeface="Arial" panose="020B0604020202020204" pitchFamily="34" charset="0"/>
+                  </a:rPr>
+                  <a:t> foglia;</a:t>
+                </a:r>
+              </a:p>
+              <a:p>
+                <a:pPr marL="285750" indent="-285750">
+                  <a:buFont typeface="Arial" panose="020B0604020202020204" pitchFamily="34" charset="0"/>
+                  <a:buChar char="•"/>
+                </a:pPr>
+                <a:r>
+                  <a:rPr lang="it-IT" sz="1400" b="0" dirty="0">
+                    <a:latin typeface="Arial" panose="020B0604020202020204" pitchFamily="34" charset="0"/>
+                    <a:ea typeface="Cambria Math" panose="02040503050406030204" pitchFamily="18" charset="0"/>
+                    <a:cs typeface="Arial" panose="020B0604020202020204" pitchFamily="34" charset="0"/>
+                  </a:rPr>
+                  <a:t>aggiorna la riga e la colonna </a:t>
+                </a:r>
+                <a14:m>
+                  <m:oMath xmlns:m="http://schemas.openxmlformats.org/officeDocument/2006/math">
+                    <m:r>
+                      <a:rPr lang="it-IT" sz="1400" b="0" i="1" smtClean="0">
+                        <a:latin typeface="Cambria Math" panose="02040503050406030204" pitchFamily="18" charset="0"/>
+                        <a:ea typeface="Cambria Math" panose="02040503050406030204" pitchFamily="18" charset="0"/>
+                        <a:cs typeface="Arial" panose="020B0604020202020204" pitchFamily="34" charset="0"/>
+                      </a:rPr>
+                      <m:t>𝑛</m:t>
+                    </m:r>
+                  </m:oMath>
+                </a14:m>
+                <a:r>
+                  <a:rPr lang="it-IT" sz="1400" b="0" dirty="0">
+                    <a:latin typeface="Arial" panose="020B0604020202020204" pitchFamily="34" charset="0"/>
+                    <a:ea typeface="Cambria Math" panose="02040503050406030204" pitchFamily="18" charset="0"/>
+                    <a:cs typeface="Arial" panose="020B0604020202020204" pitchFamily="34" charset="0"/>
+                  </a:rPr>
+                  <a:t> in </a:t>
+                </a:r>
+                <a14:m>
+                  <m:oMath xmlns:m="http://schemas.openxmlformats.org/officeDocument/2006/math">
+                    <m:r>
+                      <a:rPr lang="it-IT" sz="1400" b="0" i="1" dirty="0" smtClean="0">
+                        <a:latin typeface="Cambria Math" panose="02040503050406030204" pitchFamily="18" charset="0"/>
+                        <a:ea typeface="Cambria Math" panose="02040503050406030204" pitchFamily="18" charset="0"/>
+                        <a:cs typeface="Arial" panose="020B0604020202020204" pitchFamily="34" charset="0"/>
+                      </a:rPr>
+                      <m:t>𝐷</m:t>
+                    </m:r>
+                  </m:oMath>
+                </a14:m>
+                <a:r>
+                  <a:rPr lang="it-IT" sz="1400" b="0" dirty="0">
+                    <a:latin typeface="Arial" panose="020B0604020202020204" pitchFamily="34" charset="0"/>
+                    <a:ea typeface="Cambria Math" panose="02040503050406030204" pitchFamily="18" charset="0"/>
+                    <a:cs typeface="Arial" panose="020B0604020202020204" pitchFamily="34" charset="0"/>
+                  </a:rPr>
+                  <a:t>;</a:t>
+                </a:r>
+              </a:p>
+              <a:p>
+                <a:pPr marL="285750" indent="-285750">
+                  <a:buFont typeface="Arial" panose="020B0604020202020204" pitchFamily="34" charset="0"/>
+                  <a:buChar char="•"/>
+                </a:pPr>
+                <a:r>
+                  <a:rPr lang="it-IT" sz="1400" dirty="0">
+                    <a:latin typeface="Arial" panose="020B0604020202020204" pitchFamily="34" charset="0"/>
+                    <a:ea typeface="Cambria Math" panose="02040503050406030204" pitchFamily="18" charset="0"/>
+                    <a:cs typeface="Arial" panose="020B0604020202020204" pitchFamily="34" charset="0"/>
+                  </a:rPr>
+                  <a:t>Individua il punto in cui </a:t>
+                </a:r>
+                <a14:m>
+                  <m:oMath xmlns:m="http://schemas.openxmlformats.org/officeDocument/2006/math">
+                    <m:r>
+                      <a:rPr lang="it-IT" sz="1400" i="1" dirty="0" smtClean="0">
+                        <a:latin typeface="Cambria Math" panose="02040503050406030204" pitchFamily="18" charset="0"/>
+                        <a:ea typeface="Cambria Math" panose="02040503050406030204" pitchFamily="18" charset="0"/>
+                        <a:cs typeface="Arial" panose="020B0604020202020204" pitchFamily="34" charset="0"/>
+                      </a:rPr>
+                      <m:t>𝑛</m:t>
+                    </m:r>
+                  </m:oMath>
+                </a14:m>
+                <a:r>
+                  <a:rPr lang="it-IT" sz="1400" b="0" dirty="0">
+                    <a:latin typeface="Arial" panose="020B0604020202020204" pitchFamily="34" charset="0"/>
+                    <a:ea typeface="Cambria Math" panose="02040503050406030204" pitchFamily="18" charset="0"/>
+                    <a:cs typeface="Arial" panose="020B0604020202020204" pitchFamily="34" charset="0"/>
+                  </a:rPr>
+                  <a:t> va inserita in </a:t>
+                </a:r>
+                <a14:m>
+                  <m:oMath xmlns:m="http://schemas.openxmlformats.org/officeDocument/2006/math">
+                    <m:r>
+                      <a:rPr lang="it-IT" sz="1400" b="0" i="1" dirty="0" smtClean="0">
+                        <a:latin typeface="Cambria Math" panose="02040503050406030204" pitchFamily="18" charset="0"/>
+                        <a:ea typeface="Cambria Math" panose="02040503050406030204" pitchFamily="18" charset="0"/>
+                        <a:cs typeface="Arial" panose="020B0604020202020204" pitchFamily="34" charset="0"/>
+                      </a:rPr>
+                      <m:t>𝑇</m:t>
+                    </m:r>
+                  </m:oMath>
+                </a14:m>
+                <a:endParaRPr lang="it-IT" sz="1400" b="0" dirty="0">
+                  <a:latin typeface="Arial" panose="020B0604020202020204" pitchFamily="34" charset="0"/>
+                  <a:ea typeface="Cambria Math" panose="02040503050406030204" pitchFamily="18" charset="0"/>
+                  <a:cs typeface="Arial" panose="020B0604020202020204" pitchFamily="34" charset="0"/>
+                </a:endParaRPr>
+              </a:p>
+              <a:p>
+                <a:endParaRPr lang="it-IT" sz="1400" dirty="0">
+                  <a:latin typeface="Arial" panose="020B0604020202020204" pitchFamily="34" charset="0"/>
+                  <a:cs typeface="Arial" panose="020B0604020202020204" pitchFamily="34" charset="0"/>
+                </a:endParaRPr>
+              </a:p>
+            </p:txBody>
+          </p:sp>
+        </mc:Choice>
+        <mc:Fallback xmlns="">
+          <p:sp>
+            <p:nvSpPr>
+              <p:cNvPr id="20" name="CasellaDiTesto 19">
+                <a:extLst>
+                  <a:ext uri="{FF2B5EF4-FFF2-40B4-BE49-F238E27FC236}">
+                    <a16:creationId xmlns:a16="http://schemas.microsoft.com/office/drawing/2014/main" id="{2ADDC409-2037-4C63-98EB-84943F468B73}"/>
+                  </a:ext>
+                </a:extLst>
+              </p:cNvPr>
+              <p:cNvSpPr txBox="1">
+                <a:spLocks noRot="1" noChangeAspect="1" noMove="1" noResize="1" noEditPoints="1" noAdjustHandles="1" noChangeArrowheads="1" noChangeShapeType="1" noTextEdit="1"/>
+              </p:cNvSpPr>
+              <p:nvPr/>
+            </p:nvSpPr>
+            <p:spPr>
+              <a:xfrm>
+                <a:off x="9062" y="1631995"/>
+                <a:ext cx="4095578" cy="1169551"/>
+              </a:xfrm>
+              <a:prstGeom prst="rect">
+                <a:avLst/>
+              </a:prstGeom>
+              <a:blipFill>
+                <a:blip r:embed="rId4"/>
+                <a:stretch>
+                  <a:fillRect l="-446" t="-1042"/>
+                </a:stretch>
+              </a:blipFill>
+            </p:spPr>
+            <p:txBody>
+              <a:bodyPr/>
+              <a:lstStyle/>
+              <a:p>
+                <a:r>
+                  <a:rPr lang="it-IT">
+                    <a:noFill/>
+                  </a:rPr>
+                  <a:t> </a:t>
+                </a:r>
+              </a:p>
+            </p:txBody>
+          </p:sp>
+        </mc:Fallback>
+      </mc:AlternateContent>
+      <mc:AlternateContent xmlns:mc="http://schemas.openxmlformats.org/markup-compatibility/2006" xmlns:a14="http://schemas.microsoft.com/office/drawing/2010/main">
+        <mc:Choice Requires="a14">
+          <p:sp>
+            <p:nvSpPr>
+              <p:cNvPr id="21" name="CasellaDiTesto 20">
+                <a:extLst>
+                  <a:ext uri="{FF2B5EF4-FFF2-40B4-BE49-F238E27FC236}">
+                    <a16:creationId xmlns:a16="http://schemas.microsoft.com/office/drawing/2014/main" id="{3C5EB037-59A4-48D2-AC13-EB126BA328FE}"/>
+                  </a:ext>
+                </a:extLst>
+              </p:cNvPr>
+              <p:cNvSpPr txBox="1"/>
+              <p:nvPr/>
+            </p:nvSpPr>
+            <p:spPr>
+              <a:xfrm>
+                <a:off x="6177076" y="1945958"/>
+                <a:ext cx="2957862" cy="541623"/>
+              </a:xfrm>
+              <a:prstGeom prst="rect">
+                <a:avLst/>
+              </a:prstGeom>
+              <a:noFill/>
+            </p:spPr>
+            <p:txBody>
+              <a:bodyPr wrap="square" rtlCol="0">
+                <a:spAutoFit/>
+              </a:bodyPr>
+              <a:lstStyle/>
+              <a:p>
+                <a:r>
+                  <a:rPr lang="it-IT" sz="1400" dirty="0">
+                    <a:latin typeface="Arial" panose="020B0604020202020204" pitchFamily="34" charset="0"/>
+                    <a:cs typeface="Arial" panose="020B0604020202020204" pitchFamily="34" charset="0"/>
+                  </a:rPr>
+                  <a:t>Matrice di dimensione </a:t>
+                </a:r>
+                <a14:m>
+                  <m:oMath xmlns:m="http://schemas.openxmlformats.org/officeDocument/2006/math">
+                    <m:r>
+                      <a:rPr lang="it-IT" sz="1400" b="0" i="1" smtClean="0">
+                        <a:latin typeface="Cambria Math" panose="02040503050406030204" pitchFamily="18" charset="0"/>
+                        <a:cs typeface="Arial" panose="020B0604020202020204" pitchFamily="34" charset="0"/>
+                      </a:rPr>
+                      <m:t>𝑛</m:t>
+                    </m:r>
+                    <m:r>
+                      <a:rPr lang="it-IT" sz="1400" b="0" i="1" smtClean="0">
+                        <a:latin typeface="Cambria Math" panose="02040503050406030204" pitchFamily="18" charset="0"/>
+                        <a:ea typeface="Cambria Math" panose="02040503050406030204" pitchFamily="18" charset="0"/>
+                        <a:cs typeface="Arial" panose="020B0604020202020204" pitchFamily="34" charset="0"/>
+                      </a:rPr>
+                      <m:t>×</m:t>
+                    </m:r>
+                    <m:r>
+                      <a:rPr lang="it-IT" sz="1400" b="0" i="1" smtClean="0">
+                        <a:latin typeface="Cambria Math" panose="02040503050406030204" pitchFamily="18" charset="0"/>
+                        <a:ea typeface="Cambria Math" panose="02040503050406030204" pitchFamily="18" charset="0"/>
+                        <a:cs typeface="Arial" panose="020B0604020202020204" pitchFamily="34" charset="0"/>
+                      </a:rPr>
+                      <m:t>𝑛</m:t>
+                    </m:r>
+                  </m:oMath>
+                </a14:m>
+                <a:r>
+                  <a:rPr lang="it-IT" sz="1400" dirty="0">
+                    <a:latin typeface="Arial" panose="020B0604020202020204" pitchFamily="34" charset="0"/>
+                    <a:cs typeface="Arial" panose="020B0604020202020204" pitchFamily="34" charset="0"/>
+                  </a:rPr>
+                  <a:t> quindi </a:t>
+                </a:r>
+                <a14:m>
+                  <m:oMath xmlns:m="http://schemas.openxmlformats.org/officeDocument/2006/math">
+                    <m:r>
+                      <a:rPr lang="it-IT" sz="1400" b="0" i="1" smtClean="0">
+                        <a:latin typeface="Cambria Math" panose="02040503050406030204" pitchFamily="18" charset="0"/>
+                        <a:cs typeface="Arial" panose="020B0604020202020204" pitchFamily="34" charset="0"/>
+                      </a:rPr>
+                      <m:t>𝑇</m:t>
+                    </m:r>
+                    <m:d>
+                      <m:dPr>
+                        <m:ctrlPr>
+                          <a:rPr lang="it-IT" sz="1400" b="0" i="1" smtClean="0">
+                            <a:latin typeface="Cambria Math" panose="02040503050406030204" pitchFamily="18" charset="0"/>
+                            <a:cs typeface="Arial" panose="020B0604020202020204" pitchFamily="34" charset="0"/>
+                          </a:rPr>
+                        </m:ctrlPr>
+                      </m:dPr>
+                      <m:e>
+                        <m:r>
+                          <a:rPr lang="it-IT" sz="1400" b="0" i="1" smtClean="0">
+                            <a:latin typeface="Cambria Math" panose="02040503050406030204" pitchFamily="18" charset="0"/>
+                            <a:cs typeface="Arial" panose="020B0604020202020204" pitchFamily="34" charset="0"/>
+                          </a:rPr>
+                          <m:t>𝐴𝑙𝑏𝑒𝑟𝑜𝐴𝑑𝑑𝑖𝑡𝑖𝑣𝑜</m:t>
+                        </m:r>
+                      </m:e>
+                    </m:d>
+                    <m:r>
+                      <a:rPr lang="it-IT" sz="1400" b="0" i="1" smtClean="0">
+                        <a:latin typeface="Cambria Math" panose="02040503050406030204" pitchFamily="18" charset="0"/>
+                        <a:cs typeface="Arial" panose="020B0604020202020204" pitchFamily="34" charset="0"/>
+                      </a:rPr>
+                      <m:t>=</m:t>
+                    </m:r>
+                    <m:r>
+                      <a:rPr lang="it-IT" sz="1400" b="0" i="1" smtClean="0">
+                        <a:latin typeface="Cambria Math" panose="02040503050406030204" pitchFamily="18" charset="0"/>
+                        <a:cs typeface="Arial" panose="020B0604020202020204" pitchFamily="34" charset="0"/>
+                      </a:rPr>
+                      <m:t>𝑂</m:t>
+                    </m:r>
+                    <m:sSup>
+                      <m:sSupPr>
+                        <m:ctrlPr>
+                          <a:rPr lang="it-IT" sz="1400" b="0" i="1" smtClean="0">
+                            <a:latin typeface="Cambria Math" panose="02040503050406030204" pitchFamily="18" charset="0"/>
+                            <a:cs typeface="Arial" panose="020B0604020202020204" pitchFamily="34" charset="0"/>
+                          </a:rPr>
+                        </m:ctrlPr>
+                      </m:sSupPr>
+                      <m:e>
+                        <m:r>
+                          <a:rPr lang="it-IT" sz="1400" b="0" i="1" smtClean="0">
+                            <a:latin typeface="Cambria Math" panose="02040503050406030204" pitchFamily="18" charset="0"/>
+                            <a:cs typeface="Arial" panose="020B0604020202020204" pitchFamily="34" charset="0"/>
+                          </a:rPr>
+                          <m:t>(</m:t>
+                        </m:r>
+                        <m:r>
+                          <a:rPr lang="it-IT" sz="1400" b="0" i="1" smtClean="0">
+                            <a:latin typeface="Cambria Math" panose="02040503050406030204" pitchFamily="18" charset="0"/>
+                            <a:cs typeface="Arial" panose="020B0604020202020204" pitchFamily="34" charset="0"/>
+                          </a:rPr>
+                          <m:t>𝑛</m:t>
+                        </m:r>
+                      </m:e>
+                      <m:sup>
+                        <m:r>
+                          <a:rPr lang="it-IT" sz="1400" b="0" i="1" smtClean="0">
+                            <a:latin typeface="Cambria Math" panose="02040503050406030204" pitchFamily="18" charset="0"/>
+                            <a:cs typeface="Arial" panose="020B0604020202020204" pitchFamily="34" charset="0"/>
+                          </a:rPr>
+                          <m:t>2</m:t>
+                        </m:r>
+                      </m:sup>
+                    </m:sSup>
+                    <m:r>
+                      <a:rPr lang="it-IT" sz="1400" b="0" i="1" smtClean="0">
+                        <a:latin typeface="Cambria Math" panose="02040503050406030204" pitchFamily="18" charset="0"/>
+                        <a:cs typeface="Arial" panose="020B0604020202020204" pitchFamily="34" charset="0"/>
+                      </a:rPr>
+                      <m:t>)</m:t>
+                    </m:r>
+                  </m:oMath>
+                </a14:m>
+                <a:endParaRPr lang="it-IT" sz="1400" dirty="0">
+                  <a:latin typeface="Arial" panose="020B0604020202020204" pitchFamily="34" charset="0"/>
+                  <a:cs typeface="Arial" panose="020B0604020202020204" pitchFamily="34" charset="0"/>
+                </a:endParaRPr>
+              </a:p>
+            </p:txBody>
+          </p:sp>
+        </mc:Choice>
+        <mc:Fallback xmlns="">
+          <p:sp>
+            <p:nvSpPr>
+              <p:cNvPr id="21" name="CasellaDiTesto 20">
+                <a:extLst>
+                  <a:ext uri="{FF2B5EF4-FFF2-40B4-BE49-F238E27FC236}">
+                    <a16:creationId xmlns:a16="http://schemas.microsoft.com/office/drawing/2014/main" id="{3C5EB037-59A4-48D2-AC13-EB126BA328FE}"/>
+                  </a:ext>
+                </a:extLst>
+              </p:cNvPr>
+              <p:cNvSpPr txBox="1">
+                <a:spLocks noRot="1" noChangeAspect="1" noMove="1" noResize="1" noEditPoints="1" noAdjustHandles="1" noChangeArrowheads="1" noChangeShapeType="1" noTextEdit="1"/>
+              </p:cNvSpPr>
+              <p:nvPr/>
+            </p:nvSpPr>
+            <p:spPr>
+              <a:xfrm>
+                <a:off x="6177076" y="1945958"/>
+                <a:ext cx="2957862" cy="541623"/>
+              </a:xfrm>
+              <a:prstGeom prst="rect">
+                <a:avLst/>
+              </a:prstGeom>
+              <a:blipFill>
+                <a:blip r:embed="rId5"/>
+                <a:stretch>
+                  <a:fillRect l="-617" t="-2247" b="-1124"/>
+                </a:stretch>
+              </a:blipFill>
+            </p:spPr>
+            <p:txBody>
+              <a:bodyPr/>
+              <a:lstStyle/>
+              <a:p>
+                <a:r>
+                  <a:rPr lang="it-IT">
+                    <a:noFill/>
+                  </a:rPr>
+                  <a:t> </a:t>
+                </a:r>
+              </a:p>
+            </p:txBody>
+          </p:sp>
+        </mc:Fallback>
+      </mc:AlternateContent>
+      <p:cxnSp>
+        <p:nvCxnSpPr>
+          <p:cNvPr id="6" name="Connettore 2 5">
+            <a:extLst>
+              <a:ext uri="{FF2B5EF4-FFF2-40B4-BE49-F238E27FC236}">
+                <a16:creationId xmlns:a16="http://schemas.microsoft.com/office/drawing/2014/main" id="{DD44D04C-E3C7-4FF0-B451-4BC0556BC62F}"/>
+              </a:ext>
+            </a:extLst>
+          </p:cNvPr>
+          <p:cNvCxnSpPr>
+            <a:stCxn id="20" idx="3"/>
+          </p:cNvCxnSpPr>
+          <p:nvPr/>
+        </p:nvCxnSpPr>
+        <p:spPr>
+          <a:xfrm flipV="1">
+            <a:off x="4104640" y="2216770"/>
+            <a:ext cx="1991360" cy="1"/>
+          </a:xfrm>
+          <a:prstGeom prst="straightConnector1">
+            <a:avLst/>
+          </a:prstGeom>
+          <a:ln>
+            <a:tailEnd type="triangle"/>
+          </a:ln>
+        </p:spPr>
+        <p:style>
+          <a:lnRef idx="2">
+            <a:schemeClr val="accent1"/>
+          </a:lnRef>
+          <a:fillRef idx="0">
+            <a:schemeClr val="accent1"/>
+          </a:fillRef>
+          <a:effectRef idx="1">
+            <a:schemeClr val="accent1"/>
+          </a:effectRef>
+          <a:fontRef idx="minor">
+            <a:schemeClr val="tx1"/>
+          </a:fontRef>
+        </p:style>
+      </p:cxnSp>
+      <mc:AlternateContent xmlns:mc="http://schemas.openxmlformats.org/markup-compatibility/2006" xmlns:a14="http://schemas.microsoft.com/office/drawing/2010/main">
+        <mc:Choice Requires="a14">
+          <p:sp>
+            <p:nvSpPr>
+              <p:cNvPr id="22" name="CasellaDiTesto 21">
+                <a:extLst>
+                  <a:ext uri="{FF2B5EF4-FFF2-40B4-BE49-F238E27FC236}">
+                    <a16:creationId xmlns:a16="http://schemas.microsoft.com/office/drawing/2014/main" id="{B7171666-322E-4242-90BF-FB83DFB1FDFA}"/>
+                  </a:ext>
+                </a:extLst>
+              </p:cNvPr>
+              <p:cNvSpPr txBox="1"/>
+              <p:nvPr/>
+            </p:nvSpPr>
+            <p:spPr>
+              <a:xfrm>
+                <a:off x="827398" y="3195750"/>
+                <a:ext cx="7489018" cy="307777"/>
+              </a:xfrm>
+              <a:prstGeom prst="rect">
+                <a:avLst/>
+              </a:prstGeom>
+              <a:noFill/>
+            </p:spPr>
+            <p:txBody>
+              <a:bodyPr wrap="square" rtlCol="0">
+                <a:spAutoFit/>
+              </a:bodyPr>
+              <a:lstStyle/>
+              <a:p>
+                <a:r>
+                  <a:rPr lang="it-IT" sz="1400" dirty="0">
+                    <a:latin typeface="Arial" panose="020B0604020202020204" pitchFamily="34" charset="0"/>
+                    <a:cs typeface="Arial" panose="020B0604020202020204" pitchFamily="34" charset="0"/>
+                  </a:rPr>
+                  <a:t>Viene eseguito </a:t>
+                </a:r>
+                <a14:m>
+                  <m:oMath xmlns:m="http://schemas.openxmlformats.org/officeDocument/2006/math">
+                    <m:r>
+                      <a:rPr lang="it-IT" sz="1400" b="0" i="1" smtClean="0">
+                        <a:latin typeface="Cambria Math" panose="02040503050406030204" pitchFamily="18" charset="0"/>
+                        <a:cs typeface="Arial" panose="020B0604020202020204" pitchFamily="34" charset="0"/>
+                      </a:rPr>
+                      <m:t>𝑛</m:t>
+                    </m:r>
+                  </m:oMath>
+                </a14:m>
+                <a:r>
+                  <a:rPr lang="it-IT" sz="1400" dirty="0">
+                    <a:latin typeface="Arial" panose="020B0604020202020204" pitchFamily="34" charset="0"/>
+                    <a:cs typeface="Arial" panose="020B0604020202020204" pitchFamily="34" charset="0"/>
+                  </a:rPr>
+                  <a:t> volte, quindi </a:t>
+                </a:r>
+                <a14:m>
+                  <m:oMath xmlns:m="http://schemas.openxmlformats.org/officeDocument/2006/math">
+                    <m:r>
+                      <a:rPr lang="it-IT" sz="1400" b="0" i="1" smtClean="0">
+                        <a:latin typeface="Cambria Math" panose="02040503050406030204" pitchFamily="18" charset="0"/>
+                        <a:cs typeface="Arial" panose="020B0604020202020204" pitchFamily="34" charset="0"/>
+                      </a:rPr>
+                      <m:t>𝑇</m:t>
+                    </m:r>
+                    <m:d>
+                      <m:dPr>
+                        <m:ctrlPr>
+                          <a:rPr lang="it-IT" sz="1400" b="0" i="1" smtClean="0">
+                            <a:latin typeface="Cambria Math" panose="02040503050406030204" pitchFamily="18" charset="0"/>
+                            <a:cs typeface="Arial" panose="020B0604020202020204" pitchFamily="34" charset="0"/>
+                          </a:rPr>
+                        </m:ctrlPr>
+                      </m:dPr>
+                      <m:e>
+                        <m:r>
+                          <a:rPr lang="it-IT" sz="1400" b="0" i="1" smtClean="0">
+                            <a:latin typeface="Cambria Math" panose="02040503050406030204" pitchFamily="18" charset="0"/>
+                            <a:cs typeface="Arial" panose="020B0604020202020204" pitchFamily="34" charset="0"/>
+                          </a:rPr>
+                          <m:t>𝑡𝑜𝑡𝑎𝑙𝑒</m:t>
+                        </m:r>
+                      </m:e>
+                    </m:d>
+                    <m:r>
+                      <a:rPr lang="it-IT" sz="1400" b="0" i="1" smtClean="0">
+                        <a:latin typeface="Cambria Math" panose="02040503050406030204" pitchFamily="18" charset="0"/>
+                        <a:cs typeface="Arial" panose="020B0604020202020204" pitchFamily="34" charset="0"/>
+                      </a:rPr>
+                      <m:t>=</m:t>
+                    </m:r>
+                    <m:r>
+                      <a:rPr lang="it-IT" sz="1400" b="0" i="1" smtClean="0">
+                        <a:latin typeface="Cambria Math" panose="02040503050406030204" pitchFamily="18" charset="0"/>
+                        <a:cs typeface="Arial" panose="020B0604020202020204" pitchFamily="34" charset="0"/>
+                      </a:rPr>
+                      <m:t>𝑂</m:t>
+                    </m:r>
+                    <m:d>
+                      <m:dPr>
+                        <m:ctrlPr>
+                          <a:rPr lang="it-IT" sz="1400" b="0" i="1" smtClean="0">
+                            <a:latin typeface="Cambria Math" panose="02040503050406030204" pitchFamily="18" charset="0"/>
+                            <a:cs typeface="Arial" panose="020B0604020202020204" pitchFamily="34" charset="0"/>
+                          </a:rPr>
+                        </m:ctrlPr>
+                      </m:dPr>
+                      <m:e>
+                        <m:r>
+                          <a:rPr lang="it-IT" sz="1400" b="0" i="1" smtClean="0">
+                            <a:latin typeface="Cambria Math" panose="02040503050406030204" pitchFamily="18" charset="0"/>
+                            <a:cs typeface="Arial" panose="020B0604020202020204" pitchFamily="34" charset="0"/>
+                          </a:rPr>
+                          <m:t>𝑛</m:t>
+                        </m:r>
+                      </m:e>
+                    </m:d>
+                    <m:r>
+                      <a:rPr lang="it-IT" sz="1400" b="0" i="1" smtClean="0">
+                        <a:latin typeface="Cambria Math" panose="02040503050406030204" pitchFamily="18" charset="0"/>
+                        <a:ea typeface="Cambria Math" panose="02040503050406030204" pitchFamily="18" charset="0"/>
+                        <a:cs typeface="Arial" panose="020B0604020202020204" pitchFamily="34" charset="0"/>
+                      </a:rPr>
+                      <m:t>×</m:t>
+                    </m:r>
+                    <m:r>
+                      <a:rPr lang="it-IT" sz="1400" b="0" i="1" smtClean="0">
+                        <a:latin typeface="Cambria Math" panose="02040503050406030204" pitchFamily="18" charset="0"/>
+                        <a:ea typeface="Cambria Math" panose="02040503050406030204" pitchFamily="18" charset="0"/>
+                        <a:cs typeface="Arial" panose="020B0604020202020204" pitchFamily="34" charset="0"/>
+                      </a:rPr>
+                      <m:t>𝑇</m:t>
+                    </m:r>
+                    <m:d>
+                      <m:dPr>
+                        <m:ctrlPr>
+                          <a:rPr lang="it-IT" sz="1400" b="0" i="1" smtClean="0">
+                            <a:latin typeface="Cambria Math" panose="02040503050406030204" pitchFamily="18" charset="0"/>
+                            <a:ea typeface="Cambria Math" panose="02040503050406030204" pitchFamily="18" charset="0"/>
+                            <a:cs typeface="Arial" panose="020B0604020202020204" pitchFamily="34" charset="0"/>
+                          </a:rPr>
+                        </m:ctrlPr>
+                      </m:dPr>
+                      <m:e>
+                        <m:r>
+                          <a:rPr lang="it-IT" sz="1400" b="0" i="1" smtClean="0">
+                            <a:latin typeface="Cambria Math" panose="02040503050406030204" pitchFamily="18" charset="0"/>
+                            <a:ea typeface="Cambria Math" panose="02040503050406030204" pitchFamily="18" charset="0"/>
+                            <a:cs typeface="Arial" panose="020B0604020202020204" pitchFamily="34" charset="0"/>
+                          </a:rPr>
+                          <m:t>𝐴𝑙𝑏𝑒𝑟𝑜𝐴𝑑𝑑𝑖𝑡𝑖𝑣𝑜</m:t>
+                        </m:r>
+                      </m:e>
+                    </m:d>
+                    <m:r>
+                      <a:rPr lang="it-IT" sz="1400" b="0" i="1" smtClean="0">
+                        <a:latin typeface="Cambria Math" panose="02040503050406030204" pitchFamily="18" charset="0"/>
+                        <a:ea typeface="Cambria Math" panose="02040503050406030204" pitchFamily="18" charset="0"/>
+                        <a:cs typeface="Arial" panose="020B0604020202020204" pitchFamily="34" charset="0"/>
+                      </a:rPr>
+                      <m:t>=</m:t>
+                    </m:r>
+                    <m:r>
+                      <a:rPr lang="it-IT" sz="1400" i="1">
+                        <a:latin typeface="Cambria Math" panose="02040503050406030204" pitchFamily="18" charset="0"/>
+                        <a:cs typeface="Arial" panose="020B0604020202020204" pitchFamily="34" charset="0"/>
+                      </a:rPr>
+                      <m:t>𝑂</m:t>
+                    </m:r>
+                    <m:d>
+                      <m:dPr>
+                        <m:ctrlPr>
+                          <a:rPr lang="it-IT" sz="1400" i="1">
+                            <a:latin typeface="Cambria Math" panose="02040503050406030204" pitchFamily="18" charset="0"/>
+                            <a:cs typeface="Arial" panose="020B0604020202020204" pitchFamily="34" charset="0"/>
+                          </a:rPr>
+                        </m:ctrlPr>
+                      </m:dPr>
+                      <m:e>
+                        <m:r>
+                          <a:rPr lang="it-IT" sz="1400" i="1">
+                            <a:latin typeface="Cambria Math" panose="02040503050406030204" pitchFamily="18" charset="0"/>
+                            <a:cs typeface="Arial" panose="020B0604020202020204" pitchFamily="34" charset="0"/>
+                          </a:rPr>
+                          <m:t>𝑛</m:t>
+                        </m:r>
+                      </m:e>
+                    </m:d>
+                    <m:r>
+                      <a:rPr lang="it-IT" sz="1400" i="1">
+                        <a:latin typeface="Cambria Math" panose="02040503050406030204" pitchFamily="18" charset="0"/>
+                        <a:ea typeface="Cambria Math" panose="02040503050406030204" pitchFamily="18" charset="0"/>
+                        <a:cs typeface="Arial" panose="020B0604020202020204" pitchFamily="34" charset="0"/>
+                      </a:rPr>
+                      <m:t>×</m:t>
+                    </m:r>
+                    <m:r>
+                      <a:rPr lang="it-IT" sz="1400" i="1">
+                        <a:latin typeface="Cambria Math" panose="02040503050406030204" pitchFamily="18" charset="0"/>
+                        <a:ea typeface="Cambria Math" panose="02040503050406030204" pitchFamily="18" charset="0"/>
+                        <a:cs typeface="Arial" panose="020B0604020202020204" pitchFamily="34" charset="0"/>
+                      </a:rPr>
+                      <m:t>𝑂</m:t>
+                    </m:r>
+                    <m:r>
+                      <a:rPr lang="it-IT" sz="1400" i="1">
+                        <a:latin typeface="Cambria Math" panose="02040503050406030204" pitchFamily="18" charset="0"/>
+                        <a:ea typeface="Cambria Math" panose="02040503050406030204" pitchFamily="18" charset="0"/>
+                        <a:cs typeface="Arial" panose="020B0604020202020204" pitchFamily="34" charset="0"/>
+                      </a:rPr>
+                      <m:t>(</m:t>
+                    </m:r>
+                    <m:sSup>
+                      <m:sSupPr>
+                        <m:ctrlPr>
+                          <a:rPr lang="it-IT" sz="1400" i="1">
+                            <a:latin typeface="Cambria Math" panose="02040503050406030204" pitchFamily="18" charset="0"/>
+                            <a:ea typeface="Cambria Math" panose="02040503050406030204" pitchFamily="18" charset="0"/>
+                            <a:cs typeface="Arial" panose="020B0604020202020204" pitchFamily="34" charset="0"/>
+                          </a:rPr>
+                        </m:ctrlPr>
+                      </m:sSupPr>
+                      <m:e>
+                        <m:r>
+                          <a:rPr lang="it-IT" sz="1400" i="1">
+                            <a:latin typeface="Cambria Math" panose="02040503050406030204" pitchFamily="18" charset="0"/>
+                            <a:ea typeface="Cambria Math" panose="02040503050406030204" pitchFamily="18" charset="0"/>
+                            <a:cs typeface="Arial" panose="020B0604020202020204" pitchFamily="34" charset="0"/>
+                          </a:rPr>
+                          <m:t>𝑛</m:t>
+                        </m:r>
+                      </m:e>
+                      <m:sup>
+                        <m:r>
+                          <a:rPr lang="it-IT" sz="1400" i="1">
+                            <a:latin typeface="Cambria Math" panose="02040503050406030204" pitchFamily="18" charset="0"/>
+                            <a:ea typeface="Cambria Math" panose="02040503050406030204" pitchFamily="18" charset="0"/>
+                            <a:cs typeface="Arial" panose="020B0604020202020204" pitchFamily="34" charset="0"/>
+                          </a:rPr>
+                          <m:t>2</m:t>
+                        </m:r>
+                      </m:sup>
+                    </m:sSup>
+                    <m:r>
+                      <a:rPr lang="it-IT" sz="1400" b="0" i="1" smtClean="0">
+                        <a:latin typeface="Cambria Math" panose="02040503050406030204" pitchFamily="18" charset="0"/>
+                        <a:ea typeface="Cambria Math" panose="02040503050406030204" pitchFamily="18" charset="0"/>
+                        <a:cs typeface="Arial" panose="020B0604020202020204" pitchFamily="34" charset="0"/>
+                      </a:rPr>
+                      <m:t>)</m:t>
+                    </m:r>
+                  </m:oMath>
+                </a14:m>
+                <a:r>
+                  <a:rPr lang="it-IT" sz="1400" dirty="0">
+                    <a:latin typeface="Arial" panose="020B0604020202020204" pitchFamily="34" charset="0"/>
+                    <a:cs typeface="Arial" panose="020B0604020202020204" pitchFamily="34" charset="0"/>
+                  </a:rPr>
+                  <a:t>=</a:t>
+                </a:r>
+                <a:r>
+                  <a:rPr lang="it-IT" sz="1400" dirty="0">
+                    <a:ea typeface="Cambria Math" panose="02040503050406030204" pitchFamily="18" charset="0"/>
+                    <a:cs typeface="Arial" panose="020B0604020202020204" pitchFamily="34" charset="0"/>
+                  </a:rPr>
+                  <a:t> </a:t>
+                </a:r>
+                <a14:m>
+                  <m:oMath xmlns:m="http://schemas.openxmlformats.org/officeDocument/2006/math">
+                    <m:r>
+                      <a:rPr lang="it-IT" sz="1400" i="1">
+                        <a:latin typeface="Cambria Math" panose="02040503050406030204" pitchFamily="18" charset="0"/>
+                        <a:ea typeface="Cambria Math" panose="02040503050406030204" pitchFamily="18" charset="0"/>
+                        <a:cs typeface="Arial" panose="020B0604020202020204" pitchFamily="34" charset="0"/>
+                      </a:rPr>
+                      <m:t>𝑂</m:t>
+                    </m:r>
+                    <m:r>
+                      <a:rPr lang="it-IT" sz="1400" i="1">
+                        <a:latin typeface="Cambria Math" panose="02040503050406030204" pitchFamily="18" charset="0"/>
+                        <a:ea typeface="Cambria Math" panose="02040503050406030204" pitchFamily="18" charset="0"/>
+                        <a:cs typeface="Arial" panose="020B0604020202020204" pitchFamily="34" charset="0"/>
+                      </a:rPr>
+                      <m:t>(</m:t>
+                    </m:r>
+                    <m:sSup>
+                      <m:sSupPr>
+                        <m:ctrlPr>
+                          <a:rPr lang="it-IT" sz="1400" i="1">
+                            <a:latin typeface="Cambria Math" panose="02040503050406030204" pitchFamily="18" charset="0"/>
+                            <a:ea typeface="Cambria Math" panose="02040503050406030204" pitchFamily="18" charset="0"/>
+                            <a:cs typeface="Arial" panose="020B0604020202020204" pitchFamily="34" charset="0"/>
+                          </a:rPr>
+                        </m:ctrlPr>
+                      </m:sSupPr>
+                      <m:e>
+                        <m:r>
+                          <a:rPr lang="it-IT" sz="1400" i="1">
+                            <a:latin typeface="Cambria Math" panose="02040503050406030204" pitchFamily="18" charset="0"/>
+                            <a:ea typeface="Cambria Math" panose="02040503050406030204" pitchFamily="18" charset="0"/>
+                            <a:cs typeface="Arial" panose="020B0604020202020204" pitchFamily="34" charset="0"/>
+                          </a:rPr>
+                          <m:t>𝑛</m:t>
+                        </m:r>
+                      </m:e>
+                      <m:sup>
+                        <m:r>
+                          <a:rPr lang="it-IT" sz="1400" b="0" i="1" smtClean="0">
+                            <a:latin typeface="Cambria Math" panose="02040503050406030204" pitchFamily="18" charset="0"/>
+                            <a:ea typeface="Cambria Math" panose="02040503050406030204" pitchFamily="18" charset="0"/>
+                            <a:cs typeface="Arial" panose="020B0604020202020204" pitchFamily="34" charset="0"/>
+                          </a:rPr>
+                          <m:t>3</m:t>
+                        </m:r>
+                      </m:sup>
+                    </m:sSup>
+                    <m:r>
+                      <a:rPr lang="it-IT" sz="1400" b="0" i="1" smtClean="0">
+                        <a:latin typeface="Cambria Math" panose="02040503050406030204" pitchFamily="18" charset="0"/>
+                        <a:ea typeface="Cambria Math" panose="02040503050406030204" pitchFamily="18" charset="0"/>
+                        <a:cs typeface="Arial" panose="020B0604020202020204" pitchFamily="34" charset="0"/>
+                      </a:rPr>
+                      <m:t>)</m:t>
+                    </m:r>
+                  </m:oMath>
+                </a14:m>
+                <a:endParaRPr lang="it-IT" sz="1400" dirty="0">
+                  <a:latin typeface="Arial" panose="020B0604020202020204" pitchFamily="34" charset="0"/>
+                  <a:cs typeface="Arial" panose="020B0604020202020204" pitchFamily="34" charset="0"/>
+                </a:endParaRPr>
+              </a:p>
+            </p:txBody>
+          </p:sp>
+        </mc:Choice>
+        <mc:Fallback xmlns="">
+          <p:sp>
+            <p:nvSpPr>
+              <p:cNvPr id="22" name="CasellaDiTesto 21">
+                <a:extLst>
+                  <a:ext uri="{FF2B5EF4-FFF2-40B4-BE49-F238E27FC236}">
+                    <a16:creationId xmlns:a16="http://schemas.microsoft.com/office/drawing/2014/main" id="{B7171666-322E-4242-90BF-FB83DFB1FDFA}"/>
+                  </a:ext>
+                </a:extLst>
+              </p:cNvPr>
+              <p:cNvSpPr txBox="1">
+                <a:spLocks noRot="1" noChangeAspect="1" noMove="1" noResize="1" noEditPoints="1" noAdjustHandles="1" noChangeArrowheads="1" noChangeShapeType="1" noTextEdit="1"/>
+              </p:cNvSpPr>
+              <p:nvPr/>
+            </p:nvSpPr>
+            <p:spPr>
+              <a:xfrm>
+                <a:off x="827398" y="3195750"/>
+                <a:ext cx="7489018" cy="307777"/>
+              </a:xfrm>
+              <a:prstGeom prst="rect">
+                <a:avLst/>
+              </a:prstGeom>
+              <a:blipFill>
+                <a:blip r:embed="rId6"/>
+                <a:stretch>
+                  <a:fillRect l="-244" t="-3922" b="-19608"/>
+                </a:stretch>
+              </a:blipFill>
+            </p:spPr>
+            <p:txBody>
+              <a:bodyPr/>
+              <a:lstStyle/>
+              <a:p>
+                <a:r>
+                  <a:rPr lang="it-IT">
+                    <a:noFill/>
+                  </a:rPr>
+                  <a:t> </a:t>
+                </a:r>
+              </a:p>
+            </p:txBody>
+          </p:sp>
+        </mc:Fallback>
+      </mc:AlternateContent>
+      <p:cxnSp>
+        <p:nvCxnSpPr>
+          <p:cNvPr id="23" name="Connettore a gomito 22">
+            <a:extLst>
+              <a:ext uri="{FF2B5EF4-FFF2-40B4-BE49-F238E27FC236}">
+                <a16:creationId xmlns:a16="http://schemas.microsoft.com/office/drawing/2014/main" id="{F5CC9B33-04B3-498F-A485-5035345C6515}"/>
+              </a:ext>
+            </a:extLst>
+          </p:cNvPr>
+          <p:cNvCxnSpPr>
+            <a:stCxn id="21" idx="2"/>
+            <a:endCxn id="22" idx="0"/>
+          </p:cNvCxnSpPr>
+          <p:nvPr/>
+        </p:nvCxnSpPr>
+        <p:spPr>
+          <a:xfrm rot="5400000">
+            <a:off x="5759873" y="1299615"/>
+            <a:ext cx="708169" cy="3084100"/>
+          </a:xfrm>
+          <a:prstGeom prst="bentConnector3">
+            <a:avLst/>
+          </a:prstGeom>
+          <a:ln>
+            <a:tailEnd type="triangle"/>
+          </a:ln>
+        </p:spPr>
+        <p:style>
+          <a:lnRef idx="2">
+            <a:schemeClr val="accent1"/>
+          </a:lnRef>
+          <a:fillRef idx="0">
+            <a:schemeClr val="accent1"/>
+          </a:fillRef>
+          <a:effectRef idx="1">
+            <a:schemeClr val="accent1"/>
+          </a:effectRef>
+          <a:fontRef idx="minor">
+            <a:schemeClr val="tx1"/>
+          </a:fontRef>
+        </p:style>
+      </p:cxnSp>
+      <p:cxnSp>
+        <p:nvCxnSpPr>
+          <p:cNvPr id="26" name="Connettore diritto 25">
+            <a:extLst>
+              <a:ext uri="{FF2B5EF4-FFF2-40B4-BE49-F238E27FC236}">
+                <a16:creationId xmlns:a16="http://schemas.microsoft.com/office/drawing/2014/main" id="{919C695C-8CB1-41F7-B0E5-A6D079D2607B}"/>
+              </a:ext>
+            </a:extLst>
+          </p:cNvPr>
+          <p:cNvCxnSpPr>
+            <a:cxnSpLocks/>
+          </p:cNvCxnSpPr>
+          <p:nvPr/>
+        </p:nvCxnSpPr>
+        <p:spPr>
+          <a:xfrm flipV="1">
+            <a:off x="436880" y="3774337"/>
+            <a:ext cx="8098883" cy="60960"/>
+          </a:xfrm>
+          <a:prstGeom prst="line">
+            <a:avLst/>
+          </a:prstGeom>
+        </p:spPr>
+        <p:style>
+          <a:lnRef idx="2">
+            <a:schemeClr val="accent1"/>
+          </a:lnRef>
+          <a:fillRef idx="0">
+            <a:schemeClr val="accent1"/>
+          </a:fillRef>
+          <a:effectRef idx="1">
+            <a:schemeClr val="accent1"/>
+          </a:effectRef>
+          <a:fontRef idx="minor">
+            <a:schemeClr val="tx1"/>
+          </a:fontRef>
+        </p:style>
+      </p:cxnSp>
+      <mc:AlternateContent xmlns:mc="http://schemas.openxmlformats.org/markup-compatibility/2006" xmlns:a14="http://schemas.microsoft.com/office/drawing/2010/main">
+        <mc:Choice Requires="a14">
+          <p:sp>
+            <p:nvSpPr>
+              <p:cNvPr id="32" name="CasellaDiTesto 31">
+                <a:extLst>
+                  <a:ext uri="{FF2B5EF4-FFF2-40B4-BE49-F238E27FC236}">
+                    <a16:creationId xmlns:a16="http://schemas.microsoft.com/office/drawing/2014/main" id="{8732A527-DDD6-4448-893B-B37F6311A9E7}"/>
+                  </a:ext>
+                </a:extLst>
+              </p:cNvPr>
+              <p:cNvSpPr txBox="1"/>
+              <p:nvPr/>
+            </p:nvSpPr>
+            <p:spPr>
+              <a:xfrm>
+                <a:off x="9062" y="4131627"/>
+                <a:ext cx="9134754" cy="307777"/>
+              </a:xfrm>
+              <a:prstGeom prst="rect">
+                <a:avLst/>
+              </a:prstGeom>
+              <a:noFill/>
+            </p:spPr>
+            <p:txBody>
+              <a:bodyPr wrap="square" rtlCol="0">
+                <a:spAutoFit/>
+              </a:bodyPr>
+              <a:lstStyle/>
+              <a:p>
+                <a:pPr algn="ctr"/>
+                <a:r>
+                  <a:rPr lang="it-IT" sz="1400" dirty="0">
+                    <a:latin typeface="Arial" panose="020B0604020202020204" pitchFamily="34" charset="0"/>
+                    <a:cs typeface="Arial" panose="020B0604020202020204" pitchFamily="34" charset="0"/>
+                  </a:rPr>
+                  <a:t>Criticità </a:t>
+                </a:r>
+                <a:r>
+                  <a:rPr lang="it-IT" sz="1400" dirty="0">
+                    <a:latin typeface="Arial" panose="020B0604020202020204" pitchFamily="34" charset="0"/>
+                    <a:cs typeface="Arial" panose="020B0604020202020204" pitchFamily="34" charset="0"/>
+                    <a:sym typeface="Wingdings" panose="05000000000000000000" pitchFamily="2" charset="2"/>
+                  </a:rPr>
+                  <a:t> </a:t>
+                </a:r>
+                <a14:m>
+                  <m:oMath xmlns:m="http://schemas.openxmlformats.org/officeDocument/2006/math">
+                    <m:r>
+                      <a:rPr lang="it-IT" sz="1400" b="0" i="1" smtClean="0">
+                        <a:latin typeface="Cambria Math" panose="02040503050406030204" pitchFamily="18" charset="0"/>
+                        <a:cs typeface="Arial" panose="020B0604020202020204" pitchFamily="34" charset="0"/>
+                        <a:sym typeface="Wingdings" panose="05000000000000000000" pitchFamily="2" charset="2"/>
+                      </a:rPr>
+                      <m:t>𝐴𝑙𝑏𝑒𝑟𝑜𝐴𝑑𝑑𝑖𝑡𝑖𝑣𝑜</m:t>
+                    </m:r>
+                  </m:oMath>
+                </a14:m>
+                <a:r>
+                  <a:rPr lang="it-IT" sz="1400" dirty="0">
+                    <a:latin typeface="Arial" panose="020B0604020202020204" pitchFamily="34" charset="0"/>
+                    <a:cs typeface="Arial" panose="020B0604020202020204" pitchFamily="34" charset="0"/>
+                  </a:rPr>
+                  <a:t> non riesce a costruire </a:t>
+                </a:r>
+                <a14:m>
+                  <m:oMath xmlns:m="http://schemas.openxmlformats.org/officeDocument/2006/math">
+                    <m:r>
+                      <a:rPr lang="it-IT" sz="1400" b="0" i="1" smtClean="0">
+                        <a:latin typeface="Cambria Math" panose="02040503050406030204" pitchFamily="18" charset="0"/>
+                        <a:cs typeface="Arial" panose="020B0604020202020204" pitchFamily="34" charset="0"/>
+                      </a:rPr>
+                      <m:t>𝑇</m:t>
+                    </m:r>
+                  </m:oMath>
+                </a14:m>
+                <a:r>
+                  <a:rPr lang="it-IT" sz="1400" dirty="0">
+                    <a:latin typeface="Arial" panose="020B0604020202020204" pitchFamily="34" charset="0"/>
+                    <a:cs typeface="Arial" panose="020B0604020202020204" pitchFamily="34" charset="0"/>
+                  </a:rPr>
+                  <a:t> se </a:t>
+                </a:r>
+                <a14:m>
+                  <m:oMath xmlns:m="http://schemas.openxmlformats.org/officeDocument/2006/math">
+                    <m:r>
+                      <a:rPr lang="it-IT" sz="1400" b="0" i="1" smtClean="0">
+                        <a:latin typeface="Cambria Math" panose="02040503050406030204" pitchFamily="18" charset="0"/>
+                        <a:cs typeface="Arial" panose="020B0604020202020204" pitchFamily="34" charset="0"/>
+                      </a:rPr>
+                      <m:t>𝐷</m:t>
+                    </m:r>
+                  </m:oMath>
+                </a14:m>
+                <a:r>
+                  <a:rPr lang="it-IT" sz="1400" dirty="0">
+                    <a:latin typeface="Arial" panose="020B0604020202020204" pitchFamily="34" charset="0"/>
+                    <a:cs typeface="Arial" panose="020B0604020202020204" pitchFamily="34" charset="0"/>
+                  </a:rPr>
+                  <a:t> non è additiva.</a:t>
+                </a:r>
+              </a:p>
+            </p:txBody>
+          </p:sp>
+        </mc:Choice>
+        <mc:Fallback xmlns="">
+          <p:sp>
+            <p:nvSpPr>
+              <p:cNvPr id="32" name="CasellaDiTesto 31">
+                <a:extLst>
+                  <a:ext uri="{FF2B5EF4-FFF2-40B4-BE49-F238E27FC236}">
+                    <a16:creationId xmlns:a16="http://schemas.microsoft.com/office/drawing/2014/main" id="{8732A527-DDD6-4448-893B-B37F6311A9E7}"/>
+                  </a:ext>
+                </a:extLst>
+              </p:cNvPr>
+              <p:cNvSpPr txBox="1">
+                <a:spLocks noRot="1" noChangeAspect="1" noMove="1" noResize="1" noEditPoints="1" noAdjustHandles="1" noChangeArrowheads="1" noChangeShapeType="1" noTextEdit="1"/>
+              </p:cNvSpPr>
+              <p:nvPr/>
+            </p:nvSpPr>
+            <p:spPr>
+              <a:xfrm>
+                <a:off x="9062" y="4131627"/>
+                <a:ext cx="9134754" cy="307777"/>
+              </a:xfrm>
+              <a:prstGeom prst="rect">
+                <a:avLst/>
+              </a:prstGeom>
+              <a:blipFill>
+                <a:blip r:embed="rId7"/>
+                <a:stretch>
+                  <a:fillRect t="-4000" b="-20000"/>
+                </a:stretch>
+              </a:blipFill>
+            </p:spPr>
+            <p:txBody>
+              <a:bodyPr/>
+              <a:lstStyle/>
+              <a:p>
+                <a:r>
+                  <a:rPr lang="it-IT">
+                    <a:noFill/>
+                  </a:rPr>
+                  <a:t> </a:t>
+                </a:r>
+              </a:p>
+            </p:txBody>
+          </p:sp>
+        </mc:Fallback>
+      </mc:AlternateContent>
+      <p:sp>
+        <p:nvSpPr>
+          <p:cNvPr id="33" name="CasellaDiTesto 32">
+            <a:extLst>
+              <a:ext uri="{FF2B5EF4-FFF2-40B4-BE49-F238E27FC236}">
+                <a16:creationId xmlns:a16="http://schemas.microsoft.com/office/drawing/2014/main" id="{45EE0C61-FB34-4008-A46B-6BF83FC84375}"/>
+              </a:ext>
+            </a:extLst>
+          </p:cNvPr>
+          <p:cNvSpPr txBox="1"/>
+          <p:nvPr/>
+        </p:nvSpPr>
+        <p:spPr>
+          <a:xfrm>
+            <a:off x="9246" y="5256920"/>
+            <a:ext cx="9134754" cy="307777"/>
+          </a:xfrm>
+          <a:prstGeom prst="rect">
+            <a:avLst/>
+          </a:prstGeom>
+          <a:noFill/>
+        </p:spPr>
+        <p:txBody>
+          <a:bodyPr wrap="square" rtlCol="0">
+            <a:spAutoFit/>
+          </a:bodyPr>
+          <a:lstStyle/>
+          <a:p>
+            <a:pPr algn="ctr"/>
+            <a:r>
+              <a:rPr lang="it-IT" sz="1400" dirty="0">
+                <a:latin typeface="Arial" panose="020B0604020202020204" pitchFamily="34" charset="0"/>
+                <a:cs typeface="Arial" panose="020B0604020202020204" pitchFamily="34" charset="0"/>
+              </a:rPr>
+              <a:t>Criticità risolva dall’algoritmo </a:t>
+            </a:r>
+            <a:r>
+              <a:rPr lang="it-IT" sz="1400" b="1" dirty="0" err="1">
+                <a:latin typeface="Arial" panose="020B0604020202020204" pitchFamily="34" charset="0"/>
+                <a:cs typeface="Arial" panose="020B0604020202020204" pitchFamily="34" charset="0"/>
+              </a:rPr>
+              <a:t>Neighbor-Joining</a:t>
+            </a:r>
+            <a:r>
+              <a:rPr lang="it-IT" sz="1400" dirty="0">
+                <a:latin typeface="Arial" panose="020B0604020202020204" pitchFamily="34" charset="0"/>
+                <a:cs typeface="Arial" panose="020B0604020202020204" pitchFamily="34" charset="0"/>
+              </a:rPr>
+              <a:t>.</a:t>
+            </a:r>
+          </a:p>
+        </p:txBody>
+      </p:sp>
+      <p:cxnSp>
+        <p:nvCxnSpPr>
+          <p:cNvPr id="4" name="Connettore 2 3">
+            <a:extLst>
+              <a:ext uri="{FF2B5EF4-FFF2-40B4-BE49-F238E27FC236}">
+                <a16:creationId xmlns:a16="http://schemas.microsoft.com/office/drawing/2014/main" id="{071D3AA8-4091-42F3-A65F-B134697C78A9}"/>
+              </a:ext>
+            </a:extLst>
+          </p:cNvPr>
+          <p:cNvCxnSpPr>
+            <a:stCxn id="32" idx="2"/>
+          </p:cNvCxnSpPr>
+          <p:nvPr/>
+        </p:nvCxnSpPr>
+        <p:spPr>
+          <a:xfrm flipH="1">
+            <a:off x="4571907" y="4439404"/>
+            <a:ext cx="4532" cy="742196"/>
+          </a:xfrm>
+          <a:prstGeom prst="straightConnector1">
+            <a:avLst/>
+          </a:prstGeom>
+          <a:ln>
+            <a:tailEnd type="triangle"/>
+          </a:ln>
+        </p:spPr>
+        <p:style>
+          <a:lnRef idx="2">
+            <a:schemeClr val="accent1"/>
+          </a:lnRef>
+          <a:fillRef idx="0">
+            <a:schemeClr val="accent1"/>
+          </a:fillRef>
+          <a:effectRef idx="1">
+            <a:schemeClr val="accent1"/>
+          </a:effectRef>
+          <a:fontRef idx="minor">
+            <a:schemeClr val="tx1"/>
+          </a:fontRef>
+        </p:style>
+      </p:cxnSp>
+    </p:spTree>
+    <p:extLst>
+      <p:ext uri="{BB962C8B-B14F-4D97-AF65-F5344CB8AC3E}">
+        <p14:creationId xmlns:p14="http://schemas.microsoft.com/office/powerpoint/2010/main" val="1099141056"/>
       </p:ext>
     </p:extLst>
   </p:cSld>
@@ -6481,7 +10535,7 @@
                 <a:latin typeface="Arial" panose="020B0604020202020204" pitchFamily="34" charset="0"/>
                 <a:cs typeface="Arial" panose="020B0604020202020204" pitchFamily="34" charset="0"/>
               </a:rPr>
-              <a:t>Una successione di basi azotate che contiene una determinata informazione prende il nome di </a:t>
+              <a:t>Una successione di basi azotate prende il nome di </a:t>
             </a:r>
             <a:r>
               <a:rPr lang="it-IT" sz="1400" b="1" dirty="0">
@@ -13922,6 +17976,44 @@
 </p:tagLst>
 </file>
 
+<file path=ppt/tags/tag18.xml><?xml version="1.0" encoding="utf-8"?>
+<p:tagLst xmlns:a="http://schemas.openxmlformats.org/drawingml/2006/main" xmlns:r="http://schemas.openxmlformats.org/officeDocument/2006/relationships" xmlns:p="http://schemas.openxmlformats.org/presentationml/2006/main">
+  <p:tag name="OUTPUTDPI" val="1200"/>
+  <p:tag name="ORIGINALHEIGHT" val="125,2343"/>
+  <p:tag name="ORIGINALWIDTH" val="986,1267"/>
+  <p:tag name="LATEXADDIN" val="\documentclass{article}&#10;\usepackage{amsmath}&#10;\pagestyle{empty}&#10;\begin{document}&#10;&#10;&#10;$limbweight(b) = 2$&#10;&#10;\end{document}"/>
+  <p:tag name="IGUANATEXSIZE" val="20"/>
+  <p:tag name="IGUANATEXCURSOR" val="100"/>
+  <p:tag name="TRANSPARENCY" val="Vero"/>
+  <p:tag name="FILENAME" val=""/>
+  <p:tag name="LATEXENGINEID" val="0"/>
+  <p:tag name="TEMPFOLDER" val="c:\temp\"/>
+  <p:tag name="LATEXFORMHEIGHT" val="312"/>
+  <p:tag name="LATEXFORMWIDTH" val="384"/>
+  <p:tag name="LATEXFORMWRAP" val="Vero"/>
+  <p:tag name="BITMAPVECTOR" val="0"/>
+</p:tagLst>
+</file>
+
+<file path=ppt/tags/tag19.xml><?xml version="1.0" encoding="utf-8"?>
+<p:tagLst xmlns:a="http://schemas.openxmlformats.org/drawingml/2006/main" xmlns:r="http://schemas.openxmlformats.org/officeDocument/2006/relationships" xmlns:p="http://schemas.openxmlformats.org/presentationml/2006/main">
+  <p:tag name="OUTPUTDPI" val="1200"/>
+  <p:tag name="ORIGINALHEIGHT" val="165,7293"/>
+  <p:tag name="ORIGINALWIDTH" val="3520,81"/>
+  <p:tag name="LATEXADDIN" val="\documentclass{article}&#10;\usepackage{amsmath}&#10;\pagestyle{empty}&#10;\begin{document}&#10;&#10;$limbweight(b)=\frac{D_{f,b}+D_{b,u}-D_{f,u}}{2} \rightarrow limbweight(b)=0,\: quindi\rightarrow $&#10;&#10;&#10;\end{document}"/>
+  <p:tag name="IGUANATEXSIZE" val="20"/>
+  <p:tag name="IGUANATEXCURSOR" val="179"/>
+  <p:tag name="TRANSPARENCY" val="Vero"/>
+  <p:tag name="FILENAME" val=""/>
+  <p:tag name="LATEXENGINEID" val="0"/>
+  <p:tag name="TEMPFOLDER" val="c:\temp\"/>
+  <p:tag name="LATEXFORMHEIGHT" val="312"/>
+  <p:tag name="LATEXFORMWIDTH" val="384"/>
+  <p:tag name="LATEXFORMWRAP" val="Vero"/>
+  <p:tag name="BITMAPVECTOR" val="0"/>
+</p:tagLst>
+</file>
+
 <file path=ppt/tags/tag2.xml><?xml version="1.0" encoding="utf-8"?>
 <p:tagLst xmlns:a="http://schemas.openxmlformats.org/drawingml/2006/main" xmlns:r="http://schemas.openxmlformats.org/officeDocument/2006/relationships" xmlns:p="http://schemas.openxmlformats.org/presentationml/2006/main">
   <p:tag name="OUTPUTDPI" val="1200"/>
@@ -13930,6 +18022,44 @@
   <p:tag name="LATEXADDIN" val="\documentclass{article}&#10;\usepackage{amsmath}&#10;\pagestyle{empty}&#10;\begin{document}&#10;&#10;\[d(x,y)=0 \; \leftrightarrow \; x=y\]&#10;&#10;\end{document}"/>
   <p:tag name="IGUANATEXSIZE" val="20"/>
   <p:tag name="IGUANATEXCURSOR" val="119"/>
+  <p:tag name="TRANSPARENCY" val="Vero"/>
+  <p:tag name="FILENAME" val=""/>
+  <p:tag name="LATEXENGINEID" val="0"/>
+  <p:tag name="TEMPFOLDER" val="c:\temp\"/>
+  <p:tag name="LATEXFORMHEIGHT" val="312"/>
+  <p:tag name="LATEXFORMWIDTH" val="384"/>
+  <p:tag name="LATEXFORMWRAP" val="Vero"/>
+  <p:tag name="BITMAPVECTOR" val="0"/>
+</p:tagLst>
+</file>
+
+<file path=ppt/tags/tag20.xml><?xml version="1.0" encoding="utf-8"?>
+<p:tagLst xmlns:a="http://schemas.openxmlformats.org/drawingml/2006/main" xmlns:r="http://schemas.openxmlformats.org/officeDocument/2006/relationships" xmlns:p="http://schemas.openxmlformats.org/presentationml/2006/main">
+  <p:tag name="OUTPUTDPI" val="1200"/>
+  <p:tag name="ORIGINALHEIGHT" val="165,7293"/>
+  <p:tag name="ORIGINALWIDTH" val="1184,102"/>
+  <p:tag name="LATEXADDIN" val="\documentclass{article}&#10;\usepackage{amsmath}&#10;\pagestyle{empty}&#10;\begin{document}&#10;&#10;$0=\frac{D_{f,b}+D_{b,u}-D_{f,u}}{2}\rightarrow$&#10;&#10;&#10;\end{document}"/>
+  <p:tag name="IGUANATEXSIZE" val="20"/>
+  <p:tag name="IGUANATEXCURSOR" val="128"/>
+  <p:tag name="TRANSPARENCY" val="Vero"/>
+  <p:tag name="FILENAME" val=""/>
+  <p:tag name="LATEXENGINEID" val="0"/>
+  <p:tag name="TEMPFOLDER" val="c:\temp\"/>
+  <p:tag name="LATEXFORMHEIGHT" val="312"/>
+  <p:tag name="LATEXFORMWIDTH" val="384"/>
+  <p:tag name="LATEXFORMWRAP" val="Vero"/>
+  <p:tag name="BITMAPVECTOR" val="0"/>
+</p:tagLst>
+</file>
+
+<file path=ppt/tags/tag21.xml><?xml version="1.0" encoding="utf-8"?>
+<p:tagLst xmlns:a="http://schemas.openxmlformats.org/drawingml/2006/main" xmlns:r="http://schemas.openxmlformats.org/officeDocument/2006/relationships" xmlns:p="http://schemas.openxmlformats.org/presentationml/2006/main">
+  <p:tag name="OUTPUTDPI" val="1200"/>
+  <p:tag name="ORIGINALHEIGHT" val="121,4848"/>
+  <p:tag name="ORIGINALWIDTH" val="1030,371"/>
+  <p:tag name="LATEXADDIN" val="\documentclass{article}&#10;\usepackage{amsmath}&#10;\pagestyle{empty}&#10;\begin{document}&#10;&#10;$D_{f,u}=D_{f,b}+D_{b,u}$&#10;&#10;&#10;\end{document}"/>
+  <p:tag name="IGUANATEXSIZE" val="20"/>
+  <p:tag name="IGUANATEXCURSOR" val="105"/>
   <p:tag name="TRANSPARENCY" val="Vero"/>
   <p:tag name="FILENAME" val=""/>
   <p:tag name="LATEXENGINEID" val="0"/>

--- a/Discussione Laurea/Slides.pptx
+++ b/Discussione Laurea/Slides.pptx
@@ -5,10 +5,10 @@
     <p:sldMasterId id="2147483648" r:id="rId1"/>
   </p:sldMasterIdLst>
   <p:notesMasterIdLst>
-    <p:notesMasterId r:id="rId15"/>
+    <p:notesMasterId r:id="rId19"/>
   </p:notesMasterIdLst>
   <p:handoutMasterIdLst>
-    <p:handoutMasterId r:id="rId16"/>
+    <p:handoutMasterId r:id="rId20"/>
   </p:handoutMasterIdLst>
   <p:sldIdLst>
     <p:sldId id="256" r:id="rId2"/>
@@ -24,6 +24,10 @@
     <p:sldId id="270" r:id="rId12"/>
     <p:sldId id="271" r:id="rId13"/>
     <p:sldId id="272" r:id="rId14"/>
+    <p:sldId id="273" r:id="rId15"/>
+    <p:sldId id="274" r:id="rId16"/>
+    <p:sldId id="275" r:id="rId17"/>
+    <p:sldId id="276" r:id="rId18"/>
   </p:sldIdLst>
   <p:sldSz cx="9144000" cy="6858000" type="screen4x3"/>
   <p:notesSz cx="6858000" cy="9144000"/>
@@ -224,7 +228,7 @@
             <a:fld id="{45BF3CCC-77DD-F84F-A249-CA3C5045A043}" type="datetime1">
               <a:rPr lang="it-IT" smtClean="0"/>
               <a:pPr/>
-              <a:t>29/06/2019</a:t>
+              <a:t>30/06/2019</a:t>
             </a:fld>
             <a:endParaRPr lang="it-IT"/>
           </a:p>
@@ -392,7 +396,7 @@
             <a:fld id="{FE692227-D6DC-FD45-9507-DB2BAD58473C}" type="datetime1">
               <a:rPr lang="it-IT" smtClean="0"/>
               <a:pPr/>
-              <a:t>29/06/2019</a:t>
+              <a:t>30/06/2019</a:t>
             </a:fld>
             <a:endParaRPr lang="it-IT"/>
           </a:p>
@@ -1001,6 +1005,346 @@
 </p:notes>
 </file>
 
+<file path=ppt/notesSlides/notesSlide13.xml><?xml version="1.0" encoding="utf-8"?>
+<p:notes xmlns:a="http://schemas.openxmlformats.org/drawingml/2006/main" xmlns:r="http://schemas.openxmlformats.org/officeDocument/2006/relationships" xmlns:p="http://schemas.openxmlformats.org/presentationml/2006/main">
+  <p:cSld>
+    <p:spTree>
+      <p:nvGrpSpPr>
+        <p:cNvPr id="1" name=""/>
+        <p:cNvGrpSpPr/>
+        <p:nvPr/>
+      </p:nvGrpSpPr>
+      <p:grpSpPr>
+        <a:xfrm>
+          <a:off x="0" y="0"/>
+          <a:ext cx="0" cy="0"/>
+          <a:chOff x="0" y="0"/>
+          <a:chExt cx="0" cy="0"/>
+        </a:xfrm>
+      </p:grpSpPr>
+      <p:sp>
+        <p:nvSpPr>
+          <p:cNvPr id="2" name="Segnaposto immagine diapositiva 1"/>
+          <p:cNvSpPr>
+            <a:spLocks noGrp="1" noRot="1" noChangeAspect="1"/>
+          </p:cNvSpPr>
+          <p:nvPr>
+            <p:ph type="sldImg"/>
+          </p:nvPr>
+        </p:nvSpPr>
+        <p:spPr/>
+      </p:sp>
+      <p:sp>
+        <p:nvSpPr>
+          <p:cNvPr id="3" name="Segnaposto note 2"/>
+          <p:cNvSpPr>
+            <a:spLocks noGrp="1"/>
+          </p:cNvSpPr>
+          <p:nvPr>
+            <p:ph type="body" idx="1"/>
+          </p:nvPr>
+        </p:nvSpPr>
+        <p:spPr/>
+        <p:txBody>
+          <a:bodyPr/>
+          <a:lstStyle/>
+          <a:p>
+            <a:endParaRPr lang="it-IT"/>
+          </a:p>
+        </p:txBody>
+      </p:sp>
+      <p:sp>
+        <p:nvSpPr>
+          <p:cNvPr id="4" name="Segnaposto numero diapositiva 3"/>
+          <p:cNvSpPr>
+            <a:spLocks noGrp="1"/>
+          </p:cNvSpPr>
+          <p:nvPr>
+            <p:ph type="sldNum" sz="quarter" idx="10"/>
+          </p:nvPr>
+        </p:nvSpPr>
+        <p:spPr/>
+        <p:txBody>
+          <a:bodyPr/>
+          <a:lstStyle/>
+          <a:p>
+            <a:fld id="{96986711-015B-0142-88C4-65D50E44FA77}" type="slidenum">
+              <a:rPr lang="it-IT" smtClean="0"/>
+              <a:pPr/>
+              <a:t>14</a:t>
+            </a:fld>
+            <a:endParaRPr lang="it-IT"/>
+          </a:p>
+        </p:txBody>
+      </p:sp>
+    </p:spTree>
+    <p:extLst>
+      <p:ext uri="{BB962C8B-B14F-4D97-AF65-F5344CB8AC3E}">
+        <p14:creationId xmlns:p14="http://schemas.microsoft.com/office/powerpoint/2010/main" val="140573768"/>
+      </p:ext>
+    </p:extLst>
+  </p:cSld>
+  <p:clrMapOvr>
+    <a:masterClrMapping/>
+  </p:clrMapOvr>
+</p:notes>
+</file>
+
+<file path=ppt/notesSlides/notesSlide14.xml><?xml version="1.0" encoding="utf-8"?>
+<p:notes xmlns:a="http://schemas.openxmlformats.org/drawingml/2006/main" xmlns:r="http://schemas.openxmlformats.org/officeDocument/2006/relationships" xmlns:p="http://schemas.openxmlformats.org/presentationml/2006/main">
+  <p:cSld>
+    <p:spTree>
+      <p:nvGrpSpPr>
+        <p:cNvPr id="1" name=""/>
+        <p:cNvGrpSpPr/>
+        <p:nvPr/>
+      </p:nvGrpSpPr>
+      <p:grpSpPr>
+        <a:xfrm>
+          <a:off x="0" y="0"/>
+          <a:ext cx="0" cy="0"/>
+          <a:chOff x="0" y="0"/>
+          <a:chExt cx="0" cy="0"/>
+        </a:xfrm>
+      </p:grpSpPr>
+      <p:sp>
+        <p:nvSpPr>
+          <p:cNvPr id="2" name="Segnaposto immagine diapositiva 1"/>
+          <p:cNvSpPr>
+            <a:spLocks noGrp="1" noRot="1" noChangeAspect="1"/>
+          </p:cNvSpPr>
+          <p:nvPr>
+            <p:ph type="sldImg"/>
+          </p:nvPr>
+        </p:nvSpPr>
+        <p:spPr/>
+      </p:sp>
+      <p:sp>
+        <p:nvSpPr>
+          <p:cNvPr id="3" name="Segnaposto note 2"/>
+          <p:cNvSpPr>
+            <a:spLocks noGrp="1"/>
+          </p:cNvSpPr>
+          <p:nvPr>
+            <p:ph type="body" idx="1"/>
+          </p:nvPr>
+        </p:nvSpPr>
+        <p:spPr/>
+        <p:txBody>
+          <a:bodyPr/>
+          <a:lstStyle/>
+          <a:p>
+            <a:endParaRPr lang="it-IT"/>
+          </a:p>
+        </p:txBody>
+      </p:sp>
+      <p:sp>
+        <p:nvSpPr>
+          <p:cNvPr id="4" name="Segnaposto numero diapositiva 3"/>
+          <p:cNvSpPr>
+            <a:spLocks noGrp="1"/>
+          </p:cNvSpPr>
+          <p:nvPr>
+            <p:ph type="sldNum" sz="quarter" idx="10"/>
+          </p:nvPr>
+        </p:nvSpPr>
+        <p:spPr/>
+        <p:txBody>
+          <a:bodyPr/>
+          <a:lstStyle/>
+          <a:p>
+            <a:fld id="{96986711-015B-0142-88C4-65D50E44FA77}" type="slidenum">
+              <a:rPr lang="it-IT" smtClean="0"/>
+              <a:pPr/>
+              <a:t>15</a:t>
+            </a:fld>
+            <a:endParaRPr lang="it-IT"/>
+          </a:p>
+        </p:txBody>
+      </p:sp>
+    </p:spTree>
+    <p:extLst>
+      <p:ext uri="{BB962C8B-B14F-4D97-AF65-F5344CB8AC3E}">
+        <p14:creationId xmlns:p14="http://schemas.microsoft.com/office/powerpoint/2010/main" val="2620571570"/>
+      </p:ext>
+    </p:extLst>
+  </p:cSld>
+  <p:clrMapOvr>
+    <a:masterClrMapping/>
+  </p:clrMapOvr>
+</p:notes>
+</file>
+
+<file path=ppt/notesSlides/notesSlide15.xml><?xml version="1.0" encoding="utf-8"?>
+<p:notes xmlns:a="http://schemas.openxmlformats.org/drawingml/2006/main" xmlns:r="http://schemas.openxmlformats.org/officeDocument/2006/relationships" xmlns:p="http://schemas.openxmlformats.org/presentationml/2006/main">
+  <p:cSld>
+    <p:spTree>
+      <p:nvGrpSpPr>
+        <p:cNvPr id="1" name=""/>
+        <p:cNvGrpSpPr/>
+        <p:nvPr/>
+      </p:nvGrpSpPr>
+      <p:grpSpPr>
+        <a:xfrm>
+          <a:off x="0" y="0"/>
+          <a:ext cx="0" cy="0"/>
+          <a:chOff x="0" y="0"/>
+          <a:chExt cx="0" cy="0"/>
+        </a:xfrm>
+      </p:grpSpPr>
+      <p:sp>
+        <p:nvSpPr>
+          <p:cNvPr id="2" name="Segnaposto immagine diapositiva 1"/>
+          <p:cNvSpPr>
+            <a:spLocks noGrp="1" noRot="1" noChangeAspect="1"/>
+          </p:cNvSpPr>
+          <p:nvPr>
+            <p:ph type="sldImg"/>
+          </p:nvPr>
+        </p:nvSpPr>
+        <p:spPr/>
+      </p:sp>
+      <p:sp>
+        <p:nvSpPr>
+          <p:cNvPr id="3" name="Segnaposto note 2"/>
+          <p:cNvSpPr>
+            <a:spLocks noGrp="1"/>
+          </p:cNvSpPr>
+          <p:nvPr>
+            <p:ph type="body" idx="1"/>
+          </p:nvPr>
+        </p:nvSpPr>
+        <p:spPr/>
+        <p:txBody>
+          <a:bodyPr/>
+          <a:lstStyle/>
+          <a:p>
+            <a:endParaRPr lang="it-IT"/>
+          </a:p>
+        </p:txBody>
+      </p:sp>
+      <p:sp>
+        <p:nvSpPr>
+          <p:cNvPr id="4" name="Segnaposto numero diapositiva 3"/>
+          <p:cNvSpPr>
+            <a:spLocks noGrp="1"/>
+          </p:cNvSpPr>
+          <p:nvPr>
+            <p:ph type="sldNum" sz="quarter" idx="10"/>
+          </p:nvPr>
+        </p:nvSpPr>
+        <p:spPr/>
+        <p:txBody>
+          <a:bodyPr/>
+          <a:lstStyle/>
+          <a:p>
+            <a:fld id="{96986711-015B-0142-88C4-65D50E44FA77}" type="slidenum">
+              <a:rPr lang="it-IT" smtClean="0"/>
+              <a:pPr/>
+              <a:t>16</a:t>
+            </a:fld>
+            <a:endParaRPr lang="it-IT"/>
+          </a:p>
+        </p:txBody>
+      </p:sp>
+    </p:spTree>
+    <p:extLst>
+      <p:ext uri="{BB962C8B-B14F-4D97-AF65-F5344CB8AC3E}">
+        <p14:creationId xmlns:p14="http://schemas.microsoft.com/office/powerpoint/2010/main" val="1461890236"/>
+      </p:ext>
+    </p:extLst>
+  </p:cSld>
+  <p:clrMapOvr>
+    <a:masterClrMapping/>
+  </p:clrMapOvr>
+</p:notes>
+</file>
+
+<file path=ppt/notesSlides/notesSlide16.xml><?xml version="1.0" encoding="utf-8"?>
+<p:notes xmlns:a="http://schemas.openxmlformats.org/drawingml/2006/main" xmlns:r="http://schemas.openxmlformats.org/officeDocument/2006/relationships" xmlns:p="http://schemas.openxmlformats.org/presentationml/2006/main">
+  <p:cSld>
+    <p:spTree>
+      <p:nvGrpSpPr>
+        <p:cNvPr id="1" name=""/>
+        <p:cNvGrpSpPr/>
+        <p:nvPr/>
+      </p:nvGrpSpPr>
+      <p:grpSpPr>
+        <a:xfrm>
+          <a:off x="0" y="0"/>
+          <a:ext cx="0" cy="0"/>
+          <a:chOff x="0" y="0"/>
+          <a:chExt cx="0" cy="0"/>
+        </a:xfrm>
+      </p:grpSpPr>
+      <p:sp>
+        <p:nvSpPr>
+          <p:cNvPr id="2" name="Segnaposto immagine diapositiva 1"/>
+          <p:cNvSpPr>
+            <a:spLocks noGrp="1" noRot="1" noChangeAspect="1"/>
+          </p:cNvSpPr>
+          <p:nvPr>
+            <p:ph type="sldImg"/>
+          </p:nvPr>
+        </p:nvSpPr>
+        <p:spPr/>
+      </p:sp>
+      <p:sp>
+        <p:nvSpPr>
+          <p:cNvPr id="3" name="Segnaposto note 2"/>
+          <p:cNvSpPr>
+            <a:spLocks noGrp="1"/>
+          </p:cNvSpPr>
+          <p:nvPr>
+            <p:ph type="body" idx="1"/>
+          </p:nvPr>
+        </p:nvSpPr>
+        <p:spPr/>
+        <p:txBody>
+          <a:bodyPr/>
+          <a:lstStyle/>
+          <a:p>
+            <a:endParaRPr lang="it-IT"/>
+          </a:p>
+        </p:txBody>
+      </p:sp>
+      <p:sp>
+        <p:nvSpPr>
+          <p:cNvPr id="4" name="Segnaposto numero diapositiva 3"/>
+          <p:cNvSpPr>
+            <a:spLocks noGrp="1"/>
+          </p:cNvSpPr>
+          <p:nvPr>
+            <p:ph type="sldNum" sz="quarter" idx="10"/>
+          </p:nvPr>
+        </p:nvSpPr>
+        <p:spPr/>
+        <p:txBody>
+          <a:bodyPr/>
+          <a:lstStyle/>
+          <a:p>
+            <a:fld id="{96986711-015B-0142-88C4-65D50E44FA77}" type="slidenum">
+              <a:rPr lang="it-IT" smtClean="0"/>
+              <a:pPr/>
+              <a:t>17</a:t>
+            </a:fld>
+            <a:endParaRPr lang="it-IT"/>
+          </a:p>
+        </p:txBody>
+      </p:sp>
+    </p:spTree>
+    <p:extLst>
+      <p:ext uri="{BB962C8B-B14F-4D97-AF65-F5344CB8AC3E}">
+        <p14:creationId xmlns:p14="http://schemas.microsoft.com/office/powerpoint/2010/main" val="2850894603"/>
+      </p:ext>
+    </p:extLst>
+  </p:cSld>
+  <p:clrMapOvr>
+    <a:masterClrMapping/>
+  </p:clrMapOvr>
+</p:notes>
+</file>
+
 <file path=ppt/notesSlides/notesSlide2.xml><?xml version="1.0" encoding="utf-8"?>
 <p:notes xmlns:a="http://schemas.openxmlformats.org/drawingml/2006/main" xmlns:r="http://schemas.openxmlformats.org/officeDocument/2006/relationships" xmlns:p="http://schemas.openxmlformats.org/presentationml/2006/main">
   <p:cSld>
@@ -1861,7 +2205,7 @@
             <a:fld id="{AD8BF249-6BAC-CD40-AAE9-334F110649E5}" type="datetimeFigureOut">
               <a:rPr lang="it-IT" smtClean="0"/>
               <a:pPr/>
-              <a:t>29/06/2019</a:t>
+              <a:t>30/06/2019</a:t>
             </a:fld>
             <a:endParaRPr lang="it-IT"/>
           </a:p>
@@ -2031,7 +2375,7 @@
             <a:fld id="{AD8BF249-6BAC-CD40-AAE9-334F110649E5}" type="datetimeFigureOut">
               <a:rPr lang="it-IT" smtClean="0"/>
               <a:pPr/>
-              <a:t>29/06/2019</a:t>
+              <a:t>30/06/2019</a:t>
             </a:fld>
             <a:endParaRPr lang="it-IT"/>
           </a:p>
@@ -2211,7 +2555,7 @@
             <a:fld id="{AD8BF249-6BAC-CD40-AAE9-334F110649E5}" type="datetimeFigureOut">
               <a:rPr lang="it-IT" smtClean="0"/>
               <a:pPr/>
-              <a:t>29/06/2019</a:t>
+              <a:t>30/06/2019</a:t>
             </a:fld>
             <a:endParaRPr lang="it-IT"/>
           </a:p>
@@ -2381,7 +2725,7 @@
             <a:fld id="{AD8BF249-6BAC-CD40-AAE9-334F110649E5}" type="datetimeFigureOut">
               <a:rPr lang="it-IT" smtClean="0"/>
               <a:pPr/>
-              <a:t>29/06/2019</a:t>
+              <a:t>30/06/2019</a:t>
             </a:fld>
             <a:endParaRPr lang="it-IT"/>
           </a:p>
@@ -2628,7 +2972,7 @@
             <a:fld id="{AD8BF249-6BAC-CD40-AAE9-334F110649E5}" type="datetimeFigureOut">
               <a:rPr lang="it-IT" smtClean="0"/>
               <a:pPr/>
-              <a:t>29/06/2019</a:t>
+              <a:t>30/06/2019</a:t>
             </a:fld>
             <a:endParaRPr lang="it-IT"/>
           </a:p>
@@ -2915,7 +3259,7 @@
             <a:fld id="{AD8BF249-6BAC-CD40-AAE9-334F110649E5}" type="datetimeFigureOut">
               <a:rPr lang="it-IT" smtClean="0"/>
               <a:pPr/>
-              <a:t>29/06/2019</a:t>
+              <a:t>30/06/2019</a:t>
             </a:fld>
             <a:endParaRPr lang="it-IT"/>
           </a:p>
@@ -3336,7 +3680,7 @@
             <a:fld id="{AD8BF249-6BAC-CD40-AAE9-334F110649E5}" type="datetimeFigureOut">
               <a:rPr lang="it-IT" smtClean="0"/>
               <a:pPr/>
-              <a:t>29/06/2019</a:t>
+              <a:t>30/06/2019</a:t>
             </a:fld>
             <a:endParaRPr lang="it-IT"/>
           </a:p>
@@ -3455,7 +3799,7 @@
             <a:fld id="{AD8BF249-6BAC-CD40-AAE9-334F110649E5}" type="datetimeFigureOut">
               <a:rPr lang="it-IT" smtClean="0"/>
               <a:pPr/>
-              <a:t>29/06/2019</a:t>
+              <a:t>30/06/2019</a:t>
             </a:fld>
             <a:endParaRPr lang="it-IT"/>
           </a:p>
@@ -3552,7 +3896,7 @@
             <a:fld id="{AD8BF249-6BAC-CD40-AAE9-334F110649E5}" type="datetimeFigureOut">
               <a:rPr lang="it-IT" smtClean="0"/>
               <a:pPr/>
-              <a:t>29/06/2019</a:t>
+              <a:t>30/06/2019</a:t>
             </a:fld>
             <a:endParaRPr lang="it-IT"/>
           </a:p>
@@ -3829,7 +4173,7 @@
             <a:fld id="{AD8BF249-6BAC-CD40-AAE9-334F110649E5}" type="datetimeFigureOut">
               <a:rPr lang="it-IT" smtClean="0"/>
               <a:pPr/>
-              <a:t>29/06/2019</a:t>
+              <a:t>30/06/2019</a:t>
             </a:fld>
             <a:endParaRPr lang="it-IT"/>
           </a:p>
@@ -4083,7 +4427,7 @@
             <a:fld id="{AD8BF249-6BAC-CD40-AAE9-334F110649E5}" type="datetimeFigureOut">
               <a:rPr lang="it-IT" smtClean="0"/>
               <a:pPr/>
-              <a:t>29/06/2019</a:t>
+              <a:t>30/06/2019</a:t>
             </a:fld>
             <a:endParaRPr lang="it-IT"/>
           </a:p>
@@ -4296,7 +4640,7 @@
             <a:fld id="{AD8BF249-6BAC-CD40-AAE9-334F110649E5}" type="datetimeFigureOut">
               <a:rPr lang="it-IT" smtClean="0"/>
               <a:pPr/>
-              <a:t>29/06/2019</a:t>
+              <a:t>30/06/2019</a:t>
             </a:fld>
             <a:endParaRPr lang="it-IT"/>
           </a:p>
@@ -9836,7 +10180,7 @@
         </p:nvSpPr>
         <p:spPr>
           <a:xfrm>
-            <a:off x="9246" y="5256920"/>
+            <a:off x="9246" y="6037498"/>
             <a:ext cx="9134754" cy="307777"/>
           </a:xfrm>
           <a:prstGeom prst="rect">
@@ -9856,10 +10200,10 @@
                 <a:latin typeface="Arial" panose="020B0604020202020204" pitchFamily="34" charset="0"/>
                 <a:cs typeface="Arial" panose="020B0604020202020204" pitchFamily="34" charset="0"/>
               </a:rPr>
-              <a:t>Criticità risolva dall’algoritmo </a:t>
+              <a:t>Algoritmo </a:t>
             </a:r>
             <a:r>
-              <a:rPr lang="it-IT" sz="1400" b="1" dirty="0" err="1">
+              <a:rPr lang="it-IT" sz="1400" b="1" dirty="0">
                 <a:latin typeface="Arial" panose="020B0604020202020204" pitchFamily="34" charset="0"/>
                 <a:cs typeface="Arial" panose="020B0604020202020204" pitchFamily="34" charset="0"/>
               </a:rPr>
@@ -9885,14 +10229,261 @@
             </a:extLst>
           </p:cNvPr>
           <p:cNvCxnSpPr>
+            <a:cxnSpLocks/>
             <a:stCxn id="32" idx="2"/>
           </p:cNvCxnSpPr>
           <p:nvPr/>
         </p:nvCxnSpPr>
         <p:spPr>
-          <a:xfrm flipH="1">
-            <a:off x="4571907" y="4439404"/>
-            <a:ext cx="4532" cy="742196"/>
+          <a:xfrm>
+            <a:off x="4576439" y="4439404"/>
+            <a:ext cx="0" cy="350879"/>
+          </a:xfrm>
+          <a:prstGeom prst="straightConnector1">
+            <a:avLst/>
+          </a:prstGeom>
+          <a:ln>
+            <a:tailEnd type="triangle"/>
+          </a:ln>
+        </p:spPr>
+        <p:style>
+          <a:lnRef idx="2">
+            <a:schemeClr val="accent1"/>
+          </a:lnRef>
+          <a:fillRef idx="0">
+            <a:schemeClr val="accent1"/>
+          </a:fillRef>
+          <a:effectRef idx="1">
+            <a:schemeClr val="accent1"/>
+          </a:effectRef>
+          <a:fontRef idx="minor">
+            <a:schemeClr val="tx1"/>
+          </a:fontRef>
+        </p:style>
+      </p:cxnSp>
+      <p:sp>
+        <p:nvSpPr>
+          <p:cNvPr id="19" name="CasellaDiTesto 18">
+            <a:extLst>
+              <a:ext uri="{FF2B5EF4-FFF2-40B4-BE49-F238E27FC236}">
+                <a16:creationId xmlns:a16="http://schemas.microsoft.com/office/drawing/2014/main" id="{8218B5CC-D5D3-4534-9DC6-58A563BDD5A1}"/>
+              </a:ext>
+            </a:extLst>
+          </p:cNvPr>
+          <p:cNvSpPr txBox="1"/>
+          <p:nvPr/>
+        </p:nvSpPr>
+        <p:spPr>
+          <a:xfrm>
+            <a:off x="-185" y="4790283"/>
+            <a:ext cx="9134754" cy="307777"/>
+          </a:xfrm>
+          <a:prstGeom prst="rect">
+            <a:avLst/>
+          </a:prstGeom>
+          <a:noFill/>
+        </p:spPr>
+        <p:txBody>
+          <a:bodyPr wrap="square" rtlCol="0">
+            <a:spAutoFit/>
+          </a:bodyPr>
+          <a:lstStyle/>
+          <a:p>
+            <a:pPr algn="ctr"/>
+            <a:r>
+              <a:rPr lang="it-IT" sz="1400" dirty="0">
+                <a:latin typeface="Arial" panose="020B0604020202020204" pitchFamily="34" charset="0"/>
+                <a:cs typeface="Arial" panose="020B0604020202020204" pitchFamily="34" charset="0"/>
+              </a:rPr>
+              <a:t>Non c’è modo che un albero si adatti ad una matrice non additiva, proprio per definizione di non additività!</a:t>
+            </a:r>
+          </a:p>
+        </p:txBody>
+      </p:sp>
+      <mc:AlternateContent xmlns:mc="http://schemas.openxmlformats.org/markup-compatibility/2006" xmlns:a14="http://schemas.microsoft.com/office/drawing/2010/main">
+        <mc:Choice Requires="a14">
+          <p:sp>
+            <p:nvSpPr>
+              <p:cNvPr id="24" name="CasellaDiTesto 23">
+                <a:extLst>
+                  <a:ext uri="{FF2B5EF4-FFF2-40B4-BE49-F238E27FC236}">
+                    <a16:creationId xmlns:a16="http://schemas.microsoft.com/office/drawing/2014/main" id="{AC668A4F-8342-4847-9822-981DC123E2A5}"/>
+                  </a:ext>
+                </a:extLst>
+              </p:cNvPr>
+              <p:cNvSpPr txBox="1"/>
+              <p:nvPr/>
+            </p:nvSpPr>
+            <p:spPr>
+              <a:xfrm>
+                <a:off x="-185" y="5371284"/>
+                <a:ext cx="9134754" cy="307777"/>
+              </a:xfrm>
+              <a:prstGeom prst="rect">
+                <a:avLst/>
+              </a:prstGeom>
+              <a:noFill/>
+            </p:spPr>
+            <p:txBody>
+              <a:bodyPr wrap="square" rtlCol="0">
+                <a:spAutoFit/>
+              </a:bodyPr>
+              <a:lstStyle/>
+              <a:p>
+                <a:pPr algn="ctr"/>
+                <a:r>
+                  <a:rPr lang="it-IT" sz="1400" dirty="0">
+                    <a:latin typeface="Arial" panose="020B0604020202020204" pitchFamily="34" charset="0"/>
+                    <a:cs typeface="Arial" panose="020B0604020202020204" pitchFamily="34" charset="0"/>
+                  </a:rPr>
+                  <a:t>In tal caso possiamo costruire un albero </a:t>
+                </a:r>
+                <a14:m>
+                  <m:oMath xmlns:m="http://schemas.openxmlformats.org/officeDocument/2006/math">
+                    <m:r>
+                      <a:rPr lang="it-IT" sz="1400" b="0" i="1" smtClean="0">
+                        <a:latin typeface="Cambria Math" panose="02040503050406030204" pitchFamily="18" charset="0"/>
+                        <a:cs typeface="Arial" panose="020B0604020202020204" pitchFamily="34" charset="0"/>
+                      </a:rPr>
+                      <m:t>𝑇</m:t>
+                    </m:r>
+                  </m:oMath>
+                </a14:m>
+                <a:r>
+                  <a:rPr lang="it-IT" sz="1400" dirty="0">
+                    <a:latin typeface="Arial" panose="020B0604020202020204" pitchFamily="34" charset="0"/>
+                    <a:cs typeface="Arial" panose="020B0604020202020204" pitchFamily="34" charset="0"/>
+                  </a:rPr>
+                  <a:t> che approssimi </a:t>
+                </a:r>
+                <a14:m>
+                  <m:oMath xmlns:m="http://schemas.openxmlformats.org/officeDocument/2006/math">
+                    <m:r>
+                      <a:rPr lang="it-IT" sz="1400" b="0" i="1" smtClean="0">
+                        <a:latin typeface="Cambria Math" panose="02040503050406030204" pitchFamily="18" charset="0"/>
+                        <a:cs typeface="Arial" panose="020B0604020202020204" pitchFamily="34" charset="0"/>
+                      </a:rPr>
+                      <m:t>𝐷</m:t>
+                    </m:r>
+                  </m:oMath>
+                </a14:m>
+                <a:r>
+                  <a:rPr lang="it-IT" sz="1400" dirty="0">
+                    <a:latin typeface="Arial" panose="020B0604020202020204" pitchFamily="34" charset="0"/>
+                    <a:cs typeface="Arial" panose="020B0604020202020204" pitchFamily="34" charset="0"/>
+                  </a:rPr>
+                  <a:t>.</a:t>
+                </a:r>
+              </a:p>
+            </p:txBody>
+          </p:sp>
+        </mc:Choice>
+        <mc:Fallback xmlns="">
+          <p:sp>
+            <p:nvSpPr>
+              <p:cNvPr id="24" name="CasellaDiTesto 23">
+                <a:extLst>
+                  <a:ext uri="{FF2B5EF4-FFF2-40B4-BE49-F238E27FC236}">
+                    <a16:creationId xmlns:a16="http://schemas.microsoft.com/office/drawing/2014/main" id="{AC668A4F-8342-4847-9822-981DC123E2A5}"/>
+                  </a:ext>
+                </a:extLst>
+              </p:cNvPr>
+              <p:cNvSpPr txBox="1">
+                <a:spLocks noRot="1" noChangeAspect="1" noMove="1" noResize="1" noEditPoints="1" noAdjustHandles="1" noChangeArrowheads="1" noChangeShapeType="1" noTextEdit="1"/>
+              </p:cNvSpPr>
+              <p:nvPr/>
+            </p:nvSpPr>
+            <p:spPr>
+              <a:xfrm>
+                <a:off x="-185" y="5371284"/>
+                <a:ext cx="9134754" cy="307777"/>
+              </a:xfrm>
+              <a:prstGeom prst="rect">
+                <a:avLst/>
+              </a:prstGeom>
+              <a:blipFill>
+                <a:blip r:embed="rId8"/>
+                <a:stretch>
+                  <a:fillRect t="-3922" b="-19608"/>
+                </a:stretch>
+              </a:blipFill>
+            </p:spPr>
+            <p:txBody>
+              <a:bodyPr/>
+              <a:lstStyle/>
+              <a:p>
+                <a:r>
+                  <a:rPr lang="it-IT">
+                    <a:noFill/>
+                  </a:rPr>
+                  <a:t> </a:t>
+                </a:r>
+              </a:p>
+            </p:txBody>
+          </p:sp>
+        </mc:Fallback>
+      </mc:AlternateContent>
+      <p:cxnSp>
+        <p:nvCxnSpPr>
+          <p:cNvPr id="8" name="Connettore 2 7">
+            <a:extLst>
+              <a:ext uri="{FF2B5EF4-FFF2-40B4-BE49-F238E27FC236}">
+                <a16:creationId xmlns:a16="http://schemas.microsoft.com/office/drawing/2014/main" id="{F26E53D5-7275-4EA1-8B8C-CBB7ABFC5C54}"/>
+              </a:ext>
+            </a:extLst>
+          </p:cNvPr>
+          <p:cNvCxnSpPr>
+            <a:stCxn id="19" idx="2"/>
+            <a:endCxn id="24" idx="0"/>
+          </p:cNvCxnSpPr>
+          <p:nvPr/>
+        </p:nvCxnSpPr>
+        <p:spPr>
+          <a:xfrm>
+            <a:off x="4567192" y="5098060"/>
+            <a:ext cx="0" cy="273224"/>
+          </a:xfrm>
+          <a:prstGeom prst="straightConnector1">
+            <a:avLst/>
+          </a:prstGeom>
+          <a:ln>
+            <a:tailEnd type="triangle"/>
+          </a:ln>
+        </p:spPr>
+        <p:style>
+          <a:lnRef idx="2">
+            <a:schemeClr val="accent1"/>
+          </a:lnRef>
+          <a:fillRef idx="0">
+            <a:schemeClr val="accent1"/>
+          </a:fillRef>
+          <a:effectRef idx="1">
+            <a:schemeClr val="accent1"/>
+          </a:effectRef>
+          <a:fontRef idx="minor">
+            <a:schemeClr val="tx1"/>
+          </a:fontRef>
+        </p:style>
+      </p:cxnSp>
+      <p:cxnSp>
+        <p:nvCxnSpPr>
+          <p:cNvPr id="13" name="Connettore 2 12">
+            <a:extLst>
+              <a:ext uri="{FF2B5EF4-FFF2-40B4-BE49-F238E27FC236}">
+                <a16:creationId xmlns:a16="http://schemas.microsoft.com/office/drawing/2014/main" id="{22C3A81F-E8D3-45C5-870E-4674BBD0280B}"/>
+              </a:ext>
+            </a:extLst>
+          </p:cNvPr>
+          <p:cNvCxnSpPr>
+            <a:cxnSpLocks/>
+            <a:stCxn id="24" idx="2"/>
+          </p:cNvCxnSpPr>
+          <p:nvPr/>
+        </p:nvCxnSpPr>
+        <p:spPr>
+          <a:xfrm>
+            <a:off x="4567192" y="5679061"/>
+            <a:ext cx="0" cy="358437"/>
           </a:xfrm>
           <a:prstGeom prst="straightConnector1">
             <a:avLst/>
@@ -9920,6 +10511,3930 @@
     <p:extLst>
       <p:ext uri="{BB962C8B-B14F-4D97-AF65-F5344CB8AC3E}">
         <p14:creationId xmlns:p14="http://schemas.microsoft.com/office/powerpoint/2010/main" val="1099141056"/>
+      </p:ext>
+    </p:extLst>
+  </p:cSld>
+  <p:clrMapOvr>
+    <a:masterClrMapping/>
+  </p:clrMapOvr>
+</p:sld>
+</file>
+
+<file path=ppt/slides/slide14.xml><?xml version="1.0" encoding="utf-8"?>
+<p:sld xmlns:a="http://schemas.openxmlformats.org/drawingml/2006/main" xmlns:r="http://schemas.openxmlformats.org/officeDocument/2006/relationships" xmlns:p="http://schemas.openxmlformats.org/presentationml/2006/main">
+  <p:cSld>
+    <p:spTree>
+      <p:nvGrpSpPr>
+        <p:cNvPr id="1" name=""/>
+        <p:cNvGrpSpPr/>
+        <p:nvPr/>
+      </p:nvGrpSpPr>
+      <p:grpSpPr>
+        <a:xfrm>
+          <a:off x="0" y="0"/>
+          <a:ext cx="0" cy="0"/>
+          <a:chOff x="0" y="0"/>
+          <a:chExt cx="0" cy="0"/>
+        </a:xfrm>
+      </p:grpSpPr>
+      <p:pic>
+        <p:nvPicPr>
+          <p:cNvPr id="2" name="Immagine 1"/>
+          <p:cNvPicPr>
+            <a:picLocks noChangeAspect="1"/>
+          </p:cNvPicPr>
+          <p:nvPr/>
+        </p:nvPicPr>
+        <p:blipFill>
+          <a:blip r:embed="rId7"/>
+          <a:stretch>
+            <a:fillRect/>
+          </a:stretch>
+        </p:blipFill>
+        <p:spPr>
+          <a:xfrm>
+            <a:off x="-1" y="3123"/>
+            <a:ext cx="9143817" cy="6872495"/>
+          </a:xfrm>
+          <a:prstGeom prst="rect">
+            <a:avLst/>
+          </a:prstGeom>
+        </p:spPr>
+      </p:pic>
+      <p:sp>
+        <p:nvSpPr>
+          <p:cNvPr id="7" name="CasellaDiTesto 6"/>
+          <p:cNvSpPr txBox="1"/>
+          <p:nvPr/>
+        </p:nvSpPr>
+        <p:spPr>
+          <a:xfrm>
+            <a:off x="9061" y="649703"/>
+            <a:ext cx="2764619" cy="461665"/>
+          </a:xfrm>
+          <a:prstGeom prst="rect">
+            <a:avLst/>
+          </a:prstGeom>
+          <a:noFill/>
+        </p:spPr>
+        <p:txBody>
+          <a:bodyPr wrap="square" rtlCol="0">
+            <a:spAutoFit/>
+          </a:bodyPr>
+          <a:lstStyle/>
+          <a:p>
+            <a:r>
+              <a:rPr lang="it-IT" sz="2400" b="1" dirty="0">
+                <a:solidFill>
+                  <a:schemeClr val="accent1">
+                    <a:lumMod val="75000"/>
+                  </a:schemeClr>
+                </a:solidFill>
+                <a:latin typeface="Arial"/>
+                <a:cs typeface="Arial"/>
+              </a:rPr>
+              <a:t>Neighbor-Joining</a:t>
+            </a:r>
+          </a:p>
+        </p:txBody>
+      </p:sp>
+      <p:sp>
+        <p:nvSpPr>
+          <p:cNvPr id="12" name="Rettangolo 11"/>
+          <p:cNvSpPr/>
+          <p:nvPr/>
+        </p:nvSpPr>
+        <p:spPr>
+          <a:xfrm>
+            <a:off x="8255000" y="6366466"/>
+            <a:ext cx="280763" cy="501650"/>
+          </a:xfrm>
+          <a:prstGeom prst="rect">
+            <a:avLst/>
+          </a:prstGeom>
+          <a:solidFill>
+            <a:srgbClr val="003053"/>
+          </a:solidFill>
+        </p:spPr>
+        <p:style>
+          <a:lnRef idx="1">
+            <a:schemeClr val="accent1"/>
+          </a:lnRef>
+          <a:fillRef idx="3">
+            <a:schemeClr val="accent1"/>
+          </a:fillRef>
+          <a:effectRef idx="2">
+            <a:schemeClr val="accent1"/>
+          </a:effectRef>
+          <a:fontRef idx="minor">
+            <a:schemeClr val="lt1"/>
+          </a:fontRef>
+        </p:style>
+        <p:txBody>
+          <a:bodyPr rtlCol="0" anchor="ctr"/>
+          <a:lstStyle/>
+          <a:p>
+            <a:pPr algn="ctr"/>
+            <a:endParaRPr lang="it-IT">
+              <a:solidFill>
+                <a:srgbClr val="003257"/>
+              </a:solidFill>
+            </a:endParaRPr>
+          </a:p>
+        </p:txBody>
+      </p:sp>
+      <p:sp>
+        <p:nvSpPr>
+          <p:cNvPr id="11" name="Segnaposto numero diapositiva 10"/>
+          <p:cNvSpPr>
+            <a:spLocks noGrp="1"/>
+          </p:cNvSpPr>
+          <p:nvPr>
+            <p:ph type="sldNum" sz="quarter" idx="12"/>
+          </p:nvPr>
+        </p:nvSpPr>
+        <p:spPr>
+          <a:xfrm>
+            <a:off x="6402163" y="6356350"/>
+            <a:ext cx="2133600" cy="365125"/>
+          </a:xfrm>
+        </p:spPr>
+        <p:txBody>
+          <a:bodyPr/>
+          <a:lstStyle/>
+          <a:p>
+            <a:fld id="{8EB8520A-26EA-DE4B-B141-4532FC98FF0E}" type="slidenum">
+              <a:rPr lang="it-IT" b="1" smtClean="0">
+                <a:solidFill>
+                  <a:schemeClr val="bg1"/>
+                </a:solidFill>
+                <a:latin typeface="Arial"/>
+                <a:cs typeface="Arial"/>
+              </a:rPr>
+              <a:pPr/>
+              <a:t>14</a:t>
+            </a:fld>
+            <a:endParaRPr lang="it-IT" b="1" dirty="0">
+              <a:solidFill>
+                <a:schemeClr val="bg1"/>
+              </a:solidFill>
+              <a:latin typeface="Arial"/>
+              <a:cs typeface="Arial"/>
+            </a:endParaRPr>
+          </a:p>
+        </p:txBody>
+      </p:sp>
+      <p:sp>
+        <p:nvSpPr>
+          <p:cNvPr id="10" name="CasellaDiTesto 9"/>
+          <p:cNvSpPr txBox="1"/>
+          <p:nvPr/>
+        </p:nvSpPr>
+        <p:spPr>
+          <a:xfrm>
+            <a:off x="5735951" y="51433"/>
+            <a:ext cx="2957862" cy="215444"/>
+          </a:xfrm>
+          <a:prstGeom prst="rect">
+            <a:avLst/>
+          </a:prstGeom>
+          <a:noFill/>
+        </p:spPr>
+        <p:txBody>
+          <a:bodyPr wrap="none" rtlCol="0">
+            <a:spAutoFit/>
+          </a:bodyPr>
+          <a:lstStyle/>
+          <a:p>
+            <a:pPr algn="r"/>
+            <a:r>
+              <a:rPr lang="it-IT" sz="800" b="1" dirty="0">
+                <a:solidFill>
+                  <a:schemeClr val="bg1"/>
+                </a:solidFill>
+                <a:latin typeface="Arial"/>
+                <a:cs typeface="Arial"/>
+              </a:rPr>
+              <a:t>Applicazioni dell’algoritmica alla biologia: alberi evolutivi</a:t>
+            </a:r>
+          </a:p>
+        </p:txBody>
+      </p:sp>
+      <p:sp>
+        <p:nvSpPr>
+          <p:cNvPr id="14" name="CasellaDiTesto 13"/>
+          <p:cNvSpPr txBox="1"/>
+          <p:nvPr/>
+        </p:nvSpPr>
+        <p:spPr>
+          <a:xfrm>
+            <a:off x="7082015" y="403482"/>
+            <a:ext cx="1621846" cy="492443"/>
+          </a:xfrm>
+          <a:prstGeom prst="rect">
+            <a:avLst/>
+          </a:prstGeom>
+          <a:noFill/>
+        </p:spPr>
+        <p:txBody>
+          <a:bodyPr wrap="none" rtlCol="0">
+            <a:spAutoFit/>
+          </a:bodyPr>
+          <a:lstStyle/>
+          <a:p>
+            <a:pPr algn="r"/>
+            <a:r>
+              <a:rPr lang="it-IT" sz="800" dirty="0">
+                <a:solidFill>
+                  <a:schemeClr val="bg1"/>
+                </a:solidFill>
+                <a:latin typeface="Arial"/>
+                <a:cs typeface="Arial"/>
+              </a:rPr>
+              <a:t>Firenze, 12 luglio 2019</a:t>
+            </a:r>
+          </a:p>
+          <a:p>
+            <a:endParaRPr lang="it-IT" dirty="0"/>
+          </a:p>
+        </p:txBody>
+      </p:sp>
+      <p:sp>
+        <p:nvSpPr>
+          <p:cNvPr id="53" name="CasellaDiTesto 52">
+            <a:extLst>
+              <a:ext uri="{FF2B5EF4-FFF2-40B4-BE49-F238E27FC236}">
+                <a16:creationId xmlns:a16="http://schemas.microsoft.com/office/drawing/2014/main" id="{C4172192-17B0-4035-AFD1-CBC8BDE7E4CD}"/>
+              </a:ext>
+            </a:extLst>
+          </p:cNvPr>
+          <p:cNvSpPr txBox="1"/>
+          <p:nvPr/>
+        </p:nvSpPr>
+        <p:spPr>
+          <a:xfrm>
+            <a:off x="9062" y="1077183"/>
+            <a:ext cx="1078058" cy="369332"/>
+          </a:xfrm>
+          <a:prstGeom prst="rect">
+            <a:avLst/>
+          </a:prstGeom>
+          <a:noFill/>
+        </p:spPr>
+        <p:txBody>
+          <a:bodyPr wrap="square" rtlCol="0">
+            <a:spAutoFit/>
+          </a:bodyPr>
+          <a:lstStyle/>
+          <a:p>
+            <a:r>
+              <a:rPr lang="it-IT" i="1" dirty="0">
+                <a:latin typeface="Arial"/>
+                <a:cs typeface="Arial"/>
+              </a:rPr>
+              <a:t>Parte 1</a:t>
+            </a:r>
+          </a:p>
+        </p:txBody>
+      </p:sp>
+      <p:sp>
+        <p:nvSpPr>
+          <p:cNvPr id="20" name="CasellaDiTesto 19">
+            <a:extLst>
+              <a:ext uri="{FF2B5EF4-FFF2-40B4-BE49-F238E27FC236}">
+                <a16:creationId xmlns:a16="http://schemas.microsoft.com/office/drawing/2014/main" id="{2ADDC409-2037-4C63-98EB-84943F468B73}"/>
+              </a:ext>
+            </a:extLst>
+          </p:cNvPr>
+          <p:cNvSpPr txBox="1"/>
+          <p:nvPr/>
+        </p:nvSpPr>
+        <p:spPr>
+          <a:xfrm>
+            <a:off x="-13501" y="2066724"/>
+            <a:ext cx="1512101" cy="523220"/>
+          </a:xfrm>
+          <a:prstGeom prst="rect">
+            <a:avLst/>
+          </a:prstGeom>
+          <a:noFill/>
+        </p:spPr>
+        <p:txBody>
+          <a:bodyPr wrap="square" rtlCol="0">
+            <a:spAutoFit/>
+          </a:bodyPr>
+          <a:lstStyle/>
+          <a:p>
+            <a:r>
+              <a:rPr lang="it-IT" sz="1400" dirty="0">
+                <a:latin typeface="Arial" panose="020B0604020202020204" pitchFamily="34" charset="0"/>
+                <a:cs typeface="Arial" panose="020B0604020202020204" pitchFamily="34" charset="0"/>
+              </a:rPr>
+              <a:t>Matrice non additiva in input</a:t>
+            </a:r>
+          </a:p>
+        </p:txBody>
+      </p:sp>
+      <p:pic>
+        <p:nvPicPr>
+          <p:cNvPr id="3" name="Immagine 2">
+            <a:extLst>
+              <a:ext uri="{FF2B5EF4-FFF2-40B4-BE49-F238E27FC236}">
+                <a16:creationId xmlns:a16="http://schemas.microsoft.com/office/drawing/2014/main" id="{5DA71EFF-CC4F-404C-AACB-9296A5B242DD}"/>
+              </a:ext>
+            </a:extLst>
+          </p:cNvPr>
+          <p:cNvPicPr>
+            <a:picLocks noChangeAspect="1"/>
+          </p:cNvPicPr>
+          <p:nvPr/>
+        </p:nvPicPr>
+        <p:blipFill>
+          <a:blip r:embed="rId8"/>
+          <a:stretch>
+            <a:fillRect/>
+          </a:stretch>
+        </p:blipFill>
+        <p:spPr>
+          <a:xfrm>
+            <a:off x="2045902" y="1444097"/>
+            <a:ext cx="2906159" cy="1485370"/>
+          </a:xfrm>
+          <a:prstGeom prst="rect">
+            <a:avLst/>
+          </a:prstGeom>
+        </p:spPr>
+      </p:pic>
+      <p:cxnSp>
+        <p:nvCxnSpPr>
+          <p:cNvPr id="8" name="Connettore 2 7">
+            <a:extLst>
+              <a:ext uri="{FF2B5EF4-FFF2-40B4-BE49-F238E27FC236}">
+                <a16:creationId xmlns:a16="http://schemas.microsoft.com/office/drawing/2014/main" id="{7DCEBC03-7416-4B9F-B434-F48AC91C54DD}"/>
+              </a:ext>
+            </a:extLst>
+          </p:cNvPr>
+          <p:cNvCxnSpPr>
+            <a:cxnSpLocks/>
+          </p:cNvCxnSpPr>
+          <p:nvPr/>
+        </p:nvCxnSpPr>
+        <p:spPr>
+          <a:xfrm>
+            <a:off x="1530951" y="2328334"/>
+            <a:ext cx="450249" cy="0"/>
+          </a:xfrm>
+          <a:prstGeom prst="straightConnector1">
+            <a:avLst/>
+          </a:prstGeom>
+          <a:ln>
+            <a:tailEnd type="triangle"/>
+          </a:ln>
+        </p:spPr>
+        <p:style>
+          <a:lnRef idx="2">
+            <a:schemeClr val="accent1"/>
+          </a:lnRef>
+          <a:fillRef idx="0">
+            <a:schemeClr val="accent1"/>
+          </a:fillRef>
+          <a:effectRef idx="1">
+            <a:schemeClr val="accent1"/>
+          </a:effectRef>
+          <a:fontRef idx="minor">
+            <a:schemeClr val="tx1"/>
+          </a:fontRef>
+        </p:style>
+      </p:cxnSp>
+      <mc:AlternateContent xmlns:mc="http://schemas.openxmlformats.org/markup-compatibility/2006" xmlns:a14="http://schemas.microsoft.com/office/drawing/2010/main">
+        <mc:Choice Requires="a14">
+          <p:sp>
+            <p:nvSpPr>
+              <p:cNvPr id="30" name="CasellaDiTesto 29">
+                <a:extLst>
+                  <a:ext uri="{FF2B5EF4-FFF2-40B4-BE49-F238E27FC236}">
+                    <a16:creationId xmlns:a16="http://schemas.microsoft.com/office/drawing/2014/main" id="{869ECD59-B583-4204-A1BF-CAF8FB073365}"/>
+                  </a:ext>
+                </a:extLst>
+              </p:cNvPr>
+              <p:cNvSpPr txBox="1"/>
+              <p:nvPr/>
+            </p:nvSpPr>
+            <p:spPr>
+              <a:xfrm>
+                <a:off x="5910843" y="2066724"/>
+                <a:ext cx="3232973" cy="523220"/>
+              </a:xfrm>
+              <a:prstGeom prst="rect">
+                <a:avLst/>
+              </a:prstGeom>
+              <a:noFill/>
+            </p:spPr>
+            <p:txBody>
+              <a:bodyPr wrap="square" rtlCol="0">
+                <a:spAutoFit/>
+              </a:bodyPr>
+              <a:lstStyle/>
+              <a:p>
+                <a:r>
+                  <a:rPr lang="it-IT" sz="1400" b="1" dirty="0">
+                    <a:latin typeface="Arial" panose="020B0604020202020204" pitchFamily="34" charset="0"/>
+                    <a:cs typeface="Arial" panose="020B0604020202020204" pitchFamily="34" charset="0"/>
+                  </a:rPr>
+                  <a:t>Obiettivo</a:t>
+                </a:r>
+                <a:r>
+                  <a:rPr lang="it-IT" sz="1400" dirty="0">
+                    <a:latin typeface="Arial" panose="020B0604020202020204" pitchFamily="34" charset="0"/>
+                    <a:cs typeface="Arial" panose="020B0604020202020204" pitchFamily="34" charset="0"/>
+                  </a:rPr>
+                  <a:t>: costruire </a:t>
+                </a:r>
+                <a14:m>
+                  <m:oMath xmlns:m="http://schemas.openxmlformats.org/officeDocument/2006/math">
+                    <m:r>
+                      <a:rPr lang="it-IT" sz="1400" b="0" i="1" smtClean="0">
+                        <a:latin typeface="Cambria Math" panose="02040503050406030204" pitchFamily="18" charset="0"/>
+                        <a:cs typeface="Arial" panose="020B0604020202020204" pitchFamily="34" charset="0"/>
+                      </a:rPr>
+                      <m:t>𝑇</m:t>
+                    </m:r>
+                  </m:oMath>
+                </a14:m>
+                <a:r>
+                  <a:rPr lang="it-IT" sz="1400" dirty="0">
+                    <a:latin typeface="Arial" panose="020B0604020202020204" pitchFamily="34" charset="0"/>
+                    <a:cs typeface="Arial" panose="020B0604020202020204" pitchFamily="34" charset="0"/>
+                  </a:rPr>
+                  <a:t> che approssimi al meglio le distanze tra le foglie in </a:t>
+                </a:r>
+                <a14:m>
+                  <m:oMath xmlns:m="http://schemas.openxmlformats.org/officeDocument/2006/math">
+                    <m:r>
+                      <a:rPr lang="it-IT" sz="1400" b="0" i="1" smtClean="0">
+                        <a:latin typeface="Cambria Math" panose="02040503050406030204" pitchFamily="18" charset="0"/>
+                        <a:cs typeface="Arial" panose="020B0604020202020204" pitchFamily="34" charset="0"/>
+                      </a:rPr>
+                      <m:t>𝐷</m:t>
+                    </m:r>
+                  </m:oMath>
+                </a14:m>
+                <a:r>
+                  <a:rPr lang="it-IT" sz="1400" dirty="0">
+                    <a:latin typeface="Arial" panose="020B0604020202020204" pitchFamily="34" charset="0"/>
+                    <a:cs typeface="Arial" panose="020B0604020202020204" pitchFamily="34" charset="0"/>
+                  </a:rPr>
+                  <a:t>.</a:t>
+                </a:r>
+              </a:p>
+            </p:txBody>
+          </p:sp>
+        </mc:Choice>
+        <mc:Fallback xmlns="">
+          <p:sp>
+            <p:nvSpPr>
+              <p:cNvPr id="30" name="CasellaDiTesto 29">
+                <a:extLst>
+                  <a:ext uri="{FF2B5EF4-FFF2-40B4-BE49-F238E27FC236}">
+                    <a16:creationId xmlns:a16="http://schemas.microsoft.com/office/drawing/2014/main" id="{869ECD59-B583-4204-A1BF-CAF8FB073365}"/>
+                  </a:ext>
+                </a:extLst>
+              </p:cNvPr>
+              <p:cNvSpPr txBox="1">
+                <a:spLocks noRot="1" noChangeAspect="1" noMove="1" noResize="1" noEditPoints="1" noAdjustHandles="1" noChangeArrowheads="1" noChangeShapeType="1" noTextEdit="1"/>
+              </p:cNvSpPr>
+              <p:nvPr/>
+            </p:nvSpPr>
+            <p:spPr>
+              <a:xfrm>
+                <a:off x="5910843" y="2066724"/>
+                <a:ext cx="3232973" cy="523220"/>
+              </a:xfrm>
+              <a:prstGeom prst="rect">
+                <a:avLst/>
+              </a:prstGeom>
+              <a:blipFill>
+                <a:blip r:embed="rId9"/>
+                <a:stretch>
+                  <a:fillRect l="-566" t="-2326" b="-11628"/>
+                </a:stretch>
+              </a:blipFill>
+            </p:spPr>
+            <p:txBody>
+              <a:bodyPr/>
+              <a:lstStyle/>
+              <a:p>
+                <a:r>
+                  <a:rPr lang="it-IT">
+                    <a:noFill/>
+                  </a:rPr>
+                  <a:t> </a:t>
+                </a:r>
+              </a:p>
+            </p:txBody>
+          </p:sp>
+        </mc:Fallback>
+      </mc:AlternateContent>
+      <p:cxnSp>
+        <p:nvCxnSpPr>
+          <p:cNvPr id="17" name="Connettore 2 16">
+            <a:extLst>
+              <a:ext uri="{FF2B5EF4-FFF2-40B4-BE49-F238E27FC236}">
+                <a16:creationId xmlns:a16="http://schemas.microsoft.com/office/drawing/2014/main" id="{E97B6F3D-C13B-4402-ACF3-FD9146B6E8F8}"/>
+              </a:ext>
+            </a:extLst>
+          </p:cNvPr>
+          <p:cNvCxnSpPr/>
+          <p:nvPr/>
+        </p:nvCxnSpPr>
+        <p:spPr>
+          <a:xfrm>
+            <a:off x="4952061" y="2328334"/>
+            <a:ext cx="847606" cy="0"/>
+          </a:xfrm>
+          <a:prstGeom prst="straightConnector1">
+            <a:avLst/>
+          </a:prstGeom>
+          <a:ln>
+            <a:tailEnd type="triangle"/>
+          </a:ln>
+        </p:spPr>
+        <p:style>
+          <a:lnRef idx="2">
+            <a:schemeClr val="accent1"/>
+          </a:lnRef>
+          <a:fillRef idx="0">
+            <a:schemeClr val="accent1"/>
+          </a:fillRef>
+          <a:effectRef idx="1">
+            <a:schemeClr val="accent1"/>
+          </a:effectRef>
+          <a:fontRef idx="minor">
+            <a:schemeClr val="tx1"/>
+          </a:fontRef>
+        </p:style>
+      </p:cxnSp>
+      <mc:AlternateContent xmlns:mc="http://schemas.openxmlformats.org/markup-compatibility/2006">
+        <mc:Choice xmlns:a14="http://schemas.microsoft.com/office/drawing/2010/main" Requires="a14">
+          <p:sp>
+            <p:nvSpPr>
+              <p:cNvPr id="15" name="CasellaDiTesto 14">
+                <a:extLst>
+                  <a:ext uri="{FF2B5EF4-FFF2-40B4-BE49-F238E27FC236}">
+                    <a16:creationId xmlns:a16="http://schemas.microsoft.com/office/drawing/2014/main" id="{6F6FE5D5-F472-4E7C-A8EF-040B926745E5}"/>
+                  </a:ext>
+                </a:extLst>
+              </p:cNvPr>
+              <p:cNvSpPr txBox="1"/>
+              <p:nvPr/>
+            </p:nvSpPr>
+            <p:spPr>
+              <a:xfrm>
+                <a:off x="9061" y="3022080"/>
+                <a:ext cx="9134939" cy="307777"/>
+              </a:xfrm>
+              <a:prstGeom prst="rect">
+                <a:avLst/>
+              </a:prstGeom>
+              <a:noFill/>
+            </p:spPr>
+            <p:txBody>
+              <a:bodyPr wrap="square" rtlCol="0">
+                <a:spAutoFit/>
+              </a:bodyPr>
+              <a:lstStyle/>
+              <a:p>
+                <a:pPr marL="342900" indent="-342900">
+                  <a:buFont typeface="+mj-lt"/>
+                  <a:buAutoNum type="arabicPeriod"/>
+                </a:pPr>
+                <a:r>
+                  <a:rPr lang="it-IT" sz="1400" dirty="0">
+                    <a:latin typeface="Arial" panose="020B0604020202020204" pitchFamily="34" charset="0"/>
+                    <a:cs typeface="Arial" panose="020B0604020202020204" pitchFamily="34" charset="0"/>
+                  </a:rPr>
+                  <a:t>Costruisci la matrice        </a:t>
+                </a:r>
+                <a:r>
+                  <a:rPr lang="it-IT" sz="1400" dirty="0">
+                    <a:latin typeface="Arial" panose="020B0604020202020204" pitchFamily="34" charset="0"/>
+                    <a:cs typeface="Arial" panose="020B0604020202020204" pitchFamily="34" charset="0"/>
+                    <a:sym typeface="Wingdings" panose="05000000000000000000" pitchFamily="2" charset="2"/>
+                  </a:rPr>
+                  <a:t> Data in input </a:t>
+                </a:r>
+                <a14:m>
+                  <m:oMath xmlns:m="http://schemas.openxmlformats.org/officeDocument/2006/math">
+                    <m:r>
+                      <a:rPr lang="it-IT" sz="1400" b="0" i="1" smtClean="0">
+                        <a:latin typeface="Cambria Math" panose="02040503050406030204" pitchFamily="18" charset="0"/>
+                        <a:cs typeface="Arial" panose="020B0604020202020204" pitchFamily="34" charset="0"/>
+                        <a:sym typeface="Wingdings" panose="05000000000000000000" pitchFamily="2" charset="2"/>
+                      </a:rPr>
+                      <m:t>𝐷</m:t>
+                    </m:r>
+                  </m:oMath>
+                </a14:m>
+                <a:r>
+                  <a:rPr lang="it-IT" sz="1400" dirty="0">
+                    <a:latin typeface="Arial" panose="020B0604020202020204" pitchFamily="34" charset="0"/>
+                    <a:cs typeface="Arial" panose="020B0604020202020204" pitchFamily="34" charset="0"/>
+                  </a:rPr>
+                  <a:t> si definisce        la seguente matrice:</a:t>
+                </a:r>
+              </a:p>
+            </p:txBody>
+          </p:sp>
+        </mc:Choice>
+        <mc:Fallback>
+          <p:sp>
+            <p:nvSpPr>
+              <p:cNvPr id="15" name="CasellaDiTesto 14">
+                <a:extLst>
+                  <a:ext uri="{FF2B5EF4-FFF2-40B4-BE49-F238E27FC236}">
+                    <a16:creationId xmlns:a16="http://schemas.microsoft.com/office/drawing/2014/main" id="{6F6FE5D5-F472-4E7C-A8EF-040B926745E5}"/>
+                  </a:ext>
+                </a:extLst>
+              </p:cNvPr>
+              <p:cNvSpPr txBox="1">
+                <a:spLocks noRot="1" noChangeAspect="1" noMove="1" noResize="1" noEditPoints="1" noAdjustHandles="1" noChangeArrowheads="1" noChangeShapeType="1" noTextEdit="1"/>
+              </p:cNvSpPr>
+              <p:nvPr/>
+            </p:nvSpPr>
+            <p:spPr>
+              <a:xfrm>
+                <a:off x="9061" y="3022080"/>
+                <a:ext cx="9134939" cy="307777"/>
+              </a:xfrm>
+              <a:prstGeom prst="rect">
+                <a:avLst/>
+              </a:prstGeom>
+              <a:blipFill>
+                <a:blip r:embed="rId10"/>
+                <a:stretch>
+                  <a:fillRect l="-67" t="-4000" b="-20000"/>
+                </a:stretch>
+              </a:blipFill>
+            </p:spPr>
+            <p:txBody>
+              <a:bodyPr/>
+              <a:lstStyle/>
+              <a:p>
+                <a:r>
+                  <a:rPr lang="it-IT">
+                    <a:noFill/>
+                  </a:rPr>
+                  <a:t> </a:t>
+                </a:r>
+              </a:p>
+            </p:txBody>
+          </p:sp>
+        </mc:Fallback>
+      </mc:AlternateContent>
+      <p:pic>
+        <p:nvPicPr>
+          <p:cNvPr id="5" name="Immagine 4">
+            <a:extLst>
+              <a:ext uri="{FF2B5EF4-FFF2-40B4-BE49-F238E27FC236}">
+                <a16:creationId xmlns:a16="http://schemas.microsoft.com/office/drawing/2014/main" id="{0634422C-9AD4-4582-A364-F56E6B0893ED}"/>
+              </a:ext>
+            </a:extLst>
+          </p:cNvPr>
+          <p:cNvPicPr>
+            <a:picLocks noChangeAspect="1"/>
+          </p:cNvPicPr>
+          <p:nvPr>
+            <p:custDataLst>
+              <p:tags r:id="rId1"/>
+            </p:custDataLst>
+          </p:nvPr>
+        </p:nvPicPr>
+        <p:blipFill>
+          <a:blip r:embed="rId11"/>
+          <a:stretch>
+            <a:fillRect/>
+          </a:stretch>
+        </p:blipFill>
+        <p:spPr>
+          <a:xfrm>
+            <a:off x="2096702" y="3085616"/>
+            <a:ext cx="284479" cy="166420"/>
+          </a:xfrm>
+          <a:prstGeom prst="rect">
+            <a:avLst/>
+          </a:prstGeom>
+        </p:spPr>
+      </p:pic>
+      <p:pic>
+        <p:nvPicPr>
+          <p:cNvPr id="18" name="Immagine 17">
+            <a:extLst>
+              <a:ext uri="{FF2B5EF4-FFF2-40B4-BE49-F238E27FC236}">
+                <a16:creationId xmlns:a16="http://schemas.microsoft.com/office/drawing/2014/main" id="{923EAE2F-F50B-40AC-8950-CEC30024AB11}"/>
+              </a:ext>
+            </a:extLst>
+          </p:cNvPr>
+          <p:cNvPicPr>
+            <a:picLocks noChangeAspect="1"/>
+          </p:cNvPicPr>
+          <p:nvPr>
+            <p:custDataLst>
+              <p:tags r:id="rId2"/>
+            </p:custDataLst>
+          </p:nvPr>
+        </p:nvPicPr>
+        <p:blipFill>
+          <a:blip r:embed="rId11"/>
+          <a:stretch>
+            <a:fillRect/>
+          </a:stretch>
+        </p:blipFill>
+        <p:spPr>
+          <a:xfrm>
+            <a:off x="4809821" y="3085616"/>
+            <a:ext cx="284479" cy="166420"/>
+          </a:xfrm>
+          <a:prstGeom prst="rect">
+            <a:avLst/>
+          </a:prstGeom>
+        </p:spPr>
+      </p:pic>
+      <p:pic>
+        <p:nvPicPr>
+          <p:cNvPr id="9" name="Immagine 8">
+            <a:extLst>
+              <a:ext uri="{FF2B5EF4-FFF2-40B4-BE49-F238E27FC236}">
+                <a16:creationId xmlns:a16="http://schemas.microsoft.com/office/drawing/2014/main" id="{B880DC5D-46BA-48E8-A222-FEC04A2BBBA7}"/>
+              </a:ext>
+            </a:extLst>
+          </p:cNvPr>
+          <p:cNvPicPr>
+            <a:picLocks noChangeAspect="1"/>
+          </p:cNvPicPr>
+          <p:nvPr>
+            <p:custDataLst>
+              <p:tags r:id="rId3"/>
+            </p:custDataLst>
+          </p:nvPr>
+        </p:nvPicPr>
+        <p:blipFill>
+          <a:blip r:embed="rId12"/>
+          <a:stretch>
+            <a:fillRect/>
+          </a:stretch>
+        </p:blipFill>
+        <p:spPr>
+          <a:xfrm>
+            <a:off x="957431" y="3354285"/>
+            <a:ext cx="7228952" cy="699429"/>
+          </a:xfrm>
+          <a:prstGeom prst="rect">
+            <a:avLst/>
+          </a:prstGeom>
+        </p:spPr>
+      </p:pic>
+      <p:pic>
+        <p:nvPicPr>
+          <p:cNvPr id="13" name="Immagine 12">
+            <a:extLst>
+              <a:ext uri="{FF2B5EF4-FFF2-40B4-BE49-F238E27FC236}">
+                <a16:creationId xmlns:a16="http://schemas.microsoft.com/office/drawing/2014/main" id="{62C00EE1-0A57-49C5-8A7F-D78AB9FCE7AA}"/>
+              </a:ext>
+            </a:extLst>
+          </p:cNvPr>
+          <p:cNvPicPr>
+            <a:picLocks noChangeAspect="1"/>
+          </p:cNvPicPr>
+          <p:nvPr/>
+        </p:nvPicPr>
+        <p:blipFill>
+          <a:blip r:embed="rId13"/>
+          <a:stretch>
+            <a:fillRect/>
+          </a:stretch>
+        </p:blipFill>
+        <p:spPr>
+          <a:xfrm>
+            <a:off x="1981200" y="4416321"/>
+            <a:ext cx="4412207" cy="1577422"/>
+          </a:xfrm>
+          <a:prstGeom prst="rect">
+            <a:avLst/>
+          </a:prstGeom>
+        </p:spPr>
+      </p:pic>
+      <p:cxnSp>
+        <p:nvCxnSpPr>
+          <p:cNvPr id="19" name="Connettore 2 18">
+            <a:extLst>
+              <a:ext uri="{FF2B5EF4-FFF2-40B4-BE49-F238E27FC236}">
+                <a16:creationId xmlns:a16="http://schemas.microsoft.com/office/drawing/2014/main" id="{64B58D50-B8DA-4FE0-8CF9-BD9B7441ACD7}"/>
+              </a:ext>
+            </a:extLst>
+          </p:cNvPr>
+          <p:cNvCxnSpPr/>
+          <p:nvPr/>
+        </p:nvCxnSpPr>
+        <p:spPr>
+          <a:xfrm>
+            <a:off x="4571907" y="4053714"/>
+            <a:ext cx="0" cy="316727"/>
+          </a:xfrm>
+          <a:prstGeom prst="straightConnector1">
+            <a:avLst/>
+          </a:prstGeom>
+          <a:ln>
+            <a:tailEnd type="triangle"/>
+          </a:ln>
+        </p:spPr>
+        <p:style>
+          <a:lnRef idx="2">
+            <a:schemeClr val="accent1"/>
+          </a:lnRef>
+          <a:fillRef idx="0">
+            <a:schemeClr val="accent1"/>
+          </a:fillRef>
+          <a:effectRef idx="1">
+            <a:schemeClr val="accent1"/>
+          </a:effectRef>
+          <a:fontRef idx="minor">
+            <a:schemeClr val="tx1"/>
+          </a:fontRef>
+        </p:style>
+      </p:cxnSp>
+      <mc:AlternateContent xmlns:mc="http://schemas.openxmlformats.org/markup-compatibility/2006">
+        <mc:Choice xmlns:a14="http://schemas.microsoft.com/office/drawing/2010/main" Requires="a14">
+          <p:sp>
+            <p:nvSpPr>
+              <p:cNvPr id="23" name="CasellaDiTesto 22">
+                <a:extLst>
+                  <a:ext uri="{FF2B5EF4-FFF2-40B4-BE49-F238E27FC236}">
+                    <a16:creationId xmlns:a16="http://schemas.microsoft.com/office/drawing/2014/main" id="{9BC54FFF-C794-4C6F-AFA3-0FE8BD4DC3DA}"/>
+                  </a:ext>
+                </a:extLst>
+              </p:cNvPr>
+              <p:cNvSpPr txBox="1"/>
+              <p:nvPr/>
+            </p:nvSpPr>
+            <p:spPr>
+              <a:xfrm>
+                <a:off x="1373339" y="6357448"/>
+                <a:ext cx="6881661" cy="307777"/>
+              </a:xfrm>
+              <a:prstGeom prst="rect">
+                <a:avLst/>
+              </a:prstGeom>
+              <a:noFill/>
+            </p:spPr>
+            <p:txBody>
+              <a:bodyPr wrap="square" rtlCol="0">
+                <a:spAutoFit/>
+              </a:bodyPr>
+              <a:lstStyle/>
+              <a:p>
+                <a:r>
+                  <a:rPr lang="it-IT" sz="1400" dirty="0">
+                    <a:latin typeface="Arial" panose="020B0604020202020204" pitchFamily="34" charset="0"/>
+                    <a:cs typeface="Arial" panose="020B0604020202020204" pitchFamily="34" charset="0"/>
+                  </a:rPr>
+                  <a:t>L’elemento più </a:t>
+                </a:r>
+                <a:r>
+                  <a:rPr lang="it-IT" sz="1400" b="1" dirty="0">
+                    <a:latin typeface="Arial" panose="020B0604020202020204" pitchFamily="34" charset="0"/>
+                    <a:cs typeface="Arial" panose="020B0604020202020204" pitchFamily="34" charset="0"/>
+                  </a:rPr>
+                  <a:t>piccolo</a:t>
+                </a:r>
+                <a:r>
+                  <a:rPr lang="it-IT" sz="1400" dirty="0">
+                    <a:latin typeface="Arial" panose="020B0604020202020204" pitchFamily="34" charset="0"/>
+                    <a:cs typeface="Arial" panose="020B0604020202020204" pitchFamily="34" charset="0"/>
+                  </a:rPr>
+                  <a:t> in       corrisponde ad una </a:t>
+                </a:r>
+                <a:r>
+                  <a:rPr lang="it-IT" sz="1400" b="1" dirty="0">
+                    <a:latin typeface="Arial" panose="020B0604020202020204" pitchFamily="34" charset="0"/>
+                    <a:cs typeface="Arial" panose="020B0604020202020204" pitchFamily="34" charset="0"/>
+                  </a:rPr>
+                  <a:t>coppia di foglie </a:t>
+                </a:r>
+                <a:r>
+                  <a:rPr lang="it-IT" sz="1400" dirty="0">
+                    <a:latin typeface="Arial" panose="020B0604020202020204" pitchFamily="34" charset="0"/>
+                    <a:cs typeface="Arial" panose="020B0604020202020204" pitchFamily="34" charset="0"/>
+                  </a:rPr>
+                  <a:t>nell’albero </a:t>
+                </a:r>
+                <a14:m>
+                  <m:oMath xmlns:m="http://schemas.openxmlformats.org/officeDocument/2006/math">
+                    <m:r>
+                      <a:rPr lang="it-IT" sz="1400" b="0" i="1" smtClean="0">
+                        <a:latin typeface="Cambria Math" panose="02040503050406030204" pitchFamily="18" charset="0"/>
+                        <a:cs typeface="Arial" panose="020B0604020202020204" pitchFamily="34" charset="0"/>
+                      </a:rPr>
+                      <m:t>𝑇</m:t>
+                    </m:r>
+                  </m:oMath>
+                </a14:m>
+                <a:r>
+                  <a:rPr lang="it-IT" sz="1400" dirty="0">
+                    <a:latin typeface="Arial" panose="020B0604020202020204" pitchFamily="34" charset="0"/>
+                    <a:cs typeface="Arial" panose="020B0604020202020204" pitchFamily="34" charset="0"/>
+                  </a:rPr>
+                  <a:t>.</a:t>
+                </a:r>
+              </a:p>
+            </p:txBody>
+          </p:sp>
+        </mc:Choice>
+        <mc:Fallback>
+          <p:sp>
+            <p:nvSpPr>
+              <p:cNvPr id="23" name="CasellaDiTesto 22">
+                <a:extLst>
+                  <a:ext uri="{FF2B5EF4-FFF2-40B4-BE49-F238E27FC236}">
+                    <a16:creationId xmlns:a16="http://schemas.microsoft.com/office/drawing/2014/main" id="{9BC54FFF-C794-4C6F-AFA3-0FE8BD4DC3DA}"/>
+                  </a:ext>
+                </a:extLst>
+              </p:cNvPr>
+              <p:cNvSpPr txBox="1">
+                <a:spLocks noRot="1" noChangeAspect="1" noMove="1" noResize="1" noEditPoints="1" noAdjustHandles="1" noChangeArrowheads="1" noChangeShapeType="1" noTextEdit="1"/>
+              </p:cNvSpPr>
+              <p:nvPr/>
+            </p:nvSpPr>
+            <p:spPr>
+              <a:xfrm>
+                <a:off x="1373339" y="6357448"/>
+                <a:ext cx="6881661" cy="307777"/>
+              </a:xfrm>
+              <a:prstGeom prst="rect">
+                <a:avLst/>
+              </a:prstGeom>
+              <a:blipFill>
+                <a:blip r:embed="rId14"/>
+                <a:stretch>
+                  <a:fillRect l="-266" t="-4000" b="-20000"/>
+                </a:stretch>
+              </a:blipFill>
+            </p:spPr>
+            <p:txBody>
+              <a:bodyPr/>
+              <a:lstStyle/>
+              <a:p>
+                <a:r>
+                  <a:rPr lang="it-IT">
+                    <a:noFill/>
+                  </a:rPr>
+                  <a:t> </a:t>
+                </a:r>
+              </a:p>
+            </p:txBody>
+          </p:sp>
+        </mc:Fallback>
+      </mc:AlternateContent>
+      <p:pic>
+        <p:nvPicPr>
+          <p:cNvPr id="24" name="Immagine 23">
+            <a:extLst>
+              <a:ext uri="{FF2B5EF4-FFF2-40B4-BE49-F238E27FC236}">
+                <a16:creationId xmlns:a16="http://schemas.microsoft.com/office/drawing/2014/main" id="{35AFE1D6-EA61-47DA-BEB0-E44D09A8039A}"/>
+              </a:ext>
+            </a:extLst>
+          </p:cNvPr>
+          <p:cNvPicPr>
+            <a:picLocks noChangeAspect="1"/>
+          </p:cNvPicPr>
+          <p:nvPr>
+            <p:custDataLst>
+              <p:tags r:id="rId4"/>
+            </p:custDataLst>
+          </p:nvPr>
+        </p:nvPicPr>
+        <p:blipFill>
+          <a:blip r:embed="rId11"/>
+          <a:stretch>
+            <a:fillRect/>
+          </a:stretch>
+        </p:blipFill>
+        <p:spPr>
+          <a:xfrm>
+            <a:off x="3505613" y="6422176"/>
+            <a:ext cx="284479" cy="166420"/>
+          </a:xfrm>
+          <a:prstGeom prst="rect">
+            <a:avLst/>
+          </a:prstGeom>
+        </p:spPr>
+      </p:pic>
+      <p:cxnSp>
+        <p:nvCxnSpPr>
+          <p:cNvPr id="22" name="Connettore 2 21">
+            <a:extLst>
+              <a:ext uri="{FF2B5EF4-FFF2-40B4-BE49-F238E27FC236}">
+                <a16:creationId xmlns:a16="http://schemas.microsoft.com/office/drawing/2014/main" id="{EF749C5D-6AFE-47B4-BC7B-263D290A7828}"/>
+              </a:ext>
+            </a:extLst>
+          </p:cNvPr>
+          <p:cNvCxnSpPr/>
+          <p:nvPr/>
+        </p:nvCxnSpPr>
+        <p:spPr>
+          <a:xfrm>
+            <a:off x="4612547" y="5993743"/>
+            <a:ext cx="0" cy="362607"/>
+          </a:xfrm>
+          <a:prstGeom prst="straightConnector1">
+            <a:avLst/>
+          </a:prstGeom>
+          <a:ln>
+            <a:tailEnd type="triangle"/>
+          </a:ln>
+        </p:spPr>
+        <p:style>
+          <a:lnRef idx="2">
+            <a:schemeClr val="accent1"/>
+          </a:lnRef>
+          <a:fillRef idx="0">
+            <a:schemeClr val="accent1"/>
+          </a:fillRef>
+          <a:effectRef idx="1">
+            <a:schemeClr val="accent1"/>
+          </a:effectRef>
+          <a:fontRef idx="minor">
+            <a:schemeClr val="tx1"/>
+          </a:fontRef>
+        </p:style>
+      </p:cxnSp>
+    </p:spTree>
+    <p:extLst>
+      <p:ext uri="{BB962C8B-B14F-4D97-AF65-F5344CB8AC3E}">
+        <p14:creationId xmlns:p14="http://schemas.microsoft.com/office/powerpoint/2010/main" val="1236416637"/>
+      </p:ext>
+    </p:extLst>
+  </p:cSld>
+  <p:clrMapOvr>
+    <a:masterClrMapping/>
+  </p:clrMapOvr>
+</p:sld>
+</file>
+
+<file path=ppt/slides/slide15.xml><?xml version="1.0" encoding="utf-8"?>
+<p:sld xmlns:a="http://schemas.openxmlformats.org/drawingml/2006/main" xmlns:r="http://schemas.openxmlformats.org/officeDocument/2006/relationships" xmlns:p="http://schemas.openxmlformats.org/presentationml/2006/main">
+  <p:cSld>
+    <p:spTree>
+      <p:nvGrpSpPr>
+        <p:cNvPr id="1" name=""/>
+        <p:cNvGrpSpPr/>
+        <p:nvPr/>
+      </p:nvGrpSpPr>
+      <p:grpSpPr>
+        <a:xfrm>
+          <a:off x="0" y="0"/>
+          <a:ext cx="0" cy="0"/>
+          <a:chOff x="0" y="0"/>
+          <a:chExt cx="0" cy="0"/>
+        </a:xfrm>
+      </p:grpSpPr>
+      <p:pic>
+        <p:nvPicPr>
+          <p:cNvPr id="2" name="Immagine 1"/>
+          <p:cNvPicPr>
+            <a:picLocks noChangeAspect="1"/>
+          </p:cNvPicPr>
+          <p:nvPr/>
+        </p:nvPicPr>
+        <p:blipFill>
+          <a:blip r:embed="rId9"/>
+          <a:stretch>
+            <a:fillRect/>
+          </a:stretch>
+        </p:blipFill>
+        <p:spPr>
+          <a:xfrm>
+            <a:off x="-1" y="3123"/>
+            <a:ext cx="9143817" cy="6872495"/>
+          </a:xfrm>
+          <a:prstGeom prst="rect">
+            <a:avLst/>
+          </a:prstGeom>
+        </p:spPr>
+      </p:pic>
+      <p:sp>
+        <p:nvSpPr>
+          <p:cNvPr id="7" name="CasellaDiTesto 6"/>
+          <p:cNvSpPr txBox="1"/>
+          <p:nvPr/>
+        </p:nvSpPr>
+        <p:spPr>
+          <a:xfrm>
+            <a:off x="9061" y="649703"/>
+            <a:ext cx="2764619" cy="461665"/>
+          </a:xfrm>
+          <a:prstGeom prst="rect">
+            <a:avLst/>
+          </a:prstGeom>
+          <a:noFill/>
+        </p:spPr>
+        <p:txBody>
+          <a:bodyPr wrap="square" rtlCol="0">
+            <a:spAutoFit/>
+          </a:bodyPr>
+          <a:lstStyle/>
+          <a:p>
+            <a:r>
+              <a:rPr lang="it-IT" sz="2400" b="1" dirty="0">
+                <a:solidFill>
+                  <a:schemeClr val="accent1">
+                    <a:lumMod val="75000"/>
+                  </a:schemeClr>
+                </a:solidFill>
+                <a:latin typeface="Arial"/>
+                <a:cs typeface="Arial"/>
+              </a:rPr>
+              <a:t>Neighbor-Joining</a:t>
+            </a:r>
+          </a:p>
+        </p:txBody>
+      </p:sp>
+      <p:sp>
+        <p:nvSpPr>
+          <p:cNvPr id="12" name="Rettangolo 11"/>
+          <p:cNvSpPr/>
+          <p:nvPr/>
+        </p:nvSpPr>
+        <p:spPr>
+          <a:xfrm>
+            <a:off x="8255000" y="6366466"/>
+            <a:ext cx="280763" cy="501650"/>
+          </a:xfrm>
+          <a:prstGeom prst="rect">
+            <a:avLst/>
+          </a:prstGeom>
+          <a:solidFill>
+            <a:srgbClr val="003053"/>
+          </a:solidFill>
+        </p:spPr>
+        <p:style>
+          <a:lnRef idx="1">
+            <a:schemeClr val="accent1"/>
+          </a:lnRef>
+          <a:fillRef idx="3">
+            <a:schemeClr val="accent1"/>
+          </a:fillRef>
+          <a:effectRef idx="2">
+            <a:schemeClr val="accent1"/>
+          </a:effectRef>
+          <a:fontRef idx="minor">
+            <a:schemeClr val="lt1"/>
+          </a:fontRef>
+        </p:style>
+        <p:txBody>
+          <a:bodyPr rtlCol="0" anchor="ctr"/>
+          <a:lstStyle/>
+          <a:p>
+            <a:pPr algn="ctr"/>
+            <a:endParaRPr lang="it-IT">
+              <a:solidFill>
+                <a:srgbClr val="003257"/>
+              </a:solidFill>
+            </a:endParaRPr>
+          </a:p>
+        </p:txBody>
+      </p:sp>
+      <p:sp>
+        <p:nvSpPr>
+          <p:cNvPr id="11" name="Segnaposto numero diapositiva 10"/>
+          <p:cNvSpPr>
+            <a:spLocks noGrp="1"/>
+          </p:cNvSpPr>
+          <p:nvPr>
+            <p:ph type="sldNum" sz="quarter" idx="12"/>
+          </p:nvPr>
+        </p:nvSpPr>
+        <p:spPr>
+          <a:xfrm>
+            <a:off x="6402163" y="6356350"/>
+            <a:ext cx="2133600" cy="365125"/>
+          </a:xfrm>
+        </p:spPr>
+        <p:txBody>
+          <a:bodyPr/>
+          <a:lstStyle/>
+          <a:p>
+            <a:fld id="{8EB8520A-26EA-DE4B-B141-4532FC98FF0E}" type="slidenum">
+              <a:rPr lang="it-IT" b="1" smtClean="0">
+                <a:solidFill>
+                  <a:schemeClr val="bg1"/>
+                </a:solidFill>
+                <a:latin typeface="Arial"/>
+                <a:cs typeface="Arial"/>
+              </a:rPr>
+              <a:pPr/>
+              <a:t>15</a:t>
+            </a:fld>
+            <a:endParaRPr lang="it-IT" b="1" dirty="0">
+              <a:solidFill>
+                <a:schemeClr val="bg1"/>
+              </a:solidFill>
+              <a:latin typeface="Arial"/>
+              <a:cs typeface="Arial"/>
+            </a:endParaRPr>
+          </a:p>
+        </p:txBody>
+      </p:sp>
+      <p:sp>
+        <p:nvSpPr>
+          <p:cNvPr id="10" name="CasellaDiTesto 9"/>
+          <p:cNvSpPr txBox="1"/>
+          <p:nvPr/>
+        </p:nvSpPr>
+        <p:spPr>
+          <a:xfrm>
+            <a:off x="5735951" y="51433"/>
+            <a:ext cx="2957862" cy="215444"/>
+          </a:xfrm>
+          <a:prstGeom prst="rect">
+            <a:avLst/>
+          </a:prstGeom>
+          <a:noFill/>
+        </p:spPr>
+        <p:txBody>
+          <a:bodyPr wrap="none" rtlCol="0">
+            <a:spAutoFit/>
+          </a:bodyPr>
+          <a:lstStyle/>
+          <a:p>
+            <a:pPr algn="r"/>
+            <a:r>
+              <a:rPr lang="it-IT" sz="800" b="1" dirty="0">
+                <a:solidFill>
+                  <a:schemeClr val="bg1"/>
+                </a:solidFill>
+                <a:latin typeface="Arial"/>
+                <a:cs typeface="Arial"/>
+              </a:rPr>
+              <a:t>Applicazioni dell’algoritmica alla biologia: alberi evolutivi</a:t>
+            </a:r>
+          </a:p>
+        </p:txBody>
+      </p:sp>
+      <p:sp>
+        <p:nvSpPr>
+          <p:cNvPr id="14" name="CasellaDiTesto 13"/>
+          <p:cNvSpPr txBox="1"/>
+          <p:nvPr/>
+        </p:nvSpPr>
+        <p:spPr>
+          <a:xfrm>
+            <a:off x="7082015" y="403482"/>
+            <a:ext cx="1621846" cy="492443"/>
+          </a:xfrm>
+          <a:prstGeom prst="rect">
+            <a:avLst/>
+          </a:prstGeom>
+          <a:noFill/>
+        </p:spPr>
+        <p:txBody>
+          <a:bodyPr wrap="none" rtlCol="0">
+            <a:spAutoFit/>
+          </a:bodyPr>
+          <a:lstStyle/>
+          <a:p>
+            <a:pPr algn="r"/>
+            <a:r>
+              <a:rPr lang="it-IT" sz="800" dirty="0">
+                <a:solidFill>
+                  <a:schemeClr val="bg1"/>
+                </a:solidFill>
+                <a:latin typeface="Arial"/>
+                <a:cs typeface="Arial"/>
+              </a:rPr>
+              <a:t>Firenze, 12 luglio 2019</a:t>
+            </a:r>
+          </a:p>
+          <a:p>
+            <a:endParaRPr lang="it-IT" dirty="0"/>
+          </a:p>
+        </p:txBody>
+      </p:sp>
+      <p:sp>
+        <p:nvSpPr>
+          <p:cNvPr id="53" name="CasellaDiTesto 52">
+            <a:extLst>
+              <a:ext uri="{FF2B5EF4-FFF2-40B4-BE49-F238E27FC236}">
+                <a16:creationId xmlns:a16="http://schemas.microsoft.com/office/drawing/2014/main" id="{C4172192-17B0-4035-AFD1-CBC8BDE7E4CD}"/>
+              </a:ext>
+            </a:extLst>
+          </p:cNvPr>
+          <p:cNvSpPr txBox="1"/>
+          <p:nvPr/>
+        </p:nvSpPr>
+        <p:spPr>
+          <a:xfrm>
+            <a:off x="9062" y="1077183"/>
+            <a:ext cx="1078058" cy="369332"/>
+          </a:xfrm>
+          <a:prstGeom prst="rect">
+            <a:avLst/>
+          </a:prstGeom>
+          <a:noFill/>
+        </p:spPr>
+        <p:txBody>
+          <a:bodyPr wrap="square" rtlCol="0">
+            <a:spAutoFit/>
+          </a:bodyPr>
+          <a:lstStyle/>
+          <a:p>
+            <a:r>
+              <a:rPr lang="it-IT" i="1" dirty="0">
+                <a:latin typeface="Arial"/>
+                <a:cs typeface="Arial"/>
+              </a:rPr>
+              <a:t>Parte 2</a:t>
+            </a:r>
+          </a:p>
+        </p:txBody>
+      </p:sp>
+      <p:sp>
+        <p:nvSpPr>
+          <p:cNvPr id="15" name="CasellaDiTesto 14">
+            <a:extLst>
+              <a:ext uri="{FF2B5EF4-FFF2-40B4-BE49-F238E27FC236}">
+                <a16:creationId xmlns:a16="http://schemas.microsoft.com/office/drawing/2014/main" id="{6F6FE5D5-F472-4E7C-A8EF-040B926745E5}"/>
+              </a:ext>
+            </a:extLst>
+          </p:cNvPr>
+          <p:cNvSpPr txBox="1"/>
+          <p:nvPr/>
+        </p:nvSpPr>
+        <p:spPr>
+          <a:xfrm>
+            <a:off x="9062" y="1538848"/>
+            <a:ext cx="9134939" cy="307777"/>
+          </a:xfrm>
+          <a:prstGeom prst="rect">
+            <a:avLst/>
+          </a:prstGeom>
+          <a:noFill/>
+        </p:spPr>
+        <p:txBody>
+          <a:bodyPr wrap="square" rtlCol="0">
+            <a:spAutoFit/>
+          </a:bodyPr>
+          <a:lstStyle/>
+          <a:p>
+            <a:pPr marL="342900" indent="-342900">
+              <a:buFont typeface="+mj-lt"/>
+              <a:buAutoNum type="arabicPeriod" startAt="2"/>
+            </a:pPr>
+            <a:r>
+              <a:rPr lang="it-IT" sz="1400" dirty="0">
+                <a:latin typeface="Arial" panose="020B0604020202020204" pitchFamily="34" charset="0"/>
+                <a:cs typeface="Arial" panose="020B0604020202020204" pitchFamily="34" charset="0"/>
+              </a:rPr>
+              <a:t>Cerca l’elemento minimo in        </a:t>
+            </a:r>
+            <a:r>
+              <a:rPr lang="it-IT" sz="1400" dirty="0">
+                <a:latin typeface="Arial" panose="020B0604020202020204" pitchFamily="34" charset="0"/>
+                <a:cs typeface="Arial" panose="020B0604020202020204" pitchFamily="34" charset="0"/>
+                <a:sym typeface="Wingdings" panose="05000000000000000000" pitchFamily="2" charset="2"/>
+              </a:rPr>
+              <a:t> 			     .</a:t>
+            </a:r>
+            <a:endParaRPr lang="it-IT" sz="1400" dirty="0">
+              <a:latin typeface="Arial" panose="020B0604020202020204" pitchFamily="34" charset="0"/>
+              <a:cs typeface="Arial" panose="020B0604020202020204" pitchFamily="34" charset="0"/>
+            </a:endParaRPr>
+          </a:p>
+        </p:txBody>
+      </p:sp>
+      <p:pic>
+        <p:nvPicPr>
+          <p:cNvPr id="24" name="Immagine 23">
+            <a:extLst>
+              <a:ext uri="{FF2B5EF4-FFF2-40B4-BE49-F238E27FC236}">
+                <a16:creationId xmlns:a16="http://schemas.microsoft.com/office/drawing/2014/main" id="{35AFE1D6-EA61-47DA-BEB0-E44D09A8039A}"/>
+              </a:ext>
+            </a:extLst>
+          </p:cNvPr>
+          <p:cNvPicPr>
+            <a:picLocks noChangeAspect="1"/>
+          </p:cNvPicPr>
+          <p:nvPr>
+            <p:custDataLst>
+              <p:tags r:id="rId1"/>
+            </p:custDataLst>
+          </p:nvPr>
+        </p:nvPicPr>
+        <p:blipFill>
+          <a:blip r:embed="rId10"/>
+          <a:stretch>
+            <a:fillRect/>
+          </a:stretch>
+        </p:blipFill>
+        <p:spPr>
+          <a:xfrm>
+            <a:off x="2631440" y="1599366"/>
+            <a:ext cx="284479" cy="166420"/>
+          </a:xfrm>
+          <a:prstGeom prst="rect">
+            <a:avLst/>
+          </a:prstGeom>
+        </p:spPr>
+      </p:pic>
+      <p:pic>
+        <p:nvPicPr>
+          <p:cNvPr id="6" name="Immagine 5">
+            <a:extLst>
+              <a:ext uri="{FF2B5EF4-FFF2-40B4-BE49-F238E27FC236}">
+                <a16:creationId xmlns:a16="http://schemas.microsoft.com/office/drawing/2014/main" id="{6D348F97-63CE-4D4D-AF0B-AB0927BBCE5B}"/>
+              </a:ext>
+            </a:extLst>
+          </p:cNvPr>
+          <p:cNvPicPr>
+            <a:picLocks noChangeAspect="1"/>
+          </p:cNvPicPr>
+          <p:nvPr>
+            <p:custDataLst>
+              <p:tags r:id="rId2"/>
+            </p:custDataLst>
+          </p:nvPr>
+        </p:nvPicPr>
+        <p:blipFill>
+          <a:blip r:embed="rId11"/>
+          <a:stretch>
+            <a:fillRect/>
+          </a:stretch>
+        </p:blipFill>
+        <p:spPr>
+          <a:xfrm>
+            <a:off x="3224113" y="1599366"/>
+            <a:ext cx="1196190" cy="286476"/>
+          </a:xfrm>
+          <a:prstGeom prst="rect">
+            <a:avLst/>
+          </a:prstGeom>
+        </p:spPr>
+      </p:pic>
+      <mc:AlternateContent xmlns:mc="http://schemas.openxmlformats.org/markup-compatibility/2006">
+        <mc:Choice xmlns:a14="http://schemas.microsoft.com/office/drawing/2010/main" Requires="a14">
+          <p:sp>
+            <p:nvSpPr>
+              <p:cNvPr id="25" name="CasellaDiTesto 24">
+                <a:extLst>
+                  <a:ext uri="{FF2B5EF4-FFF2-40B4-BE49-F238E27FC236}">
+                    <a16:creationId xmlns:a16="http://schemas.microsoft.com/office/drawing/2014/main" id="{E569A312-8CAF-4195-BBCE-7EF09F4980AB}"/>
+                  </a:ext>
+                </a:extLst>
+              </p:cNvPr>
+              <p:cNvSpPr txBox="1"/>
+              <p:nvPr/>
+            </p:nvSpPr>
+            <p:spPr>
+              <a:xfrm>
+                <a:off x="-10253" y="2071805"/>
+                <a:ext cx="8443052" cy="325025"/>
+              </a:xfrm>
+              <a:prstGeom prst="rect">
+                <a:avLst/>
+              </a:prstGeom>
+              <a:noFill/>
+            </p:spPr>
+            <p:txBody>
+              <a:bodyPr wrap="square" rtlCol="0">
+                <a:spAutoFit/>
+              </a:bodyPr>
+              <a:lstStyle/>
+              <a:p>
+                <a:pPr marL="342900" indent="-342900">
+                  <a:buFont typeface="+mj-lt"/>
+                  <a:buAutoNum type="arabicPeriod" startAt="3"/>
+                </a:pPr>
+                <a:r>
+                  <a:rPr lang="it-IT" sz="1400" dirty="0">
+                    <a:latin typeface="Arial" panose="020B0604020202020204" pitchFamily="34" charset="0"/>
+                    <a:cs typeface="Arial" panose="020B0604020202020204" pitchFamily="34" charset="0"/>
+                  </a:rPr>
+                  <a:t>Calcola il </a:t>
+                </a:r>
+                <a:r>
+                  <a:rPr lang="it-IT" sz="1400" i="1" dirty="0">
+                    <a:latin typeface="Arial" panose="020B0604020202020204" pitchFamily="34" charset="0"/>
+                    <a:cs typeface="Arial" panose="020B0604020202020204" pitchFamily="34" charset="0"/>
+                  </a:rPr>
+                  <a:t>delta </a:t>
+                </a:r>
+                <a:r>
+                  <a:rPr lang="it-IT" sz="1400" dirty="0">
+                    <a:latin typeface="Arial" panose="020B0604020202020204" pitchFamily="34" charset="0"/>
+                    <a:cs typeface="Arial" panose="020B0604020202020204" pitchFamily="34" charset="0"/>
+                  </a:rPr>
+                  <a:t>tra</a:t>
+                </a:r>
+                <a:r>
+                  <a:rPr lang="it-IT" sz="1400" i="1" dirty="0">
+                    <a:latin typeface="Arial" panose="020B0604020202020204" pitchFamily="34" charset="0"/>
+                    <a:cs typeface="Arial" panose="020B0604020202020204" pitchFamily="34" charset="0"/>
+                  </a:rPr>
+                  <a:t> </a:t>
+                </a:r>
+                <a14:m>
+                  <m:oMath xmlns:m="http://schemas.openxmlformats.org/officeDocument/2006/math">
+                    <m:r>
+                      <a:rPr lang="it-IT" sz="1400" b="0" i="1" smtClean="0">
+                        <a:latin typeface="Cambria Math" panose="02040503050406030204" pitchFamily="18" charset="0"/>
+                        <a:cs typeface="Arial" panose="020B0604020202020204" pitchFamily="34" charset="0"/>
+                      </a:rPr>
+                      <m:t>𝑡𝑜𝑡𝑎𝑙𝐷𝑖𝑠𝑡𝑎𝑛𝑐𝑒</m:t>
+                    </m:r>
+                    <m:r>
+                      <a:rPr lang="it-IT" sz="1400" b="0" i="1" smtClean="0">
+                        <a:latin typeface="Cambria Math" panose="02040503050406030204" pitchFamily="18" charset="0"/>
+                        <a:cs typeface="Arial" panose="020B0604020202020204" pitchFamily="34" charset="0"/>
+                      </a:rPr>
+                      <m:t>(</m:t>
+                    </m:r>
+                    <m:sSub>
+                      <m:sSubPr>
+                        <m:ctrlPr>
+                          <a:rPr lang="it-IT" sz="1400" b="0" i="1" smtClean="0">
+                            <a:latin typeface="Cambria Math" panose="02040503050406030204" pitchFamily="18" charset="0"/>
+                            <a:cs typeface="Arial" panose="020B0604020202020204" pitchFamily="34" charset="0"/>
+                          </a:rPr>
+                        </m:ctrlPr>
+                      </m:sSubPr>
+                      <m:e>
+                        <m:r>
+                          <a:rPr lang="it-IT" sz="1400" b="0" i="1" smtClean="0">
+                            <a:latin typeface="Cambria Math" panose="02040503050406030204" pitchFamily="18" charset="0"/>
+                            <a:cs typeface="Arial" panose="020B0604020202020204" pitchFamily="34" charset="0"/>
+                          </a:rPr>
+                          <m:t>𝐷</m:t>
+                        </m:r>
+                      </m:e>
+                      <m:sub>
+                        <m:r>
+                          <a:rPr lang="it-IT" sz="1400" b="0" i="1" smtClean="0">
+                            <a:latin typeface="Cambria Math" panose="02040503050406030204" pitchFamily="18" charset="0"/>
+                            <a:cs typeface="Arial" panose="020B0604020202020204" pitchFamily="34" charset="0"/>
+                          </a:rPr>
+                          <m:t>𝑓</m:t>
+                        </m:r>
+                      </m:sub>
+                    </m:sSub>
+                    <m:r>
+                      <a:rPr lang="it-IT" sz="1400" b="0" i="1" smtClean="0">
+                        <a:latin typeface="Cambria Math" panose="02040503050406030204" pitchFamily="18" charset="0"/>
+                        <a:cs typeface="Arial" panose="020B0604020202020204" pitchFamily="34" charset="0"/>
+                      </a:rPr>
+                      <m:t>)</m:t>
+                    </m:r>
+                  </m:oMath>
+                </a14:m>
+                <a:r>
+                  <a:rPr lang="it-IT" sz="1400" dirty="0">
+                    <a:latin typeface="Arial" panose="020B0604020202020204" pitchFamily="34" charset="0"/>
+                    <a:cs typeface="Arial" panose="020B0604020202020204" pitchFamily="34" charset="0"/>
+                    <a:sym typeface="Wingdings" panose="05000000000000000000" pitchFamily="2" charset="2"/>
+                  </a:rPr>
+                  <a:t> e </a:t>
+                </a:r>
+                <a14:m>
+                  <m:oMath xmlns:m="http://schemas.openxmlformats.org/officeDocument/2006/math">
+                    <m:r>
+                      <a:rPr lang="it-IT" sz="1400" i="1">
+                        <a:latin typeface="Cambria Math" panose="02040503050406030204" pitchFamily="18" charset="0"/>
+                        <a:cs typeface="Arial" panose="020B0604020202020204" pitchFamily="34" charset="0"/>
+                      </a:rPr>
+                      <m:t>𝑡𝑜𝑡𝑎𝑙𝐷𝑖𝑠𝑡𝑎𝑛𝑐𝑒</m:t>
+                    </m:r>
+                    <m:d>
+                      <m:dPr>
+                        <m:ctrlPr>
+                          <a:rPr lang="it-IT" sz="1400" i="1">
+                            <a:latin typeface="Cambria Math" panose="02040503050406030204" pitchFamily="18" charset="0"/>
+                            <a:cs typeface="Arial" panose="020B0604020202020204" pitchFamily="34" charset="0"/>
+                          </a:rPr>
+                        </m:ctrlPr>
+                      </m:dPr>
+                      <m:e>
+                        <m:sSub>
+                          <m:sSubPr>
+                            <m:ctrlPr>
+                              <a:rPr lang="it-IT" sz="1400" i="1">
+                                <a:latin typeface="Cambria Math" panose="02040503050406030204" pitchFamily="18" charset="0"/>
+                                <a:cs typeface="Arial" panose="020B0604020202020204" pitchFamily="34" charset="0"/>
+                              </a:rPr>
+                            </m:ctrlPr>
+                          </m:sSubPr>
+                          <m:e>
+                            <m:r>
+                              <a:rPr lang="it-IT" sz="1400" i="1">
+                                <a:latin typeface="Cambria Math" panose="02040503050406030204" pitchFamily="18" charset="0"/>
+                                <a:cs typeface="Arial" panose="020B0604020202020204" pitchFamily="34" charset="0"/>
+                              </a:rPr>
+                              <m:t>𝐷</m:t>
+                            </m:r>
+                          </m:e>
+                          <m:sub>
+                            <m:r>
+                              <a:rPr lang="it-IT" sz="1400" b="0" i="1" smtClean="0">
+                                <a:latin typeface="Cambria Math" panose="02040503050406030204" pitchFamily="18" charset="0"/>
+                                <a:cs typeface="Arial" panose="020B0604020202020204" pitchFamily="34" charset="0"/>
+                              </a:rPr>
+                              <m:t>𝑏</m:t>
+                            </m:r>
+                          </m:sub>
+                        </m:sSub>
+                      </m:e>
+                    </m:d>
+                  </m:oMath>
+                </a14:m>
+                <a:r>
+                  <a:rPr lang="it-IT" sz="1400" dirty="0">
+                    <a:latin typeface="Arial" panose="020B0604020202020204" pitchFamily="34" charset="0"/>
+                    <a:cs typeface="Arial" panose="020B0604020202020204" pitchFamily="34" charset="0"/>
+                  </a:rPr>
+                  <a:t>.</a:t>
+                </a:r>
+              </a:p>
+            </p:txBody>
+          </p:sp>
+        </mc:Choice>
+        <mc:Fallback>
+          <p:sp>
+            <p:nvSpPr>
+              <p:cNvPr id="25" name="CasellaDiTesto 24">
+                <a:extLst>
+                  <a:ext uri="{FF2B5EF4-FFF2-40B4-BE49-F238E27FC236}">
+                    <a16:creationId xmlns:a16="http://schemas.microsoft.com/office/drawing/2014/main" id="{E569A312-8CAF-4195-BBCE-7EF09F4980AB}"/>
+                  </a:ext>
+                </a:extLst>
+              </p:cNvPr>
+              <p:cNvSpPr txBox="1">
+                <a:spLocks noRot="1" noChangeAspect="1" noMove="1" noResize="1" noEditPoints="1" noAdjustHandles="1" noChangeArrowheads="1" noChangeShapeType="1" noTextEdit="1"/>
+              </p:cNvSpPr>
+              <p:nvPr/>
+            </p:nvSpPr>
+            <p:spPr>
+              <a:xfrm>
+                <a:off x="-10253" y="2071805"/>
+                <a:ext cx="8443052" cy="325025"/>
+              </a:xfrm>
+              <a:prstGeom prst="rect">
+                <a:avLst/>
+              </a:prstGeom>
+              <a:blipFill>
+                <a:blip r:embed="rId12"/>
+                <a:stretch>
+                  <a:fillRect l="-72" t="-3774" b="-13208"/>
+                </a:stretch>
+              </a:blipFill>
+            </p:spPr>
+            <p:txBody>
+              <a:bodyPr/>
+              <a:lstStyle/>
+              <a:p>
+                <a:r>
+                  <a:rPr lang="it-IT">
+                    <a:noFill/>
+                  </a:rPr>
+                  <a:t> </a:t>
+                </a:r>
+              </a:p>
+            </p:txBody>
+          </p:sp>
+        </mc:Fallback>
+      </mc:AlternateContent>
+      <p:pic>
+        <p:nvPicPr>
+          <p:cNvPr id="21" name="Immagine 20">
+            <a:extLst>
+              <a:ext uri="{FF2B5EF4-FFF2-40B4-BE49-F238E27FC236}">
+                <a16:creationId xmlns:a16="http://schemas.microsoft.com/office/drawing/2014/main" id="{F4981A49-0193-4A3A-AAF3-11CCA4DD7E37}"/>
+              </a:ext>
+            </a:extLst>
+          </p:cNvPr>
+          <p:cNvPicPr>
+            <a:picLocks noChangeAspect="1"/>
+          </p:cNvPicPr>
+          <p:nvPr>
+            <p:custDataLst>
+              <p:tags r:id="rId3"/>
+            </p:custDataLst>
+          </p:nvPr>
+        </p:nvPicPr>
+        <p:blipFill>
+          <a:blip r:embed="rId13"/>
+          <a:stretch>
+            <a:fillRect/>
+          </a:stretch>
+        </p:blipFill>
+        <p:spPr>
+          <a:xfrm>
+            <a:off x="1587485" y="2703360"/>
+            <a:ext cx="5494530" cy="415236"/>
+          </a:xfrm>
+          <a:prstGeom prst="rect">
+            <a:avLst/>
+          </a:prstGeom>
+        </p:spPr>
+      </p:pic>
+      <p:cxnSp>
+        <p:nvCxnSpPr>
+          <p:cNvPr id="27" name="Connettore 2 26">
+            <a:extLst>
+              <a:ext uri="{FF2B5EF4-FFF2-40B4-BE49-F238E27FC236}">
+                <a16:creationId xmlns:a16="http://schemas.microsoft.com/office/drawing/2014/main" id="{3C8B2C2C-8FF8-453A-8C4D-88DE7B23D9D6}"/>
+              </a:ext>
+            </a:extLst>
+          </p:cNvPr>
+          <p:cNvCxnSpPr>
+            <a:cxnSpLocks/>
+          </p:cNvCxnSpPr>
+          <p:nvPr/>
+        </p:nvCxnSpPr>
+        <p:spPr>
+          <a:xfrm>
+            <a:off x="4348480" y="2396830"/>
+            <a:ext cx="0" cy="250263"/>
+          </a:xfrm>
+          <a:prstGeom prst="straightConnector1">
+            <a:avLst/>
+          </a:prstGeom>
+          <a:ln>
+            <a:tailEnd type="triangle"/>
+          </a:ln>
+        </p:spPr>
+        <p:style>
+          <a:lnRef idx="2">
+            <a:schemeClr val="accent1"/>
+          </a:lnRef>
+          <a:fillRef idx="0">
+            <a:schemeClr val="accent1"/>
+          </a:fillRef>
+          <a:effectRef idx="1">
+            <a:schemeClr val="accent1"/>
+          </a:effectRef>
+          <a:fontRef idx="minor">
+            <a:schemeClr val="tx1"/>
+          </a:fontRef>
+        </p:style>
+      </p:cxnSp>
+      <mc:AlternateContent xmlns:mc="http://schemas.openxmlformats.org/markup-compatibility/2006">
+        <mc:Choice xmlns:a14="http://schemas.microsoft.com/office/drawing/2010/main" Requires="a14">
+          <p:sp>
+            <p:nvSpPr>
+              <p:cNvPr id="31" name="CasellaDiTesto 30">
+                <a:extLst>
+                  <a:ext uri="{FF2B5EF4-FFF2-40B4-BE49-F238E27FC236}">
+                    <a16:creationId xmlns:a16="http://schemas.microsoft.com/office/drawing/2014/main" id="{C533AB1E-A1D7-4B1D-B73C-E0A26C99FD93}"/>
+                  </a:ext>
+                </a:extLst>
+              </p:cNvPr>
+              <p:cNvSpPr txBox="1"/>
+              <p:nvPr/>
+            </p:nvSpPr>
+            <p:spPr>
+              <a:xfrm>
+                <a:off x="-10253" y="3911810"/>
+                <a:ext cx="3901533" cy="307777"/>
+              </a:xfrm>
+              <a:prstGeom prst="rect">
+                <a:avLst/>
+              </a:prstGeom>
+              <a:noFill/>
+            </p:spPr>
+            <p:txBody>
+              <a:bodyPr wrap="square" rtlCol="0">
+                <a:spAutoFit/>
+              </a:bodyPr>
+              <a:lstStyle/>
+              <a:p>
+                <a:pPr marL="342900" indent="-342900">
+                  <a:buFont typeface="+mj-lt"/>
+                  <a:buAutoNum type="arabicPeriod" startAt="4"/>
+                </a:pPr>
+                <a:r>
+                  <a:rPr lang="it-IT" sz="1400" dirty="0">
+                    <a:latin typeface="Arial" panose="020B0604020202020204" pitchFamily="34" charset="0"/>
+                    <a:cs typeface="Arial" panose="020B0604020202020204" pitchFamily="34" charset="0"/>
+                  </a:rPr>
+                  <a:t>Calcola </a:t>
+                </a:r>
+                <a14:m>
+                  <m:oMath xmlns:m="http://schemas.openxmlformats.org/officeDocument/2006/math">
+                    <m:r>
+                      <a:rPr lang="it-IT" sz="1400" b="0" i="1" smtClean="0">
+                        <a:latin typeface="Cambria Math" panose="02040503050406030204" pitchFamily="18" charset="0"/>
+                        <a:cs typeface="Arial" panose="020B0604020202020204" pitchFamily="34" charset="0"/>
+                      </a:rPr>
+                      <m:t>𝑙𝑖𝑚𝑏𝑤𝑒𝑖𝑔h𝑡</m:t>
+                    </m:r>
+                    <m:r>
+                      <a:rPr lang="it-IT" sz="1400" b="0" i="1" smtClean="0">
+                        <a:latin typeface="Cambria Math" panose="02040503050406030204" pitchFamily="18" charset="0"/>
+                        <a:cs typeface="Arial" panose="020B0604020202020204" pitchFamily="34" charset="0"/>
+                      </a:rPr>
+                      <m:t>(</m:t>
+                    </m:r>
+                    <m:r>
+                      <a:rPr lang="it-IT" sz="1400" b="0" i="1" smtClean="0">
+                        <a:latin typeface="Cambria Math" panose="02040503050406030204" pitchFamily="18" charset="0"/>
+                        <a:cs typeface="Arial" panose="020B0604020202020204" pitchFamily="34" charset="0"/>
+                      </a:rPr>
+                      <m:t>𝑓</m:t>
+                    </m:r>
+                    <m:r>
+                      <a:rPr lang="it-IT" sz="1400" b="0" i="1" smtClean="0">
+                        <a:latin typeface="Cambria Math" panose="02040503050406030204" pitchFamily="18" charset="0"/>
+                        <a:cs typeface="Arial" panose="020B0604020202020204" pitchFamily="34" charset="0"/>
+                      </a:rPr>
+                      <m:t>)</m:t>
+                    </m:r>
+                  </m:oMath>
+                </a14:m>
+                <a:r>
+                  <a:rPr lang="it-IT" sz="1400" dirty="0">
+                    <a:latin typeface="Arial" panose="020B0604020202020204" pitchFamily="34" charset="0"/>
+                    <a:cs typeface="Arial" panose="020B0604020202020204" pitchFamily="34" charset="0"/>
+                  </a:rPr>
+                  <a:t> e </a:t>
+                </a:r>
+                <a14:m>
+                  <m:oMath xmlns:m="http://schemas.openxmlformats.org/officeDocument/2006/math">
+                    <m:r>
+                      <a:rPr lang="it-IT" sz="1400" i="1">
+                        <a:latin typeface="Cambria Math" panose="02040503050406030204" pitchFamily="18" charset="0"/>
+                        <a:cs typeface="Arial" panose="020B0604020202020204" pitchFamily="34" charset="0"/>
+                      </a:rPr>
+                      <m:t>𝑙𝑖𝑚𝑏𝑤𝑒𝑖𝑔h𝑡</m:t>
+                    </m:r>
+                    <m:r>
+                      <a:rPr lang="it-IT" sz="1400" i="1">
+                        <a:latin typeface="Cambria Math" panose="02040503050406030204" pitchFamily="18" charset="0"/>
+                        <a:cs typeface="Arial" panose="020B0604020202020204" pitchFamily="34" charset="0"/>
+                      </a:rPr>
+                      <m:t>(</m:t>
+                    </m:r>
+                    <m:r>
+                      <a:rPr lang="it-IT" sz="1400" b="0" i="1" smtClean="0">
+                        <a:latin typeface="Cambria Math" panose="02040503050406030204" pitchFamily="18" charset="0"/>
+                        <a:cs typeface="Arial" panose="020B0604020202020204" pitchFamily="34" charset="0"/>
+                      </a:rPr>
+                      <m:t>𝑏</m:t>
+                    </m:r>
+                    <m:r>
+                      <a:rPr lang="it-IT" sz="1400" i="1">
+                        <a:latin typeface="Cambria Math" panose="02040503050406030204" pitchFamily="18" charset="0"/>
+                        <a:cs typeface="Arial" panose="020B0604020202020204" pitchFamily="34" charset="0"/>
+                      </a:rPr>
+                      <m:t>)</m:t>
+                    </m:r>
+                  </m:oMath>
+                </a14:m>
+                <a:endParaRPr lang="it-IT" sz="1400" dirty="0">
+                  <a:latin typeface="Arial" panose="020B0604020202020204" pitchFamily="34" charset="0"/>
+                  <a:cs typeface="Arial" panose="020B0604020202020204" pitchFamily="34" charset="0"/>
+                </a:endParaRPr>
+              </a:p>
+            </p:txBody>
+          </p:sp>
+        </mc:Choice>
+        <mc:Fallback>
+          <p:sp>
+            <p:nvSpPr>
+              <p:cNvPr id="31" name="CasellaDiTesto 30">
+                <a:extLst>
+                  <a:ext uri="{FF2B5EF4-FFF2-40B4-BE49-F238E27FC236}">
+                    <a16:creationId xmlns:a16="http://schemas.microsoft.com/office/drawing/2014/main" id="{C533AB1E-A1D7-4B1D-B73C-E0A26C99FD93}"/>
+                  </a:ext>
+                </a:extLst>
+              </p:cNvPr>
+              <p:cNvSpPr txBox="1">
+                <a:spLocks noRot="1" noChangeAspect="1" noMove="1" noResize="1" noEditPoints="1" noAdjustHandles="1" noChangeArrowheads="1" noChangeShapeType="1" noTextEdit="1"/>
+              </p:cNvSpPr>
+              <p:nvPr/>
+            </p:nvSpPr>
+            <p:spPr>
+              <a:xfrm>
+                <a:off x="-10253" y="3911810"/>
+                <a:ext cx="3901533" cy="307777"/>
+              </a:xfrm>
+              <a:prstGeom prst="rect">
+                <a:avLst/>
+              </a:prstGeom>
+              <a:blipFill>
+                <a:blip r:embed="rId14"/>
+                <a:stretch>
+                  <a:fillRect l="-156" t="-4000" b="-20000"/>
+                </a:stretch>
+              </a:blipFill>
+            </p:spPr>
+            <p:txBody>
+              <a:bodyPr/>
+              <a:lstStyle/>
+              <a:p>
+                <a:r>
+                  <a:rPr lang="it-IT">
+                    <a:noFill/>
+                  </a:rPr>
+                  <a:t> </a:t>
+                </a:r>
+              </a:p>
+            </p:txBody>
+          </p:sp>
+        </mc:Fallback>
+      </mc:AlternateContent>
+      <p:pic>
+        <p:nvPicPr>
+          <p:cNvPr id="32" name="Immagine 31">
+            <a:extLst>
+              <a:ext uri="{FF2B5EF4-FFF2-40B4-BE49-F238E27FC236}">
+                <a16:creationId xmlns:a16="http://schemas.microsoft.com/office/drawing/2014/main" id="{EA0361F7-E5BA-4B00-9B6E-A444A7348F39}"/>
+              </a:ext>
+            </a:extLst>
+          </p:cNvPr>
+          <p:cNvPicPr>
+            <a:picLocks noChangeAspect="1"/>
+          </p:cNvPicPr>
+          <p:nvPr>
+            <p:custDataLst>
+              <p:tags r:id="rId4"/>
+            </p:custDataLst>
+          </p:nvPr>
+        </p:nvPicPr>
+        <p:blipFill>
+          <a:blip r:embed="rId15"/>
+          <a:stretch>
+            <a:fillRect/>
+          </a:stretch>
+        </p:blipFill>
+        <p:spPr>
+          <a:xfrm>
+            <a:off x="4288883" y="3439370"/>
+            <a:ext cx="4836982" cy="521591"/>
+          </a:xfrm>
+          <a:prstGeom prst="rect">
+            <a:avLst/>
+          </a:prstGeom>
+        </p:spPr>
+      </p:pic>
+      <p:pic>
+        <p:nvPicPr>
+          <p:cNvPr id="35" name="Immagine 34">
+            <a:extLst>
+              <a:ext uri="{FF2B5EF4-FFF2-40B4-BE49-F238E27FC236}">
+                <a16:creationId xmlns:a16="http://schemas.microsoft.com/office/drawing/2014/main" id="{9F8768C0-602E-4800-AA62-8AD63384B72E}"/>
+              </a:ext>
+            </a:extLst>
+          </p:cNvPr>
+          <p:cNvPicPr>
+            <a:picLocks noChangeAspect="1"/>
+          </p:cNvPicPr>
+          <p:nvPr>
+            <p:custDataLst>
+              <p:tags r:id="rId5"/>
+            </p:custDataLst>
+          </p:nvPr>
+        </p:nvPicPr>
+        <p:blipFill>
+          <a:blip r:embed="rId16"/>
+          <a:stretch>
+            <a:fillRect/>
+          </a:stretch>
+        </p:blipFill>
+        <p:spPr>
+          <a:xfrm>
+            <a:off x="4287878" y="4060553"/>
+            <a:ext cx="4804663" cy="522022"/>
+          </a:xfrm>
+          <a:prstGeom prst="rect">
+            <a:avLst/>
+          </a:prstGeom>
+        </p:spPr>
+      </p:pic>
+      <p:cxnSp>
+        <p:nvCxnSpPr>
+          <p:cNvPr id="37" name="Connettore a gomito 36">
+            <a:extLst>
+              <a:ext uri="{FF2B5EF4-FFF2-40B4-BE49-F238E27FC236}">
+                <a16:creationId xmlns:a16="http://schemas.microsoft.com/office/drawing/2014/main" id="{57AA5BA1-39C0-4221-8271-0C4F60A8D716}"/>
+              </a:ext>
+            </a:extLst>
+          </p:cNvPr>
+          <p:cNvCxnSpPr>
+            <a:stCxn id="31" idx="0"/>
+          </p:cNvCxnSpPr>
+          <p:nvPr/>
+        </p:nvCxnSpPr>
+        <p:spPr>
+          <a:xfrm rot="5400000" flipH="1" flipV="1">
+            <a:off x="2970071" y="2670609"/>
+            <a:ext cx="211645" cy="2270759"/>
+          </a:xfrm>
+          <a:prstGeom prst="bentConnector2">
+            <a:avLst/>
+          </a:prstGeom>
+          <a:ln>
+            <a:tailEnd type="triangle"/>
+          </a:ln>
+        </p:spPr>
+        <p:style>
+          <a:lnRef idx="2">
+            <a:schemeClr val="accent1"/>
+          </a:lnRef>
+          <a:fillRef idx="0">
+            <a:schemeClr val="accent1"/>
+          </a:fillRef>
+          <a:effectRef idx="1">
+            <a:schemeClr val="accent1"/>
+          </a:effectRef>
+          <a:fontRef idx="minor">
+            <a:schemeClr val="tx1"/>
+          </a:fontRef>
+        </p:style>
+      </p:cxnSp>
+      <p:cxnSp>
+        <p:nvCxnSpPr>
+          <p:cNvPr id="39" name="Connettore a gomito 38">
+            <a:extLst>
+              <a:ext uri="{FF2B5EF4-FFF2-40B4-BE49-F238E27FC236}">
+                <a16:creationId xmlns:a16="http://schemas.microsoft.com/office/drawing/2014/main" id="{980046F2-C7C2-4222-9360-849B9EEA193B}"/>
+              </a:ext>
+            </a:extLst>
+          </p:cNvPr>
+          <p:cNvCxnSpPr>
+            <a:cxnSpLocks/>
+          </p:cNvCxnSpPr>
+          <p:nvPr/>
+        </p:nvCxnSpPr>
+        <p:spPr>
+          <a:xfrm>
+            <a:off x="3075893" y="4219587"/>
+            <a:ext cx="1079547" cy="128893"/>
+          </a:xfrm>
+          <a:prstGeom prst="bentConnector3">
+            <a:avLst>
+              <a:gd name="adj1" fmla="val -821"/>
+            </a:avLst>
+          </a:prstGeom>
+          <a:ln>
+            <a:tailEnd type="triangle"/>
+          </a:ln>
+        </p:spPr>
+        <p:style>
+          <a:lnRef idx="2">
+            <a:schemeClr val="accent1"/>
+          </a:lnRef>
+          <a:fillRef idx="0">
+            <a:schemeClr val="accent1"/>
+          </a:fillRef>
+          <a:effectRef idx="1">
+            <a:schemeClr val="accent1"/>
+          </a:effectRef>
+          <a:fontRef idx="minor">
+            <a:schemeClr val="tx1"/>
+          </a:fontRef>
+        </p:style>
+      </p:cxnSp>
+      <mc:AlternateContent xmlns:mc="http://schemas.openxmlformats.org/markup-compatibility/2006">
+        <mc:Choice xmlns:a14="http://schemas.microsoft.com/office/drawing/2010/main" Requires="a14">
+          <p:sp>
+            <p:nvSpPr>
+              <p:cNvPr id="46" name="CasellaDiTesto 45">
+                <a:extLst>
+                  <a:ext uri="{FF2B5EF4-FFF2-40B4-BE49-F238E27FC236}">
+                    <a16:creationId xmlns:a16="http://schemas.microsoft.com/office/drawing/2014/main" id="{EEA19C1B-9788-4693-8816-3B3BF9EA1EB9}"/>
+                  </a:ext>
+                </a:extLst>
+              </p:cNvPr>
+              <p:cNvSpPr txBox="1"/>
+              <p:nvPr/>
+            </p:nvSpPr>
+            <p:spPr>
+              <a:xfrm>
+                <a:off x="-10254" y="4986422"/>
+                <a:ext cx="9408254" cy="307777"/>
+              </a:xfrm>
+              <a:prstGeom prst="rect">
+                <a:avLst/>
+              </a:prstGeom>
+              <a:noFill/>
+            </p:spPr>
+            <p:txBody>
+              <a:bodyPr wrap="square" rtlCol="0">
+                <a:spAutoFit/>
+              </a:bodyPr>
+              <a:lstStyle/>
+              <a:p>
+                <a:pPr marL="342900" indent="-342900">
+                  <a:buFont typeface="+mj-lt"/>
+                  <a:buAutoNum type="arabicPeriod" startAt="5"/>
+                </a:pPr>
+                <a:r>
+                  <a:rPr lang="it-IT" sz="1400" dirty="0">
+                    <a:latin typeface="Arial" panose="020B0604020202020204" pitchFamily="34" charset="0"/>
+                    <a:cs typeface="Arial" panose="020B0604020202020204" pitchFamily="34" charset="0"/>
+                  </a:rPr>
+                  <a:t>Aggiorna la matrice </a:t>
+                </a:r>
+                <a14:m>
+                  <m:oMath xmlns:m="http://schemas.openxmlformats.org/officeDocument/2006/math">
+                    <m:r>
+                      <a:rPr lang="it-IT" sz="1400" b="0" i="1" smtClean="0">
+                        <a:latin typeface="Cambria Math" panose="02040503050406030204" pitchFamily="18" charset="0"/>
+                        <a:cs typeface="Arial" panose="020B0604020202020204" pitchFamily="34" charset="0"/>
+                      </a:rPr>
+                      <m:t>𝐷</m:t>
+                    </m:r>
+                  </m:oMath>
+                </a14:m>
+                <a:r>
+                  <a:rPr lang="it-IT" sz="1400" dirty="0">
+                    <a:latin typeface="Arial" panose="020B0604020202020204" pitchFamily="34" charset="0"/>
+                    <a:cs typeface="Arial" panose="020B0604020202020204" pitchFamily="34" charset="0"/>
+                  </a:rPr>
+                  <a:t> </a:t>
+                </a:r>
+                <a:r>
+                  <a:rPr lang="it-IT" sz="1400" dirty="0">
+                    <a:latin typeface="Arial" panose="020B0604020202020204" pitchFamily="34" charset="0"/>
+                    <a:cs typeface="Arial" panose="020B0604020202020204" pitchFamily="34" charset="0"/>
+                    <a:sym typeface="Wingdings" panose="05000000000000000000" pitchFamily="2" charset="2"/>
+                  </a:rPr>
+                  <a:t> Aggiungi il genitore non noto di </a:t>
+                </a:r>
+                <a14:m>
+                  <m:oMath xmlns:m="http://schemas.openxmlformats.org/officeDocument/2006/math">
+                    <m:r>
+                      <a:rPr lang="it-IT" sz="1400" b="0" i="1" smtClean="0">
+                        <a:latin typeface="Cambria Math" panose="02040503050406030204" pitchFamily="18" charset="0"/>
+                        <a:cs typeface="Arial" panose="020B0604020202020204" pitchFamily="34" charset="0"/>
+                        <a:sym typeface="Wingdings" panose="05000000000000000000" pitchFamily="2" charset="2"/>
+                      </a:rPr>
+                      <m:t>𝑓</m:t>
+                    </m:r>
+                  </m:oMath>
+                </a14:m>
+                <a:r>
+                  <a:rPr lang="it-IT" sz="1400" dirty="0">
+                    <a:latin typeface="Arial" panose="020B0604020202020204" pitchFamily="34" charset="0"/>
+                    <a:cs typeface="Arial" panose="020B0604020202020204" pitchFamily="34" charset="0"/>
+                  </a:rPr>
+                  <a:t> e </a:t>
+                </a:r>
+                <a14:m>
+                  <m:oMath xmlns:m="http://schemas.openxmlformats.org/officeDocument/2006/math">
+                    <m:r>
+                      <a:rPr lang="it-IT" sz="1400" b="0" i="1" smtClean="0">
+                        <a:latin typeface="Cambria Math" panose="02040503050406030204" pitchFamily="18" charset="0"/>
+                        <a:cs typeface="Arial" panose="020B0604020202020204" pitchFamily="34" charset="0"/>
+                      </a:rPr>
+                      <m:t>𝑏</m:t>
+                    </m:r>
+                  </m:oMath>
+                </a14:m>
+                <a:r>
+                  <a:rPr lang="it-IT" sz="1400" dirty="0">
+                    <a:latin typeface="Arial" panose="020B0604020202020204" pitchFamily="34" charset="0"/>
+                    <a:cs typeface="Arial" panose="020B0604020202020204" pitchFamily="34" charset="0"/>
+                  </a:rPr>
+                  <a:t> in </a:t>
+                </a:r>
+                <a14:m>
+                  <m:oMath xmlns:m="http://schemas.openxmlformats.org/officeDocument/2006/math">
+                    <m:r>
+                      <a:rPr lang="it-IT" sz="1400" b="0" i="1" smtClean="0">
+                        <a:latin typeface="Cambria Math" panose="02040503050406030204" pitchFamily="18" charset="0"/>
+                        <a:cs typeface="Arial" panose="020B0604020202020204" pitchFamily="34" charset="0"/>
+                      </a:rPr>
+                      <m:t>𝐷</m:t>
+                    </m:r>
+                  </m:oMath>
+                </a14:m>
+                <a:r>
+                  <a:rPr lang="it-IT" sz="1400" dirty="0">
+                    <a:latin typeface="Arial" panose="020B0604020202020204" pitchFamily="34" charset="0"/>
+                    <a:cs typeface="Arial" panose="020B0604020202020204" pitchFamily="34" charset="0"/>
+                  </a:rPr>
+                  <a:t>, ovvero una riga ed una colonna </a:t>
+                </a:r>
+                <a14:m>
+                  <m:oMath xmlns:m="http://schemas.openxmlformats.org/officeDocument/2006/math">
+                    <m:r>
+                      <a:rPr lang="it-IT" sz="1400" b="0" i="1" smtClean="0">
+                        <a:latin typeface="Cambria Math" panose="02040503050406030204" pitchFamily="18" charset="0"/>
+                        <a:cs typeface="Arial" panose="020B0604020202020204" pitchFamily="34" charset="0"/>
+                      </a:rPr>
+                      <m:t>𝑝</m:t>
+                    </m:r>
+                  </m:oMath>
+                </a14:m>
+                <a:r>
+                  <a:rPr lang="it-IT" sz="1400" dirty="0">
+                    <a:latin typeface="Arial" panose="020B0604020202020204" pitchFamily="34" charset="0"/>
+                    <a:cs typeface="Arial" panose="020B0604020202020204" pitchFamily="34" charset="0"/>
+                  </a:rPr>
+                  <a:t> tale che: </a:t>
+                </a:r>
+              </a:p>
+            </p:txBody>
+          </p:sp>
+        </mc:Choice>
+        <mc:Fallback>
+          <p:sp>
+            <p:nvSpPr>
+              <p:cNvPr id="46" name="CasellaDiTesto 45">
+                <a:extLst>
+                  <a:ext uri="{FF2B5EF4-FFF2-40B4-BE49-F238E27FC236}">
+                    <a16:creationId xmlns:a16="http://schemas.microsoft.com/office/drawing/2014/main" id="{EEA19C1B-9788-4693-8816-3B3BF9EA1EB9}"/>
+                  </a:ext>
+                </a:extLst>
+              </p:cNvPr>
+              <p:cNvSpPr txBox="1">
+                <a:spLocks noRot="1" noChangeAspect="1" noMove="1" noResize="1" noEditPoints="1" noAdjustHandles="1" noChangeArrowheads="1" noChangeShapeType="1" noTextEdit="1"/>
+              </p:cNvSpPr>
+              <p:nvPr/>
+            </p:nvSpPr>
+            <p:spPr>
+              <a:xfrm>
+                <a:off x="-10254" y="4986422"/>
+                <a:ext cx="9408254" cy="307777"/>
+              </a:xfrm>
+              <a:prstGeom prst="rect">
+                <a:avLst/>
+              </a:prstGeom>
+              <a:blipFill>
+                <a:blip r:embed="rId17"/>
+                <a:stretch>
+                  <a:fillRect l="-65" t="-4000" b="-20000"/>
+                </a:stretch>
+              </a:blipFill>
+            </p:spPr>
+            <p:txBody>
+              <a:bodyPr/>
+              <a:lstStyle/>
+              <a:p>
+                <a:r>
+                  <a:rPr lang="it-IT">
+                    <a:noFill/>
+                  </a:rPr>
+                  <a:t> </a:t>
+                </a:r>
+              </a:p>
+            </p:txBody>
+          </p:sp>
+        </mc:Fallback>
+      </mc:AlternateContent>
+      <p:pic>
+        <p:nvPicPr>
+          <p:cNvPr id="47" name="Immagine 46">
+            <a:extLst>
+              <a:ext uri="{FF2B5EF4-FFF2-40B4-BE49-F238E27FC236}">
+                <a16:creationId xmlns:a16="http://schemas.microsoft.com/office/drawing/2014/main" id="{73965911-F528-4196-BD79-F6C6FC722378}"/>
+              </a:ext>
+            </a:extLst>
+          </p:cNvPr>
+          <p:cNvPicPr>
+            <a:picLocks noChangeAspect="1"/>
+          </p:cNvPicPr>
+          <p:nvPr>
+            <p:custDataLst>
+              <p:tags r:id="rId6"/>
+            </p:custDataLst>
+          </p:nvPr>
+        </p:nvPicPr>
+        <p:blipFill>
+          <a:blip r:embed="rId18"/>
+          <a:stretch>
+            <a:fillRect/>
+          </a:stretch>
+        </p:blipFill>
+        <p:spPr>
+          <a:xfrm>
+            <a:off x="2234999" y="5576890"/>
+            <a:ext cx="4379161" cy="357515"/>
+          </a:xfrm>
+          <a:prstGeom prst="rect">
+            <a:avLst/>
+          </a:prstGeom>
+        </p:spPr>
+      </p:pic>
+      <mc:AlternateContent xmlns:mc="http://schemas.openxmlformats.org/markup-compatibility/2006">
+        <mc:Choice xmlns:a14="http://schemas.microsoft.com/office/drawing/2010/main" Requires="a14">
+          <p:sp>
+            <p:nvSpPr>
+              <p:cNvPr id="55" name="CasellaDiTesto 54">
+                <a:extLst>
+                  <a:ext uri="{FF2B5EF4-FFF2-40B4-BE49-F238E27FC236}">
+                    <a16:creationId xmlns:a16="http://schemas.microsoft.com/office/drawing/2014/main" id="{394968AE-1F9D-407B-9B70-DC042FFA48F7}"/>
+                  </a:ext>
+                </a:extLst>
+              </p:cNvPr>
+              <p:cNvSpPr txBox="1"/>
+              <p:nvPr/>
+            </p:nvSpPr>
+            <p:spPr>
+              <a:xfrm>
+                <a:off x="3075893" y="6259742"/>
+                <a:ext cx="2773866" cy="307777"/>
+              </a:xfrm>
+              <a:prstGeom prst="rect">
+                <a:avLst/>
+              </a:prstGeom>
+              <a:noFill/>
+            </p:spPr>
+            <p:txBody>
+              <a:bodyPr wrap="square" rtlCol="0">
+                <a:spAutoFit/>
+              </a:bodyPr>
+              <a:lstStyle/>
+              <a:p>
+                <a:r>
+                  <a:rPr lang="it-IT" sz="1400" dirty="0">
+                    <a:latin typeface="Arial" panose="020B0604020202020204" pitchFamily="34" charset="0"/>
+                    <a:cs typeface="Arial" panose="020B0604020202020204" pitchFamily="34" charset="0"/>
+                  </a:rPr>
+                  <a:t>Infine si eliminano </a:t>
+                </a:r>
+                <a14:m>
+                  <m:oMath xmlns:m="http://schemas.openxmlformats.org/officeDocument/2006/math">
+                    <m:r>
+                      <a:rPr lang="it-IT" sz="1400" b="0" i="1" smtClean="0">
+                        <a:latin typeface="Cambria Math" panose="02040503050406030204" pitchFamily="18" charset="0"/>
+                        <a:cs typeface="Arial" panose="020B0604020202020204" pitchFamily="34" charset="0"/>
+                      </a:rPr>
+                      <m:t>𝑓</m:t>
+                    </m:r>
+                  </m:oMath>
+                </a14:m>
+                <a:r>
+                  <a:rPr lang="it-IT" sz="1400" dirty="0">
+                    <a:latin typeface="Arial" panose="020B0604020202020204" pitchFamily="34" charset="0"/>
+                    <a:cs typeface="Arial" panose="020B0604020202020204" pitchFamily="34" charset="0"/>
+                  </a:rPr>
+                  <a:t> e </a:t>
+                </a:r>
+                <a14:m>
+                  <m:oMath xmlns:m="http://schemas.openxmlformats.org/officeDocument/2006/math">
+                    <m:r>
+                      <a:rPr lang="it-IT" sz="1400" b="0" i="1" smtClean="0">
+                        <a:latin typeface="Cambria Math" panose="02040503050406030204" pitchFamily="18" charset="0"/>
+                        <a:cs typeface="Arial" panose="020B0604020202020204" pitchFamily="34" charset="0"/>
+                      </a:rPr>
+                      <m:t>𝑏</m:t>
+                    </m:r>
+                  </m:oMath>
+                </a14:m>
+                <a:r>
+                  <a:rPr lang="it-IT" sz="1400" dirty="0">
+                    <a:latin typeface="Arial" panose="020B0604020202020204" pitchFamily="34" charset="0"/>
+                    <a:cs typeface="Arial" panose="020B0604020202020204" pitchFamily="34" charset="0"/>
+                  </a:rPr>
+                  <a:t> da </a:t>
+                </a:r>
+                <a14:m>
+                  <m:oMath xmlns:m="http://schemas.openxmlformats.org/officeDocument/2006/math">
+                    <m:r>
+                      <a:rPr lang="it-IT" sz="1400" b="0" i="1" smtClean="0">
+                        <a:latin typeface="Cambria Math" panose="02040503050406030204" pitchFamily="18" charset="0"/>
+                        <a:cs typeface="Arial" panose="020B0604020202020204" pitchFamily="34" charset="0"/>
+                      </a:rPr>
+                      <m:t>𝐷</m:t>
+                    </m:r>
+                  </m:oMath>
+                </a14:m>
+                <a:r>
+                  <a:rPr lang="it-IT" sz="1400" dirty="0">
+                    <a:latin typeface="Arial" panose="020B0604020202020204" pitchFamily="34" charset="0"/>
+                    <a:cs typeface="Arial" panose="020B0604020202020204" pitchFamily="34" charset="0"/>
+                  </a:rPr>
+                  <a:t>.</a:t>
+                </a:r>
+              </a:p>
+            </p:txBody>
+          </p:sp>
+        </mc:Choice>
+        <mc:Fallback>
+          <p:sp>
+            <p:nvSpPr>
+              <p:cNvPr id="55" name="CasellaDiTesto 54">
+                <a:extLst>
+                  <a:ext uri="{FF2B5EF4-FFF2-40B4-BE49-F238E27FC236}">
+                    <a16:creationId xmlns:a16="http://schemas.microsoft.com/office/drawing/2014/main" id="{394968AE-1F9D-407B-9B70-DC042FFA48F7}"/>
+                  </a:ext>
+                </a:extLst>
+              </p:cNvPr>
+              <p:cNvSpPr txBox="1">
+                <a:spLocks noRot="1" noChangeAspect="1" noMove="1" noResize="1" noEditPoints="1" noAdjustHandles="1" noChangeArrowheads="1" noChangeShapeType="1" noTextEdit="1"/>
+              </p:cNvSpPr>
+              <p:nvPr/>
+            </p:nvSpPr>
+            <p:spPr>
+              <a:xfrm>
+                <a:off x="3075893" y="6259742"/>
+                <a:ext cx="2773866" cy="307777"/>
+              </a:xfrm>
+              <a:prstGeom prst="rect">
+                <a:avLst/>
+              </a:prstGeom>
+              <a:blipFill>
+                <a:blip r:embed="rId19"/>
+                <a:stretch>
+                  <a:fillRect l="-659" t="-4000" b="-20000"/>
+                </a:stretch>
+              </a:blipFill>
+            </p:spPr>
+            <p:txBody>
+              <a:bodyPr/>
+              <a:lstStyle/>
+              <a:p>
+                <a:r>
+                  <a:rPr lang="it-IT">
+                    <a:noFill/>
+                  </a:rPr>
+                  <a:t> </a:t>
+                </a:r>
+              </a:p>
+            </p:txBody>
+          </p:sp>
+        </mc:Fallback>
+      </mc:AlternateContent>
+      <p:cxnSp>
+        <p:nvCxnSpPr>
+          <p:cNvPr id="57" name="Connettore 2 56">
+            <a:extLst>
+              <a:ext uri="{FF2B5EF4-FFF2-40B4-BE49-F238E27FC236}">
+                <a16:creationId xmlns:a16="http://schemas.microsoft.com/office/drawing/2014/main" id="{8645D829-4CA8-4A3C-8815-33A1872B7727}"/>
+              </a:ext>
+            </a:extLst>
+          </p:cNvPr>
+          <p:cNvCxnSpPr/>
+          <p:nvPr/>
+        </p:nvCxnSpPr>
+        <p:spPr>
+          <a:xfrm>
+            <a:off x="4420303" y="5258634"/>
+            <a:ext cx="0" cy="318256"/>
+          </a:xfrm>
+          <a:prstGeom prst="straightConnector1">
+            <a:avLst/>
+          </a:prstGeom>
+          <a:ln>
+            <a:tailEnd type="triangle"/>
+          </a:ln>
+        </p:spPr>
+        <p:style>
+          <a:lnRef idx="2">
+            <a:schemeClr val="accent1"/>
+          </a:lnRef>
+          <a:fillRef idx="0">
+            <a:schemeClr val="accent1"/>
+          </a:fillRef>
+          <a:effectRef idx="1">
+            <a:schemeClr val="accent1"/>
+          </a:effectRef>
+          <a:fontRef idx="minor">
+            <a:schemeClr val="tx1"/>
+          </a:fontRef>
+        </p:style>
+      </p:cxnSp>
+      <p:cxnSp>
+        <p:nvCxnSpPr>
+          <p:cNvPr id="59" name="Connettore 2 58">
+            <a:extLst>
+              <a:ext uri="{FF2B5EF4-FFF2-40B4-BE49-F238E27FC236}">
+                <a16:creationId xmlns:a16="http://schemas.microsoft.com/office/drawing/2014/main" id="{3F51039D-CC66-465C-8D01-64B42EC8F1B1}"/>
+              </a:ext>
+            </a:extLst>
+          </p:cNvPr>
+          <p:cNvCxnSpPr>
+            <a:cxnSpLocks/>
+          </p:cNvCxnSpPr>
+          <p:nvPr/>
+        </p:nvCxnSpPr>
+        <p:spPr>
+          <a:xfrm flipH="1">
+            <a:off x="4420303" y="5964885"/>
+            <a:ext cx="4277" cy="282691"/>
+          </a:xfrm>
+          <a:prstGeom prst="straightConnector1">
+            <a:avLst/>
+          </a:prstGeom>
+          <a:ln>
+            <a:tailEnd type="triangle"/>
+          </a:ln>
+        </p:spPr>
+        <p:style>
+          <a:lnRef idx="2">
+            <a:schemeClr val="accent1"/>
+          </a:lnRef>
+          <a:fillRef idx="0">
+            <a:schemeClr val="accent1"/>
+          </a:fillRef>
+          <a:effectRef idx="1">
+            <a:schemeClr val="accent1"/>
+          </a:effectRef>
+          <a:fontRef idx="minor">
+            <a:schemeClr val="tx1"/>
+          </a:fontRef>
+        </p:style>
+      </p:cxnSp>
+    </p:spTree>
+    <p:extLst>
+      <p:ext uri="{BB962C8B-B14F-4D97-AF65-F5344CB8AC3E}">
+        <p14:creationId xmlns:p14="http://schemas.microsoft.com/office/powerpoint/2010/main" val="3043653387"/>
+      </p:ext>
+    </p:extLst>
+  </p:cSld>
+  <p:clrMapOvr>
+    <a:masterClrMapping/>
+  </p:clrMapOvr>
+</p:sld>
+</file>
+
+<file path=ppt/slides/slide16.xml><?xml version="1.0" encoding="utf-8"?>
+<p:sld xmlns:a="http://schemas.openxmlformats.org/drawingml/2006/main" xmlns:r="http://schemas.openxmlformats.org/officeDocument/2006/relationships" xmlns:p="http://schemas.openxmlformats.org/presentationml/2006/main">
+  <p:cSld>
+    <p:spTree>
+      <p:nvGrpSpPr>
+        <p:cNvPr id="1" name=""/>
+        <p:cNvGrpSpPr/>
+        <p:nvPr/>
+      </p:nvGrpSpPr>
+      <p:grpSpPr>
+        <a:xfrm>
+          <a:off x="0" y="0"/>
+          <a:ext cx="0" cy="0"/>
+          <a:chOff x="0" y="0"/>
+          <a:chExt cx="0" cy="0"/>
+        </a:xfrm>
+      </p:grpSpPr>
+      <p:pic>
+        <p:nvPicPr>
+          <p:cNvPr id="2" name="Immagine 1"/>
+          <p:cNvPicPr>
+            <a:picLocks noChangeAspect="1"/>
+          </p:cNvPicPr>
+          <p:nvPr/>
+        </p:nvPicPr>
+        <p:blipFill>
+          <a:blip r:embed="rId3"/>
+          <a:stretch>
+            <a:fillRect/>
+          </a:stretch>
+        </p:blipFill>
+        <p:spPr>
+          <a:xfrm>
+            <a:off x="-1" y="3123"/>
+            <a:ext cx="9143817" cy="6872495"/>
+          </a:xfrm>
+          <a:prstGeom prst="rect">
+            <a:avLst/>
+          </a:prstGeom>
+        </p:spPr>
+      </p:pic>
+      <p:sp>
+        <p:nvSpPr>
+          <p:cNvPr id="7" name="CasellaDiTesto 6"/>
+          <p:cNvSpPr txBox="1"/>
+          <p:nvPr/>
+        </p:nvSpPr>
+        <p:spPr>
+          <a:xfrm>
+            <a:off x="9061" y="649703"/>
+            <a:ext cx="2764619" cy="461665"/>
+          </a:xfrm>
+          <a:prstGeom prst="rect">
+            <a:avLst/>
+          </a:prstGeom>
+          <a:noFill/>
+        </p:spPr>
+        <p:txBody>
+          <a:bodyPr wrap="square" rtlCol="0">
+            <a:spAutoFit/>
+          </a:bodyPr>
+          <a:lstStyle/>
+          <a:p>
+            <a:r>
+              <a:rPr lang="it-IT" sz="2400" b="1" dirty="0">
+                <a:solidFill>
+                  <a:schemeClr val="accent1">
+                    <a:lumMod val="75000"/>
+                  </a:schemeClr>
+                </a:solidFill>
+                <a:latin typeface="Arial"/>
+                <a:cs typeface="Arial"/>
+              </a:rPr>
+              <a:t>Neighbor-Joining</a:t>
+            </a:r>
+          </a:p>
+        </p:txBody>
+      </p:sp>
+      <p:sp>
+        <p:nvSpPr>
+          <p:cNvPr id="12" name="Rettangolo 11"/>
+          <p:cNvSpPr/>
+          <p:nvPr/>
+        </p:nvSpPr>
+        <p:spPr>
+          <a:xfrm>
+            <a:off x="8255000" y="6366466"/>
+            <a:ext cx="280763" cy="501650"/>
+          </a:xfrm>
+          <a:prstGeom prst="rect">
+            <a:avLst/>
+          </a:prstGeom>
+          <a:solidFill>
+            <a:srgbClr val="003053"/>
+          </a:solidFill>
+        </p:spPr>
+        <p:style>
+          <a:lnRef idx="1">
+            <a:schemeClr val="accent1"/>
+          </a:lnRef>
+          <a:fillRef idx="3">
+            <a:schemeClr val="accent1"/>
+          </a:fillRef>
+          <a:effectRef idx="2">
+            <a:schemeClr val="accent1"/>
+          </a:effectRef>
+          <a:fontRef idx="minor">
+            <a:schemeClr val="lt1"/>
+          </a:fontRef>
+        </p:style>
+        <p:txBody>
+          <a:bodyPr rtlCol="0" anchor="ctr"/>
+          <a:lstStyle/>
+          <a:p>
+            <a:pPr algn="ctr"/>
+            <a:endParaRPr lang="it-IT">
+              <a:solidFill>
+                <a:srgbClr val="003257"/>
+              </a:solidFill>
+            </a:endParaRPr>
+          </a:p>
+        </p:txBody>
+      </p:sp>
+      <p:sp>
+        <p:nvSpPr>
+          <p:cNvPr id="11" name="Segnaposto numero diapositiva 10"/>
+          <p:cNvSpPr>
+            <a:spLocks noGrp="1"/>
+          </p:cNvSpPr>
+          <p:nvPr>
+            <p:ph type="sldNum" sz="quarter" idx="12"/>
+          </p:nvPr>
+        </p:nvSpPr>
+        <p:spPr>
+          <a:xfrm>
+            <a:off x="6402163" y="6356350"/>
+            <a:ext cx="2133600" cy="365125"/>
+          </a:xfrm>
+        </p:spPr>
+        <p:txBody>
+          <a:bodyPr/>
+          <a:lstStyle/>
+          <a:p>
+            <a:fld id="{8EB8520A-26EA-DE4B-B141-4532FC98FF0E}" type="slidenum">
+              <a:rPr lang="it-IT" b="1" smtClean="0">
+                <a:solidFill>
+                  <a:schemeClr val="bg1"/>
+                </a:solidFill>
+                <a:latin typeface="Arial"/>
+                <a:cs typeface="Arial"/>
+              </a:rPr>
+              <a:pPr/>
+              <a:t>16</a:t>
+            </a:fld>
+            <a:endParaRPr lang="it-IT" b="1" dirty="0">
+              <a:solidFill>
+                <a:schemeClr val="bg1"/>
+              </a:solidFill>
+              <a:latin typeface="Arial"/>
+              <a:cs typeface="Arial"/>
+            </a:endParaRPr>
+          </a:p>
+        </p:txBody>
+      </p:sp>
+      <p:sp>
+        <p:nvSpPr>
+          <p:cNvPr id="10" name="CasellaDiTesto 9"/>
+          <p:cNvSpPr txBox="1"/>
+          <p:nvPr/>
+        </p:nvSpPr>
+        <p:spPr>
+          <a:xfrm>
+            <a:off x="5735951" y="51433"/>
+            <a:ext cx="2957862" cy="215444"/>
+          </a:xfrm>
+          <a:prstGeom prst="rect">
+            <a:avLst/>
+          </a:prstGeom>
+          <a:noFill/>
+        </p:spPr>
+        <p:txBody>
+          <a:bodyPr wrap="none" rtlCol="0">
+            <a:spAutoFit/>
+          </a:bodyPr>
+          <a:lstStyle/>
+          <a:p>
+            <a:pPr algn="r"/>
+            <a:r>
+              <a:rPr lang="it-IT" sz="800" b="1" dirty="0">
+                <a:solidFill>
+                  <a:schemeClr val="bg1"/>
+                </a:solidFill>
+                <a:latin typeface="Arial"/>
+                <a:cs typeface="Arial"/>
+              </a:rPr>
+              <a:t>Applicazioni dell’algoritmica alla biologia: alberi evolutivi</a:t>
+            </a:r>
+          </a:p>
+        </p:txBody>
+      </p:sp>
+      <p:sp>
+        <p:nvSpPr>
+          <p:cNvPr id="14" name="CasellaDiTesto 13"/>
+          <p:cNvSpPr txBox="1"/>
+          <p:nvPr/>
+        </p:nvSpPr>
+        <p:spPr>
+          <a:xfrm>
+            <a:off x="7082015" y="403482"/>
+            <a:ext cx="1621846" cy="492443"/>
+          </a:xfrm>
+          <a:prstGeom prst="rect">
+            <a:avLst/>
+          </a:prstGeom>
+          <a:noFill/>
+        </p:spPr>
+        <p:txBody>
+          <a:bodyPr wrap="none" rtlCol="0">
+            <a:spAutoFit/>
+          </a:bodyPr>
+          <a:lstStyle/>
+          <a:p>
+            <a:pPr algn="r"/>
+            <a:r>
+              <a:rPr lang="it-IT" sz="800" dirty="0">
+                <a:solidFill>
+                  <a:schemeClr val="bg1"/>
+                </a:solidFill>
+                <a:latin typeface="Arial"/>
+                <a:cs typeface="Arial"/>
+              </a:rPr>
+              <a:t>Firenze, 12 luglio 2019</a:t>
+            </a:r>
+          </a:p>
+          <a:p>
+            <a:endParaRPr lang="it-IT" dirty="0"/>
+          </a:p>
+        </p:txBody>
+      </p:sp>
+      <p:sp>
+        <p:nvSpPr>
+          <p:cNvPr id="53" name="CasellaDiTesto 52">
+            <a:extLst>
+              <a:ext uri="{FF2B5EF4-FFF2-40B4-BE49-F238E27FC236}">
+                <a16:creationId xmlns:a16="http://schemas.microsoft.com/office/drawing/2014/main" id="{C4172192-17B0-4035-AFD1-CBC8BDE7E4CD}"/>
+              </a:ext>
+            </a:extLst>
+          </p:cNvPr>
+          <p:cNvSpPr txBox="1"/>
+          <p:nvPr/>
+        </p:nvSpPr>
+        <p:spPr>
+          <a:xfrm>
+            <a:off x="9062" y="1077183"/>
+            <a:ext cx="1078058" cy="369332"/>
+          </a:xfrm>
+          <a:prstGeom prst="rect">
+            <a:avLst/>
+          </a:prstGeom>
+          <a:noFill/>
+        </p:spPr>
+        <p:txBody>
+          <a:bodyPr wrap="square" rtlCol="0">
+            <a:spAutoFit/>
+          </a:bodyPr>
+          <a:lstStyle/>
+          <a:p>
+            <a:r>
+              <a:rPr lang="it-IT" i="1" dirty="0">
+                <a:latin typeface="Arial"/>
+                <a:cs typeface="Arial"/>
+              </a:rPr>
+              <a:t>Parte 3</a:t>
+            </a:r>
+          </a:p>
+        </p:txBody>
+      </p:sp>
+      <p:sp>
+        <p:nvSpPr>
+          <p:cNvPr id="15" name="CasellaDiTesto 14">
+            <a:extLst>
+              <a:ext uri="{FF2B5EF4-FFF2-40B4-BE49-F238E27FC236}">
+                <a16:creationId xmlns:a16="http://schemas.microsoft.com/office/drawing/2014/main" id="{6F6FE5D5-F472-4E7C-A8EF-040B926745E5}"/>
+              </a:ext>
+            </a:extLst>
+          </p:cNvPr>
+          <p:cNvSpPr txBox="1"/>
+          <p:nvPr/>
+        </p:nvSpPr>
+        <p:spPr>
+          <a:xfrm>
+            <a:off x="-1" y="1912685"/>
+            <a:ext cx="1870538" cy="307777"/>
+          </a:xfrm>
+          <a:prstGeom prst="rect">
+            <a:avLst/>
+          </a:prstGeom>
+          <a:noFill/>
+        </p:spPr>
+        <p:txBody>
+          <a:bodyPr wrap="square" rtlCol="0">
+            <a:spAutoFit/>
+          </a:bodyPr>
+          <a:lstStyle/>
+          <a:p>
+            <a:r>
+              <a:rPr lang="it-IT" sz="1400" dirty="0">
+                <a:latin typeface="Arial" panose="020B0604020202020204" pitchFamily="34" charset="0"/>
+                <a:cs typeface="Arial" panose="020B0604020202020204" pitchFamily="34" charset="0"/>
+              </a:rPr>
+              <a:t>La matrice risultate è</a:t>
+            </a:r>
+          </a:p>
+        </p:txBody>
+      </p:sp>
+      <p:pic>
+        <p:nvPicPr>
+          <p:cNvPr id="3" name="Immagine 2">
+            <a:extLst>
+              <a:ext uri="{FF2B5EF4-FFF2-40B4-BE49-F238E27FC236}">
+                <a16:creationId xmlns:a16="http://schemas.microsoft.com/office/drawing/2014/main" id="{E5590C64-9A42-4036-AAE6-4116DCD3EDA7}"/>
+              </a:ext>
+            </a:extLst>
+          </p:cNvPr>
+          <p:cNvPicPr>
+            <a:picLocks noChangeAspect="1"/>
+          </p:cNvPicPr>
+          <p:nvPr/>
+        </p:nvPicPr>
+        <p:blipFill>
+          <a:blip r:embed="rId4"/>
+          <a:stretch>
+            <a:fillRect/>
+          </a:stretch>
+        </p:blipFill>
+        <p:spPr>
+          <a:xfrm>
+            <a:off x="2261065" y="1363331"/>
+            <a:ext cx="3120570" cy="1179988"/>
+          </a:xfrm>
+          <a:prstGeom prst="rect">
+            <a:avLst/>
+          </a:prstGeom>
+        </p:spPr>
+      </p:pic>
+      <p:cxnSp>
+        <p:nvCxnSpPr>
+          <p:cNvPr id="5" name="Connettore 2 4">
+            <a:extLst>
+              <a:ext uri="{FF2B5EF4-FFF2-40B4-BE49-F238E27FC236}">
+                <a16:creationId xmlns:a16="http://schemas.microsoft.com/office/drawing/2014/main" id="{45DBC41A-55EE-4619-8429-CA96E85D315C}"/>
+              </a:ext>
+            </a:extLst>
+          </p:cNvPr>
+          <p:cNvCxnSpPr>
+            <a:stCxn id="15" idx="3"/>
+          </p:cNvCxnSpPr>
+          <p:nvPr/>
+        </p:nvCxnSpPr>
+        <p:spPr>
+          <a:xfrm flipV="1">
+            <a:off x="1870537" y="2066573"/>
+            <a:ext cx="349888" cy="1"/>
+          </a:xfrm>
+          <a:prstGeom prst="straightConnector1">
+            <a:avLst/>
+          </a:prstGeom>
+          <a:ln>
+            <a:tailEnd type="triangle"/>
+          </a:ln>
+        </p:spPr>
+        <p:style>
+          <a:lnRef idx="2">
+            <a:schemeClr val="accent1"/>
+          </a:lnRef>
+          <a:fillRef idx="0">
+            <a:schemeClr val="accent1"/>
+          </a:fillRef>
+          <a:effectRef idx="1">
+            <a:schemeClr val="accent1"/>
+          </a:effectRef>
+          <a:fontRef idx="minor">
+            <a:schemeClr val="tx1"/>
+          </a:fontRef>
+        </p:style>
+      </p:cxnSp>
+      <mc:AlternateContent xmlns:mc="http://schemas.openxmlformats.org/markup-compatibility/2006">
+        <mc:Choice xmlns:a14="http://schemas.microsoft.com/office/drawing/2010/main" Requires="a14">
+          <p:sp>
+            <p:nvSpPr>
+              <p:cNvPr id="28" name="CasellaDiTesto 27">
+                <a:extLst>
+                  <a:ext uri="{FF2B5EF4-FFF2-40B4-BE49-F238E27FC236}">
+                    <a16:creationId xmlns:a16="http://schemas.microsoft.com/office/drawing/2014/main" id="{48EC1A52-BD78-4C9C-88C4-97893A307A57}"/>
+                  </a:ext>
+                </a:extLst>
+              </p:cNvPr>
+              <p:cNvSpPr txBox="1"/>
+              <p:nvPr/>
+            </p:nvSpPr>
+            <p:spPr>
+              <a:xfrm>
+                <a:off x="6402163" y="1804964"/>
+                <a:ext cx="2570482" cy="523220"/>
+              </a:xfrm>
+              <a:prstGeom prst="rect">
+                <a:avLst/>
+              </a:prstGeom>
+              <a:noFill/>
+            </p:spPr>
+            <p:txBody>
+              <a:bodyPr wrap="square" rtlCol="0">
+                <a:spAutoFit/>
+              </a:bodyPr>
+              <a:lstStyle/>
+              <a:p>
+                <a:r>
+                  <a:rPr lang="it-IT" sz="1400" dirty="0">
+                    <a:latin typeface="Arial" panose="020B0604020202020204" pitchFamily="34" charset="0"/>
+                    <a:cs typeface="Arial" panose="020B0604020202020204" pitchFamily="34" charset="0"/>
+                  </a:rPr>
+                  <a:t>Esegui gli step fino a che non ottieni una matrice </a:t>
+                </a:r>
+                <a14:m>
+                  <m:oMath xmlns:m="http://schemas.openxmlformats.org/officeDocument/2006/math">
+                    <m:r>
+                      <a:rPr lang="it-IT" sz="1400" b="0" i="1" smtClean="0">
+                        <a:latin typeface="Cambria Math" panose="02040503050406030204" pitchFamily="18" charset="0"/>
+                        <a:cs typeface="Arial" panose="020B0604020202020204" pitchFamily="34" charset="0"/>
+                      </a:rPr>
+                      <m:t>2</m:t>
+                    </m:r>
+                    <m:r>
+                      <a:rPr lang="it-IT" sz="1400" b="0" i="1" smtClean="0">
+                        <a:latin typeface="Cambria Math" panose="02040503050406030204" pitchFamily="18" charset="0"/>
+                        <a:ea typeface="Cambria Math" panose="02040503050406030204" pitchFamily="18" charset="0"/>
+                        <a:cs typeface="Arial" panose="020B0604020202020204" pitchFamily="34" charset="0"/>
+                      </a:rPr>
+                      <m:t>×2</m:t>
+                    </m:r>
+                  </m:oMath>
+                </a14:m>
+                <a:r>
+                  <a:rPr lang="it-IT" sz="1400" dirty="0">
+                    <a:latin typeface="Arial" panose="020B0604020202020204" pitchFamily="34" charset="0"/>
+                    <a:cs typeface="Arial" panose="020B0604020202020204" pitchFamily="34" charset="0"/>
+                  </a:rPr>
+                  <a:t>.</a:t>
+                </a:r>
+              </a:p>
+            </p:txBody>
+          </p:sp>
+        </mc:Choice>
+        <mc:Fallback>
+          <p:sp>
+            <p:nvSpPr>
+              <p:cNvPr id="28" name="CasellaDiTesto 27">
+                <a:extLst>
+                  <a:ext uri="{FF2B5EF4-FFF2-40B4-BE49-F238E27FC236}">
+                    <a16:creationId xmlns:a16="http://schemas.microsoft.com/office/drawing/2014/main" id="{48EC1A52-BD78-4C9C-88C4-97893A307A57}"/>
+                  </a:ext>
+                </a:extLst>
+              </p:cNvPr>
+              <p:cNvSpPr txBox="1">
+                <a:spLocks noRot="1" noChangeAspect="1" noMove="1" noResize="1" noEditPoints="1" noAdjustHandles="1" noChangeArrowheads="1" noChangeShapeType="1" noTextEdit="1"/>
+              </p:cNvSpPr>
+              <p:nvPr/>
+            </p:nvSpPr>
+            <p:spPr>
+              <a:xfrm>
+                <a:off x="6402163" y="1804964"/>
+                <a:ext cx="2570482" cy="523220"/>
+              </a:xfrm>
+              <a:prstGeom prst="rect">
+                <a:avLst/>
+              </a:prstGeom>
+              <a:blipFill>
+                <a:blip r:embed="rId5"/>
+                <a:stretch>
+                  <a:fillRect l="-711" t="-2326" b="-11628"/>
+                </a:stretch>
+              </a:blipFill>
+            </p:spPr>
+            <p:txBody>
+              <a:bodyPr/>
+              <a:lstStyle/>
+              <a:p>
+                <a:r>
+                  <a:rPr lang="it-IT">
+                    <a:noFill/>
+                  </a:rPr>
+                  <a:t> </a:t>
+                </a:r>
+              </a:p>
+            </p:txBody>
+          </p:sp>
+        </mc:Fallback>
+      </mc:AlternateContent>
+      <p:cxnSp>
+        <p:nvCxnSpPr>
+          <p:cNvPr id="9" name="Connettore 2 8">
+            <a:extLst>
+              <a:ext uri="{FF2B5EF4-FFF2-40B4-BE49-F238E27FC236}">
+                <a16:creationId xmlns:a16="http://schemas.microsoft.com/office/drawing/2014/main" id="{B1DA1560-7DFA-4B39-BDD6-FDBAEFB6F183}"/>
+              </a:ext>
+            </a:extLst>
+          </p:cNvPr>
+          <p:cNvCxnSpPr>
+            <a:cxnSpLocks/>
+            <a:endCxn id="28" idx="1"/>
+          </p:cNvCxnSpPr>
+          <p:nvPr/>
+        </p:nvCxnSpPr>
+        <p:spPr>
+          <a:xfrm>
+            <a:off x="5422275" y="2066574"/>
+            <a:ext cx="979888" cy="0"/>
+          </a:xfrm>
+          <a:prstGeom prst="straightConnector1">
+            <a:avLst/>
+          </a:prstGeom>
+          <a:ln>
+            <a:tailEnd type="triangle"/>
+          </a:ln>
+        </p:spPr>
+        <p:style>
+          <a:lnRef idx="2">
+            <a:schemeClr val="accent1"/>
+          </a:lnRef>
+          <a:fillRef idx="0">
+            <a:schemeClr val="accent1"/>
+          </a:fillRef>
+          <a:effectRef idx="1">
+            <a:schemeClr val="accent1"/>
+          </a:effectRef>
+          <a:fontRef idx="minor">
+            <a:schemeClr val="tx1"/>
+          </a:fontRef>
+        </p:style>
+      </p:cxnSp>
+      <p:pic>
+        <p:nvPicPr>
+          <p:cNvPr id="16" name="Immagine 15">
+            <a:extLst>
+              <a:ext uri="{FF2B5EF4-FFF2-40B4-BE49-F238E27FC236}">
+                <a16:creationId xmlns:a16="http://schemas.microsoft.com/office/drawing/2014/main" id="{6F0D14F6-77BE-4B37-950B-35CCA9983CDF}"/>
+              </a:ext>
+            </a:extLst>
+          </p:cNvPr>
+          <p:cNvPicPr>
+            <a:picLocks noChangeAspect="1"/>
+          </p:cNvPicPr>
+          <p:nvPr/>
+        </p:nvPicPr>
+        <p:blipFill>
+          <a:blip r:embed="rId6"/>
+          <a:stretch>
+            <a:fillRect/>
+          </a:stretch>
+        </p:blipFill>
+        <p:spPr>
+          <a:xfrm>
+            <a:off x="6402163" y="2959376"/>
+            <a:ext cx="2735126" cy="991099"/>
+          </a:xfrm>
+          <a:prstGeom prst="rect">
+            <a:avLst/>
+          </a:prstGeom>
+        </p:spPr>
+      </p:pic>
+      <p:cxnSp>
+        <p:nvCxnSpPr>
+          <p:cNvPr id="18" name="Connettore 2 17">
+            <a:extLst>
+              <a:ext uri="{FF2B5EF4-FFF2-40B4-BE49-F238E27FC236}">
+                <a16:creationId xmlns:a16="http://schemas.microsoft.com/office/drawing/2014/main" id="{8BBA40F3-4895-43DB-91FC-209DC9D293BB}"/>
+              </a:ext>
+            </a:extLst>
+          </p:cNvPr>
+          <p:cNvCxnSpPr/>
+          <p:nvPr/>
+        </p:nvCxnSpPr>
+        <p:spPr>
+          <a:xfrm>
+            <a:off x="7687404" y="2414458"/>
+            <a:ext cx="0" cy="544918"/>
+          </a:xfrm>
+          <a:prstGeom prst="straightConnector1">
+            <a:avLst/>
+          </a:prstGeom>
+          <a:ln>
+            <a:tailEnd type="triangle"/>
+          </a:ln>
+        </p:spPr>
+        <p:style>
+          <a:lnRef idx="2">
+            <a:schemeClr val="accent1"/>
+          </a:lnRef>
+          <a:fillRef idx="0">
+            <a:schemeClr val="accent1"/>
+          </a:fillRef>
+          <a:effectRef idx="1">
+            <a:schemeClr val="accent1"/>
+          </a:effectRef>
+          <a:fontRef idx="minor">
+            <a:schemeClr val="tx1"/>
+          </a:fontRef>
+        </p:style>
+      </p:cxnSp>
+      <mc:AlternateContent xmlns:mc="http://schemas.openxmlformats.org/markup-compatibility/2006">
+        <mc:Choice xmlns:a14="http://schemas.microsoft.com/office/drawing/2010/main" Requires="a14">
+          <p:sp>
+            <p:nvSpPr>
+              <p:cNvPr id="36" name="CasellaDiTesto 35">
+                <a:extLst>
+                  <a:ext uri="{FF2B5EF4-FFF2-40B4-BE49-F238E27FC236}">
+                    <a16:creationId xmlns:a16="http://schemas.microsoft.com/office/drawing/2014/main" id="{F00CBE11-CC64-4846-BC13-8A3A12E39C58}"/>
+                  </a:ext>
+                </a:extLst>
+              </p:cNvPr>
+              <p:cNvSpPr txBox="1"/>
+              <p:nvPr/>
+            </p:nvSpPr>
+            <p:spPr>
+              <a:xfrm>
+                <a:off x="-1" y="3293651"/>
+                <a:ext cx="4572001" cy="523220"/>
+              </a:xfrm>
+              <a:prstGeom prst="rect">
+                <a:avLst/>
+              </a:prstGeom>
+              <a:noFill/>
+            </p:spPr>
+            <p:txBody>
+              <a:bodyPr wrap="square" rtlCol="0">
+                <a:spAutoFit/>
+              </a:bodyPr>
+              <a:lstStyle/>
+              <a:p>
+                <a14:m>
+                  <m:oMath xmlns:m="http://schemas.openxmlformats.org/officeDocument/2006/math">
+                    <m:r>
+                      <a:rPr lang="it-IT" sz="1400" b="0" i="1" dirty="0" smtClean="0">
+                        <a:latin typeface="Cambria Math" panose="02040503050406030204" pitchFamily="18" charset="0"/>
+                        <a:cs typeface="Arial" panose="020B0604020202020204" pitchFamily="34" charset="0"/>
+                      </a:rPr>
+                      <m:t>𝑝</m:t>
+                    </m:r>
+                  </m:oMath>
+                </a14:m>
+                <a:r>
+                  <a:rPr lang="it-IT" sz="1400" dirty="0">
+                    <a:latin typeface="Arial" panose="020B0604020202020204" pitchFamily="34" charset="0"/>
+                    <a:cs typeface="Arial" panose="020B0604020202020204" pitchFamily="34" charset="0"/>
+                  </a:rPr>
+                  <a:t> e </a:t>
+                </a:r>
+                <a14:m>
+                  <m:oMath xmlns:m="http://schemas.openxmlformats.org/officeDocument/2006/math">
+                    <m:r>
+                      <a:rPr lang="it-IT" sz="1400" b="0" i="1" smtClean="0">
+                        <a:latin typeface="Cambria Math" panose="02040503050406030204" pitchFamily="18" charset="0"/>
+                        <a:cs typeface="Arial" panose="020B0604020202020204" pitchFamily="34" charset="0"/>
+                      </a:rPr>
+                      <m:t>𝑘</m:t>
+                    </m:r>
+                  </m:oMath>
+                </a14:m>
+                <a:r>
+                  <a:rPr lang="it-IT" sz="1400" dirty="0">
+                    <a:latin typeface="Arial" panose="020B0604020202020204" pitchFamily="34" charset="0"/>
+                    <a:cs typeface="Arial" panose="020B0604020202020204" pitchFamily="34" charset="0"/>
+                  </a:rPr>
+                  <a:t> sono nodi interni collegati da un arco di peso 1,5.</a:t>
+                </a:r>
+                <a:br>
+                  <a:rPr lang="it-IT" sz="1400" dirty="0">
+                    <a:latin typeface="Arial" panose="020B0604020202020204" pitchFamily="34" charset="0"/>
+                    <a:cs typeface="Arial" panose="020B0604020202020204" pitchFamily="34" charset="0"/>
+                  </a:rPr>
+                </a:br>
+                <a:r>
+                  <a:rPr lang="it-IT" sz="1400" dirty="0">
+                    <a:latin typeface="Arial" panose="020B0604020202020204" pitchFamily="34" charset="0"/>
+                    <a:cs typeface="Arial" panose="020B0604020202020204" pitchFamily="34" charset="0"/>
+                  </a:rPr>
+                  <a:t>Adesso si può costruire l’albero finale </a:t>
+                </a:r>
+                <a14:m>
+                  <m:oMath xmlns:m="http://schemas.openxmlformats.org/officeDocument/2006/math">
+                    <m:r>
+                      <a:rPr lang="it-IT" sz="1400" b="0" i="1" smtClean="0">
+                        <a:latin typeface="Cambria Math" panose="02040503050406030204" pitchFamily="18" charset="0"/>
+                        <a:cs typeface="Arial" panose="020B0604020202020204" pitchFamily="34" charset="0"/>
+                      </a:rPr>
+                      <m:t>𝑇</m:t>
+                    </m:r>
+                  </m:oMath>
+                </a14:m>
+                <a:r>
+                  <a:rPr lang="it-IT" sz="1400" dirty="0">
+                    <a:latin typeface="Arial" panose="020B0604020202020204" pitchFamily="34" charset="0"/>
+                    <a:cs typeface="Arial" panose="020B0604020202020204" pitchFamily="34" charset="0"/>
+                  </a:rPr>
+                  <a:t>.</a:t>
+                </a:r>
+              </a:p>
+            </p:txBody>
+          </p:sp>
+        </mc:Choice>
+        <mc:Fallback>
+          <p:sp>
+            <p:nvSpPr>
+              <p:cNvPr id="36" name="CasellaDiTesto 35">
+                <a:extLst>
+                  <a:ext uri="{FF2B5EF4-FFF2-40B4-BE49-F238E27FC236}">
+                    <a16:creationId xmlns:a16="http://schemas.microsoft.com/office/drawing/2014/main" id="{F00CBE11-CC64-4846-BC13-8A3A12E39C58}"/>
+                  </a:ext>
+                </a:extLst>
+              </p:cNvPr>
+              <p:cNvSpPr txBox="1">
+                <a:spLocks noRot="1" noChangeAspect="1" noMove="1" noResize="1" noEditPoints="1" noAdjustHandles="1" noChangeArrowheads="1" noChangeShapeType="1" noTextEdit="1"/>
+              </p:cNvSpPr>
+              <p:nvPr/>
+            </p:nvSpPr>
+            <p:spPr>
+              <a:xfrm>
+                <a:off x="-1" y="3293651"/>
+                <a:ext cx="4572001" cy="523220"/>
+              </a:xfrm>
+              <a:prstGeom prst="rect">
+                <a:avLst/>
+              </a:prstGeom>
+              <a:blipFill>
+                <a:blip r:embed="rId7"/>
+                <a:stretch>
+                  <a:fillRect l="-400" t="-1163" b="-11628"/>
+                </a:stretch>
+              </a:blipFill>
+            </p:spPr>
+            <p:txBody>
+              <a:bodyPr/>
+              <a:lstStyle/>
+              <a:p>
+                <a:r>
+                  <a:rPr lang="it-IT">
+                    <a:noFill/>
+                  </a:rPr>
+                  <a:t> </a:t>
+                </a:r>
+              </a:p>
+            </p:txBody>
+          </p:sp>
+        </mc:Fallback>
+      </mc:AlternateContent>
+      <p:pic>
+        <p:nvPicPr>
+          <p:cNvPr id="19" name="Immagine 18">
+            <a:extLst>
+              <a:ext uri="{FF2B5EF4-FFF2-40B4-BE49-F238E27FC236}">
+                <a16:creationId xmlns:a16="http://schemas.microsoft.com/office/drawing/2014/main" id="{D65C047C-52B0-4781-877D-2BFF5A758D8E}"/>
+              </a:ext>
+            </a:extLst>
+          </p:cNvPr>
+          <p:cNvPicPr>
+            <a:picLocks noChangeAspect="1"/>
+          </p:cNvPicPr>
+          <p:nvPr/>
+        </p:nvPicPr>
+        <p:blipFill>
+          <a:blip r:embed="rId8"/>
+          <a:stretch>
+            <a:fillRect/>
+          </a:stretch>
+        </p:blipFill>
+        <p:spPr>
+          <a:xfrm>
+            <a:off x="2430780" y="4314683"/>
+            <a:ext cx="4505130" cy="2440278"/>
+          </a:xfrm>
+          <a:prstGeom prst="rect">
+            <a:avLst/>
+          </a:prstGeom>
+        </p:spPr>
+      </p:pic>
+      <p:cxnSp>
+        <p:nvCxnSpPr>
+          <p:cNvPr id="22" name="Connettore 2 21">
+            <a:extLst>
+              <a:ext uri="{FF2B5EF4-FFF2-40B4-BE49-F238E27FC236}">
+                <a16:creationId xmlns:a16="http://schemas.microsoft.com/office/drawing/2014/main" id="{226F273B-0F1B-4EF7-9F93-E2777D4DEC73}"/>
+              </a:ext>
+            </a:extLst>
+          </p:cNvPr>
+          <p:cNvCxnSpPr/>
+          <p:nvPr/>
+        </p:nvCxnSpPr>
+        <p:spPr>
+          <a:xfrm flipH="1">
+            <a:off x="4572000" y="3596640"/>
+            <a:ext cx="1747520" cy="0"/>
+          </a:xfrm>
+          <a:prstGeom prst="straightConnector1">
+            <a:avLst/>
+          </a:prstGeom>
+          <a:ln>
+            <a:tailEnd type="triangle"/>
+          </a:ln>
+        </p:spPr>
+        <p:style>
+          <a:lnRef idx="2">
+            <a:schemeClr val="accent1"/>
+          </a:lnRef>
+          <a:fillRef idx="0">
+            <a:schemeClr val="accent1"/>
+          </a:fillRef>
+          <a:effectRef idx="1">
+            <a:schemeClr val="accent1"/>
+          </a:effectRef>
+          <a:fontRef idx="minor">
+            <a:schemeClr val="tx1"/>
+          </a:fontRef>
+        </p:style>
+      </p:cxnSp>
+      <p:cxnSp>
+        <p:nvCxnSpPr>
+          <p:cNvPr id="26" name="Connettore a gomito 25">
+            <a:extLst>
+              <a:ext uri="{FF2B5EF4-FFF2-40B4-BE49-F238E27FC236}">
+                <a16:creationId xmlns:a16="http://schemas.microsoft.com/office/drawing/2014/main" id="{0D6FA3E5-A138-44B5-B07B-E6898128A073}"/>
+              </a:ext>
+            </a:extLst>
+          </p:cNvPr>
+          <p:cNvCxnSpPr>
+            <a:stCxn id="36" idx="2"/>
+            <a:endCxn id="19" idx="0"/>
+          </p:cNvCxnSpPr>
+          <p:nvPr/>
+        </p:nvCxnSpPr>
+        <p:spPr>
+          <a:xfrm rot="16200000" flipH="1">
+            <a:off x="3235766" y="2867104"/>
+            <a:ext cx="497812" cy="2397345"/>
+          </a:xfrm>
+          <a:prstGeom prst="bentConnector3">
+            <a:avLst>
+              <a:gd name="adj1" fmla="val 39795"/>
+            </a:avLst>
+          </a:prstGeom>
+          <a:ln>
+            <a:tailEnd type="triangle"/>
+          </a:ln>
+        </p:spPr>
+        <p:style>
+          <a:lnRef idx="2">
+            <a:schemeClr val="accent1"/>
+          </a:lnRef>
+          <a:fillRef idx="0">
+            <a:schemeClr val="accent1"/>
+          </a:fillRef>
+          <a:effectRef idx="1">
+            <a:schemeClr val="accent1"/>
+          </a:effectRef>
+          <a:fontRef idx="minor">
+            <a:schemeClr val="tx1"/>
+          </a:fontRef>
+        </p:style>
+      </p:cxnSp>
+    </p:spTree>
+    <p:extLst>
+      <p:ext uri="{BB962C8B-B14F-4D97-AF65-F5344CB8AC3E}">
+        <p14:creationId xmlns:p14="http://schemas.microsoft.com/office/powerpoint/2010/main" val="1605923754"/>
+      </p:ext>
+    </p:extLst>
+  </p:cSld>
+  <p:clrMapOvr>
+    <a:masterClrMapping/>
+  </p:clrMapOvr>
+</p:sld>
+</file>
+
+<file path=ppt/slides/slide17.xml><?xml version="1.0" encoding="utf-8"?>
+<p:sld xmlns:a="http://schemas.openxmlformats.org/drawingml/2006/main" xmlns:r="http://schemas.openxmlformats.org/officeDocument/2006/relationships" xmlns:p="http://schemas.openxmlformats.org/presentationml/2006/main">
+  <p:cSld>
+    <p:spTree>
+      <p:nvGrpSpPr>
+        <p:cNvPr id="1" name=""/>
+        <p:cNvGrpSpPr/>
+        <p:nvPr/>
+      </p:nvGrpSpPr>
+      <p:grpSpPr>
+        <a:xfrm>
+          <a:off x="0" y="0"/>
+          <a:ext cx="0" cy="0"/>
+          <a:chOff x="0" y="0"/>
+          <a:chExt cx="0" cy="0"/>
+        </a:xfrm>
+      </p:grpSpPr>
+      <p:pic>
+        <p:nvPicPr>
+          <p:cNvPr id="2" name="Immagine 1"/>
+          <p:cNvPicPr>
+            <a:picLocks noChangeAspect="1"/>
+          </p:cNvPicPr>
+          <p:nvPr/>
+        </p:nvPicPr>
+        <p:blipFill>
+          <a:blip r:embed="rId3"/>
+          <a:stretch>
+            <a:fillRect/>
+          </a:stretch>
+        </p:blipFill>
+        <p:spPr>
+          <a:xfrm>
+            <a:off x="-1" y="3123"/>
+            <a:ext cx="9143817" cy="6872495"/>
+          </a:xfrm>
+          <a:prstGeom prst="rect">
+            <a:avLst/>
+          </a:prstGeom>
+        </p:spPr>
+      </p:pic>
+      <p:sp>
+        <p:nvSpPr>
+          <p:cNvPr id="7" name="CasellaDiTesto 6"/>
+          <p:cNvSpPr txBox="1"/>
+          <p:nvPr/>
+        </p:nvSpPr>
+        <p:spPr>
+          <a:xfrm>
+            <a:off x="9061" y="649703"/>
+            <a:ext cx="2764619" cy="461665"/>
+          </a:xfrm>
+          <a:prstGeom prst="rect">
+            <a:avLst/>
+          </a:prstGeom>
+          <a:noFill/>
+        </p:spPr>
+        <p:txBody>
+          <a:bodyPr wrap="square" rtlCol="0">
+            <a:spAutoFit/>
+          </a:bodyPr>
+          <a:lstStyle/>
+          <a:p>
+            <a:r>
+              <a:rPr lang="it-IT" sz="2400" b="1" dirty="0">
+                <a:solidFill>
+                  <a:schemeClr val="accent1">
+                    <a:lumMod val="75000"/>
+                  </a:schemeClr>
+                </a:solidFill>
+                <a:latin typeface="Arial"/>
+                <a:cs typeface="Arial"/>
+              </a:rPr>
+              <a:t>Neighbor-Joining</a:t>
+            </a:r>
+          </a:p>
+        </p:txBody>
+      </p:sp>
+      <p:sp>
+        <p:nvSpPr>
+          <p:cNvPr id="12" name="Rettangolo 11"/>
+          <p:cNvSpPr/>
+          <p:nvPr/>
+        </p:nvSpPr>
+        <p:spPr>
+          <a:xfrm>
+            <a:off x="8255000" y="6366466"/>
+            <a:ext cx="280763" cy="501650"/>
+          </a:xfrm>
+          <a:prstGeom prst="rect">
+            <a:avLst/>
+          </a:prstGeom>
+          <a:solidFill>
+            <a:srgbClr val="003053"/>
+          </a:solidFill>
+        </p:spPr>
+        <p:style>
+          <a:lnRef idx="1">
+            <a:schemeClr val="accent1"/>
+          </a:lnRef>
+          <a:fillRef idx="3">
+            <a:schemeClr val="accent1"/>
+          </a:fillRef>
+          <a:effectRef idx="2">
+            <a:schemeClr val="accent1"/>
+          </a:effectRef>
+          <a:fontRef idx="minor">
+            <a:schemeClr val="lt1"/>
+          </a:fontRef>
+        </p:style>
+        <p:txBody>
+          <a:bodyPr rtlCol="0" anchor="ctr"/>
+          <a:lstStyle/>
+          <a:p>
+            <a:pPr algn="ctr"/>
+            <a:endParaRPr lang="it-IT">
+              <a:solidFill>
+                <a:srgbClr val="003257"/>
+              </a:solidFill>
+            </a:endParaRPr>
+          </a:p>
+        </p:txBody>
+      </p:sp>
+      <p:sp>
+        <p:nvSpPr>
+          <p:cNvPr id="11" name="Segnaposto numero diapositiva 10"/>
+          <p:cNvSpPr>
+            <a:spLocks noGrp="1"/>
+          </p:cNvSpPr>
+          <p:nvPr>
+            <p:ph type="sldNum" sz="quarter" idx="12"/>
+          </p:nvPr>
+        </p:nvSpPr>
+        <p:spPr>
+          <a:xfrm>
+            <a:off x="6402163" y="6356350"/>
+            <a:ext cx="2133600" cy="365125"/>
+          </a:xfrm>
+        </p:spPr>
+        <p:txBody>
+          <a:bodyPr/>
+          <a:lstStyle/>
+          <a:p>
+            <a:fld id="{8EB8520A-26EA-DE4B-B141-4532FC98FF0E}" type="slidenum">
+              <a:rPr lang="it-IT" b="1" smtClean="0">
+                <a:solidFill>
+                  <a:schemeClr val="bg1"/>
+                </a:solidFill>
+                <a:latin typeface="Arial"/>
+                <a:cs typeface="Arial"/>
+              </a:rPr>
+              <a:pPr/>
+              <a:t>17</a:t>
+            </a:fld>
+            <a:endParaRPr lang="it-IT" b="1" dirty="0">
+              <a:solidFill>
+                <a:schemeClr val="bg1"/>
+              </a:solidFill>
+              <a:latin typeface="Arial"/>
+              <a:cs typeface="Arial"/>
+            </a:endParaRPr>
+          </a:p>
+        </p:txBody>
+      </p:sp>
+      <p:sp>
+        <p:nvSpPr>
+          <p:cNvPr id="10" name="CasellaDiTesto 9"/>
+          <p:cNvSpPr txBox="1"/>
+          <p:nvPr/>
+        </p:nvSpPr>
+        <p:spPr>
+          <a:xfrm>
+            <a:off x="5735951" y="51433"/>
+            <a:ext cx="2957862" cy="215444"/>
+          </a:xfrm>
+          <a:prstGeom prst="rect">
+            <a:avLst/>
+          </a:prstGeom>
+          <a:noFill/>
+        </p:spPr>
+        <p:txBody>
+          <a:bodyPr wrap="none" rtlCol="0">
+            <a:spAutoFit/>
+          </a:bodyPr>
+          <a:lstStyle/>
+          <a:p>
+            <a:pPr algn="r"/>
+            <a:r>
+              <a:rPr lang="it-IT" sz="800" b="1" dirty="0">
+                <a:solidFill>
+                  <a:schemeClr val="bg1"/>
+                </a:solidFill>
+                <a:latin typeface="Arial"/>
+                <a:cs typeface="Arial"/>
+              </a:rPr>
+              <a:t>Applicazioni dell’algoritmica alla biologia: alberi evolutivi</a:t>
+            </a:r>
+          </a:p>
+        </p:txBody>
+      </p:sp>
+      <p:sp>
+        <p:nvSpPr>
+          <p:cNvPr id="14" name="CasellaDiTesto 13"/>
+          <p:cNvSpPr txBox="1"/>
+          <p:nvPr/>
+        </p:nvSpPr>
+        <p:spPr>
+          <a:xfrm>
+            <a:off x="7082015" y="403482"/>
+            <a:ext cx="1621846" cy="492443"/>
+          </a:xfrm>
+          <a:prstGeom prst="rect">
+            <a:avLst/>
+          </a:prstGeom>
+          <a:noFill/>
+        </p:spPr>
+        <p:txBody>
+          <a:bodyPr wrap="none" rtlCol="0">
+            <a:spAutoFit/>
+          </a:bodyPr>
+          <a:lstStyle/>
+          <a:p>
+            <a:pPr algn="r"/>
+            <a:r>
+              <a:rPr lang="it-IT" sz="800" dirty="0">
+                <a:solidFill>
+                  <a:schemeClr val="bg1"/>
+                </a:solidFill>
+                <a:latin typeface="Arial"/>
+                <a:cs typeface="Arial"/>
+              </a:rPr>
+              <a:t>Firenze, 12 luglio 2019</a:t>
+            </a:r>
+          </a:p>
+          <a:p>
+            <a:endParaRPr lang="it-IT" dirty="0"/>
+          </a:p>
+        </p:txBody>
+      </p:sp>
+      <p:sp>
+        <p:nvSpPr>
+          <p:cNvPr id="53" name="CasellaDiTesto 52">
+            <a:extLst>
+              <a:ext uri="{FF2B5EF4-FFF2-40B4-BE49-F238E27FC236}">
+                <a16:creationId xmlns:a16="http://schemas.microsoft.com/office/drawing/2014/main" id="{C4172192-17B0-4035-AFD1-CBC8BDE7E4CD}"/>
+              </a:ext>
+            </a:extLst>
+          </p:cNvPr>
+          <p:cNvSpPr txBox="1"/>
+          <p:nvPr/>
+        </p:nvSpPr>
+        <p:spPr>
+          <a:xfrm>
+            <a:off x="9062" y="1077183"/>
+            <a:ext cx="1078058" cy="369332"/>
+          </a:xfrm>
+          <a:prstGeom prst="rect">
+            <a:avLst/>
+          </a:prstGeom>
+          <a:noFill/>
+        </p:spPr>
+        <p:txBody>
+          <a:bodyPr wrap="square" rtlCol="0">
+            <a:spAutoFit/>
+          </a:bodyPr>
+          <a:lstStyle/>
+          <a:p>
+            <a:r>
+              <a:rPr lang="it-IT" i="1" dirty="0">
+                <a:latin typeface="Arial"/>
+                <a:cs typeface="Arial"/>
+              </a:rPr>
+              <a:t>Parte 4</a:t>
+            </a:r>
+          </a:p>
+        </p:txBody>
+      </p:sp>
+      <mc:AlternateContent xmlns:mc="http://schemas.openxmlformats.org/markup-compatibility/2006">
+        <mc:Choice xmlns:a14="http://schemas.microsoft.com/office/drawing/2010/main" Requires="a14">
+          <p:sp>
+            <p:nvSpPr>
+              <p:cNvPr id="33" name="CasellaDiTesto 32">
+                <a:extLst>
+                  <a:ext uri="{FF2B5EF4-FFF2-40B4-BE49-F238E27FC236}">
+                    <a16:creationId xmlns:a16="http://schemas.microsoft.com/office/drawing/2014/main" id="{E850FC2F-845B-4A56-BEE2-E421A688F911}"/>
+                  </a:ext>
+                </a:extLst>
+              </p:cNvPr>
+              <p:cNvSpPr txBox="1"/>
+              <p:nvPr/>
+            </p:nvSpPr>
+            <p:spPr>
+              <a:xfrm>
+                <a:off x="-2" y="1496338"/>
+                <a:ext cx="9143817" cy="307777"/>
+              </a:xfrm>
+              <a:prstGeom prst="rect">
+                <a:avLst/>
+              </a:prstGeom>
+              <a:noFill/>
+            </p:spPr>
+            <p:txBody>
+              <a:bodyPr wrap="square" rtlCol="0">
+                <a:spAutoFit/>
+              </a:bodyPr>
+              <a:lstStyle/>
+              <a:p>
+                <a:r>
+                  <a:rPr lang="it-IT" sz="1400" dirty="0">
+                    <a:latin typeface="Arial" panose="020B0604020202020204" pitchFamily="34" charset="0"/>
+                    <a:cs typeface="Arial" panose="020B0604020202020204" pitchFamily="34" charset="0"/>
+                  </a:rPr>
+                  <a:t>Per capire quanto </a:t>
+                </a:r>
+                <a14:m>
+                  <m:oMath xmlns:m="http://schemas.openxmlformats.org/officeDocument/2006/math">
+                    <m:r>
+                      <a:rPr lang="it-IT" sz="1400" b="0" i="1" smtClean="0">
+                        <a:latin typeface="Cambria Math" panose="02040503050406030204" pitchFamily="18" charset="0"/>
+                        <a:cs typeface="Arial" panose="020B0604020202020204" pitchFamily="34" charset="0"/>
+                      </a:rPr>
+                      <m:t>𝑇</m:t>
+                    </m:r>
+                  </m:oMath>
+                </a14:m>
+                <a:r>
+                  <a:rPr lang="it-IT" sz="1400" dirty="0">
+                    <a:latin typeface="Arial" panose="020B0604020202020204" pitchFamily="34" charset="0"/>
+                    <a:cs typeface="Arial" panose="020B0604020202020204" pitchFamily="34" charset="0"/>
+                  </a:rPr>
+                  <a:t> approssimi al meglio </a:t>
+                </a:r>
+                <a14:m>
+                  <m:oMath xmlns:m="http://schemas.openxmlformats.org/officeDocument/2006/math">
+                    <m:r>
+                      <a:rPr lang="it-IT" sz="1400" b="0" i="1" smtClean="0">
+                        <a:latin typeface="Cambria Math" panose="02040503050406030204" pitchFamily="18" charset="0"/>
+                        <a:cs typeface="Arial" panose="020B0604020202020204" pitchFamily="34" charset="0"/>
+                      </a:rPr>
+                      <m:t>𝐷</m:t>
+                    </m:r>
+                  </m:oMath>
+                </a14:m>
+                <a:r>
+                  <a:rPr lang="it-IT" sz="1400" dirty="0">
+                    <a:latin typeface="Arial" panose="020B0604020202020204" pitchFamily="34" charset="0"/>
+                    <a:cs typeface="Arial" panose="020B0604020202020204" pitchFamily="34" charset="0"/>
+                  </a:rPr>
+                  <a:t> si costruisce </a:t>
+                </a:r>
+                <a14:m>
+                  <m:oMath xmlns:m="http://schemas.openxmlformats.org/officeDocument/2006/math">
+                    <m:r>
+                      <a:rPr lang="it-IT" sz="1400" b="0" i="1" smtClean="0">
+                        <a:latin typeface="Cambria Math" panose="02040503050406030204" pitchFamily="18" charset="0"/>
+                        <a:cs typeface="Arial" panose="020B0604020202020204" pitchFamily="34" charset="0"/>
+                      </a:rPr>
+                      <m:t>𝐷</m:t>
+                    </m:r>
+                    <m:r>
+                      <a:rPr lang="it-IT" sz="1400" b="0" i="1" smtClean="0">
+                        <a:latin typeface="Cambria Math" panose="02040503050406030204" pitchFamily="18" charset="0"/>
+                        <a:cs typeface="Arial" panose="020B0604020202020204" pitchFamily="34" charset="0"/>
+                      </a:rPr>
+                      <m:t>(</m:t>
+                    </m:r>
+                    <m:r>
+                      <a:rPr lang="it-IT" sz="1400" b="0" i="1" smtClean="0">
+                        <a:latin typeface="Cambria Math" panose="02040503050406030204" pitchFamily="18" charset="0"/>
+                        <a:cs typeface="Arial" panose="020B0604020202020204" pitchFamily="34" charset="0"/>
+                      </a:rPr>
+                      <m:t>𝑇</m:t>
+                    </m:r>
+                    <m:r>
+                      <a:rPr lang="it-IT" sz="1400" b="0" i="1" smtClean="0">
+                        <a:latin typeface="Cambria Math" panose="02040503050406030204" pitchFamily="18" charset="0"/>
+                        <a:cs typeface="Arial" panose="020B0604020202020204" pitchFamily="34" charset="0"/>
+                      </a:rPr>
+                      <m:t>)</m:t>
+                    </m:r>
+                  </m:oMath>
+                </a14:m>
+                <a:r>
+                  <a:rPr lang="it-IT" sz="1400" dirty="0">
+                    <a:latin typeface="Arial" panose="020B0604020202020204" pitchFamily="34" charset="0"/>
+                    <a:cs typeface="Arial" panose="020B0604020202020204" pitchFamily="34" charset="0"/>
+                  </a:rPr>
+                  <a:t> e si calcola la discrepanza tra </a:t>
+                </a:r>
+                <a14:m>
+                  <m:oMath xmlns:m="http://schemas.openxmlformats.org/officeDocument/2006/math">
+                    <m:r>
+                      <a:rPr lang="it-IT" sz="1400" b="0" i="1" smtClean="0">
+                        <a:latin typeface="Cambria Math" panose="02040503050406030204" pitchFamily="18" charset="0"/>
+                        <a:cs typeface="Arial" panose="020B0604020202020204" pitchFamily="34" charset="0"/>
+                      </a:rPr>
+                      <m:t>𝐷</m:t>
+                    </m:r>
+                  </m:oMath>
+                </a14:m>
+                <a:r>
+                  <a:rPr lang="it-IT" sz="1400" dirty="0">
+                    <a:latin typeface="Arial" panose="020B0604020202020204" pitchFamily="34" charset="0"/>
+                    <a:cs typeface="Arial" panose="020B0604020202020204" pitchFamily="34" charset="0"/>
+                  </a:rPr>
+                  <a:t> e </a:t>
+                </a:r>
+                <a14:m>
+                  <m:oMath xmlns:m="http://schemas.openxmlformats.org/officeDocument/2006/math">
+                    <m:r>
+                      <a:rPr lang="it-IT" sz="1400" b="0" i="1" smtClean="0">
+                        <a:latin typeface="Cambria Math" panose="02040503050406030204" pitchFamily="18" charset="0"/>
+                        <a:cs typeface="Arial" panose="020B0604020202020204" pitchFamily="34" charset="0"/>
+                      </a:rPr>
+                      <m:t>𝐷</m:t>
+                    </m:r>
+                    <m:d>
+                      <m:dPr>
+                        <m:ctrlPr>
+                          <a:rPr lang="it-IT" sz="1400" b="0" i="1" smtClean="0">
+                            <a:latin typeface="Cambria Math" panose="02040503050406030204" pitchFamily="18" charset="0"/>
+                            <a:cs typeface="Arial" panose="020B0604020202020204" pitchFamily="34" charset="0"/>
+                          </a:rPr>
+                        </m:ctrlPr>
+                      </m:dPr>
+                      <m:e>
+                        <m:r>
+                          <a:rPr lang="it-IT" sz="1400" b="0" i="1" smtClean="0">
+                            <a:latin typeface="Cambria Math" panose="02040503050406030204" pitchFamily="18" charset="0"/>
+                            <a:cs typeface="Arial" panose="020B0604020202020204" pitchFamily="34" charset="0"/>
+                          </a:rPr>
+                          <m:t>𝑇</m:t>
+                        </m:r>
+                      </m:e>
+                    </m:d>
+                  </m:oMath>
+                </a14:m>
+                <a:r>
+                  <a:rPr lang="it-IT" sz="1400" dirty="0">
+                    <a:latin typeface="Arial" panose="020B0604020202020204" pitchFamily="34" charset="0"/>
+                    <a:cs typeface="Arial" panose="020B0604020202020204" pitchFamily="34" charset="0"/>
+                  </a:rPr>
+                  <a:t>. Quindi:</a:t>
+                </a:r>
+              </a:p>
+            </p:txBody>
+          </p:sp>
+        </mc:Choice>
+        <mc:Fallback>
+          <p:sp>
+            <p:nvSpPr>
+              <p:cNvPr id="33" name="CasellaDiTesto 32">
+                <a:extLst>
+                  <a:ext uri="{FF2B5EF4-FFF2-40B4-BE49-F238E27FC236}">
+                    <a16:creationId xmlns:a16="http://schemas.microsoft.com/office/drawing/2014/main" id="{E850FC2F-845B-4A56-BEE2-E421A688F911}"/>
+                  </a:ext>
+                </a:extLst>
+              </p:cNvPr>
+              <p:cNvSpPr txBox="1">
+                <a:spLocks noRot="1" noChangeAspect="1" noMove="1" noResize="1" noEditPoints="1" noAdjustHandles="1" noChangeArrowheads="1" noChangeShapeType="1" noTextEdit="1"/>
+              </p:cNvSpPr>
+              <p:nvPr/>
+            </p:nvSpPr>
+            <p:spPr>
+              <a:xfrm>
+                <a:off x="-2" y="1496338"/>
+                <a:ext cx="9143817" cy="307777"/>
+              </a:xfrm>
+              <a:prstGeom prst="rect">
+                <a:avLst/>
+              </a:prstGeom>
+              <a:blipFill>
+                <a:blip r:embed="rId4"/>
+                <a:stretch>
+                  <a:fillRect l="-200" t="-1961" b="-19608"/>
+                </a:stretch>
+              </a:blipFill>
+            </p:spPr>
+            <p:txBody>
+              <a:bodyPr/>
+              <a:lstStyle/>
+              <a:p>
+                <a:r>
+                  <a:rPr lang="it-IT">
+                    <a:noFill/>
+                  </a:rPr>
+                  <a:t> </a:t>
+                </a:r>
+              </a:p>
+            </p:txBody>
+          </p:sp>
+        </mc:Fallback>
+      </mc:AlternateContent>
+    </p:spTree>
+    <p:extLst>
+      <p:ext uri="{BB962C8B-B14F-4D97-AF65-F5344CB8AC3E}">
+        <p14:creationId xmlns:p14="http://schemas.microsoft.com/office/powerpoint/2010/main" val="1194101630"/>
       </p:ext>
     </p:extLst>
   </p:cSld>
@@ -18071,6 +22586,158 @@
 </p:tagLst>
 </file>
 
+<file path=ppt/tags/tag22.xml><?xml version="1.0" encoding="utf-8"?>
+<p:tagLst xmlns:a="http://schemas.openxmlformats.org/drawingml/2006/main" xmlns:r="http://schemas.openxmlformats.org/officeDocument/2006/relationships" xmlns:p="http://schemas.openxmlformats.org/presentationml/2006/main">
+  <p:tag name="OUTPUTDPI" val="1200"/>
+  <p:tag name="ORIGINALHEIGHT" val="87,73905"/>
+  <p:tag name="ORIGINALWIDTH" val="149,9813"/>
+  <p:tag name="LATEXADDIN" val="\documentclass{article}&#10;\usepackage{amsmath}&#10;\pagestyle{empty}&#10;\begin{document}&#10;&#10;&#10;$D^\star$&#10;&#10;\end{document}"/>
+  <p:tag name="IGUANATEXSIZE" val="14"/>
+  <p:tag name="IGUANATEXCURSOR" val="90"/>
+  <p:tag name="TRANSPARENCY" val="Vero"/>
+  <p:tag name="FILENAME" val=""/>
+  <p:tag name="LATEXENGINEID" val="0"/>
+  <p:tag name="TEMPFOLDER" val="c:\temp\"/>
+  <p:tag name="LATEXFORMHEIGHT" val="312"/>
+  <p:tag name="LATEXFORMWIDTH" val="384"/>
+  <p:tag name="LATEXFORMWRAP" val="Vero"/>
+  <p:tag name="BITMAPVECTOR" val="0"/>
+</p:tagLst>
+</file>
+
+<file path=ppt/tags/tag23.xml><?xml version="1.0" encoding="utf-8"?>
+<p:tagLst xmlns:a="http://schemas.openxmlformats.org/drawingml/2006/main" xmlns:r="http://schemas.openxmlformats.org/officeDocument/2006/relationships" xmlns:p="http://schemas.openxmlformats.org/presentationml/2006/main">
+  <p:tag name="OUTPUTDPI" val="1200"/>
+  <p:tag name="ORIGINALHEIGHT" val="87,73905"/>
+  <p:tag name="ORIGINALWIDTH" val="149,9813"/>
+  <p:tag name="LATEXADDIN" val="\documentclass{article}&#10;\usepackage{amsmath}&#10;\pagestyle{empty}&#10;\begin{document}&#10;&#10;&#10;$D^\star$&#10;&#10;\end{document}"/>
+  <p:tag name="IGUANATEXSIZE" val="14"/>
+  <p:tag name="IGUANATEXCURSOR" val="90"/>
+  <p:tag name="TRANSPARENCY" val="Vero"/>
+  <p:tag name="FILENAME" val=""/>
+  <p:tag name="LATEXENGINEID" val="0"/>
+  <p:tag name="TEMPFOLDER" val="c:\temp\"/>
+  <p:tag name="LATEXFORMHEIGHT" val="312"/>
+  <p:tag name="LATEXFORMWIDTH" val="384"/>
+  <p:tag name="LATEXFORMWRAP" val="Vero"/>
+  <p:tag name="BITMAPVECTOR" val="0"/>
+</p:tagLst>
+</file>
+
+<file path=ppt/tags/tag24.xml><?xml version="1.0" encoding="utf-8"?>
+<p:tagLst xmlns:a="http://schemas.openxmlformats.org/drawingml/2006/main" xmlns:r="http://schemas.openxmlformats.org/officeDocument/2006/relationships" xmlns:p="http://schemas.openxmlformats.org/presentationml/2006/main">
+  <p:tag name="OUTPUTDPI" val="1200"/>
+  <p:tag name="ORIGINALHEIGHT" val="344,207"/>
+  <p:tag name="ORIGINALWIDTH" val="3557,555"/>
+  <p:tag name="LATEXADDIN" val="\documentclass{article}&#10;\usepackage{amsmath}&#10;\pagestyle{empty}&#10;\begin{document}&#10;&#10;\[\forall \,f,b\in D,\: \, D^\star(f,b)=(n-2)\cdot D(f,b)-\sum_{k=1}^{n}D(f,k)-\sum_{k=1}^{n}D(b,k)\]&#10;&#10;&#10;\end{document}"/>
+  <p:tag name="IGUANATEXSIZE" val="20"/>
+  <p:tag name="IGUANATEXCURSOR" val="182"/>
+  <p:tag name="TRANSPARENCY" val="Vero"/>
+  <p:tag name="FILENAME" val=""/>
+  <p:tag name="LATEXENGINEID" val="0"/>
+  <p:tag name="TEMPFOLDER" val="c:\temp\"/>
+  <p:tag name="LATEXFORMHEIGHT" val="312"/>
+  <p:tag name="LATEXFORMWIDTH" val="384"/>
+  <p:tag name="LATEXFORMWRAP" val="Vero"/>
+  <p:tag name="BITMAPVECTOR" val="0"/>
+</p:tagLst>
+</file>
+
+<file path=ppt/tags/tag25.xml><?xml version="1.0" encoding="utf-8"?>
+<p:tagLst xmlns:a="http://schemas.openxmlformats.org/drawingml/2006/main" xmlns:r="http://schemas.openxmlformats.org/officeDocument/2006/relationships" xmlns:p="http://schemas.openxmlformats.org/presentationml/2006/main">
+  <p:tag name="OUTPUTDPI" val="1200"/>
+  <p:tag name="ORIGINALHEIGHT" val="87,73905"/>
+  <p:tag name="ORIGINALWIDTH" val="149,9813"/>
+  <p:tag name="LATEXADDIN" val="\documentclass{article}&#10;\usepackage{amsmath}&#10;\pagestyle{empty}&#10;\begin{document}&#10;&#10;&#10;$D^\star$&#10;&#10;\end{document}"/>
+  <p:tag name="IGUANATEXSIZE" val="14"/>
+  <p:tag name="IGUANATEXCURSOR" val="90"/>
+  <p:tag name="TRANSPARENCY" val="Vero"/>
+  <p:tag name="FILENAME" val=""/>
+  <p:tag name="LATEXENGINEID" val="0"/>
+  <p:tag name="TEMPFOLDER" val="c:\temp\"/>
+  <p:tag name="LATEXFORMHEIGHT" val="312"/>
+  <p:tag name="LATEXFORMWIDTH" val="384"/>
+  <p:tag name="LATEXFORMWRAP" val="Vero"/>
+  <p:tag name="BITMAPVECTOR" val="0"/>
+</p:tagLst>
+</file>
+
+<file path=ppt/tags/tag26.xml><?xml version="1.0" encoding="utf-8"?>
+<p:tagLst xmlns:a="http://schemas.openxmlformats.org/drawingml/2006/main" xmlns:r="http://schemas.openxmlformats.org/officeDocument/2006/relationships" xmlns:p="http://schemas.openxmlformats.org/presentationml/2006/main">
+  <p:tag name="OUTPUTDPI" val="1200"/>
+  <p:tag name="ORIGINALHEIGHT" val="87,73905"/>
+  <p:tag name="ORIGINALWIDTH" val="149,9813"/>
+  <p:tag name="LATEXADDIN" val="\documentclass{article}&#10;\usepackage{amsmath}&#10;\pagestyle{empty}&#10;\begin{document}&#10;&#10;&#10;$D^\star$&#10;&#10;\end{document}"/>
+  <p:tag name="IGUANATEXSIZE" val="14"/>
+  <p:tag name="IGUANATEXCURSOR" val="90"/>
+  <p:tag name="TRANSPARENCY" val="Vero"/>
+  <p:tag name="FILENAME" val=""/>
+  <p:tag name="LATEXENGINEID" val="0"/>
+  <p:tag name="TEMPFOLDER" val="c:\temp\"/>
+  <p:tag name="LATEXFORMHEIGHT" val="312"/>
+  <p:tag name="LATEXFORMWIDTH" val="384"/>
+  <p:tag name="LATEXFORMWRAP" val="Vero"/>
+  <p:tag name="BITMAPVECTOR" val="0"/>
+</p:tagLst>
+</file>
+
+<file path=ppt/tags/tag27.xml><?xml version="1.0" encoding="utf-8"?>
+<p:tagLst xmlns:a="http://schemas.openxmlformats.org/drawingml/2006/main" xmlns:r="http://schemas.openxmlformats.org/officeDocument/2006/relationships" xmlns:p="http://schemas.openxmlformats.org/presentationml/2006/main">
+  <p:tag name="OUTPUTDPI" val="1200"/>
+  <p:tag name="ORIGINALHEIGHT" val="140,9824"/>
+  <p:tag name="ORIGINALWIDTH" val="588,6764"/>
+  <p:tag name="LATEXADDIN" val="\documentclass{article}&#10;\usepackage{amsmath}&#10;\pagestyle{empty}&#10;\begin{document}&#10;&#10;$D^\star_{fb}=-16$&#10;&#10;&#10;\end{document}"/>
+  <p:tag name="IGUANATEXSIZE" val="20"/>
+  <p:tag name="IGUANATEXCURSOR" val="98"/>
+  <p:tag name="TRANSPARENCY" val="Vero"/>
+  <p:tag name="FILENAME" val=""/>
+  <p:tag name="LATEXENGINEID" val="0"/>
+  <p:tag name="TEMPFOLDER" val="c:\temp\"/>
+  <p:tag name="LATEXFORMHEIGHT" val="312"/>
+  <p:tag name="LATEXFORMWIDTH" val="384"/>
+  <p:tag name="LATEXFORMWRAP" val="Vero"/>
+  <p:tag name="BITMAPVECTOR" val="0"/>
+</p:tagLst>
+</file>
+
+<file path=ppt/tags/tag28.xml><?xml version="1.0" encoding="utf-8"?>
+<p:tagLst xmlns:a="http://schemas.openxmlformats.org/drawingml/2006/main" xmlns:r="http://schemas.openxmlformats.org/officeDocument/2006/relationships" xmlns:p="http://schemas.openxmlformats.org/presentationml/2006/main">
+  <p:tag name="OUTPUTDPI" val="1200"/>
+  <p:tag name="ORIGINALHEIGHT" val="264,7169"/>
+  <p:tag name="ORIGINALWIDTH" val="3502,812"/>
+  <p:tag name="LATEXADDIN" val="\documentclass{article}&#10;\usepackage{amsmath}&#10;\pagestyle{empty}&#10;\begin{document}&#10;&#10;\[\Delta_{fb}=\frac{totalDistance(D_f)-totalDistance(D_b)}{n-2}=\frac{10-12}{4-2}=-1\]&#10;&#10;&#10;\end{document}"/>
+  <p:tag name="IGUANATEXSIZE" val="14"/>
+  <p:tag name="IGUANATEXCURSOR" val="167"/>
+  <p:tag name="TRANSPARENCY" val="Vero"/>
+  <p:tag name="FILENAME" val=""/>
+  <p:tag name="LATEXENGINEID" val="0"/>
+  <p:tag name="TEMPFOLDER" val="c:\temp\"/>
+  <p:tag name="LATEXFORMHEIGHT" val="312"/>
+  <p:tag name="LATEXFORMWIDTH" val="384"/>
+  <p:tag name="LATEXFORMWRAP" val="Vero"/>
+  <p:tag name="BITMAPVECTOR" val="0"/>
+</p:tagLst>
+</file>
+
+<file path=ppt/tags/tag29.xml><?xml version="1.0" encoding="utf-8"?>
+<p:tagLst xmlns:a="http://schemas.openxmlformats.org/drawingml/2006/main" xmlns:r="http://schemas.openxmlformats.org/officeDocument/2006/relationships" xmlns:p="http://schemas.openxmlformats.org/presentationml/2006/main">
+  <p:tag name="OUTPUTDPI" val="1200"/>
+  <p:tag name="ORIGINALHEIGHT" val="263,2171"/>
+  <p:tag name="ORIGINALWIDTH" val="2440,945"/>
+  <p:tag name="LATEXADDIN" val="\documentclass{article}&#10;\usepackage{amsmath}&#10;\pagestyle{empty}&#10;\begin{document}&#10;&#10;&#10;\[limbweight(f)=\frac{D_{fb}+\Delta_{fb}}{2}=\frac{3+(-1)}{2}=1\]&#10;&#10;\end{document}"/>
+  <p:tag name="IGUANATEXSIZE" val="20"/>
+  <p:tag name="IGUANATEXCURSOR" val="147"/>
+  <p:tag name="TRANSPARENCY" val="Vero"/>
+  <p:tag name="FILENAME" val=""/>
+  <p:tag name="LATEXENGINEID" val="0"/>
+  <p:tag name="TEMPFOLDER" val="c:\temp\"/>
+  <p:tag name="LATEXFORMHEIGHT" val="312"/>
+  <p:tag name="LATEXFORMWIDTH" val="384"/>
+  <p:tag name="LATEXFORMWRAP" val="Vero"/>
+  <p:tag name="BITMAPVECTOR" val="0"/>
+</p:tagLst>
+</file>
+
 <file path=ppt/tags/tag3.xml><?xml version="1.0" encoding="utf-8"?>
 <p:tagLst xmlns:a="http://schemas.openxmlformats.org/drawingml/2006/main" xmlns:r="http://schemas.openxmlformats.org/officeDocument/2006/relationships" xmlns:p="http://schemas.openxmlformats.org/presentationml/2006/main">
   <p:tag name="OUTPUTDPI" val="1200"/>
@@ -18079,6 +22746,44 @@
   <p:tag name="LATEXADDIN" val="\documentclass{article}&#10;\usepackage{amsmath}&#10;\pagestyle{empty}&#10;\begin{document}&#10;&#10; \[d(x,y)=d(y,x)\; \forall \: x,y\in R^k\]&#10;&#10;&#10;\end{document}"/>
   <p:tag name="IGUANATEXSIZE" val="20"/>
   <p:tag name="IGUANATEXCURSOR" val="99"/>
+  <p:tag name="TRANSPARENCY" val="Vero"/>
+  <p:tag name="FILENAME" val=""/>
+  <p:tag name="LATEXENGINEID" val="0"/>
+  <p:tag name="TEMPFOLDER" val="c:\temp\"/>
+  <p:tag name="LATEXFORMHEIGHT" val="312"/>
+  <p:tag name="LATEXFORMWIDTH" val="384"/>
+  <p:tag name="LATEXFORMWRAP" val="Vero"/>
+  <p:tag name="BITMAPVECTOR" val="0"/>
+</p:tagLst>
+</file>
+
+<file path=ppt/tags/tag30.xml><?xml version="1.0" encoding="utf-8"?>
+<p:tagLst xmlns:a="http://schemas.openxmlformats.org/drawingml/2006/main" xmlns:r="http://schemas.openxmlformats.org/officeDocument/2006/relationships" xmlns:p="http://schemas.openxmlformats.org/presentationml/2006/main">
+  <p:tag name="OUTPUTDPI" val="1200"/>
+  <p:tag name="ORIGINALHEIGHT" val="263,2171"/>
+  <p:tag name="ORIGINALWIDTH" val="2423,697"/>
+  <p:tag name="LATEXADDIN" val="\documentclass{article}&#10;\usepackage{amsmath}&#10;\pagestyle{empty}&#10;\begin{document}&#10;&#10;&#10;\[limbweight(b)=\frac{D_{fb}-\Delta_{fb}}{2}=\frac{3-(-1)}{2}=2\]&#10;&#10;\end{document}"/>
+  <p:tag name="IGUANATEXSIZE" val="20"/>
+  <p:tag name="IGUANATEXCURSOR" val="147"/>
+  <p:tag name="TRANSPARENCY" val="Vero"/>
+  <p:tag name="FILENAME" val=""/>
+  <p:tag name="LATEXENGINEID" val="0"/>
+  <p:tag name="TEMPFOLDER" val="c:\temp\"/>
+  <p:tag name="LATEXFORMHEIGHT" val="312"/>
+  <p:tag name="LATEXFORMWIDTH" val="384"/>
+  <p:tag name="LATEXFORMWRAP" val="Vero"/>
+  <p:tag name="BITMAPVECTOR" val="0"/>
+</p:tagLst>
+</file>
+
+<file path=ppt/tags/tag31.xml><?xml version="1.0" encoding="utf-8"?>
+<p:tagLst xmlns:a="http://schemas.openxmlformats.org/drawingml/2006/main" xmlns:r="http://schemas.openxmlformats.org/officeDocument/2006/relationships" xmlns:p="http://schemas.openxmlformats.org/presentationml/2006/main">
+  <p:tag name="OUTPUTDPI" val="1200"/>
+  <p:tag name="ORIGINALHEIGHT" val="165,7293"/>
+  <p:tag name="ORIGINALWIDTH" val="2029,996"/>
+  <p:tag name="LATEXADDIN" val="\documentclass{article}&#10;\usepackage{amsmath}&#10;\pagestyle{empty}&#10;\begin{document}&#10;&#10;$\forall u\in D\setminus \, \{f,b\}, \; D_{up}=\frac{D_{fu}+D_{bu}-D_{fb}}{2}$&#10;&#10;&#10;\end{document}"/>
+  <p:tag name="IGUANATEXSIZE" val="14"/>
+  <p:tag name="IGUANATEXCURSOR" val="159"/>
   <p:tag name="TRANSPARENCY" val="Vero"/>
   <p:tag name="FILENAME" val=""/>
   <p:tag name="LATEXENGINEID" val="0"/>

--- a/Discussione Laurea/Slides.pptx
+++ b/Discussione Laurea/Slides.pptx
@@ -11074,8 +11074,8 @@
           </a:fontRef>
         </p:style>
       </p:cxnSp>
-      <mc:AlternateContent xmlns:mc="http://schemas.openxmlformats.org/markup-compatibility/2006">
-        <mc:Choice xmlns:a14="http://schemas.microsoft.com/office/drawing/2010/main" Requires="a14">
+      <mc:AlternateContent xmlns:mc="http://schemas.openxmlformats.org/markup-compatibility/2006" xmlns:a14="http://schemas.microsoft.com/office/drawing/2010/main">
+        <mc:Choice Requires="a14">
           <p:sp>
             <p:nvSpPr>
               <p:cNvPr id="15" name="CasellaDiTesto 14">
@@ -11146,7 +11146,7 @@
             </p:txBody>
           </p:sp>
         </mc:Choice>
-        <mc:Fallback>
+        <mc:Fallback xmlns="">
           <p:sp>
             <p:nvSpPr>
               <p:cNvPr id="15" name="CasellaDiTesto 14">
@@ -11362,8 +11362,8 @@
           </a:fontRef>
         </p:style>
       </p:cxnSp>
-      <mc:AlternateContent xmlns:mc="http://schemas.openxmlformats.org/markup-compatibility/2006">
-        <mc:Choice xmlns:a14="http://schemas.microsoft.com/office/drawing/2010/main" Requires="a14">
+      <mc:AlternateContent xmlns:mc="http://schemas.openxmlformats.org/markup-compatibility/2006" xmlns:a14="http://schemas.microsoft.com/office/drawing/2010/main">
+        <mc:Choice Requires="a14">
           <p:sp>
             <p:nvSpPr>
               <p:cNvPr id="23" name="CasellaDiTesto 22">
@@ -11449,7 +11449,7 @@
             </p:txBody>
           </p:sp>
         </mc:Choice>
-        <mc:Fallback>
+        <mc:Fallback xmlns="">
           <p:sp>
             <p:nvSpPr>
               <p:cNvPr id="23" name="CasellaDiTesto 22">
@@ -11979,8 +11979,8 @@
           </a:prstGeom>
         </p:spPr>
       </p:pic>
-      <mc:AlternateContent xmlns:mc="http://schemas.openxmlformats.org/markup-compatibility/2006">
-        <mc:Choice xmlns:a14="http://schemas.microsoft.com/office/drawing/2010/main" Requires="a14">
+      <mc:AlternateContent xmlns:mc="http://schemas.openxmlformats.org/markup-compatibility/2006" xmlns:a14="http://schemas.microsoft.com/office/drawing/2010/main">
+        <mc:Choice Requires="a14">
           <p:sp>
             <p:nvSpPr>
               <p:cNvPr id="25" name="CasellaDiTesto 24">
@@ -12164,7 +12164,7 @@
             </p:txBody>
           </p:sp>
         </mc:Choice>
-        <mc:Fallback>
+        <mc:Fallback xmlns="">
           <p:sp>
             <p:nvSpPr>
               <p:cNvPr id="25" name="CasellaDiTesto 24">
@@ -12284,8 +12284,8 @@
           </a:fontRef>
         </p:style>
       </p:cxnSp>
-      <mc:AlternateContent xmlns:mc="http://schemas.openxmlformats.org/markup-compatibility/2006">
-        <mc:Choice xmlns:a14="http://schemas.microsoft.com/office/drawing/2010/main" Requires="a14">
+      <mc:AlternateContent xmlns:mc="http://schemas.openxmlformats.org/markup-compatibility/2006" xmlns:a14="http://schemas.microsoft.com/office/drawing/2010/main">
+        <mc:Choice Requires="a14">
           <p:sp>
             <p:nvSpPr>
               <p:cNvPr id="31" name="CasellaDiTesto 30">
@@ -12404,7 +12404,7 @@
             </p:txBody>
           </p:sp>
         </mc:Choice>
-        <mc:Fallback>
+        <mc:Fallback xmlns="">
           <p:sp>
             <p:nvSpPr>
               <p:cNvPr id="31" name="CasellaDiTesto 30">
@@ -12601,8 +12601,8 @@
           </a:fontRef>
         </p:style>
       </p:cxnSp>
-      <mc:AlternateContent xmlns:mc="http://schemas.openxmlformats.org/markup-compatibility/2006">
-        <mc:Choice xmlns:a14="http://schemas.microsoft.com/office/drawing/2010/main" Requires="a14">
+      <mc:AlternateContent xmlns:mc="http://schemas.openxmlformats.org/markup-compatibility/2006" xmlns:a14="http://schemas.microsoft.com/office/drawing/2010/main">
+        <mc:Choice Requires="a14">
           <p:sp>
             <p:nvSpPr>
               <p:cNvPr id="46" name="CasellaDiTesto 45">
@@ -12745,7 +12745,7 @@
             </p:txBody>
           </p:sp>
         </mc:Choice>
-        <mc:Fallback>
+        <mc:Fallback xmlns="">
           <p:sp>
             <p:nvSpPr>
               <p:cNvPr id="46" name="CasellaDiTesto 45">
@@ -12824,8 +12824,8 @@
           </a:prstGeom>
         </p:spPr>
       </p:pic>
-      <mc:AlternateContent xmlns:mc="http://schemas.openxmlformats.org/markup-compatibility/2006">
-        <mc:Choice xmlns:a14="http://schemas.microsoft.com/office/drawing/2010/main" Requires="a14">
+      <mc:AlternateContent xmlns:mc="http://schemas.openxmlformats.org/markup-compatibility/2006" xmlns:a14="http://schemas.microsoft.com/office/drawing/2010/main">
+        <mc:Choice Requires="a14">
           <p:sp>
             <p:nvSpPr>
               <p:cNvPr id="55" name="CasellaDiTesto 54">
@@ -12919,7 +12919,7 @@
             </p:txBody>
           </p:sp>
         </mc:Choice>
-        <mc:Fallback>
+        <mc:Fallback xmlns="">
           <p:sp>
             <p:nvSpPr>
               <p:cNvPr id="55" name="CasellaDiTesto 54">
@@ -13443,8 +13443,8 @@
           </a:fontRef>
         </p:style>
       </p:cxnSp>
-      <mc:AlternateContent xmlns:mc="http://schemas.openxmlformats.org/markup-compatibility/2006">
-        <mc:Choice xmlns:a14="http://schemas.microsoft.com/office/drawing/2010/main" Requires="a14">
+      <mc:AlternateContent xmlns:mc="http://schemas.openxmlformats.org/markup-compatibility/2006" xmlns:a14="http://schemas.microsoft.com/office/drawing/2010/main">
+        <mc:Choice Requires="a14">
           <p:sp>
             <p:nvSpPr>
               <p:cNvPr id="28" name="CasellaDiTesto 27">
@@ -13510,7 +13510,7 @@
             </p:txBody>
           </p:sp>
         </mc:Choice>
-        <mc:Fallback>
+        <mc:Fallback xmlns="">
           <p:sp>
             <p:nvSpPr>
               <p:cNvPr id="28" name="CasellaDiTesto 27">
@@ -13619,7 +13619,7 @@
         </p:blipFill>
         <p:spPr>
           <a:xfrm>
-            <a:off x="6402163" y="2959376"/>
+            <a:off x="6402163" y="2764065"/>
             <a:ext cx="2735126" cy="991099"/>
           </a:xfrm>
           <a:prstGeom prst="rect">
@@ -13636,13 +13636,15 @@
               </a:ext>
             </a:extLst>
           </p:cNvPr>
-          <p:cNvCxnSpPr/>
+          <p:cNvCxnSpPr>
+            <a:cxnSpLocks/>
+          </p:cNvCxnSpPr>
           <p:nvPr/>
         </p:nvCxnSpPr>
         <p:spPr>
           <a:xfrm>
             <a:off x="7687404" y="2414458"/>
-            <a:ext cx="0" cy="544918"/>
+            <a:ext cx="0" cy="349607"/>
           </a:xfrm>
           <a:prstGeom prst="straightConnector1">
             <a:avLst/>
@@ -13682,7 +13684,7 @@
             </p:nvSpPr>
             <p:spPr>
               <a:xfrm>
-                <a:off x="-1" y="3293651"/>
+                <a:off x="-1" y="3098340"/>
                 <a:ext cx="4572001" cy="523220"/>
               </a:xfrm>
               <a:prstGeom prst="rect">
@@ -13784,7 +13786,7 @@
             </p:nvSpPr>
             <p:spPr>
               <a:xfrm>
-                <a:off x="-1" y="3293651"/>
+                <a:off x="-1" y="3098340"/>
                 <a:ext cx="4572001" cy="523220"/>
               </a:xfrm>
               <a:prstGeom prst="rect">
@@ -13834,8 +13836,8 @@
         </p:blipFill>
         <p:spPr>
           <a:xfrm>
-            <a:off x="2430780" y="4314683"/>
-            <a:ext cx="4505130" cy="2440278"/>
+            <a:off x="2510874" y="3993066"/>
+            <a:ext cx="4116333" cy="2229680"/>
           </a:xfrm>
           <a:prstGeom prst="rect">
             <a:avLst/>
@@ -13856,7 +13858,7 @@
         </p:nvCxnSpPr>
         <p:spPr>
           <a:xfrm flipH="1">
-            <a:off x="4572000" y="3596640"/>
+            <a:off x="4572000" y="3401329"/>
             <a:ext cx="1747520" cy="0"/>
           </a:xfrm>
           <a:prstGeom prst="straightConnector1">
@@ -13891,6 +13893,7 @@
             </a:extLst>
           </p:cNvPr>
           <p:cNvCxnSpPr>
+            <a:cxnSpLocks/>
             <a:stCxn id="36" idx="2"/>
             <a:endCxn id="19" idx="0"/>
           </p:cNvCxnSpPr>
@@ -13898,12 +13901,12 @@
         </p:nvCxnSpPr>
         <p:spPr>
           <a:xfrm rot="16200000" flipH="1">
-            <a:off x="3235766" y="2867104"/>
-            <a:ext cx="497812" cy="2397345"/>
+            <a:off x="3241767" y="2665792"/>
+            <a:ext cx="371506" cy="2283041"/>
           </a:xfrm>
           <a:prstGeom prst="bentConnector3">
             <a:avLst>
-              <a:gd name="adj1" fmla="val 39795"/>
+              <a:gd name="adj1" fmla="val 50000"/>
             </a:avLst>
           </a:prstGeom>
           <a:ln>
@@ -13925,6 +13928,45 @@
           </a:fontRef>
         </p:style>
       </p:cxnSp>
+      <p:sp>
+        <p:nvSpPr>
+          <p:cNvPr id="21" name="CasellaDiTesto 20">
+            <a:extLst>
+              <a:ext uri="{FF2B5EF4-FFF2-40B4-BE49-F238E27FC236}">
+                <a16:creationId xmlns:a16="http://schemas.microsoft.com/office/drawing/2014/main" id="{9358826E-26A2-47D1-A40A-7A93DACAB6C2}"/>
+              </a:ext>
+            </a:extLst>
+          </p:cNvPr>
+          <p:cNvSpPr txBox="1"/>
+          <p:nvPr/>
+        </p:nvSpPr>
+        <p:spPr>
+          <a:xfrm>
+            <a:off x="3447449" y="6356350"/>
+            <a:ext cx="2243182" cy="307777"/>
+          </a:xfrm>
+          <a:prstGeom prst="rect">
+            <a:avLst/>
+          </a:prstGeom>
+          <a:noFill/>
+        </p:spPr>
+        <p:txBody>
+          <a:bodyPr wrap="square" rtlCol="0">
+            <a:spAutoFit/>
+          </a:bodyPr>
+          <a:lstStyle/>
+          <a:p>
+            <a:pPr algn="ctr"/>
+            <a:r>
+              <a:rPr lang="it-IT" sz="1400" b="1" dirty="0">
+                <a:latin typeface="Arial" panose="020B0604020202020204" pitchFamily="34" charset="0"/>
+                <a:cs typeface="Arial" panose="020B0604020202020204" pitchFamily="34" charset="0"/>
+              </a:rPr>
+              <a:t>L’algoritmo è terminato!</a:t>
+            </a:r>
+          </a:p>
+        </p:txBody>
+      </p:sp>
     </p:spTree>
     <p:extLst>
       <p:ext uri="{BB962C8B-B14F-4D97-AF65-F5344CB8AC3E}">
@@ -13964,7 +14006,7 @@
           <p:nvPr/>
         </p:nvPicPr>
         <p:blipFill>
-          <a:blip r:embed="rId3"/>
+          <a:blip r:embed="rId9"/>
           <a:stretch>
             <a:fillRect/>
           </a:stretch>
@@ -14215,8 +14257,8 @@
           </a:p>
         </p:txBody>
       </p:sp>
-      <mc:AlternateContent xmlns:mc="http://schemas.openxmlformats.org/markup-compatibility/2006">
-        <mc:Choice xmlns:a14="http://schemas.microsoft.com/office/drawing/2010/main" Requires="a14">
+      <mc:AlternateContent xmlns:mc="http://schemas.openxmlformats.org/markup-compatibility/2006" xmlns:a14="http://schemas.microsoft.com/office/drawing/2010/main">
+        <mc:Choice Requires="a14">
           <p:sp>
             <p:nvSpPr>
               <p:cNvPr id="33" name="CasellaDiTesto 32">
@@ -14386,7 +14428,7 @@
             </p:txBody>
           </p:sp>
         </mc:Choice>
-        <mc:Fallback>
+        <mc:Fallback xmlns="">
           <p:sp>
             <p:nvSpPr>
               <p:cNvPr id="33" name="CasellaDiTesto 32">
@@ -14410,7 +14452,7 @@
                 <a:avLst/>
               </a:prstGeom>
               <a:blipFill>
-                <a:blip r:embed="rId4"/>
+                <a:blip r:embed="rId10"/>
                 <a:stretch>
                   <a:fillRect l="-200" t="-1961" b="-19608"/>
                 </a:stretch>
@@ -14431,6 +14473,864 @@
           </p:sp>
         </mc:Fallback>
       </mc:AlternateContent>
+      <p:pic>
+        <p:nvPicPr>
+          <p:cNvPr id="3" name="Immagine 2">
+            <a:extLst>
+              <a:ext uri="{FF2B5EF4-FFF2-40B4-BE49-F238E27FC236}">
+                <a16:creationId xmlns:a16="http://schemas.microsoft.com/office/drawing/2014/main" id="{1BBB9CBA-BD57-4FF9-938C-0ACB28B146B2}"/>
+              </a:ext>
+            </a:extLst>
+          </p:cNvPr>
+          <p:cNvPicPr>
+            <a:picLocks noChangeAspect="1"/>
+          </p:cNvPicPr>
+          <p:nvPr/>
+        </p:nvPicPr>
+        <p:blipFill>
+          <a:blip r:embed="rId11"/>
+          <a:stretch>
+            <a:fillRect/>
+          </a:stretch>
+        </p:blipFill>
+        <p:spPr>
+          <a:xfrm>
+            <a:off x="9062" y="2113595"/>
+            <a:ext cx="3133633" cy="1189894"/>
+          </a:xfrm>
+          <a:prstGeom prst="rect">
+            <a:avLst/>
+          </a:prstGeom>
+        </p:spPr>
+      </p:pic>
+      <p:pic>
+        <p:nvPicPr>
+          <p:cNvPr id="16" name="Immagine 15">
+            <a:extLst>
+              <a:ext uri="{FF2B5EF4-FFF2-40B4-BE49-F238E27FC236}">
+                <a16:creationId xmlns:a16="http://schemas.microsoft.com/office/drawing/2014/main" id="{85D1E377-2E6B-4AA8-912E-55BE6CF48411}"/>
+              </a:ext>
+            </a:extLst>
+          </p:cNvPr>
+          <p:cNvPicPr>
+            <a:picLocks noChangeAspect="1"/>
+          </p:cNvPicPr>
+          <p:nvPr>
+            <p:custDataLst>
+              <p:tags r:id="rId1"/>
+            </p:custDataLst>
+          </p:nvPr>
+        </p:nvPicPr>
+        <p:blipFill>
+          <a:blip r:embed="rId12"/>
+          <a:stretch>
+            <a:fillRect/>
+          </a:stretch>
+        </p:blipFill>
+        <p:spPr>
+          <a:xfrm>
+            <a:off x="4022921" y="2251298"/>
+            <a:ext cx="4996607" cy="914487"/>
+          </a:xfrm>
+          <a:prstGeom prst="rect">
+            <a:avLst/>
+          </a:prstGeom>
+        </p:spPr>
+      </p:pic>
+      <p:cxnSp>
+        <p:nvCxnSpPr>
+          <p:cNvPr id="18" name="Connettore 2 17">
+            <a:extLst>
+              <a:ext uri="{FF2B5EF4-FFF2-40B4-BE49-F238E27FC236}">
+                <a16:creationId xmlns:a16="http://schemas.microsoft.com/office/drawing/2014/main" id="{AE008E4E-9B8D-4D2D-B2F5-849EDF25E22C}"/>
+              </a:ext>
+            </a:extLst>
+          </p:cNvPr>
+          <p:cNvCxnSpPr>
+            <a:stCxn id="3" idx="3"/>
+            <a:endCxn id="16" idx="1"/>
+          </p:cNvCxnSpPr>
+          <p:nvPr/>
+        </p:nvCxnSpPr>
+        <p:spPr>
+          <a:xfrm>
+            <a:off x="3142695" y="2708542"/>
+            <a:ext cx="880226" cy="0"/>
+          </a:xfrm>
+          <a:prstGeom prst="straightConnector1">
+            <a:avLst/>
+          </a:prstGeom>
+          <a:ln>
+            <a:tailEnd type="triangle"/>
+          </a:ln>
+        </p:spPr>
+        <p:style>
+          <a:lnRef idx="2">
+            <a:schemeClr val="accent1"/>
+          </a:lnRef>
+          <a:fillRef idx="0">
+            <a:schemeClr val="accent1"/>
+          </a:fillRef>
+          <a:effectRef idx="1">
+            <a:schemeClr val="accent1"/>
+          </a:effectRef>
+          <a:fontRef idx="minor">
+            <a:schemeClr val="tx1"/>
+          </a:fontRef>
+        </p:style>
+      </p:cxnSp>
+      <p:sp>
+        <p:nvSpPr>
+          <p:cNvPr id="24" name="CasellaDiTesto 23">
+            <a:extLst>
+              <a:ext uri="{FF2B5EF4-FFF2-40B4-BE49-F238E27FC236}">
+                <a16:creationId xmlns:a16="http://schemas.microsoft.com/office/drawing/2014/main" id="{DAAD4E65-013D-4226-B5A8-21B5F3CCF070}"/>
+              </a:ext>
+            </a:extLst>
+          </p:cNvPr>
+          <p:cNvSpPr txBox="1"/>
+          <p:nvPr/>
+        </p:nvSpPr>
+        <p:spPr>
+          <a:xfrm>
+            <a:off x="183" y="3468318"/>
+            <a:ext cx="9143817" cy="307777"/>
+          </a:xfrm>
+          <a:prstGeom prst="rect">
+            <a:avLst/>
+          </a:prstGeom>
+          <a:noFill/>
+        </p:spPr>
+        <p:txBody>
+          <a:bodyPr wrap="square" rtlCol="0">
+            <a:spAutoFit/>
+          </a:bodyPr>
+          <a:lstStyle/>
+          <a:p>
+            <a:pPr algn="ctr"/>
+            <a:r>
+              <a:rPr lang="it-IT" sz="1400" dirty="0">
+                <a:latin typeface="Arial" panose="020B0604020202020204" pitchFamily="34" charset="0"/>
+                <a:cs typeface="Arial" panose="020B0604020202020204" pitchFamily="34" charset="0"/>
+              </a:rPr>
+              <a:t>Il risultato mostra che c’è poca discrepanza tra le due matrici.</a:t>
+            </a:r>
+          </a:p>
+        </p:txBody>
+      </p:sp>
+      <p:cxnSp>
+        <p:nvCxnSpPr>
+          <p:cNvPr id="25" name="Connettore diritto 24">
+            <a:extLst>
+              <a:ext uri="{FF2B5EF4-FFF2-40B4-BE49-F238E27FC236}">
+                <a16:creationId xmlns:a16="http://schemas.microsoft.com/office/drawing/2014/main" id="{0F403E21-5EF8-48A7-B881-653B67263F43}"/>
+              </a:ext>
+            </a:extLst>
+          </p:cNvPr>
+          <p:cNvCxnSpPr>
+            <a:cxnSpLocks/>
+          </p:cNvCxnSpPr>
+          <p:nvPr/>
+        </p:nvCxnSpPr>
+        <p:spPr>
+          <a:xfrm flipV="1">
+            <a:off x="436880" y="3774337"/>
+            <a:ext cx="8098883" cy="60960"/>
+          </a:xfrm>
+          <a:prstGeom prst="line">
+            <a:avLst/>
+          </a:prstGeom>
+        </p:spPr>
+        <p:style>
+          <a:lnRef idx="2">
+            <a:schemeClr val="accent1"/>
+          </a:lnRef>
+          <a:fillRef idx="0">
+            <a:schemeClr val="accent1"/>
+          </a:fillRef>
+          <a:effectRef idx="1">
+            <a:schemeClr val="accent1"/>
+          </a:effectRef>
+          <a:fontRef idx="minor">
+            <a:schemeClr val="tx1"/>
+          </a:fontRef>
+        </p:style>
+      </p:cxnSp>
+      <p:sp>
+        <p:nvSpPr>
+          <p:cNvPr id="26" name="CasellaDiTesto 25">
+            <a:extLst>
+              <a:ext uri="{FF2B5EF4-FFF2-40B4-BE49-F238E27FC236}">
+                <a16:creationId xmlns:a16="http://schemas.microsoft.com/office/drawing/2014/main" id="{2E379512-7B58-4DB3-8F7E-C11A404B9A9E}"/>
+              </a:ext>
+            </a:extLst>
+          </p:cNvPr>
+          <p:cNvSpPr txBox="1"/>
+          <p:nvPr/>
+        </p:nvSpPr>
+        <p:spPr>
+          <a:xfrm>
+            <a:off x="-185" y="3893962"/>
+            <a:ext cx="2663486" cy="369332"/>
+          </a:xfrm>
+          <a:prstGeom prst="rect">
+            <a:avLst/>
+          </a:prstGeom>
+          <a:noFill/>
+        </p:spPr>
+        <p:txBody>
+          <a:bodyPr wrap="square" rtlCol="0">
+            <a:spAutoFit/>
+          </a:bodyPr>
+          <a:lstStyle/>
+          <a:p>
+            <a:r>
+              <a:rPr lang="it-IT" i="1" dirty="0">
+                <a:latin typeface="Arial"/>
+                <a:cs typeface="Arial"/>
+              </a:rPr>
+              <a:t>Complessità Temporale</a:t>
+            </a:r>
+          </a:p>
+        </p:txBody>
+      </p:sp>
+      <mc:AlternateContent xmlns:mc="http://schemas.openxmlformats.org/markup-compatibility/2006">
+        <mc:Choice xmlns:a14="http://schemas.microsoft.com/office/drawing/2010/main" Requires="a14">
+          <p:sp>
+            <p:nvSpPr>
+              <p:cNvPr id="27" name="CasellaDiTesto 26">
+                <a:extLst>
+                  <a:ext uri="{FF2B5EF4-FFF2-40B4-BE49-F238E27FC236}">
+                    <a16:creationId xmlns:a16="http://schemas.microsoft.com/office/drawing/2014/main" id="{D66383F1-F80A-4597-B2F9-F46154378BAA}"/>
+                  </a:ext>
+                </a:extLst>
+              </p:cNvPr>
+              <p:cNvSpPr txBox="1"/>
+              <p:nvPr/>
+            </p:nvSpPr>
+            <p:spPr>
+              <a:xfrm>
+                <a:off x="9063" y="4302484"/>
+                <a:ext cx="5468460" cy="738664"/>
+              </a:xfrm>
+              <a:prstGeom prst="rect">
+                <a:avLst/>
+              </a:prstGeom>
+              <a:noFill/>
+            </p:spPr>
+            <p:txBody>
+              <a:bodyPr wrap="square" rtlCol="0">
+                <a:spAutoFit/>
+              </a:bodyPr>
+              <a:lstStyle/>
+              <a:p>
+                <a:r>
+                  <a:rPr lang="it-IT" sz="1400" dirty="0">
+                    <a:latin typeface="Arial" panose="020B0604020202020204" pitchFamily="34" charset="0"/>
+                    <a:cs typeface="Arial" panose="020B0604020202020204" pitchFamily="34" charset="0"/>
+                  </a:rPr>
+                  <a:t>2 step:</a:t>
+                </a:r>
+              </a:p>
+              <a:p>
+                <a:pPr marL="285750" indent="-285750">
+                  <a:buFont typeface="Arial" panose="020B0604020202020204" pitchFamily="34" charset="0"/>
+                  <a:buChar char="•"/>
+                </a:pPr>
+                <a:r>
+                  <a:rPr lang="it-IT" sz="1400" dirty="0">
+                    <a:latin typeface="Arial" panose="020B0604020202020204" pitchFamily="34" charset="0"/>
+                    <a:cs typeface="Arial" panose="020B0604020202020204" pitchFamily="34" charset="0"/>
+                  </a:rPr>
+                  <a:t>Crea       e cerca l’elemento minimo</a:t>
+                </a:r>
+              </a:p>
+              <a:p>
+                <a:pPr marL="285750" indent="-285750">
+                  <a:buFont typeface="Arial" panose="020B0604020202020204" pitchFamily="34" charset="0"/>
+                  <a:buChar char="•"/>
+                </a:pPr>
+                <a:r>
+                  <a:rPr lang="it-IT" sz="1400" dirty="0">
+                    <a:latin typeface="Arial" panose="020B0604020202020204" pitchFamily="34" charset="0"/>
+                    <a:cs typeface="Arial" panose="020B0604020202020204" pitchFamily="34" charset="0"/>
+                  </a:rPr>
+                  <a:t>Calcola il </a:t>
+                </a:r>
+                <a:r>
+                  <a:rPr lang="it-IT" sz="1400" i="1" dirty="0">
+                    <a:latin typeface="Arial" panose="020B0604020202020204" pitchFamily="34" charset="0"/>
+                    <a:cs typeface="Arial" panose="020B0604020202020204" pitchFamily="34" charset="0"/>
+                  </a:rPr>
+                  <a:t>delta</a:t>
+                </a:r>
+                <a:r>
+                  <a:rPr lang="it-IT" sz="1400" dirty="0">
+                    <a:latin typeface="Arial" panose="020B0604020202020204" pitchFamily="34" charset="0"/>
+                    <a:cs typeface="Arial" panose="020B0604020202020204" pitchFamily="34" charset="0"/>
+                  </a:rPr>
+                  <a:t>, il peso degli arti ed infine aggiorna la matrice </a:t>
+                </a:r>
+                <a14:m>
+                  <m:oMath xmlns:m="http://schemas.openxmlformats.org/officeDocument/2006/math">
+                    <m:r>
+                      <a:rPr lang="it-IT" sz="1400" b="0" i="1" smtClean="0">
+                        <a:latin typeface="Cambria Math" panose="02040503050406030204" pitchFamily="18" charset="0"/>
+                        <a:cs typeface="Arial" panose="020B0604020202020204" pitchFamily="34" charset="0"/>
+                      </a:rPr>
+                      <m:t>𝐷</m:t>
+                    </m:r>
+                  </m:oMath>
+                </a14:m>
+                <a:endParaRPr lang="it-IT" sz="1400" dirty="0">
+                  <a:latin typeface="Arial" panose="020B0604020202020204" pitchFamily="34" charset="0"/>
+                  <a:cs typeface="Arial" panose="020B0604020202020204" pitchFamily="34" charset="0"/>
+                </a:endParaRPr>
+              </a:p>
+            </p:txBody>
+          </p:sp>
+        </mc:Choice>
+        <mc:Fallback>
+          <p:sp>
+            <p:nvSpPr>
+              <p:cNvPr id="27" name="CasellaDiTesto 26">
+                <a:extLst>
+                  <a:ext uri="{FF2B5EF4-FFF2-40B4-BE49-F238E27FC236}">
+                    <a16:creationId xmlns:a16="http://schemas.microsoft.com/office/drawing/2014/main" id="{D66383F1-F80A-4597-B2F9-F46154378BAA}"/>
+                  </a:ext>
+                </a:extLst>
+              </p:cNvPr>
+              <p:cNvSpPr txBox="1">
+                <a:spLocks noRot="1" noChangeAspect="1" noMove="1" noResize="1" noEditPoints="1" noAdjustHandles="1" noChangeArrowheads="1" noChangeShapeType="1" noTextEdit="1"/>
+              </p:cNvSpPr>
+              <p:nvPr/>
+            </p:nvSpPr>
+            <p:spPr>
+              <a:xfrm>
+                <a:off x="9063" y="4302484"/>
+                <a:ext cx="5468460" cy="738664"/>
+              </a:xfrm>
+              <a:prstGeom prst="rect">
+                <a:avLst/>
+              </a:prstGeom>
+              <a:blipFill>
+                <a:blip r:embed="rId13"/>
+                <a:stretch>
+                  <a:fillRect l="-334" t="-1653" b="-7438"/>
+                </a:stretch>
+              </a:blipFill>
+            </p:spPr>
+            <p:txBody>
+              <a:bodyPr/>
+              <a:lstStyle/>
+              <a:p>
+                <a:r>
+                  <a:rPr lang="it-IT">
+                    <a:noFill/>
+                  </a:rPr>
+                  <a:t> </a:t>
+                </a:r>
+              </a:p>
+            </p:txBody>
+          </p:sp>
+        </mc:Fallback>
+      </mc:AlternateContent>
+      <p:pic>
+        <p:nvPicPr>
+          <p:cNvPr id="28" name="Immagine 27">
+            <a:extLst>
+              <a:ext uri="{FF2B5EF4-FFF2-40B4-BE49-F238E27FC236}">
+                <a16:creationId xmlns:a16="http://schemas.microsoft.com/office/drawing/2014/main" id="{2B192171-216A-4F85-B932-718D8F7666EE}"/>
+              </a:ext>
+            </a:extLst>
+          </p:cNvPr>
+          <p:cNvPicPr>
+            <a:picLocks noChangeAspect="1"/>
+          </p:cNvPicPr>
+          <p:nvPr>
+            <p:custDataLst>
+              <p:tags r:id="rId2"/>
+            </p:custDataLst>
+          </p:nvPr>
+        </p:nvPicPr>
+        <p:blipFill>
+          <a:blip r:embed="rId14"/>
+          <a:stretch>
+            <a:fillRect/>
+          </a:stretch>
+        </p:blipFill>
+        <p:spPr>
+          <a:xfrm>
+            <a:off x="802641" y="4593578"/>
+            <a:ext cx="284479" cy="166420"/>
+          </a:xfrm>
+          <a:prstGeom prst="rect">
+            <a:avLst/>
+          </a:prstGeom>
+        </p:spPr>
+      </p:pic>
+      <p:pic>
+        <p:nvPicPr>
+          <p:cNvPr id="22" name="Immagine 21">
+            <a:extLst>
+              <a:ext uri="{FF2B5EF4-FFF2-40B4-BE49-F238E27FC236}">
+                <a16:creationId xmlns:a16="http://schemas.microsoft.com/office/drawing/2014/main" id="{1EB13141-CF8B-4CB1-BBBC-2C0AA67D822B}"/>
+              </a:ext>
+            </a:extLst>
+          </p:cNvPr>
+          <p:cNvPicPr>
+            <a:picLocks noChangeAspect="1"/>
+          </p:cNvPicPr>
+          <p:nvPr>
+            <p:custDataLst>
+              <p:tags r:id="rId3"/>
+            </p:custDataLst>
+          </p:nvPr>
+        </p:nvPicPr>
+        <p:blipFill>
+          <a:blip r:embed="rId15"/>
+          <a:stretch>
+            <a:fillRect/>
+          </a:stretch>
+        </p:blipFill>
+        <p:spPr>
+          <a:xfrm>
+            <a:off x="3703873" y="4580380"/>
+            <a:ext cx="2377330" cy="185375"/>
+          </a:xfrm>
+          <a:prstGeom prst="rect">
+            <a:avLst/>
+          </a:prstGeom>
+        </p:spPr>
+      </p:pic>
+      <p:cxnSp>
+        <p:nvCxnSpPr>
+          <p:cNvPr id="30" name="Connettore 2 29">
+            <a:extLst>
+              <a:ext uri="{FF2B5EF4-FFF2-40B4-BE49-F238E27FC236}">
+                <a16:creationId xmlns:a16="http://schemas.microsoft.com/office/drawing/2014/main" id="{CB9DA538-BBDF-414F-92B5-448543060733}"/>
+              </a:ext>
+            </a:extLst>
+          </p:cNvPr>
+          <p:cNvCxnSpPr>
+            <a:cxnSpLocks/>
+          </p:cNvCxnSpPr>
+          <p:nvPr/>
+        </p:nvCxnSpPr>
+        <p:spPr>
+          <a:xfrm>
+            <a:off x="3240351" y="4671816"/>
+            <a:ext cx="369091" cy="0"/>
+          </a:xfrm>
+          <a:prstGeom prst="straightConnector1">
+            <a:avLst/>
+          </a:prstGeom>
+          <a:ln>
+            <a:tailEnd type="triangle"/>
+          </a:ln>
+        </p:spPr>
+        <p:style>
+          <a:lnRef idx="2">
+            <a:schemeClr val="accent1"/>
+          </a:lnRef>
+          <a:fillRef idx="0">
+            <a:schemeClr val="accent1"/>
+          </a:fillRef>
+          <a:effectRef idx="1">
+            <a:schemeClr val="accent1"/>
+          </a:effectRef>
+          <a:fontRef idx="minor">
+            <a:schemeClr val="tx1"/>
+          </a:fontRef>
+        </p:style>
+      </p:cxnSp>
+      <p:pic>
+        <p:nvPicPr>
+          <p:cNvPr id="39" name="Immagine 38">
+            <a:extLst>
+              <a:ext uri="{FF2B5EF4-FFF2-40B4-BE49-F238E27FC236}">
+                <a16:creationId xmlns:a16="http://schemas.microsoft.com/office/drawing/2014/main" id="{01CE4583-1FE6-44C8-BFE8-44A282FA28DA}"/>
+              </a:ext>
+            </a:extLst>
+          </p:cNvPr>
+          <p:cNvPicPr>
+            <a:picLocks noChangeAspect="1"/>
+          </p:cNvPicPr>
+          <p:nvPr>
+            <p:custDataLst>
+              <p:tags r:id="rId4"/>
+            </p:custDataLst>
+          </p:nvPr>
+        </p:nvPicPr>
+        <p:blipFill>
+          <a:blip r:embed="rId16"/>
+          <a:stretch>
+            <a:fillRect/>
+          </a:stretch>
+        </p:blipFill>
+        <p:spPr>
+          <a:xfrm>
+            <a:off x="5735951" y="4810764"/>
+            <a:ext cx="1176779" cy="166135"/>
+          </a:xfrm>
+          <a:prstGeom prst="rect">
+            <a:avLst/>
+          </a:prstGeom>
+        </p:spPr>
+      </p:pic>
+      <p:cxnSp>
+        <p:nvCxnSpPr>
+          <p:cNvPr id="41" name="Connettore 2 40">
+            <a:extLst>
+              <a:ext uri="{FF2B5EF4-FFF2-40B4-BE49-F238E27FC236}">
+                <a16:creationId xmlns:a16="http://schemas.microsoft.com/office/drawing/2014/main" id="{51475641-586A-43E0-AA40-70B60EE85942}"/>
+              </a:ext>
+            </a:extLst>
+          </p:cNvPr>
+          <p:cNvCxnSpPr/>
+          <p:nvPr/>
+        </p:nvCxnSpPr>
+        <p:spPr>
+          <a:xfrm>
+            <a:off x="5379868" y="4893831"/>
+            <a:ext cx="275208" cy="0"/>
+          </a:xfrm>
+          <a:prstGeom prst="straightConnector1">
+            <a:avLst/>
+          </a:prstGeom>
+          <a:ln>
+            <a:tailEnd type="triangle"/>
+          </a:ln>
+        </p:spPr>
+        <p:style>
+          <a:lnRef idx="2">
+            <a:schemeClr val="accent1"/>
+          </a:lnRef>
+          <a:fillRef idx="0">
+            <a:schemeClr val="accent1"/>
+          </a:fillRef>
+          <a:effectRef idx="1">
+            <a:schemeClr val="accent1"/>
+          </a:effectRef>
+          <a:fontRef idx="minor">
+            <a:schemeClr val="tx1"/>
+          </a:fontRef>
+        </p:style>
+      </p:cxnSp>
+      <p:pic>
+        <p:nvPicPr>
+          <p:cNvPr id="45" name="Immagine 44">
+            <a:extLst>
+              <a:ext uri="{FF2B5EF4-FFF2-40B4-BE49-F238E27FC236}">
+                <a16:creationId xmlns:a16="http://schemas.microsoft.com/office/drawing/2014/main" id="{1BA9652B-EEC5-4F43-952B-E1B15E552D30}"/>
+              </a:ext>
+            </a:extLst>
+          </p:cNvPr>
+          <p:cNvPicPr>
+            <a:picLocks noChangeAspect="1"/>
+          </p:cNvPicPr>
+          <p:nvPr>
+            <p:custDataLst>
+              <p:tags r:id="rId5"/>
+            </p:custDataLst>
+          </p:nvPr>
+        </p:nvPicPr>
+        <p:blipFill>
+          <a:blip r:embed="rId17"/>
+          <a:stretch>
+            <a:fillRect/>
+          </a:stretch>
+        </p:blipFill>
+        <p:spPr>
+          <a:xfrm>
+            <a:off x="1471272" y="5287366"/>
+            <a:ext cx="6201456" cy="231310"/>
+          </a:xfrm>
+          <a:prstGeom prst="rect">
+            <a:avLst/>
+          </a:prstGeom>
+        </p:spPr>
+      </p:pic>
+      <mc:AlternateContent xmlns:mc="http://schemas.openxmlformats.org/markup-compatibility/2006">
+        <mc:Choice xmlns:a14="http://schemas.microsoft.com/office/drawing/2010/main" Requires="a14">
+          <p:sp>
+            <p:nvSpPr>
+              <p:cNvPr id="50" name="CasellaDiTesto 49">
+                <a:extLst>
+                  <a:ext uri="{FF2B5EF4-FFF2-40B4-BE49-F238E27FC236}">
+                    <a16:creationId xmlns:a16="http://schemas.microsoft.com/office/drawing/2014/main" id="{11358FDD-7B19-40D0-A395-30676A6BCD14}"/>
+                  </a:ext>
+                </a:extLst>
+              </p:cNvPr>
+              <p:cNvSpPr txBox="1"/>
+              <p:nvPr/>
+            </p:nvSpPr>
+            <p:spPr>
+              <a:xfrm>
+                <a:off x="-185" y="5826915"/>
+                <a:ext cx="9143817" cy="307777"/>
+              </a:xfrm>
+              <a:prstGeom prst="rect">
+                <a:avLst/>
+              </a:prstGeom>
+              <a:noFill/>
+            </p:spPr>
+            <p:txBody>
+              <a:bodyPr wrap="square" rtlCol="0">
+                <a:spAutoFit/>
+              </a:bodyPr>
+              <a:lstStyle/>
+              <a:p>
+                <a:pPr algn="ctr"/>
+                <a:r>
+                  <a:rPr lang="it-IT" sz="1400" dirty="0">
+                    <a:latin typeface="Arial" panose="020B0604020202020204" pitchFamily="34" charset="0"/>
+                    <a:cs typeface="Arial" panose="020B0604020202020204" pitchFamily="34" charset="0"/>
+                  </a:rPr>
+                  <a:t>Eseguito tante volte quante sono le foglie in </a:t>
+                </a:r>
+                <a14:m>
+                  <m:oMath xmlns:m="http://schemas.openxmlformats.org/officeDocument/2006/math">
+                    <m:r>
+                      <a:rPr lang="it-IT" sz="1400" b="0" i="1" smtClean="0">
+                        <a:latin typeface="Cambria Math" panose="02040503050406030204" pitchFamily="18" charset="0"/>
+                        <a:cs typeface="Arial" panose="020B0604020202020204" pitchFamily="34" charset="0"/>
+                      </a:rPr>
+                      <m:t>𝐷</m:t>
+                    </m:r>
+                  </m:oMath>
+                </a14:m>
+                <a:r>
+                  <a:rPr lang="it-IT" sz="1400" dirty="0">
+                    <a:latin typeface="Arial" panose="020B0604020202020204" pitchFamily="34" charset="0"/>
+                    <a:cs typeface="Arial" panose="020B0604020202020204" pitchFamily="34" charset="0"/>
+                  </a:rPr>
+                  <a:t>, quindi </a:t>
+                </a:r>
+                <a14:m>
+                  <m:oMath xmlns:m="http://schemas.openxmlformats.org/officeDocument/2006/math">
+                    <m:r>
+                      <a:rPr lang="it-IT" sz="1400" b="0" i="1" smtClean="0">
+                        <a:latin typeface="Cambria Math" panose="02040503050406030204" pitchFamily="18" charset="0"/>
+                        <a:cs typeface="Arial" panose="020B0604020202020204" pitchFamily="34" charset="0"/>
+                      </a:rPr>
+                      <m:t>𝑛</m:t>
+                    </m:r>
+                  </m:oMath>
+                </a14:m>
+                <a:r>
+                  <a:rPr lang="it-IT" sz="1400" dirty="0">
+                    <a:latin typeface="Arial" panose="020B0604020202020204" pitchFamily="34" charset="0"/>
+                    <a:cs typeface="Arial" panose="020B0604020202020204" pitchFamily="34" charset="0"/>
+                  </a:rPr>
+                  <a:t> volte</a:t>
+                </a:r>
+              </a:p>
+            </p:txBody>
+          </p:sp>
+        </mc:Choice>
+        <mc:Fallback>
+          <p:sp>
+            <p:nvSpPr>
+              <p:cNvPr id="50" name="CasellaDiTesto 49">
+                <a:extLst>
+                  <a:ext uri="{FF2B5EF4-FFF2-40B4-BE49-F238E27FC236}">
+                    <a16:creationId xmlns:a16="http://schemas.microsoft.com/office/drawing/2014/main" id="{11358FDD-7B19-40D0-A395-30676A6BCD14}"/>
+                  </a:ext>
+                </a:extLst>
+              </p:cNvPr>
+              <p:cNvSpPr txBox="1">
+                <a:spLocks noRot="1" noChangeAspect="1" noMove="1" noResize="1" noEditPoints="1" noAdjustHandles="1" noChangeArrowheads="1" noChangeShapeType="1" noTextEdit="1"/>
+              </p:cNvSpPr>
+              <p:nvPr/>
+            </p:nvSpPr>
+            <p:spPr>
+              <a:xfrm>
+                <a:off x="-185" y="5826915"/>
+                <a:ext cx="9143817" cy="307777"/>
+              </a:xfrm>
+              <a:prstGeom prst="rect">
+                <a:avLst/>
+              </a:prstGeom>
+              <a:blipFill>
+                <a:blip r:embed="rId18"/>
+                <a:stretch>
+                  <a:fillRect t="-4000" b="-20000"/>
+                </a:stretch>
+              </a:blipFill>
+            </p:spPr>
+            <p:txBody>
+              <a:bodyPr/>
+              <a:lstStyle/>
+              <a:p>
+                <a:r>
+                  <a:rPr lang="it-IT">
+                    <a:noFill/>
+                  </a:rPr>
+                  <a:t> </a:t>
+                </a:r>
+              </a:p>
+            </p:txBody>
+          </p:sp>
+        </mc:Fallback>
+      </mc:AlternateContent>
+      <p:pic>
+        <p:nvPicPr>
+          <p:cNvPr id="51" name="Immagine 50">
+            <a:extLst>
+              <a:ext uri="{FF2B5EF4-FFF2-40B4-BE49-F238E27FC236}">
+                <a16:creationId xmlns:a16="http://schemas.microsoft.com/office/drawing/2014/main" id="{A583B48E-1844-4F31-B2F9-0B7A3DBC741F}"/>
+              </a:ext>
+            </a:extLst>
+          </p:cNvPr>
+          <p:cNvPicPr>
+            <a:picLocks noChangeAspect="1"/>
+          </p:cNvPicPr>
+          <p:nvPr>
+            <p:custDataLst>
+              <p:tags r:id="rId6"/>
+            </p:custDataLst>
+          </p:nvPr>
+        </p:nvPicPr>
+        <p:blipFill>
+          <a:blip r:embed="rId19"/>
+          <a:stretch>
+            <a:fillRect/>
+          </a:stretch>
+        </p:blipFill>
+        <p:spPr>
+          <a:xfrm>
+            <a:off x="1917466" y="6428968"/>
+            <a:ext cx="5308514" cy="271048"/>
+          </a:xfrm>
+          <a:prstGeom prst="rect">
+            <a:avLst/>
+          </a:prstGeom>
+        </p:spPr>
+      </p:pic>
+      <p:cxnSp>
+        <p:nvCxnSpPr>
+          <p:cNvPr id="54" name="Connettore 2 53">
+            <a:extLst>
+              <a:ext uri="{FF2B5EF4-FFF2-40B4-BE49-F238E27FC236}">
+                <a16:creationId xmlns:a16="http://schemas.microsoft.com/office/drawing/2014/main" id="{F776919D-8410-4C21-AF2A-90150C2A68C1}"/>
+              </a:ext>
+            </a:extLst>
+          </p:cNvPr>
+          <p:cNvCxnSpPr/>
+          <p:nvPr/>
+        </p:nvCxnSpPr>
+        <p:spPr>
+          <a:xfrm>
+            <a:off x="4566223" y="5049061"/>
+            <a:ext cx="0" cy="174056"/>
+          </a:xfrm>
+          <a:prstGeom prst="straightConnector1">
+            <a:avLst/>
+          </a:prstGeom>
+          <a:ln>
+            <a:tailEnd type="triangle"/>
+          </a:ln>
+        </p:spPr>
+        <p:style>
+          <a:lnRef idx="2">
+            <a:schemeClr val="accent1"/>
+          </a:lnRef>
+          <a:fillRef idx="0">
+            <a:schemeClr val="accent1"/>
+          </a:fillRef>
+          <a:effectRef idx="1">
+            <a:schemeClr val="accent1"/>
+          </a:effectRef>
+          <a:fontRef idx="minor">
+            <a:schemeClr val="tx1"/>
+          </a:fontRef>
+        </p:style>
+      </p:cxnSp>
+      <p:cxnSp>
+        <p:nvCxnSpPr>
+          <p:cNvPr id="56" name="Connettore 2 55">
+            <a:extLst>
+              <a:ext uri="{FF2B5EF4-FFF2-40B4-BE49-F238E27FC236}">
+                <a16:creationId xmlns:a16="http://schemas.microsoft.com/office/drawing/2014/main" id="{E515FCDB-5805-421E-AA51-3CFD049A6A40}"/>
+              </a:ext>
+            </a:extLst>
+          </p:cNvPr>
+          <p:cNvCxnSpPr>
+            <a:stCxn id="45" idx="2"/>
+            <a:endCxn id="50" idx="0"/>
+          </p:cNvCxnSpPr>
+          <p:nvPr/>
+        </p:nvCxnSpPr>
+        <p:spPr>
+          <a:xfrm flipH="1">
+            <a:off x="4571724" y="5518676"/>
+            <a:ext cx="276" cy="308239"/>
+          </a:xfrm>
+          <a:prstGeom prst="straightConnector1">
+            <a:avLst/>
+          </a:prstGeom>
+          <a:ln>
+            <a:tailEnd type="triangle"/>
+          </a:ln>
+        </p:spPr>
+        <p:style>
+          <a:lnRef idx="2">
+            <a:schemeClr val="accent1"/>
+          </a:lnRef>
+          <a:fillRef idx="0">
+            <a:schemeClr val="accent1"/>
+          </a:fillRef>
+          <a:effectRef idx="1">
+            <a:schemeClr val="accent1"/>
+          </a:effectRef>
+          <a:fontRef idx="minor">
+            <a:schemeClr val="tx1"/>
+          </a:fontRef>
+        </p:style>
+      </p:cxnSp>
+      <p:cxnSp>
+        <p:nvCxnSpPr>
+          <p:cNvPr id="58" name="Connettore 2 57">
+            <a:extLst>
+              <a:ext uri="{FF2B5EF4-FFF2-40B4-BE49-F238E27FC236}">
+                <a16:creationId xmlns:a16="http://schemas.microsoft.com/office/drawing/2014/main" id="{DCB1334B-7B61-4857-97FA-820154D9844C}"/>
+              </a:ext>
+            </a:extLst>
+          </p:cNvPr>
+          <p:cNvCxnSpPr>
+            <a:stCxn id="50" idx="2"/>
+            <a:endCxn id="51" idx="0"/>
+          </p:cNvCxnSpPr>
+          <p:nvPr/>
+        </p:nvCxnSpPr>
+        <p:spPr>
+          <a:xfrm flipH="1">
+            <a:off x="4571723" y="6134692"/>
+            <a:ext cx="1" cy="294276"/>
+          </a:xfrm>
+          <a:prstGeom prst="straightConnector1">
+            <a:avLst/>
+          </a:prstGeom>
+          <a:ln>
+            <a:tailEnd type="triangle"/>
+          </a:ln>
+        </p:spPr>
+        <p:style>
+          <a:lnRef idx="2">
+            <a:schemeClr val="accent1"/>
+          </a:lnRef>
+          <a:fillRef idx="0">
+            <a:schemeClr val="accent1"/>
+          </a:fillRef>
+          <a:effectRef idx="1">
+            <a:schemeClr val="accent1"/>
+          </a:effectRef>
+          <a:fontRef idx="minor">
+            <a:schemeClr val="tx1"/>
+          </a:fontRef>
+        </p:style>
+      </p:cxnSp>
     </p:spTree>
     <p:extLst>
       <p:ext uri="{BB962C8B-B14F-4D97-AF65-F5344CB8AC3E}">
@@ -22784,6 +23684,120 @@
   <p:tag name="LATEXADDIN" val="\documentclass{article}&#10;\usepackage{amsmath}&#10;\pagestyle{empty}&#10;\begin{document}&#10;&#10;$\forall u\in D\setminus \, \{f,b\}, \; D_{up}=\frac{D_{fu}+D_{bu}-D_{fb}}{2}$&#10;&#10;&#10;\end{document}"/>
   <p:tag name="IGUANATEXSIZE" val="14"/>
   <p:tag name="IGUANATEXCURSOR" val="159"/>
+  <p:tag name="TRANSPARENCY" val="Vero"/>
+  <p:tag name="FILENAME" val=""/>
+  <p:tag name="LATEXENGINEID" val="0"/>
+  <p:tag name="TEMPFOLDER" val="c:\temp\"/>
+  <p:tag name="LATEXFORMHEIGHT" val="312"/>
+  <p:tag name="LATEXFORMWIDTH" val="384"/>
+  <p:tag name="LATEXFORMWRAP" val="Vero"/>
+  <p:tag name="BITMAPVECTOR" val="0"/>
+</p:tagLst>
+</file>
+
+<file path=ppt/tags/tag32.xml><?xml version="1.0" encoding="utf-8"?>
+<p:tagLst xmlns:a="http://schemas.openxmlformats.org/drawingml/2006/main" xmlns:r="http://schemas.openxmlformats.org/officeDocument/2006/relationships" xmlns:p="http://schemas.openxmlformats.org/presentationml/2006/main">
+  <p:tag name="OUTPUTDPI" val="1200"/>
+  <p:tag name="ORIGINALHEIGHT" val="621,6723"/>
+  <p:tag name="ORIGINALWIDTH" val="3415,823"/>
+  <p:tag name="LATEXADDIN" val="\documentclass{article}&#10;\usepackage{amsmath}&#10;\pagestyle{empty}&#10;\begin{document}&#10;&#10;\[Discrepancy(D(T),D)=\sum_{i=1}^{j-1}\sum_{j=i+1}^{n}(D_{ij}(T)-D_{ij})^2=\]&#10;\[=0+(3,5-4)^2+(3,5-3)^2+(4,5-4)^2+(4,5-5)^2+0=1\]&#10;&#10;&#10;\end{document}"/>
+  <p:tag name="IGUANATEXSIZE" val="20"/>
+  <p:tag name="IGUANATEXCURSOR" val="156"/>
+  <p:tag name="TRANSPARENCY" val="Vero"/>
+  <p:tag name="FILENAME" val=""/>
+  <p:tag name="LATEXENGINEID" val="0"/>
+  <p:tag name="TEMPFOLDER" val="c:\temp\"/>
+  <p:tag name="LATEXFORMHEIGHT" val="312"/>
+  <p:tag name="LATEXFORMWIDTH" val="384"/>
+  <p:tag name="LATEXFORMWRAP" val="Vero"/>
+  <p:tag name="BITMAPVECTOR" val="0"/>
+</p:tagLst>
+</file>
+
+<file path=ppt/tags/tag33.xml><?xml version="1.0" encoding="utf-8"?>
+<p:tagLst xmlns:a="http://schemas.openxmlformats.org/drawingml/2006/main" xmlns:r="http://schemas.openxmlformats.org/officeDocument/2006/relationships" xmlns:p="http://schemas.openxmlformats.org/presentationml/2006/main">
+  <p:tag name="OUTPUTDPI" val="1200"/>
+  <p:tag name="ORIGINALHEIGHT" val="87,73905"/>
+  <p:tag name="ORIGINALWIDTH" val="149,9813"/>
+  <p:tag name="LATEXADDIN" val="\documentclass{article}&#10;\usepackage{amsmath}&#10;\pagestyle{empty}&#10;\begin{document}&#10;&#10;&#10;$D^\star$&#10;&#10;\end{document}"/>
+  <p:tag name="IGUANATEXSIZE" val="14"/>
+  <p:tag name="IGUANATEXCURSOR" val="90"/>
+  <p:tag name="TRANSPARENCY" val="Vero"/>
+  <p:tag name="FILENAME" val=""/>
+  <p:tag name="LATEXENGINEID" val="0"/>
+  <p:tag name="TEMPFOLDER" val="c:\temp\"/>
+  <p:tag name="LATEXFORMHEIGHT" val="312"/>
+  <p:tag name="LATEXFORMWIDTH" val="384"/>
+  <p:tag name="LATEXFORMWRAP" val="Vero"/>
+  <p:tag name="BITMAPVECTOR" val="0"/>
+</p:tagLst>
+</file>
+
+<file path=ppt/tags/tag34.xml><?xml version="1.0" encoding="utf-8"?>
+<p:tagLst xmlns:a="http://schemas.openxmlformats.org/drawingml/2006/main" xmlns:r="http://schemas.openxmlformats.org/officeDocument/2006/relationships" xmlns:p="http://schemas.openxmlformats.org/presentationml/2006/main">
+  <p:tag name="OUTPUTDPI" val="1200"/>
+  <p:tag name="ORIGINALHEIGHT" val="140,9824"/>
+  <p:tag name="ORIGINALWIDTH" val="1808,024"/>
+  <p:tag name="LATEXADDIN" val="\documentclass{article}&#10;\usepackage{amsmath}&#10;\pagestyle{empty}&#10;\begin{document}&#10;&#10; \[T(step1)=O(n) \times O(n)=O(n^2)\]&#10;&#10;&#10;\end{document}"/>
+  <p:tag name="IGUANATEXSIZE" val="20"/>
+  <p:tag name="IGUANATEXCURSOR" val="118"/>
+  <p:tag name="TRANSPARENCY" val="Vero"/>
+  <p:tag name="FILENAME" val=""/>
+  <p:tag name="LATEXENGINEID" val="0"/>
+  <p:tag name="TEMPFOLDER" val="c:\temp\"/>
+  <p:tag name="LATEXFORMHEIGHT" val="312"/>
+  <p:tag name="LATEXFORMWIDTH" val="384"/>
+  <p:tag name="LATEXFORMWRAP" val="Vero"/>
+  <p:tag name="BITMAPVECTOR" val="0"/>
+</p:tagLst>
+</file>
+
+<file path=ppt/tags/tag35.xml><?xml version="1.0" encoding="utf-8"?>
+<p:tagLst xmlns:a="http://schemas.openxmlformats.org/drawingml/2006/main" xmlns:r="http://schemas.openxmlformats.org/officeDocument/2006/relationships" xmlns:p="http://schemas.openxmlformats.org/presentationml/2006/main">
+  <p:tag name="OUTPUTDPI" val="1200"/>
+  <p:tag name="ORIGINALHEIGHT" val="125,2343"/>
+  <p:tag name="ORIGINALWIDTH" val="894,6382"/>
+  <p:tag name="LATEXADDIN" val="\documentclass{article}&#10;\usepackage{amsmath}&#10;\pagestyle{empty}&#10;\begin{document}&#10;&#10;\[T(step2)=O(n)\] &#10;&#10;&#10;\end{document}"/>
+  <p:tag name="IGUANATEXSIZE" val="20"/>
+  <p:tag name="IGUANATEXCURSOR" val="93"/>
+  <p:tag name="TRANSPARENCY" val="Vero"/>
+  <p:tag name="FILENAME" val=""/>
+  <p:tag name="LATEXENGINEID" val="0"/>
+  <p:tag name="TEMPFOLDER" val="c:\temp\"/>
+  <p:tag name="LATEXFORMHEIGHT" val="312"/>
+  <p:tag name="LATEXFORMWIDTH" val="384"/>
+  <p:tag name="LATEXFORMWRAP" val="Vero"/>
+  <p:tag name="BITMAPVECTOR" val="0"/>
+</p:tagLst>
+</file>
+
+<file path=ppt/tags/tag36.xml><?xml version="1.0" encoding="utf-8"?>
+<p:tagLst xmlns:a="http://schemas.openxmlformats.org/drawingml/2006/main" xmlns:r="http://schemas.openxmlformats.org/officeDocument/2006/relationships" xmlns:p="http://schemas.openxmlformats.org/presentationml/2006/main">
+  <p:tag name="OUTPUTDPI" val="1200"/>
+  <p:tag name="ORIGINALHEIGHT" val="140,9824"/>
+  <p:tag name="ORIGINALWIDTH" val="3805,774"/>
+  <p:tag name="LATEXADDIN" val="\documentclass{article}&#10;\usepackage{amsmath}&#10;\pagestyle{empty}&#10;\begin{document}&#10;&#10;&#10;\[T(NeighborJoining)=T(step1)+T(step2)=O(n^2)+O(n)=O(n^2)\]&#10;&#10;\end{document}"/>
+  <p:tag name="IGUANATEXSIZE" val="20"/>
+  <p:tag name="IGUANATEXCURSOR" val="120"/>
+  <p:tag name="TRANSPARENCY" val="Vero"/>
+  <p:tag name="FILENAME" val=""/>
+  <p:tag name="LATEXENGINEID" val="0"/>
+  <p:tag name="TEMPFOLDER" val="c:\temp\"/>
+  <p:tag name="LATEXFORMHEIGHT" val="312"/>
+  <p:tag name="LATEXFORMWIDTH" val="384"/>
+  <p:tag name="LATEXFORMWRAP" val="Vero"/>
+  <p:tag name="BITMAPVECTOR" val="0"/>
+</p:tagLst>
+</file>
+
+<file path=ppt/tags/tag37.xml><?xml version="1.0" encoding="utf-8"?>
+<p:tagLst xmlns:a="http://schemas.openxmlformats.org/drawingml/2006/main" xmlns:r="http://schemas.openxmlformats.org/officeDocument/2006/relationships" xmlns:p="http://schemas.openxmlformats.org/presentationml/2006/main">
+  <p:tag name="OUTPUTDPI" val="1200"/>
+  <p:tag name="ORIGINALHEIGHT" val="140,9824"/>
+  <p:tag name="ORIGINALWIDTH" val="2761,155"/>
+  <p:tag name="LATEXADDIN" val="\documentclass{article}&#10;\usepackage{amsmath}&#10;\pagestyle{empty}&#10;\begin{document}&#10;&#10;&#10;\[T(Totale)=T(NeighborJoining) \times O(n)= O(n^3)\]&#10;&#10;\end{document}"/>
+  <p:tag name="IGUANATEXSIZE" val="20"/>
+  <p:tag name="IGUANATEXCURSOR" val="132"/>
   <p:tag name="TRANSPARENCY" val="Vero"/>
   <p:tag name="FILENAME" val=""/>
   <p:tag name="LATEXENGINEID" val="0"/>

--- a/Discussione Laurea/Slides.pptx
+++ b/Discussione Laurea/Slides.pptx
@@ -228,7 +228,7 @@
             <a:fld id="{45BF3CCC-77DD-F84F-A249-CA3C5045A043}" type="datetime1">
               <a:rPr lang="it-IT" smtClean="0"/>
               <a:pPr/>
-              <a:t>30/06/2019</a:t>
+              <a:t>01/07/2019</a:t>
             </a:fld>
             <a:endParaRPr lang="it-IT"/>
           </a:p>
@@ -396,7 +396,7 @@
             <a:fld id="{FE692227-D6DC-FD45-9507-DB2BAD58473C}" type="datetime1">
               <a:rPr lang="it-IT" smtClean="0"/>
               <a:pPr/>
-              <a:t>30/06/2019</a:t>
+              <a:t>01/07/2019</a:t>
             </a:fld>
             <a:endParaRPr lang="it-IT"/>
           </a:p>
@@ -2205,7 +2205,7 @@
             <a:fld id="{AD8BF249-6BAC-CD40-AAE9-334F110649E5}" type="datetimeFigureOut">
               <a:rPr lang="it-IT" smtClean="0"/>
               <a:pPr/>
-              <a:t>30/06/2019</a:t>
+              <a:t>01/07/2019</a:t>
             </a:fld>
             <a:endParaRPr lang="it-IT"/>
           </a:p>
@@ -2375,7 +2375,7 @@
             <a:fld id="{AD8BF249-6BAC-CD40-AAE9-334F110649E5}" type="datetimeFigureOut">
               <a:rPr lang="it-IT" smtClean="0"/>
               <a:pPr/>
-              <a:t>30/06/2019</a:t>
+              <a:t>01/07/2019</a:t>
             </a:fld>
             <a:endParaRPr lang="it-IT"/>
           </a:p>
@@ -2555,7 +2555,7 @@
             <a:fld id="{AD8BF249-6BAC-CD40-AAE9-334F110649E5}" type="datetimeFigureOut">
               <a:rPr lang="it-IT" smtClean="0"/>
               <a:pPr/>
-              <a:t>30/06/2019</a:t>
+              <a:t>01/07/2019</a:t>
             </a:fld>
             <a:endParaRPr lang="it-IT"/>
           </a:p>
@@ -2725,7 +2725,7 @@
             <a:fld id="{AD8BF249-6BAC-CD40-AAE9-334F110649E5}" type="datetimeFigureOut">
               <a:rPr lang="it-IT" smtClean="0"/>
               <a:pPr/>
-              <a:t>30/06/2019</a:t>
+              <a:t>01/07/2019</a:t>
             </a:fld>
             <a:endParaRPr lang="it-IT"/>
           </a:p>
@@ -2972,7 +2972,7 @@
             <a:fld id="{AD8BF249-6BAC-CD40-AAE9-334F110649E5}" type="datetimeFigureOut">
               <a:rPr lang="it-IT" smtClean="0"/>
               <a:pPr/>
-              <a:t>30/06/2019</a:t>
+              <a:t>01/07/2019</a:t>
             </a:fld>
             <a:endParaRPr lang="it-IT"/>
           </a:p>
@@ -3259,7 +3259,7 @@
             <a:fld id="{AD8BF249-6BAC-CD40-AAE9-334F110649E5}" type="datetimeFigureOut">
               <a:rPr lang="it-IT" smtClean="0"/>
               <a:pPr/>
-              <a:t>30/06/2019</a:t>
+              <a:t>01/07/2019</a:t>
             </a:fld>
             <a:endParaRPr lang="it-IT"/>
           </a:p>
@@ -3680,7 +3680,7 @@
             <a:fld id="{AD8BF249-6BAC-CD40-AAE9-334F110649E5}" type="datetimeFigureOut">
               <a:rPr lang="it-IT" smtClean="0"/>
               <a:pPr/>
-              <a:t>30/06/2019</a:t>
+              <a:t>01/07/2019</a:t>
             </a:fld>
             <a:endParaRPr lang="it-IT"/>
           </a:p>
@@ -3799,7 +3799,7 @@
             <a:fld id="{AD8BF249-6BAC-CD40-AAE9-334F110649E5}" type="datetimeFigureOut">
               <a:rPr lang="it-IT" smtClean="0"/>
               <a:pPr/>
-              <a:t>30/06/2019</a:t>
+              <a:t>01/07/2019</a:t>
             </a:fld>
             <a:endParaRPr lang="it-IT"/>
           </a:p>
@@ -3896,7 +3896,7 @@
             <a:fld id="{AD8BF249-6BAC-CD40-AAE9-334F110649E5}" type="datetimeFigureOut">
               <a:rPr lang="it-IT" smtClean="0"/>
               <a:pPr/>
-              <a:t>30/06/2019</a:t>
+              <a:t>01/07/2019</a:t>
             </a:fld>
             <a:endParaRPr lang="it-IT"/>
           </a:p>
@@ -4173,7 +4173,7 @@
             <a:fld id="{AD8BF249-6BAC-CD40-AAE9-334F110649E5}" type="datetimeFigureOut">
               <a:rPr lang="it-IT" smtClean="0"/>
               <a:pPr/>
-              <a:t>30/06/2019</a:t>
+              <a:t>01/07/2019</a:t>
             </a:fld>
             <a:endParaRPr lang="it-IT"/>
           </a:p>
@@ -4427,7 +4427,7 @@
             <a:fld id="{AD8BF249-6BAC-CD40-AAE9-334F110649E5}" type="datetimeFigureOut">
               <a:rPr lang="it-IT" smtClean="0"/>
               <a:pPr/>
-              <a:t>30/06/2019</a:t>
+              <a:t>01/07/2019</a:t>
             </a:fld>
             <a:endParaRPr lang="it-IT"/>
           </a:p>
@@ -4640,7 +4640,7 @@
             <a:fld id="{AD8BF249-6BAC-CD40-AAE9-334F110649E5}" type="datetimeFigureOut">
               <a:rPr lang="it-IT" smtClean="0"/>
               <a:pPr/>
-              <a:t>30/06/2019</a:t>
+              <a:t>01/07/2019</a:t>
             </a:fld>
             <a:endParaRPr lang="it-IT"/>
           </a:p>
@@ -11362,8 +11362,8 @@
           </a:fontRef>
         </p:style>
       </p:cxnSp>
-      <mc:AlternateContent xmlns:mc="http://schemas.openxmlformats.org/markup-compatibility/2006" xmlns:a14="http://schemas.microsoft.com/office/drawing/2010/main">
-        <mc:Choice Requires="a14">
+      <mc:AlternateContent xmlns:mc="http://schemas.openxmlformats.org/markup-compatibility/2006">
+        <mc:Choice xmlns:a14="http://schemas.microsoft.com/office/drawing/2010/main" Requires="a14">
           <p:sp>
             <p:nvSpPr>
               <p:cNvPr id="23" name="CasellaDiTesto 22">
@@ -11378,8 +11378,8 @@
             </p:nvSpPr>
             <p:spPr>
               <a:xfrm>
-                <a:off x="1373339" y="6357448"/>
-                <a:ext cx="6881661" cy="307777"/>
+                <a:off x="1011277" y="6375796"/>
+                <a:ext cx="7014136" cy="307777"/>
               </a:xfrm>
               <a:prstGeom prst="rect">
                 <a:avLst/>
@@ -11411,21 +11411,21 @@
                     <a:latin typeface="Arial" panose="020B0604020202020204" pitchFamily="34" charset="0"/>
                     <a:cs typeface="Arial" panose="020B0604020202020204" pitchFamily="34" charset="0"/>
                   </a:rPr>
-                  <a:t> in       corrisponde ad una </a:t>
+                  <a:t> in       corrisponde ad una coppia di foglie </a:t>
                 </a:r>
                 <a:r>
                   <a:rPr lang="it-IT" sz="1400" b="1" dirty="0">
                     <a:latin typeface="Arial" panose="020B0604020202020204" pitchFamily="34" charset="0"/>
                     <a:cs typeface="Arial" panose="020B0604020202020204" pitchFamily="34" charset="0"/>
                   </a:rPr>
-                  <a:t>coppia di foglie </a:t>
+                  <a:t>vicine</a:t>
                 </a:r>
                 <a:r>
                   <a:rPr lang="it-IT" sz="1400" dirty="0">
                     <a:latin typeface="Arial" panose="020B0604020202020204" pitchFamily="34" charset="0"/>
                     <a:cs typeface="Arial" panose="020B0604020202020204" pitchFamily="34" charset="0"/>
                   </a:rPr>
-                  <a:t>nell’albero </a:t>
+                  <a:t> nell’albero </a:t>
                 </a:r>
                 <a14:m>
                   <m:oMath xmlns:m="http://schemas.openxmlformats.org/officeDocument/2006/math">
@@ -11449,7 +11449,7 @@
             </p:txBody>
           </p:sp>
         </mc:Choice>
-        <mc:Fallback xmlns="">
+        <mc:Fallback>
           <p:sp>
             <p:nvSpPr>
               <p:cNvPr id="23" name="CasellaDiTesto 22">
@@ -11466,8 +11466,8 @@
             </p:nvSpPr>
             <p:spPr>
               <a:xfrm>
-                <a:off x="1373339" y="6357448"/>
-                <a:ext cx="6881661" cy="307777"/>
+                <a:off x="1011277" y="6375796"/>
+                <a:ext cx="7014136" cy="307777"/>
               </a:xfrm>
               <a:prstGeom prst="rect">
                 <a:avLst/>
@@ -11475,7 +11475,7 @@
               <a:blipFill>
                 <a:blip r:embed="rId14"/>
                 <a:stretch>
-                  <a:fillRect l="-266" t="-4000" b="-20000"/>
+                  <a:fillRect l="-261" t="-4000" b="-20000"/>
                 </a:stretch>
               </a:blipFill>
             </p:spPr>
@@ -11520,7 +11520,7 @@
         </p:blipFill>
         <p:spPr>
           <a:xfrm>
-            <a:off x="3505613" y="6422176"/>
+            <a:off x="3141629" y="6422176"/>
             <a:ext cx="284479" cy="166420"/>
           </a:xfrm>
           <a:prstGeom prst="rect">
@@ -13668,8 +13668,8 @@
           </a:fontRef>
         </p:style>
       </p:cxnSp>
-      <mc:AlternateContent xmlns:mc="http://schemas.openxmlformats.org/markup-compatibility/2006">
-        <mc:Choice xmlns:a14="http://schemas.microsoft.com/office/drawing/2010/main" Requires="a14">
+      <mc:AlternateContent xmlns:mc="http://schemas.openxmlformats.org/markup-compatibility/2006" xmlns:a14="http://schemas.microsoft.com/office/drawing/2010/main">
+        <mc:Choice Requires="a14">
           <p:sp>
             <p:nvSpPr>
               <p:cNvPr id="36" name="CasellaDiTesto 35">
@@ -13769,7 +13769,7 @@
             </p:txBody>
           </p:sp>
         </mc:Choice>
-        <mc:Fallback>
+        <mc:Fallback xmlns="">
           <p:sp>
             <p:nvSpPr>
               <p:cNvPr id="36" name="CasellaDiTesto 35">
@@ -14694,8 +14694,8 @@
           </a:p>
         </p:txBody>
       </p:sp>
-      <mc:AlternateContent xmlns:mc="http://schemas.openxmlformats.org/markup-compatibility/2006">
-        <mc:Choice xmlns:a14="http://schemas.microsoft.com/office/drawing/2010/main" Requires="a14">
+      <mc:AlternateContent xmlns:mc="http://schemas.openxmlformats.org/markup-compatibility/2006" xmlns:a14="http://schemas.microsoft.com/office/drawing/2010/main">
+        <mc:Choice Requires="a14">
           <p:sp>
             <p:nvSpPr>
               <p:cNvPr id="27" name="CasellaDiTesto 26">
@@ -14790,7 +14790,7 @@
             </p:txBody>
           </p:sp>
         </mc:Choice>
-        <mc:Fallback>
+        <mc:Fallback xmlns="">
           <p:sp>
             <p:nvSpPr>
               <p:cNvPr id="27" name="CasellaDiTesto 26">
@@ -15051,8 +15051,8 @@
           </a:prstGeom>
         </p:spPr>
       </p:pic>
-      <mc:AlternateContent xmlns:mc="http://schemas.openxmlformats.org/markup-compatibility/2006">
-        <mc:Choice xmlns:a14="http://schemas.microsoft.com/office/drawing/2010/main" Requires="a14">
+      <mc:AlternateContent xmlns:mc="http://schemas.openxmlformats.org/markup-compatibility/2006" xmlns:a14="http://schemas.microsoft.com/office/drawing/2010/main">
+        <mc:Choice Requires="a14">
           <p:sp>
             <p:nvSpPr>
               <p:cNvPr id="50" name="CasellaDiTesto 49">
@@ -15129,7 +15129,7 @@
             </p:txBody>
           </p:sp>
         </mc:Choice>
-        <mc:Fallback>
+        <mc:Fallback xmlns="">
           <p:sp>
             <p:nvSpPr>
               <p:cNvPr id="50" name="CasellaDiTesto 49">

--- a/Discussione Laurea/Slides.pptx
+++ b/Discussione Laurea/Slides.pptx
@@ -5,10 +5,10 @@
     <p:sldMasterId id="2147483648" r:id="rId1"/>
   </p:sldMasterIdLst>
   <p:notesMasterIdLst>
-    <p:notesMasterId r:id="rId19"/>
+    <p:notesMasterId r:id="rId21"/>
   </p:notesMasterIdLst>
   <p:handoutMasterIdLst>
-    <p:handoutMasterId r:id="rId20"/>
+    <p:handoutMasterId r:id="rId22"/>
   </p:handoutMasterIdLst>
   <p:sldIdLst>
     <p:sldId id="256" r:id="rId2"/>
@@ -28,6 +28,8 @@
     <p:sldId id="274" r:id="rId16"/>
     <p:sldId id="275" r:id="rId17"/>
     <p:sldId id="276" r:id="rId18"/>
+    <p:sldId id="277" r:id="rId19"/>
+    <p:sldId id="278" r:id="rId20"/>
   </p:sldIdLst>
   <p:sldSz cx="9144000" cy="6858000" type="screen4x3"/>
   <p:notesSz cx="6858000" cy="9144000"/>
@@ -1336,6 +1338,176 @@
     <p:extLst>
       <p:ext uri="{BB962C8B-B14F-4D97-AF65-F5344CB8AC3E}">
         <p14:creationId xmlns:p14="http://schemas.microsoft.com/office/powerpoint/2010/main" val="2850894603"/>
+      </p:ext>
+    </p:extLst>
+  </p:cSld>
+  <p:clrMapOvr>
+    <a:masterClrMapping/>
+  </p:clrMapOvr>
+</p:notes>
+</file>
+
+<file path=ppt/notesSlides/notesSlide17.xml><?xml version="1.0" encoding="utf-8"?>
+<p:notes xmlns:a="http://schemas.openxmlformats.org/drawingml/2006/main" xmlns:r="http://schemas.openxmlformats.org/officeDocument/2006/relationships" xmlns:p="http://schemas.openxmlformats.org/presentationml/2006/main">
+  <p:cSld>
+    <p:spTree>
+      <p:nvGrpSpPr>
+        <p:cNvPr id="1" name=""/>
+        <p:cNvGrpSpPr/>
+        <p:nvPr/>
+      </p:nvGrpSpPr>
+      <p:grpSpPr>
+        <a:xfrm>
+          <a:off x="0" y="0"/>
+          <a:ext cx="0" cy="0"/>
+          <a:chOff x="0" y="0"/>
+          <a:chExt cx="0" cy="0"/>
+        </a:xfrm>
+      </p:grpSpPr>
+      <p:sp>
+        <p:nvSpPr>
+          <p:cNvPr id="2" name="Segnaposto immagine diapositiva 1"/>
+          <p:cNvSpPr>
+            <a:spLocks noGrp="1" noRot="1" noChangeAspect="1"/>
+          </p:cNvSpPr>
+          <p:nvPr>
+            <p:ph type="sldImg"/>
+          </p:nvPr>
+        </p:nvSpPr>
+        <p:spPr/>
+      </p:sp>
+      <p:sp>
+        <p:nvSpPr>
+          <p:cNvPr id="3" name="Segnaposto note 2"/>
+          <p:cNvSpPr>
+            <a:spLocks noGrp="1"/>
+          </p:cNvSpPr>
+          <p:nvPr>
+            <p:ph type="body" idx="1"/>
+          </p:nvPr>
+        </p:nvSpPr>
+        <p:spPr/>
+        <p:txBody>
+          <a:bodyPr/>
+          <a:lstStyle/>
+          <a:p>
+            <a:endParaRPr lang="it-IT"/>
+          </a:p>
+        </p:txBody>
+      </p:sp>
+      <p:sp>
+        <p:nvSpPr>
+          <p:cNvPr id="4" name="Segnaposto numero diapositiva 3"/>
+          <p:cNvSpPr>
+            <a:spLocks noGrp="1"/>
+          </p:cNvSpPr>
+          <p:nvPr>
+            <p:ph type="sldNum" sz="quarter" idx="10"/>
+          </p:nvPr>
+        </p:nvSpPr>
+        <p:spPr/>
+        <p:txBody>
+          <a:bodyPr/>
+          <a:lstStyle/>
+          <a:p>
+            <a:fld id="{96986711-015B-0142-88C4-65D50E44FA77}" type="slidenum">
+              <a:rPr lang="it-IT" smtClean="0"/>
+              <a:pPr/>
+              <a:t>18</a:t>
+            </a:fld>
+            <a:endParaRPr lang="it-IT"/>
+          </a:p>
+        </p:txBody>
+      </p:sp>
+    </p:spTree>
+    <p:extLst>
+      <p:ext uri="{BB962C8B-B14F-4D97-AF65-F5344CB8AC3E}">
+        <p14:creationId xmlns:p14="http://schemas.microsoft.com/office/powerpoint/2010/main" val="1089580466"/>
+      </p:ext>
+    </p:extLst>
+  </p:cSld>
+  <p:clrMapOvr>
+    <a:masterClrMapping/>
+  </p:clrMapOvr>
+</p:notes>
+</file>
+
+<file path=ppt/notesSlides/notesSlide18.xml><?xml version="1.0" encoding="utf-8"?>
+<p:notes xmlns:a="http://schemas.openxmlformats.org/drawingml/2006/main" xmlns:r="http://schemas.openxmlformats.org/officeDocument/2006/relationships" xmlns:p="http://schemas.openxmlformats.org/presentationml/2006/main">
+  <p:cSld>
+    <p:spTree>
+      <p:nvGrpSpPr>
+        <p:cNvPr id="1" name=""/>
+        <p:cNvGrpSpPr/>
+        <p:nvPr/>
+      </p:nvGrpSpPr>
+      <p:grpSpPr>
+        <a:xfrm>
+          <a:off x="0" y="0"/>
+          <a:ext cx="0" cy="0"/>
+          <a:chOff x="0" y="0"/>
+          <a:chExt cx="0" cy="0"/>
+        </a:xfrm>
+      </p:grpSpPr>
+      <p:sp>
+        <p:nvSpPr>
+          <p:cNvPr id="2" name="Segnaposto immagine diapositiva 1"/>
+          <p:cNvSpPr>
+            <a:spLocks noGrp="1" noRot="1" noChangeAspect="1"/>
+          </p:cNvSpPr>
+          <p:nvPr>
+            <p:ph type="sldImg"/>
+          </p:nvPr>
+        </p:nvSpPr>
+        <p:spPr/>
+      </p:sp>
+      <p:sp>
+        <p:nvSpPr>
+          <p:cNvPr id="3" name="Segnaposto note 2"/>
+          <p:cNvSpPr>
+            <a:spLocks noGrp="1"/>
+          </p:cNvSpPr>
+          <p:nvPr>
+            <p:ph type="body" idx="1"/>
+          </p:nvPr>
+        </p:nvSpPr>
+        <p:spPr/>
+        <p:txBody>
+          <a:bodyPr/>
+          <a:lstStyle/>
+          <a:p>
+            <a:endParaRPr lang="it-IT"/>
+          </a:p>
+        </p:txBody>
+      </p:sp>
+      <p:sp>
+        <p:nvSpPr>
+          <p:cNvPr id="4" name="Segnaposto numero diapositiva 3"/>
+          <p:cNvSpPr>
+            <a:spLocks noGrp="1"/>
+          </p:cNvSpPr>
+          <p:nvPr>
+            <p:ph type="sldNum" sz="quarter" idx="10"/>
+          </p:nvPr>
+        </p:nvSpPr>
+        <p:spPr/>
+        <p:txBody>
+          <a:bodyPr/>
+          <a:lstStyle/>
+          <a:p>
+            <a:fld id="{96986711-015B-0142-88C4-65D50E44FA77}" type="slidenum">
+              <a:rPr lang="it-IT" smtClean="0"/>
+              <a:pPr/>
+              <a:t>19</a:t>
+            </a:fld>
+            <a:endParaRPr lang="it-IT"/>
+          </a:p>
+        </p:txBody>
+      </p:sp>
+    </p:spTree>
+    <p:extLst>
+      <p:ext uri="{BB962C8B-B14F-4D97-AF65-F5344CB8AC3E}">
+        <p14:creationId xmlns:p14="http://schemas.microsoft.com/office/powerpoint/2010/main" val="2919014423"/>
       </p:ext>
     </p:extLst>
   </p:cSld>
@@ -11362,8 +11534,8 @@
           </a:fontRef>
         </p:style>
       </p:cxnSp>
-      <mc:AlternateContent xmlns:mc="http://schemas.openxmlformats.org/markup-compatibility/2006">
-        <mc:Choice xmlns:a14="http://schemas.microsoft.com/office/drawing/2010/main" Requires="a14">
+      <mc:AlternateContent xmlns:mc="http://schemas.openxmlformats.org/markup-compatibility/2006" xmlns:a14="http://schemas.microsoft.com/office/drawing/2010/main">
+        <mc:Choice Requires="a14">
           <p:sp>
             <p:nvSpPr>
               <p:cNvPr id="23" name="CasellaDiTesto 22">
@@ -11449,7 +11621,7 @@
             </p:txBody>
           </p:sp>
         </mc:Choice>
-        <mc:Fallback>
+        <mc:Fallback xmlns="">
           <p:sp>
             <p:nvSpPr>
               <p:cNvPr id="23" name="CasellaDiTesto 22">
@@ -15335,6 +15507,2640 @@
     <p:extLst>
       <p:ext uri="{BB962C8B-B14F-4D97-AF65-F5344CB8AC3E}">
         <p14:creationId xmlns:p14="http://schemas.microsoft.com/office/powerpoint/2010/main" val="1194101630"/>
+      </p:ext>
+    </p:extLst>
+  </p:cSld>
+  <p:clrMapOvr>
+    <a:masterClrMapping/>
+  </p:clrMapOvr>
+</p:sld>
+</file>
+
+<file path=ppt/slides/slide18.xml><?xml version="1.0" encoding="utf-8"?>
+<p:sld xmlns:a="http://schemas.openxmlformats.org/drawingml/2006/main" xmlns:r="http://schemas.openxmlformats.org/officeDocument/2006/relationships" xmlns:p="http://schemas.openxmlformats.org/presentationml/2006/main">
+  <p:cSld>
+    <p:spTree>
+      <p:nvGrpSpPr>
+        <p:cNvPr id="1" name=""/>
+        <p:cNvGrpSpPr/>
+        <p:nvPr/>
+      </p:nvGrpSpPr>
+      <p:grpSpPr>
+        <a:xfrm>
+          <a:off x="0" y="0"/>
+          <a:ext cx="0" cy="0"/>
+          <a:chOff x="0" y="0"/>
+          <a:chExt cx="0" cy="0"/>
+        </a:xfrm>
+      </p:grpSpPr>
+      <p:pic>
+        <p:nvPicPr>
+          <p:cNvPr id="2" name="Immagine 1"/>
+          <p:cNvPicPr>
+            <a:picLocks noChangeAspect="1"/>
+          </p:cNvPicPr>
+          <p:nvPr/>
+        </p:nvPicPr>
+        <p:blipFill>
+          <a:blip r:embed="rId9"/>
+          <a:stretch>
+            <a:fillRect/>
+          </a:stretch>
+        </p:blipFill>
+        <p:spPr>
+          <a:xfrm>
+            <a:off x="-1" y="3123"/>
+            <a:ext cx="9143817" cy="6872495"/>
+          </a:xfrm>
+          <a:prstGeom prst="rect">
+            <a:avLst/>
+          </a:prstGeom>
+        </p:spPr>
+      </p:pic>
+      <p:sp>
+        <p:nvSpPr>
+          <p:cNvPr id="7" name="CasellaDiTesto 6"/>
+          <p:cNvSpPr txBox="1"/>
+          <p:nvPr/>
+        </p:nvSpPr>
+        <p:spPr>
+          <a:xfrm>
+            <a:off x="9061" y="649703"/>
+            <a:ext cx="2764619" cy="461665"/>
+          </a:xfrm>
+          <a:prstGeom prst="rect">
+            <a:avLst/>
+          </a:prstGeom>
+          <a:noFill/>
+        </p:spPr>
+        <p:txBody>
+          <a:bodyPr wrap="square" rtlCol="0">
+            <a:spAutoFit/>
+          </a:bodyPr>
+          <a:lstStyle/>
+          <a:p>
+            <a:r>
+              <a:rPr lang="it-IT" sz="2400" b="1" dirty="0">
+                <a:solidFill>
+                  <a:schemeClr val="accent1">
+                    <a:lumMod val="75000"/>
+                  </a:schemeClr>
+                </a:solidFill>
+                <a:latin typeface="Arial"/>
+                <a:cs typeface="Arial"/>
+              </a:rPr>
+              <a:t>Neighbor-Joining</a:t>
+            </a:r>
+          </a:p>
+        </p:txBody>
+      </p:sp>
+      <p:sp>
+        <p:nvSpPr>
+          <p:cNvPr id="12" name="Rettangolo 11"/>
+          <p:cNvSpPr/>
+          <p:nvPr/>
+        </p:nvSpPr>
+        <p:spPr>
+          <a:xfrm>
+            <a:off x="8255000" y="6366466"/>
+            <a:ext cx="280763" cy="501650"/>
+          </a:xfrm>
+          <a:prstGeom prst="rect">
+            <a:avLst/>
+          </a:prstGeom>
+          <a:solidFill>
+            <a:srgbClr val="003053"/>
+          </a:solidFill>
+        </p:spPr>
+        <p:style>
+          <a:lnRef idx="1">
+            <a:schemeClr val="accent1"/>
+          </a:lnRef>
+          <a:fillRef idx="3">
+            <a:schemeClr val="accent1"/>
+          </a:fillRef>
+          <a:effectRef idx="2">
+            <a:schemeClr val="accent1"/>
+          </a:effectRef>
+          <a:fontRef idx="minor">
+            <a:schemeClr val="lt1"/>
+          </a:fontRef>
+        </p:style>
+        <p:txBody>
+          <a:bodyPr rtlCol="0" anchor="ctr"/>
+          <a:lstStyle/>
+          <a:p>
+            <a:pPr algn="ctr"/>
+            <a:endParaRPr lang="it-IT">
+              <a:solidFill>
+                <a:srgbClr val="003257"/>
+              </a:solidFill>
+            </a:endParaRPr>
+          </a:p>
+        </p:txBody>
+      </p:sp>
+      <p:sp>
+        <p:nvSpPr>
+          <p:cNvPr id="11" name="Segnaposto numero diapositiva 10"/>
+          <p:cNvSpPr>
+            <a:spLocks noGrp="1"/>
+          </p:cNvSpPr>
+          <p:nvPr>
+            <p:ph type="sldNum" sz="quarter" idx="12"/>
+          </p:nvPr>
+        </p:nvSpPr>
+        <p:spPr>
+          <a:xfrm>
+            <a:off x="6402163" y="6356350"/>
+            <a:ext cx="2133600" cy="365125"/>
+          </a:xfrm>
+        </p:spPr>
+        <p:txBody>
+          <a:bodyPr/>
+          <a:lstStyle/>
+          <a:p>
+            <a:fld id="{8EB8520A-26EA-DE4B-B141-4532FC98FF0E}" type="slidenum">
+              <a:rPr lang="it-IT" b="1" smtClean="0">
+                <a:solidFill>
+                  <a:schemeClr val="bg1"/>
+                </a:solidFill>
+                <a:latin typeface="Arial"/>
+                <a:cs typeface="Arial"/>
+              </a:rPr>
+              <a:pPr/>
+              <a:t>18</a:t>
+            </a:fld>
+            <a:endParaRPr lang="it-IT" b="1" dirty="0">
+              <a:solidFill>
+                <a:schemeClr val="bg1"/>
+              </a:solidFill>
+              <a:latin typeface="Arial"/>
+              <a:cs typeface="Arial"/>
+            </a:endParaRPr>
+          </a:p>
+        </p:txBody>
+      </p:sp>
+      <p:sp>
+        <p:nvSpPr>
+          <p:cNvPr id="10" name="CasellaDiTesto 9"/>
+          <p:cNvSpPr txBox="1"/>
+          <p:nvPr/>
+        </p:nvSpPr>
+        <p:spPr>
+          <a:xfrm>
+            <a:off x="5735951" y="51433"/>
+            <a:ext cx="2957862" cy="215444"/>
+          </a:xfrm>
+          <a:prstGeom prst="rect">
+            <a:avLst/>
+          </a:prstGeom>
+          <a:noFill/>
+        </p:spPr>
+        <p:txBody>
+          <a:bodyPr wrap="none" rtlCol="0">
+            <a:spAutoFit/>
+          </a:bodyPr>
+          <a:lstStyle/>
+          <a:p>
+            <a:pPr algn="r"/>
+            <a:r>
+              <a:rPr lang="it-IT" sz="800" b="1" dirty="0">
+                <a:solidFill>
+                  <a:schemeClr val="bg1"/>
+                </a:solidFill>
+                <a:latin typeface="Arial"/>
+                <a:cs typeface="Arial"/>
+              </a:rPr>
+              <a:t>Applicazioni dell’algoritmica alla biologia: alberi evolutivi</a:t>
+            </a:r>
+          </a:p>
+        </p:txBody>
+      </p:sp>
+      <p:sp>
+        <p:nvSpPr>
+          <p:cNvPr id="14" name="CasellaDiTesto 13"/>
+          <p:cNvSpPr txBox="1"/>
+          <p:nvPr/>
+        </p:nvSpPr>
+        <p:spPr>
+          <a:xfrm>
+            <a:off x="7082015" y="403482"/>
+            <a:ext cx="1621846" cy="492443"/>
+          </a:xfrm>
+          <a:prstGeom prst="rect">
+            <a:avLst/>
+          </a:prstGeom>
+          <a:noFill/>
+        </p:spPr>
+        <p:txBody>
+          <a:bodyPr wrap="none" rtlCol="0">
+            <a:spAutoFit/>
+          </a:bodyPr>
+          <a:lstStyle/>
+          <a:p>
+            <a:pPr algn="r"/>
+            <a:r>
+              <a:rPr lang="it-IT" sz="800" dirty="0">
+                <a:solidFill>
+                  <a:schemeClr val="bg1"/>
+                </a:solidFill>
+                <a:latin typeface="Arial"/>
+                <a:cs typeface="Arial"/>
+              </a:rPr>
+              <a:t>Firenze, 12 luglio 2019</a:t>
+            </a:r>
+          </a:p>
+          <a:p>
+            <a:endParaRPr lang="it-IT" dirty="0"/>
+          </a:p>
+        </p:txBody>
+      </p:sp>
+      <p:sp>
+        <p:nvSpPr>
+          <p:cNvPr id="53" name="CasellaDiTesto 52">
+            <a:extLst>
+              <a:ext uri="{FF2B5EF4-FFF2-40B4-BE49-F238E27FC236}">
+                <a16:creationId xmlns:a16="http://schemas.microsoft.com/office/drawing/2014/main" id="{C4172192-17B0-4035-AFD1-CBC8BDE7E4CD}"/>
+              </a:ext>
+            </a:extLst>
+          </p:cNvPr>
+          <p:cNvSpPr txBox="1"/>
+          <p:nvPr/>
+        </p:nvSpPr>
+        <p:spPr>
+          <a:xfrm>
+            <a:off x="9062" y="1077183"/>
+            <a:ext cx="1078058" cy="369332"/>
+          </a:xfrm>
+          <a:prstGeom prst="rect">
+            <a:avLst/>
+          </a:prstGeom>
+          <a:noFill/>
+        </p:spPr>
+        <p:txBody>
+          <a:bodyPr wrap="square" rtlCol="0">
+            <a:spAutoFit/>
+          </a:bodyPr>
+          <a:lstStyle/>
+          <a:p>
+            <a:r>
+              <a:rPr lang="it-IT" i="1" dirty="0">
+                <a:latin typeface="Arial"/>
+                <a:cs typeface="Arial"/>
+              </a:rPr>
+              <a:t>Parte 4</a:t>
+            </a:r>
+          </a:p>
+        </p:txBody>
+      </p:sp>
+      <mc:AlternateContent xmlns:mc="http://schemas.openxmlformats.org/markup-compatibility/2006" xmlns:a14="http://schemas.microsoft.com/office/drawing/2010/main">
+        <mc:Choice Requires="a14">
+          <p:sp>
+            <p:nvSpPr>
+              <p:cNvPr id="33" name="CasellaDiTesto 32">
+                <a:extLst>
+                  <a:ext uri="{FF2B5EF4-FFF2-40B4-BE49-F238E27FC236}">
+                    <a16:creationId xmlns:a16="http://schemas.microsoft.com/office/drawing/2014/main" id="{E850FC2F-845B-4A56-BEE2-E421A688F911}"/>
+                  </a:ext>
+                </a:extLst>
+              </p:cNvPr>
+              <p:cNvSpPr txBox="1"/>
+              <p:nvPr/>
+            </p:nvSpPr>
+            <p:spPr>
+              <a:xfrm>
+                <a:off x="-2" y="1496338"/>
+                <a:ext cx="9143817" cy="307777"/>
+              </a:xfrm>
+              <a:prstGeom prst="rect">
+                <a:avLst/>
+              </a:prstGeom>
+              <a:noFill/>
+            </p:spPr>
+            <p:txBody>
+              <a:bodyPr wrap="square" rtlCol="0">
+                <a:spAutoFit/>
+              </a:bodyPr>
+              <a:lstStyle/>
+              <a:p>
+                <a:r>
+                  <a:rPr lang="it-IT" sz="1400" dirty="0">
+                    <a:latin typeface="Arial" panose="020B0604020202020204" pitchFamily="34" charset="0"/>
+                    <a:cs typeface="Arial" panose="020B0604020202020204" pitchFamily="34" charset="0"/>
+                  </a:rPr>
+                  <a:t>Per capire quanto </a:t>
+                </a:r>
+                <a14:m>
+                  <m:oMath xmlns:m="http://schemas.openxmlformats.org/officeDocument/2006/math">
+                    <m:r>
+                      <a:rPr lang="it-IT" sz="1400" b="0" i="1" smtClean="0">
+                        <a:latin typeface="Cambria Math" panose="02040503050406030204" pitchFamily="18" charset="0"/>
+                        <a:cs typeface="Arial" panose="020B0604020202020204" pitchFamily="34" charset="0"/>
+                      </a:rPr>
+                      <m:t>𝑇</m:t>
+                    </m:r>
+                  </m:oMath>
+                </a14:m>
+                <a:r>
+                  <a:rPr lang="it-IT" sz="1400" dirty="0">
+                    <a:latin typeface="Arial" panose="020B0604020202020204" pitchFamily="34" charset="0"/>
+                    <a:cs typeface="Arial" panose="020B0604020202020204" pitchFamily="34" charset="0"/>
+                  </a:rPr>
+                  <a:t> approssimi al meglio </a:t>
+                </a:r>
+                <a14:m>
+                  <m:oMath xmlns:m="http://schemas.openxmlformats.org/officeDocument/2006/math">
+                    <m:r>
+                      <a:rPr lang="it-IT" sz="1400" b="0" i="1" smtClean="0">
+                        <a:latin typeface="Cambria Math" panose="02040503050406030204" pitchFamily="18" charset="0"/>
+                        <a:cs typeface="Arial" panose="020B0604020202020204" pitchFamily="34" charset="0"/>
+                      </a:rPr>
+                      <m:t>𝐷</m:t>
+                    </m:r>
+                  </m:oMath>
+                </a14:m>
+                <a:r>
+                  <a:rPr lang="it-IT" sz="1400" dirty="0">
+                    <a:latin typeface="Arial" panose="020B0604020202020204" pitchFamily="34" charset="0"/>
+                    <a:cs typeface="Arial" panose="020B0604020202020204" pitchFamily="34" charset="0"/>
+                  </a:rPr>
+                  <a:t> si costruisce </a:t>
+                </a:r>
+                <a14:m>
+                  <m:oMath xmlns:m="http://schemas.openxmlformats.org/officeDocument/2006/math">
+                    <m:r>
+                      <a:rPr lang="it-IT" sz="1400" b="0" i="1" smtClean="0">
+                        <a:latin typeface="Cambria Math" panose="02040503050406030204" pitchFamily="18" charset="0"/>
+                        <a:cs typeface="Arial" panose="020B0604020202020204" pitchFamily="34" charset="0"/>
+                      </a:rPr>
+                      <m:t>𝐷</m:t>
+                    </m:r>
+                    <m:r>
+                      <a:rPr lang="it-IT" sz="1400" b="0" i="1" smtClean="0">
+                        <a:latin typeface="Cambria Math" panose="02040503050406030204" pitchFamily="18" charset="0"/>
+                        <a:cs typeface="Arial" panose="020B0604020202020204" pitchFamily="34" charset="0"/>
+                      </a:rPr>
+                      <m:t>(</m:t>
+                    </m:r>
+                    <m:r>
+                      <a:rPr lang="it-IT" sz="1400" b="0" i="1" smtClean="0">
+                        <a:latin typeface="Cambria Math" panose="02040503050406030204" pitchFamily="18" charset="0"/>
+                        <a:cs typeface="Arial" panose="020B0604020202020204" pitchFamily="34" charset="0"/>
+                      </a:rPr>
+                      <m:t>𝑇</m:t>
+                    </m:r>
+                    <m:r>
+                      <a:rPr lang="it-IT" sz="1400" b="0" i="1" smtClean="0">
+                        <a:latin typeface="Cambria Math" panose="02040503050406030204" pitchFamily="18" charset="0"/>
+                        <a:cs typeface="Arial" panose="020B0604020202020204" pitchFamily="34" charset="0"/>
+                      </a:rPr>
+                      <m:t>)</m:t>
+                    </m:r>
+                  </m:oMath>
+                </a14:m>
+                <a:r>
+                  <a:rPr lang="it-IT" sz="1400" dirty="0">
+                    <a:latin typeface="Arial" panose="020B0604020202020204" pitchFamily="34" charset="0"/>
+                    <a:cs typeface="Arial" panose="020B0604020202020204" pitchFamily="34" charset="0"/>
+                  </a:rPr>
+                  <a:t> e si calcola la discrepanza tra </a:t>
+                </a:r>
+                <a14:m>
+                  <m:oMath xmlns:m="http://schemas.openxmlformats.org/officeDocument/2006/math">
+                    <m:r>
+                      <a:rPr lang="it-IT" sz="1400" b="0" i="1" smtClean="0">
+                        <a:latin typeface="Cambria Math" panose="02040503050406030204" pitchFamily="18" charset="0"/>
+                        <a:cs typeface="Arial" panose="020B0604020202020204" pitchFamily="34" charset="0"/>
+                      </a:rPr>
+                      <m:t>𝐷</m:t>
+                    </m:r>
+                  </m:oMath>
+                </a14:m>
+                <a:r>
+                  <a:rPr lang="it-IT" sz="1400" dirty="0">
+                    <a:latin typeface="Arial" panose="020B0604020202020204" pitchFamily="34" charset="0"/>
+                    <a:cs typeface="Arial" panose="020B0604020202020204" pitchFamily="34" charset="0"/>
+                  </a:rPr>
+                  <a:t> e </a:t>
+                </a:r>
+                <a14:m>
+                  <m:oMath xmlns:m="http://schemas.openxmlformats.org/officeDocument/2006/math">
+                    <m:r>
+                      <a:rPr lang="it-IT" sz="1400" b="0" i="1" smtClean="0">
+                        <a:latin typeface="Cambria Math" panose="02040503050406030204" pitchFamily="18" charset="0"/>
+                        <a:cs typeface="Arial" panose="020B0604020202020204" pitchFamily="34" charset="0"/>
+                      </a:rPr>
+                      <m:t>𝐷</m:t>
+                    </m:r>
+                    <m:d>
+                      <m:dPr>
+                        <m:ctrlPr>
+                          <a:rPr lang="it-IT" sz="1400" b="0" i="1" smtClean="0">
+                            <a:latin typeface="Cambria Math" panose="02040503050406030204" pitchFamily="18" charset="0"/>
+                            <a:cs typeface="Arial" panose="020B0604020202020204" pitchFamily="34" charset="0"/>
+                          </a:rPr>
+                        </m:ctrlPr>
+                      </m:dPr>
+                      <m:e>
+                        <m:r>
+                          <a:rPr lang="it-IT" sz="1400" b="0" i="1" smtClean="0">
+                            <a:latin typeface="Cambria Math" panose="02040503050406030204" pitchFamily="18" charset="0"/>
+                            <a:cs typeface="Arial" panose="020B0604020202020204" pitchFamily="34" charset="0"/>
+                          </a:rPr>
+                          <m:t>𝑇</m:t>
+                        </m:r>
+                      </m:e>
+                    </m:d>
+                  </m:oMath>
+                </a14:m>
+                <a:r>
+                  <a:rPr lang="it-IT" sz="1400" dirty="0">
+                    <a:latin typeface="Arial" panose="020B0604020202020204" pitchFamily="34" charset="0"/>
+                    <a:cs typeface="Arial" panose="020B0604020202020204" pitchFamily="34" charset="0"/>
+                  </a:rPr>
+                  <a:t>. Quindi:</a:t>
+                </a:r>
+              </a:p>
+            </p:txBody>
+          </p:sp>
+        </mc:Choice>
+        <mc:Fallback xmlns="">
+          <p:sp>
+            <p:nvSpPr>
+              <p:cNvPr id="33" name="CasellaDiTesto 32">
+                <a:extLst>
+                  <a:ext uri="{FF2B5EF4-FFF2-40B4-BE49-F238E27FC236}">
+                    <a16:creationId xmlns:a16="http://schemas.microsoft.com/office/drawing/2014/main" id="{E850FC2F-845B-4A56-BEE2-E421A688F911}"/>
+                  </a:ext>
+                </a:extLst>
+              </p:cNvPr>
+              <p:cNvSpPr txBox="1">
+                <a:spLocks noRot="1" noChangeAspect="1" noMove="1" noResize="1" noEditPoints="1" noAdjustHandles="1" noChangeArrowheads="1" noChangeShapeType="1" noTextEdit="1"/>
+              </p:cNvSpPr>
+              <p:nvPr/>
+            </p:nvSpPr>
+            <p:spPr>
+              <a:xfrm>
+                <a:off x="-2" y="1496338"/>
+                <a:ext cx="9143817" cy="307777"/>
+              </a:xfrm>
+              <a:prstGeom prst="rect">
+                <a:avLst/>
+              </a:prstGeom>
+              <a:blipFill>
+                <a:blip r:embed="rId10"/>
+                <a:stretch>
+                  <a:fillRect l="-200" t="-1961" b="-19608"/>
+                </a:stretch>
+              </a:blipFill>
+            </p:spPr>
+            <p:txBody>
+              <a:bodyPr/>
+              <a:lstStyle/>
+              <a:p>
+                <a:r>
+                  <a:rPr lang="it-IT">
+                    <a:noFill/>
+                  </a:rPr>
+                  <a:t> </a:t>
+                </a:r>
+              </a:p>
+            </p:txBody>
+          </p:sp>
+        </mc:Fallback>
+      </mc:AlternateContent>
+      <p:pic>
+        <p:nvPicPr>
+          <p:cNvPr id="3" name="Immagine 2">
+            <a:extLst>
+              <a:ext uri="{FF2B5EF4-FFF2-40B4-BE49-F238E27FC236}">
+                <a16:creationId xmlns:a16="http://schemas.microsoft.com/office/drawing/2014/main" id="{1BBB9CBA-BD57-4FF9-938C-0ACB28B146B2}"/>
+              </a:ext>
+            </a:extLst>
+          </p:cNvPr>
+          <p:cNvPicPr>
+            <a:picLocks noChangeAspect="1"/>
+          </p:cNvPicPr>
+          <p:nvPr/>
+        </p:nvPicPr>
+        <p:blipFill>
+          <a:blip r:embed="rId11"/>
+          <a:stretch>
+            <a:fillRect/>
+          </a:stretch>
+        </p:blipFill>
+        <p:spPr>
+          <a:xfrm>
+            <a:off x="9062" y="2113595"/>
+            <a:ext cx="3133633" cy="1189894"/>
+          </a:xfrm>
+          <a:prstGeom prst="rect">
+            <a:avLst/>
+          </a:prstGeom>
+        </p:spPr>
+      </p:pic>
+      <p:pic>
+        <p:nvPicPr>
+          <p:cNvPr id="16" name="Immagine 15">
+            <a:extLst>
+              <a:ext uri="{FF2B5EF4-FFF2-40B4-BE49-F238E27FC236}">
+                <a16:creationId xmlns:a16="http://schemas.microsoft.com/office/drawing/2014/main" id="{85D1E377-2E6B-4AA8-912E-55BE6CF48411}"/>
+              </a:ext>
+            </a:extLst>
+          </p:cNvPr>
+          <p:cNvPicPr>
+            <a:picLocks noChangeAspect="1"/>
+          </p:cNvPicPr>
+          <p:nvPr>
+            <p:custDataLst>
+              <p:tags r:id="rId1"/>
+            </p:custDataLst>
+          </p:nvPr>
+        </p:nvPicPr>
+        <p:blipFill>
+          <a:blip r:embed="rId12"/>
+          <a:stretch>
+            <a:fillRect/>
+          </a:stretch>
+        </p:blipFill>
+        <p:spPr>
+          <a:xfrm>
+            <a:off x="4022921" y="2251298"/>
+            <a:ext cx="4996607" cy="914487"/>
+          </a:xfrm>
+          <a:prstGeom prst="rect">
+            <a:avLst/>
+          </a:prstGeom>
+        </p:spPr>
+      </p:pic>
+      <p:cxnSp>
+        <p:nvCxnSpPr>
+          <p:cNvPr id="18" name="Connettore 2 17">
+            <a:extLst>
+              <a:ext uri="{FF2B5EF4-FFF2-40B4-BE49-F238E27FC236}">
+                <a16:creationId xmlns:a16="http://schemas.microsoft.com/office/drawing/2014/main" id="{AE008E4E-9B8D-4D2D-B2F5-849EDF25E22C}"/>
+              </a:ext>
+            </a:extLst>
+          </p:cNvPr>
+          <p:cNvCxnSpPr>
+            <a:stCxn id="3" idx="3"/>
+            <a:endCxn id="16" idx="1"/>
+          </p:cNvCxnSpPr>
+          <p:nvPr/>
+        </p:nvCxnSpPr>
+        <p:spPr>
+          <a:xfrm>
+            <a:off x="3142695" y="2708542"/>
+            <a:ext cx="880226" cy="0"/>
+          </a:xfrm>
+          <a:prstGeom prst="straightConnector1">
+            <a:avLst/>
+          </a:prstGeom>
+          <a:ln>
+            <a:tailEnd type="triangle"/>
+          </a:ln>
+        </p:spPr>
+        <p:style>
+          <a:lnRef idx="2">
+            <a:schemeClr val="accent1"/>
+          </a:lnRef>
+          <a:fillRef idx="0">
+            <a:schemeClr val="accent1"/>
+          </a:fillRef>
+          <a:effectRef idx="1">
+            <a:schemeClr val="accent1"/>
+          </a:effectRef>
+          <a:fontRef idx="minor">
+            <a:schemeClr val="tx1"/>
+          </a:fontRef>
+        </p:style>
+      </p:cxnSp>
+      <p:sp>
+        <p:nvSpPr>
+          <p:cNvPr id="24" name="CasellaDiTesto 23">
+            <a:extLst>
+              <a:ext uri="{FF2B5EF4-FFF2-40B4-BE49-F238E27FC236}">
+                <a16:creationId xmlns:a16="http://schemas.microsoft.com/office/drawing/2014/main" id="{DAAD4E65-013D-4226-B5A8-21B5F3CCF070}"/>
+              </a:ext>
+            </a:extLst>
+          </p:cNvPr>
+          <p:cNvSpPr txBox="1"/>
+          <p:nvPr/>
+        </p:nvSpPr>
+        <p:spPr>
+          <a:xfrm>
+            <a:off x="183" y="3468318"/>
+            <a:ext cx="9143817" cy="307777"/>
+          </a:xfrm>
+          <a:prstGeom prst="rect">
+            <a:avLst/>
+          </a:prstGeom>
+          <a:noFill/>
+        </p:spPr>
+        <p:txBody>
+          <a:bodyPr wrap="square" rtlCol="0">
+            <a:spAutoFit/>
+          </a:bodyPr>
+          <a:lstStyle/>
+          <a:p>
+            <a:pPr algn="ctr"/>
+            <a:r>
+              <a:rPr lang="it-IT" sz="1400" dirty="0">
+                <a:latin typeface="Arial" panose="020B0604020202020204" pitchFamily="34" charset="0"/>
+                <a:cs typeface="Arial" panose="020B0604020202020204" pitchFamily="34" charset="0"/>
+              </a:rPr>
+              <a:t>Il risultato mostra che c’è poca discrepanza tra le due matrici.</a:t>
+            </a:r>
+          </a:p>
+        </p:txBody>
+      </p:sp>
+      <p:cxnSp>
+        <p:nvCxnSpPr>
+          <p:cNvPr id="25" name="Connettore diritto 24">
+            <a:extLst>
+              <a:ext uri="{FF2B5EF4-FFF2-40B4-BE49-F238E27FC236}">
+                <a16:creationId xmlns:a16="http://schemas.microsoft.com/office/drawing/2014/main" id="{0F403E21-5EF8-48A7-B881-653B67263F43}"/>
+              </a:ext>
+            </a:extLst>
+          </p:cNvPr>
+          <p:cNvCxnSpPr>
+            <a:cxnSpLocks/>
+          </p:cNvCxnSpPr>
+          <p:nvPr/>
+        </p:nvCxnSpPr>
+        <p:spPr>
+          <a:xfrm flipV="1">
+            <a:off x="436880" y="3774337"/>
+            <a:ext cx="8098883" cy="60960"/>
+          </a:xfrm>
+          <a:prstGeom prst="line">
+            <a:avLst/>
+          </a:prstGeom>
+        </p:spPr>
+        <p:style>
+          <a:lnRef idx="2">
+            <a:schemeClr val="accent1"/>
+          </a:lnRef>
+          <a:fillRef idx="0">
+            <a:schemeClr val="accent1"/>
+          </a:fillRef>
+          <a:effectRef idx="1">
+            <a:schemeClr val="accent1"/>
+          </a:effectRef>
+          <a:fontRef idx="minor">
+            <a:schemeClr val="tx1"/>
+          </a:fontRef>
+        </p:style>
+      </p:cxnSp>
+      <p:sp>
+        <p:nvSpPr>
+          <p:cNvPr id="26" name="CasellaDiTesto 25">
+            <a:extLst>
+              <a:ext uri="{FF2B5EF4-FFF2-40B4-BE49-F238E27FC236}">
+                <a16:creationId xmlns:a16="http://schemas.microsoft.com/office/drawing/2014/main" id="{2E379512-7B58-4DB3-8F7E-C11A404B9A9E}"/>
+              </a:ext>
+            </a:extLst>
+          </p:cNvPr>
+          <p:cNvSpPr txBox="1"/>
+          <p:nvPr/>
+        </p:nvSpPr>
+        <p:spPr>
+          <a:xfrm>
+            <a:off x="-185" y="3893962"/>
+            <a:ext cx="2663486" cy="369332"/>
+          </a:xfrm>
+          <a:prstGeom prst="rect">
+            <a:avLst/>
+          </a:prstGeom>
+          <a:noFill/>
+        </p:spPr>
+        <p:txBody>
+          <a:bodyPr wrap="square" rtlCol="0">
+            <a:spAutoFit/>
+          </a:bodyPr>
+          <a:lstStyle/>
+          <a:p>
+            <a:r>
+              <a:rPr lang="it-IT" i="1" dirty="0">
+                <a:latin typeface="Arial"/>
+                <a:cs typeface="Arial"/>
+              </a:rPr>
+              <a:t>Complessità Temporale</a:t>
+            </a:r>
+          </a:p>
+        </p:txBody>
+      </p:sp>
+      <mc:AlternateContent xmlns:mc="http://schemas.openxmlformats.org/markup-compatibility/2006" xmlns:a14="http://schemas.microsoft.com/office/drawing/2010/main">
+        <mc:Choice Requires="a14">
+          <p:sp>
+            <p:nvSpPr>
+              <p:cNvPr id="27" name="CasellaDiTesto 26">
+                <a:extLst>
+                  <a:ext uri="{FF2B5EF4-FFF2-40B4-BE49-F238E27FC236}">
+                    <a16:creationId xmlns:a16="http://schemas.microsoft.com/office/drawing/2014/main" id="{D66383F1-F80A-4597-B2F9-F46154378BAA}"/>
+                  </a:ext>
+                </a:extLst>
+              </p:cNvPr>
+              <p:cNvSpPr txBox="1"/>
+              <p:nvPr/>
+            </p:nvSpPr>
+            <p:spPr>
+              <a:xfrm>
+                <a:off x="9063" y="4302484"/>
+                <a:ext cx="5468460" cy="738664"/>
+              </a:xfrm>
+              <a:prstGeom prst="rect">
+                <a:avLst/>
+              </a:prstGeom>
+              <a:noFill/>
+            </p:spPr>
+            <p:txBody>
+              <a:bodyPr wrap="square" rtlCol="0">
+                <a:spAutoFit/>
+              </a:bodyPr>
+              <a:lstStyle/>
+              <a:p>
+                <a:r>
+                  <a:rPr lang="it-IT" sz="1400" dirty="0">
+                    <a:latin typeface="Arial" panose="020B0604020202020204" pitchFamily="34" charset="0"/>
+                    <a:cs typeface="Arial" panose="020B0604020202020204" pitchFamily="34" charset="0"/>
+                  </a:rPr>
+                  <a:t>2 step:</a:t>
+                </a:r>
+              </a:p>
+              <a:p>
+                <a:pPr marL="285750" indent="-285750">
+                  <a:buFont typeface="Arial" panose="020B0604020202020204" pitchFamily="34" charset="0"/>
+                  <a:buChar char="•"/>
+                </a:pPr>
+                <a:r>
+                  <a:rPr lang="it-IT" sz="1400" dirty="0">
+                    <a:latin typeface="Arial" panose="020B0604020202020204" pitchFamily="34" charset="0"/>
+                    <a:cs typeface="Arial" panose="020B0604020202020204" pitchFamily="34" charset="0"/>
+                  </a:rPr>
+                  <a:t>Crea       e cerca l’elemento minimo</a:t>
+                </a:r>
+              </a:p>
+              <a:p>
+                <a:pPr marL="285750" indent="-285750">
+                  <a:buFont typeface="Arial" panose="020B0604020202020204" pitchFamily="34" charset="0"/>
+                  <a:buChar char="•"/>
+                </a:pPr>
+                <a:r>
+                  <a:rPr lang="it-IT" sz="1400" dirty="0">
+                    <a:latin typeface="Arial" panose="020B0604020202020204" pitchFamily="34" charset="0"/>
+                    <a:cs typeface="Arial" panose="020B0604020202020204" pitchFamily="34" charset="0"/>
+                  </a:rPr>
+                  <a:t>Calcola il </a:t>
+                </a:r>
+                <a:r>
+                  <a:rPr lang="it-IT" sz="1400" i="1" dirty="0">
+                    <a:latin typeface="Arial" panose="020B0604020202020204" pitchFamily="34" charset="0"/>
+                    <a:cs typeface="Arial" panose="020B0604020202020204" pitchFamily="34" charset="0"/>
+                  </a:rPr>
+                  <a:t>delta</a:t>
+                </a:r>
+                <a:r>
+                  <a:rPr lang="it-IT" sz="1400" dirty="0">
+                    <a:latin typeface="Arial" panose="020B0604020202020204" pitchFamily="34" charset="0"/>
+                    <a:cs typeface="Arial" panose="020B0604020202020204" pitchFamily="34" charset="0"/>
+                  </a:rPr>
+                  <a:t>, il peso degli arti ed infine aggiorna la matrice </a:t>
+                </a:r>
+                <a14:m>
+                  <m:oMath xmlns:m="http://schemas.openxmlformats.org/officeDocument/2006/math">
+                    <m:r>
+                      <a:rPr lang="it-IT" sz="1400" b="0" i="1" smtClean="0">
+                        <a:latin typeface="Cambria Math" panose="02040503050406030204" pitchFamily="18" charset="0"/>
+                        <a:cs typeface="Arial" panose="020B0604020202020204" pitchFamily="34" charset="0"/>
+                      </a:rPr>
+                      <m:t>𝐷</m:t>
+                    </m:r>
+                  </m:oMath>
+                </a14:m>
+                <a:endParaRPr lang="it-IT" sz="1400" dirty="0">
+                  <a:latin typeface="Arial" panose="020B0604020202020204" pitchFamily="34" charset="0"/>
+                  <a:cs typeface="Arial" panose="020B0604020202020204" pitchFamily="34" charset="0"/>
+                </a:endParaRPr>
+              </a:p>
+            </p:txBody>
+          </p:sp>
+        </mc:Choice>
+        <mc:Fallback xmlns="">
+          <p:sp>
+            <p:nvSpPr>
+              <p:cNvPr id="27" name="CasellaDiTesto 26">
+                <a:extLst>
+                  <a:ext uri="{FF2B5EF4-FFF2-40B4-BE49-F238E27FC236}">
+                    <a16:creationId xmlns:a16="http://schemas.microsoft.com/office/drawing/2014/main" id="{D66383F1-F80A-4597-B2F9-F46154378BAA}"/>
+                  </a:ext>
+                </a:extLst>
+              </p:cNvPr>
+              <p:cNvSpPr txBox="1">
+                <a:spLocks noRot="1" noChangeAspect="1" noMove="1" noResize="1" noEditPoints="1" noAdjustHandles="1" noChangeArrowheads="1" noChangeShapeType="1" noTextEdit="1"/>
+              </p:cNvSpPr>
+              <p:nvPr/>
+            </p:nvSpPr>
+            <p:spPr>
+              <a:xfrm>
+                <a:off x="9063" y="4302484"/>
+                <a:ext cx="5468460" cy="738664"/>
+              </a:xfrm>
+              <a:prstGeom prst="rect">
+                <a:avLst/>
+              </a:prstGeom>
+              <a:blipFill>
+                <a:blip r:embed="rId13"/>
+                <a:stretch>
+                  <a:fillRect l="-334" t="-1653" b="-7438"/>
+                </a:stretch>
+              </a:blipFill>
+            </p:spPr>
+            <p:txBody>
+              <a:bodyPr/>
+              <a:lstStyle/>
+              <a:p>
+                <a:r>
+                  <a:rPr lang="it-IT">
+                    <a:noFill/>
+                  </a:rPr>
+                  <a:t> </a:t>
+                </a:r>
+              </a:p>
+            </p:txBody>
+          </p:sp>
+        </mc:Fallback>
+      </mc:AlternateContent>
+      <p:pic>
+        <p:nvPicPr>
+          <p:cNvPr id="28" name="Immagine 27">
+            <a:extLst>
+              <a:ext uri="{FF2B5EF4-FFF2-40B4-BE49-F238E27FC236}">
+                <a16:creationId xmlns:a16="http://schemas.microsoft.com/office/drawing/2014/main" id="{2B192171-216A-4F85-B932-718D8F7666EE}"/>
+              </a:ext>
+            </a:extLst>
+          </p:cNvPr>
+          <p:cNvPicPr>
+            <a:picLocks noChangeAspect="1"/>
+          </p:cNvPicPr>
+          <p:nvPr>
+            <p:custDataLst>
+              <p:tags r:id="rId2"/>
+            </p:custDataLst>
+          </p:nvPr>
+        </p:nvPicPr>
+        <p:blipFill>
+          <a:blip r:embed="rId14"/>
+          <a:stretch>
+            <a:fillRect/>
+          </a:stretch>
+        </p:blipFill>
+        <p:spPr>
+          <a:xfrm>
+            <a:off x="802641" y="4593578"/>
+            <a:ext cx="284479" cy="166420"/>
+          </a:xfrm>
+          <a:prstGeom prst="rect">
+            <a:avLst/>
+          </a:prstGeom>
+        </p:spPr>
+      </p:pic>
+      <p:pic>
+        <p:nvPicPr>
+          <p:cNvPr id="22" name="Immagine 21">
+            <a:extLst>
+              <a:ext uri="{FF2B5EF4-FFF2-40B4-BE49-F238E27FC236}">
+                <a16:creationId xmlns:a16="http://schemas.microsoft.com/office/drawing/2014/main" id="{1EB13141-CF8B-4CB1-BBBC-2C0AA67D822B}"/>
+              </a:ext>
+            </a:extLst>
+          </p:cNvPr>
+          <p:cNvPicPr>
+            <a:picLocks noChangeAspect="1"/>
+          </p:cNvPicPr>
+          <p:nvPr>
+            <p:custDataLst>
+              <p:tags r:id="rId3"/>
+            </p:custDataLst>
+          </p:nvPr>
+        </p:nvPicPr>
+        <p:blipFill>
+          <a:blip r:embed="rId15"/>
+          <a:stretch>
+            <a:fillRect/>
+          </a:stretch>
+        </p:blipFill>
+        <p:spPr>
+          <a:xfrm>
+            <a:off x="3703873" y="4580380"/>
+            <a:ext cx="2377330" cy="185375"/>
+          </a:xfrm>
+          <a:prstGeom prst="rect">
+            <a:avLst/>
+          </a:prstGeom>
+        </p:spPr>
+      </p:pic>
+      <p:cxnSp>
+        <p:nvCxnSpPr>
+          <p:cNvPr id="30" name="Connettore 2 29">
+            <a:extLst>
+              <a:ext uri="{FF2B5EF4-FFF2-40B4-BE49-F238E27FC236}">
+                <a16:creationId xmlns:a16="http://schemas.microsoft.com/office/drawing/2014/main" id="{CB9DA538-BBDF-414F-92B5-448543060733}"/>
+              </a:ext>
+            </a:extLst>
+          </p:cNvPr>
+          <p:cNvCxnSpPr>
+            <a:cxnSpLocks/>
+          </p:cNvCxnSpPr>
+          <p:nvPr/>
+        </p:nvCxnSpPr>
+        <p:spPr>
+          <a:xfrm>
+            <a:off x="3240351" y="4671816"/>
+            <a:ext cx="369091" cy="0"/>
+          </a:xfrm>
+          <a:prstGeom prst="straightConnector1">
+            <a:avLst/>
+          </a:prstGeom>
+          <a:ln>
+            <a:tailEnd type="triangle"/>
+          </a:ln>
+        </p:spPr>
+        <p:style>
+          <a:lnRef idx="2">
+            <a:schemeClr val="accent1"/>
+          </a:lnRef>
+          <a:fillRef idx="0">
+            <a:schemeClr val="accent1"/>
+          </a:fillRef>
+          <a:effectRef idx="1">
+            <a:schemeClr val="accent1"/>
+          </a:effectRef>
+          <a:fontRef idx="minor">
+            <a:schemeClr val="tx1"/>
+          </a:fontRef>
+        </p:style>
+      </p:cxnSp>
+      <p:pic>
+        <p:nvPicPr>
+          <p:cNvPr id="39" name="Immagine 38">
+            <a:extLst>
+              <a:ext uri="{FF2B5EF4-FFF2-40B4-BE49-F238E27FC236}">
+                <a16:creationId xmlns:a16="http://schemas.microsoft.com/office/drawing/2014/main" id="{01CE4583-1FE6-44C8-BFE8-44A282FA28DA}"/>
+              </a:ext>
+            </a:extLst>
+          </p:cNvPr>
+          <p:cNvPicPr>
+            <a:picLocks noChangeAspect="1"/>
+          </p:cNvPicPr>
+          <p:nvPr>
+            <p:custDataLst>
+              <p:tags r:id="rId4"/>
+            </p:custDataLst>
+          </p:nvPr>
+        </p:nvPicPr>
+        <p:blipFill>
+          <a:blip r:embed="rId16"/>
+          <a:stretch>
+            <a:fillRect/>
+          </a:stretch>
+        </p:blipFill>
+        <p:spPr>
+          <a:xfrm>
+            <a:off x="5735951" y="4810764"/>
+            <a:ext cx="1176779" cy="166135"/>
+          </a:xfrm>
+          <a:prstGeom prst="rect">
+            <a:avLst/>
+          </a:prstGeom>
+        </p:spPr>
+      </p:pic>
+      <p:cxnSp>
+        <p:nvCxnSpPr>
+          <p:cNvPr id="41" name="Connettore 2 40">
+            <a:extLst>
+              <a:ext uri="{FF2B5EF4-FFF2-40B4-BE49-F238E27FC236}">
+                <a16:creationId xmlns:a16="http://schemas.microsoft.com/office/drawing/2014/main" id="{51475641-586A-43E0-AA40-70B60EE85942}"/>
+              </a:ext>
+            </a:extLst>
+          </p:cNvPr>
+          <p:cNvCxnSpPr/>
+          <p:nvPr/>
+        </p:nvCxnSpPr>
+        <p:spPr>
+          <a:xfrm>
+            <a:off x="5379868" y="4893831"/>
+            <a:ext cx="275208" cy="0"/>
+          </a:xfrm>
+          <a:prstGeom prst="straightConnector1">
+            <a:avLst/>
+          </a:prstGeom>
+          <a:ln>
+            <a:tailEnd type="triangle"/>
+          </a:ln>
+        </p:spPr>
+        <p:style>
+          <a:lnRef idx="2">
+            <a:schemeClr val="accent1"/>
+          </a:lnRef>
+          <a:fillRef idx="0">
+            <a:schemeClr val="accent1"/>
+          </a:fillRef>
+          <a:effectRef idx="1">
+            <a:schemeClr val="accent1"/>
+          </a:effectRef>
+          <a:fontRef idx="minor">
+            <a:schemeClr val="tx1"/>
+          </a:fontRef>
+        </p:style>
+      </p:cxnSp>
+      <p:pic>
+        <p:nvPicPr>
+          <p:cNvPr id="45" name="Immagine 44">
+            <a:extLst>
+              <a:ext uri="{FF2B5EF4-FFF2-40B4-BE49-F238E27FC236}">
+                <a16:creationId xmlns:a16="http://schemas.microsoft.com/office/drawing/2014/main" id="{1BA9652B-EEC5-4F43-952B-E1B15E552D30}"/>
+              </a:ext>
+            </a:extLst>
+          </p:cNvPr>
+          <p:cNvPicPr>
+            <a:picLocks noChangeAspect="1"/>
+          </p:cNvPicPr>
+          <p:nvPr>
+            <p:custDataLst>
+              <p:tags r:id="rId5"/>
+            </p:custDataLst>
+          </p:nvPr>
+        </p:nvPicPr>
+        <p:blipFill>
+          <a:blip r:embed="rId17"/>
+          <a:stretch>
+            <a:fillRect/>
+          </a:stretch>
+        </p:blipFill>
+        <p:spPr>
+          <a:xfrm>
+            <a:off x="1471272" y="5287366"/>
+            <a:ext cx="6201456" cy="231310"/>
+          </a:xfrm>
+          <a:prstGeom prst="rect">
+            <a:avLst/>
+          </a:prstGeom>
+        </p:spPr>
+      </p:pic>
+      <mc:AlternateContent xmlns:mc="http://schemas.openxmlformats.org/markup-compatibility/2006" xmlns:a14="http://schemas.microsoft.com/office/drawing/2010/main">
+        <mc:Choice Requires="a14">
+          <p:sp>
+            <p:nvSpPr>
+              <p:cNvPr id="50" name="CasellaDiTesto 49">
+                <a:extLst>
+                  <a:ext uri="{FF2B5EF4-FFF2-40B4-BE49-F238E27FC236}">
+                    <a16:creationId xmlns:a16="http://schemas.microsoft.com/office/drawing/2014/main" id="{11358FDD-7B19-40D0-A395-30676A6BCD14}"/>
+                  </a:ext>
+                </a:extLst>
+              </p:cNvPr>
+              <p:cNvSpPr txBox="1"/>
+              <p:nvPr/>
+            </p:nvSpPr>
+            <p:spPr>
+              <a:xfrm>
+                <a:off x="-185" y="5826915"/>
+                <a:ext cx="9143817" cy="307777"/>
+              </a:xfrm>
+              <a:prstGeom prst="rect">
+                <a:avLst/>
+              </a:prstGeom>
+              <a:noFill/>
+            </p:spPr>
+            <p:txBody>
+              <a:bodyPr wrap="square" rtlCol="0">
+                <a:spAutoFit/>
+              </a:bodyPr>
+              <a:lstStyle/>
+              <a:p>
+                <a:pPr algn="ctr"/>
+                <a:r>
+                  <a:rPr lang="it-IT" sz="1400" dirty="0">
+                    <a:latin typeface="Arial" panose="020B0604020202020204" pitchFamily="34" charset="0"/>
+                    <a:cs typeface="Arial" panose="020B0604020202020204" pitchFamily="34" charset="0"/>
+                  </a:rPr>
+                  <a:t>Eseguito tante volte quante sono le foglie in </a:t>
+                </a:r>
+                <a14:m>
+                  <m:oMath xmlns:m="http://schemas.openxmlformats.org/officeDocument/2006/math">
+                    <m:r>
+                      <a:rPr lang="it-IT" sz="1400" b="0" i="1" smtClean="0">
+                        <a:latin typeface="Cambria Math" panose="02040503050406030204" pitchFamily="18" charset="0"/>
+                        <a:cs typeface="Arial" panose="020B0604020202020204" pitchFamily="34" charset="0"/>
+                      </a:rPr>
+                      <m:t>𝐷</m:t>
+                    </m:r>
+                  </m:oMath>
+                </a14:m>
+                <a:r>
+                  <a:rPr lang="it-IT" sz="1400" dirty="0">
+                    <a:latin typeface="Arial" panose="020B0604020202020204" pitchFamily="34" charset="0"/>
+                    <a:cs typeface="Arial" panose="020B0604020202020204" pitchFamily="34" charset="0"/>
+                  </a:rPr>
+                  <a:t>, quindi </a:t>
+                </a:r>
+                <a14:m>
+                  <m:oMath xmlns:m="http://schemas.openxmlformats.org/officeDocument/2006/math">
+                    <m:r>
+                      <a:rPr lang="it-IT" sz="1400" b="0" i="1" smtClean="0">
+                        <a:latin typeface="Cambria Math" panose="02040503050406030204" pitchFamily="18" charset="0"/>
+                        <a:cs typeface="Arial" panose="020B0604020202020204" pitchFamily="34" charset="0"/>
+                      </a:rPr>
+                      <m:t>𝑛</m:t>
+                    </m:r>
+                  </m:oMath>
+                </a14:m>
+                <a:r>
+                  <a:rPr lang="it-IT" sz="1400" dirty="0">
+                    <a:latin typeface="Arial" panose="020B0604020202020204" pitchFamily="34" charset="0"/>
+                    <a:cs typeface="Arial" panose="020B0604020202020204" pitchFamily="34" charset="0"/>
+                  </a:rPr>
+                  <a:t> volte</a:t>
+                </a:r>
+              </a:p>
+            </p:txBody>
+          </p:sp>
+        </mc:Choice>
+        <mc:Fallback xmlns="">
+          <p:sp>
+            <p:nvSpPr>
+              <p:cNvPr id="50" name="CasellaDiTesto 49">
+                <a:extLst>
+                  <a:ext uri="{FF2B5EF4-FFF2-40B4-BE49-F238E27FC236}">
+                    <a16:creationId xmlns:a16="http://schemas.microsoft.com/office/drawing/2014/main" id="{11358FDD-7B19-40D0-A395-30676A6BCD14}"/>
+                  </a:ext>
+                </a:extLst>
+              </p:cNvPr>
+              <p:cNvSpPr txBox="1">
+                <a:spLocks noRot="1" noChangeAspect="1" noMove="1" noResize="1" noEditPoints="1" noAdjustHandles="1" noChangeArrowheads="1" noChangeShapeType="1" noTextEdit="1"/>
+              </p:cNvSpPr>
+              <p:nvPr/>
+            </p:nvSpPr>
+            <p:spPr>
+              <a:xfrm>
+                <a:off x="-185" y="5826915"/>
+                <a:ext cx="9143817" cy="307777"/>
+              </a:xfrm>
+              <a:prstGeom prst="rect">
+                <a:avLst/>
+              </a:prstGeom>
+              <a:blipFill>
+                <a:blip r:embed="rId18"/>
+                <a:stretch>
+                  <a:fillRect t="-4000" b="-20000"/>
+                </a:stretch>
+              </a:blipFill>
+            </p:spPr>
+            <p:txBody>
+              <a:bodyPr/>
+              <a:lstStyle/>
+              <a:p>
+                <a:r>
+                  <a:rPr lang="it-IT">
+                    <a:noFill/>
+                  </a:rPr>
+                  <a:t> </a:t>
+                </a:r>
+              </a:p>
+            </p:txBody>
+          </p:sp>
+        </mc:Fallback>
+      </mc:AlternateContent>
+      <p:pic>
+        <p:nvPicPr>
+          <p:cNvPr id="51" name="Immagine 50">
+            <a:extLst>
+              <a:ext uri="{FF2B5EF4-FFF2-40B4-BE49-F238E27FC236}">
+                <a16:creationId xmlns:a16="http://schemas.microsoft.com/office/drawing/2014/main" id="{A583B48E-1844-4F31-B2F9-0B7A3DBC741F}"/>
+              </a:ext>
+            </a:extLst>
+          </p:cNvPr>
+          <p:cNvPicPr>
+            <a:picLocks noChangeAspect="1"/>
+          </p:cNvPicPr>
+          <p:nvPr>
+            <p:custDataLst>
+              <p:tags r:id="rId6"/>
+            </p:custDataLst>
+          </p:nvPr>
+        </p:nvPicPr>
+        <p:blipFill>
+          <a:blip r:embed="rId19"/>
+          <a:stretch>
+            <a:fillRect/>
+          </a:stretch>
+        </p:blipFill>
+        <p:spPr>
+          <a:xfrm>
+            <a:off x="1917466" y="6428968"/>
+            <a:ext cx="5308514" cy="271048"/>
+          </a:xfrm>
+          <a:prstGeom prst="rect">
+            <a:avLst/>
+          </a:prstGeom>
+        </p:spPr>
+      </p:pic>
+      <p:cxnSp>
+        <p:nvCxnSpPr>
+          <p:cNvPr id="54" name="Connettore 2 53">
+            <a:extLst>
+              <a:ext uri="{FF2B5EF4-FFF2-40B4-BE49-F238E27FC236}">
+                <a16:creationId xmlns:a16="http://schemas.microsoft.com/office/drawing/2014/main" id="{F776919D-8410-4C21-AF2A-90150C2A68C1}"/>
+              </a:ext>
+            </a:extLst>
+          </p:cNvPr>
+          <p:cNvCxnSpPr/>
+          <p:nvPr/>
+        </p:nvCxnSpPr>
+        <p:spPr>
+          <a:xfrm>
+            <a:off x="4566223" y="5049061"/>
+            <a:ext cx="0" cy="174056"/>
+          </a:xfrm>
+          <a:prstGeom prst="straightConnector1">
+            <a:avLst/>
+          </a:prstGeom>
+          <a:ln>
+            <a:tailEnd type="triangle"/>
+          </a:ln>
+        </p:spPr>
+        <p:style>
+          <a:lnRef idx="2">
+            <a:schemeClr val="accent1"/>
+          </a:lnRef>
+          <a:fillRef idx="0">
+            <a:schemeClr val="accent1"/>
+          </a:fillRef>
+          <a:effectRef idx="1">
+            <a:schemeClr val="accent1"/>
+          </a:effectRef>
+          <a:fontRef idx="minor">
+            <a:schemeClr val="tx1"/>
+          </a:fontRef>
+        </p:style>
+      </p:cxnSp>
+      <p:cxnSp>
+        <p:nvCxnSpPr>
+          <p:cNvPr id="56" name="Connettore 2 55">
+            <a:extLst>
+              <a:ext uri="{FF2B5EF4-FFF2-40B4-BE49-F238E27FC236}">
+                <a16:creationId xmlns:a16="http://schemas.microsoft.com/office/drawing/2014/main" id="{E515FCDB-5805-421E-AA51-3CFD049A6A40}"/>
+              </a:ext>
+            </a:extLst>
+          </p:cNvPr>
+          <p:cNvCxnSpPr>
+            <a:stCxn id="45" idx="2"/>
+            <a:endCxn id="50" idx="0"/>
+          </p:cNvCxnSpPr>
+          <p:nvPr/>
+        </p:nvCxnSpPr>
+        <p:spPr>
+          <a:xfrm flipH="1">
+            <a:off x="4571724" y="5518676"/>
+            <a:ext cx="276" cy="308239"/>
+          </a:xfrm>
+          <a:prstGeom prst="straightConnector1">
+            <a:avLst/>
+          </a:prstGeom>
+          <a:ln>
+            <a:tailEnd type="triangle"/>
+          </a:ln>
+        </p:spPr>
+        <p:style>
+          <a:lnRef idx="2">
+            <a:schemeClr val="accent1"/>
+          </a:lnRef>
+          <a:fillRef idx="0">
+            <a:schemeClr val="accent1"/>
+          </a:fillRef>
+          <a:effectRef idx="1">
+            <a:schemeClr val="accent1"/>
+          </a:effectRef>
+          <a:fontRef idx="minor">
+            <a:schemeClr val="tx1"/>
+          </a:fontRef>
+        </p:style>
+      </p:cxnSp>
+      <p:cxnSp>
+        <p:nvCxnSpPr>
+          <p:cNvPr id="58" name="Connettore 2 57">
+            <a:extLst>
+              <a:ext uri="{FF2B5EF4-FFF2-40B4-BE49-F238E27FC236}">
+                <a16:creationId xmlns:a16="http://schemas.microsoft.com/office/drawing/2014/main" id="{DCB1334B-7B61-4857-97FA-820154D9844C}"/>
+              </a:ext>
+            </a:extLst>
+          </p:cNvPr>
+          <p:cNvCxnSpPr>
+            <a:stCxn id="50" idx="2"/>
+            <a:endCxn id="51" idx="0"/>
+          </p:cNvCxnSpPr>
+          <p:nvPr/>
+        </p:nvCxnSpPr>
+        <p:spPr>
+          <a:xfrm flipH="1">
+            <a:off x="4571723" y="6134692"/>
+            <a:ext cx="1" cy="294276"/>
+          </a:xfrm>
+          <a:prstGeom prst="straightConnector1">
+            <a:avLst/>
+          </a:prstGeom>
+          <a:ln>
+            <a:tailEnd type="triangle"/>
+          </a:ln>
+        </p:spPr>
+        <p:style>
+          <a:lnRef idx="2">
+            <a:schemeClr val="accent1"/>
+          </a:lnRef>
+          <a:fillRef idx="0">
+            <a:schemeClr val="accent1"/>
+          </a:fillRef>
+          <a:effectRef idx="1">
+            <a:schemeClr val="accent1"/>
+          </a:effectRef>
+          <a:fontRef idx="minor">
+            <a:schemeClr val="tx1"/>
+          </a:fontRef>
+        </p:style>
+      </p:cxnSp>
+    </p:spTree>
+    <p:extLst>
+      <p:ext uri="{BB962C8B-B14F-4D97-AF65-F5344CB8AC3E}">
+        <p14:creationId xmlns:p14="http://schemas.microsoft.com/office/powerpoint/2010/main" val="1037419482"/>
+      </p:ext>
+    </p:extLst>
+  </p:cSld>
+  <p:clrMapOvr>
+    <a:masterClrMapping/>
+  </p:clrMapOvr>
+</p:sld>
+</file>
+
+<file path=ppt/slides/slide19.xml><?xml version="1.0" encoding="utf-8"?>
+<p:sld xmlns:a="http://schemas.openxmlformats.org/drawingml/2006/main" xmlns:r="http://schemas.openxmlformats.org/officeDocument/2006/relationships" xmlns:p="http://schemas.openxmlformats.org/presentationml/2006/main">
+  <p:cSld>
+    <p:spTree>
+      <p:nvGrpSpPr>
+        <p:cNvPr id="1" name=""/>
+        <p:cNvGrpSpPr/>
+        <p:nvPr/>
+      </p:nvGrpSpPr>
+      <p:grpSpPr>
+        <a:xfrm>
+          <a:off x="0" y="0"/>
+          <a:ext cx="0" cy="0"/>
+          <a:chOff x="0" y="0"/>
+          <a:chExt cx="0" cy="0"/>
+        </a:xfrm>
+      </p:grpSpPr>
+      <p:pic>
+        <p:nvPicPr>
+          <p:cNvPr id="2" name="Immagine 1"/>
+          <p:cNvPicPr>
+            <a:picLocks noChangeAspect="1"/>
+          </p:cNvPicPr>
+          <p:nvPr/>
+        </p:nvPicPr>
+        <p:blipFill>
+          <a:blip r:embed="rId3"/>
+          <a:stretch>
+            <a:fillRect/>
+          </a:stretch>
+        </p:blipFill>
+        <p:spPr>
+          <a:xfrm>
+            <a:off x="-1" y="3123"/>
+            <a:ext cx="9143817" cy="6872495"/>
+          </a:xfrm>
+          <a:prstGeom prst="rect">
+            <a:avLst/>
+          </a:prstGeom>
+        </p:spPr>
+      </p:pic>
+      <p:sp>
+        <p:nvSpPr>
+          <p:cNvPr id="7" name="CasellaDiTesto 6"/>
+          <p:cNvSpPr txBox="1"/>
+          <p:nvPr/>
+        </p:nvSpPr>
+        <p:spPr>
+          <a:xfrm>
+            <a:off x="9062" y="649703"/>
+            <a:ext cx="7980842" cy="461665"/>
+          </a:xfrm>
+          <a:prstGeom prst="rect">
+            <a:avLst/>
+          </a:prstGeom>
+          <a:noFill/>
+        </p:spPr>
+        <p:txBody>
+          <a:bodyPr wrap="square" rtlCol="0">
+            <a:spAutoFit/>
+          </a:bodyPr>
+          <a:lstStyle/>
+          <a:p>
+            <a:r>
+              <a:rPr lang="en-US" sz="2400" b="1" dirty="0">
+                <a:solidFill>
+                  <a:schemeClr val="accent1">
+                    <a:lumMod val="75000"/>
+                  </a:schemeClr>
+                </a:solidFill>
+                <a:latin typeface="Arial"/>
+                <a:cs typeface="Arial"/>
+              </a:rPr>
+              <a:t>Unweighted Pair Group Method with Arithmetic Mean</a:t>
+            </a:r>
+            <a:endParaRPr lang="it-IT" sz="2400" b="1" dirty="0">
+              <a:solidFill>
+                <a:schemeClr val="accent1">
+                  <a:lumMod val="75000"/>
+                </a:schemeClr>
+              </a:solidFill>
+              <a:latin typeface="Arial"/>
+              <a:cs typeface="Arial"/>
+            </a:endParaRPr>
+          </a:p>
+        </p:txBody>
+      </p:sp>
+      <p:sp>
+        <p:nvSpPr>
+          <p:cNvPr id="12" name="Rettangolo 11"/>
+          <p:cNvSpPr/>
+          <p:nvPr/>
+        </p:nvSpPr>
+        <p:spPr>
+          <a:xfrm>
+            <a:off x="8255000" y="6366466"/>
+            <a:ext cx="280763" cy="501650"/>
+          </a:xfrm>
+          <a:prstGeom prst="rect">
+            <a:avLst/>
+          </a:prstGeom>
+          <a:solidFill>
+            <a:srgbClr val="003053"/>
+          </a:solidFill>
+        </p:spPr>
+        <p:style>
+          <a:lnRef idx="1">
+            <a:schemeClr val="accent1"/>
+          </a:lnRef>
+          <a:fillRef idx="3">
+            <a:schemeClr val="accent1"/>
+          </a:fillRef>
+          <a:effectRef idx="2">
+            <a:schemeClr val="accent1"/>
+          </a:effectRef>
+          <a:fontRef idx="minor">
+            <a:schemeClr val="lt1"/>
+          </a:fontRef>
+        </p:style>
+        <p:txBody>
+          <a:bodyPr rtlCol="0" anchor="ctr"/>
+          <a:lstStyle/>
+          <a:p>
+            <a:pPr algn="ctr"/>
+            <a:endParaRPr lang="it-IT">
+              <a:solidFill>
+                <a:srgbClr val="003257"/>
+              </a:solidFill>
+            </a:endParaRPr>
+          </a:p>
+        </p:txBody>
+      </p:sp>
+      <p:sp>
+        <p:nvSpPr>
+          <p:cNvPr id="11" name="Segnaposto numero diapositiva 10"/>
+          <p:cNvSpPr>
+            <a:spLocks noGrp="1"/>
+          </p:cNvSpPr>
+          <p:nvPr>
+            <p:ph type="sldNum" sz="quarter" idx="12"/>
+          </p:nvPr>
+        </p:nvSpPr>
+        <p:spPr>
+          <a:xfrm>
+            <a:off x="6402163" y="6356350"/>
+            <a:ext cx="2133600" cy="365125"/>
+          </a:xfrm>
+        </p:spPr>
+        <p:txBody>
+          <a:bodyPr/>
+          <a:lstStyle/>
+          <a:p>
+            <a:fld id="{8EB8520A-26EA-DE4B-B141-4532FC98FF0E}" type="slidenum">
+              <a:rPr lang="it-IT" b="1" smtClean="0">
+                <a:solidFill>
+                  <a:schemeClr val="bg1"/>
+                </a:solidFill>
+                <a:latin typeface="Arial"/>
+                <a:cs typeface="Arial"/>
+              </a:rPr>
+              <a:pPr/>
+              <a:t>19</a:t>
+            </a:fld>
+            <a:endParaRPr lang="it-IT" b="1" dirty="0">
+              <a:solidFill>
+                <a:schemeClr val="bg1"/>
+              </a:solidFill>
+              <a:latin typeface="Arial"/>
+              <a:cs typeface="Arial"/>
+            </a:endParaRPr>
+          </a:p>
+        </p:txBody>
+      </p:sp>
+      <p:sp>
+        <p:nvSpPr>
+          <p:cNvPr id="10" name="CasellaDiTesto 9"/>
+          <p:cNvSpPr txBox="1"/>
+          <p:nvPr/>
+        </p:nvSpPr>
+        <p:spPr>
+          <a:xfrm>
+            <a:off x="5735951" y="51433"/>
+            <a:ext cx="2957862" cy="215444"/>
+          </a:xfrm>
+          <a:prstGeom prst="rect">
+            <a:avLst/>
+          </a:prstGeom>
+          <a:noFill/>
+        </p:spPr>
+        <p:txBody>
+          <a:bodyPr wrap="none" rtlCol="0">
+            <a:spAutoFit/>
+          </a:bodyPr>
+          <a:lstStyle/>
+          <a:p>
+            <a:pPr algn="r"/>
+            <a:r>
+              <a:rPr lang="it-IT" sz="800" b="1" dirty="0">
+                <a:solidFill>
+                  <a:schemeClr val="bg1"/>
+                </a:solidFill>
+                <a:latin typeface="Arial"/>
+                <a:cs typeface="Arial"/>
+              </a:rPr>
+              <a:t>Applicazioni dell’algoritmica alla biologia: alberi evolutivi</a:t>
+            </a:r>
+          </a:p>
+        </p:txBody>
+      </p:sp>
+      <p:sp>
+        <p:nvSpPr>
+          <p:cNvPr id="14" name="CasellaDiTesto 13"/>
+          <p:cNvSpPr txBox="1"/>
+          <p:nvPr/>
+        </p:nvSpPr>
+        <p:spPr>
+          <a:xfrm>
+            <a:off x="7082015" y="403482"/>
+            <a:ext cx="1621846" cy="492443"/>
+          </a:xfrm>
+          <a:prstGeom prst="rect">
+            <a:avLst/>
+          </a:prstGeom>
+          <a:noFill/>
+        </p:spPr>
+        <p:txBody>
+          <a:bodyPr wrap="none" rtlCol="0">
+            <a:spAutoFit/>
+          </a:bodyPr>
+          <a:lstStyle/>
+          <a:p>
+            <a:pPr algn="r"/>
+            <a:r>
+              <a:rPr lang="it-IT" sz="800" dirty="0">
+                <a:solidFill>
+                  <a:schemeClr val="bg1"/>
+                </a:solidFill>
+                <a:latin typeface="Arial"/>
+                <a:cs typeface="Arial"/>
+              </a:rPr>
+              <a:t>Firenze, 12 luglio 2019</a:t>
+            </a:r>
+          </a:p>
+          <a:p>
+            <a:endParaRPr lang="it-IT" dirty="0"/>
+          </a:p>
+        </p:txBody>
+      </p:sp>
+      <p:sp>
+        <p:nvSpPr>
+          <p:cNvPr id="53" name="CasellaDiTesto 52">
+            <a:extLst>
+              <a:ext uri="{FF2B5EF4-FFF2-40B4-BE49-F238E27FC236}">
+                <a16:creationId xmlns:a16="http://schemas.microsoft.com/office/drawing/2014/main" id="{C4172192-17B0-4035-AFD1-CBC8BDE7E4CD}"/>
+              </a:ext>
+            </a:extLst>
+          </p:cNvPr>
+          <p:cNvSpPr txBox="1"/>
+          <p:nvPr/>
+        </p:nvSpPr>
+        <p:spPr>
+          <a:xfrm>
+            <a:off x="9062" y="1077183"/>
+            <a:ext cx="1078058" cy="369332"/>
+          </a:xfrm>
+          <a:prstGeom prst="rect">
+            <a:avLst/>
+          </a:prstGeom>
+          <a:noFill/>
+        </p:spPr>
+        <p:txBody>
+          <a:bodyPr wrap="square" rtlCol="0">
+            <a:spAutoFit/>
+          </a:bodyPr>
+          <a:lstStyle/>
+          <a:p>
+            <a:r>
+              <a:rPr lang="it-IT" i="1" dirty="0">
+                <a:latin typeface="Arial"/>
+                <a:cs typeface="Arial"/>
+              </a:rPr>
+              <a:t>Parte 1</a:t>
+            </a:r>
+          </a:p>
+        </p:txBody>
+      </p:sp>
+      <mc:AlternateContent xmlns:mc="http://schemas.openxmlformats.org/markup-compatibility/2006">
+        <mc:Choice xmlns:a14="http://schemas.microsoft.com/office/drawing/2010/main" Requires="a14">
+          <p:sp>
+            <p:nvSpPr>
+              <p:cNvPr id="29" name="CasellaDiTesto 28">
+                <a:extLst>
+                  <a:ext uri="{FF2B5EF4-FFF2-40B4-BE49-F238E27FC236}">
+                    <a16:creationId xmlns:a16="http://schemas.microsoft.com/office/drawing/2014/main" id="{D3A9FC43-F2C9-4408-B899-F2A86937801E}"/>
+                  </a:ext>
+                </a:extLst>
+              </p:cNvPr>
+              <p:cNvSpPr txBox="1"/>
+              <p:nvPr/>
+            </p:nvSpPr>
+            <p:spPr>
+              <a:xfrm>
+                <a:off x="-2" y="1496338"/>
+                <a:ext cx="9143817" cy="1169551"/>
+              </a:xfrm>
+              <a:prstGeom prst="rect">
+                <a:avLst/>
+              </a:prstGeom>
+              <a:noFill/>
+            </p:spPr>
+            <p:txBody>
+              <a:bodyPr wrap="square" rtlCol="0">
+                <a:spAutoFit/>
+              </a:bodyPr>
+              <a:lstStyle/>
+              <a:p>
+                <a:r>
+                  <a:rPr lang="en-US" sz="1400" b="1" dirty="0">
+                    <a:latin typeface="Arial" panose="020B0604020202020204" pitchFamily="34" charset="0"/>
+                    <a:cs typeface="Arial" panose="020B0604020202020204" pitchFamily="34" charset="0"/>
+                  </a:rPr>
+                  <a:t>UPGMA (Unweighted Pair Group Method with Arithmetic Mean) </a:t>
+                </a:r>
+                <a:r>
+                  <a:rPr lang="it-IT" sz="1400" dirty="0">
+                    <a:latin typeface="Arial" panose="020B0604020202020204" pitchFamily="34" charset="0"/>
+                    <a:cs typeface="Arial" panose="020B0604020202020204" pitchFamily="34" charset="0"/>
+                    <a:sym typeface="Wingdings" panose="05000000000000000000" pitchFamily="2" charset="2"/>
+                  </a:rPr>
+                  <a:t> data in input una matrice delle distanze </a:t>
+                </a:r>
+                <a14:m>
+                  <m:oMath xmlns:m="http://schemas.openxmlformats.org/officeDocument/2006/math">
+                    <m:r>
+                      <a:rPr lang="it-IT" sz="1400" i="1" dirty="0" smtClean="0">
+                        <a:latin typeface="Cambria Math" panose="02040503050406030204" pitchFamily="18" charset="0"/>
+                        <a:cs typeface="Arial" panose="020B0604020202020204" pitchFamily="34" charset="0"/>
+                        <a:sym typeface="Wingdings" panose="05000000000000000000" pitchFamily="2" charset="2"/>
+                      </a:rPr>
+                      <m:t>𝐷</m:t>
+                    </m:r>
+                  </m:oMath>
+                </a14:m>
+                <a:r>
+                  <a:rPr lang="it-IT" sz="1400" dirty="0">
+                    <a:latin typeface="Arial" panose="020B0604020202020204" pitchFamily="34" charset="0"/>
+                    <a:cs typeface="Arial" panose="020B0604020202020204" pitchFamily="34" charset="0"/>
+                    <a:sym typeface="Wingdings" panose="05000000000000000000" pitchFamily="2" charset="2"/>
+                  </a:rPr>
+                  <a:t> </a:t>
+                </a:r>
+                <a:r>
+                  <a:rPr lang="it-IT" sz="1400" i="1" dirty="0">
+                    <a:latin typeface="Arial" panose="020B0604020202020204" pitchFamily="34" charset="0"/>
+                    <a:cs typeface="Arial" panose="020B0604020202020204" pitchFamily="34" charset="0"/>
+                    <a:sym typeface="Wingdings" panose="05000000000000000000" pitchFamily="2" charset="2"/>
+                  </a:rPr>
+                  <a:t>additiva</a:t>
+                </a:r>
+                <a:r>
+                  <a:rPr lang="it-IT" sz="1400" dirty="0">
+                    <a:latin typeface="Arial" panose="020B0604020202020204" pitchFamily="34" charset="0"/>
+                    <a:cs typeface="Arial" panose="020B0604020202020204" pitchFamily="34" charset="0"/>
+                    <a:sym typeface="Wingdings" panose="05000000000000000000" pitchFamily="2" charset="2"/>
+                  </a:rPr>
+                  <a:t> o </a:t>
+                </a:r>
+                <a:r>
+                  <a:rPr lang="it-IT" sz="1400" i="1" dirty="0">
+                    <a:latin typeface="Arial" panose="020B0604020202020204" pitchFamily="34" charset="0"/>
+                    <a:cs typeface="Arial" panose="020B0604020202020204" pitchFamily="34" charset="0"/>
+                    <a:sym typeface="Wingdings" panose="05000000000000000000" pitchFamily="2" charset="2"/>
+                  </a:rPr>
+                  <a:t>non additiva</a:t>
+                </a:r>
+                <a:r>
+                  <a:rPr lang="it-IT" sz="1400" dirty="0">
+                    <a:latin typeface="Arial" panose="020B0604020202020204" pitchFamily="34" charset="0"/>
+                    <a:cs typeface="Arial" panose="020B0604020202020204" pitchFamily="34" charset="0"/>
+                    <a:sym typeface="Wingdings" panose="05000000000000000000" pitchFamily="2" charset="2"/>
+                  </a:rPr>
+                  <a:t>, restituisce un albero radicato </a:t>
+                </a:r>
+                <a14:m>
+                  <m:oMath xmlns:m="http://schemas.openxmlformats.org/officeDocument/2006/math">
+                    <m:r>
+                      <a:rPr lang="it-IT" sz="1400" i="1" dirty="0" smtClean="0">
+                        <a:latin typeface="Cambria Math" panose="02040503050406030204" pitchFamily="18" charset="0"/>
+                        <a:cs typeface="Arial" panose="020B0604020202020204" pitchFamily="34" charset="0"/>
+                        <a:sym typeface="Wingdings" panose="05000000000000000000" pitchFamily="2" charset="2"/>
+                      </a:rPr>
+                      <m:t>𝑇</m:t>
+                    </m:r>
+                  </m:oMath>
+                </a14:m>
+                <a:r>
+                  <a:rPr lang="it-IT" sz="1400" dirty="0">
+                    <a:latin typeface="Arial" panose="020B0604020202020204" pitchFamily="34" charset="0"/>
+                    <a:cs typeface="Arial" panose="020B0604020202020204" pitchFamily="34" charset="0"/>
+                    <a:sym typeface="Wingdings" panose="05000000000000000000" pitchFamily="2" charset="2"/>
+                  </a:rPr>
+                  <a:t> in cui tutte le foglie sono alla stessa distanza dalla radice (albero ultrametrico).</a:t>
+                </a:r>
+              </a:p>
+              <a:p>
+                <a:pPr marL="285750" indent="-285750">
+                  <a:buFont typeface="Arial" panose="020B0604020202020204" pitchFamily="34" charset="0"/>
+                  <a:buChar char="•"/>
+                </a:pPr>
+                <a:r>
+                  <a:rPr lang="it-IT" sz="1400" dirty="0">
+                    <a:latin typeface="Arial" panose="020B0604020202020204" pitchFamily="34" charset="0"/>
+                    <a:cs typeface="Arial" panose="020B0604020202020204" pitchFamily="34" charset="0"/>
+                  </a:rPr>
+                  <a:t>Foglie </a:t>
+                </a:r>
+                <a:r>
+                  <a:rPr lang="it-IT" sz="1400" dirty="0">
+                    <a:latin typeface="Arial" panose="020B0604020202020204" pitchFamily="34" charset="0"/>
+                    <a:cs typeface="Arial" panose="020B0604020202020204" pitchFamily="34" charset="0"/>
+                    <a:sym typeface="Wingdings" panose="05000000000000000000" pitchFamily="2" charset="2"/>
+                  </a:rPr>
+                  <a:t> entità biologiche attualmente esistenti;</a:t>
+                </a:r>
+              </a:p>
+              <a:p>
+                <a:pPr marL="285750" indent="-285750">
+                  <a:buFont typeface="Arial" panose="020B0604020202020204" pitchFamily="34" charset="0"/>
+                  <a:buChar char="•"/>
+                </a:pPr>
+                <a:r>
+                  <a:rPr lang="it-IT" sz="1400" dirty="0">
+                    <a:latin typeface="Arial" panose="020B0604020202020204" pitchFamily="34" charset="0"/>
+                    <a:cs typeface="Arial" panose="020B0604020202020204" pitchFamily="34" charset="0"/>
+                    <a:sym typeface="Wingdings" panose="05000000000000000000" pitchFamily="2" charset="2"/>
+                  </a:rPr>
+                  <a:t>Nodi interni  Speciazioni (processi in cui si formano nuove specie).</a:t>
+                </a:r>
+              </a:p>
+            </p:txBody>
+          </p:sp>
+        </mc:Choice>
+        <mc:Fallback>
+          <p:sp>
+            <p:nvSpPr>
+              <p:cNvPr id="29" name="CasellaDiTesto 28">
+                <a:extLst>
+                  <a:ext uri="{FF2B5EF4-FFF2-40B4-BE49-F238E27FC236}">
+                    <a16:creationId xmlns:a16="http://schemas.microsoft.com/office/drawing/2014/main" id="{D3A9FC43-F2C9-4408-B899-F2A86937801E}"/>
+                  </a:ext>
+                </a:extLst>
+              </p:cNvPr>
+              <p:cNvSpPr txBox="1">
+                <a:spLocks noRot="1" noChangeAspect="1" noMove="1" noResize="1" noEditPoints="1" noAdjustHandles="1" noChangeArrowheads="1" noChangeShapeType="1" noTextEdit="1"/>
+              </p:cNvSpPr>
+              <p:nvPr/>
+            </p:nvSpPr>
+            <p:spPr>
+              <a:xfrm>
+                <a:off x="-2" y="1496338"/>
+                <a:ext cx="9143817" cy="1169551"/>
+              </a:xfrm>
+              <a:prstGeom prst="rect">
+                <a:avLst/>
+              </a:prstGeom>
+              <a:blipFill>
+                <a:blip r:embed="rId4"/>
+                <a:stretch>
+                  <a:fillRect l="-200" t="-521" b="-4688"/>
+                </a:stretch>
+              </a:blipFill>
+            </p:spPr>
+            <p:txBody>
+              <a:bodyPr/>
+              <a:lstStyle/>
+              <a:p>
+                <a:r>
+                  <a:rPr lang="it-IT">
+                    <a:noFill/>
+                  </a:rPr>
+                  <a:t> </a:t>
+                </a:r>
+              </a:p>
+            </p:txBody>
+          </p:sp>
+        </mc:Fallback>
+      </mc:AlternateContent>
+      <p:pic>
+        <p:nvPicPr>
+          <p:cNvPr id="4" name="Immagine 3">
+            <a:extLst>
+              <a:ext uri="{FF2B5EF4-FFF2-40B4-BE49-F238E27FC236}">
+                <a16:creationId xmlns:a16="http://schemas.microsoft.com/office/drawing/2014/main" id="{23F45879-4FAE-433B-864F-BC6AB7355730}"/>
+              </a:ext>
+            </a:extLst>
+          </p:cNvPr>
+          <p:cNvPicPr>
+            <a:picLocks noChangeAspect="1"/>
+          </p:cNvPicPr>
+          <p:nvPr/>
+        </p:nvPicPr>
+        <p:blipFill>
+          <a:blip r:embed="rId5"/>
+          <a:stretch>
+            <a:fillRect/>
+          </a:stretch>
+        </p:blipFill>
+        <p:spPr>
+          <a:xfrm>
+            <a:off x="2124727" y="2841373"/>
+            <a:ext cx="2806686" cy="1472095"/>
+          </a:xfrm>
+          <a:prstGeom prst="rect">
+            <a:avLst/>
+          </a:prstGeom>
+        </p:spPr>
+      </p:pic>
+      <p:sp>
+        <p:nvSpPr>
+          <p:cNvPr id="31" name="CasellaDiTesto 30">
+            <a:extLst>
+              <a:ext uri="{FF2B5EF4-FFF2-40B4-BE49-F238E27FC236}">
+                <a16:creationId xmlns:a16="http://schemas.microsoft.com/office/drawing/2014/main" id="{9DB61547-2C89-4D3B-B732-077DD3E5D4B0}"/>
+              </a:ext>
+            </a:extLst>
+          </p:cNvPr>
+          <p:cNvSpPr txBox="1"/>
+          <p:nvPr/>
+        </p:nvSpPr>
+        <p:spPr>
+          <a:xfrm>
+            <a:off x="18850" y="3480231"/>
+            <a:ext cx="1512101" cy="523220"/>
+          </a:xfrm>
+          <a:prstGeom prst="rect">
+            <a:avLst/>
+          </a:prstGeom>
+          <a:noFill/>
+        </p:spPr>
+        <p:txBody>
+          <a:bodyPr wrap="square" rtlCol="0">
+            <a:spAutoFit/>
+          </a:bodyPr>
+          <a:lstStyle/>
+          <a:p>
+            <a:r>
+              <a:rPr lang="it-IT" sz="1400" dirty="0">
+                <a:latin typeface="Arial" panose="020B0604020202020204" pitchFamily="34" charset="0"/>
+                <a:cs typeface="Arial" panose="020B0604020202020204" pitchFamily="34" charset="0"/>
+              </a:rPr>
+              <a:t>Matrice non additiva in input</a:t>
+            </a:r>
+          </a:p>
+        </p:txBody>
+      </p:sp>
+      <p:cxnSp>
+        <p:nvCxnSpPr>
+          <p:cNvPr id="32" name="Connettore 2 31">
+            <a:extLst>
+              <a:ext uri="{FF2B5EF4-FFF2-40B4-BE49-F238E27FC236}">
+                <a16:creationId xmlns:a16="http://schemas.microsoft.com/office/drawing/2014/main" id="{FCF9CA4A-3CB4-4379-962E-749E26AFEF77}"/>
+              </a:ext>
+            </a:extLst>
+          </p:cNvPr>
+          <p:cNvCxnSpPr>
+            <a:cxnSpLocks/>
+          </p:cNvCxnSpPr>
+          <p:nvPr/>
+        </p:nvCxnSpPr>
+        <p:spPr>
+          <a:xfrm>
+            <a:off x="1563302" y="3741875"/>
+            <a:ext cx="450249" cy="0"/>
+          </a:xfrm>
+          <a:prstGeom prst="straightConnector1">
+            <a:avLst/>
+          </a:prstGeom>
+          <a:ln>
+            <a:tailEnd type="triangle"/>
+          </a:ln>
+        </p:spPr>
+        <p:style>
+          <a:lnRef idx="2">
+            <a:schemeClr val="accent1"/>
+          </a:lnRef>
+          <a:fillRef idx="0">
+            <a:schemeClr val="accent1"/>
+          </a:fillRef>
+          <a:effectRef idx="1">
+            <a:schemeClr val="accent1"/>
+          </a:effectRef>
+          <a:fontRef idx="minor">
+            <a:schemeClr val="tx1"/>
+          </a:fontRef>
+        </p:style>
+      </p:cxnSp>
+      <p:cxnSp>
+        <p:nvCxnSpPr>
+          <p:cNvPr id="36" name="Connettore diritto 35">
+            <a:extLst>
+              <a:ext uri="{FF2B5EF4-FFF2-40B4-BE49-F238E27FC236}">
+                <a16:creationId xmlns:a16="http://schemas.microsoft.com/office/drawing/2014/main" id="{05A39BFF-5BF6-44C2-A2A7-506D5FA561CD}"/>
+              </a:ext>
+            </a:extLst>
+          </p:cNvPr>
+          <p:cNvCxnSpPr>
+            <a:cxnSpLocks/>
+          </p:cNvCxnSpPr>
+          <p:nvPr/>
+        </p:nvCxnSpPr>
+        <p:spPr>
+          <a:xfrm flipV="1">
+            <a:off x="436880" y="2723151"/>
+            <a:ext cx="8098883" cy="60960"/>
+          </a:xfrm>
+          <a:prstGeom prst="line">
+            <a:avLst/>
+          </a:prstGeom>
+        </p:spPr>
+        <p:style>
+          <a:lnRef idx="2">
+            <a:schemeClr val="accent1"/>
+          </a:lnRef>
+          <a:fillRef idx="0">
+            <a:schemeClr val="accent1"/>
+          </a:fillRef>
+          <a:effectRef idx="1">
+            <a:schemeClr val="accent1"/>
+          </a:effectRef>
+          <a:fontRef idx="minor">
+            <a:schemeClr val="tx1"/>
+          </a:fontRef>
+        </p:style>
+      </p:cxnSp>
+      <mc:AlternateContent xmlns:mc="http://schemas.openxmlformats.org/markup-compatibility/2006">
+        <mc:Choice xmlns:a14="http://schemas.microsoft.com/office/drawing/2010/main" Requires="a14">
+          <p:sp>
+            <p:nvSpPr>
+              <p:cNvPr id="37" name="CasellaDiTesto 36">
+                <a:extLst>
+                  <a:ext uri="{FF2B5EF4-FFF2-40B4-BE49-F238E27FC236}">
+                    <a16:creationId xmlns:a16="http://schemas.microsoft.com/office/drawing/2014/main" id="{228CF625-0075-4BE9-B1B5-1F6D368CE2C4}"/>
+                  </a:ext>
+                </a:extLst>
+              </p:cNvPr>
+              <p:cNvSpPr txBox="1"/>
+              <p:nvPr/>
+            </p:nvSpPr>
+            <p:spPr>
+              <a:xfrm>
+                <a:off x="5539466" y="2916150"/>
+                <a:ext cx="3604349" cy="523220"/>
+              </a:xfrm>
+              <a:prstGeom prst="rect">
+                <a:avLst/>
+              </a:prstGeom>
+              <a:noFill/>
+            </p:spPr>
+            <p:txBody>
+              <a:bodyPr wrap="square" rtlCol="0">
+                <a:spAutoFit/>
+              </a:bodyPr>
+              <a:lstStyle/>
+              <a:p>
+                <a:pPr marL="342900" indent="-342900">
+                  <a:buFont typeface="+mj-lt"/>
+                  <a:buAutoNum type="arabicPeriod"/>
+                </a:pPr>
+                <a:r>
+                  <a:rPr lang="it-IT" sz="1400" dirty="0">
+                    <a:latin typeface="Arial" panose="020B0604020202020204" pitchFamily="34" charset="0"/>
+                    <a:cs typeface="Arial" panose="020B0604020202020204" pitchFamily="34" charset="0"/>
+                  </a:rPr>
+                  <a:t>A partire da </a:t>
+                </a:r>
+                <a14:m>
+                  <m:oMath xmlns:m="http://schemas.openxmlformats.org/officeDocument/2006/math">
+                    <m:r>
+                      <a:rPr lang="it-IT" sz="1400" i="1" dirty="0" smtClean="0">
+                        <a:latin typeface="Cambria Math" panose="02040503050406030204" pitchFamily="18" charset="0"/>
+                        <a:cs typeface="Arial" panose="020B0604020202020204" pitchFamily="34" charset="0"/>
+                      </a:rPr>
+                      <m:t>𝐷</m:t>
+                    </m:r>
+                  </m:oMath>
+                </a14:m>
+                <a:r>
+                  <a:rPr lang="it-IT" sz="1400" dirty="0">
+                    <a:latin typeface="Arial" panose="020B0604020202020204" pitchFamily="34" charset="0"/>
+                    <a:cs typeface="Arial" panose="020B0604020202020204" pitchFamily="34" charset="0"/>
+                  </a:rPr>
+                  <a:t> crea </a:t>
+                </a:r>
+                <a14:m>
+                  <m:oMath xmlns:m="http://schemas.openxmlformats.org/officeDocument/2006/math">
+                    <m:r>
+                      <a:rPr lang="it-IT" sz="1400" b="0" i="1" dirty="0" smtClean="0">
+                        <a:latin typeface="Cambria Math" panose="02040503050406030204" pitchFamily="18" charset="0"/>
+                        <a:cs typeface="Arial" panose="020B0604020202020204" pitchFamily="34" charset="0"/>
+                      </a:rPr>
+                      <m:t>𝑛</m:t>
+                    </m:r>
+                  </m:oMath>
+                </a14:m>
+                <a:r>
+                  <a:rPr lang="it-IT" sz="1400" dirty="0">
+                    <a:latin typeface="Arial" panose="020B0604020202020204" pitchFamily="34" charset="0"/>
+                    <a:cs typeface="Arial" panose="020B0604020202020204" pitchFamily="34" charset="0"/>
+                  </a:rPr>
+                  <a:t> cluster, uno per  ogni foglia</a:t>
+                </a:r>
+              </a:p>
+            </p:txBody>
+          </p:sp>
+        </mc:Choice>
+        <mc:Fallback>
+          <p:sp>
+            <p:nvSpPr>
+              <p:cNvPr id="37" name="CasellaDiTesto 36">
+                <a:extLst>
+                  <a:ext uri="{FF2B5EF4-FFF2-40B4-BE49-F238E27FC236}">
+                    <a16:creationId xmlns:a16="http://schemas.microsoft.com/office/drawing/2014/main" id="{228CF625-0075-4BE9-B1B5-1F6D368CE2C4}"/>
+                  </a:ext>
+                </a:extLst>
+              </p:cNvPr>
+              <p:cNvSpPr txBox="1">
+                <a:spLocks noRot="1" noChangeAspect="1" noMove="1" noResize="1" noEditPoints="1" noAdjustHandles="1" noChangeArrowheads="1" noChangeShapeType="1" noTextEdit="1"/>
+              </p:cNvSpPr>
+              <p:nvPr/>
+            </p:nvSpPr>
+            <p:spPr>
+              <a:xfrm>
+                <a:off x="5539466" y="2916150"/>
+                <a:ext cx="3604349" cy="523220"/>
+              </a:xfrm>
+              <a:prstGeom prst="rect">
+                <a:avLst/>
+              </a:prstGeom>
+              <a:blipFill>
+                <a:blip r:embed="rId6"/>
+                <a:stretch>
+                  <a:fillRect l="-338" t="-1163" b="-11628"/>
+                </a:stretch>
+              </a:blipFill>
+            </p:spPr>
+            <p:txBody>
+              <a:bodyPr/>
+              <a:lstStyle/>
+              <a:p>
+                <a:r>
+                  <a:rPr lang="it-IT">
+                    <a:noFill/>
+                  </a:rPr>
+                  <a:t> </a:t>
+                </a:r>
+              </a:p>
+            </p:txBody>
+          </p:sp>
+        </mc:Fallback>
+      </mc:AlternateContent>
+      <p:cxnSp>
+        <p:nvCxnSpPr>
+          <p:cNvPr id="6" name="Connettore a gomito 5">
+            <a:extLst>
+              <a:ext uri="{FF2B5EF4-FFF2-40B4-BE49-F238E27FC236}">
+                <a16:creationId xmlns:a16="http://schemas.microsoft.com/office/drawing/2014/main" id="{62072968-7F3F-4319-B4DD-90D752C5D527}"/>
+              </a:ext>
+            </a:extLst>
+          </p:cNvPr>
+          <p:cNvCxnSpPr>
+            <a:cxnSpLocks/>
+            <a:endCxn id="37" idx="1"/>
+          </p:cNvCxnSpPr>
+          <p:nvPr/>
+        </p:nvCxnSpPr>
+        <p:spPr>
+          <a:xfrm flipV="1">
+            <a:off x="4931413" y="3177760"/>
+            <a:ext cx="608053" cy="564115"/>
+          </a:xfrm>
+          <a:prstGeom prst="bentConnector3">
+            <a:avLst>
+              <a:gd name="adj1" fmla="val 35400"/>
+            </a:avLst>
+          </a:prstGeom>
+          <a:ln>
+            <a:tailEnd type="triangle"/>
+          </a:ln>
+        </p:spPr>
+        <p:style>
+          <a:lnRef idx="2">
+            <a:schemeClr val="accent1"/>
+          </a:lnRef>
+          <a:fillRef idx="0">
+            <a:schemeClr val="accent1"/>
+          </a:fillRef>
+          <a:effectRef idx="1">
+            <a:schemeClr val="accent1"/>
+          </a:effectRef>
+          <a:fontRef idx="minor">
+            <a:schemeClr val="tx1"/>
+          </a:fontRef>
+        </p:style>
+      </p:cxnSp>
+      <p:pic>
+        <p:nvPicPr>
+          <p:cNvPr id="17" name="Immagine 16">
+            <a:extLst>
+              <a:ext uri="{FF2B5EF4-FFF2-40B4-BE49-F238E27FC236}">
+                <a16:creationId xmlns:a16="http://schemas.microsoft.com/office/drawing/2014/main" id="{AD8FED7F-31F3-45C7-9AFA-FF29DE7A5554}"/>
+              </a:ext>
+            </a:extLst>
+          </p:cNvPr>
+          <p:cNvPicPr>
+            <a:picLocks noChangeAspect="1"/>
+          </p:cNvPicPr>
+          <p:nvPr/>
+        </p:nvPicPr>
+        <p:blipFill>
+          <a:blip r:embed="rId7"/>
+          <a:stretch>
+            <a:fillRect/>
+          </a:stretch>
+        </p:blipFill>
+        <p:spPr>
+          <a:xfrm>
+            <a:off x="6080416" y="3946057"/>
+            <a:ext cx="3035807" cy="327956"/>
+          </a:xfrm>
+          <a:prstGeom prst="rect">
+            <a:avLst/>
+          </a:prstGeom>
+        </p:spPr>
+      </p:pic>
+      <p:cxnSp>
+        <p:nvCxnSpPr>
+          <p:cNvPr id="20" name="Connettore 2 19">
+            <a:extLst>
+              <a:ext uri="{FF2B5EF4-FFF2-40B4-BE49-F238E27FC236}">
+                <a16:creationId xmlns:a16="http://schemas.microsoft.com/office/drawing/2014/main" id="{5C0FAADA-8E48-4F12-B109-1B84743F22D3}"/>
+              </a:ext>
+            </a:extLst>
+          </p:cNvPr>
+          <p:cNvCxnSpPr>
+            <a:endCxn id="17" idx="0"/>
+          </p:cNvCxnSpPr>
+          <p:nvPr/>
+        </p:nvCxnSpPr>
+        <p:spPr>
+          <a:xfrm>
+            <a:off x="7598319" y="3439370"/>
+            <a:ext cx="1" cy="506687"/>
+          </a:xfrm>
+          <a:prstGeom prst="straightConnector1">
+            <a:avLst/>
+          </a:prstGeom>
+          <a:ln>
+            <a:tailEnd type="triangle"/>
+          </a:ln>
+        </p:spPr>
+        <p:style>
+          <a:lnRef idx="2">
+            <a:schemeClr val="accent1"/>
+          </a:lnRef>
+          <a:fillRef idx="0">
+            <a:schemeClr val="accent1"/>
+          </a:fillRef>
+          <a:effectRef idx="1">
+            <a:schemeClr val="accent1"/>
+          </a:effectRef>
+          <a:fontRef idx="minor">
+            <a:schemeClr val="tx1"/>
+          </a:fontRef>
+        </p:style>
+      </p:cxnSp>
+      <mc:AlternateContent xmlns:mc="http://schemas.openxmlformats.org/markup-compatibility/2006">
+        <mc:Choice xmlns:a14="http://schemas.microsoft.com/office/drawing/2010/main" Requires="a14">
+          <p:sp>
+            <p:nvSpPr>
+              <p:cNvPr id="46" name="CasellaDiTesto 45">
+                <a:extLst>
+                  <a:ext uri="{FF2B5EF4-FFF2-40B4-BE49-F238E27FC236}">
+                    <a16:creationId xmlns:a16="http://schemas.microsoft.com/office/drawing/2014/main" id="{C2984D4E-B4B0-4D9D-ADAF-0738DB69751F}"/>
+                  </a:ext>
+                </a:extLst>
+              </p:cNvPr>
+              <p:cNvSpPr txBox="1"/>
+              <p:nvPr/>
+            </p:nvSpPr>
+            <p:spPr>
+              <a:xfrm>
+                <a:off x="6080416" y="4850699"/>
+                <a:ext cx="3063584" cy="738664"/>
+              </a:xfrm>
+              <a:prstGeom prst="rect">
+                <a:avLst/>
+              </a:prstGeom>
+              <a:noFill/>
+            </p:spPr>
+            <p:txBody>
+              <a:bodyPr wrap="square" rtlCol="0">
+                <a:spAutoFit/>
+              </a:bodyPr>
+              <a:lstStyle/>
+              <a:p>
+                <a:pPr marL="342900" indent="-342900">
+                  <a:buFont typeface="+mj-lt"/>
+                  <a:buAutoNum type="arabicPeriod" startAt="2"/>
+                </a:pPr>
+                <a:r>
+                  <a:rPr lang="it-IT" sz="1400" dirty="0">
+                    <a:latin typeface="Arial" panose="020B0604020202020204" pitchFamily="34" charset="0"/>
+                    <a:cs typeface="Arial" panose="020B0604020202020204" pitchFamily="34" charset="0"/>
+                  </a:rPr>
+                  <a:t>si scelgono i due cluster </a:t>
+                </a:r>
+                <a14:m>
+                  <m:oMath xmlns:m="http://schemas.openxmlformats.org/officeDocument/2006/math">
+                    <m:r>
+                      <a:rPr lang="it-IT" sz="1400" i="1" dirty="0" smtClean="0">
+                        <a:latin typeface="Cambria Math" panose="02040503050406030204" pitchFamily="18" charset="0"/>
+                        <a:cs typeface="Arial" panose="020B0604020202020204" pitchFamily="34" charset="0"/>
+                      </a:rPr>
+                      <m:t>𝑋</m:t>
+                    </m:r>
+                  </m:oMath>
+                </a14:m>
+                <a:r>
+                  <a:rPr lang="it-IT" sz="1400" dirty="0">
+                    <a:latin typeface="Arial" panose="020B0604020202020204" pitchFamily="34" charset="0"/>
+                    <a:cs typeface="Arial" panose="020B0604020202020204" pitchFamily="34" charset="0"/>
+                  </a:rPr>
+                  <a:t> e </a:t>
+                </a:r>
+                <a14:m>
+                  <m:oMath xmlns:m="http://schemas.openxmlformats.org/officeDocument/2006/math">
+                    <m:r>
+                      <a:rPr lang="it-IT" sz="1400" i="1" dirty="0" smtClean="0">
+                        <a:latin typeface="Cambria Math" panose="02040503050406030204" pitchFamily="18" charset="0"/>
+                        <a:cs typeface="Arial" panose="020B0604020202020204" pitchFamily="34" charset="0"/>
+                      </a:rPr>
+                      <m:t>𝑌</m:t>
+                    </m:r>
+                  </m:oMath>
+                </a14:m>
+                <a:r>
+                  <a:rPr lang="it-IT" sz="1400" dirty="0">
+                    <a:latin typeface="Arial" panose="020B0604020202020204" pitchFamily="34" charset="0"/>
+                    <a:cs typeface="Arial" panose="020B0604020202020204" pitchFamily="34" charset="0"/>
+                  </a:rPr>
+                  <a:t> più vicini secondo la seguente definizione di distanza:</a:t>
+                </a:r>
+              </a:p>
+            </p:txBody>
+          </p:sp>
+        </mc:Choice>
+        <mc:Fallback>
+          <p:sp>
+            <p:nvSpPr>
+              <p:cNvPr id="46" name="CasellaDiTesto 45">
+                <a:extLst>
+                  <a:ext uri="{FF2B5EF4-FFF2-40B4-BE49-F238E27FC236}">
+                    <a16:creationId xmlns:a16="http://schemas.microsoft.com/office/drawing/2014/main" id="{C2984D4E-B4B0-4D9D-ADAF-0738DB69751F}"/>
+                  </a:ext>
+                </a:extLst>
+              </p:cNvPr>
+              <p:cNvSpPr txBox="1">
+                <a:spLocks noRot="1" noChangeAspect="1" noMove="1" noResize="1" noEditPoints="1" noAdjustHandles="1" noChangeArrowheads="1" noChangeShapeType="1" noTextEdit="1"/>
+              </p:cNvSpPr>
+              <p:nvPr/>
+            </p:nvSpPr>
+            <p:spPr>
+              <a:xfrm>
+                <a:off x="6080416" y="4850699"/>
+                <a:ext cx="3063584" cy="738664"/>
+              </a:xfrm>
+              <a:prstGeom prst="rect">
+                <a:avLst/>
+              </a:prstGeom>
+              <a:blipFill>
+                <a:blip r:embed="rId8"/>
+                <a:stretch>
+                  <a:fillRect l="-199" t="-1653" b="-7438"/>
+                </a:stretch>
+              </a:blipFill>
+            </p:spPr>
+            <p:txBody>
+              <a:bodyPr/>
+              <a:lstStyle/>
+              <a:p>
+                <a:r>
+                  <a:rPr lang="it-IT">
+                    <a:noFill/>
+                  </a:rPr>
+                  <a:t> </a:t>
+                </a:r>
+              </a:p>
+            </p:txBody>
+          </p:sp>
+        </mc:Fallback>
+      </mc:AlternateContent>
+      <p:cxnSp>
+        <p:nvCxnSpPr>
+          <p:cNvPr id="47" name="Connettore 2 46">
+            <a:extLst>
+              <a:ext uri="{FF2B5EF4-FFF2-40B4-BE49-F238E27FC236}">
+                <a16:creationId xmlns:a16="http://schemas.microsoft.com/office/drawing/2014/main" id="{D53838DD-6299-4191-AFF9-8DF6465238D5}"/>
+              </a:ext>
+            </a:extLst>
+          </p:cNvPr>
+          <p:cNvCxnSpPr>
+            <a:cxnSpLocks/>
+          </p:cNvCxnSpPr>
+          <p:nvPr/>
+        </p:nvCxnSpPr>
+        <p:spPr>
+          <a:xfrm>
+            <a:off x="7598318" y="4343596"/>
+            <a:ext cx="1" cy="427157"/>
+          </a:xfrm>
+          <a:prstGeom prst="straightConnector1">
+            <a:avLst/>
+          </a:prstGeom>
+          <a:ln>
+            <a:tailEnd type="triangle"/>
+          </a:ln>
+        </p:spPr>
+        <p:style>
+          <a:lnRef idx="2">
+            <a:schemeClr val="accent1"/>
+          </a:lnRef>
+          <a:fillRef idx="0">
+            <a:schemeClr val="accent1"/>
+          </a:fillRef>
+          <a:effectRef idx="1">
+            <a:schemeClr val="accent1"/>
+          </a:effectRef>
+          <a:fontRef idx="minor">
+            <a:schemeClr val="tx1"/>
+          </a:fontRef>
+        </p:style>
+      </p:cxnSp>
+      <p:pic>
+        <p:nvPicPr>
+          <p:cNvPr id="23" name="Immagine 22">
+            <a:extLst>
+              <a:ext uri="{FF2B5EF4-FFF2-40B4-BE49-F238E27FC236}">
+                <a16:creationId xmlns:a16="http://schemas.microsoft.com/office/drawing/2014/main" id="{3D985C66-626C-42CB-978A-3C55897EBF03}"/>
+              </a:ext>
+            </a:extLst>
+          </p:cNvPr>
+          <p:cNvPicPr>
+            <a:picLocks noChangeAspect="1"/>
+          </p:cNvPicPr>
+          <p:nvPr/>
+        </p:nvPicPr>
+        <p:blipFill rotWithShape="1">
+          <a:blip r:embed="rId9"/>
+          <a:srcRect t="3088" r="2401"/>
+          <a:stretch/>
+        </p:blipFill>
+        <p:spPr>
+          <a:xfrm>
+            <a:off x="6536733" y="5537740"/>
+            <a:ext cx="2607267" cy="676739"/>
+          </a:xfrm>
+          <a:prstGeom prst="rect">
+            <a:avLst/>
+          </a:prstGeom>
+        </p:spPr>
+      </p:pic>
+      <mc:AlternateContent xmlns:mc="http://schemas.openxmlformats.org/markup-compatibility/2006">
+        <mc:Choice xmlns:a14="http://schemas.microsoft.com/office/drawing/2010/main" Requires="a14">
+          <p:sp>
+            <p:nvSpPr>
+              <p:cNvPr id="52" name="CasellaDiTesto 51">
+                <a:extLst>
+                  <a:ext uri="{FF2B5EF4-FFF2-40B4-BE49-F238E27FC236}">
+                    <a16:creationId xmlns:a16="http://schemas.microsoft.com/office/drawing/2014/main" id="{FD3AF47D-D63D-4029-B29B-B4FFB8F3F443}"/>
+                  </a:ext>
+                </a:extLst>
+              </p:cNvPr>
+              <p:cNvSpPr txBox="1"/>
+              <p:nvPr/>
+            </p:nvSpPr>
+            <p:spPr>
+              <a:xfrm>
+                <a:off x="6080416" y="6386447"/>
+                <a:ext cx="1043930" cy="317203"/>
+              </a:xfrm>
+              <a:prstGeom prst="rect">
+                <a:avLst/>
+              </a:prstGeom>
+              <a:noFill/>
+            </p:spPr>
+            <p:txBody>
+              <a:bodyPr wrap="square" rtlCol="0">
+                <a:spAutoFit/>
+              </a:bodyPr>
+              <a:lstStyle/>
+              <a:p>
+                <a14:m>
+                  <m:oMathPara xmlns:m="http://schemas.openxmlformats.org/officeDocument/2006/math">
+                    <m:oMathParaPr>
+                      <m:jc m:val="centerGroup"/>
+                    </m:oMathParaPr>
+                    <m:oMath xmlns:m="http://schemas.openxmlformats.org/officeDocument/2006/math">
+                      <m:sSub>
+                        <m:sSubPr>
+                          <m:ctrlPr>
+                            <a:rPr lang="it-IT" sz="1400" i="1" smtClean="0">
+                              <a:latin typeface="Cambria Math" panose="02040503050406030204" pitchFamily="18" charset="0"/>
+                              <a:cs typeface="Arial" panose="020B0604020202020204" pitchFamily="34" charset="0"/>
+                            </a:rPr>
+                          </m:ctrlPr>
+                        </m:sSubPr>
+                        <m:e>
+                          <m:r>
+                            <a:rPr lang="it-IT" sz="1400" b="0" i="1" smtClean="0">
+                              <a:latin typeface="Cambria Math" panose="02040503050406030204" pitchFamily="18" charset="0"/>
+                              <a:cs typeface="Arial" panose="020B0604020202020204" pitchFamily="34" charset="0"/>
+                            </a:rPr>
+                            <m:t>𝐷</m:t>
+                          </m:r>
+                        </m:e>
+                        <m:sub>
+                          <m:r>
+                            <a:rPr lang="it-IT" sz="1400" b="0" i="1" smtClean="0">
+                              <a:latin typeface="Cambria Math" panose="02040503050406030204" pitchFamily="18" charset="0"/>
+                              <a:cs typeface="Arial" panose="020B0604020202020204" pitchFamily="34" charset="0"/>
+                            </a:rPr>
+                            <m:t>𝑢</m:t>
+                          </m:r>
+                          <m:r>
+                            <a:rPr lang="it-IT" sz="1400" b="0" i="1" smtClean="0">
+                              <a:latin typeface="Cambria Math" panose="02040503050406030204" pitchFamily="18" charset="0"/>
+                              <a:cs typeface="Arial" panose="020B0604020202020204" pitchFamily="34" charset="0"/>
+                            </a:rPr>
+                            <m:t>, </m:t>
+                          </m:r>
+                          <m:r>
+                            <a:rPr lang="it-IT" sz="1400" b="0" i="1" smtClean="0">
+                              <a:latin typeface="Cambria Math" panose="02040503050406030204" pitchFamily="18" charset="0"/>
+                              <a:cs typeface="Arial" panose="020B0604020202020204" pitchFamily="34" charset="0"/>
+                            </a:rPr>
+                            <m:t>𝑠</m:t>
+                          </m:r>
+                        </m:sub>
+                      </m:sSub>
+                      <m:r>
+                        <a:rPr lang="it-IT" sz="1400" b="0" i="1" smtClean="0">
+                          <a:latin typeface="Cambria Math" panose="02040503050406030204" pitchFamily="18" charset="0"/>
+                          <a:cs typeface="Arial" panose="020B0604020202020204" pitchFamily="34" charset="0"/>
+                        </a:rPr>
+                        <m:t>=2</m:t>
+                      </m:r>
+                    </m:oMath>
+                  </m:oMathPara>
+                </a14:m>
+                <a:endParaRPr lang="it-IT" sz="1400" dirty="0">
+                  <a:latin typeface="Arial" panose="020B0604020202020204" pitchFamily="34" charset="0"/>
+                  <a:cs typeface="Arial" panose="020B0604020202020204" pitchFamily="34" charset="0"/>
+                </a:endParaRPr>
+              </a:p>
+            </p:txBody>
+          </p:sp>
+        </mc:Choice>
+        <mc:Fallback>
+          <p:sp>
+            <p:nvSpPr>
+              <p:cNvPr id="52" name="CasellaDiTesto 51">
+                <a:extLst>
+                  <a:ext uri="{FF2B5EF4-FFF2-40B4-BE49-F238E27FC236}">
+                    <a16:creationId xmlns:a16="http://schemas.microsoft.com/office/drawing/2014/main" id="{FD3AF47D-D63D-4029-B29B-B4FFB8F3F443}"/>
+                  </a:ext>
+                </a:extLst>
+              </p:cNvPr>
+              <p:cNvSpPr txBox="1">
+                <a:spLocks noRot="1" noChangeAspect="1" noMove="1" noResize="1" noEditPoints="1" noAdjustHandles="1" noChangeArrowheads="1" noChangeShapeType="1" noTextEdit="1"/>
+              </p:cNvSpPr>
+              <p:nvPr/>
+            </p:nvSpPr>
+            <p:spPr>
+              <a:xfrm>
+                <a:off x="6080416" y="6386447"/>
+                <a:ext cx="1043930" cy="317203"/>
+              </a:xfrm>
+              <a:prstGeom prst="rect">
+                <a:avLst/>
+              </a:prstGeom>
+              <a:blipFill>
+                <a:blip r:embed="rId10"/>
+                <a:stretch>
+                  <a:fillRect/>
+                </a:stretch>
+              </a:blipFill>
+            </p:spPr>
+            <p:txBody>
+              <a:bodyPr/>
+              <a:lstStyle/>
+              <a:p>
+                <a:r>
+                  <a:rPr lang="it-IT">
+                    <a:noFill/>
+                  </a:rPr>
+                  <a:t> </a:t>
+                </a:r>
+              </a:p>
+            </p:txBody>
+          </p:sp>
+        </mc:Fallback>
+      </mc:AlternateContent>
+      <p:cxnSp>
+        <p:nvCxnSpPr>
+          <p:cNvPr id="44" name="Connettore a gomito 43">
+            <a:extLst>
+              <a:ext uri="{FF2B5EF4-FFF2-40B4-BE49-F238E27FC236}">
+                <a16:creationId xmlns:a16="http://schemas.microsoft.com/office/drawing/2014/main" id="{484A78E3-C52E-4B7E-9216-0332F077A6DB}"/>
+              </a:ext>
+            </a:extLst>
+          </p:cNvPr>
+          <p:cNvCxnSpPr>
+            <a:stCxn id="23" idx="1"/>
+            <a:endCxn id="52" idx="0"/>
+          </p:cNvCxnSpPr>
+          <p:nvPr/>
+        </p:nvCxnSpPr>
+        <p:spPr>
+          <a:xfrm rot="10800000" flipH="1" flipV="1">
+            <a:off x="6536733" y="5876109"/>
+            <a:ext cx="65648" cy="510337"/>
+          </a:xfrm>
+          <a:prstGeom prst="bentConnector4">
+            <a:avLst>
+              <a:gd name="adj1" fmla="val -348221"/>
+              <a:gd name="adj2" fmla="val 56276"/>
+            </a:avLst>
+          </a:prstGeom>
+          <a:ln>
+            <a:tailEnd type="triangle"/>
+          </a:ln>
+        </p:spPr>
+        <p:style>
+          <a:lnRef idx="2">
+            <a:schemeClr val="accent1"/>
+          </a:lnRef>
+          <a:fillRef idx="0">
+            <a:schemeClr val="accent1"/>
+          </a:fillRef>
+          <a:effectRef idx="1">
+            <a:schemeClr val="accent1"/>
+          </a:effectRef>
+          <a:fontRef idx="minor">
+            <a:schemeClr val="tx1"/>
+          </a:fontRef>
+        </p:style>
+      </p:cxnSp>
+    </p:spTree>
+    <p:extLst>
+      <p:ext uri="{BB962C8B-B14F-4D97-AF65-F5344CB8AC3E}">
+        <p14:creationId xmlns:p14="http://schemas.microsoft.com/office/powerpoint/2010/main" val="1001681238"/>
       </p:ext>
     </p:extLst>
   </p:cSld>
@@ -23809,6 +26615,44 @@
 </p:tagLst>
 </file>
 
+<file path=ppt/tags/tag38.xml><?xml version="1.0" encoding="utf-8"?>
+<p:tagLst xmlns:a="http://schemas.openxmlformats.org/drawingml/2006/main" xmlns:r="http://schemas.openxmlformats.org/officeDocument/2006/relationships" xmlns:p="http://schemas.openxmlformats.org/presentationml/2006/main">
+  <p:tag name="OUTPUTDPI" val="1200"/>
+  <p:tag name="ORIGINALHEIGHT" val="621,6723"/>
+  <p:tag name="ORIGINALWIDTH" val="3415,823"/>
+  <p:tag name="LATEXADDIN" val="\documentclass{article}&#10;\usepackage{amsmath}&#10;\pagestyle{empty}&#10;\begin{document}&#10;&#10;\[Discrepancy(D(T),D)=\sum_{i=1}^{j-1}\sum_{j=i+1}^{n}(D_{ij}(T)-D_{ij})^2=\]&#10;\[=0+(3,5-4)^2+(3,5-3)^2+(4,5-4)^2+(4,5-5)^2+0=1\]&#10;&#10;&#10;\end{document}"/>
+  <p:tag name="IGUANATEXSIZE" val="20"/>
+  <p:tag name="IGUANATEXCURSOR" val="156"/>
+  <p:tag name="TRANSPARENCY" val="Vero"/>
+  <p:tag name="FILENAME" val=""/>
+  <p:tag name="LATEXENGINEID" val="0"/>
+  <p:tag name="TEMPFOLDER" val="c:\temp\"/>
+  <p:tag name="LATEXFORMHEIGHT" val="312"/>
+  <p:tag name="LATEXFORMWIDTH" val="384"/>
+  <p:tag name="LATEXFORMWRAP" val="Vero"/>
+  <p:tag name="BITMAPVECTOR" val="0"/>
+</p:tagLst>
+</file>
+
+<file path=ppt/tags/tag39.xml><?xml version="1.0" encoding="utf-8"?>
+<p:tagLst xmlns:a="http://schemas.openxmlformats.org/drawingml/2006/main" xmlns:r="http://schemas.openxmlformats.org/officeDocument/2006/relationships" xmlns:p="http://schemas.openxmlformats.org/presentationml/2006/main">
+  <p:tag name="OUTPUTDPI" val="1200"/>
+  <p:tag name="ORIGINALHEIGHT" val="87,73905"/>
+  <p:tag name="ORIGINALWIDTH" val="149,9813"/>
+  <p:tag name="LATEXADDIN" val="\documentclass{article}&#10;\usepackage{amsmath}&#10;\pagestyle{empty}&#10;\begin{document}&#10;&#10;&#10;$D^\star$&#10;&#10;\end{document}"/>
+  <p:tag name="IGUANATEXSIZE" val="14"/>
+  <p:tag name="IGUANATEXCURSOR" val="90"/>
+  <p:tag name="TRANSPARENCY" val="Vero"/>
+  <p:tag name="FILENAME" val=""/>
+  <p:tag name="LATEXENGINEID" val="0"/>
+  <p:tag name="TEMPFOLDER" val="c:\temp\"/>
+  <p:tag name="LATEXFORMHEIGHT" val="312"/>
+  <p:tag name="LATEXFORMWIDTH" val="384"/>
+  <p:tag name="LATEXFORMWRAP" val="Vero"/>
+  <p:tag name="BITMAPVECTOR" val="0"/>
+</p:tagLst>
+</file>
+
 <file path=ppt/tags/tag4.xml><?xml version="1.0" encoding="utf-8"?>
 <p:tagLst xmlns:a="http://schemas.openxmlformats.org/drawingml/2006/main" xmlns:r="http://schemas.openxmlformats.org/officeDocument/2006/relationships" xmlns:p="http://schemas.openxmlformats.org/presentationml/2006/main">
   <p:tag name="OUTPUTDPI" val="1200"/>
@@ -23817,6 +26661,82 @@
   <p:tag name="LATEXADDIN" val="\documentclass{article}&#10;\usepackage{amsmath}&#10;\pagestyle{empty}&#10;\begin{document}&#10;&#10; \[d(x,y)\leq d(x,z)+d(y,z)\; \forall \: x,y,z\in R^k\]&#10;&#10;&#10;\end{document}"/>
   <p:tag name="IGUANATEXSIZE" val="20"/>
   <p:tag name="IGUANATEXCURSOR" val="110"/>
+  <p:tag name="TRANSPARENCY" val="Vero"/>
+  <p:tag name="FILENAME" val=""/>
+  <p:tag name="LATEXENGINEID" val="0"/>
+  <p:tag name="TEMPFOLDER" val="c:\temp\"/>
+  <p:tag name="LATEXFORMHEIGHT" val="312"/>
+  <p:tag name="LATEXFORMWIDTH" val="384"/>
+  <p:tag name="LATEXFORMWRAP" val="Vero"/>
+  <p:tag name="BITMAPVECTOR" val="0"/>
+</p:tagLst>
+</file>
+
+<file path=ppt/tags/tag40.xml><?xml version="1.0" encoding="utf-8"?>
+<p:tagLst xmlns:a="http://schemas.openxmlformats.org/drawingml/2006/main" xmlns:r="http://schemas.openxmlformats.org/officeDocument/2006/relationships" xmlns:p="http://schemas.openxmlformats.org/presentationml/2006/main">
+  <p:tag name="OUTPUTDPI" val="1200"/>
+  <p:tag name="ORIGINALHEIGHT" val="140,9824"/>
+  <p:tag name="ORIGINALWIDTH" val="1808,024"/>
+  <p:tag name="LATEXADDIN" val="\documentclass{article}&#10;\usepackage{amsmath}&#10;\pagestyle{empty}&#10;\begin{document}&#10;&#10; \[T(step1)=O(n) \times O(n)=O(n^2)\]&#10;&#10;&#10;\end{document}"/>
+  <p:tag name="IGUANATEXSIZE" val="20"/>
+  <p:tag name="IGUANATEXCURSOR" val="118"/>
+  <p:tag name="TRANSPARENCY" val="Vero"/>
+  <p:tag name="FILENAME" val=""/>
+  <p:tag name="LATEXENGINEID" val="0"/>
+  <p:tag name="TEMPFOLDER" val="c:\temp\"/>
+  <p:tag name="LATEXFORMHEIGHT" val="312"/>
+  <p:tag name="LATEXFORMWIDTH" val="384"/>
+  <p:tag name="LATEXFORMWRAP" val="Vero"/>
+  <p:tag name="BITMAPVECTOR" val="0"/>
+</p:tagLst>
+</file>
+
+<file path=ppt/tags/tag41.xml><?xml version="1.0" encoding="utf-8"?>
+<p:tagLst xmlns:a="http://schemas.openxmlformats.org/drawingml/2006/main" xmlns:r="http://schemas.openxmlformats.org/officeDocument/2006/relationships" xmlns:p="http://schemas.openxmlformats.org/presentationml/2006/main">
+  <p:tag name="OUTPUTDPI" val="1200"/>
+  <p:tag name="ORIGINALHEIGHT" val="125,2343"/>
+  <p:tag name="ORIGINALWIDTH" val="894,6382"/>
+  <p:tag name="LATEXADDIN" val="\documentclass{article}&#10;\usepackage{amsmath}&#10;\pagestyle{empty}&#10;\begin{document}&#10;&#10;\[T(step2)=O(n)\] &#10;&#10;&#10;\end{document}"/>
+  <p:tag name="IGUANATEXSIZE" val="20"/>
+  <p:tag name="IGUANATEXCURSOR" val="93"/>
+  <p:tag name="TRANSPARENCY" val="Vero"/>
+  <p:tag name="FILENAME" val=""/>
+  <p:tag name="LATEXENGINEID" val="0"/>
+  <p:tag name="TEMPFOLDER" val="c:\temp\"/>
+  <p:tag name="LATEXFORMHEIGHT" val="312"/>
+  <p:tag name="LATEXFORMWIDTH" val="384"/>
+  <p:tag name="LATEXFORMWRAP" val="Vero"/>
+  <p:tag name="BITMAPVECTOR" val="0"/>
+</p:tagLst>
+</file>
+
+<file path=ppt/tags/tag42.xml><?xml version="1.0" encoding="utf-8"?>
+<p:tagLst xmlns:a="http://schemas.openxmlformats.org/drawingml/2006/main" xmlns:r="http://schemas.openxmlformats.org/officeDocument/2006/relationships" xmlns:p="http://schemas.openxmlformats.org/presentationml/2006/main">
+  <p:tag name="OUTPUTDPI" val="1200"/>
+  <p:tag name="ORIGINALHEIGHT" val="140,9824"/>
+  <p:tag name="ORIGINALWIDTH" val="3805,774"/>
+  <p:tag name="LATEXADDIN" val="\documentclass{article}&#10;\usepackage{amsmath}&#10;\pagestyle{empty}&#10;\begin{document}&#10;&#10;&#10;\[T(NeighborJoining)=T(step1)+T(step2)=O(n^2)+O(n)=O(n^2)\]&#10;&#10;\end{document}"/>
+  <p:tag name="IGUANATEXSIZE" val="20"/>
+  <p:tag name="IGUANATEXCURSOR" val="120"/>
+  <p:tag name="TRANSPARENCY" val="Vero"/>
+  <p:tag name="FILENAME" val=""/>
+  <p:tag name="LATEXENGINEID" val="0"/>
+  <p:tag name="TEMPFOLDER" val="c:\temp\"/>
+  <p:tag name="LATEXFORMHEIGHT" val="312"/>
+  <p:tag name="LATEXFORMWIDTH" val="384"/>
+  <p:tag name="LATEXFORMWRAP" val="Vero"/>
+  <p:tag name="BITMAPVECTOR" val="0"/>
+</p:tagLst>
+</file>
+
+<file path=ppt/tags/tag43.xml><?xml version="1.0" encoding="utf-8"?>
+<p:tagLst xmlns:a="http://schemas.openxmlformats.org/drawingml/2006/main" xmlns:r="http://schemas.openxmlformats.org/officeDocument/2006/relationships" xmlns:p="http://schemas.openxmlformats.org/presentationml/2006/main">
+  <p:tag name="OUTPUTDPI" val="1200"/>
+  <p:tag name="ORIGINALHEIGHT" val="140,9824"/>
+  <p:tag name="ORIGINALWIDTH" val="2761,155"/>
+  <p:tag name="LATEXADDIN" val="\documentclass{article}&#10;\usepackage{amsmath}&#10;\pagestyle{empty}&#10;\begin{document}&#10;&#10;&#10;\[T(Totale)=T(NeighborJoining) \times O(n)= O(n^3)\]&#10;&#10;\end{document}"/>
+  <p:tag name="IGUANATEXSIZE" val="20"/>
+  <p:tag name="IGUANATEXCURSOR" val="132"/>
   <p:tag name="TRANSPARENCY" val="Vero"/>
   <p:tag name="FILENAME" val=""/>
   <p:tag name="LATEXENGINEID" val="0"/>

--- a/Discussione Laurea/Slides.pptx
+++ b/Discussione Laurea/Slides.pptx
@@ -5,10 +5,10 @@
     <p:sldMasterId id="2147483648" r:id="rId1"/>
   </p:sldMasterIdLst>
   <p:notesMasterIdLst>
-    <p:notesMasterId r:id="rId21"/>
+    <p:notesMasterId r:id="rId22"/>
   </p:notesMasterIdLst>
   <p:handoutMasterIdLst>
-    <p:handoutMasterId r:id="rId22"/>
+    <p:handoutMasterId r:id="rId23"/>
   </p:handoutMasterIdLst>
   <p:sldIdLst>
     <p:sldId id="256" r:id="rId2"/>
@@ -30,6 +30,7 @@
     <p:sldId id="276" r:id="rId18"/>
     <p:sldId id="277" r:id="rId19"/>
     <p:sldId id="278" r:id="rId20"/>
+    <p:sldId id="279" r:id="rId21"/>
   </p:sldIdLst>
   <p:sldSz cx="9144000" cy="6858000" type="screen4x3"/>
   <p:notesSz cx="6858000" cy="9144000"/>
@@ -1508,6 +1509,91 @@
     <p:extLst>
       <p:ext uri="{BB962C8B-B14F-4D97-AF65-F5344CB8AC3E}">
         <p14:creationId xmlns:p14="http://schemas.microsoft.com/office/powerpoint/2010/main" val="2919014423"/>
+      </p:ext>
+    </p:extLst>
+  </p:cSld>
+  <p:clrMapOvr>
+    <a:masterClrMapping/>
+  </p:clrMapOvr>
+</p:notes>
+</file>
+
+<file path=ppt/notesSlides/notesSlide19.xml><?xml version="1.0" encoding="utf-8"?>
+<p:notes xmlns:a="http://schemas.openxmlformats.org/drawingml/2006/main" xmlns:r="http://schemas.openxmlformats.org/officeDocument/2006/relationships" xmlns:p="http://schemas.openxmlformats.org/presentationml/2006/main">
+  <p:cSld>
+    <p:spTree>
+      <p:nvGrpSpPr>
+        <p:cNvPr id="1" name=""/>
+        <p:cNvGrpSpPr/>
+        <p:nvPr/>
+      </p:nvGrpSpPr>
+      <p:grpSpPr>
+        <a:xfrm>
+          <a:off x="0" y="0"/>
+          <a:ext cx="0" cy="0"/>
+          <a:chOff x="0" y="0"/>
+          <a:chExt cx="0" cy="0"/>
+        </a:xfrm>
+      </p:grpSpPr>
+      <p:sp>
+        <p:nvSpPr>
+          <p:cNvPr id="2" name="Segnaposto immagine diapositiva 1"/>
+          <p:cNvSpPr>
+            <a:spLocks noGrp="1" noRot="1" noChangeAspect="1"/>
+          </p:cNvSpPr>
+          <p:nvPr>
+            <p:ph type="sldImg"/>
+          </p:nvPr>
+        </p:nvSpPr>
+        <p:spPr/>
+      </p:sp>
+      <p:sp>
+        <p:nvSpPr>
+          <p:cNvPr id="3" name="Segnaposto note 2"/>
+          <p:cNvSpPr>
+            <a:spLocks noGrp="1"/>
+          </p:cNvSpPr>
+          <p:nvPr>
+            <p:ph type="body" idx="1"/>
+          </p:nvPr>
+        </p:nvSpPr>
+        <p:spPr/>
+        <p:txBody>
+          <a:bodyPr/>
+          <a:lstStyle/>
+          <a:p>
+            <a:endParaRPr lang="it-IT"/>
+          </a:p>
+        </p:txBody>
+      </p:sp>
+      <p:sp>
+        <p:nvSpPr>
+          <p:cNvPr id="4" name="Segnaposto numero diapositiva 3"/>
+          <p:cNvSpPr>
+            <a:spLocks noGrp="1"/>
+          </p:cNvSpPr>
+          <p:nvPr>
+            <p:ph type="sldNum" sz="quarter" idx="10"/>
+          </p:nvPr>
+        </p:nvSpPr>
+        <p:spPr/>
+        <p:txBody>
+          <a:bodyPr/>
+          <a:lstStyle/>
+          <a:p>
+            <a:fld id="{96986711-015B-0142-88C4-65D50E44FA77}" type="slidenum">
+              <a:rPr lang="it-IT" smtClean="0"/>
+              <a:pPr/>
+              <a:t>20</a:t>
+            </a:fld>
+            <a:endParaRPr lang="it-IT"/>
+          </a:p>
+        </p:txBody>
+      </p:sp>
+    </p:spTree>
+    <p:extLst>
+      <p:ext uri="{BB962C8B-B14F-4D97-AF65-F5344CB8AC3E}">
+        <p14:creationId xmlns:p14="http://schemas.microsoft.com/office/powerpoint/2010/main" val="1192801064"/>
       </p:ext>
     </p:extLst>
   </p:cSld>
@@ -14805,9 +14891,9 @@
           <p:nvPr/>
         </p:nvCxnSpPr>
         <p:spPr>
-          <a:xfrm flipV="1">
-            <a:off x="436880" y="3774337"/>
-            <a:ext cx="8098883" cy="60960"/>
+          <a:xfrm>
+            <a:off x="436880" y="3835297"/>
+            <a:ext cx="8098883" cy="0"/>
           </a:xfrm>
           <a:prstGeom prst="line">
             <a:avLst/>
@@ -16169,9 +16255,9 @@
           <p:nvPr/>
         </p:nvCxnSpPr>
         <p:spPr>
-          <a:xfrm flipV="1">
-            <a:off x="436880" y="3774337"/>
-            <a:ext cx="8098883" cy="60960"/>
+          <a:xfrm>
+            <a:off x="436880" y="3835297"/>
+            <a:ext cx="8098883" cy="0"/>
           </a:xfrm>
           <a:prstGeom prst="line">
             <a:avLst/>
@@ -17183,7 +17269,7 @@
             <p:spPr>
               <a:xfrm>
                 <a:off x="-2" y="1496338"/>
-                <a:ext cx="9143817" cy="1169551"/>
+                <a:ext cx="9143817" cy="1600438"/>
               </a:xfrm>
               <a:prstGeom prst="rect">
                 <a:avLst/>
@@ -17293,6 +17379,34 @@
                   <a:rPr lang="it-IT" sz="1400" dirty="0">
                     <a:latin typeface="Arial" panose="020B0604020202020204" pitchFamily="34" charset="0"/>
                     <a:cs typeface="Arial" panose="020B0604020202020204" pitchFamily="34" charset="0"/>
+                    <a:sym typeface="Wingdings" panose="05000000000000000000" pitchFamily="2" charset="2"/>
+                  </a:rPr>
+                  <a:t>Ogni vertice ha associato un numero non negativo  età del vertice;</a:t>
+                </a:r>
+              </a:p>
+              <a:p>
+                <a:pPr marL="285750" indent="-285750">
+                  <a:buFont typeface="Arial" panose="020B0604020202020204" pitchFamily="34" charset="0"/>
+                  <a:buChar char="•"/>
+                </a:pPr>
+                <a:r>
+                  <a:rPr lang="it-IT" sz="1400" dirty="0">
+                    <a:latin typeface="Arial" panose="020B0604020202020204" pitchFamily="34" charset="0"/>
+                    <a:cs typeface="Arial" panose="020B0604020202020204" pitchFamily="34" charset="0"/>
+                    <a:sym typeface="Wingdings" panose="05000000000000000000" pitchFamily="2" charset="2"/>
+                  </a:rPr>
+                  <a:t>Peso degli archi  differenza tra le età dei nodi;</a:t>
+                </a:r>
+              </a:p>
+              <a:p>
+                <a:pPr marL="285750" indent="-285750">
+                  <a:buFont typeface="Arial" panose="020B0604020202020204" pitchFamily="34" charset="0"/>
+                  <a:buChar char="•"/>
+                </a:pPr>
+                <a:r>
+                  <a:rPr lang="it-IT" sz="1400" dirty="0">
+                    <a:latin typeface="Arial" panose="020B0604020202020204" pitchFamily="34" charset="0"/>
+                    <a:cs typeface="Arial" panose="020B0604020202020204" pitchFamily="34" charset="0"/>
                   </a:rPr>
                   <a:t>Foglie </a:t>
                 </a:r>
@@ -17340,7 +17454,7 @@
             <p:spPr>
               <a:xfrm>
                 <a:off x="-2" y="1496338"/>
-                <a:ext cx="9143817" cy="1169551"/>
+                <a:ext cx="9143817" cy="1600438"/>
               </a:xfrm>
               <a:prstGeom prst="rect">
                 <a:avLst/>
@@ -17348,7 +17462,7 @@
               <a:blipFill>
                 <a:blip r:embed="rId4"/>
                 <a:stretch>
-                  <a:fillRect l="-200" t="-521" b="-4688"/>
+                  <a:fillRect l="-200" t="-380" b="-3042"/>
                 </a:stretch>
               </a:blipFill>
             </p:spPr>
@@ -17389,7 +17503,7 @@
         </p:blipFill>
         <p:spPr>
           <a:xfrm>
-            <a:off x="2124727" y="2841373"/>
+            <a:off x="2115849" y="4341701"/>
             <a:ext cx="2806686" cy="1472095"/>
           </a:xfrm>
           <a:prstGeom prst="rect">
@@ -17411,7 +17525,7 @@
         </p:nvSpPr>
         <p:spPr>
           <a:xfrm>
-            <a:off x="18850" y="3480231"/>
+            <a:off x="9972" y="4980559"/>
             <a:ext cx="1512101" cy="523220"/>
           </a:xfrm>
           <a:prstGeom prst="rect">
@@ -17451,7 +17565,7 @@
         </p:nvCxnSpPr>
         <p:spPr>
           <a:xfrm>
-            <a:off x="1563302" y="3741875"/>
+            <a:off x="1554424" y="5242203"/>
             <a:ext cx="450249" cy="0"/>
           </a:xfrm>
           <a:prstGeom prst="straightConnector1">
@@ -17491,9 +17605,9 @@
           <p:nvPr/>
         </p:nvCxnSpPr>
         <p:spPr>
-          <a:xfrm flipV="1">
-            <a:off x="436880" y="2723151"/>
-            <a:ext cx="8098883" cy="60960"/>
+          <a:xfrm>
+            <a:off x="361303" y="3693878"/>
+            <a:ext cx="8174460" cy="6622"/>
           </a:xfrm>
           <a:prstGeom prst="line">
             <a:avLst/>
@@ -17530,7 +17644,7 @@
             </p:nvSpPr>
             <p:spPr>
               <a:xfrm>
-                <a:off x="5539466" y="2916150"/>
+                <a:off x="5530588" y="4416478"/>
                 <a:ext cx="3604349" cy="523220"/>
               </a:xfrm>
               <a:prstGeom prst="rect">
@@ -17612,7 +17726,7 @@
             </p:nvSpPr>
             <p:spPr>
               <a:xfrm>
-                <a:off x="5539466" y="2916150"/>
+                <a:off x="5530588" y="4416478"/>
                 <a:ext cx="3604349" cy="523220"/>
               </a:xfrm>
               <a:prstGeom prst="rect">
@@ -17621,7 +17735,7 @@
               <a:blipFill>
                 <a:blip r:embed="rId6"/>
                 <a:stretch>
-                  <a:fillRect l="-338" t="-1163" b="-11628"/>
+                  <a:fillRect l="-169" t="-1163" b="-11628"/>
                 </a:stretch>
               </a:blipFill>
             </p:spPr>
@@ -17657,7 +17771,7 @@
         </p:nvCxnSpPr>
         <p:spPr>
           <a:xfrm flipV="1">
-            <a:off x="4931413" y="3177760"/>
+            <a:off x="4922535" y="4678088"/>
             <a:ext cx="608053" cy="564115"/>
           </a:xfrm>
           <a:prstGeom prst="bentConnector3">
@@ -17706,7 +17820,7 @@
         </p:blipFill>
         <p:spPr>
           <a:xfrm>
-            <a:off x="6080416" y="3946057"/>
+            <a:off x="6071538" y="5446385"/>
             <a:ext cx="3035807" cy="327956"/>
           </a:xfrm>
           <a:prstGeom prst="rect">
@@ -17730,7 +17844,7 @@
         </p:nvCxnSpPr>
         <p:spPr>
           <a:xfrm>
-            <a:off x="7598319" y="3439370"/>
+            <a:off x="7589441" y="4939698"/>
             <a:ext cx="1" cy="506687"/>
           </a:xfrm>
           <a:prstGeom prst="straightConnector1">
@@ -17755,14 +17869,992 @@
           </a:fontRef>
         </p:style>
       </p:cxnSp>
+    </p:spTree>
+    <p:extLst>
+      <p:ext uri="{BB962C8B-B14F-4D97-AF65-F5344CB8AC3E}">
+        <p14:creationId xmlns:p14="http://schemas.microsoft.com/office/powerpoint/2010/main" val="1001681238"/>
+      </p:ext>
+    </p:extLst>
+  </p:cSld>
+  <p:clrMapOvr>
+    <a:masterClrMapping/>
+  </p:clrMapOvr>
+</p:sld>
+</file>
+
+<file path=ppt/slides/slide2.xml><?xml version="1.0" encoding="utf-8"?>
+<p:sld xmlns:a="http://schemas.openxmlformats.org/drawingml/2006/main" xmlns:r="http://schemas.openxmlformats.org/officeDocument/2006/relationships" xmlns:p="http://schemas.openxmlformats.org/presentationml/2006/main">
+  <p:cSld>
+    <p:spTree>
+      <p:nvGrpSpPr>
+        <p:cNvPr id="1" name=""/>
+        <p:cNvGrpSpPr/>
+        <p:nvPr/>
+      </p:nvGrpSpPr>
+      <p:grpSpPr>
+        <a:xfrm>
+          <a:off x="0" y="0"/>
+          <a:ext cx="0" cy="0"/>
+          <a:chOff x="0" y="0"/>
+          <a:chExt cx="0" cy="0"/>
+        </a:xfrm>
+      </p:grpSpPr>
+      <p:pic>
+        <p:nvPicPr>
+          <p:cNvPr id="2" name="Immagine 1"/>
+          <p:cNvPicPr>
+            <a:picLocks noChangeAspect="1"/>
+          </p:cNvPicPr>
+          <p:nvPr/>
+        </p:nvPicPr>
+        <p:blipFill>
+          <a:blip r:embed="rId3"/>
+          <a:stretch>
+            <a:fillRect/>
+          </a:stretch>
+        </p:blipFill>
+        <p:spPr>
+          <a:xfrm>
+            <a:off x="-183" y="3123"/>
+            <a:ext cx="9144000" cy="6872633"/>
+          </a:xfrm>
+          <a:prstGeom prst="rect">
+            <a:avLst/>
+          </a:prstGeom>
+        </p:spPr>
+      </p:pic>
+      <p:sp>
+        <p:nvSpPr>
+          <p:cNvPr id="7" name="CasellaDiTesto 6"/>
+          <p:cNvSpPr txBox="1"/>
+          <p:nvPr/>
+        </p:nvSpPr>
+        <p:spPr>
+          <a:xfrm>
+            <a:off x="9061" y="649703"/>
+            <a:ext cx="4663050" cy="461665"/>
+          </a:xfrm>
+          <a:prstGeom prst="rect">
+            <a:avLst/>
+          </a:prstGeom>
+          <a:noFill/>
+        </p:spPr>
+        <p:txBody>
+          <a:bodyPr wrap="square" rtlCol="0">
+            <a:spAutoFit/>
+          </a:bodyPr>
+          <a:lstStyle/>
+          <a:p>
+            <a:r>
+              <a:rPr lang="it-IT" sz="2400" b="1" dirty="0">
+                <a:solidFill>
+                  <a:schemeClr val="accent1">
+                    <a:lumMod val="75000"/>
+                  </a:schemeClr>
+                </a:solidFill>
+                <a:latin typeface="Arial"/>
+                <a:cs typeface="Arial"/>
+              </a:rPr>
+              <a:t>Concetti base di biologia</a:t>
+            </a:r>
+          </a:p>
+        </p:txBody>
+      </p:sp>
+      <p:sp>
+        <p:nvSpPr>
+          <p:cNvPr id="8" name="CasellaDiTesto 7"/>
+          <p:cNvSpPr txBox="1"/>
+          <p:nvPr/>
+        </p:nvSpPr>
+        <p:spPr>
+          <a:xfrm>
+            <a:off x="9061" y="1085353"/>
+            <a:ext cx="3660041" cy="369332"/>
+          </a:xfrm>
+          <a:prstGeom prst="rect">
+            <a:avLst/>
+          </a:prstGeom>
+          <a:noFill/>
+        </p:spPr>
+        <p:txBody>
+          <a:bodyPr wrap="square" rtlCol="0">
+            <a:spAutoFit/>
+          </a:bodyPr>
+          <a:lstStyle/>
+          <a:p>
+            <a:r>
+              <a:rPr lang="it-IT" i="1" dirty="0">
+                <a:latin typeface="Arial"/>
+                <a:cs typeface="Arial"/>
+              </a:rPr>
+              <a:t>DNA ed allineamento di sequenze</a:t>
+            </a:r>
+          </a:p>
+        </p:txBody>
+      </p:sp>
+      <p:sp>
+        <p:nvSpPr>
+          <p:cNvPr id="9" name="CasellaDiTesto 8"/>
+          <p:cNvSpPr txBox="1"/>
+          <p:nvPr/>
+        </p:nvSpPr>
+        <p:spPr>
+          <a:xfrm>
+            <a:off x="9061" y="1649996"/>
+            <a:ext cx="9134939" cy="307777"/>
+          </a:xfrm>
+          <a:prstGeom prst="rect">
+            <a:avLst/>
+          </a:prstGeom>
+          <a:noFill/>
+        </p:spPr>
+        <p:txBody>
+          <a:bodyPr wrap="square" rtlCol="0">
+            <a:spAutoFit/>
+          </a:bodyPr>
+          <a:lstStyle/>
+          <a:p>
+            <a:r>
+              <a:rPr lang="it-IT" sz="1400" dirty="0">
+                <a:latin typeface="Arial" panose="020B0604020202020204" pitchFamily="34" charset="0"/>
+                <a:cs typeface="Arial" panose="020B0604020202020204" pitchFamily="34" charset="0"/>
+              </a:rPr>
+              <a:t>Il </a:t>
+            </a:r>
+            <a:r>
+              <a:rPr lang="it-IT" sz="1400" b="1" dirty="0">
+                <a:latin typeface="Arial" panose="020B0604020202020204" pitchFamily="34" charset="0"/>
+                <a:cs typeface="Arial" panose="020B0604020202020204" pitchFamily="34" charset="0"/>
+              </a:rPr>
+              <a:t>DNA</a:t>
+            </a:r>
+            <a:r>
+              <a:rPr lang="it-IT" sz="1400" dirty="0">
+                <a:latin typeface="Arial" panose="020B0604020202020204" pitchFamily="34" charset="0"/>
+                <a:cs typeface="Arial" panose="020B0604020202020204" pitchFamily="34" charset="0"/>
+              </a:rPr>
+              <a:t> o </a:t>
+            </a:r>
+            <a:r>
+              <a:rPr lang="it-IT" sz="1400" b="1" dirty="0">
+                <a:latin typeface="Arial" panose="020B0604020202020204" pitchFamily="34" charset="0"/>
+                <a:cs typeface="Arial" panose="020B0604020202020204" pitchFamily="34" charset="0"/>
+              </a:rPr>
+              <a:t>acido desossiribonucleico </a:t>
+            </a:r>
+            <a:r>
+              <a:rPr lang="it-IT" sz="1400" dirty="0">
+                <a:latin typeface="Arial" panose="020B0604020202020204" pitchFamily="34" charset="0"/>
+                <a:cs typeface="Arial" panose="020B0604020202020204" pitchFamily="34" charset="0"/>
+              </a:rPr>
+              <a:t>è una macromolecola contenente il patrimonio genetico degli esseri viventi.</a:t>
+            </a:r>
+          </a:p>
+        </p:txBody>
+      </p:sp>
+      <p:sp>
+        <p:nvSpPr>
+          <p:cNvPr id="12" name="Rettangolo 11"/>
+          <p:cNvSpPr/>
+          <p:nvPr/>
+        </p:nvSpPr>
+        <p:spPr>
+          <a:xfrm>
+            <a:off x="8255000" y="6366466"/>
+            <a:ext cx="280763" cy="501650"/>
+          </a:xfrm>
+          <a:prstGeom prst="rect">
+            <a:avLst/>
+          </a:prstGeom>
+          <a:solidFill>
+            <a:srgbClr val="003053"/>
+          </a:solidFill>
+        </p:spPr>
+        <p:style>
+          <a:lnRef idx="1">
+            <a:schemeClr val="accent1"/>
+          </a:lnRef>
+          <a:fillRef idx="3">
+            <a:schemeClr val="accent1"/>
+          </a:fillRef>
+          <a:effectRef idx="2">
+            <a:schemeClr val="accent1"/>
+          </a:effectRef>
+          <a:fontRef idx="minor">
+            <a:schemeClr val="lt1"/>
+          </a:fontRef>
+        </p:style>
+        <p:txBody>
+          <a:bodyPr rtlCol="0" anchor="ctr"/>
+          <a:lstStyle/>
+          <a:p>
+            <a:pPr algn="ctr"/>
+            <a:endParaRPr lang="it-IT">
+              <a:solidFill>
+                <a:srgbClr val="003257"/>
+              </a:solidFill>
+            </a:endParaRPr>
+          </a:p>
+        </p:txBody>
+      </p:sp>
+      <p:sp>
+        <p:nvSpPr>
+          <p:cNvPr id="11" name="Segnaposto numero diapositiva 10"/>
+          <p:cNvSpPr>
+            <a:spLocks noGrp="1"/>
+          </p:cNvSpPr>
+          <p:nvPr>
+            <p:ph type="sldNum" sz="quarter" idx="12"/>
+          </p:nvPr>
+        </p:nvSpPr>
+        <p:spPr>
+          <a:xfrm>
+            <a:off x="6402163" y="6356350"/>
+            <a:ext cx="2133600" cy="365125"/>
+          </a:xfrm>
+        </p:spPr>
+        <p:txBody>
+          <a:bodyPr/>
+          <a:lstStyle/>
+          <a:p>
+            <a:fld id="{8EB8520A-26EA-DE4B-B141-4532FC98FF0E}" type="slidenum">
+              <a:rPr lang="it-IT" b="1" smtClean="0">
+                <a:solidFill>
+                  <a:schemeClr val="bg1"/>
+                </a:solidFill>
+                <a:latin typeface="Arial"/>
+                <a:cs typeface="Arial"/>
+              </a:rPr>
+              <a:pPr/>
+              <a:t>2</a:t>
+            </a:fld>
+            <a:endParaRPr lang="it-IT" b="1" dirty="0">
+              <a:solidFill>
+                <a:schemeClr val="bg1"/>
+              </a:solidFill>
+              <a:latin typeface="Arial"/>
+              <a:cs typeface="Arial"/>
+            </a:endParaRPr>
+          </a:p>
+        </p:txBody>
+      </p:sp>
+      <p:sp>
+        <p:nvSpPr>
+          <p:cNvPr id="10" name="CasellaDiTesto 9"/>
+          <p:cNvSpPr txBox="1"/>
+          <p:nvPr/>
+        </p:nvSpPr>
+        <p:spPr>
+          <a:xfrm>
+            <a:off x="5735951" y="51433"/>
+            <a:ext cx="2957862" cy="215444"/>
+          </a:xfrm>
+          <a:prstGeom prst="rect">
+            <a:avLst/>
+          </a:prstGeom>
+          <a:noFill/>
+        </p:spPr>
+        <p:txBody>
+          <a:bodyPr wrap="none" rtlCol="0">
+            <a:spAutoFit/>
+          </a:bodyPr>
+          <a:lstStyle/>
+          <a:p>
+            <a:pPr algn="r"/>
+            <a:r>
+              <a:rPr lang="it-IT" sz="800" b="1" dirty="0">
+                <a:solidFill>
+                  <a:schemeClr val="bg1"/>
+                </a:solidFill>
+                <a:latin typeface="Arial"/>
+                <a:cs typeface="Arial"/>
+              </a:rPr>
+              <a:t>Applicazioni dell’algoritmica alla biologia: alberi evolutivi</a:t>
+            </a:r>
+          </a:p>
+        </p:txBody>
+      </p:sp>
+      <p:sp>
+        <p:nvSpPr>
+          <p:cNvPr id="14" name="CasellaDiTesto 13"/>
+          <p:cNvSpPr txBox="1"/>
+          <p:nvPr/>
+        </p:nvSpPr>
+        <p:spPr>
+          <a:xfrm>
+            <a:off x="7082015" y="403482"/>
+            <a:ext cx="1621846" cy="492443"/>
+          </a:xfrm>
+          <a:prstGeom prst="rect">
+            <a:avLst/>
+          </a:prstGeom>
+          <a:noFill/>
+        </p:spPr>
+        <p:txBody>
+          <a:bodyPr wrap="none" rtlCol="0">
+            <a:spAutoFit/>
+          </a:bodyPr>
+          <a:lstStyle/>
+          <a:p>
+            <a:pPr algn="r"/>
+            <a:r>
+              <a:rPr lang="it-IT" sz="800" dirty="0">
+                <a:solidFill>
+                  <a:schemeClr val="bg1"/>
+                </a:solidFill>
+                <a:latin typeface="Arial"/>
+                <a:cs typeface="Arial"/>
+              </a:rPr>
+              <a:t>Firenze, 12 luglio 2019</a:t>
+            </a:r>
+          </a:p>
+          <a:p>
+            <a:endParaRPr lang="it-IT" dirty="0"/>
+          </a:p>
+        </p:txBody>
+      </p:sp>
+      <p:sp>
+        <p:nvSpPr>
+          <p:cNvPr id="16" name="CasellaDiTesto 15">
+            <a:extLst>
+              <a:ext uri="{FF2B5EF4-FFF2-40B4-BE49-F238E27FC236}">
+                <a16:creationId xmlns:a16="http://schemas.microsoft.com/office/drawing/2014/main" id="{81755A96-1207-43B6-AFD7-F017181F64BC}"/>
+              </a:ext>
+            </a:extLst>
+          </p:cNvPr>
+          <p:cNvSpPr txBox="1"/>
+          <p:nvPr/>
+        </p:nvSpPr>
+        <p:spPr>
+          <a:xfrm>
+            <a:off x="5376004" y="2064733"/>
+            <a:ext cx="3412021" cy="523220"/>
+          </a:xfrm>
+          <a:prstGeom prst="rect">
+            <a:avLst/>
+          </a:prstGeom>
+          <a:noFill/>
+        </p:spPr>
+        <p:txBody>
+          <a:bodyPr wrap="square" rtlCol="0">
+            <a:spAutoFit/>
+          </a:bodyPr>
+          <a:lstStyle/>
+          <a:p>
+            <a:pPr marL="285750" indent="-285750">
+              <a:buFont typeface="Arial" panose="020B0604020202020204" pitchFamily="34" charset="0"/>
+              <a:buChar char="•"/>
+            </a:pPr>
+            <a:r>
+              <a:rPr lang="it-IT" sz="1400" dirty="0">
+                <a:latin typeface="Arial" panose="020B0604020202020204" pitchFamily="34" charset="0"/>
+                <a:cs typeface="Arial" panose="020B0604020202020204" pitchFamily="34" charset="0"/>
+              </a:rPr>
+              <a:t>Struttura a doppia elica di lunghezza variabile</a:t>
+            </a:r>
+          </a:p>
+        </p:txBody>
+      </p:sp>
+      <p:pic>
+        <p:nvPicPr>
+          <p:cNvPr id="19" name="Immagine 18">
+            <a:extLst>
+              <a:ext uri="{FF2B5EF4-FFF2-40B4-BE49-F238E27FC236}">
+                <a16:creationId xmlns:a16="http://schemas.microsoft.com/office/drawing/2014/main" id="{4086DA60-4C7B-4433-A1C6-40EB2BC942EE}"/>
+              </a:ext>
+            </a:extLst>
+          </p:cNvPr>
+          <p:cNvPicPr>
+            <a:picLocks noChangeAspect="1"/>
+          </p:cNvPicPr>
+          <p:nvPr/>
+        </p:nvPicPr>
+        <p:blipFill rotWithShape="1">
+          <a:blip r:embed="rId4"/>
+          <a:srcRect t="57195"/>
+          <a:stretch/>
+        </p:blipFill>
+        <p:spPr>
+          <a:xfrm>
+            <a:off x="9061" y="1957773"/>
+            <a:ext cx="5203627" cy="1250740"/>
+          </a:xfrm>
+          <a:prstGeom prst="rect">
+            <a:avLst/>
+          </a:prstGeom>
+        </p:spPr>
+      </p:pic>
+      <p:sp>
+        <p:nvSpPr>
+          <p:cNvPr id="21" name="CasellaDiTesto 20">
+            <a:extLst>
+              <a:ext uri="{FF2B5EF4-FFF2-40B4-BE49-F238E27FC236}">
+                <a16:creationId xmlns:a16="http://schemas.microsoft.com/office/drawing/2014/main" id="{E87CB79F-8F8C-43DB-B9CB-998010991571}"/>
+              </a:ext>
+            </a:extLst>
+          </p:cNvPr>
+          <p:cNvSpPr txBox="1"/>
+          <p:nvPr/>
+        </p:nvSpPr>
+        <p:spPr>
+          <a:xfrm>
+            <a:off x="5376004" y="2525151"/>
+            <a:ext cx="3412021" cy="1169551"/>
+          </a:xfrm>
+          <a:prstGeom prst="rect">
+            <a:avLst/>
+          </a:prstGeom>
+          <a:noFill/>
+        </p:spPr>
+        <p:txBody>
+          <a:bodyPr wrap="square" rtlCol="0">
+            <a:spAutoFit/>
+          </a:bodyPr>
+          <a:lstStyle/>
+          <a:p>
+            <a:pPr marL="285750" indent="-285750">
+              <a:buFont typeface="Arial" panose="020B0604020202020204" pitchFamily="34" charset="0"/>
+              <a:buChar char="•"/>
+            </a:pPr>
+            <a:r>
+              <a:rPr lang="it-IT" sz="1400" dirty="0">
+                <a:latin typeface="Arial" panose="020B0604020202020204" pitchFamily="34" charset="0"/>
+                <a:cs typeface="Arial" panose="020B0604020202020204" pitchFamily="34" charset="0"/>
+              </a:rPr>
+              <a:t>4 tipi di basi azotate:</a:t>
+            </a:r>
+          </a:p>
+          <a:p>
+            <a:pPr marL="742950" lvl="1" indent="-285750">
+              <a:buFont typeface="Arial" panose="020B0604020202020204" pitchFamily="34" charset="0"/>
+              <a:buChar char="•"/>
+            </a:pPr>
+            <a:r>
+              <a:rPr lang="it-IT" sz="1400" dirty="0">
+                <a:latin typeface="Arial" panose="020B0604020202020204" pitchFamily="34" charset="0"/>
+                <a:cs typeface="Arial" panose="020B0604020202020204" pitchFamily="34" charset="0"/>
+              </a:rPr>
+              <a:t>Timina (T)</a:t>
+            </a:r>
+          </a:p>
+          <a:p>
+            <a:pPr marL="742950" lvl="1" indent="-285750">
+              <a:buFont typeface="Arial" panose="020B0604020202020204" pitchFamily="34" charset="0"/>
+              <a:buChar char="•"/>
+            </a:pPr>
+            <a:r>
+              <a:rPr lang="it-IT" sz="1400" dirty="0">
+                <a:latin typeface="Arial" panose="020B0604020202020204" pitchFamily="34" charset="0"/>
+                <a:cs typeface="Arial" panose="020B0604020202020204" pitchFamily="34" charset="0"/>
+              </a:rPr>
+              <a:t>Adenina (A)</a:t>
+            </a:r>
+          </a:p>
+          <a:p>
+            <a:pPr marL="742950" lvl="1" indent="-285750">
+              <a:buFont typeface="Arial" panose="020B0604020202020204" pitchFamily="34" charset="0"/>
+              <a:buChar char="•"/>
+            </a:pPr>
+            <a:r>
+              <a:rPr lang="it-IT" sz="1400" dirty="0">
+                <a:latin typeface="Arial" panose="020B0604020202020204" pitchFamily="34" charset="0"/>
+                <a:cs typeface="Arial" panose="020B0604020202020204" pitchFamily="34" charset="0"/>
+              </a:rPr>
+              <a:t>Guanina (G)</a:t>
+            </a:r>
+          </a:p>
+          <a:p>
+            <a:pPr marL="742950" lvl="1" indent="-285750">
+              <a:buFont typeface="Arial" panose="020B0604020202020204" pitchFamily="34" charset="0"/>
+              <a:buChar char="•"/>
+            </a:pPr>
+            <a:r>
+              <a:rPr lang="it-IT" sz="1400" dirty="0">
+                <a:latin typeface="Arial" panose="020B0604020202020204" pitchFamily="34" charset="0"/>
+                <a:cs typeface="Arial" panose="020B0604020202020204" pitchFamily="34" charset="0"/>
+              </a:rPr>
+              <a:t>Citosina (C)</a:t>
+            </a:r>
+          </a:p>
+        </p:txBody>
+      </p:sp>
+      <p:sp>
+        <p:nvSpPr>
+          <p:cNvPr id="22" name="CasellaDiTesto 21">
+            <a:extLst>
+              <a:ext uri="{FF2B5EF4-FFF2-40B4-BE49-F238E27FC236}">
+                <a16:creationId xmlns:a16="http://schemas.microsoft.com/office/drawing/2014/main" id="{89D3F274-A700-4B6F-907B-2CAD85377F28}"/>
+              </a:ext>
+            </a:extLst>
+          </p:cNvPr>
+          <p:cNvSpPr txBox="1"/>
+          <p:nvPr/>
+        </p:nvSpPr>
+        <p:spPr>
+          <a:xfrm>
+            <a:off x="1790498" y="5587540"/>
+            <a:ext cx="2974019" cy="307777"/>
+          </a:xfrm>
+          <a:prstGeom prst="rect">
+            <a:avLst/>
+          </a:prstGeom>
+          <a:noFill/>
+        </p:spPr>
+        <p:txBody>
+          <a:bodyPr wrap="square" rtlCol="0">
+            <a:spAutoFit/>
+          </a:bodyPr>
+          <a:lstStyle/>
+          <a:p>
+            <a:r>
+              <a:rPr lang="it-IT" sz="1400" dirty="0">
+                <a:latin typeface="Arial" panose="020B0604020202020204" pitchFamily="34" charset="0"/>
+                <a:cs typeface="Arial" panose="020B0604020202020204" pitchFamily="34" charset="0"/>
+              </a:rPr>
+              <a:t>Esempio di una sequenza di DNA</a:t>
+            </a:r>
+          </a:p>
+        </p:txBody>
+      </p:sp>
+      <p:sp>
+        <p:nvSpPr>
+          <p:cNvPr id="24" name="CasellaDiTesto 23">
+            <a:extLst>
+              <a:ext uri="{FF2B5EF4-FFF2-40B4-BE49-F238E27FC236}">
+                <a16:creationId xmlns:a16="http://schemas.microsoft.com/office/drawing/2014/main" id="{5644040A-8CC9-4D53-AD0F-F87742495383}"/>
+              </a:ext>
+            </a:extLst>
+          </p:cNvPr>
+          <p:cNvSpPr txBox="1"/>
+          <p:nvPr/>
+        </p:nvSpPr>
+        <p:spPr>
+          <a:xfrm>
+            <a:off x="5615326" y="5581636"/>
+            <a:ext cx="1387860" cy="307777"/>
+          </a:xfrm>
+          <a:prstGeom prst="rect">
+            <a:avLst/>
+          </a:prstGeom>
+          <a:noFill/>
+        </p:spPr>
+        <p:txBody>
+          <a:bodyPr wrap="square" rtlCol="0">
+            <a:spAutoFit/>
+          </a:bodyPr>
+          <a:lstStyle/>
+          <a:p>
+            <a:r>
+              <a:rPr lang="it-IT" sz="1400" dirty="0">
+                <a:latin typeface="Arial" panose="020B0604020202020204" pitchFamily="34" charset="0"/>
+                <a:cs typeface="Arial" panose="020B0604020202020204" pitchFamily="34" charset="0"/>
+              </a:rPr>
+              <a:t>ATGTAAGACT</a:t>
+            </a:r>
+          </a:p>
+        </p:txBody>
+      </p:sp>
+      <p:sp>
+        <p:nvSpPr>
+          <p:cNvPr id="25" name="CasellaDiTesto 24">
+            <a:extLst>
+              <a:ext uri="{FF2B5EF4-FFF2-40B4-BE49-F238E27FC236}">
+                <a16:creationId xmlns:a16="http://schemas.microsoft.com/office/drawing/2014/main" id="{3070D16C-A28B-45DB-B756-1AADA56E1860}"/>
+              </a:ext>
+            </a:extLst>
+          </p:cNvPr>
+          <p:cNvSpPr txBox="1"/>
+          <p:nvPr/>
+        </p:nvSpPr>
+        <p:spPr>
+          <a:xfrm>
+            <a:off x="-9061" y="4636273"/>
+            <a:ext cx="9134939" cy="307777"/>
+          </a:xfrm>
+          <a:prstGeom prst="rect">
+            <a:avLst/>
+          </a:prstGeom>
+          <a:noFill/>
+        </p:spPr>
+        <p:txBody>
+          <a:bodyPr wrap="square" rtlCol="0">
+            <a:spAutoFit/>
+          </a:bodyPr>
+          <a:lstStyle/>
+          <a:p>
+            <a:pPr algn="ctr"/>
+            <a:r>
+              <a:rPr lang="it-IT" sz="1400" dirty="0">
+                <a:latin typeface="Arial" panose="020B0604020202020204" pitchFamily="34" charset="0"/>
+                <a:cs typeface="Arial" panose="020B0604020202020204" pitchFamily="34" charset="0"/>
+              </a:rPr>
+              <a:t>Una successione di basi azotate prende il nome di </a:t>
+            </a:r>
+            <a:r>
+              <a:rPr lang="it-IT" sz="1400" b="1" dirty="0">
+                <a:latin typeface="Arial" panose="020B0604020202020204" pitchFamily="34" charset="0"/>
+                <a:cs typeface="Arial" panose="020B0604020202020204" pitchFamily="34" charset="0"/>
+              </a:rPr>
+              <a:t>sequenza</a:t>
+            </a:r>
+            <a:r>
+              <a:rPr lang="it-IT" sz="1400" dirty="0">
+                <a:latin typeface="Arial" panose="020B0604020202020204" pitchFamily="34" charset="0"/>
+                <a:cs typeface="Arial" panose="020B0604020202020204" pitchFamily="34" charset="0"/>
+              </a:rPr>
+              <a:t>.</a:t>
+            </a:r>
+          </a:p>
+        </p:txBody>
+      </p:sp>
+      <p:cxnSp>
+        <p:nvCxnSpPr>
+          <p:cNvPr id="4" name="Connettore 2 3">
+            <a:extLst>
+              <a:ext uri="{FF2B5EF4-FFF2-40B4-BE49-F238E27FC236}">
+                <a16:creationId xmlns:a16="http://schemas.microsoft.com/office/drawing/2014/main" id="{D5E82E6B-B26A-4DEB-8D40-07A73DBE6567}"/>
+              </a:ext>
+            </a:extLst>
+          </p:cNvPr>
+          <p:cNvCxnSpPr>
+            <a:cxnSpLocks/>
+          </p:cNvCxnSpPr>
+          <p:nvPr/>
+        </p:nvCxnSpPr>
+        <p:spPr>
+          <a:xfrm flipV="1">
+            <a:off x="4691362" y="5735525"/>
+            <a:ext cx="850809" cy="5904"/>
+          </a:xfrm>
+          <a:prstGeom prst="straightConnector1">
+            <a:avLst/>
+          </a:prstGeom>
+          <a:ln>
+            <a:tailEnd type="triangle"/>
+          </a:ln>
+        </p:spPr>
+        <p:style>
+          <a:lnRef idx="2">
+            <a:schemeClr val="accent1"/>
+          </a:lnRef>
+          <a:fillRef idx="0">
+            <a:schemeClr val="accent1"/>
+          </a:fillRef>
+          <a:effectRef idx="1">
+            <a:schemeClr val="accent1"/>
+          </a:effectRef>
+          <a:fontRef idx="minor">
+            <a:schemeClr val="tx1"/>
+          </a:fontRef>
+        </p:style>
+      </p:cxnSp>
+    </p:spTree>
+    <p:extLst>
+      <p:ext uri="{BB962C8B-B14F-4D97-AF65-F5344CB8AC3E}">
+        <p14:creationId xmlns:p14="http://schemas.microsoft.com/office/powerpoint/2010/main" val="3016431194"/>
+      </p:ext>
+    </p:extLst>
+  </p:cSld>
+  <p:clrMapOvr>
+    <a:masterClrMapping/>
+  </p:clrMapOvr>
+</p:sld>
+</file>
+
+<file path=ppt/slides/slide20.xml><?xml version="1.0" encoding="utf-8"?>
+<p:sld xmlns:a="http://schemas.openxmlformats.org/drawingml/2006/main" xmlns:r="http://schemas.openxmlformats.org/officeDocument/2006/relationships" xmlns:p="http://schemas.openxmlformats.org/presentationml/2006/main">
+  <p:cSld>
+    <p:spTree>
+      <p:nvGrpSpPr>
+        <p:cNvPr id="1" name=""/>
+        <p:cNvGrpSpPr/>
+        <p:nvPr/>
+      </p:nvGrpSpPr>
+      <p:grpSpPr>
+        <a:xfrm>
+          <a:off x="0" y="0"/>
+          <a:ext cx="0" cy="0"/>
+          <a:chOff x="0" y="0"/>
+          <a:chExt cx="0" cy="0"/>
+        </a:xfrm>
+      </p:grpSpPr>
+      <p:pic>
+        <p:nvPicPr>
+          <p:cNvPr id="2" name="Immagine 1"/>
+          <p:cNvPicPr>
+            <a:picLocks noChangeAspect="1"/>
+          </p:cNvPicPr>
+          <p:nvPr/>
+        </p:nvPicPr>
+        <p:blipFill>
+          <a:blip r:embed="rId3"/>
+          <a:stretch>
+            <a:fillRect/>
+          </a:stretch>
+        </p:blipFill>
+        <p:spPr>
+          <a:xfrm>
+            <a:off x="-1" y="3123"/>
+            <a:ext cx="9143817" cy="6872495"/>
+          </a:xfrm>
+          <a:prstGeom prst="rect">
+            <a:avLst/>
+          </a:prstGeom>
+        </p:spPr>
+      </p:pic>
+      <p:sp>
+        <p:nvSpPr>
+          <p:cNvPr id="7" name="CasellaDiTesto 6"/>
+          <p:cNvSpPr txBox="1"/>
+          <p:nvPr/>
+        </p:nvSpPr>
+        <p:spPr>
+          <a:xfrm>
+            <a:off x="9062" y="649703"/>
+            <a:ext cx="7980842" cy="461665"/>
+          </a:xfrm>
+          <a:prstGeom prst="rect">
+            <a:avLst/>
+          </a:prstGeom>
+          <a:noFill/>
+        </p:spPr>
+        <p:txBody>
+          <a:bodyPr wrap="square" rtlCol="0">
+            <a:spAutoFit/>
+          </a:bodyPr>
+          <a:lstStyle/>
+          <a:p>
+            <a:r>
+              <a:rPr lang="en-US" sz="2400" b="1" dirty="0">
+                <a:solidFill>
+                  <a:schemeClr val="accent1">
+                    <a:lumMod val="75000"/>
+                  </a:schemeClr>
+                </a:solidFill>
+                <a:latin typeface="Arial"/>
+                <a:cs typeface="Arial"/>
+              </a:rPr>
+              <a:t>Unweighted Pair Group Method with Arithmetic Mean</a:t>
+            </a:r>
+            <a:endParaRPr lang="it-IT" sz="2400" b="1" dirty="0">
+              <a:solidFill>
+                <a:schemeClr val="accent1">
+                  <a:lumMod val="75000"/>
+                </a:schemeClr>
+              </a:solidFill>
+              <a:latin typeface="Arial"/>
+              <a:cs typeface="Arial"/>
+            </a:endParaRPr>
+          </a:p>
+        </p:txBody>
+      </p:sp>
+      <p:sp>
+        <p:nvSpPr>
+          <p:cNvPr id="12" name="Rettangolo 11"/>
+          <p:cNvSpPr/>
+          <p:nvPr/>
+        </p:nvSpPr>
+        <p:spPr>
+          <a:xfrm>
+            <a:off x="8255000" y="6366466"/>
+            <a:ext cx="280763" cy="501650"/>
+          </a:xfrm>
+          <a:prstGeom prst="rect">
+            <a:avLst/>
+          </a:prstGeom>
+          <a:solidFill>
+            <a:srgbClr val="003053"/>
+          </a:solidFill>
+        </p:spPr>
+        <p:style>
+          <a:lnRef idx="1">
+            <a:schemeClr val="accent1"/>
+          </a:lnRef>
+          <a:fillRef idx="3">
+            <a:schemeClr val="accent1"/>
+          </a:fillRef>
+          <a:effectRef idx="2">
+            <a:schemeClr val="accent1"/>
+          </a:effectRef>
+          <a:fontRef idx="minor">
+            <a:schemeClr val="lt1"/>
+          </a:fontRef>
+        </p:style>
+        <p:txBody>
+          <a:bodyPr rtlCol="0" anchor="ctr"/>
+          <a:lstStyle/>
+          <a:p>
+            <a:pPr algn="ctr"/>
+            <a:endParaRPr lang="it-IT">
+              <a:solidFill>
+                <a:srgbClr val="003257"/>
+              </a:solidFill>
+            </a:endParaRPr>
+          </a:p>
+        </p:txBody>
+      </p:sp>
+      <p:sp>
+        <p:nvSpPr>
+          <p:cNvPr id="11" name="Segnaposto numero diapositiva 10"/>
+          <p:cNvSpPr>
+            <a:spLocks noGrp="1"/>
+          </p:cNvSpPr>
+          <p:nvPr>
+            <p:ph type="sldNum" sz="quarter" idx="12"/>
+          </p:nvPr>
+        </p:nvSpPr>
+        <p:spPr>
+          <a:xfrm>
+            <a:off x="6402163" y="6356350"/>
+            <a:ext cx="2133600" cy="365125"/>
+          </a:xfrm>
+        </p:spPr>
+        <p:txBody>
+          <a:bodyPr/>
+          <a:lstStyle/>
+          <a:p>
+            <a:fld id="{8EB8520A-26EA-DE4B-B141-4532FC98FF0E}" type="slidenum">
+              <a:rPr lang="it-IT" b="1" smtClean="0">
+                <a:solidFill>
+                  <a:schemeClr val="bg1"/>
+                </a:solidFill>
+                <a:latin typeface="Arial"/>
+                <a:cs typeface="Arial"/>
+              </a:rPr>
+              <a:pPr/>
+              <a:t>20</a:t>
+            </a:fld>
+            <a:endParaRPr lang="it-IT" b="1" dirty="0">
+              <a:solidFill>
+                <a:schemeClr val="bg1"/>
+              </a:solidFill>
+              <a:latin typeface="Arial"/>
+              <a:cs typeface="Arial"/>
+            </a:endParaRPr>
+          </a:p>
+        </p:txBody>
+      </p:sp>
+      <p:sp>
+        <p:nvSpPr>
+          <p:cNvPr id="10" name="CasellaDiTesto 9"/>
+          <p:cNvSpPr txBox="1"/>
+          <p:nvPr/>
+        </p:nvSpPr>
+        <p:spPr>
+          <a:xfrm>
+            <a:off x="5735951" y="51433"/>
+            <a:ext cx="2957862" cy="215444"/>
+          </a:xfrm>
+          <a:prstGeom prst="rect">
+            <a:avLst/>
+          </a:prstGeom>
+          <a:noFill/>
+        </p:spPr>
+        <p:txBody>
+          <a:bodyPr wrap="none" rtlCol="0">
+            <a:spAutoFit/>
+          </a:bodyPr>
+          <a:lstStyle/>
+          <a:p>
+            <a:pPr algn="r"/>
+            <a:r>
+              <a:rPr lang="it-IT" sz="800" b="1" dirty="0">
+                <a:solidFill>
+                  <a:schemeClr val="bg1"/>
+                </a:solidFill>
+                <a:latin typeface="Arial"/>
+                <a:cs typeface="Arial"/>
+              </a:rPr>
+              <a:t>Applicazioni dell’algoritmica alla biologia: alberi evolutivi</a:t>
+            </a:r>
+          </a:p>
+        </p:txBody>
+      </p:sp>
+      <p:sp>
+        <p:nvSpPr>
+          <p:cNvPr id="14" name="CasellaDiTesto 13"/>
+          <p:cNvSpPr txBox="1"/>
+          <p:nvPr/>
+        </p:nvSpPr>
+        <p:spPr>
+          <a:xfrm>
+            <a:off x="7082015" y="403482"/>
+            <a:ext cx="1621846" cy="492443"/>
+          </a:xfrm>
+          <a:prstGeom prst="rect">
+            <a:avLst/>
+          </a:prstGeom>
+          <a:noFill/>
+        </p:spPr>
+        <p:txBody>
+          <a:bodyPr wrap="none" rtlCol="0">
+            <a:spAutoFit/>
+          </a:bodyPr>
+          <a:lstStyle/>
+          <a:p>
+            <a:pPr algn="r"/>
+            <a:r>
+              <a:rPr lang="it-IT" sz="800" dirty="0">
+                <a:solidFill>
+                  <a:schemeClr val="bg1"/>
+                </a:solidFill>
+                <a:latin typeface="Arial"/>
+                <a:cs typeface="Arial"/>
+              </a:rPr>
+              <a:t>Firenze, 12 luglio 2019</a:t>
+            </a:r>
+          </a:p>
+          <a:p>
+            <a:endParaRPr lang="it-IT" dirty="0"/>
+          </a:p>
+        </p:txBody>
+      </p:sp>
+      <p:sp>
+        <p:nvSpPr>
+          <p:cNvPr id="53" name="CasellaDiTesto 52">
+            <a:extLst>
+              <a:ext uri="{FF2B5EF4-FFF2-40B4-BE49-F238E27FC236}">
+                <a16:creationId xmlns:a16="http://schemas.microsoft.com/office/drawing/2014/main" id="{C4172192-17B0-4035-AFD1-CBC8BDE7E4CD}"/>
+              </a:ext>
+            </a:extLst>
+          </p:cNvPr>
+          <p:cNvSpPr txBox="1"/>
+          <p:nvPr/>
+        </p:nvSpPr>
+        <p:spPr>
+          <a:xfrm>
+            <a:off x="9062" y="1077183"/>
+            <a:ext cx="1078058" cy="369332"/>
+          </a:xfrm>
+          <a:prstGeom prst="rect">
+            <a:avLst/>
+          </a:prstGeom>
+          <a:noFill/>
+        </p:spPr>
+        <p:txBody>
+          <a:bodyPr wrap="square" rtlCol="0">
+            <a:spAutoFit/>
+          </a:bodyPr>
+          <a:lstStyle/>
+          <a:p>
+            <a:r>
+              <a:rPr lang="it-IT" i="1" dirty="0">
+                <a:latin typeface="Arial"/>
+                <a:cs typeface="Arial"/>
+              </a:rPr>
+              <a:t>Parte 2</a:t>
+            </a:r>
+          </a:p>
+        </p:txBody>
+      </p:sp>
       <mc:AlternateContent xmlns:mc="http://schemas.openxmlformats.org/markup-compatibility/2006">
         <mc:Choice xmlns:a14="http://schemas.microsoft.com/office/drawing/2010/main" Requires="a14">
           <p:sp>
             <p:nvSpPr>
-              <p:cNvPr id="46" name="CasellaDiTesto 45">
+              <p:cNvPr id="37" name="CasellaDiTesto 36">
                 <a:extLst>
                   <a:ext uri="{FF2B5EF4-FFF2-40B4-BE49-F238E27FC236}">
-                    <a16:creationId xmlns:a16="http://schemas.microsoft.com/office/drawing/2014/main" id="{C2984D4E-B4B0-4D9D-ADAF-0738DB69751F}"/>
+                    <a16:creationId xmlns:a16="http://schemas.microsoft.com/office/drawing/2014/main" id="{228CF625-0075-4BE9-B1B5-1F6D368CE2C4}"/>
                   </a:ext>
                 </a:extLst>
               </p:cNvPr>
@@ -17771,8 +18863,265 @@
             </p:nvSpPr>
             <p:spPr>
               <a:xfrm>
-                <a:off x="6080416" y="4850699"/>
-                <a:ext cx="3063584" cy="738664"/>
+                <a:off x="-1" y="2578386"/>
+                <a:ext cx="6015054" cy="307777"/>
+              </a:xfrm>
+              <a:prstGeom prst="rect">
+                <a:avLst/>
+              </a:prstGeom>
+              <a:noFill/>
+            </p:spPr>
+            <p:txBody>
+              <a:bodyPr wrap="square" rtlCol="0">
+                <a:spAutoFit/>
+              </a:bodyPr>
+              <a:lstStyle/>
+              <a:p>
+                <a:pPr marL="342900" indent="-342900">
+                  <a:buFont typeface="+mj-lt"/>
+                  <a:buAutoNum type="arabicPeriod" startAt="3"/>
+                </a:pPr>
+                <a:r>
+                  <a:rPr lang="it-IT" sz="1400" dirty="0">
+                    <a:latin typeface="Arial" panose="020B0604020202020204" pitchFamily="34" charset="0"/>
+                    <a:cs typeface="Arial" panose="020B0604020202020204" pitchFamily="34" charset="0"/>
+                  </a:rPr>
+                  <a:t>Crea un cluster </a:t>
+                </a:r>
+                <a14:m>
+                  <m:oMath xmlns:m="http://schemas.openxmlformats.org/officeDocument/2006/math">
+                    <m:r>
+                      <a:rPr lang="it-IT" sz="1400" i="1" dirty="0" smtClean="0">
+                        <a:latin typeface="Cambria Math" panose="02040503050406030204" pitchFamily="18" charset="0"/>
+                        <a:cs typeface="Arial" panose="020B0604020202020204" pitchFamily="34" charset="0"/>
+                      </a:rPr>
+                      <m:t>𝑍</m:t>
+                    </m:r>
+                  </m:oMath>
+                </a14:m>
+                <a:r>
+                  <a:rPr lang="it-IT" sz="1400" dirty="0">
+                    <a:latin typeface="Arial" panose="020B0604020202020204" pitchFamily="34" charset="0"/>
+                    <a:cs typeface="Arial" panose="020B0604020202020204" pitchFamily="34" charset="0"/>
+                  </a:rPr>
+                  <a:t> che è dato dall’unione di </a:t>
+                </a:r>
+                <a14:m>
+                  <m:oMath xmlns:m="http://schemas.openxmlformats.org/officeDocument/2006/math">
+                    <m:r>
+                      <a:rPr lang="it-IT" sz="1400" i="1" dirty="0" smtClean="0">
+                        <a:latin typeface="Cambria Math" panose="02040503050406030204" pitchFamily="18" charset="0"/>
+                        <a:cs typeface="Arial" panose="020B0604020202020204" pitchFamily="34" charset="0"/>
+                      </a:rPr>
+                      <m:t>𝑋</m:t>
+                    </m:r>
+                  </m:oMath>
+                </a14:m>
+                <a:r>
+                  <a:rPr lang="it-IT" sz="1400" dirty="0">
+                    <a:latin typeface="Arial" panose="020B0604020202020204" pitchFamily="34" charset="0"/>
+                    <a:cs typeface="Arial" panose="020B0604020202020204" pitchFamily="34" charset="0"/>
+                  </a:rPr>
+                  <a:t> ed </a:t>
+                </a:r>
+                <a14:m>
+                  <m:oMath xmlns:m="http://schemas.openxmlformats.org/officeDocument/2006/math">
+                    <m:r>
+                      <a:rPr lang="it-IT" sz="1400" i="1" dirty="0" smtClean="0">
+                        <a:latin typeface="Cambria Math" panose="02040503050406030204" pitchFamily="18" charset="0"/>
+                        <a:cs typeface="Arial" panose="020B0604020202020204" pitchFamily="34" charset="0"/>
+                      </a:rPr>
+                      <m:t>𝑌</m:t>
+                    </m:r>
+                  </m:oMath>
+                </a14:m>
+                <a:r>
+                  <a:rPr lang="it-IT" sz="1400" dirty="0">
+                    <a:latin typeface="Arial" panose="020B0604020202020204" pitchFamily="34" charset="0"/>
+                    <a:cs typeface="Arial" panose="020B0604020202020204" pitchFamily="34" charset="0"/>
+                  </a:rPr>
+                  <a:t> </a:t>
+                </a:r>
+                <a:r>
+                  <a:rPr lang="it-IT" sz="1400" dirty="0">
+                    <a:latin typeface="Arial" panose="020B0604020202020204" pitchFamily="34" charset="0"/>
+                    <a:cs typeface="Arial" panose="020B0604020202020204" pitchFamily="34" charset="0"/>
+                    <a:sym typeface="Wingdings" panose="05000000000000000000" pitchFamily="2" charset="2"/>
+                  </a:rPr>
+                  <a:t> </a:t>
+                </a:r>
+                <a14:m>
+                  <m:oMath xmlns:m="http://schemas.openxmlformats.org/officeDocument/2006/math">
+                    <m:d>
+                      <m:dPr>
+                        <m:begChr m:val="{"/>
+                        <m:endChr m:val="}"/>
+                        <m:ctrlPr>
+                          <a:rPr lang="it-IT" sz="1400" b="0" i="1" smtClean="0">
+                            <a:latin typeface="Cambria Math" panose="02040503050406030204" pitchFamily="18" charset="0"/>
+                            <a:cs typeface="Arial" panose="020B0604020202020204" pitchFamily="34" charset="0"/>
+                            <a:sym typeface="Wingdings" panose="05000000000000000000" pitchFamily="2" charset="2"/>
+                          </a:rPr>
+                        </m:ctrlPr>
+                      </m:dPr>
+                      <m:e>
+                        <m:r>
+                          <a:rPr lang="it-IT" sz="1400" b="0" i="1" smtClean="0">
+                            <a:latin typeface="Cambria Math" panose="02040503050406030204" pitchFamily="18" charset="0"/>
+                            <a:cs typeface="Arial" panose="020B0604020202020204" pitchFamily="34" charset="0"/>
+                            <a:sym typeface="Wingdings" panose="05000000000000000000" pitchFamily="2" charset="2"/>
+                          </a:rPr>
+                          <m:t>𝑢</m:t>
+                        </m:r>
+                        <m:r>
+                          <a:rPr lang="it-IT" sz="1400" b="0" i="1" smtClean="0">
+                            <a:latin typeface="Cambria Math" panose="02040503050406030204" pitchFamily="18" charset="0"/>
+                            <a:cs typeface="Arial" panose="020B0604020202020204" pitchFamily="34" charset="0"/>
+                            <a:sym typeface="Wingdings" panose="05000000000000000000" pitchFamily="2" charset="2"/>
+                          </a:rPr>
+                          <m:t>,</m:t>
+                        </m:r>
+                        <m:r>
+                          <a:rPr lang="it-IT" sz="1400" b="0" i="1" smtClean="0">
+                            <a:latin typeface="Cambria Math" panose="02040503050406030204" pitchFamily="18" charset="0"/>
+                            <a:cs typeface="Arial" panose="020B0604020202020204" pitchFamily="34" charset="0"/>
+                            <a:sym typeface="Wingdings" panose="05000000000000000000" pitchFamily="2" charset="2"/>
+                          </a:rPr>
+                          <m:t>𝑠</m:t>
+                        </m:r>
+                      </m:e>
+                    </m:d>
+                    <m:r>
+                      <a:rPr lang="it-IT" sz="1400" b="0" i="1" smtClean="0">
+                        <a:latin typeface="Cambria Math" panose="02040503050406030204" pitchFamily="18" charset="0"/>
+                        <a:cs typeface="Arial" panose="020B0604020202020204" pitchFamily="34" charset="0"/>
+                        <a:sym typeface="Wingdings" panose="05000000000000000000" pitchFamily="2" charset="2"/>
+                      </a:rPr>
+                      <m:t>=</m:t>
+                    </m:r>
+                    <m:d>
+                      <m:dPr>
+                        <m:begChr m:val="{"/>
+                        <m:endChr m:val="}"/>
+                        <m:ctrlPr>
+                          <a:rPr lang="it-IT" sz="1400" b="0" i="1" smtClean="0">
+                            <a:latin typeface="Cambria Math" panose="02040503050406030204" pitchFamily="18" charset="0"/>
+                            <a:cs typeface="Arial" panose="020B0604020202020204" pitchFamily="34" charset="0"/>
+                            <a:sym typeface="Wingdings" panose="05000000000000000000" pitchFamily="2" charset="2"/>
+                          </a:rPr>
+                        </m:ctrlPr>
+                      </m:dPr>
+                      <m:e>
+                        <m:r>
+                          <a:rPr lang="it-IT" sz="1400" b="0" i="1" smtClean="0">
+                            <a:latin typeface="Cambria Math" panose="02040503050406030204" pitchFamily="18" charset="0"/>
+                            <a:cs typeface="Arial" panose="020B0604020202020204" pitchFamily="34" charset="0"/>
+                            <a:sym typeface="Wingdings" panose="05000000000000000000" pitchFamily="2" charset="2"/>
+                          </a:rPr>
+                          <m:t>𝑢</m:t>
+                        </m:r>
+                      </m:e>
+                    </m:d>
+                    <m:r>
+                      <a:rPr lang="it-IT" sz="1400" b="0" i="1" smtClean="0">
+                        <a:latin typeface="Cambria Math" panose="02040503050406030204" pitchFamily="18" charset="0"/>
+                        <a:ea typeface="Cambria Math" panose="02040503050406030204" pitchFamily="18" charset="0"/>
+                        <a:cs typeface="Arial" panose="020B0604020202020204" pitchFamily="34" charset="0"/>
+                        <a:sym typeface="Wingdings" panose="05000000000000000000" pitchFamily="2" charset="2"/>
+                      </a:rPr>
+                      <m:t>∪{</m:t>
+                    </m:r>
+                    <m:r>
+                      <a:rPr lang="it-IT" sz="1400" b="0" i="1" smtClean="0">
+                        <a:latin typeface="Cambria Math" panose="02040503050406030204" pitchFamily="18" charset="0"/>
+                        <a:ea typeface="Cambria Math" panose="02040503050406030204" pitchFamily="18" charset="0"/>
+                        <a:cs typeface="Arial" panose="020B0604020202020204" pitchFamily="34" charset="0"/>
+                        <a:sym typeface="Wingdings" panose="05000000000000000000" pitchFamily="2" charset="2"/>
+                      </a:rPr>
+                      <m:t>𝑠</m:t>
+                    </m:r>
+                    <m:r>
+                      <a:rPr lang="it-IT" sz="1400" b="0" i="1" smtClean="0">
+                        <a:latin typeface="Cambria Math" panose="02040503050406030204" pitchFamily="18" charset="0"/>
+                        <a:ea typeface="Cambria Math" panose="02040503050406030204" pitchFamily="18" charset="0"/>
+                        <a:cs typeface="Arial" panose="020B0604020202020204" pitchFamily="34" charset="0"/>
+                        <a:sym typeface="Wingdings" panose="05000000000000000000" pitchFamily="2" charset="2"/>
+                      </a:rPr>
+                      <m:t>}</m:t>
+                    </m:r>
+                  </m:oMath>
+                </a14:m>
+                <a:endParaRPr lang="it-IT" sz="1400" dirty="0">
+                  <a:latin typeface="Arial" panose="020B0604020202020204" pitchFamily="34" charset="0"/>
+                  <a:cs typeface="Arial" panose="020B0604020202020204" pitchFamily="34" charset="0"/>
+                </a:endParaRPr>
+              </a:p>
+            </p:txBody>
+          </p:sp>
+        </mc:Choice>
+        <mc:Fallback>
+          <p:sp>
+            <p:nvSpPr>
+              <p:cNvPr id="37" name="CasellaDiTesto 36">
+                <a:extLst>
+                  <a:ext uri="{FF2B5EF4-FFF2-40B4-BE49-F238E27FC236}">
+                    <a16:creationId xmlns:a16="http://schemas.microsoft.com/office/drawing/2014/main" id="{228CF625-0075-4BE9-B1B5-1F6D368CE2C4}"/>
+                  </a:ext>
+                </a:extLst>
+              </p:cNvPr>
+              <p:cNvSpPr txBox="1">
+                <a:spLocks noRot="1" noChangeAspect="1" noMove="1" noResize="1" noEditPoints="1" noAdjustHandles="1" noChangeArrowheads="1" noChangeShapeType="1" noTextEdit="1"/>
+              </p:cNvSpPr>
+              <p:nvPr/>
+            </p:nvSpPr>
+            <p:spPr>
+              <a:xfrm>
+                <a:off x="-1" y="2578386"/>
+                <a:ext cx="6015054" cy="307777"/>
+              </a:xfrm>
+              <a:prstGeom prst="rect">
+                <a:avLst/>
+              </a:prstGeom>
+              <a:blipFill>
+                <a:blip r:embed="rId4"/>
+                <a:stretch>
+                  <a:fillRect l="-101" t="-4000" b="-20000"/>
+                </a:stretch>
+              </a:blipFill>
+            </p:spPr>
+            <p:txBody>
+              <a:bodyPr/>
+              <a:lstStyle/>
+              <a:p>
+                <a:r>
+                  <a:rPr lang="it-IT">
+                    <a:noFill/>
+                  </a:rPr>
+                  <a:t> </a:t>
+                </a:r>
+              </a:p>
+            </p:txBody>
+          </p:sp>
+        </mc:Fallback>
+      </mc:AlternateContent>
+      <mc:AlternateContent xmlns:mc="http://schemas.openxmlformats.org/markup-compatibility/2006">
+        <mc:Choice xmlns:a14="http://schemas.microsoft.com/office/drawing/2010/main" Requires="a14">
+          <p:sp>
+            <p:nvSpPr>
+              <p:cNvPr id="24" name="CasellaDiTesto 23">
+                <a:extLst>
+                  <a:ext uri="{FF2B5EF4-FFF2-40B4-BE49-F238E27FC236}">
+                    <a16:creationId xmlns:a16="http://schemas.microsoft.com/office/drawing/2014/main" id="{07E4BA6A-F030-4C07-B89E-08C99A5E739D}"/>
+                  </a:ext>
+                </a:extLst>
+              </p:cNvPr>
+              <p:cNvSpPr txBox="1"/>
+              <p:nvPr/>
+            </p:nvSpPr>
+            <p:spPr>
+              <a:xfrm>
+                <a:off x="9062" y="1532315"/>
+                <a:ext cx="2849548" cy="738664"/>
               </a:xfrm>
               <a:prstGeom prst="rect">
                 <a:avLst/>
@@ -17794,7 +19143,7 @@
                     <a:latin typeface="Arial" panose="020B0604020202020204" pitchFamily="34" charset="0"/>
                     <a:cs typeface="Arial" panose="020B0604020202020204" pitchFamily="34" charset="0"/>
                   </a:rPr>
-                  <a:t>si scelgono i due cluster </a:t>
+                  <a:t>Scegli i due cluster </a:t>
                 </a:r>
                 <a14:m>
                   <m:oMath xmlns:m="http://schemas.openxmlformats.org/officeDocument/2006/math">
@@ -17839,10 +19188,10 @@
         <mc:Fallback>
           <p:sp>
             <p:nvSpPr>
-              <p:cNvPr id="46" name="CasellaDiTesto 45">
+              <p:cNvPr id="24" name="CasellaDiTesto 23">
                 <a:extLst>
                   <a:ext uri="{FF2B5EF4-FFF2-40B4-BE49-F238E27FC236}">
-                    <a16:creationId xmlns:a16="http://schemas.microsoft.com/office/drawing/2014/main" id="{C2984D4E-B4B0-4D9D-ADAF-0738DB69751F}"/>
+                    <a16:creationId xmlns:a16="http://schemas.microsoft.com/office/drawing/2014/main" id="{07E4BA6A-F030-4C07-B89E-08C99A5E739D}"/>
                   </a:ext>
                 </a:extLst>
               </p:cNvPr>
@@ -17853,16 +19202,16 @@
             </p:nvSpPr>
             <p:spPr>
               <a:xfrm>
-                <a:off x="6080416" y="4850699"/>
-                <a:ext cx="3063584" cy="738664"/>
+                <a:off x="9062" y="1532315"/>
+                <a:ext cx="2849548" cy="738664"/>
               </a:xfrm>
               <a:prstGeom prst="rect">
                 <a:avLst/>
               </a:prstGeom>
               <a:blipFill>
-                <a:blip r:embed="rId8"/>
+                <a:blip r:embed="rId5"/>
                 <a:stretch>
-                  <a:fillRect l="-199" t="-1653" b="-7438"/>
+                  <a:fillRect l="-214" t="-820" b="-7377"/>
                 </a:stretch>
               </a:blipFill>
             </p:spPr>
@@ -17881,53 +19230,12 @@
           </p:sp>
         </mc:Fallback>
       </mc:AlternateContent>
-      <p:cxnSp>
-        <p:nvCxnSpPr>
-          <p:cNvPr id="47" name="Connettore 2 46">
+      <p:pic>
+        <p:nvPicPr>
+          <p:cNvPr id="25" name="Immagine 24">
             <a:extLst>
               <a:ext uri="{FF2B5EF4-FFF2-40B4-BE49-F238E27FC236}">
-                <a16:creationId xmlns:a16="http://schemas.microsoft.com/office/drawing/2014/main" id="{D53838DD-6299-4191-AFF9-8DF6465238D5}"/>
-              </a:ext>
-            </a:extLst>
-          </p:cNvPr>
-          <p:cNvCxnSpPr>
-            <a:cxnSpLocks/>
-          </p:cNvCxnSpPr>
-          <p:nvPr/>
-        </p:nvCxnSpPr>
-        <p:spPr>
-          <a:xfrm>
-            <a:off x="7598318" y="4343596"/>
-            <a:ext cx="1" cy="427157"/>
-          </a:xfrm>
-          <a:prstGeom prst="straightConnector1">
-            <a:avLst/>
-          </a:prstGeom>
-          <a:ln>
-            <a:tailEnd type="triangle"/>
-          </a:ln>
-        </p:spPr>
-        <p:style>
-          <a:lnRef idx="2">
-            <a:schemeClr val="accent1"/>
-          </a:lnRef>
-          <a:fillRef idx="0">
-            <a:schemeClr val="accent1"/>
-          </a:fillRef>
-          <a:effectRef idx="1">
-            <a:schemeClr val="accent1"/>
-          </a:effectRef>
-          <a:fontRef idx="minor">
-            <a:schemeClr val="tx1"/>
-          </a:fontRef>
-        </p:style>
-      </p:cxnSp>
-      <p:pic>
-        <p:nvPicPr>
-          <p:cNvPr id="23" name="Immagine 22">
-            <a:extLst>
-              <a:ext uri="{FF2B5EF4-FFF2-40B4-BE49-F238E27FC236}">
-                <a16:creationId xmlns:a16="http://schemas.microsoft.com/office/drawing/2014/main" id="{3D985C66-626C-42CB-978A-3C55897EBF03}"/>
+                <a16:creationId xmlns:a16="http://schemas.microsoft.com/office/drawing/2014/main" id="{3F46870D-F456-46D1-AF91-92BA37F2E0A5}"/>
               </a:ext>
             </a:extLst>
           </p:cNvPr>
@@ -17937,13 +19245,13 @@
           <p:nvPr/>
         </p:nvPicPr>
         <p:blipFill rotWithShape="1">
-          <a:blip r:embed="rId9"/>
+          <a:blip r:embed="rId6"/>
           <a:srcRect t="3088" r="2401"/>
           <a:stretch/>
         </p:blipFill>
         <p:spPr>
           <a:xfrm>
-            <a:off x="6536733" y="5537740"/>
+            <a:off x="3598658" y="1563277"/>
             <a:ext cx="2607267" cy="676739"/>
           </a:xfrm>
           <a:prstGeom prst="rect">
@@ -17955,10 +19263,10 @@
         <mc:Choice xmlns:a14="http://schemas.microsoft.com/office/drawing/2010/main" Requires="a14">
           <p:sp>
             <p:nvSpPr>
-              <p:cNvPr id="52" name="CasellaDiTesto 51">
+              <p:cNvPr id="26" name="CasellaDiTesto 25">
                 <a:extLst>
                   <a:ext uri="{FF2B5EF4-FFF2-40B4-BE49-F238E27FC236}">
-                    <a16:creationId xmlns:a16="http://schemas.microsoft.com/office/drawing/2014/main" id="{FD3AF47D-D63D-4029-B29B-B4FFB8F3F443}"/>
+                    <a16:creationId xmlns:a16="http://schemas.microsoft.com/office/drawing/2014/main" id="{709D0147-8AA2-4D85-8906-C974F21EEAA6}"/>
                   </a:ext>
                 </a:extLst>
               </p:cNvPr>
@@ -17967,7 +19275,7 @@
             </p:nvSpPr>
             <p:spPr>
               <a:xfrm>
-                <a:off x="6080416" y="6386447"/>
+                <a:off x="6945974" y="1743044"/>
                 <a:ext cx="1043930" cy="317203"/>
               </a:xfrm>
               <a:prstGeom prst="rect">
@@ -17981,6 +19289,7 @@
               </a:bodyPr>
               <a:lstStyle/>
               <a:p>
+                <a:pPr/>
                 <a14:m>
                   <m:oMathPara xmlns:m="http://schemas.openxmlformats.org/officeDocument/2006/math">
                     <m:oMathParaPr>
@@ -18050,10 +19359,10 @@
         <mc:Fallback>
           <p:sp>
             <p:nvSpPr>
-              <p:cNvPr id="52" name="CasellaDiTesto 51">
+              <p:cNvPr id="26" name="CasellaDiTesto 25">
                 <a:extLst>
                   <a:ext uri="{FF2B5EF4-FFF2-40B4-BE49-F238E27FC236}">
-                    <a16:creationId xmlns:a16="http://schemas.microsoft.com/office/drawing/2014/main" id="{FD3AF47D-D63D-4029-B29B-B4FFB8F3F443}"/>
+                    <a16:creationId xmlns:a16="http://schemas.microsoft.com/office/drawing/2014/main" id="{709D0147-8AA2-4D85-8906-C974F21EEAA6}"/>
                   </a:ext>
                 </a:extLst>
               </p:cNvPr>
@@ -18064,14 +19373,14 @@
             </p:nvSpPr>
             <p:spPr>
               <a:xfrm>
-                <a:off x="6080416" y="6386447"/>
+                <a:off x="6945974" y="1743044"/>
                 <a:ext cx="1043930" cy="317203"/>
               </a:xfrm>
               <a:prstGeom prst="rect">
                 <a:avLst/>
               </a:prstGeom>
               <a:blipFill>
-                <a:blip r:embed="rId10"/>
+                <a:blip r:embed="rId7"/>
                 <a:stretch>
                   <a:fillRect/>
                 </a:stretch>
@@ -18094,29 +19403,27 @@
       </mc:AlternateContent>
       <p:cxnSp>
         <p:nvCxnSpPr>
-          <p:cNvPr id="44" name="Connettore a gomito 43">
+          <p:cNvPr id="27" name="Connettore 2 26">
             <a:extLst>
               <a:ext uri="{FF2B5EF4-FFF2-40B4-BE49-F238E27FC236}">
-                <a16:creationId xmlns:a16="http://schemas.microsoft.com/office/drawing/2014/main" id="{484A78E3-C52E-4B7E-9216-0332F077A6DB}"/>
+                <a16:creationId xmlns:a16="http://schemas.microsoft.com/office/drawing/2014/main" id="{B5D930D8-AB3A-4E77-AC4C-67986940CEBE}"/>
               </a:ext>
             </a:extLst>
           </p:cNvPr>
           <p:cNvCxnSpPr>
-            <a:stCxn id="23" idx="1"/>
-            <a:endCxn id="52" idx="0"/>
+            <a:cxnSpLocks/>
+            <a:stCxn id="25" idx="3"/>
+            <a:endCxn id="26" idx="1"/>
           </p:cNvCxnSpPr>
           <p:nvPr/>
         </p:nvCxnSpPr>
         <p:spPr>
-          <a:xfrm rot="10800000" flipH="1" flipV="1">
-            <a:off x="6536733" y="5876109"/>
-            <a:ext cx="65648" cy="510337"/>
-          </a:xfrm>
-          <a:prstGeom prst="bentConnector4">
-            <a:avLst>
-              <a:gd name="adj1" fmla="val -348221"/>
-              <a:gd name="adj2" fmla="val 56276"/>
-            </a:avLst>
+          <a:xfrm flipV="1">
+            <a:off x="6205925" y="1901646"/>
+            <a:ext cx="740049" cy="1"/>
+          </a:xfrm>
+          <a:prstGeom prst="straightConnector1">
+            <a:avLst/>
           </a:prstGeom>
           <a:ln>
             <a:tailEnd type="triangle"/>
@@ -18137,662 +19444,26 @@
           </a:fontRef>
         </p:style>
       </p:cxnSp>
-    </p:spTree>
-    <p:extLst>
-      <p:ext uri="{BB962C8B-B14F-4D97-AF65-F5344CB8AC3E}">
-        <p14:creationId xmlns:p14="http://schemas.microsoft.com/office/powerpoint/2010/main" val="1001681238"/>
-      </p:ext>
-    </p:extLst>
-  </p:cSld>
-  <p:clrMapOvr>
-    <a:masterClrMapping/>
-  </p:clrMapOvr>
-</p:sld>
-</file>
-
-<file path=ppt/slides/slide2.xml><?xml version="1.0" encoding="utf-8"?>
-<p:sld xmlns:a="http://schemas.openxmlformats.org/drawingml/2006/main" xmlns:r="http://schemas.openxmlformats.org/officeDocument/2006/relationships" xmlns:p="http://schemas.openxmlformats.org/presentationml/2006/main">
-  <p:cSld>
-    <p:spTree>
-      <p:nvGrpSpPr>
-        <p:cNvPr id="1" name=""/>
-        <p:cNvGrpSpPr/>
-        <p:nvPr/>
-      </p:nvGrpSpPr>
-      <p:grpSpPr>
-        <a:xfrm>
-          <a:off x="0" y="0"/>
-          <a:ext cx="0" cy="0"/>
-          <a:chOff x="0" y="0"/>
-          <a:chExt cx="0" cy="0"/>
-        </a:xfrm>
-      </p:grpSpPr>
-      <p:pic>
-        <p:nvPicPr>
-          <p:cNvPr id="2" name="Immagine 1"/>
-          <p:cNvPicPr>
-            <a:picLocks noChangeAspect="1"/>
-          </p:cNvPicPr>
-          <p:nvPr/>
-        </p:nvPicPr>
-        <p:blipFill>
-          <a:blip r:embed="rId3"/>
-          <a:stretch>
-            <a:fillRect/>
-          </a:stretch>
-        </p:blipFill>
-        <p:spPr>
-          <a:xfrm>
-            <a:off x="-183" y="3123"/>
-            <a:ext cx="9144000" cy="6872633"/>
-          </a:xfrm>
-          <a:prstGeom prst="rect">
-            <a:avLst/>
-          </a:prstGeom>
-        </p:spPr>
-      </p:pic>
-      <p:sp>
-        <p:nvSpPr>
-          <p:cNvPr id="7" name="CasellaDiTesto 6"/>
-          <p:cNvSpPr txBox="1"/>
-          <p:nvPr/>
-        </p:nvSpPr>
-        <p:spPr>
-          <a:xfrm>
-            <a:off x="9061" y="649703"/>
-            <a:ext cx="4663050" cy="461665"/>
-          </a:xfrm>
-          <a:prstGeom prst="rect">
-            <a:avLst/>
-          </a:prstGeom>
-          <a:noFill/>
-        </p:spPr>
-        <p:txBody>
-          <a:bodyPr wrap="square" rtlCol="0">
-            <a:spAutoFit/>
-          </a:bodyPr>
-          <a:lstStyle/>
-          <a:p>
-            <a:r>
-              <a:rPr lang="it-IT" sz="2400" b="1" dirty="0">
-                <a:solidFill>
-                  <a:schemeClr val="accent1">
-                    <a:lumMod val="75000"/>
-                  </a:schemeClr>
-                </a:solidFill>
-                <a:latin typeface="Arial"/>
-                <a:cs typeface="Arial"/>
-              </a:rPr>
-              <a:t>Concetti base di biologia</a:t>
-            </a:r>
-          </a:p>
-        </p:txBody>
-      </p:sp>
-      <p:sp>
-        <p:nvSpPr>
-          <p:cNvPr id="8" name="CasellaDiTesto 7"/>
-          <p:cNvSpPr txBox="1"/>
-          <p:nvPr/>
-        </p:nvSpPr>
-        <p:spPr>
-          <a:xfrm>
-            <a:off x="9061" y="1085353"/>
-            <a:ext cx="3660041" cy="369332"/>
-          </a:xfrm>
-          <a:prstGeom prst="rect">
-            <a:avLst/>
-          </a:prstGeom>
-          <a:noFill/>
-        </p:spPr>
-        <p:txBody>
-          <a:bodyPr wrap="square" rtlCol="0">
-            <a:spAutoFit/>
-          </a:bodyPr>
-          <a:lstStyle/>
-          <a:p>
-            <a:r>
-              <a:rPr lang="it-IT" i="1" dirty="0">
-                <a:latin typeface="Arial"/>
-                <a:cs typeface="Arial"/>
-              </a:rPr>
-              <a:t>DNA ed allineamento di sequenze</a:t>
-            </a:r>
-          </a:p>
-        </p:txBody>
-      </p:sp>
-      <p:sp>
-        <p:nvSpPr>
-          <p:cNvPr id="9" name="CasellaDiTesto 8"/>
-          <p:cNvSpPr txBox="1"/>
-          <p:nvPr/>
-        </p:nvSpPr>
-        <p:spPr>
-          <a:xfrm>
-            <a:off x="9061" y="1649996"/>
-            <a:ext cx="9134939" cy="307777"/>
-          </a:xfrm>
-          <a:prstGeom prst="rect">
-            <a:avLst/>
-          </a:prstGeom>
-          <a:noFill/>
-        </p:spPr>
-        <p:txBody>
-          <a:bodyPr wrap="square" rtlCol="0">
-            <a:spAutoFit/>
-          </a:bodyPr>
-          <a:lstStyle/>
-          <a:p>
-            <a:r>
-              <a:rPr lang="it-IT" sz="1400" dirty="0">
-                <a:latin typeface="Arial" panose="020B0604020202020204" pitchFamily="34" charset="0"/>
-                <a:cs typeface="Arial" panose="020B0604020202020204" pitchFamily="34" charset="0"/>
-              </a:rPr>
-              <a:t>Il </a:t>
-            </a:r>
-            <a:r>
-              <a:rPr lang="it-IT" sz="1400" b="1" dirty="0">
-                <a:latin typeface="Arial" panose="020B0604020202020204" pitchFamily="34" charset="0"/>
-                <a:cs typeface="Arial" panose="020B0604020202020204" pitchFamily="34" charset="0"/>
-              </a:rPr>
-              <a:t>DNA</a:t>
-            </a:r>
-            <a:r>
-              <a:rPr lang="it-IT" sz="1400" dirty="0">
-                <a:latin typeface="Arial" panose="020B0604020202020204" pitchFamily="34" charset="0"/>
-                <a:cs typeface="Arial" panose="020B0604020202020204" pitchFamily="34" charset="0"/>
-              </a:rPr>
-              <a:t> o </a:t>
-            </a:r>
-            <a:r>
-              <a:rPr lang="it-IT" sz="1400" b="1" dirty="0">
-                <a:latin typeface="Arial" panose="020B0604020202020204" pitchFamily="34" charset="0"/>
-                <a:cs typeface="Arial" panose="020B0604020202020204" pitchFamily="34" charset="0"/>
-              </a:rPr>
-              <a:t>acido desossiribonucleico </a:t>
-            </a:r>
-            <a:r>
-              <a:rPr lang="it-IT" sz="1400" dirty="0">
-                <a:latin typeface="Arial" panose="020B0604020202020204" pitchFamily="34" charset="0"/>
-                <a:cs typeface="Arial" panose="020B0604020202020204" pitchFamily="34" charset="0"/>
-              </a:rPr>
-              <a:t>è una macromolecola contenente il patrimonio genetico degli esseri viventi.</a:t>
-            </a:r>
-          </a:p>
-        </p:txBody>
-      </p:sp>
-      <p:sp>
-        <p:nvSpPr>
-          <p:cNvPr id="12" name="Rettangolo 11"/>
-          <p:cNvSpPr/>
-          <p:nvPr/>
-        </p:nvSpPr>
-        <p:spPr>
-          <a:xfrm>
-            <a:off x="8255000" y="6366466"/>
-            <a:ext cx="280763" cy="501650"/>
-          </a:xfrm>
-          <a:prstGeom prst="rect">
-            <a:avLst/>
-          </a:prstGeom>
-          <a:solidFill>
-            <a:srgbClr val="003053"/>
-          </a:solidFill>
-        </p:spPr>
-        <p:style>
-          <a:lnRef idx="1">
-            <a:schemeClr val="accent1"/>
-          </a:lnRef>
-          <a:fillRef idx="3">
-            <a:schemeClr val="accent1"/>
-          </a:fillRef>
-          <a:effectRef idx="2">
-            <a:schemeClr val="accent1"/>
-          </a:effectRef>
-          <a:fontRef idx="minor">
-            <a:schemeClr val="lt1"/>
-          </a:fontRef>
-        </p:style>
-        <p:txBody>
-          <a:bodyPr rtlCol="0" anchor="ctr"/>
-          <a:lstStyle/>
-          <a:p>
-            <a:pPr algn="ctr"/>
-            <a:endParaRPr lang="it-IT">
-              <a:solidFill>
-                <a:srgbClr val="003257"/>
-              </a:solidFill>
-            </a:endParaRPr>
-          </a:p>
-        </p:txBody>
-      </p:sp>
-      <p:sp>
-        <p:nvSpPr>
-          <p:cNvPr id="11" name="Segnaposto numero diapositiva 10"/>
-          <p:cNvSpPr>
-            <a:spLocks noGrp="1"/>
-          </p:cNvSpPr>
-          <p:nvPr>
-            <p:ph type="sldNum" sz="quarter" idx="12"/>
-          </p:nvPr>
-        </p:nvSpPr>
-        <p:spPr>
-          <a:xfrm>
-            <a:off x="6402163" y="6356350"/>
-            <a:ext cx="2133600" cy="365125"/>
-          </a:xfrm>
-        </p:spPr>
-        <p:txBody>
-          <a:bodyPr/>
-          <a:lstStyle/>
-          <a:p>
-            <a:fld id="{8EB8520A-26EA-DE4B-B141-4532FC98FF0E}" type="slidenum">
-              <a:rPr lang="it-IT" b="1" smtClean="0">
-                <a:solidFill>
-                  <a:schemeClr val="bg1"/>
-                </a:solidFill>
-                <a:latin typeface="Arial"/>
-                <a:cs typeface="Arial"/>
-              </a:rPr>
-              <a:pPr/>
-              <a:t>2</a:t>
-            </a:fld>
-            <a:endParaRPr lang="it-IT" b="1" dirty="0">
-              <a:solidFill>
-                <a:schemeClr val="bg1"/>
-              </a:solidFill>
-              <a:latin typeface="Arial"/>
-              <a:cs typeface="Arial"/>
-            </a:endParaRPr>
-          </a:p>
-        </p:txBody>
-      </p:sp>
-      <p:sp>
-        <p:nvSpPr>
-          <p:cNvPr id="10" name="CasellaDiTesto 9"/>
-          <p:cNvSpPr txBox="1"/>
-          <p:nvPr/>
-        </p:nvSpPr>
-        <p:spPr>
-          <a:xfrm>
-            <a:off x="5735951" y="51433"/>
-            <a:ext cx="2957862" cy="215444"/>
-          </a:xfrm>
-          <a:prstGeom prst="rect">
-            <a:avLst/>
-          </a:prstGeom>
-          <a:noFill/>
-        </p:spPr>
-        <p:txBody>
-          <a:bodyPr wrap="none" rtlCol="0">
-            <a:spAutoFit/>
-          </a:bodyPr>
-          <a:lstStyle/>
-          <a:p>
-            <a:pPr algn="r"/>
-            <a:r>
-              <a:rPr lang="it-IT" sz="800" b="1" dirty="0">
-                <a:solidFill>
-                  <a:schemeClr val="bg1"/>
-                </a:solidFill>
-                <a:latin typeface="Arial"/>
-                <a:cs typeface="Arial"/>
-              </a:rPr>
-              <a:t>Applicazioni dell’algoritmica alla biologia: alberi evolutivi</a:t>
-            </a:r>
-          </a:p>
-        </p:txBody>
-      </p:sp>
-      <p:sp>
-        <p:nvSpPr>
-          <p:cNvPr id="14" name="CasellaDiTesto 13"/>
-          <p:cNvSpPr txBox="1"/>
-          <p:nvPr/>
-        </p:nvSpPr>
-        <p:spPr>
-          <a:xfrm>
-            <a:off x="7082015" y="403482"/>
-            <a:ext cx="1621846" cy="492443"/>
-          </a:xfrm>
-          <a:prstGeom prst="rect">
-            <a:avLst/>
-          </a:prstGeom>
-          <a:noFill/>
-        </p:spPr>
-        <p:txBody>
-          <a:bodyPr wrap="none" rtlCol="0">
-            <a:spAutoFit/>
-          </a:bodyPr>
-          <a:lstStyle/>
-          <a:p>
-            <a:pPr algn="r"/>
-            <a:r>
-              <a:rPr lang="it-IT" sz="800" dirty="0">
-                <a:solidFill>
-                  <a:schemeClr val="bg1"/>
-                </a:solidFill>
-                <a:latin typeface="Arial"/>
-                <a:cs typeface="Arial"/>
-              </a:rPr>
-              <a:t>Firenze, 12 luglio 2019</a:t>
-            </a:r>
-          </a:p>
-          <a:p>
-            <a:endParaRPr lang="it-IT" dirty="0"/>
-          </a:p>
-        </p:txBody>
-      </p:sp>
-      <p:sp>
-        <p:nvSpPr>
-          <p:cNvPr id="16" name="CasellaDiTesto 15">
+      <p:cxnSp>
+        <p:nvCxnSpPr>
+          <p:cNvPr id="35" name="Connettore 2 34">
             <a:extLst>
               <a:ext uri="{FF2B5EF4-FFF2-40B4-BE49-F238E27FC236}">
-                <a16:creationId xmlns:a16="http://schemas.microsoft.com/office/drawing/2014/main" id="{81755A96-1207-43B6-AFD7-F017181F64BC}"/>
-              </a:ext>
-            </a:extLst>
-          </p:cNvPr>
-          <p:cNvSpPr txBox="1"/>
-          <p:nvPr/>
-        </p:nvSpPr>
-        <p:spPr>
-          <a:xfrm>
-            <a:off x="5376004" y="2064733"/>
-            <a:ext cx="3412021" cy="523220"/>
-          </a:xfrm>
-          <a:prstGeom prst="rect">
-            <a:avLst/>
-          </a:prstGeom>
-          <a:noFill/>
-        </p:spPr>
-        <p:txBody>
-          <a:bodyPr wrap="square" rtlCol="0">
-            <a:spAutoFit/>
-          </a:bodyPr>
-          <a:lstStyle/>
-          <a:p>
-            <a:pPr marL="285750" indent="-285750">
-              <a:buFont typeface="Arial" panose="020B0604020202020204" pitchFamily="34" charset="0"/>
-              <a:buChar char="•"/>
-            </a:pPr>
-            <a:r>
-              <a:rPr lang="it-IT" sz="1400" dirty="0">
-                <a:latin typeface="Arial" panose="020B0604020202020204" pitchFamily="34" charset="0"/>
-                <a:cs typeface="Arial" panose="020B0604020202020204" pitchFamily="34" charset="0"/>
-              </a:rPr>
-              <a:t>Struttura a doppia elica di lunghezza variabile</a:t>
-            </a:r>
-          </a:p>
-        </p:txBody>
-      </p:sp>
-      <p:pic>
-        <p:nvPicPr>
-          <p:cNvPr id="19" name="Immagine 18">
-            <a:extLst>
-              <a:ext uri="{FF2B5EF4-FFF2-40B4-BE49-F238E27FC236}">
-                <a16:creationId xmlns:a16="http://schemas.microsoft.com/office/drawing/2014/main" id="{4086DA60-4C7B-4433-A1C6-40EB2BC942EE}"/>
-              </a:ext>
-            </a:extLst>
-          </p:cNvPr>
-          <p:cNvPicPr>
-            <a:picLocks noChangeAspect="1"/>
-          </p:cNvPicPr>
-          <p:nvPr/>
-        </p:nvPicPr>
-        <p:blipFill rotWithShape="1">
-          <a:blip r:embed="rId4"/>
-          <a:srcRect t="57195"/>
-          <a:stretch/>
-        </p:blipFill>
-        <p:spPr>
-          <a:xfrm>
-            <a:off x="9061" y="1957773"/>
-            <a:ext cx="5203627" cy="1250740"/>
-          </a:xfrm>
-          <a:prstGeom prst="rect">
-            <a:avLst/>
-          </a:prstGeom>
-        </p:spPr>
-      </p:pic>
-      <p:sp>
-        <p:nvSpPr>
-          <p:cNvPr id="21" name="CasellaDiTesto 20">
-            <a:extLst>
-              <a:ext uri="{FF2B5EF4-FFF2-40B4-BE49-F238E27FC236}">
-                <a16:creationId xmlns:a16="http://schemas.microsoft.com/office/drawing/2014/main" id="{E87CB79F-8F8C-43DB-B9CB-998010991571}"/>
-              </a:ext>
-            </a:extLst>
-          </p:cNvPr>
-          <p:cNvSpPr txBox="1"/>
-          <p:nvPr/>
-        </p:nvSpPr>
-        <p:spPr>
-          <a:xfrm>
-            <a:off x="5376004" y="2525151"/>
-            <a:ext cx="3412021" cy="1169551"/>
-          </a:xfrm>
-          <a:prstGeom prst="rect">
-            <a:avLst/>
-          </a:prstGeom>
-          <a:noFill/>
-        </p:spPr>
-        <p:txBody>
-          <a:bodyPr wrap="square" rtlCol="0">
-            <a:spAutoFit/>
-          </a:bodyPr>
-          <a:lstStyle/>
-          <a:p>
-            <a:pPr marL="285750" indent="-285750">
-              <a:buFont typeface="Arial" panose="020B0604020202020204" pitchFamily="34" charset="0"/>
-              <a:buChar char="•"/>
-            </a:pPr>
-            <a:r>
-              <a:rPr lang="it-IT" sz="1400" dirty="0">
-                <a:latin typeface="Arial" panose="020B0604020202020204" pitchFamily="34" charset="0"/>
-                <a:cs typeface="Arial" panose="020B0604020202020204" pitchFamily="34" charset="0"/>
-              </a:rPr>
-              <a:t>4 tipi di basi azotate:</a:t>
-            </a:r>
-          </a:p>
-          <a:p>
-            <a:pPr marL="742950" lvl="1" indent="-285750">
-              <a:buFont typeface="Arial" panose="020B0604020202020204" pitchFamily="34" charset="0"/>
-              <a:buChar char="•"/>
-            </a:pPr>
-            <a:r>
-              <a:rPr lang="it-IT" sz="1400" dirty="0">
-                <a:latin typeface="Arial" panose="020B0604020202020204" pitchFamily="34" charset="0"/>
-                <a:cs typeface="Arial" panose="020B0604020202020204" pitchFamily="34" charset="0"/>
-              </a:rPr>
-              <a:t>Timina (T)</a:t>
-            </a:r>
-          </a:p>
-          <a:p>
-            <a:pPr marL="742950" lvl="1" indent="-285750">
-              <a:buFont typeface="Arial" panose="020B0604020202020204" pitchFamily="34" charset="0"/>
-              <a:buChar char="•"/>
-            </a:pPr>
-            <a:r>
-              <a:rPr lang="it-IT" sz="1400" dirty="0">
-                <a:latin typeface="Arial" panose="020B0604020202020204" pitchFamily="34" charset="0"/>
-                <a:cs typeface="Arial" panose="020B0604020202020204" pitchFamily="34" charset="0"/>
-              </a:rPr>
-              <a:t>Adenina (A)</a:t>
-            </a:r>
-          </a:p>
-          <a:p>
-            <a:pPr marL="742950" lvl="1" indent="-285750">
-              <a:buFont typeface="Arial" panose="020B0604020202020204" pitchFamily="34" charset="0"/>
-              <a:buChar char="•"/>
-            </a:pPr>
-            <a:r>
-              <a:rPr lang="it-IT" sz="1400" dirty="0">
-                <a:latin typeface="Arial" panose="020B0604020202020204" pitchFamily="34" charset="0"/>
-                <a:cs typeface="Arial" panose="020B0604020202020204" pitchFamily="34" charset="0"/>
-              </a:rPr>
-              <a:t>Guanina (G)</a:t>
-            </a:r>
-          </a:p>
-          <a:p>
-            <a:pPr marL="742950" lvl="1" indent="-285750">
-              <a:buFont typeface="Arial" panose="020B0604020202020204" pitchFamily="34" charset="0"/>
-              <a:buChar char="•"/>
-            </a:pPr>
-            <a:r>
-              <a:rPr lang="it-IT" sz="1400" dirty="0">
-                <a:latin typeface="Arial" panose="020B0604020202020204" pitchFamily="34" charset="0"/>
-                <a:cs typeface="Arial" panose="020B0604020202020204" pitchFamily="34" charset="0"/>
-              </a:rPr>
-              <a:t>Citosina (C)</a:t>
-            </a:r>
-          </a:p>
-        </p:txBody>
-      </p:sp>
-      <p:sp>
-        <p:nvSpPr>
-          <p:cNvPr id="22" name="CasellaDiTesto 21">
-            <a:extLst>
-              <a:ext uri="{FF2B5EF4-FFF2-40B4-BE49-F238E27FC236}">
-                <a16:creationId xmlns:a16="http://schemas.microsoft.com/office/drawing/2014/main" id="{89D3F274-A700-4B6F-907B-2CAD85377F28}"/>
-              </a:ext>
-            </a:extLst>
-          </p:cNvPr>
-          <p:cNvSpPr txBox="1"/>
-          <p:nvPr/>
-        </p:nvSpPr>
-        <p:spPr>
-          <a:xfrm>
-            <a:off x="1790498" y="5587540"/>
-            <a:ext cx="2974019" cy="307777"/>
-          </a:xfrm>
-          <a:prstGeom prst="rect">
-            <a:avLst/>
-          </a:prstGeom>
-          <a:noFill/>
-        </p:spPr>
-        <p:txBody>
-          <a:bodyPr wrap="square" rtlCol="0">
-            <a:spAutoFit/>
-          </a:bodyPr>
-          <a:lstStyle/>
-          <a:p>
-            <a:r>
-              <a:rPr lang="it-IT" sz="1400" dirty="0">
-                <a:latin typeface="Arial" panose="020B0604020202020204" pitchFamily="34" charset="0"/>
-                <a:cs typeface="Arial" panose="020B0604020202020204" pitchFamily="34" charset="0"/>
-              </a:rPr>
-              <a:t>Esempio di una sequenza di DNA</a:t>
-            </a:r>
-          </a:p>
-        </p:txBody>
-      </p:sp>
-      <p:sp>
-        <p:nvSpPr>
-          <p:cNvPr id="24" name="CasellaDiTesto 23">
-            <a:extLst>
-              <a:ext uri="{FF2B5EF4-FFF2-40B4-BE49-F238E27FC236}">
-                <a16:creationId xmlns:a16="http://schemas.microsoft.com/office/drawing/2014/main" id="{5644040A-8CC9-4D53-AD0F-F87742495383}"/>
-              </a:ext>
-            </a:extLst>
-          </p:cNvPr>
-          <p:cNvSpPr txBox="1"/>
-          <p:nvPr/>
-        </p:nvSpPr>
-        <p:spPr>
-          <a:xfrm>
-            <a:off x="5615326" y="5581636"/>
-            <a:ext cx="1387860" cy="307777"/>
-          </a:xfrm>
-          <a:prstGeom prst="rect">
-            <a:avLst/>
-          </a:prstGeom>
-          <a:noFill/>
-        </p:spPr>
-        <p:txBody>
-          <a:bodyPr wrap="square" rtlCol="0">
-            <a:spAutoFit/>
-          </a:bodyPr>
-          <a:lstStyle/>
-          <a:p>
-            <a:r>
-              <a:rPr lang="it-IT" sz="1400" dirty="0">
-                <a:latin typeface="Arial" panose="020B0604020202020204" pitchFamily="34" charset="0"/>
-                <a:cs typeface="Arial" panose="020B0604020202020204" pitchFamily="34" charset="0"/>
-              </a:rPr>
-              <a:t>ATGTAAGACT</a:t>
-            </a:r>
-          </a:p>
-        </p:txBody>
-      </p:sp>
-      <p:sp>
-        <p:nvSpPr>
-          <p:cNvPr id="25" name="CasellaDiTesto 24">
-            <a:extLst>
-              <a:ext uri="{FF2B5EF4-FFF2-40B4-BE49-F238E27FC236}">
-                <a16:creationId xmlns:a16="http://schemas.microsoft.com/office/drawing/2014/main" id="{3070D16C-A28B-45DB-B756-1AADA56E1860}"/>
-              </a:ext>
-            </a:extLst>
-          </p:cNvPr>
-          <p:cNvSpPr txBox="1"/>
-          <p:nvPr/>
-        </p:nvSpPr>
-        <p:spPr>
-          <a:xfrm>
-            <a:off x="-9061" y="4636273"/>
-            <a:ext cx="9134939" cy="307777"/>
-          </a:xfrm>
-          <a:prstGeom prst="rect">
-            <a:avLst/>
-          </a:prstGeom>
-          <a:noFill/>
-        </p:spPr>
-        <p:txBody>
-          <a:bodyPr wrap="square" rtlCol="0">
-            <a:spAutoFit/>
-          </a:bodyPr>
-          <a:lstStyle/>
-          <a:p>
-            <a:pPr algn="ctr"/>
-            <a:r>
-              <a:rPr lang="it-IT" sz="1400" dirty="0">
-                <a:latin typeface="Arial" panose="020B0604020202020204" pitchFamily="34" charset="0"/>
-                <a:cs typeface="Arial" panose="020B0604020202020204" pitchFamily="34" charset="0"/>
-              </a:rPr>
-              <a:t>Una successione di basi azotate prende il nome di </a:t>
-            </a:r>
-            <a:r>
-              <a:rPr lang="it-IT" sz="1400" b="1" dirty="0">
-                <a:latin typeface="Arial" panose="020B0604020202020204" pitchFamily="34" charset="0"/>
-                <a:cs typeface="Arial" panose="020B0604020202020204" pitchFamily="34" charset="0"/>
-              </a:rPr>
-              <a:t>sequenza</a:t>
-            </a:r>
-            <a:r>
-              <a:rPr lang="it-IT" sz="1400" dirty="0">
-                <a:latin typeface="Arial" panose="020B0604020202020204" pitchFamily="34" charset="0"/>
-                <a:cs typeface="Arial" panose="020B0604020202020204" pitchFamily="34" charset="0"/>
-              </a:rPr>
-              <a:t>.</a:t>
-            </a:r>
-          </a:p>
-        </p:txBody>
-      </p:sp>
-      <p:cxnSp>
-        <p:nvCxnSpPr>
-          <p:cNvPr id="4" name="Connettore 2 3">
-            <a:extLst>
-              <a:ext uri="{FF2B5EF4-FFF2-40B4-BE49-F238E27FC236}">
-                <a16:creationId xmlns:a16="http://schemas.microsoft.com/office/drawing/2014/main" id="{D5E82E6B-B26A-4DEB-8D40-07A73DBE6567}"/>
+                <a16:creationId xmlns:a16="http://schemas.microsoft.com/office/drawing/2014/main" id="{F2435345-C7CE-42CF-B6E0-E70528A110F6}"/>
               </a:ext>
             </a:extLst>
           </p:cNvPr>
           <p:cNvCxnSpPr>
             <a:cxnSpLocks/>
+            <a:stCxn id="24" idx="3"/>
+            <a:endCxn id="25" idx="1"/>
           </p:cNvCxnSpPr>
           <p:nvPr/>
         </p:nvCxnSpPr>
         <p:spPr>
-          <a:xfrm flipV="1">
-            <a:off x="4691362" y="5735525"/>
-            <a:ext cx="850809" cy="5904"/>
+          <a:xfrm>
+            <a:off x="2858610" y="1901647"/>
+            <a:ext cx="740048" cy="0"/>
           </a:xfrm>
           <a:prstGeom prst="straightConnector1">
             <a:avLst/>
@@ -18816,10 +19487,172 @@
           </a:fontRef>
         </p:style>
       </p:cxnSp>
+      <mc:AlternateContent xmlns:mc="http://schemas.openxmlformats.org/markup-compatibility/2006">
+        <mc:Choice xmlns:a14="http://schemas.microsoft.com/office/drawing/2010/main" Requires="a14">
+          <p:sp>
+            <p:nvSpPr>
+              <p:cNvPr id="49" name="CasellaDiTesto 48">
+                <a:extLst>
+                  <a:ext uri="{FF2B5EF4-FFF2-40B4-BE49-F238E27FC236}">
+                    <a16:creationId xmlns:a16="http://schemas.microsoft.com/office/drawing/2014/main" id="{F42151C3-9278-4367-8A1F-A42144718720}"/>
+                  </a:ext>
+                </a:extLst>
+              </p:cNvPr>
+              <p:cNvSpPr txBox="1"/>
+              <p:nvPr/>
+            </p:nvSpPr>
+            <p:spPr>
+              <a:xfrm>
+                <a:off x="-2" y="3030295"/>
+                <a:ext cx="9144001" cy="307777"/>
+              </a:xfrm>
+              <a:prstGeom prst="rect">
+                <a:avLst/>
+              </a:prstGeom>
+              <a:noFill/>
+            </p:spPr>
+            <p:txBody>
+              <a:bodyPr wrap="square" rtlCol="0">
+                <a:spAutoFit/>
+              </a:bodyPr>
+              <a:lstStyle/>
+              <a:p>
+                <a:pPr marL="342900" indent="-342900">
+                  <a:buFont typeface="+mj-lt"/>
+                  <a:buAutoNum type="arabicPeriod" startAt="4"/>
+                </a:pPr>
+                <a:r>
+                  <a:rPr lang="it-IT" sz="1400" dirty="0">
+                    <a:latin typeface="Arial" panose="020B0604020202020204" pitchFamily="34" charset="0"/>
+                    <a:cs typeface="Arial" panose="020B0604020202020204" pitchFamily="34" charset="0"/>
+                  </a:rPr>
+                  <a:t>Crea in </a:t>
+                </a:r>
+                <a14:m>
+                  <m:oMath xmlns:m="http://schemas.openxmlformats.org/officeDocument/2006/math">
+                    <m:r>
+                      <a:rPr lang="it-IT" sz="1400" b="0" i="1" smtClean="0">
+                        <a:latin typeface="Cambria Math" panose="02040503050406030204" pitchFamily="18" charset="0"/>
+                        <a:cs typeface="Arial" panose="020B0604020202020204" pitchFamily="34" charset="0"/>
+                      </a:rPr>
+                      <m:t>𝑇</m:t>
+                    </m:r>
+                  </m:oMath>
+                </a14:m>
+                <a:r>
+                  <a:rPr lang="it-IT" sz="1400" dirty="0">
+                    <a:latin typeface="Arial" panose="020B0604020202020204" pitchFamily="34" charset="0"/>
+                    <a:cs typeface="Arial" panose="020B0604020202020204" pitchFamily="34" charset="0"/>
+                  </a:rPr>
+                  <a:t> un nodo interno per il cluster </a:t>
+                </a:r>
+                <a14:m>
+                  <m:oMath xmlns:m="http://schemas.openxmlformats.org/officeDocument/2006/math">
+                    <m:r>
+                      <a:rPr lang="it-IT" sz="1400" b="0" i="1" smtClean="0">
+                        <a:latin typeface="Cambria Math" panose="02040503050406030204" pitchFamily="18" charset="0"/>
+                        <a:cs typeface="Arial" panose="020B0604020202020204" pitchFamily="34" charset="0"/>
+                      </a:rPr>
+                      <m:t>𝑍</m:t>
+                    </m:r>
+                  </m:oMath>
+                </a14:m>
+                <a:r>
+                  <a:rPr lang="it-IT" sz="1400" dirty="0">
+                    <a:latin typeface="Arial" panose="020B0604020202020204" pitchFamily="34" charset="0"/>
+                    <a:cs typeface="Arial" panose="020B0604020202020204" pitchFamily="34" charset="0"/>
+                  </a:rPr>
+                  <a:t>, calcola la sua età ed il peso degli archi di </a:t>
+                </a:r>
+                <a14:m>
+                  <m:oMath xmlns:m="http://schemas.openxmlformats.org/officeDocument/2006/math">
+                    <m:r>
+                      <a:rPr lang="it-IT" sz="1400" b="0" i="1" smtClean="0">
+                        <a:latin typeface="Cambria Math" panose="02040503050406030204" pitchFamily="18" charset="0"/>
+                        <a:cs typeface="Arial" panose="020B0604020202020204" pitchFamily="34" charset="0"/>
+                      </a:rPr>
+                      <m:t>𝑥</m:t>
+                    </m:r>
+                  </m:oMath>
+                </a14:m>
+                <a:r>
+                  <a:rPr lang="it-IT" sz="1400" dirty="0">
+                    <a:latin typeface="Arial" panose="020B0604020202020204" pitchFamily="34" charset="0"/>
+                    <a:cs typeface="Arial" panose="020B0604020202020204" pitchFamily="34" charset="0"/>
+                  </a:rPr>
+                  <a:t> ed </a:t>
+                </a:r>
+                <a14:m>
+                  <m:oMath xmlns:m="http://schemas.openxmlformats.org/officeDocument/2006/math">
+                    <m:r>
+                      <a:rPr lang="it-IT" sz="1400" b="0" i="1" smtClean="0">
+                        <a:latin typeface="Cambria Math" panose="02040503050406030204" pitchFamily="18" charset="0"/>
+                        <a:cs typeface="Arial" panose="020B0604020202020204" pitchFamily="34" charset="0"/>
+                      </a:rPr>
+                      <m:t>𝑦</m:t>
+                    </m:r>
+                  </m:oMath>
+                </a14:m>
+                <a:r>
+                  <a:rPr lang="it-IT" sz="1400" dirty="0">
+                    <a:latin typeface="Arial" panose="020B0604020202020204" pitchFamily="34" charset="0"/>
+                    <a:cs typeface="Arial" panose="020B0604020202020204" pitchFamily="34" charset="0"/>
+                  </a:rPr>
+                  <a:t>. Quindi:</a:t>
+                </a:r>
+              </a:p>
+            </p:txBody>
+          </p:sp>
+        </mc:Choice>
+        <mc:Fallback>
+          <p:sp>
+            <p:nvSpPr>
+              <p:cNvPr id="49" name="CasellaDiTesto 48">
+                <a:extLst>
+                  <a:ext uri="{FF2B5EF4-FFF2-40B4-BE49-F238E27FC236}">
+                    <a16:creationId xmlns:a16="http://schemas.microsoft.com/office/drawing/2014/main" id="{F42151C3-9278-4367-8A1F-A42144718720}"/>
+                  </a:ext>
+                </a:extLst>
+              </p:cNvPr>
+              <p:cNvSpPr txBox="1">
+                <a:spLocks noRot="1" noChangeAspect="1" noMove="1" noResize="1" noEditPoints="1" noAdjustHandles="1" noChangeArrowheads="1" noChangeShapeType="1" noTextEdit="1"/>
+              </p:cNvSpPr>
+              <p:nvPr/>
+            </p:nvSpPr>
+            <p:spPr>
+              <a:xfrm>
+                <a:off x="-2" y="3030295"/>
+                <a:ext cx="9144001" cy="307777"/>
+              </a:xfrm>
+              <a:prstGeom prst="rect">
+                <a:avLst/>
+              </a:prstGeom>
+              <a:blipFill>
+                <a:blip r:embed="rId8"/>
+                <a:stretch>
+                  <a:fillRect l="-67" t="-3922" b="-19608"/>
+                </a:stretch>
+              </a:blipFill>
+            </p:spPr>
+            <p:txBody>
+              <a:bodyPr/>
+              <a:lstStyle/>
+              <a:p>
+                <a:r>
+                  <a:rPr lang="it-IT">
+                    <a:noFill/>
+                  </a:rPr>
+                  <a:t> </a:t>
+                </a:r>
+              </a:p>
+            </p:txBody>
+          </p:sp>
+        </mc:Fallback>
+      </mc:AlternateContent>
     </p:spTree>
     <p:extLst>
       <p:ext uri="{BB962C8B-B14F-4D97-AF65-F5344CB8AC3E}">
-        <p14:creationId xmlns:p14="http://schemas.microsoft.com/office/powerpoint/2010/main" val="3016431194"/>
+        <p14:creationId xmlns:p14="http://schemas.microsoft.com/office/powerpoint/2010/main" val="3854110147"/>
       </p:ext>
     </p:extLst>
   </p:cSld>

--- a/Discussione Laurea/Slides.pptx
+++ b/Discussione Laurea/Slides.pptx
@@ -232,7 +232,7 @@
             <a:fld id="{45BF3CCC-77DD-F84F-A249-CA3C5045A043}" type="datetime1">
               <a:rPr lang="it-IT" smtClean="0"/>
               <a:pPr/>
-              <a:t>01/07/2019</a:t>
+              <a:t>02/07/2019</a:t>
             </a:fld>
             <a:endParaRPr lang="it-IT"/>
           </a:p>
@@ -400,7 +400,7 @@
             <a:fld id="{FE692227-D6DC-FD45-9507-DB2BAD58473C}" type="datetime1">
               <a:rPr lang="it-IT" smtClean="0"/>
               <a:pPr/>
-              <a:t>01/07/2019</a:t>
+              <a:t>02/07/2019</a:t>
             </a:fld>
             <a:endParaRPr lang="it-IT"/>
           </a:p>
@@ -2549,7 +2549,7 @@
             <a:fld id="{AD8BF249-6BAC-CD40-AAE9-334F110649E5}" type="datetimeFigureOut">
               <a:rPr lang="it-IT" smtClean="0"/>
               <a:pPr/>
-              <a:t>01/07/2019</a:t>
+              <a:t>02/07/2019</a:t>
             </a:fld>
             <a:endParaRPr lang="it-IT"/>
           </a:p>
@@ -2719,7 +2719,7 @@
             <a:fld id="{AD8BF249-6BAC-CD40-AAE9-334F110649E5}" type="datetimeFigureOut">
               <a:rPr lang="it-IT" smtClean="0"/>
               <a:pPr/>
-              <a:t>01/07/2019</a:t>
+              <a:t>02/07/2019</a:t>
             </a:fld>
             <a:endParaRPr lang="it-IT"/>
           </a:p>
@@ -2899,7 +2899,7 @@
             <a:fld id="{AD8BF249-6BAC-CD40-AAE9-334F110649E5}" type="datetimeFigureOut">
               <a:rPr lang="it-IT" smtClean="0"/>
               <a:pPr/>
-              <a:t>01/07/2019</a:t>
+              <a:t>02/07/2019</a:t>
             </a:fld>
             <a:endParaRPr lang="it-IT"/>
           </a:p>
@@ -3069,7 +3069,7 @@
             <a:fld id="{AD8BF249-6BAC-CD40-AAE9-334F110649E5}" type="datetimeFigureOut">
               <a:rPr lang="it-IT" smtClean="0"/>
               <a:pPr/>
-              <a:t>01/07/2019</a:t>
+              <a:t>02/07/2019</a:t>
             </a:fld>
             <a:endParaRPr lang="it-IT"/>
           </a:p>
@@ -3316,7 +3316,7 @@
             <a:fld id="{AD8BF249-6BAC-CD40-AAE9-334F110649E5}" type="datetimeFigureOut">
               <a:rPr lang="it-IT" smtClean="0"/>
               <a:pPr/>
-              <a:t>01/07/2019</a:t>
+              <a:t>02/07/2019</a:t>
             </a:fld>
             <a:endParaRPr lang="it-IT"/>
           </a:p>
@@ -3603,7 +3603,7 @@
             <a:fld id="{AD8BF249-6BAC-CD40-AAE9-334F110649E5}" type="datetimeFigureOut">
               <a:rPr lang="it-IT" smtClean="0"/>
               <a:pPr/>
-              <a:t>01/07/2019</a:t>
+              <a:t>02/07/2019</a:t>
             </a:fld>
             <a:endParaRPr lang="it-IT"/>
           </a:p>
@@ -4024,7 +4024,7 @@
             <a:fld id="{AD8BF249-6BAC-CD40-AAE9-334F110649E5}" type="datetimeFigureOut">
               <a:rPr lang="it-IT" smtClean="0"/>
               <a:pPr/>
-              <a:t>01/07/2019</a:t>
+              <a:t>02/07/2019</a:t>
             </a:fld>
             <a:endParaRPr lang="it-IT"/>
           </a:p>
@@ -4143,7 +4143,7 @@
             <a:fld id="{AD8BF249-6BAC-CD40-AAE9-334F110649E5}" type="datetimeFigureOut">
               <a:rPr lang="it-IT" smtClean="0"/>
               <a:pPr/>
-              <a:t>01/07/2019</a:t>
+              <a:t>02/07/2019</a:t>
             </a:fld>
             <a:endParaRPr lang="it-IT"/>
           </a:p>
@@ -4240,7 +4240,7 @@
             <a:fld id="{AD8BF249-6BAC-CD40-AAE9-334F110649E5}" type="datetimeFigureOut">
               <a:rPr lang="it-IT" smtClean="0"/>
               <a:pPr/>
-              <a:t>01/07/2019</a:t>
+              <a:t>02/07/2019</a:t>
             </a:fld>
             <a:endParaRPr lang="it-IT"/>
           </a:p>
@@ -4517,7 +4517,7 @@
             <a:fld id="{AD8BF249-6BAC-CD40-AAE9-334F110649E5}" type="datetimeFigureOut">
               <a:rPr lang="it-IT" smtClean="0"/>
               <a:pPr/>
-              <a:t>01/07/2019</a:t>
+              <a:t>02/07/2019</a:t>
             </a:fld>
             <a:endParaRPr lang="it-IT"/>
           </a:p>
@@ -4771,7 +4771,7 @@
             <a:fld id="{AD8BF249-6BAC-CD40-AAE9-334F110649E5}" type="datetimeFigureOut">
               <a:rPr lang="it-IT" smtClean="0"/>
               <a:pPr/>
-              <a:t>01/07/2019</a:t>
+              <a:t>02/07/2019</a:t>
             </a:fld>
             <a:endParaRPr lang="it-IT"/>
           </a:p>
@@ -4984,7 +4984,7 @@
             <a:fld id="{AD8BF249-6BAC-CD40-AAE9-334F110649E5}" type="datetimeFigureOut">
               <a:rPr lang="it-IT" smtClean="0"/>
               <a:pPr/>
-              <a:t>01/07/2019</a:t>
+              <a:t>02/07/2019</a:t>
             </a:fld>
             <a:endParaRPr lang="it-IT"/>
           </a:p>
@@ -16133,34 +16133,6 @@
                   <a:rPr lang="it-IT" sz="1400" dirty="0">
                     <a:latin typeface="Arial" panose="020B0604020202020204" pitchFamily="34" charset="0"/>
                     <a:cs typeface="Arial" panose="020B0604020202020204" pitchFamily="34" charset="0"/>
-                    <a:sym typeface="Wingdings" panose="05000000000000000000" pitchFamily="2" charset="2"/>
-                  </a:rPr>
-                  <a:t>Ogni vertice ha associato un numero non negativo  età del vertice;</a:t>
-                </a:r>
-              </a:p>
-              <a:p>
-                <a:pPr marL="285750" indent="-285750">
-                  <a:buFont typeface="Arial" panose="020B0604020202020204" pitchFamily="34" charset="0"/>
-                  <a:buChar char="•"/>
-                </a:pPr>
-                <a:r>
-                  <a:rPr lang="it-IT" sz="1400" dirty="0">
-                    <a:latin typeface="Arial" panose="020B0604020202020204" pitchFamily="34" charset="0"/>
-                    <a:cs typeface="Arial" panose="020B0604020202020204" pitchFamily="34" charset="0"/>
-                    <a:sym typeface="Wingdings" panose="05000000000000000000" pitchFamily="2" charset="2"/>
-                  </a:rPr>
-                  <a:t>Peso degli archi  differenza tra le età dei nodi;</a:t>
-                </a:r>
-              </a:p>
-              <a:p>
-                <a:pPr marL="285750" indent="-285750">
-                  <a:buFont typeface="Arial" panose="020B0604020202020204" pitchFamily="34" charset="0"/>
-                  <a:buChar char="•"/>
-                </a:pPr>
-                <a:r>
-                  <a:rPr lang="it-IT" sz="1400" dirty="0">
-                    <a:latin typeface="Arial" panose="020B0604020202020204" pitchFamily="34" charset="0"/>
-                    <a:cs typeface="Arial" panose="020B0604020202020204" pitchFamily="34" charset="0"/>
                   </a:rPr>
                   <a:t>Foglie </a:t>
                 </a:r>
@@ -16185,6 +16157,34 @@
                     <a:sym typeface="Wingdings" panose="05000000000000000000" pitchFamily="2" charset="2"/>
                   </a:rPr>
                   <a:t>Nodi interni  Speciazioni (processi in cui si formano nuove specie).</a:t>
+                </a:r>
+              </a:p>
+              <a:p>
+                <a:pPr marL="285750" indent="-285750">
+                  <a:buFont typeface="Arial" panose="020B0604020202020204" pitchFamily="34" charset="0"/>
+                  <a:buChar char="•"/>
+                </a:pPr>
+                <a:r>
+                  <a:rPr lang="it-IT" sz="1400" dirty="0">
+                    <a:latin typeface="Arial" panose="020B0604020202020204" pitchFamily="34" charset="0"/>
+                    <a:cs typeface="Arial" panose="020B0604020202020204" pitchFamily="34" charset="0"/>
+                    <a:sym typeface="Wingdings" panose="05000000000000000000" pitchFamily="2" charset="2"/>
+                  </a:rPr>
+                  <a:t>Ogni vertice ha associato un numero non negativo  età del vertice;</a:t>
+                </a:r>
+              </a:p>
+              <a:p>
+                <a:pPr marL="285750" indent="-285750">
+                  <a:buFont typeface="Arial" panose="020B0604020202020204" pitchFamily="34" charset="0"/>
+                  <a:buChar char="•"/>
+                </a:pPr>
+                <a:r>
+                  <a:rPr lang="it-IT" sz="1400" dirty="0">
+                    <a:latin typeface="Arial" panose="020B0604020202020204" pitchFamily="34" charset="0"/>
+                    <a:cs typeface="Arial" panose="020B0604020202020204" pitchFamily="34" charset="0"/>
+                    <a:sym typeface="Wingdings" panose="05000000000000000000" pitchFamily="2" charset="2"/>
+                  </a:rPr>
+                  <a:t>Peso degli archi  differenza tra le età dei nodi;</a:t>
                 </a:r>
               </a:p>
             </p:txBody>
@@ -17334,8 +17334,8 @@
           </a:prstGeom>
         </p:spPr>
       </p:pic>
-      <mc:AlternateContent xmlns:mc="http://schemas.openxmlformats.org/markup-compatibility/2006">
-        <mc:Choice xmlns:a14="http://schemas.microsoft.com/office/drawing/2010/main" Requires="a14">
+      <mc:AlternateContent xmlns:mc="http://schemas.openxmlformats.org/markup-compatibility/2006" xmlns:a14="http://schemas.microsoft.com/office/drawing/2010/main">
+        <mc:Choice Requires="a14">
           <p:sp>
             <p:nvSpPr>
               <p:cNvPr id="26" name="CasellaDiTesto 25">
@@ -17431,7 +17431,7 @@
             </p:txBody>
           </p:sp>
         </mc:Choice>
-        <mc:Fallback>
+        <mc:Fallback xmlns="">
           <p:sp>
             <p:nvSpPr>
               <p:cNvPr id="26" name="CasellaDiTesto 25">
@@ -19117,8 +19117,8 @@
             </p:nvSpPr>
             <p:spPr>
               <a:xfrm>
-                <a:off x="9061" y="1532315"/>
-                <a:ext cx="8526702" cy="307777"/>
+                <a:off x="9060" y="1440875"/>
+                <a:ext cx="9134939" cy="523220"/>
               </a:xfrm>
               <a:prstGeom prst="rect">
                 <a:avLst/>
@@ -19166,7 +19166,47 @@
                     <a:cs typeface="Arial" panose="020B0604020202020204" pitchFamily="34" charset="0"/>
                     <a:sym typeface="Wingdings" panose="05000000000000000000" pitchFamily="2" charset="2"/>
                   </a:rPr>
-                  <a:t> </a:t>
+                  <a:t> elimina </a:t>
+                </a:r>
+                <a14:m>
+                  <m:oMath xmlns:m="http://schemas.openxmlformats.org/officeDocument/2006/math">
+                    <m:r>
+                      <a:rPr lang="it-IT" sz="1400" b="0" i="1" smtClean="0">
+                        <a:latin typeface="Cambria Math" panose="02040503050406030204" pitchFamily="18" charset="0"/>
+                        <a:cs typeface="Arial" panose="020B0604020202020204" pitchFamily="34" charset="0"/>
+                        <a:sym typeface="Wingdings" panose="05000000000000000000" pitchFamily="2" charset="2"/>
+                      </a:rPr>
+                      <m:t>𝑋</m:t>
+                    </m:r>
+                  </m:oMath>
+                </a14:m>
+                <a:r>
+                  <a:rPr lang="it-IT" sz="1400" dirty="0">
+                    <a:latin typeface="Arial" panose="020B0604020202020204" pitchFamily="34" charset="0"/>
+                    <a:cs typeface="Arial" panose="020B0604020202020204" pitchFamily="34" charset="0"/>
+                    <a:sym typeface="Wingdings" panose="05000000000000000000" pitchFamily="2" charset="2"/>
+                  </a:rPr>
+                  <a:t> ed </a:t>
+                </a:r>
+                <a14:m>
+                  <m:oMath xmlns:m="http://schemas.openxmlformats.org/officeDocument/2006/math">
+                    <m:r>
+                      <a:rPr lang="it-IT" sz="1400" b="0" i="1" smtClean="0">
+                        <a:latin typeface="Cambria Math" panose="02040503050406030204" pitchFamily="18" charset="0"/>
+                        <a:cs typeface="Arial" panose="020B0604020202020204" pitchFamily="34" charset="0"/>
+                        <a:sym typeface="Wingdings" panose="05000000000000000000" pitchFamily="2" charset="2"/>
+                      </a:rPr>
+                      <m:t>𝑌</m:t>
+                    </m:r>
+                  </m:oMath>
+                </a14:m>
+                <a:r>
+                  <a:rPr lang="it-IT" sz="1400" dirty="0">
+                    <a:latin typeface="Arial" panose="020B0604020202020204" pitchFamily="34" charset="0"/>
+                    <a:cs typeface="Arial" panose="020B0604020202020204" pitchFamily="34" charset="0"/>
+                    <a:sym typeface="Wingdings" panose="05000000000000000000" pitchFamily="2" charset="2"/>
+                  </a:rPr>
+                  <a:t> e </a:t>
                 </a:r>
                 <a:r>
                   <a:rPr lang="it-IT" sz="1400" dirty="0">
@@ -19214,8 +19254,8 @@
             </p:nvSpPr>
             <p:spPr>
               <a:xfrm>
-                <a:off x="9061" y="1532315"/>
-                <a:ext cx="8526702" cy="307777"/>
+                <a:off x="9060" y="1440875"/>
+                <a:ext cx="9134939" cy="523220"/>
               </a:xfrm>
               <a:prstGeom prst="rect">
                 <a:avLst/>
@@ -19223,7 +19263,7 @@
               <a:blipFill>
                 <a:blip r:embed="rId6"/>
                 <a:stretch>
-                  <a:fillRect l="-71" t="-1961" b="-19608"/>
+                  <a:fillRect l="-67" t="-1163" b="-11628"/>
                 </a:stretch>
               </a:blipFill>
             </p:spPr>
@@ -20402,8 +20442,8 @@
           </a:p>
         </p:txBody>
       </p:sp>
-      <mc:AlternateContent xmlns:mc="http://schemas.openxmlformats.org/markup-compatibility/2006">
-        <mc:Choice xmlns:a14="http://schemas.microsoft.com/office/drawing/2010/main" Requires="a14">
+      <mc:AlternateContent xmlns:mc="http://schemas.openxmlformats.org/markup-compatibility/2006" xmlns:a14="http://schemas.microsoft.com/office/drawing/2010/main">
+        <mc:Choice Requires="a14">
           <p:sp>
             <p:nvSpPr>
               <p:cNvPr id="28" name="CasellaDiTesto 27">
@@ -20621,7 +20661,7 @@
             </p:txBody>
           </p:sp>
         </mc:Choice>
-        <mc:Fallback>
+        <mc:Fallback xmlns="">
           <p:sp>
             <p:nvSpPr>
               <p:cNvPr id="28" name="CasellaDiTesto 27">
@@ -21185,6 +21225,7 @@
           </a:bodyPr>
           <a:lstStyle/>
           <a:p>
+            <a:pPr algn="ctr"/>
             <a:r>
               <a:rPr lang="it-IT" sz="1400" i="1" dirty="0">
                 <a:latin typeface="Arial" panose="020B0604020202020204" pitchFamily="34" charset="0"/>
@@ -22441,8 +22482,8 @@
           </a:p>
         </p:txBody>
       </p:sp>
-      <mc:AlternateContent xmlns:mc="http://schemas.openxmlformats.org/markup-compatibility/2006">
-        <mc:Choice xmlns:a14="http://schemas.microsoft.com/office/drawing/2010/main" Requires="a14">
+      <mc:AlternateContent xmlns:mc="http://schemas.openxmlformats.org/markup-compatibility/2006" xmlns:a14="http://schemas.microsoft.com/office/drawing/2010/main">
+        <mc:Choice Requires="a14">
           <p:sp>
             <p:nvSpPr>
               <p:cNvPr id="22" name="CasellaDiTesto 21">
@@ -22535,7 +22576,7 @@
             </p:txBody>
           </p:sp>
         </mc:Choice>
-        <mc:Fallback>
+        <mc:Fallback xmlns="">
           <p:sp>
             <p:nvSpPr>
               <p:cNvPr id="22" name="CasellaDiTesto 21">
@@ -23085,8 +23126,8 @@
           </a:fontRef>
         </p:style>
       </p:cxnSp>
-      <mc:AlternateContent xmlns:mc="http://schemas.openxmlformats.org/markup-compatibility/2006">
-        <mc:Choice xmlns:a14="http://schemas.microsoft.com/office/drawing/2010/main" Requires="a14">
+      <mc:AlternateContent xmlns:mc="http://schemas.openxmlformats.org/markup-compatibility/2006" xmlns:a14="http://schemas.microsoft.com/office/drawing/2010/main">
+        <mc:Choice Requires="a14">
           <p:sp>
             <p:nvSpPr>
               <p:cNvPr id="23" name="CasellaDiTesto 22">
@@ -23209,7 +23250,7 @@
             </p:txBody>
           </p:sp>
         </mc:Choice>
-        <mc:Fallback>
+        <mc:Fallback xmlns="">
           <p:sp>
             <p:nvSpPr>
               <p:cNvPr id="23" name="CasellaDiTesto 22">
@@ -24887,8 +24928,8 @@
           </a:prstGeom>
         </p:spPr>
       </p:pic>
-      <mc:AlternateContent xmlns:mc="http://schemas.openxmlformats.org/markup-compatibility/2006">
-        <mc:Choice xmlns:a14="http://schemas.microsoft.com/office/drawing/2010/main" Requires="a14">
+      <mc:AlternateContent xmlns:mc="http://schemas.openxmlformats.org/markup-compatibility/2006" xmlns:a14="http://schemas.microsoft.com/office/drawing/2010/main">
+        <mc:Choice Requires="a14">
           <p:sp>
             <p:nvSpPr>
               <p:cNvPr id="27" name="CasellaDiTesto 26">
@@ -25098,7 +25139,7 @@
             </p:txBody>
           </p:sp>
         </mc:Choice>
-        <mc:Fallback>
+        <mc:Fallback xmlns="">
           <p:sp>
             <p:nvSpPr>
               <p:cNvPr id="27" name="CasellaDiTesto 26">
